--- a/2022-1（UE4材质编辑）.pptx
+++ b/2022-1（UE4材质编辑）.pptx
@@ -212,7 +212,7 @@
           <a:p>
             <a:fld id="{C1AFDE93-949C-47ED-A631-476E40CF0087}" type="datetimeFigureOut">
               <a:rPr lang="zh-CN" altLang="en-US" smtClean="0"/>
-              <a:t>2022/6/3</a:t>
+              <a:t>2022/6/4</a:t>
             </a:fld>
             <a:endParaRPr lang="zh-CN" altLang="en-US"/>
           </a:p>
@@ -1066,7 +1066,7 @@
           <a:p>
             <a:fld id="{F06A2785-4E77-4690-870F-283ACAAC6AF9}" type="datetimeFigureOut">
               <a:rPr lang="zh-CN" altLang="en-US" smtClean="0"/>
-              <a:t>2022/6/3</a:t>
+              <a:t>2022/6/4</a:t>
             </a:fld>
             <a:endParaRPr lang="zh-CN" altLang="en-US"/>
           </a:p>
@@ -1264,7 +1264,7 @@
           <a:p>
             <a:fld id="{F06A2785-4E77-4690-870F-283ACAAC6AF9}" type="datetimeFigureOut">
               <a:rPr lang="zh-CN" altLang="en-US" smtClean="0"/>
-              <a:t>2022/6/3</a:t>
+              <a:t>2022/6/4</a:t>
             </a:fld>
             <a:endParaRPr lang="zh-CN" altLang="en-US"/>
           </a:p>
@@ -1472,7 +1472,7 @@
           <a:p>
             <a:fld id="{F06A2785-4E77-4690-870F-283ACAAC6AF9}" type="datetimeFigureOut">
               <a:rPr lang="zh-CN" altLang="en-US" smtClean="0"/>
-              <a:t>2022/6/3</a:t>
+              <a:t>2022/6/4</a:t>
             </a:fld>
             <a:endParaRPr lang="zh-CN" altLang="en-US"/>
           </a:p>
@@ -1670,7 +1670,7 @@
           <a:p>
             <a:fld id="{F06A2785-4E77-4690-870F-283ACAAC6AF9}" type="datetimeFigureOut">
               <a:rPr lang="zh-CN" altLang="en-US" smtClean="0"/>
-              <a:t>2022/6/3</a:t>
+              <a:t>2022/6/4</a:t>
             </a:fld>
             <a:endParaRPr lang="zh-CN" altLang="en-US"/>
           </a:p>
@@ -1945,7 +1945,7 @@
           <a:p>
             <a:fld id="{F06A2785-4E77-4690-870F-283ACAAC6AF9}" type="datetimeFigureOut">
               <a:rPr lang="zh-CN" altLang="en-US" smtClean="0"/>
-              <a:t>2022/6/3</a:t>
+              <a:t>2022/6/4</a:t>
             </a:fld>
             <a:endParaRPr lang="zh-CN" altLang="en-US"/>
           </a:p>
@@ -2210,7 +2210,7 @@
           <a:p>
             <a:fld id="{F06A2785-4E77-4690-870F-283ACAAC6AF9}" type="datetimeFigureOut">
               <a:rPr lang="zh-CN" altLang="en-US" smtClean="0"/>
-              <a:t>2022/6/3</a:t>
+              <a:t>2022/6/4</a:t>
             </a:fld>
             <a:endParaRPr lang="zh-CN" altLang="en-US"/>
           </a:p>
@@ -2622,7 +2622,7 @@
           <a:p>
             <a:fld id="{F06A2785-4E77-4690-870F-283ACAAC6AF9}" type="datetimeFigureOut">
               <a:rPr lang="zh-CN" altLang="en-US" smtClean="0"/>
-              <a:t>2022/6/3</a:t>
+              <a:t>2022/6/4</a:t>
             </a:fld>
             <a:endParaRPr lang="zh-CN" altLang="en-US"/>
           </a:p>
@@ -2763,7 +2763,7 @@
           <a:p>
             <a:fld id="{F06A2785-4E77-4690-870F-283ACAAC6AF9}" type="datetimeFigureOut">
               <a:rPr lang="zh-CN" altLang="en-US" smtClean="0"/>
-              <a:t>2022/6/3</a:t>
+              <a:t>2022/6/4</a:t>
             </a:fld>
             <a:endParaRPr lang="zh-CN" altLang="en-US"/>
           </a:p>
@@ -2876,7 +2876,7 @@
           <a:p>
             <a:fld id="{F06A2785-4E77-4690-870F-283ACAAC6AF9}" type="datetimeFigureOut">
               <a:rPr lang="zh-CN" altLang="en-US" smtClean="0"/>
-              <a:t>2022/6/3</a:t>
+              <a:t>2022/6/4</a:t>
             </a:fld>
             <a:endParaRPr lang="zh-CN" altLang="en-US"/>
           </a:p>
@@ -3187,7 +3187,7 @@
           <a:p>
             <a:fld id="{F06A2785-4E77-4690-870F-283ACAAC6AF9}" type="datetimeFigureOut">
               <a:rPr lang="zh-CN" altLang="en-US" smtClean="0"/>
-              <a:t>2022/6/3</a:t>
+              <a:t>2022/6/4</a:t>
             </a:fld>
             <a:endParaRPr lang="zh-CN" altLang="en-US"/>
           </a:p>
@@ -3475,7 +3475,7 @@
           <a:p>
             <a:fld id="{F06A2785-4E77-4690-870F-283ACAAC6AF9}" type="datetimeFigureOut">
               <a:rPr lang="zh-CN" altLang="en-US" smtClean="0"/>
-              <a:t>2022/6/3</a:t>
+              <a:t>2022/6/4</a:t>
             </a:fld>
             <a:endParaRPr lang="zh-CN" altLang="en-US"/>
           </a:p>
@@ -3716,7 +3716,7 @@
           <a:p>
             <a:fld id="{F06A2785-4E77-4690-870F-283ACAAC6AF9}" type="datetimeFigureOut">
               <a:rPr lang="zh-CN" altLang="en-US" smtClean="0"/>
-              <a:t>2022/6/3</a:t>
+              <a:t>2022/6/4</a:t>
             </a:fld>
             <a:endParaRPr lang="zh-CN" altLang="en-US"/>
           </a:p>
@@ -6423,7 +6423,10 @@
             <a:avLst/>
           </a:prstGeom>
           <a:solidFill>
-            <a:schemeClr val="accent5"/>
+            <a:schemeClr val="bg2">
+              <a:lumMod val="60000"/>
+              <a:lumOff val="40000"/>
+            </a:schemeClr>
           </a:solidFill>
           <a:ln>
             <a:noFill/>
@@ -6491,7 +6494,10 @@
             <a:avLst/>
           </a:prstGeom>
           <a:solidFill>
-            <a:schemeClr val="accent5"/>
+            <a:schemeClr val="bg2">
+              <a:lumMod val="60000"/>
+              <a:lumOff val="40000"/>
+            </a:schemeClr>
           </a:solidFill>
           <a:ln>
             <a:noFill/>
@@ -6812,6 +6818,28 @@
                                       </p:childTnLst>
                                     </p:cTn>
                                   </p:par>
+                                  <p:par>
+                                    <p:cTn id="27" presetID="63" presetClass="path" presetSubtype="0" accel="50000" fill="hold" grpId="0" nodeType="withEffect" p14:presetBounceEnd="51000">
+                                      <p:stCondLst>
+                                        <p:cond delay="0"/>
+                                      </p:stCondLst>
+                                      <p:childTnLst>
+                                        <p:animMotion origin="layout" path="M 2.29167E-6 4.81481E-6 L 0.67448 4.81481E-6 " pathEditMode="relative" rAng="0" ptsTypes="AA" p14:bounceEnd="51000">
+                                          <p:cBhvr>
+                                            <p:cTn id="28" dur="1000" fill="hold"/>
+                                            <p:tgtEl>
+                                              <p:spTgt spid="22"/>
+                                            </p:tgtEl>
+                                            <p:attrNameLst>
+                                              <p:attrName>ppt_x</p:attrName>
+                                              <p:attrName>ppt_y</p:attrName>
+                                            </p:attrNameLst>
+                                          </p:cBhvr>
+                                          <p:rCtr x="33724" y="0"/>
+                                        </p:animMotion>
+                                      </p:childTnLst>
+                                    </p:cTn>
+                                  </p:par>
                                 </p:childTnLst>
                               </p:cTn>
                             </p:par>
@@ -6840,6 +6868,7 @@
           </p:par>
         </p:tnLst>
         <p:bldLst>
+          <p:bldP spid="22" grpId="0"/>
           <p:bldP spid="8" grpId="0" animBg="1"/>
           <p:bldP spid="9" grpId="0" animBg="1"/>
           <p:bldP spid="13" grpId="0" animBg="1"/>
@@ -7116,6 +7145,28 @@
                                       </p:childTnLst>
                                     </p:cTn>
                                   </p:par>
+                                  <p:par>
+                                    <p:cTn id="27" presetID="63" presetClass="path" presetSubtype="0" accel="50000" fill="hold" grpId="0" nodeType="withEffect">
+                                      <p:stCondLst>
+                                        <p:cond delay="0"/>
+                                      </p:stCondLst>
+                                      <p:childTnLst>
+                                        <p:animMotion origin="layout" path="M 2.29167E-6 4.81481E-6 L 0.67448 4.81481E-6 " pathEditMode="relative" rAng="0" ptsTypes="AA">
+                                          <p:cBhvr>
+                                            <p:cTn id="28" dur="1000" fill="hold"/>
+                                            <p:tgtEl>
+                                              <p:spTgt spid="22"/>
+                                            </p:tgtEl>
+                                            <p:attrNameLst>
+                                              <p:attrName>ppt_x</p:attrName>
+                                              <p:attrName>ppt_y</p:attrName>
+                                            </p:attrNameLst>
+                                          </p:cBhvr>
+                                          <p:rCtr x="33724" y="0"/>
+                                        </p:animMotion>
+                                      </p:childTnLst>
+                                    </p:cTn>
+                                  </p:par>
                                 </p:childTnLst>
                               </p:cTn>
                             </p:par>
@@ -7144,6 +7195,7 @@
           </p:par>
         </p:tnLst>
         <p:bldLst>
+          <p:bldP spid="22" grpId="0"/>
           <p:bldP spid="8" grpId="0" animBg="1"/>
           <p:bldP spid="9" grpId="0" animBg="1"/>
           <p:bldP spid="13" grpId="0" animBg="1"/>
@@ -8092,7 +8144,10 @@
             <a:avLst/>
           </a:prstGeom>
           <a:solidFill>
-            <a:schemeClr val="accent5"/>
+            <a:schemeClr val="bg2">
+              <a:lumMod val="60000"/>
+              <a:lumOff val="40000"/>
+            </a:schemeClr>
           </a:solidFill>
           <a:ln>
             <a:noFill/>
@@ -8160,7 +8215,10 @@
             <a:avLst/>
           </a:prstGeom>
           <a:solidFill>
-            <a:schemeClr val="accent5"/>
+            <a:schemeClr val="bg2">
+              <a:lumMod val="60000"/>
+              <a:lumOff val="40000"/>
+            </a:schemeClr>
           </a:solidFill>
           <a:ln>
             <a:noFill/>
@@ -9056,7 +9114,7 @@
       </p:grpSp>
       <p:grpSp>
         <p:nvGrpSpPr>
-          <p:cNvPr id="12" name="组合 11" hidden="1">
+          <p:cNvPr id="12" name="组合 11">
             <a:extLst>
               <a:ext uri="{FF2B5EF4-FFF2-40B4-BE49-F238E27FC236}">
                 <a16:creationId xmlns:a16="http://schemas.microsoft.com/office/drawing/2014/main" id="{B2951025-4466-F7EF-45C6-A3CB7EF1CC66}"/>
@@ -9197,7 +9255,7 @@
       </p:grpSp>
       <p:grpSp>
         <p:nvGrpSpPr>
-          <p:cNvPr id="18" name="组合 17" hidden="1">
+          <p:cNvPr id="18" name="组合 17">
             <a:extLst>
               <a:ext uri="{FF2B5EF4-FFF2-40B4-BE49-F238E27FC236}">
                 <a16:creationId xmlns:a16="http://schemas.microsoft.com/office/drawing/2014/main" id="{7F6BD44A-0418-7275-D2E9-F6673D940EE8}"/>
@@ -9352,16 +9410,16 @@
   <p:clrMapOvr>
     <a:masterClrMapping/>
   </p:clrMapOvr>
-  <mc:AlternateContent xmlns:mc="http://schemas.openxmlformats.org/markup-compatibility/2006">
-    <mc:Choice xmlns:p14="http://schemas.microsoft.com/office/powerpoint/2010/main" Requires="p14">
+  <mc:AlternateContent xmlns:mc="http://schemas.openxmlformats.org/markup-compatibility/2006" xmlns:p14="http://schemas.microsoft.com/office/powerpoint/2010/main">
+    <mc:Choice Requires="p14">
       <p:transition p14:dur="0" advClick="0"/>
     </mc:Choice>
-    <mc:Fallback>
+    <mc:Fallback xmlns="">
       <p:transition advClick="0"/>
     </mc:Fallback>
   </mc:AlternateContent>
-  <mc:AlternateContent xmlns:mc="http://schemas.openxmlformats.org/markup-compatibility/2006" xmlns:p14="http://schemas.microsoft.com/office/powerpoint/2010/main">
-    <mc:Choice Requires="p14">
+  <mc:AlternateContent xmlns:mc="http://schemas.openxmlformats.org/markup-compatibility/2006">
+    <mc:Choice xmlns:p14="http://schemas.microsoft.com/office/powerpoint/2010/main" Requires="p14">
       <p:timing>
         <p:tnLst>
           <p:par>
@@ -9492,6 +9550,28 @@
                                       </p:childTnLst>
                                     </p:cTn>
                                   </p:par>
+                                  <p:par>
+                                    <p:cTn id="15" presetID="63" presetClass="path" presetSubtype="0" accel="50000" fill="hold" grpId="0" nodeType="withEffect" p14:presetBounceEnd="51000">
+                                      <p:stCondLst>
+                                        <p:cond delay="0"/>
+                                      </p:stCondLst>
+                                      <p:childTnLst>
+                                        <p:animMotion origin="layout" path="M 4.16667E-6 2.96296E-6 L 0.73007 2.96296E-6 " pathEditMode="relative" rAng="0" ptsTypes="AA" p14:bounceEnd="51000">
+                                          <p:cBhvr>
+                                            <p:cTn id="16" dur="1000" fill="hold"/>
+                                            <p:tgtEl>
+                                              <p:spTgt spid="23"/>
+                                            </p:tgtEl>
+                                            <p:attrNameLst>
+                                              <p:attrName>ppt_x</p:attrName>
+                                              <p:attrName>ppt_y</p:attrName>
+                                            </p:attrNameLst>
+                                          </p:cBhvr>
+                                          <p:rCtr x="36497" y="0"/>
+                                        </p:animMotion>
+                                      </p:childTnLst>
+                                    </p:cTn>
+                                  </p:par>
                                 </p:childTnLst>
                               </p:cTn>
                             </p:par>
@@ -9519,9 +9599,12 @@
             </p:cTn>
           </p:par>
         </p:tnLst>
+        <p:bldLst>
+          <p:bldP spid="23" grpId="0"/>
+        </p:bldLst>
       </p:timing>
     </mc:Choice>
-    <mc:Fallback xmlns="">
+    <mc:Fallback>
       <p:timing>
         <p:tnLst>
           <p:par>
@@ -9652,6 +9735,28 @@
                                       </p:childTnLst>
                                     </p:cTn>
                                   </p:par>
+                                  <p:par>
+                                    <p:cTn id="15" presetID="63" presetClass="path" presetSubtype="0" accel="50000" fill="hold" grpId="0" nodeType="withEffect">
+                                      <p:stCondLst>
+                                        <p:cond delay="0"/>
+                                      </p:stCondLst>
+                                      <p:childTnLst>
+                                        <p:animMotion origin="layout" path="M 4.16667E-6 2.96296E-6 L 0.73007 2.96296E-6 " pathEditMode="relative" rAng="0" ptsTypes="AA">
+                                          <p:cBhvr>
+                                            <p:cTn id="16" dur="1000" fill="hold"/>
+                                            <p:tgtEl>
+                                              <p:spTgt spid="23"/>
+                                            </p:tgtEl>
+                                            <p:attrNameLst>
+                                              <p:attrName>ppt_x</p:attrName>
+                                              <p:attrName>ppt_y</p:attrName>
+                                            </p:attrNameLst>
+                                          </p:cBhvr>
+                                          <p:rCtr x="36497" y="0"/>
+                                        </p:animMotion>
+                                      </p:childTnLst>
+                                    </p:cTn>
+                                  </p:par>
                                 </p:childTnLst>
                               </p:cTn>
                             </p:par>
@@ -9679,6 +9784,9 @@
             </p:cTn>
           </p:par>
         </p:tnLst>
+        <p:bldLst>
+          <p:bldP spid="23" grpId="0"/>
+        </p:bldLst>
       </p:timing>
     </mc:Fallback>
   </mc:AlternateContent>
@@ -10475,7 +10583,10 @@
               <a:avLst/>
             </a:prstGeom>
             <a:solidFill>
-              <a:schemeClr val="accent5"/>
+              <a:schemeClr val="bg2">
+                <a:lumMod val="60000"/>
+                <a:lumOff val="40000"/>
+              </a:schemeClr>
             </a:solidFill>
             <a:ln>
               <a:noFill/>
@@ -10543,7 +10654,10 @@
               <a:avLst/>
             </a:prstGeom>
             <a:solidFill>
-              <a:schemeClr val="accent5"/>
+              <a:schemeClr val="bg2">
+                <a:lumMod val="60000"/>
+                <a:lumOff val="40000"/>
+              </a:schemeClr>
             </a:solidFill>
             <a:ln>
               <a:noFill/>
@@ -10597,8 +10711,8 @@
       </p:transition>
     </mc:Fallback>
   </mc:AlternateContent>
-  <mc:AlternateContent xmlns:mc="http://schemas.openxmlformats.org/markup-compatibility/2006" xmlns:p14="http://schemas.microsoft.com/office/powerpoint/2010/main">
-    <mc:Choice Requires="p14">
+  <mc:AlternateContent xmlns:mc="http://schemas.openxmlformats.org/markup-compatibility/2006">
+    <mc:Choice xmlns:p14="http://schemas.microsoft.com/office/powerpoint/2010/main" Requires="p14">
       <p:timing>
         <p:tnLst>
           <p:par>
@@ -10729,6 +10843,28 @@
                                       </p:childTnLst>
                                     </p:cTn>
                                   </p:par>
+                                  <p:par>
+                                    <p:cTn id="15" presetID="63" presetClass="path" presetSubtype="0" accel="50000" fill="hold" grpId="0" nodeType="withEffect" p14:presetBounceEnd="51000">
+                                      <p:stCondLst>
+                                        <p:cond delay="0"/>
+                                      </p:stCondLst>
+                                      <p:childTnLst>
+                                        <p:animMotion origin="layout" path="M 3.33333E-6 1.85185E-6 L 0.74466 1.85185E-6 " pathEditMode="relative" rAng="0" ptsTypes="AA" p14:bounceEnd="51000">
+                                          <p:cBhvr>
+                                            <p:cTn id="16" dur="1000" fill="hold"/>
+                                            <p:tgtEl>
+                                              <p:spTgt spid="23"/>
+                                            </p:tgtEl>
+                                            <p:attrNameLst>
+                                              <p:attrName>ppt_x</p:attrName>
+                                              <p:attrName>ppt_y</p:attrName>
+                                            </p:attrNameLst>
+                                          </p:cBhvr>
+                                          <p:rCtr x="37227" y="0"/>
+                                        </p:animMotion>
+                                      </p:childTnLst>
+                                    </p:cTn>
+                                  </p:par>
                                 </p:childTnLst>
                               </p:cTn>
                             </p:par>
@@ -10756,9 +10892,12 @@
             </p:cTn>
           </p:par>
         </p:tnLst>
+        <p:bldLst>
+          <p:bldP spid="23" grpId="0"/>
+        </p:bldLst>
       </p:timing>
     </mc:Choice>
-    <mc:Fallback xmlns="">
+    <mc:Fallback>
       <p:timing>
         <p:tnLst>
           <p:par>
@@ -10889,6 +11028,28 @@
                                       </p:childTnLst>
                                     </p:cTn>
                                   </p:par>
+                                  <p:par>
+                                    <p:cTn id="15" presetID="63" presetClass="path" presetSubtype="0" accel="50000" fill="hold" grpId="0" nodeType="withEffect">
+                                      <p:stCondLst>
+                                        <p:cond delay="0"/>
+                                      </p:stCondLst>
+                                      <p:childTnLst>
+                                        <p:animMotion origin="layout" path="M 3.33333E-6 1.85185E-6 L 0.74466 1.85185E-6 " pathEditMode="relative" rAng="0" ptsTypes="AA">
+                                          <p:cBhvr>
+                                            <p:cTn id="16" dur="1000" fill="hold"/>
+                                            <p:tgtEl>
+                                              <p:spTgt spid="23"/>
+                                            </p:tgtEl>
+                                            <p:attrNameLst>
+                                              <p:attrName>ppt_x</p:attrName>
+                                              <p:attrName>ppt_y</p:attrName>
+                                            </p:attrNameLst>
+                                          </p:cBhvr>
+                                          <p:rCtr x="37227" y="0"/>
+                                        </p:animMotion>
+                                      </p:childTnLst>
+                                    </p:cTn>
+                                  </p:par>
                                 </p:childTnLst>
                               </p:cTn>
                             </p:par>
@@ -10916,6 +11077,9 @@
             </p:cTn>
           </p:par>
         </p:tnLst>
+        <p:bldLst>
+          <p:bldP spid="23" grpId="0"/>
+        </p:bldLst>
       </p:timing>
     </mc:Fallback>
   </mc:AlternateContent>

--- a/2022-1（UE4材质编辑）.pptx
+++ b/2022-1（UE4材质编辑）.pptx
@@ -5,7 +5,7 @@
     <p:sldMasterId id="2147483648" r:id="rId1"/>
   </p:sldMasterIdLst>
   <p:notesMasterIdLst>
-    <p:notesMasterId r:id="rId7"/>
+    <p:notesMasterId r:id="rId8"/>
   </p:notesMasterIdLst>
   <p:sldIdLst>
     <p:sldId id="256" r:id="rId2"/>
@@ -13,6 +13,7 @@
     <p:sldId id="261" r:id="rId4"/>
     <p:sldId id="259" r:id="rId5"/>
     <p:sldId id="260" r:id="rId6"/>
+    <p:sldId id="262" r:id="rId7"/>
   </p:sldIdLst>
   <p:sldSz cx="12192000" cy="6858000"/>
   <p:notesSz cx="6858000" cy="9144000"/>
@@ -905,6 +906,93 @@
     <p:extLst>
       <p:ext uri="{BB962C8B-B14F-4D97-AF65-F5344CB8AC3E}">
         <p14:creationId xmlns:p14="http://schemas.microsoft.com/office/powerpoint/2010/main" val="2862223007"/>
+      </p:ext>
+    </p:extLst>
+  </p:cSld>
+  <p:clrMapOvr>
+    <a:masterClrMapping/>
+  </p:clrMapOvr>
+</p:notes>
+</file>
+
+<file path=ppt/notesSlides/notesSlide6.xml><?xml version="1.0" encoding="utf-8"?>
+<p:notes xmlns:a="http://schemas.openxmlformats.org/drawingml/2006/main" xmlns:r="http://schemas.openxmlformats.org/officeDocument/2006/relationships" xmlns:p="http://schemas.openxmlformats.org/presentationml/2006/main">
+  <p:cSld>
+    <p:spTree>
+      <p:nvGrpSpPr>
+        <p:cNvPr id="1" name=""/>
+        <p:cNvGrpSpPr/>
+        <p:nvPr/>
+      </p:nvGrpSpPr>
+      <p:grpSpPr>
+        <a:xfrm>
+          <a:off x="0" y="0"/>
+          <a:ext cx="0" cy="0"/>
+          <a:chOff x="0" y="0"/>
+          <a:chExt cx="0" cy="0"/>
+        </a:xfrm>
+      </p:grpSpPr>
+      <p:sp>
+        <p:nvSpPr>
+          <p:cNvPr id="2" name="幻灯片图像占位符 1"/>
+          <p:cNvSpPr>
+            <a:spLocks noGrp="1" noRot="1" noChangeAspect="1"/>
+          </p:cNvSpPr>
+          <p:nvPr>
+            <p:ph type="sldImg"/>
+          </p:nvPr>
+        </p:nvSpPr>
+        <p:spPr/>
+      </p:sp>
+      <p:sp>
+        <p:nvSpPr>
+          <p:cNvPr id="3" name="备注占位符 2"/>
+          <p:cNvSpPr>
+            <a:spLocks noGrp="1"/>
+          </p:cNvSpPr>
+          <p:nvPr>
+            <p:ph type="body" idx="1"/>
+          </p:nvPr>
+        </p:nvSpPr>
+        <p:spPr/>
+        <p:txBody>
+          <a:bodyPr/>
+          <a:lstStyle/>
+          <a:p>
+            <a:r>
+              <a:rPr lang="zh-CN" altLang="en-US" dirty="0"/>
+              <a:t>备注：</a:t>
+            </a:r>
+          </a:p>
+        </p:txBody>
+      </p:sp>
+      <p:sp>
+        <p:nvSpPr>
+          <p:cNvPr id="4" name="灯片编号占位符 3"/>
+          <p:cNvSpPr>
+            <a:spLocks noGrp="1"/>
+          </p:cNvSpPr>
+          <p:nvPr>
+            <p:ph type="sldNum" sz="quarter" idx="5"/>
+          </p:nvPr>
+        </p:nvSpPr>
+        <p:spPr/>
+        <p:txBody>
+          <a:bodyPr/>
+          <a:lstStyle/>
+          <a:p>
+            <a:fld id="{23155662-D503-4A2D-87BD-AD703EE405C2}" type="slidenum">
+              <a:rPr lang="zh-CN" altLang="en-US" smtClean="0"/>
+              <a:t>6</a:t>
+            </a:fld>
+            <a:endParaRPr lang="zh-CN" altLang="en-US"/>
+          </a:p>
+        </p:txBody>
+      </p:sp>
+    </p:spTree>
+    <p:extLst>
+      <p:ext uri="{BB962C8B-B14F-4D97-AF65-F5344CB8AC3E}">
+        <p14:creationId xmlns:p14="http://schemas.microsoft.com/office/powerpoint/2010/main" val="639510647"/>
       </p:ext>
     </p:extLst>
   </p:cSld>
@@ -5918,9 +6006,9 @@
         <p:grpSpPr>
           <a:xfrm>
             <a:off x="-7513692" y="4410075"/>
-            <a:ext cx="6293942" cy="888652"/>
+            <a:ext cx="8975823" cy="888652"/>
             <a:chOff x="2419066" y="3929703"/>
-            <a:chExt cx="6293942" cy="888652"/>
+            <a:chExt cx="8975823" cy="888652"/>
           </a:xfrm>
         </p:grpSpPr>
         <p:sp>
@@ -6121,6 +6209,72 @@
             </a:p>
           </p:txBody>
         </p:sp>
+        <p:sp>
+          <p:nvSpPr>
+            <p:cNvPr id="24" name="文本框 MI">
+              <a:extLst>
+                <a:ext uri="{FF2B5EF4-FFF2-40B4-BE49-F238E27FC236}">
+                  <a16:creationId xmlns:a16="http://schemas.microsoft.com/office/drawing/2014/main" id="{65376546-8EF6-4056-7295-B909A1AD397F}"/>
+                </a:ext>
+              </a:extLst>
+            </p:cNvPr>
+            <p:cNvSpPr txBox="1"/>
+            <p:nvPr/>
+          </p:nvSpPr>
+          <p:spPr>
+            <a:xfrm>
+              <a:off x="10586289" y="3929703"/>
+              <a:ext cx="808600" cy="888651"/>
+            </a:xfrm>
+            <a:prstGeom prst="flowChartAlternateProcess">
+              <a:avLst/>
+            </a:prstGeom>
+            <a:noFill/>
+            <a:ln>
+              <a:noFill/>
+            </a:ln>
+            <a:effectLst>
+              <a:outerShdw blurRad="50800" dist="38100" algn="l" rotWithShape="0">
+                <a:prstClr val="black">
+                  <a:alpha val="40000"/>
+                </a:prstClr>
+              </a:outerShdw>
+              <a:softEdge rad="0"/>
+            </a:effectLst>
+          </p:spPr>
+          <p:style>
+            <a:lnRef idx="3">
+              <a:schemeClr val="lt1"/>
+            </a:lnRef>
+            <a:fillRef idx="1">
+              <a:schemeClr val="accent1"/>
+            </a:fillRef>
+            <a:effectRef idx="1">
+              <a:schemeClr val="accent1"/>
+            </a:effectRef>
+            <a:fontRef idx="minor">
+              <a:schemeClr val="lt1"/>
+            </a:fontRef>
+          </p:style>
+          <p:txBody>
+            <a:bodyPr wrap="square" rtlCol="0" anchor="ctr" anchorCtr="0">
+              <a:noAutofit/>
+            </a:bodyPr>
+            <a:lstStyle/>
+            <a:p>
+              <a:pPr algn="ctr"/>
+              <a:r>
+                <a:rPr lang="en-US" altLang="zh-CN" sz="2400" b="1" dirty="0">
+                  <a:latin typeface="Bodoni MT Black" panose="02070A03080606020203" pitchFamily="18" charset="0"/>
+                </a:rPr>
+                <a:t>MI</a:t>
+              </a:r>
+              <a:endParaRPr lang="zh-CN" altLang="en-US" sz="2400" b="1" dirty="0">
+                <a:latin typeface="Bodoni MT Black" panose="02070A03080606020203" pitchFamily="18" charset="0"/>
+              </a:endParaRPr>
+            </a:p>
+          </p:txBody>
+        </p:sp>
       </p:grpSp>
       <p:pic>
         <p:nvPicPr>
@@ -6230,7 +6384,7 @@
       </p:sp>
       <p:sp>
         <p:nvSpPr>
-          <p:cNvPr id="9" name="矩形 8">
+          <p:cNvPr id="9" name="矩形 8" hidden="1">
             <a:extLst>
               <a:ext uri="{FF2B5EF4-FFF2-40B4-BE49-F238E27FC236}">
                 <a16:creationId xmlns:a16="http://schemas.microsoft.com/office/drawing/2014/main" id="{4BD5810B-3011-6E5A-C575-0D87EA7B47E1}"/>
@@ -6352,7 +6506,7 @@
       </p:sp>
       <p:sp>
         <p:nvSpPr>
-          <p:cNvPr id="14" name="矩形 13">
+          <p:cNvPr id="14" name="矩形 13" hidden="1">
             <a:extLst>
               <a:ext uri="{FF2B5EF4-FFF2-40B4-BE49-F238E27FC236}">
                 <a16:creationId xmlns:a16="http://schemas.microsoft.com/office/drawing/2014/main" id="{AE00B959-9713-4F96-2D07-989385768095}"/>
@@ -6475,7 +6629,7 @@
       </p:sp>
       <p:sp>
         <p:nvSpPr>
-          <p:cNvPr id="21" name="矩形 20">
+          <p:cNvPr id="21" name="矩形 20" hidden="1">
             <a:extLst>
               <a:ext uri="{FF2B5EF4-FFF2-40B4-BE49-F238E27FC236}">
                 <a16:creationId xmlns:a16="http://schemas.microsoft.com/office/drawing/2014/main" id="{2B8ADDEA-45D2-9DEE-B577-8AF307B5A082}"/>
@@ -6487,7 +6641,7 @@
         </p:nvSpPr>
         <p:spPr>
           <a:xfrm>
-            <a:off x="-10396325" y="0"/>
+            <a:off x="-10410041" y="-77724"/>
             <a:ext cx="10804172" cy="6859534"/>
           </a:xfrm>
           <a:prstGeom prst="rect">
@@ -6821,7 +6975,7 @@
                                   <p:par>
                                     <p:cTn id="27" presetID="63" presetClass="path" presetSubtype="0" accel="50000" fill="hold" grpId="0" nodeType="withEffect" p14:presetBounceEnd="51000">
                                       <p:stCondLst>
-                                        <p:cond delay="0"/>
+                                        <p:cond delay="110"/>
                                       </p:stCondLst>
                                       <p:childTnLst>
                                         <p:animMotion origin="layout" path="M 2.29167E-6 4.81481E-6 L 0.67448 4.81481E-6 " pathEditMode="relative" rAng="0" ptsTypes="AA" p14:bounceEnd="51000">
@@ -7148,7 +7302,7 @@
                                   <p:par>
                                     <p:cTn id="27" presetID="63" presetClass="path" presetSubtype="0" accel="50000" fill="hold" grpId="0" nodeType="withEffect">
                                       <p:stCondLst>
-                                        <p:cond delay="0"/>
+                                        <p:cond delay="110"/>
                                       </p:stCondLst>
                                       <p:childTnLst>
                                         <p:animMotion origin="layout" path="M 2.29167E-6 4.81481E-6 L 0.67448 4.81481E-6 " pathEditMode="relative" rAng="0" ptsTypes="AA">
@@ -9418,8 +9572,8 @@
       <p:transition advClick="0"/>
     </mc:Fallback>
   </mc:AlternateContent>
-  <mc:AlternateContent xmlns:mc="http://schemas.openxmlformats.org/markup-compatibility/2006">
-    <mc:Choice xmlns:p14="http://schemas.microsoft.com/office/powerpoint/2010/main" Requires="p14">
+  <mc:AlternateContent xmlns:mc="http://schemas.openxmlformats.org/markup-compatibility/2006" xmlns:p14="http://schemas.microsoft.com/office/powerpoint/2010/main">
+    <mc:Choice Requires="p14">
       <p:timing>
         <p:tnLst>
           <p:par>
@@ -9604,7 +9758,7 @@
         </p:bldLst>
       </p:timing>
     </mc:Choice>
-    <mc:Fallback>
+    <mc:Fallback xmlns="">
       <p:timing>
         <p:tnLst>
           <p:par>
@@ -10711,8 +10865,8 @@
       </p:transition>
     </mc:Fallback>
   </mc:AlternateContent>
-  <mc:AlternateContent xmlns:mc="http://schemas.openxmlformats.org/markup-compatibility/2006">
-    <mc:Choice xmlns:p14="http://schemas.microsoft.com/office/powerpoint/2010/main" Requires="p14">
+  <mc:AlternateContent xmlns:mc="http://schemas.openxmlformats.org/markup-compatibility/2006" xmlns:p14="http://schemas.microsoft.com/office/powerpoint/2010/main">
+    <mc:Choice Requires="p14">
       <p:timing>
         <p:tnLst>
           <p:par>
@@ -10897,7 +11051,7 @@
         </p:bldLst>
       </p:timing>
     </mc:Choice>
-    <mc:Fallback>
+    <mc:Fallback xmlns="">
       <p:timing>
         <p:tnLst>
           <p:par>
@@ -11046,6 +11200,1299 @@
                                             </p:attrNameLst>
                                           </p:cBhvr>
                                           <p:rCtr x="37227" y="0"/>
+                                        </p:animMotion>
+                                      </p:childTnLst>
+                                    </p:cTn>
+                                  </p:par>
+                                </p:childTnLst>
+                              </p:cTn>
+                            </p:par>
+                          </p:childTnLst>
+                        </p:cTn>
+                      </p:par>
+                    </p:childTnLst>
+                  </p:cTn>
+                  <p:prevCondLst>
+                    <p:cond evt="onPrev" delay="0">
+                      <p:tgtEl>
+                        <p:sldTgt/>
+                      </p:tgtEl>
+                    </p:cond>
+                  </p:prevCondLst>
+                  <p:nextCondLst>
+                    <p:cond evt="onNext" delay="0">
+                      <p:tgtEl>
+                        <p:sldTgt/>
+                      </p:tgtEl>
+                    </p:cond>
+                  </p:nextCondLst>
+                </p:seq>
+              </p:childTnLst>
+            </p:cTn>
+          </p:par>
+        </p:tnLst>
+        <p:bldLst>
+          <p:bldP spid="23" grpId="0"/>
+        </p:bldLst>
+      </p:timing>
+    </mc:Fallback>
+  </mc:AlternateContent>
+</p:sld>
+</file>
+
+<file path=ppt/slides/slide6.xml><?xml version="1.0" encoding="utf-8"?>
+<p:sld xmlns:a="http://schemas.openxmlformats.org/drawingml/2006/main" xmlns:r="http://schemas.openxmlformats.org/officeDocument/2006/relationships" xmlns:p="http://schemas.openxmlformats.org/presentationml/2006/main" showMasterSp="0">
+  <p:cSld>
+    <p:bg>
+      <p:bgPr>
+        <a:blipFill dpi="0" rotWithShape="1">
+          <a:blip r:embed="rId3">
+            <a:lum/>
+          </a:blip>
+          <a:srcRect/>
+          <a:stretch>
+            <a:fillRect/>
+          </a:stretch>
+        </a:blipFill>
+        <a:effectLst/>
+      </p:bgPr>
+    </p:bg>
+    <p:spTree>
+      <p:nvGrpSpPr>
+        <p:cNvPr id="1" name=""/>
+        <p:cNvGrpSpPr/>
+        <p:nvPr/>
+      </p:nvGrpSpPr>
+      <p:grpSpPr>
+        <a:xfrm>
+          <a:off x="0" y="0"/>
+          <a:ext cx="0" cy="0"/>
+          <a:chOff x="0" y="0"/>
+          <a:chExt cx="0" cy="0"/>
+        </a:xfrm>
+      </p:grpSpPr>
+      <p:grpSp>
+        <p:nvGrpSpPr>
+          <p:cNvPr id="22" name="组合 21">
+            <a:extLst>
+              <a:ext uri="{FF2B5EF4-FFF2-40B4-BE49-F238E27FC236}">
+                <a16:creationId xmlns:a16="http://schemas.microsoft.com/office/drawing/2014/main" id="{60D1AF09-EFCA-0576-5C96-2F64D2E5DBAF}"/>
+              </a:ext>
+            </a:extLst>
+          </p:cNvPr>
+          <p:cNvGrpSpPr/>
+          <p:nvPr/>
+        </p:nvGrpSpPr>
+        <p:grpSpPr>
+          <a:xfrm>
+            <a:off x="-8863252" y="-1534"/>
+            <a:ext cx="12263677" cy="6859534"/>
+            <a:chOff x="-8863252" y="-1534"/>
+            <a:chExt cx="12263677" cy="6859534"/>
+          </a:xfrm>
+          <a:solidFill>
+            <a:schemeClr val="bg2">
+              <a:lumMod val="50000"/>
+            </a:schemeClr>
+          </a:solidFill>
+        </p:grpSpPr>
+        <p:sp>
+          <p:nvSpPr>
+            <p:cNvPr id="5" name="文本框 4">
+              <a:extLst>
+                <a:ext uri="{FF2B5EF4-FFF2-40B4-BE49-F238E27FC236}">
+                  <a16:creationId xmlns:a16="http://schemas.microsoft.com/office/drawing/2014/main" id="{7390670E-0436-74FD-BCF1-0B9E5CAD8420}"/>
+                </a:ext>
+              </a:extLst>
+            </p:cNvPr>
+            <p:cNvSpPr txBox="1"/>
+            <p:nvPr/>
+          </p:nvSpPr>
+          <p:spPr>
+            <a:xfrm>
+              <a:off x="2591825" y="1224000"/>
+              <a:ext cx="808600" cy="888651"/>
+            </a:xfrm>
+            <a:prstGeom prst="flowChartAlternateProcess">
+              <a:avLst/>
+            </a:prstGeom>
+            <a:grpFill/>
+            <a:ln>
+              <a:noFill/>
+            </a:ln>
+            <a:effectLst>
+              <a:outerShdw blurRad="50800" dist="38100" algn="l" rotWithShape="0">
+                <a:prstClr val="black">
+                  <a:alpha val="40000"/>
+                </a:prstClr>
+              </a:outerShdw>
+              <a:softEdge rad="0"/>
+            </a:effectLst>
+          </p:spPr>
+          <p:style>
+            <a:lnRef idx="3">
+              <a:schemeClr val="lt1"/>
+            </a:lnRef>
+            <a:fillRef idx="1">
+              <a:schemeClr val="accent1"/>
+            </a:fillRef>
+            <a:effectRef idx="1">
+              <a:schemeClr val="accent1"/>
+            </a:effectRef>
+            <a:fontRef idx="minor">
+              <a:schemeClr val="lt1"/>
+            </a:fontRef>
+          </p:style>
+          <p:txBody>
+            <a:bodyPr wrap="square" rtlCol="0" anchor="ctr" anchorCtr="0">
+              <a:noAutofit/>
+            </a:bodyPr>
+            <a:lstStyle/>
+            <a:p>
+              <a:pPr algn="ctr"/>
+              <a:endParaRPr lang="zh-CN" altLang="en-US" sz="3200" b="1" dirty="0">
+                <a:latin typeface="Bauhaus 93" panose="04030905020B02020C02" pitchFamily="82" charset="0"/>
+              </a:endParaRPr>
+            </a:p>
+          </p:txBody>
+        </p:sp>
+        <p:sp>
+          <p:nvSpPr>
+            <p:cNvPr id="4" name="矩形 3">
+              <a:extLst>
+                <a:ext uri="{FF2B5EF4-FFF2-40B4-BE49-F238E27FC236}">
+                  <a16:creationId xmlns:a16="http://schemas.microsoft.com/office/drawing/2014/main" id="{0E3840C7-48F9-A79B-3845-1959334E1D63}"/>
+                </a:ext>
+              </a:extLst>
+            </p:cNvPr>
+            <p:cNvSpPr/>
+            <p:nvPr/>
+          </p:nvSpPr>
+          <p:spPr>
+            <a:xfrm>
+              <a:off x="-8863252" y="-1534"/>
+              <a:ext cx="11608501" cy="6859534"/>
+            </a:xfrm>
+            <a:prstGeom prst="rect">
+              <a:avLst/>
+            </a:prstGeom>
+            <a:grpFill/>
+            <a:ln>
+              <a:noFill/>
+            </a:ln>
+          </p:spPr>
+          <p:style>
+            <a:lnRef idx="2">
+              <a:schemeClr val="accent1">
+                <a:shade val="50000"/>
+              </a:schemeClr>
+            </a:lnRef>
+            <a:fillRef idx="1">
+              <a:schemeClr val="accent1"/>
+            </a:fillRef>
+            <a:effectRef idx="0">
+              <a:schemeClr val="accent1"/>
+            </a:effectRef>
+            <a:fontRef idx="minor">
+              <a:schemeClr val="lt1"/>
+            </a:fontRef>
+          </p:style>
+          <p:txBody>
+            <a:bodyPr rtlCol="0" anchor="ctr"/>
+            <a:lstStyle/>
+            <a:p>
+              <a:pPr algn="ctr"/>
+              <a:endParaRPr lang="zh-CN" altLang="en-US" dirty="0"/>
+            </a:p>
+          </p:txBody>
+        </p:sp>
+        <p:sp>
+          <p:nvSpPr>
+            <p:cNvPr id="20" name="文本框 19">
+              <a:extLst>
+                <a:ext uri="{FF2B5EF4-FFF2-40B4-BE49-F238E27FC236}">
+                  <a16:creationId xmlns:a16="http://schemas.microsoft.com/office/drawing/2014/main" id="{BD8BC1C5-23D4-16A7-4058-A202EA1A1605}"/>
+                </a:ext>
+              </a:extLst>
+            </p:cNvPr>
+            <p:cNvSpPr txBox="1"/>
+            <p:nvPr/>
+          </p:nvSpPr>
+          <p:spPr>
+            <a:xfrm>
+              <a:off x="-4766977" y="1570006"/>
+              <a:ext cx="3979333" cy="646331"/>
+            </a:xfrm>
+            <a:prstGeom prst="rect">
+              <a:avLst/>
+            </a:prstGeom>
+            <a:grpFill/>
+            <a:ln>
+              <a:noFill/>
+            </a:ln>
+          </p:spPr>
+          <p:txBody>
+            <a:bodyPr wrap="square" rtlCol="0">
+              <a:spAutoFit/>
+            </a:bodyPr>
+            <a:lstStyle/>
+            <a:p>
+              <a:pPr algn="ctr"/>
+              <a:r>
+                <a:rPr lang="en-US" altLang="zh-CN" sz="3600" dirty="0"/>
+                <a:t>UE4 </a:t>
+              </a:r>
+              <a:r>
+                <a:rPr lang="zh-CN" altLang="en-US" sz="3600" dirty="0"/>
+                <a:t>材质结构</a:t>
+              </a:r>
+            </a:p>
+          </p:txBody>
+        </p:sp>
+        <p:sp>
+          <p:nvSpPr>
+            <p:cNvPr id="17" name="矩形 16">
+              <a:extLst>
+                <a:ext uri="{FF2B5EF4-FFF2-40B4-BE49-F238E27FC236}">
+                  <a16:creationId xmlns:a16="http://schemas.microsoft.com/office/drawing/2014/main" id="{E0B6C8F1-FC96-B132-9602-1576EEF6C3FF}"/>
+                </a:ext>
+              </a:extLst>
+            </p:cNvPr>
+            <p:cNvSpPr/>
+            <p:nvPr/>
+          </p:nvSpPr>
+          <p:spPr>
+            <a:xfrm>
+              <a:off x="-746876" y="3444875"/>
+              <a:ext cx="942322" cy="240646"/>
+            </a:xfrm>
+            <a:prstGeom prst="rect">
+              <a:avLst/>
+            </a:prstGeom>
+            <a:solidFill>
+              <a:schemeClr val="accent1">
+                <a:lumMod val="20000"/>
+                <a:lumOff val="80000"/>
+              </a:schemeClr>
+            </a:solidFill>
+            <a:ln>
+              <a:noFill/>
+            </a:ln>
+          </p:spPr>
+          <p:style>
+            <a:lnRef idx="2">
+              <a:schemeClr val="accent1">
+                <a:shade val="50000"/>
+              </a:schemeClr>
+            </a:lnRef>
+            <a:fillRef idx="1">
+              <a:schemeClr val="accent1"/>
+            </a:fillRef>
+            <a:effectRef idx="0">
+              <a:schemeClr val="accent1"/>
+            </a:effectRef>
+            <a:fontRef idx="minor">
+              <a:schemeClr val="lt1"/>
+            </a:fontRef>
+          </p:style>
+          <p:txBody>
+            <a:bodyPr rtlCol="0" anchor="ctr"/>
+            <a:lstStyle/>
+            <a:p>
+              <a:pPr algn="ctr"/>
+              <a:endParaRPr lang="zh-CN" altLang="en-US"/>
+            </a:p>
+          </p:txBody>
+        </p:sp>
+        <p:pic>
+          <p:nvPicPr>
+            <p:cNvPr id="10" name="图片 9">
+              <a:extLst>
+                <a:ext uri="{FF2B5EF4-FFF2-40B4-BE49-F238E27FC236}">
+                  <a16:creationId xmlns:a16="http://schemas.microsoft.com/office/drawing/2014/main" id="{06952FC2-58B2-CADA-0114-3440CCC54A1D}"/>
+                </a:ext>
+              </a:extLst>
+            </p:cNvPr>
+            <p:cNvPicPr>
+              <a:picLocks noChangeAspect="1"/>
+            </p:cNvPicPr>
+            <p:nvPr/>
+          </p:nvPicPr>
+          <p:blipFill>
+            <a:blip r:embed="rId4">
+              <a:extLst>
+                <a:ext uri="{28A0092B-C50C-407E-A947-70E740481C1C}">
+                  <a14:useLocalDpi xmlns:a14="http://schemas.microsoft.com/office/drawing/2010/main" val="0"/>
+                </a:ext>
+              </a:extLst>
+            </a:blip>
+            <a:stretch>
+              <a:fillRect/>
+            </a:stretch>
+          </p:blipFill>
+          <p:spPr>
+            <a:xfrm>
+              <a:off x="-8317406" y="2540269"/>
+              <a:ext cx="10628345" cy="2195394"/>
+            </a:xfrm>
+            <a:prstGeom prst="rect">
+              <a:avLst/>
+            </a:prstGeom>
+            <a:noFill/>
+            <a:ln>
+              <a:noFill/>
+            </a:ln>
+          </p:spPr>
+        </p:pic>
+      </p:grpSp>
+      <p:pic>
+        <p:nvPicPr>
+          <p:cNvPr id="15" name="材质结构icon">
+            <a:extLst>
+              <a:ext uri="{FF2B5EF4-FFF2-40B4-BE49-F238E27FC236}">
+                <a16:creationId xmlns:a16="http://schemas.microsoft.com/office/drawing/2014/main" id="{BBF1C0E1-8918-D2EE-7007-5C8C9E4E389D}"/>
+              </a:ext>
+            </a:extLst>
+          </p:cNvPr>
+          <p:cNvPicPr>
+            <a:picLocks noChangeAspect="1"/>
+          </p:cNvPicPr>
+          <p:nvPr/>
+        </p:nvPicPr>
+        <p:blipFill>
+          <a:blip r:embed="rId5">
+            <a:extLst>
+              <a:ext uri="{28A0092B-C50C-407E-A947-70E740481C1C}">
+                <a14:useLocalDpi xmlns:a14="http://schemas.microsoft.com/office/drawing/2010/main" val="0"/>
+              </a:ext>
+            </a:extLst>
+          </a:blip>
+          <a:stretch>
+            <a:fillRect/>
+          </a:stretch>
+        </p:blipFill>
+        <p:spPr>
+          <a:xfrm>
+            <a:off x="2661963" y="1330564"/>
+            <a:ext cx="738462" cy="738462"/>
+          </a:xfrm>
+          <a:prstGeom prst="rect">
+            <a:avLst/>
+          </a:prstGeom>
+        </p:spPr>
+      </p:pic>
+      <p:grpSp>
+        <p:nvGrpSpPr>
+          <p:cNvPr id="7" name="组合 M">
+            <a:extLst>
+              <a:ext uri="{FF2B5EF4-FFF2-40B4-BE49-F238E27FC236}">
+                <a16:creationId xmlns:a16="http://schemas.microsoft.com/office/drawing/2014/main" id="{4CA1E171-F9FA-6981-1628-4B30591A3EFB}"/>
+              </a:ext>
+            </a:extLst>
+          </p:cNvPr>
+          <p:cNvGrpSpPr/>
+          <p:nvPr/>
+        </p:nvGrpSpPr>
+        <p:grpSpPr>
+          <a:xfrm>
+            <a:off x="-8776828" y="0"/>
+            <a:ext cx="11459348" cy="6859534"/>
+            <a:chOff x="-1543570" y="-1534"/>
+            <a:chExt cx="11459348" cy="6859534"/>
+          </a:xfrm>
+        </p:grpSpPr>
+        <p:sp>
+          <p:nvSpPr>
+            <p:cNvPr id="8" name="文本框 7">
+              <a:extLst>
+                <a:ext uri="{FF2B5EF4-FFF2-40B4-BE49-F238E27FC236}">
+                  <a16:creationId xmlns:a16="http://schemas.microsoft.com/office/drawing/2014/main" id="{17593F07-218D-3B51-5FFF-2B3BD3B4E754}"/>
+                </a:ext>
+              </a:extLst>
+            </p:cNvPr>
+            <p:cNvSpPr txBox="1"/>
+            <p:nvPr/>
+          </p:nvSpPr>
+          <p:spPr>
+            <a:xfrm>
+              <a:off x="9107178" y="2036087"/>
+              <a:ext cx="808600" cy="888651"/>
+            </a:xfrm>
+            <a:prstGeom prst="flowChartAlternateProcess">
+              <a:avLst/>
+            </a:prstGeom>
+            <a:solidFill>
+              <a:schemeClr val="bg2">
+                <a:lumMod val="75000"/>
+              </a:schemeClr>
+            </a:solidFill>
+            <a:ln>
+              <a:noFill/>
+            </a:ln>
+            <a:effectLst>
+              <a:outerShdw blurRad="50800" dist="38100" algn="l" rotWithShape="0">
+                <a:prstClr val="black">
+                  <a:alpha val="40000"/>
+                </a:prstClr>
+              </a:outerShdw>
+              <a:softEdge rad="0"/>
+            </a:effectLst>
+          </p:spPr>
+          <p:style>
+            <a:lnRef idx="3">
+              <a:schemeClr val="lt1"/>
+            </a:lnRef>
+            <a:fillRef idx="1">
+              <a:schemeClr val="accent1"/>
+            </a:fillRef>
+            <a:effectRef idx="1">
+              <a:schemeClr val="accent1"/>
+            </a:effectRef>
+            <a:fontRef idx="minor">
+              <a:schemeClr val="lt1"/>
+            </a:fontRef>
+          </p:style>
+          <p:txBody>
+            <a:bodyPr wrap="square" rtlCol="0" anchor="ctr" anchorCtr="0">
+              <a:noAutofit/>
+            </a:bodyPr>
+            <a:lstStyle/>
+            <a:p>
+              <a:pPr algn="ctr"/>
+              <a:r>
+                <a:rPr lang="en-US" altLang="zh-CN" sz="2400" b="1" dirty="0">
+                  <a:latin typeface="Bodoni MT Black" panose="02070A03080606020203" pitchFamily="18" charset="0"/>
+                </a:rPr>
+                <a:t>M</a:t>
+              </a:r>
+              <a:endParaRPr lang="zh-CN" altLang="en-US" sz="2400" b="1" dirty="0">
+                <a:latin typeface="Bodoni MT Black" panose="02070A03080606020203" pitchFamily="18" charset="0"/>
+              </a:endParaRPr>
+            </a:p>
+          </p:txBody>
+        </p:sp>
+        <p:sp>
+          <p:nvSpPr>
+            <p:cNvPr id="9" name="矩形 8">
+              <a:extLst>
+                <a:ext uri="{FF2B5EF4-FFF2-40B4-BE49-F238E27FC236}">
+                  <a16:creationId xmlns:a16="http://schemas.microsoft.com/office/drawing/2014/main" id="{4BD5810B-3011-6E5A-C575-0D87EA7B47E1}"/>
+                </a:ext>
+              </a:extLst>
+            </p:cNvPr>
+            <p:cNvSpPr/>
+            <p:nvPr/>
+          </p:nvSpPr>
+          <p:spPr>
+            <a:xfrm>
+              <a:off x="-1543570" y="-1534"/>
+              <a:ext cx="10804172" cy="6859534"/>
+            </a:xfrm>
+            <a:prstGeom prst="rect">
+              <a:avLst/>
+            </a:prstGeom>
+            <a:solidFill>
+              <a:schemeClr val="bg2">
+                <a:lumMod val="75000"/>
+              </a:schemeClr>
+            </a:solidFill>
+            <a:ln>
+              <a:noFill/>
+            </a:ln>
+          </p:spPr>
+          <p:style>
+            <a:lnRef idx="2">
+              <a:schemeClr val="accent1">
+                <a:shade val="50000"/>
+              </a:schemeClr>
+            </a:lnRef>
+            <a:fillRef idx="1">
+              <a:schemeClr val="accent1"/>
+            </a:fillRef>
+            <a:effectRef idx="0">
+              <a:schemeClr val="accent1"/>
+            </a:effectRef>
+            <a:fontRef idx="minor">
+              <a:schemeClr val="lt1"/>
+            </a:fontRef>
+          </p:style>
+          <p:txBody>
+            <a:bodyPr rtlCol="0" anchor="ctr"/>
+            <a:lstStyle/>
+            <a:p>
+              <a:pPr algn="ctr"/>
+              <a:endParaRPr lang="zh-CN" altLang="en-US" dirty="0"/>
+            </a:p>
+          </p:txBody>
+        </p:sp>
+      </p:grpSp>
+      <p:sp>
+        <p:nvSpPr>
+          <p:cNvPr id="23" name="MaterialIns">
+            <a:extLst>
+              <a:ext uri="{FF2B5EF4-FFF2-40B4-BE49-F238E27FC236}">
+                <a16:creationId xmlns:a16="http://schemas.microsoft.com/office/drawing/2014/main" id="{E623BC63-0CBD-ABF0-782A-548C5A3CF635}"/>
+              </a:ext>
+            </a:extLst>
+          </p:cNvPr>
+          <p:cNvSpPr/>
+          <p:nvPr/>
+        </p:nvSpPr>
+        <p:spPr>
+          <a:xfrm>
+            <a:off x="2603453" y="2540269"/>
+            <a:ext cx="7088800" cy="1754326"/>
+          </a:xfrm>
+          <a:prstGeom prst="rect">
+            <a:avLst/>
+          </a:prstGeom>
+          <a:noFill/>
+        </p:spPr>
+        <p:txBody>
+          <a:bodyPr wrap="none" lIns="91440" tIns="45720" rIns="91440" bIns="45720">
+            <a:spAutoFit/>
+          </a:bodyPr>
+          <a:lstStyle/>
+          <a:p>
+            <a:pPr algn="ctr"/>
+            <a:r>
+              <a:rPr lang="zh-CN" altLang="en-US" sz="5400" b="1" dirty="0">
+                <a:ln w="9525">
+                  <a:solidFill>
+                    <a:schemeClr val="bg1"/>
+                  </a:solidFill>
+                  <a:prstDash val="solid"/>
+                </a:ln>
+                <a:effectLst>
+                  <a:outerShdw blurRad="12700" dist="38100" dir="2700000" algn="tl" rotWithShape="0">
+                    <a:schemeClr val="bg1">
+                      <a:lumMod val="50000"/>
+                    </a:schemeClr>
+                  </a:outerShdw>
+                </a:effectLst>
+              </a:rPr>
+              <a:t>材质函数</a:t>
+            </a:r>
+            <a:endParaRPr lang="en-US" altLang="zh-CN" sz="5400" b="1" dirty="0">
+              <a:ln w="9525">
+                <a:solidFill>
+                  <a:schemeClr val="bg1"/>
+                </a:solidFill>
+                <a:prstDash val="solid"/>
+              </a:ln>
+              <a:effectLst>
+                <a:outerShdw blurRad="12700" dist="38100" dir="2700000" algn="tl" rotWithShape="0">
+                  <a:schemeClr val="bg1">
+                    <a:lumMod val="50000"/>
+                  </a:schemeClr>
+                </a:outerShdw>
+              </a:effectLst>
+            </a:endParaRPr>
+          </a:p>
+          <a:p>
+            <a:pPr algn="ctr"/>
+            <a:r>
+              <a:rPr lang="zh-CN" altLang="en-US" sz="5400" b="1" dirty="0">
+                <a:ln w="9525">
+                  <a:solidFill>
+                    <a:schemeClr val="bg1"/>
+                  </a:solidFill>
+                  <a:prstDash val="solid"/>
+                </a:ln>
+                <a:effectLst>
+                  <a:outerShdw blurRad="12700" dist="38100" dir="2700000" algn="tl" rotWithShape="0">
+                    <a:schemeClr val="bg1">
+                      <a:lumMod val="50000"/>
+                    </a:schemeClr>
+                  </a:outerShdw>
+                </a:effectLst>
+              </a:rPr>
+              <a:t>（</a:t>
+            </a:r>
+            <a:r>
+              <a:rPr lang="en-US" altLang="zh-CN" sz="5400" b="1" dirty="0">
+                <a:ln w="9525">
+                  <a:solidFill>
+                    <a:schemeClr val="bg1"/>
+                  </a:solidFill>
+                  <a:prstDash val="solid"/>
+                </a:ln>
+                <a:effectLst>
+                  <a:outerShdw blurRad="12700" dist="38100" dir="2700000" algn="tl" rotWithShape="0">
+                    <a:schemeClr val="bg1">
+                      <a:lumMod val="50000"/>
+                    </a:schemeClr>
+                  </a:outerShdw>
+                </a:effectLst>
+              </a:rPr>
+              <a:t>Material Function</a:t>
+            </a:r>
+            <a:r>
+              <a:rPr lang="zh-CN" altLang="en-US" sz="5400" b="1" dirty="0">
+                <a:ln w="9525">
+                  <a:solidFill>
+                    <a:schemeClr val="bg1"/>
+                  </a:solidFill>
+                  <a:prstDash val="solid"/>
+                </a:ln>
+                <a:effectLst>
+                  <a:outerShdw blurRad="12700" dist="38100" dir="2700000" algn="tl" rotWithShape="0">
+                    <a:schemeClr val="bg1">
+                      <a:lumMod val="50000"/>
+                    </a:schemeClr>
+                  </a:outerShdw>
+                </a:effectLst>
+              </a:rPr>
+              <a:t>）</a:t>
+            </a:r>
+          </a:p>
+        </p:txBody>
+      </p:sp>
+      <p:grpSp>
+        <p:nvGrpSpPr>
+          <p:cNvPr id="12" name="组合 MI">
+            <a:extLst>
+              <a:ext uri="{FF2B5EF4-FFF2-40B4-BE49-F238E27FC236}">
+                <a16:creationId xmlns:a16="http://schemas.microsoft.com/office/drawing/2014/main" id="{B2951025-4466-F7EF-45C6-A3CB7EF1CC66}"/>
+              </a:ext>
+            </a:extLst>
+          </p:cNvPr>
+          <p:cNvGrpSpPr/>
+          <p:nvPr/>
+        </p:nvGrpSpPr>
+        <p:grpSpPr>
+          <a:xfrm>
+            <a:off x="-9592917" y="0"/>
+            <a:ext cx="11459348" cy="6859534"/>
+            <a:chOff x="-1543570" y="-1534"/>
+            <a:chExt cx="11459348" cy="6859534"/>
+          </a:xfrm>
+        </p:grpSpPr>
+        <p:sp>
+          <p:nvSpPr>
+            <p:cNvPr id="13" name="文本框 12">
+              <a:extLst>
+                <a:ext uri="{FF2B5EF4-FFF2-40B4-BE49-F238E27FC236}">
+                  <a16:creationId xmlns:a16="http://schemas.microsoft.com/office/drawing/2014/main" id="{639F4C49-2D9D-548F-092F-5A740BB0FB64}"/>
+                </a:ext>
+              </a:extLst>
+            </p:cNvPr>
+            <p:cNvSpPr txBox="1"/>
+            <p:nvPr/>
+          </p:nvSpPr>
+          <p:spPr>
+            <a:xfrm>
+              <a:off x="9107178" y="3039518"/>
+              <a:ext cx="808600" cy="888651"/>
+            </a:xfrm>
+            <a:prstGeom prst="flowChartAlternateProcess">
+              <a:avLst/>
+            </a:prstGeom>
+            <a:solidFill>
+              <a:srgbClr val="4E607A"/>
+            </a:solidFill>
+            <a:ln>
+              <a:noFill/>
+            </a:ln>
+            <a:effectLst>
+              <a:outerShdw blurRad="50800" dist="38100" algn="l" rotWithShape="0">
+                <a:prstClr val="black">
+                  <a:alpha val="40000"/>
+                </a:prstClr>
+              </a:outerShdw>
+              <a:softEdge rad="0"/>
+            </a:effectLst>
+          </p:spPr>
+          <p:style>
+            <a:lnRef idx="3">
+              <a:schemeClr val="lt1"/>
+            </a:lnRef>
+            <a:fillRef idx="1">
+              <a:schemeClr val="accent1"/>
+            </a:fillRef>
+            <a:effectRef idx="1">
+              <a:schemeClr val="accent1"/>
+            </a:effectRef>
+            <a:fontRef idx="minor">
+              <a:schemeClr val="lt1"/>
+            </a:fontRef>
+          </p:style>
+          <p:txBody>
+            <a:bodyPr wrap="square" rtlCol="0" anchor="ctr" anchorCtr="0">
+              <a:noAutofit/>
+            </a:bodyPr>
+            <a:lstStyle/>
+            <a:p>
+              <a:pPr algn="ctr"/>
+              <a:r>
+                <a:rPr lang="en-US" altLang="zh-CN" sz="2400" b="1" dirty="0">
+                  <a:latin typeface="Bodoni MT Black" panose="02070A03080606020203" pitchFamily="18" charset="0"/>
+                </a:rPr>
+                <a:t>MI</a:t>
+              </a:r>
+              <a:endParaRPr lang="zh-CN" altLang="en-US" sz="2400" b="1" dirty="0">
+                <a:latin typeface="Bodoni MT Black" panose="02070A03080606020203" pitchFamily="18" charset="0"/>
+              </a:endParaRPr>
+            </a:p>
+          </p:txBody>
+        </p:sp>
+        <p:sp>
+          <p:nvSpPr>
+            <p:cNvPr id="14" name="矩形 13">
+              <a:extLst>
+                <a:ext uri="{FF2B5EF4-FFF2-40B4-BE49-F238E27FC236}">
+                  <a16:creationId xmlns:a16="http://schemas.microsoft.com/office/drawing/2014/main" id="{AE00B959-9713-4F96-2D07-989385768095}"/>
+                </a:ext>
+              </a:extLst>
+            </p:cNvPr>
+            <p:cNvSpPr/>
+            <p:nvPr/>
+          </p:nvSpPr>
+          <p:spPr>
+            <a:xfrm>
+              <a:off x="-1543570" y="-1534"/>
+              <a:ext cx="10804172" cy="6859534"/>
+            </a:xfrm>
+            <a:prstGeom prst="rect">
+              <a:avLst/>
+            </a:prstGeom>
+            <a:solidFill>
+              <a:srgbClr val="4E607A"/>
+            </a:solidFill>
+            <a:ln>
+              <a:noFill/>
+            </a:ln>
+          </p:spPr>
+          <p:style>
+            <a:lnRef idx="2">
+              <a:schemeClr val="accent1">
+                <a:shade val="50000"/>
+              </a:schemeClr>
+            </a:lnRef>
+            <a:fillRef idx="1">
+              <a:schemeClr val="accent1"/>
+            </a:fillRef>
+            <a:effectRef idx="0">
+              <a:schemeClr val="accent1"/>
+            </a:effectRef>
+            <a:fontRef idx="minor">
+              <a:schemeClr val="lt1"/>
+            </a:fontRef>
+          </p:style>
+          <p:txBody>
+            <a:bodyPr rtlCol="0" anchor="ctr"/>
+            <a:lstStyle/>
+            <a:p>
+              <a:pPr algn="ctr"/>
+              <a:endParaRPr lang="zh-CN" altLang="en-US" dirty="0"/>
+            </a:p>
+          </p:txBody>
+        </p:sp>
+      </p:grpSp>
+      <p:grpSp>
+        <p:nvGrpSpPr>
+          <p:cNvPr id="18" name="组合 MF">
+            <a:extLst>
+              <a:ext uri="{FF2B5EF4-FFF2-40B4-BE49-F238E27FC236}">
+                <a16:creationId xmlns:a16="http://schemas.microsoft.com/office/drawing/2014/main" id="{7F6BD44A-0418-7275-D2E9-F6673D940EE8}"/>
+              </a:ext>
+            </a:extLst>
+          </p:cNvPr>
+          <p:cNvGrpSpPr/>
+          <p:nvPr/>
+        </p:nvGrpSpPr>
+        <p:grpSpPr>
+          <a:xfrm>
+            <a:off x="-10396325" y="0"/>
+            <a:ext cx="11459348" cy="6859534"/>
+            <a:chOff x="-1543570" y="-1534"/>
+            <a:chExt cx="11459348" cy="6859534"/>
+          </a:xfrm>
+        </p:grpSpPr>
+        <p:sp>
+          <p:nvSpPr>
+            <p:cNvPr id="19" name="文本框 18">
+              <a:extLst>
+                <a:ext uri="{FF2B5EF4-FFF2-40B4-BE49-F238E27FC236}">
+                  <a16:creationId xmlns:a16="http://schemas.microsoft.com/office/drawing/2014/main" id="{C70A4406-617C-9314-67A8-E94F551E4BD1}"/>
+                </a:ext>
+              </a:extLst>
+            </p:cNvPr>
+            <p:cNvSpPr txBox="1"/>
+            <p:nvPr/>
+          </p:nvSpPr>
+          <p:spPr>
+            <a:xfrm>
+              <a:off x="9107178" y="4059797"/>
+              <a:ext cx="808600" cy="888651"/>
+            </a:xfrm>
+            <a:prstGeom prst="flowChartAlternateProcess">
+              <a:avLst/>
+            </a:prstGeom>
+            <a:solidFill>
+              <a:schemeClr val="bg2">
+                <a:lumMod val="60000"/>
+                <a:lumOff val="40000"/>
+              </a:schemeClr>
+            </a:solidFill>
+            <a:ln>
+              <a:noFill/>
+            </a:ln>
+            <a:effectLst>
+              <a:outerShdw blurRad="50800" dist="38100" algn="l" rotWithShape="0">
+                <a:prstClr val="black">
+                  <a:alpha val="40000"/>
+                </a:prstClr>
+              </a:outerShdw>
+              <a:softEdge rad="0"/>
+            </a:effectLst>
+          </p:spPr>
+          <p:style>
+            <a:lnRef idx="3">
+              <a:schemeClr val="lt1"/>
+            </a:lnRef>
+            <a:fillRef idx="1">
+              <a:schemeClr val="accent1"/>
+            </a:fillRef>
+            <a:effectRef idx="1">
+              <a:schemeClr val="accent1"/>
+            </a:effectRef>
+            <a:fontRef idx="minor">
+              <a:schemeClr val="lt1"/>
+            </a:fontRef>
+          </p:style>
+          <p:txBody>
+            <a:bodyPr wrap="square" rtlCol="0" anchor="ctr" anchorCtr="0">
+              <a:noAutofit/>
+            </a:bodyPr>
+            <a:lstStyle/>
+            <a:p>
+              <a:pPr algn="ctr"/>
+              <a:r>
+                <a:rPr lang="en-US" altLang="zh-CN" sz="2400" b="1" dirty="0">
+                  <a:latin typeface="Bodoni MT Black" panose="02070A03080606020203" pitchFamily="18" charset="0"/>
+                </a:rPr>
+                <a:t>MF</a:t>
+              </a:r>
+              <a:endParaRPr lang="zh-CN" altLang="en-US" sz="2400" b="1" dirty="0">
+                <a:latin typeface="Bodoni MT Black" panose="02070A03080606020203" pitchFamily="18" charset="0"/>
+              </a:endParaRPr>
+            </a:p>
+          </p:txBody>
+        </p:sp>
+        <p:sp>
+          <p:nvSpPr>
+            <p:cNvPr id="21" name="矩形 20">
+              <a:extLst>
+                <a:ext uri="{FF2B5EF4-FFF2-40B4-BE49-F238E27FC236}">
+                  <a16:creationId xmlns:a16="http://schemas.microsoft.com/office/drawing/2014/main" id="{2B8ADDEA-45D2-9DEE-B577-8AF307B5A082}"/>
+                </a:ext>
+              </a:extLst>
+            </p:cNvPr>
+            <p:cNvSpPr/>
+            <p:nvPr/>
+          </p:nvSpPr>
+          <p:spPr>
+            <a:xfrm>
+              <a:off x="-1543570" y="-1534"/>
+              <a:ext cx="10804172" cy="6859534"/>
+            </a:xfrm>
+            <a:prstGeom prst="rect">
+              <a:avLst/>
+            </a:prstGeom>
+            <a:solidFill>
+              <a:schemeClr val="bg2">
+                <a:lumMod val="60000"/>
+                <a:lumOff val="40000"/>
+              </a:schemeClr>
+            </a:solidFill>
+            <a:ln>
+              <a:noFill/>
+            </a:ln>
+          </p:spPr>
+          <p:style>
+            <a:lnRef idx="2">
+              <a:schemeClr val="accent1">
+                <a:shade val="50000"/>
+              </a:schemeClr>
+            </a:lnRef>
+            <a:fillRef idx="1">
+              <a:schemeClr val="accent1"/>
+            </a:fillRef>
+            <a:effectRef idx="0">
+              <a:schemeClr val="accent1"/>
+            </a:effectRef>
+            <a:fontRef idx="minor">
+              <a:schemeClr val="lt1"/>
+            </a:fontRef>
+          </p:style>
+          <p:txBody>
+            <a:bodyPr rtlCol="0" anchor="ctr"/>
+            <a:lstStyle/>
+            <a:p>
+              <a:pPr algn="ctr"/>
+              <a:endParaRPr lang="zh-CN" altLang="en-US" dirty="0"/>
+            </a:p>
+          </p:txBody>
+        </p:sp>
+      </p:grpSp>
+    </p:spTree>
+    <p:extLst>
+      <p:ext uri="{BB962C8B-B14F-4D97-AF65-F5344CB8AC3E}">
+        <p14:creationId xmlns:p14="http://schemas.microsoft.com/office/powerpoint/2010/main" val="779913917"/>
+      </p:ext>
+    </p:extLst>
+  </p:cSld>
+  <p:clrMapOvr>
+    <a:masterClrMapping/>
+  </p:clrMapOvr>
+  <mc:AlternateContent xmlns:mc="http://schemas.openxmlformats.org/markup-compatibility/2006">
+    <mc:Choice xmlns:p159="http://schemas.microsoft.com/office/powerpoint/2015/09/main" Requires="p159">
+      <p:transition xmlns:p14="http://schemas.microsoft.com/office/powerpoint/2010/main" spd="slow" p14:dur="1500">
+        <p159:morph option="byObject"/>
+      </p:transition>
+    </mc:Choice>
+    <mc:Fallback>
+      <p:transition spd="slow">
+        <p:fade/>
+      </p:transition>
+    </mc:Fallback>
+  </mc:AlternateContent>
+  <mc:AlternateContent xmlns:mc="http://schemas.openxmlformats.org/markup-compatibility/2006">
+    <mc:Choice xmlns:p14="http://schemas.microsoft.com/office/powerpoint/2010/main" Requires="p14">
+      <p:timing>
+        <p:tnLst>
+          <p:par>
+            <p:cTn id="1" dur="indefinite" restart="never" nodeType="tmRoot">
+              <p:childTnLst>
+                <p:seq concurrent="1" nextAc="seek">
+                  <p:cTn id="2" dur="indefinite" nodeType="mainSeq">
+                    <p:childTnLst>
+                      <p:par>
+                        <p:cTn id="3" fill="hold">
+                          <p:stCondLst>
+                            <p:cond delay="indefinite"/>
+                          </p:stCondLst>
+                          <p:childTnLst>
+                            <p:par>
+                              <p:cTn id="4" fill="hold">
+                                <p:stCondLst>
+                                  <p:cond delay="0"/>
+                                </p:stCondLst>
+                                <p:childTnLst>
+                                  <p:par>
+                                    <p:cTn id="5" presetID="63" presetClass="path" presetSubtype="0" accel="50000" fill="hold" nodeType="clickEffect" p14:presetBounceEnd="51000">
+                                      <p:stCondLst>
+                                        <p:cond delay="0"/>
+                                      </p:stCondLst>
+                                      <p:childTnLst>
+                                        <p:animMotion origin="layout" path="M -1.66667E-6 1.48148E-6 L 0.67448 1.48148E-6 " pathEditMode="relative" rAng="0" ptsTypes="AA" p14:bounceEnd="51000">
+                                          <p:cBhvr>
+                                            <p:cTn id="6" dur="1000" fill="hold"/>
+                                            <p:tgtEl>
+                                              <p:spTgt spid="22"/>
+                                            </p:tgtEl>
+                                            <p:attrNameLst>
+                                              <p:attrName>ppt_x</p:attrName>
+                                              <p:attrName>ppt_y</p:attrName>
+                                            </p:attrNameLst>
+                                          </p:cBhvr>
+                                          <p:rCtr x="33724" y="0"/>
+                                        </p:animMotion>
+                                      </p:childTnLst>
+                                    </p:cTn>
+                                  </p:par>
+                                  <p:par>
+                                    <p:cTn id="7" presetID="63" presetClass="path" presetSubtype="0" accel="50000" fill="hold" nodeType="withEffect" p14:presetBounceEnd="51000">
+                                      <p:stCondLst>
+                                        <p:cond delay="0"/>
+                                      </p:stCondLst>
+                                      <p:childTnLst>
+                                        <p:animMotion origin="layout" path="M 2.29167E-6 4.81481E-6 L 0.67448 4.81481E-6 " pathEditMode="relative" rAng="0" ptsTypes="AA" p14:bounceEnd="51000">
+                                          <p:cBhvr>
+                                            <p:cTn id="8" dur="1000" fill="hold"/>
+                                            <p:tgtEl>
+                                              <p:spTgt spid="15"/>
+                                            </p:tgtEl>
+                                            <p:attrNameLst>
+                                              <p:attrName>ppt_x</p:attrName>
+                                              <p:attrName>ppt_y</p:attrName>
+                                            </p:attrNameLst>
+                                          </p:cBhvr>
+                                          <p:rCtr x="33724" y="0"/>
+                                        </p:animMotion>
+                                      </p:childTnLst>
+                                    </p:cTn>
+                                  </p:par>
+                                  <p:par>
+                                    <p:cTn id="9" presetID="63" presetClass="path" presetSubtype="0" accel="50000" fill="hold" nodeType="withEffect" p14:presetBounceEnd="51000">
+                                      <p:stCondLst>
+                                        <p:cond delay="0"/>
+                                      </p:stCondLst>
+                                      <p:childTnLst>
+                                        <p:animMotion origin="layout" path="M -2.08333E-7 0 L 0.67448 0 " pathEditMode="relative" rAng="0" ptsTypes="AA" p14:bounceEnd="51000">
+                                          <p:cBhvr>
+                                            <p:cTn id="10" dur="1000" fill="hold"/>
+                                            <p:tgtEl>
+                                              <p:spTgt spid="7"/>
+                                            </p:tgtEl>
+                                            <p:attrNameLst>
+                                              <p:attrName>ppt_x</p:attrName>
+                                              <p:attrName>ppt_y</p:attrName>
+                                            </p:attrNameLst>
+                                          </p:cBhvr>
+                                          <p:rCtr x="33724" y="0"/>
+                                        </p:animMotion>
+                                      </p:childTnLst>
+                                    </p:cTn>
+                                  </p:par>
+                                  <p:par>
+                                    <p:cTn id="11" presetID="63" presetClass="path" presetSubtype="0" accel="50000" fill="hold" nodeType="withEffect" p14:presetBounceEnd="51000">
+                                      <p:stCondLst>
+                                        <p:cond delay="0"/>
+                                      </p:stCondLst>
+                                      <p:childTnLst>
+                                        <p:animMotion origin="layout" path="M -3.125E-6 0 L 0.67448 0 " pathEditMode="relative" rAng="0" ptsTypes="AA" p14:bounceEnd="51000">
+                                          <p:cBhvr>
+                                            <p:cTn id="12" dur="1000" fill="hold"/>
+                                            <p:tgtEl>
+                                              <p:spTgt spid="12"/>
+                                            </p:tgtEl>
+                                            <p:attrNameLst>
+                                              <p:attrName>ppt_x</p:attrName>
+                                              <p:attrName>ppt_y</p:attrName>
+                                            </p:attrNameLst>
+                                          </p:cBhvr>
+                                          <p:rCtr x="33724" y="0"/>
+                                        </p:animMotion>
+                                      </p:childTnLst>
+                                    </p:cTn>
+                                  </p:par>
+                                  <p:par>
+                                    <p:cTn id="13" presetID="63" presetClass="path" presetSubtype="0" accel="50000" fill="hold" grpId="0" nodeType="withEffect" p14:presetBounceEnd="51000">
+                                      <p:stCondLst>
+                                        <p:cond delay="0"/>
+                                      </p:stCondLst>
+                                      <p:childTnLst>
+                                        <p:animMotion origin="layout" path="M 3.33333E-6 1.85185E-6 L 0.74466 1.85185E-6 " pathEditMode="relative" rAng="0" ptsTypes="AA" p14:bounceEnd="51000">
+                                          <p:cBhvr>
+                                            <p:cTn id="14" dur="1000" fill="hold"/>
+                                            <p:tgtEl>
+                                              <p:spTgt spid="23"/>
+                                            </p:tgtEl>
+                                            <p:attrNameLst>
+                                              <p:attrName>ppt_x</p:attrName>
+                                              <p:attrName>ppt_y</p:attrName>
+                                            </p:attrNameLst>
+                                          </p:cBhvr>
+                                          <p:rCtr x="37227" y="0"/>
+                                        </p:animMotion>
+                                      </p:childTnLst>
+                                    </p:cTn>
+                                  </p:par>
+                                  <p:par>
+                                    <p:cTn id="15" presetID="63" presetClass="path" presetSubtype="0" accel="50000" fill="hold" nodeType="withEffect" p14:presetBounceEnd="51000">
+                                      <p:stCondLst>
+                                        <p:cond delay="0"/>
+                                      </p:stCondLst>
+                                      <p:childTnLst>
+                                        <p:animMotion origin="layout" path="M 2.29167E-6 0 L 0.8431 0 " pathEditMode="relative" rAng="0" ptsTypes="AA" p14:bounceEnd="51000">
+                                          <p:cBhvr>
+                                            <p:cTn id="16" dur="1000" fill="hold"/>
+                                            <p:tgtEl>
+                                              <p:spTgt spid="18"/>
+                                            </p:tgtEl>
+                                            <p:attrNameLst>
+                                              <p:attrName>ppt_x</p:attrName>
+                                              <p:attrName>ppt_y</p:attrName>
+                                            </p:attrNameLst>
+                                          </p:cBhvr>
+                                          <p:rCtr x="42148" y="0"/>
+                                        </p:animMotion>
+                                      </p:childTnLst>
+                                    </p:cTn>
+                                  </p:par>
+                                </p:childTnLst>
+                              </p:cTn>
+                            </p:par>
+                          </p:childTnLst>
+                        </p:cTn>
+                      </p:par>
+                    </p:childTnLst>
+                  </p:cTn>
+                  <p:prevCondLst>
+                    <p:cond evt="onPrev" delay="0">
+                      <p:tgtEl>
+                        <p:sldTgt/>
+                      </p:tgtEl>
+                    </p:cond>
+                  </p:prevCondLst>
+                  <p:nextCondLst>
+                    <p:cond evt="onNext" delay="0">
+                      <p:tgtEl>
+                        <p:sldTgt/>
+                      </p:tgtEl>
+                    </p:cond>
+                  </p:nextCondLst>
+                </p:seq>
+              </p:childTnLst>
+            </p:cTn>
+          </p:par>
+        </p:tnLst>
+        <p:bldLst>
+          <p:bldP spid="23" grpId="0"/>
+        </p:bldLst>
+      </p:timing>
+    </mc:Choice>
+    <mc:Fallback>
+      <p:timing>
+        <p:tnLst>
+          <p:par>
+            <p:cTn id="1" dur="indefinite" restart="never" nodeType="tmRoot">
+              <p:childTnLst>
+                <p:seq concurrent="1" nextAc="seek">
+                  <p:cTn id="2" dur="indefinite" nodeType="mainSeq">
+                    <p:childTnLst>
+                      <p:par>
+                        <p:cTn id="3" fill="hold">
+                          <p:stCondLst>
+                            <p:cond delay="indefinite"/>
+                          </p:stCondLst>
+                          <p:childTnLst>
+                            <p:par>
+                              <p:cTn id="4" fill="hold">
+                                <p:stCondLst>
+                                  <p:cond delay="0"/>
+                                </p:stCondLst>
+                                <p:childTnLst>
+                                  <p:par>
+                                    <p:cTn id="5" presetID="63" presetClass="path" presetSubtype="0" accel="50000" fill="hold" nodeType="clickEffect">
+                                      <p:stCondLst>
+                                        <p:cond delay="0"/>
+                                      </p:stCondLst>
+                                      <p:childTnLst>
+                                        <p:animMotion origin="layout" path="M -1.66667E-6 1.48148E-6 L 0.67448 1.48148E-6 " pathEditMode="relative" rAng="0" ptsTypes="AA">
+                                          <p:cBhvr>
+                                            <p:cTn id="6" dur="1000" fill="hold"/>
+                                            <p:tgtEl>
+                                              <p:spTgt spid="22"/>
+                                            </p:tgtEl>
+                                            <p:attrNameLst>
+                                              <p:attrName>ppt_x</p:attrName>
+                                              <p:attrName>ppt_y</p:attrName>
+                                            </p:attrNameLst>
+                                          </p:cBhvr>
+                                          <p:rCtr x="33724" y="0"/>
+                                        </p:animMotion>
+                                      </p:childTnLst>
+                                    </p:cTn>
+                                  </p:par>
+                                  <p:par>
+                                    <p:cTn id="7" presetID="63" presetClass="path" presetSubtype="0" accel="50000" fill="hold" nodeType="withEffect">
+                                      <p:stCondLst>
+                                        <p:cond delay="0"/>
+                                      </p:stCondLst>
+                                      <p:childTnLst>
+                                        <p:animMotion origin="layout" path="M 2.29167E-6 4.81481E-6 L 0.67448 4.81481E-6 " pathEditMode="relative" rAng="0" ptsTypes="AA">
+                                          <p:cBhvr>
+                                            <p:cTn id="8" dur="1000" fill="hold"/>
+                                            <p:tgtEl>
+                                              <p:spTgt spid="15"/>
+                                            </p:tgtEl>
+                                            <p:attrNameLst>
+                                              <p:attrName>ppt_x</p:attrName>
+                                              <p:attrName>ppt_y</p:attrName>
+                                            </p:attrNameLst>
+                                          </p:cBhvr>
+                                          <p:rCtr x="33724" y="0"/>
+                                        </p:animMotion>
+                                      </p:childTnLst>
+                                    </p:cTn>
+                                  </p:par>
+                                  <p:par>
+                                    <p:cTn id="9" presetID="63" presetClass="path" presetSubtype="0" accel="50000" fill="hold" nodeType="withEffect">
+                                      <p:stCondLst>
+                                        <p:cond delay="0"/>
+                                      </p:stCondLst>
+                                      <p:childTnLst>
+                                        <p:animMotion origin="layout" path="M -2.08333E-7 0 L 0.67448 0 " pathEditMode="relative" rAng="0" ptsTypes="AA">
+                                          <p:cBhvr>
+                                            <p:cTn id="10" dur="1000" fill="hold"/>
+                                            <p:tgtEl>
+                                              <p:spTgt spid="7"/>
+                                            </p:tgtEl>
+                                            <p:attrNameLst>
+                                              <p:attrName>ppt_x</p:attrName>
+                                              <p:attrName>ppt_y</p:attrName>
+                                            </p:attrNameLst>
+                                          </p:cBhvr>
+                                          <p:rCtr x="33724" y="0"/>
+                                        </p:animMotion>
+                                      </p:childTnLst>
+                                    </p:cTn>
+                                  </p:par>
+                                  <p:par>
+                                    <p:cTn id="11" presetID="63" presetClass="path" presetSubtype="0" accel="50000" fill="hold" nodeType="withEffect">
+                                      <p:stCondLst>
+                                        <p:cond delay="0"/>
+                                      </p:stCondLst>
+                                      <p:childTnLst>
+                                        <p:animMotion origin="layout" path="M -3.125E-6 0 L 0.67448 0 " pathEditMode="relative" rAng="0" ptsTypes="AA">
+                                          <p:cBhvr>
+                                            <p:cTn id="12" dur="1000" fill="hold"/>
+                                            <p:tgtEl>
+                                              <p:spTgt spid="12"/>
+                                            </p:tgtEl>
+                                            <p:attrNameLst>
+                                              <p:attrName>ppt_x</p:attrName>
+                                              <p:attrName>ppt_y</p:attrName>
+                                            </p:attrNameLst>
+                                          </p:cBhvr>
+                                          <p:rCtr x="33724" y="0"/>
+                                        </p:animMotion>
+                                      </p:childTnLst>
+                                    </p:cTn>
+                                  </p:par>
+                                  <p:par>
+                                    <p:cTn id="13" presetID="63" presetClass="path" presetSubtype="0" accel="50000" fill="hold" grpId="0" nodeType="withEffect">
+                                      <p:stCondLst>
+                                        <p:cond delay="0"/>
+                                      </p:stCondLst>
+                                      <p:childTnLst>
+                                        <p:animMotion origin="layout" path="M 3.33333E-6 1.85185E-6 L 0.74466 1.85185E-6 " pathEditMode="relative" rAng="0" ptsTypes="AA">
+                                          <p:cBhvr>
+                                            <p:cTn id="14" dur="1000" fill="hold"/>
+                                            <p:tgtEl>
+                                              <p:spTgt spid="23"/>
+                                            </p:tgtEl>
+                                            <p:attrNameLst>
+                                              <p:attrName>ppt_x</p:attrName>
+                                              <p:attrName>ppt_y</p:attrName>
+                                            </p:attrNameLst>
+                                          </p:cBhvr>
+                                          <p:rCtr x="37227" y="0"/>
+                                        </p:animMotion>
+                                      </p:childTnLst>
+                                    </p:cTn>
+                                  </p:par>
+                                  <p:par>
+                                    <p:cTn id="15" presetID="63" presetClass="path" presetSubtype="0" accel="50000" fill="hold" nodeType="withEffect">
+                                      <p:stCondLst>
+                                        <p:cond delay="0"/>
+                                      </p:stCondLst>
+                                      <p:childTnLst>
+                                        <p:animMotion origin="layout" path="M 2.29167E-6 0 L 0.8431 0 " pathEditMode="relative" rAng="0" ptsTypes="AA">
+                                          <p:cBhvr>
+                                            <p:cTn id="16" dur="1000" fill="hold"/>
+                                            <p:tgtEl>
+                                              <p:spTgt spid="18"/>
+                                            </p:tgtEl>
+                                            <p:attrNameLst>
+                                              <p:attrName>ppt_x</p:attrName>
+                                              <p:attrName>ppt_y</p:attrName>
+                                            </p:attrNameLst>
+                                          </p:cBhvr>
+                                          <p:rCtr x="42148" y="0"/>
                                         </p:animMotion>
                                       </p:childTnLst>
                                     </p:cTn>

--- a/2022-1（UE4材质编辑）.pptx
+++ b/2022-1（UE4材质编辑）.pptx
@@ -129,6 +129,62 @@
     </p:ext>
   </p:extLst>
 </p:presentation>
+</file>
+
+<file path=ppt/ink/ink1.xml><?xml version="1.0" encoding="utf-8"?>
+<inkml:ink xmlns:inkml="http://www.w3.org/2003/InkML">
+  <inkml:definitions>
+    <inkml:context xml:id="ctx0">
+      <inkml:inkSource xml:id="inkSrc0">
+        <inkml:traceFormat>
+          <inkml:channel name="X" type="integer" min="-2.14748E9" max="2.14748E9" units="cm"/>
+          <inkml:channel name="Y" type="integer" min="-2.14748E9" max="2.14748E9" units="cm"/>
+          <inkml:channel name="F" type="integer" max="32767" units="dev"/>
+        </inkml:traceFormat>
+        <inkml:channelProperties>
+          <inkml:channelProperty channel="X" name="resolution" value="1000" units="1/cm"/>
+          <inkml:channelProperty channel="Y" name="resolution" value="1000" units="1/cm"/>
+          <inkml:channelProperty channel="F" name="resolution" value="0" units="1/dev"/>
+        </inkml:channelProperties>
+      </inkml:inkSource>
+      <inkml:timestamp xml:id="ts0" timeString="2022-06-05T14:46:27.698"/>
+    </inkml:context>
+    <inkml:brush xml:id="br0">
+      <inkml:brushProperty name="width" value="0.05" units="cm"/>
+      <inkml:brushProperty name="height" value="0.05" units="cm"/>
+      <inkml:brushProperty name="color" value="#E71224"/>
+    </inkml:brush>
+  </inkml:definitions>
+  <inkml:trace contextRef="#ctx0" brushRef="#br0">0 766 24575,'46'-1'0,"1"-2"0,-2-3 0,1-1 0,47-14 0,701-243 0,-596 183 0,-108 41 0,-56 24 0,41-13 0,121-41 0,-108 34 0,-60 23 0,51-16 0,37 0 0,-3 4 0,-112 25 0,0 0 0,-1 0 0,1 0 0,0 0 0,-1 0 0,1 0 0,0 0 0,-1 0 0,1 0 0,-1 0 0,1-1 0,0 1 0,-1 0 0,1-1 0,-1 1 0,1 0 0,0-1 0,-1 1 0,1 0 0,-1-1 0,0 1 0,1-1 0,-1 1 0,1-1 0,-1 1 0,0-1 0,1 0 0,-1 0 0,0 0 0,0 0 0,0 0 0,0 0 0,-1 1 0,1-1 0,0 0 0,-1 0 0,1 0 0,-1 0 0,1 1 0,-1-1 0,1 0 0,-1 0 0,0 1 0,1-1 0,-3-1 0,-34-22 0,25 19 0,-1 1 0,0 0 0,0 1 0,-1 1 0,1 0 0,-20 0 0,-40-8 0,32 4-337,1 1-1,0 2 0,-57 2 1,97 1 322,-27 0-6811</inkml:trace>
+</inkml:ink>
+</file>
+
+<file path=ppt/ink/ink2.xml><?xml version="1.0" encoding="utf-8"?>
+<inkml:ink xmlns:inkml="http://www.w3.org/2003/InkML">
+  <inkml:definitions>
+    <inkml:context xml:id="ctx0">
+      <inkml:inkSource xml:id="inkSrc0">
+        <inkml:traceFormat>
+          <inkml:channel name="X" type="integer" min="-2.14748E9" max="2.14748E9" units="cm"/>
+          <inkml:channel name="Y" type="integer" min="-2.14748E9" max="2.14748E9" units="cm"/>
+          <inkml:channel name="F" type="integer" max="32767" units="dev"/>
+        </inkml:traceFormat>
+        <inkml:channelProperties>
+          <inkml:channelProperty channel="X" name="resolution" value="1000" units="1/cm"/>
+          <inkml:channelProperty channel="Y" name="resolution" value="1000" units="1/cm"/>
+          <inkml:channelProperty channel="F" name="resolution" value="0" units="1/dev"/>
+        </inkml:channelProperties>
+      </inkml:inkSource>
+      <inkml:timestamp xml:id="ts0" timeString="2022-06-05T14:46:31.398"/>
+    </inkml:context>
+    <inkml:brush xml:id="br0">
+      <inkml:brushProperty name="width" value="0.05" units="cm"/>
+      <inkml:brushProperty name="height" value="0.05" units="cm"/>
+      <inkml:brushProperty name="color" value="#E71224"/>
+    </inkml:brush>
+  </inkml:definitions>
+  <inkml:trace contextRef="#ctx0" brushRef="#br0">211 0 24575,'0'7'0,"-1"0"0,0 0 0,0 0 0,0-1 0,-1 1 0,0-1 0,0 1 0,-5 7 0,-29 46 0,3-5 0,23-38 0,0-1 0,-22 27 0,20-29 0,2 0 0,0 0 0,-13 26 0,14-23-1365,1-3-5461</inkml:trace>
+</inkml:ink>
 </file>
 
 <file path=ppt/notesMasters/notesMaster1.xml><?xml version="1.0" encoding="utf-8"?>
@@ -4845,8 +4901,20 @@
   <p:clrMapOvr>
     <a:masterClrMapping/>
   </p:clrMapOvr>
-  <mc:AlternateContent xmlns:mc="http://schemas.openxmlformats.org/markup-compatibility/2006" xmlns:p14="http://schemas.microsoft.com/office/powerpoint/2010/main">
-    <mc:Choice Requires="p14">
+  <mc:AlternateContent xmlns:mc="http://schemas.openxmlformats.org/markup-compatibility/2006">
+    <mc:Choice xmlns:p14="http://schemas.microsoft.com/office/powerpoint/2010/main" Requires="p14">
+      <p:transition spd="slow" p14:dur="1500">
+        <p14:flash/>
+      </p:transition>
+    </mc:Choice>
+    <mc:Fallback>
+      <p:transition spd="slow">
+        <p:fade/>
+      </p:transition>
+    </mc:Fallback>
+  </mc:AlternateContent>
+  <mc:AlternateContent xmlns:mc="http://schemas.openxmlformats.org/markup-compatibility/2006">
+    <mc:Choice xmlns:p14="http://schemas.microsoft.com/office/powerpoint/2010/main" Requires="p14">
       <p:timing>
         <p:tnLst>
           <p:par>
@@ -5052,7 +5120,7 @@
                                         </p:set>
                                         <p:animEffect transition="in" filter="circle(in)">
                                           <p:cBhvr>
-                                            <p:cTn id="22" dur="2000"/>
+                                            <p:cTn id="22" dur="1000"/>
                                             <p:tgtEl>
                                               <p:spTgt spid="33"/>
                                             </p:tgtEl>
@@ -5067,7 +5135,7 @@
                             <p:par>
                               <p:cTn id="23" fill="hold">
                                 <p:stCondLst>
-                                  <p:cond delay="2500"/>
+                                  <p:cond delay="1500"/>
                                 </p:stCondLst>
                                 <p:childTnLst>
                                   <p:par>
@@ -5111,7 +5179,7 @@
                             <p:par>
                               <p:cTn id="27" fill="hold">
                                 <p:stCondLst>
-                                  <p:cond delay="3000"/>
+                                  <p:cond delay="2000"/>
                                 </p:stCondLst>
                                 <p:childTnLst>
                                   <p:par>
@@ -5155,7 +5223,7 @@
                             <p:par>
                               <p:cTn id="31" fill="hold">
                                 <p:stCondLst>
-                                  <p:cond delay="3500"/>
+                                  <p:cond delay="2500"/>
                                 </p:stCondLst>
                                 <p:childTnLst>
                                   <p:par>
@@ -5227,7 +5295,7 @@
         </p:bldLst>
       </p:timing>
     </mc:Choice>
-    <mc:Fallback xmlns="">
+    <mc:Fallback>
       <p:timing>
         <p:tnLst>
           <p:par>
@@ -5433,7 +5501,7 @@
                                         </p:set>
                                         <p:animEffect transition="in" filter="circle(in)">
                                           <p:cBhvr>
-                                            <p:cTn id="22" dur="2000"/>
+                                            <p:cTn id="22" dur="1000"/>
                                             <p:tgtEl>
                                               <p:spTgt spid="33"/>
                                             </p:tgtEl>
@@ -5448,7 +5516,7 @@
                             <p:par>
                               <p:cTn id="23" fill="hold">
                                 <p:stCondLst>
-                                  <p:cond delay="2500"/>
+                                  <p:cond delay="1500"/>
                                 </p:stCondLst>
                                 <p:childTnLst>
                                   <p:par>
@@ -5492,7 +5560,7 @@
                             <p:par>
                               <p:cTn id="27" fill="hold">
                                 <p:stCondLst>
-                                  <p:cond delay="3000"/>
+                                  <p:cond delay="2000"/>
                                 </p:stCondLst>
                                 <p:childTnLst>
                                   <p:par>
@@ -5536,7 +5604,7 @@
                             <p:par>
                               <p:cTn id="31" fill="hold">
                                 <p:stCondLst>
-                                  <p:cond delay="3500"/>
+                                  <p:cond delay="2500"/>
                                 </p:stCondLst>
                                 <p:childTnLst>
                                   <p:par>
@@ -5657,8 +5725,8 @@
         </p:nvSpPr>
         <p:spPr>
           <a:xfrm>
-            <a:off x="4967677" y="2920880"/>
-            <a:ext cx="2954655" cy="923330"/>
+            <a:off x="4352125" y="2920880"/>
+            <a:ext cx="4185761" cy="923330"/>
           </a:xfrm>
           <a:prstGeom prst="rect">
             <a:avLst/>
@@ -5672,6 +5740,24 @@
           <a:lstStyle/>
           <a:p>
             <a:pPr algn="ctr"/>
+            <a:r>
+              <a:rPr lang="en-US" altLang="zh-CN" sz="5400" b="1" dirty="0">
+                <a:ln w="9525">
+                  <a:solidFill>
+                    <a:schemeClr val="bg1"/>
+                  </a:solidFill>
+                  <a:prstDash val="solid"/>
+                </a:ln>
+                <a:effectLst>
+                  <a:outerShdw blurRad="12700" dist="38100" dir="2700000" algn="tl" rotWithShape="0">
+                    <a:schemeClr val="bg1">
+                      <a:lumMod val="50000"/>
+                    </a:schemeClr>
+                  </a:outerShdw>
+                </a:effectLst>
+              </a:rPr>
+              <a:t>UE4</a:t>
+            </a:r>
             <a:r>
               <a:rPr lang="zh-CN" altLang="en-US" sz="5400" b="1" dirty="0">
                 <a:ln w="9525">
@@ -6384,7 +6470,7 @@
       </p:sp>
       <p:sp>
         <p:nvSpPr>
-          <p:cNvPr id="9" name="矩形 8" hidden="1">
+          <p:cNvPr id="9" name="矩形 8">
             <a:extLst>
               <a:ext uri="{FF2B5EF4-FFF2-40B4-BE49-F238E27FC236}">
                 <a16:creationId xmlns:a16="http://schemas.microsoft.com/office/drawing/2014/main" id="{4BD5810B-3011-6E5A-C575-0D87EA7B47E1}"/>
@@ -6506,7 +6592,7 @@
       </p:sp>
       <p:sp>
         <p:nvSpPr>
-          <p:cNvPr id="14" name="矩形 13" hidden="1">
+          <p:cNvPr id="14" name="矩形 13">
             <a:extLst>
               <a:ext uri="{FF2B5EF4-FFF2-40B4-BE49-F238E27FC236}">
                 <a16:creationId xmlns:a16="http://schemas.microsoft.com/office/drawing/2014/main" id="{AE00B959-9713-4F96-2D07-989385768095}"/>
@@ -6629,7 +6715,7 @@
       </p:sp>
       <p:sp>
         <p:nvSpPr>
-          <p:cNvPr id="21" name="矩形 20" hidden="1">
+          <p:cNvPr id="21" name="矩形 20">
             <a:extLst>
               <a:ext uri="{FF2B5EF4-FFF2-40B4-BE49-F238E27FC236}">
                 <a16:creationId xmlns:a16="http://schemas.microsoft.com/office/drawing/2014/main" id="{2B8ADDEA-45D2-9DEE-B577-8AF307B5A082}"/>
@@ -6641,7 +6727,7 @@
         </p:nvSpPr>
         <p:spPr>
           <a:xfrm>
-            <a:off x="-10410041" y="-77724"/>
+            <a:off x="-10400539" y="0"/>
             <a:ext cx="10804172" cy="6859534"/>
           </a:xfrm>
           <a:prstGeom prst="rect">
@@ -6934,7 +7020,7 @@
                                         <p:cond delay="0"/>
                                       </p:stCondLst>
                                       <p:childTnLst>
-                                        <p:animMotion origin="layout" path="M -4.58333E-6 0 L -0.25 0 " pathEditMode="relative" rAng="0" ptsTypes="AA">
+                                        <p:animMotion origin="layout" path="M -3.95833E-6 0 L -0.25 0 " pathEditMode="relative" rAng="0" ptsTypes="AA">
                                           <p:cBhvr>
                                             <p:cTn id="24" dur="1000" fill="hold"/>
                                             <p:tgtEl>
@@ -6978,7 +7064,7 @@
                                         <p:cond delay="110"/>
                                       </p:stCondLst>
                                       <p:childTnLst>
-                                        <p:animMotion origin="layout" path="M 2.29167E-6 4.81481E-6 L 0.67448 4.81481E-6 " pathEditMode="relative" rAng="0" ptsTypes="AA" p14:bounceEnd="51000">
+                                        <p:animMotion origin="layout" path="M 4.375E-6 2.96296E-6 L 0.67447 2.96296E-6 " pathEditMode="relative" rAng="0" ptsTypes="AA" p14:bounceEnd="51000">
                                           <p:cBhvr>
                                             <p:cTn id="28" dur="1000" fill="hold"/>
                                             <p:tgtEl>
@@ -7261,7 +7347,7 @@
                                         <p:cond delay="0"/>
                                       </p:stCondLst>
                                       <p:childTnLst>
-                                        <p:animMotion origin="layout" path="M -4.58333E-6 0 L -0.25 0 " pathEditMode="relative" rAng="0" ptsTypes="AA">
+                                        <p:animMotion origin="layout" path="M -3.95833E-6 0 L -0.25 0 " pathEditMode="relative" rAng="0" ptsTypes="AA">
                                           <p:cBhvr>
                                             <p:cTn id="24" dur="1000" fill="hold"/>
                                             <p:tgtEl>
@@ -7305,7 +7391,7 @@
                                         <p:cond delay="110"/>
                                       </p:stCondLst>
                                       <p:childTnLst>
-                                        <p:animMotion origin="layout" path="M 2.29167E-6 4.81481E-6 L 0.67448 4.81481E-6 " pathEditMode="relative" rAng="0" ptsTypes="AA">
+                                        <p:animMotion origin="layout" path="M 4.375E-6 2.96296E-6 L 0.67447 2.96296E-6 " pathEditMode="relative" rAng="0" ptsTypes="AA">
                                           <p:cBhvr>
                                             <p:cTn id="28" dur="1000" fill="hold"/>
                                             <p:tgtEl>
@@ -7396,6 +7482,75 @@
       </p:grpSpPr>
       <p:sp>
         <p:nvSpPr>
+          <p:cNvPr id="2" name="文本框 1">
+            <a:extLst>
+              <a:ext uri="{FF2B5EF4-FFF2-40B4-BE49-F238E27FC236}">
+                <a16:creationId xmlns:a16="http://schemas.microsoft.com/office/drawing/2014/main" id="{FDC618A0-EFDA-C41E-DA05-A4CBE6343034}"/>
+              </a:ext>
+            </a:extLst>
+          </p:cNvPr>
+          <p:cNvSpPr txBox="1"/>
+          <p:nvPr/>
+        </p:nvSpPr>
+        <p:spPr>
+          <a:xfrm>
+            <a:off x="1893780" y="728133"/>
+            <a:ext cx="8266220" cy="5109091"/>
+          </a:xfrm>
+          <a:prstGeom prst="rect">
+            <a:avLst/>
+          </a:prstGeom>
+          <a:noFill/>
+        </p:spPr>
+        <p:txBody>
+          <a:bodyPr wrap="square" rtlCol="0">
+            <a:spAutoFit/>
+          </a:bodyPr>
+          <a:lstStyle/>
+          <a:p>
+            <a:pPr algn="ctr"/>
+            <a:r>
+              <a:rPr lang="en-US" altLang="zh-CN" sz="32600" b="1" dirty="0">
+                <a:solidFill>
+                  <a:schemeClr val="accent1">
+                    <a:lumMod val="60000"/>
+                    <a:lumOff val="40000"/>
+                    <a:alpha val="37000"/>
+                  </a:schemeClr>
+                </a:solidFill>
+                <a:effectLst>
+                  <a:outerShdw blurRad="50800" dist="50800" dir="5400000" sx="105000" sy="105000" algn="ctr" rotWithShape="0">
+                    <a:srgbClr val="000000">
+                      <a:alpha val="28000"/>
+                    </a:srgbClr>
+                  </a:outerShdw>
+                </a:effectLst>
+                <a:latin typeface="Cooper Black" panose="0208090404030B020404" pitchFamily="18" charset="0"/>
+              </a:rPr>
+              <a:t>M</a:t>
+            </a:r>
+            <a:endParaRPr lang="zh-CN" altLang="en-US" sz="32600" b="1" dirty="0">
+              <a:solidFill>
+                <a:schemeClr val="accent1">
+                  <a:lumMod val="60000"/>
+                  <a:lumOff val="40000"/>
+                  <a:alpha val="37000"/>
+                </a:schemeClr>
+              </a:solidFill>
+              <a:effectLst>
+                <a:outerShdw blurRad="50800" dist="50800" dir="5400000" sx="105000" sy="105000" algn="ctr" rotWithShape="0">
+                  <a:srgbClr val="000000">
+                    <a:alpha val="28000"/>
+                  </a:srgbClr>
+                </a:outerShdw>
+              </a:effectLst>
+              <a:latin typeface="Cooper Black" panose="0208090404030B020404" pitchFamily="18" charset="0"/>
+            </a:endParaRPr>
+          </a:p>
+        </p:txBody>
+      </p:sp>
+      <p:sp>
+        <p:nvSpPr>
           <p:cNvPr id="22" name="Material">
             <a:extLst>
               <a:ext uri="{FF2B5EF4-FFF2-40B4-BE49-F238E27FC236}">
@@ -7408,8 +7563,8 @@
         </p:nvSpPr>
         <p:spPr>
           <a:xfrm>
-            <a:off x="3322197" y="2920880"/>
-            <a:ext cx="6245621" cy="923330"/>
+            <a:off x="2975948" y="2920880"/>
+            <a:ext cx="6938118" cy="923330"/>
           </a:xfrm>
           <a:prstGeom prst="rect">
             <a:avLst/>
@@ -7439,7 +7594,7 @@
                   </a:outerShdw>
                 </a:effectLst>
               </a:rPr>
-              <a:t>母材质（</a:t>
+              <a:t>材质蓝图（</a:t>
             </a:r>
             <a:r>
               <a:rPr lang="en-US" altLang="zh-CN" sz="5400" b="1" dirty="0">
@@ -8413,6 +8568,14 @@
   <p:clrMapOvr>
     <a:masterClrMapping/>
   </p:clrMapOvr>
+  <mc:AlternateContent xmlns:mc="http://schemas.openxmlformats.org/markup-compatibility/2006">
+    <mc:Choice xmlns:p14="http://schemas.microsoft.com/office/powerpoint/2010/main" Requires="p14">
+      <p:transition spd="slow" p14:dur="1200"/>
+    </mc:Choice>
+    <mc:Fallback>
+      <p:transition spd="slow"/>
+    </mc:Fallback>
+  </mc:AlternateContent>
   <p:timing>
     <p:tnLst>
       <p:par>
@@ -8725,6 +8888,75 @@
           <a:chExt cx="0" cy="0"/>
         </a:xfrm>
       </p:grpSpPr>
+      <p:sp>
+        <p:nvSpPr>
+          <p:cNvPr id="24" name="文本框 23">
+            <a:extLst>
+              <a:ext uri="{FF2B5EF4-FFF2-40B4-BE49-F238E27FC236}">
+                <a16:creationId xmlns:a16="http://schemas.microsoft.com/office/drawing/2014/main" id="{43F4D322-D0C5-BD62-97BA-68E1B237C85A}"/>
+              </a:ext>
+            </a:extLst>
+          </p:cNvPr>
+          <p:cNvSpPr txBox="1"/>
+          <p:nvPr/>
+        </p:nvSpPr>
+        <p:spPr>
+          <a:xfrm>
+            <a:off x="1893780" y="728133"/>
+            <a:ext cx="8266220" cy="5109091"/>
+          </a:xfrm>
+          <a:prstGeom prst="rect">
+            <a:avLst/>
+          </a:prstGeom>
+          <a:noFill/>
+        </p:spPr>
+        <p:txBody>
+          <a:bodyPr wrap="square" rtlCol="0">
+            <a:spAutoFit/>
+          </a:bodyPr>
+          <a:lstStyle/>
+          <a:p>
+            <a:pPr algn="ctr"/>
+            <a:r>
+              <a:rPr lang="en-US" altLang="zh-CN" sz="32600" b="1" dirty="0">
+                <a:solidFill>
+                  <a:schemeClr val="accent1">
+                    <a:lumMod val="60000"/>
+                    <a:lumOff val="40000"/>
+                    <a:alpha val="37000"/>
+                  </a:schemeClr>
+                </a:solidFill>
+                <a:effectLst>
+                  <a:outerShdw blurRad="50800" dist="50800" dir="5400000" sx="105000" sy="105000" algn="ctr" rotWithShape="0">
+                    <a:srgbClr val="000000">
+                      <a:alpha val="28000"/>
+                    </a:srgbClr>
+                  </a:outerShdw>
+                </a:effectLst>
+                <a:latin typeface="Cooper Black" panose="0208090404030B020404" pitchFamily="18" charset="0"/>
+              </a:rPr>
+              <a:t>M</a:t>
+            </a:r>
+            <a:endParaRPr lang="zh-CN" altLang="en-US" sz="32600" b="1" dirty="0">
+              <a:solidFill>
+                <a:schemeClr val="accent1">
+                  <a:lumMod val="60000"/>
+                  <a:lumOff val="40000"/>
+                  <a:alpha val="37000"/>
+                </a:schemeClr>
+              </a:solidFill>
+              <a:effectLst>
+                <a:outerShdw blurRad="50800" dist="50800" dir="5400000" sx="105000" sy="105000" algn="ctr" rotWithShape="0">
+                  <a:srgbClr val="000000">
+                    <a:alpha val="28000"/>
+                  </a:srgbClr>
+                </a:outerShdw>
+              </a:effectLst>
+              <a:latin typeface="Cooper Black" panose="0208090404030B020404" pitchFamily="18" charset="0"/>
+            </a:endParaRPr>
+          </a:p>
+        </p:txBody>
+      </p:sp>
       <p:grpSp>
         <p:nvGrpSpPr>
           <p:cNvPr id="22" name="组合 21">
@@ -9049,8 +9281,8 @@
         </p:nvSpPr>
         <p:spPr>
           <a:xfrm>
-            <a:off x="3322197" y="2920880"/>
-            <a:ext cx="6245621" cy="923330"/>
+            <a:off x="2975948" y="2920880"/>
+            <a:ext cx="6938118" cy="923330"/>
           </a:xfrm>
           <a:prstGeom prst="rect">
             <a:avLst/>
@@ -9080,7 +9312,7 @@
                   </a:outerShdw>
                 </a:effectLst>
               </a:rPr>
-              <a:t>母材质（</a:t>
+              <a:t>材质蓝图（</a:t>
             </a:r>
             <a:r>
               <a:rPr lang="en-US" altLang="zh-CN" sz="5400" b="1" dirty="0">
@@ -9135,7 +9367,7 @@
         </p:nvGrpSpPr>
         <p:grpSpPr>
           <a:xfrm>
-            <a:off x="-8776828" y="0"/>
+            <a:off x="-8771984" y="3934"/>
             <a:ext cx="11459348" cy="6859534"/>
             <a:chOff x="-1543570" y="-1534"/>
             <a:chExt cx="11459348" cy="6859534"/>
@@ -9262,6 +9494,343 @@
             <a:p>
               <a:pPr algn="ctr"/>
               <a:endParaRPr lang="zh-CN" altLang="en-US" dirty="0"/>
+            </a:p>
+          </p:txBody>
+        </p:sp>
+      </p:grpSp>
+      <p:grpSp>
+        <p:nvGrpSpPr>
+          <p:cNvPr id="39" name="组合 38">
+            <a:extLst>
+              <a:ext uri="{FF2B5EF4-FFF2-40B4-BE49-F238E27FC236}">
+                <a16:creationId xmlns:a16="http://schemas.microsoft.com/office/drawing/2014/main" id="{FCD782E4-DFFC-7231-C06E-B62BA4DD83AD}"/>
+              </a:ext>
+            </a:extLst>
+          </p:cNvPr>
+          <p:cNvGrpSpPr/>
+          <p:nvPr/>
+        </p:nvGrpSpPr>
+        <p:grpSpPr>
+          <a:xfrm>
+            <a:off x="-8239248" y="28400"/>
+            <a:ext cx="9588109" cy="6801200"/>
+            <a:chOff x="571891" y="28400"/>
+            <a:chExt cx="9588109" cy="6801200"/>
+          </a:xfrm>
+        </p:grpSpPr>
+        <p:pic>
+          <p:nvPicPr>
+            <p:cNvPr id="34" name="图片 33">
+              <a:extLst>
+                <a:ext uri="{FF2B5EF4-FFF2-40B4-BE49-F238E27FC236}">
+                  <a16:creationId xmlns:a16="http://schemas.microsoft.com/office/drawing/2014/main" id="{467C1BE2-1220-343F-C03C-F49F6CF6B2BF}"/>
+                </a:ext>
+              </a:extLst>
+            </p:cNvPr>
+            <p:cNvPicPr>
+              <a:picLocks noChangeAspect="1"/>
+            </p:cNvPicPr>
+            <p:nvPr/>
+          </p:nvPicPr>
+          <p:blipFill>
+            <a:blip r:embed="rId6"/>
+            <a:stretch>
+              <a:fillRect/>
+            </a:stretch>
+          </p:blipFill>
+          <p:spPr>
+            <a:xfrm>
+              <a:off x="571891" y="28400"/>
+              <a:ext cx="9309578" cy="6801200"/>
+            </a:xfrm>
+            <a:prstGeom prst="rect">
+              <a:avLst/>
+            </a:prstGeom>
+            <a:effectLst>
+              <a:softEdge rad="889000"/>
+            </a:effectLst>
+          </p:spPr>
+        </p:pic>
+        <p:sp>
+          <p:nvSpPr>
+            <p:cNvPr id="35" name="文本框 34">
+              <a:extLst>
+                <a:ext uri="{FF2B5EF4-FFF2-40B4-BE49-F238E27FC236}">
+                  <a16:creationId xmlns:a16="http://schemas.microsoft.com/office/drawing/2014/main" id="{2ED7193D-50AE-450A-711E-8F131DF26B41}"/>
+                </a:ext>
+              </a:extLst>
+            </p:cNvPr>
+            <p:cNvSpPr txBox="1"/>
+            <p:nvPr/>
+          </p:nvSpPr>
+          <p:spPr>
+            <a:xfrm>
+              <a:off x="2406879" y="330822"/>
+              <a:ext cx="6159448" cy="1077218"/>
+            </a:xfrm>
+            <a:prstGeom prst="rect">
+              <a:avLst/>
+            </a:prstGeom>
+            <a:noFill/>
+          </p:spPr>
+          <p:txBody>
+            <a:bodyPr wrap="square" rtlCol="0">
+              <a:spAutoFit/>
+            </a:bodyPr>
+            <a:lstStyle/>
+            <a:p>
+              <a:pPr algn="ctr"/>
+              <a:r>
+                <a:rPr lang="zh-CN" altLang="en-US" sz="2800" b="1" dirty="0">
+                  <a:solidFill>
+                    <a:schemeClr val="accent6">
+                      <a:lumMod val="60000"/>
+                      <a:lumOff val="40000"/>
+                    </a:schemeClr>
+                  </a:solidFill>
+                </a:rPr>
+                <a:t>常用材质节点</a:t>
+              </a:r>
+              <a:endParaRPr lang="en-US" altLang="zh-CN" sz="2800" b="1" dirty="0">
+                <a:solidFill>
+                  <a:schemeClr val="accent6">
+                    <a:lumMod val="60000"/>
+                    <a:lumOff val="40000"/>
+                  </a:schemeClr>
+                </a:solidFill>
+              </a:endParaRPr>
+            </a:p>
+            <a:p>
+              <a:endParaRPr lang="en-US" altLang="zh-CN" dirty="0"/>
+            </a:p>
+            <a:p>
+              <a:r>
+                <a:rPr lang="zh-CN" altLang="en-US" dirty="0"/>
+                <a:t>乘（</a:t>
+              </a:r>
+              <a:r>
+                <a:rPr lang="en-US" altLang="zh-CN" dirty="0"/>
+                <a:t>m</a:t>
+              </a:r>
+              <a:r>
+                <a:rPr lang="zh-CN" altLang="en-US" dirty="0"/>
+                <a:t>）</a:t>
+              </a:r>
+              <a:r>
+                <a:rPr lang="en-US" altLang="zh-CN" dirty="0"/>
+                <a:t>              </a:t>
+              </a:r>
+              <a:r>
+                <a:rPr lang="zh-CN" altLang="en-US" dirty="0"/>
+                <a:t>除（</a:t>
+              </a:r>
+              <a:r>
+                <a:rPr lang="en-US" altLang="zh-CN" dirty="0"/>
+                <a:t>d</a:t>
+              </a:r>
+              <a:r>
+                <a:rPr lang="zh-CN" altLang="en-US" dirty="0"/>
+                <a:t>）</a:t>
+              </a:r>
+              <a:r>
+                <a:rPr lang="en-US" altLang="zh-CN" dirty="0"/>
+                <a:t>            </a:t>
+              </a:r>
+              <a:r>
+                <a:rPr lang="zh-CN" altLang="en-US" dirty="0"/>
+                <a:t>加（</a:t>
+              </a:r>
+              <a:r>
+                <a:rPr lang="en-US" altLang="zh-CN" dirty="0"/>
+                <a:t>a</a:t>
+              </a:r>
+              <a:r>
+                <a:rPr lang="zh-CN" altLang="en-US" dirty="0"/>
+                <a:t>）</a:t>
+              </a:r>
+              <a:r>
+                <a:rPr lang="en-US" altLang="zh-CN" dirty="0"/>
+                <a:t>               </a:t>
+              </a:r>
+              <a:r>
+                <a:rPr lang="zh-CN" altLang="en-US" dirty="0"/>
+                <a:t>减  </a:t>
+              </a:r>
+              <a:r>
+                <a:rPr lang="en-US" altLang="zh-CN" dirty="0"/>
+                <a:t>-</a:t>
+              </a:r>
+              <a:endParaRPr lang="zh-CN" altLang="en-US" dirty="0"/>
+            </a:p>
+          </p:txBody>
+        </p:sp>
+        <p:sp>
+          <p:nvSpPr>
+            <p:cNvPr id="38" name="文本框 37">
+              <a:extLst>
+                <a:ext uri="{FF2B5EF4-FFF2-40B4-BE49-F238E27FC236}">
+                  <a16:creationId xmlns:a16="http://schemas.microsoft.com/office/drawing/2014/main" id="{EDCC7B75-A81D-7729-4ECC-29AC59180CE5}"/>
+                </a:ext>
+              </a:extLst>
+            </p:cNvPr>
+            <p:cNvSpPr txBox="1"/>
+            <p:nvPr/>
+          </p:nvSpPr>
+          <p:spPr>
+            <a:xfrm>
+              <a:off x="2406879" y="2821251"/>
+              <a:ext cx="7753121" cy="3416320"/>
+            </a:xfrm>
+            <a:prstGeom prst="rect">
+              <a:avLst/>
+            </a:prstGeom>
+            <a:noFill/>
+          </p:spPr>
+          <p:txBody>
+            <a:bodyPr wrap="square" rtlCol="0">
+              <a:spAutoFit/>
+            </a:bodyPr>
+            <a:lstStyle/>
+            <a:p>
+              <a:r>
+                <a:rPr lang="en-US" altLang="zh-CN" dirty="0"/>
+                <a:t>UV</a:t>
+              </a:r>
+              <a:r>
+                <a:rPr lang="zh-CN" altLang="en-US" dirty="0"/>
+                <a:t>（</a:t>
+              </a:r>
+              <a:r>
+                <a:rPr lang="en-US" altLang="zh-CN" dirty="0"/>
+                <a:t>u</a:t>
+              </a:r>
+              <a:r>
+                <a:rPr lang="zh-CN" altLang="en-US" dirty="0"/>
+                <a:t>）</a:t>
+              </a:r>
+              <a:r>
+                <a:rPr lang="en-US" altLang="zh-CN" dirty="0"/>
+                <a:t>                </a:t>
+              </a:r>
+              <a:r>
+                <a:rPr lang="zh-CN" altLang="en-US" dirty="0"/>
+                <a:t>贴图（</a:t>
+              </a:r>
+              <a:r>
+                <a:rPr lang="en-US" altLang="zh-CN" dirty="0"/>
+                <a:t>t</a:t>
+              </a:r>
+              <a:r>
+                <a:rPr lang="zh-CN" altLang="en-US" dirty="0"/>
+                <a:t>）</a:t>
+              </a:r>
+              <a:r>
+                <a:rPr lang="en-US" altLang="zh-CN" dirty="0"/>
+                <a:t>          </a:t>
+              </a:r>
+              <a:r>
+                <a:rPr lang="zh-CN" altLang="en-US" dirty="0"/>
+                <a:t>一维常数（</a:t>
+              </a:r>
+              <a:r>
+                <a:rPr lang="en-US" altLang="zh-CN" dirty="0"/>
+                <a:t>1</a:t>
+              </a:r>
+              <a:r>
+                <a:rPr lang="zh-CN" altLang="en-US" dirty="0"/>
+                <a:t>）</a:t>
+              </a:r>
+              <a:r>
+                <a:rPr lang="en-US" altLang="zh-CN" dirty="0"/>
+                <a:t> </a:t>
+              </a:r>
+              <a:r>
+                <a:rPr lang="zh-CN" altLang="en-US" dirty="0"/>
+                <a:t>暴露常数（</a:t>
+              </a:r>
+              <a:r>
+                <a:rPr lang="en-US" altLang="zh-CN" dirty="0"/>
+                <a:t>s</a:t>
+              </a:r>
+              <a:r>
+                <a:rPr lang="zh-CN" altLang="en-US" dirty="0"/>
+                <a:t>）</a:t>
+              </a:r>
+              <a:endParaRPr lang="en-US" altLang="zh-CN" dirty="0"/>
+            </a:p>
+            <a:p>
+              <a:endParaRPr lang="en-US" altLang="zh-CN" dirty="0"/>
+            </a:p>
+            <a:p>
+              <a:endParaRPr lang="en-US" altLang="zh-CN" dirty="0"/>
+            </a:p>
+            <a:p>
+              <a:endParaRPr lang="en-US" altLang="zh-CN" dirty="0"/>
+            </a:p>
+            <a:p>
+              <a:endParaRPr lang="en-US" altLang="zh-CN" dirty="0"/>
+            </a:p>
+            <a:p>
+              <a:endParaRPr lang="en-US" altLang="zh-CN" dirty="0"/>
+            </a:p>
+            <a:p>
+              <a:endParaRPr lang="en-US" altLang="zh-CN" dirty="0"/>
+            </a:p>
+            <a:p>
+              <a:endParaRPr lang="en-US" altLang="zh-CN" dirty="0"/>
+            </a:p>
+            <a:p>
+              <a:endParaRPr lang="en-US" altLang="zh-CN" dirty="0"/>
+            </a:p>
+            <a:p>
+              <a:endParaRPr lang="en-US" altLang="zh-CN" dirty="0"/>
+            </a:p>
+            <a:p>
+              <a:endParaRPr lang="en-US" altLang="zh-CN" dirty="0"/>
+            </a:p>
+            <a:p>
+              <a:r>
+                <a:rPr lang="zh-CN" altLang="en-US" dirty="0"/>
+                <a:t> </a:t>
+              </a:r>
+              <a:r>
+                <a:rPr lang="zh-CN" altLang="en-US" dirty="0">
+                  <a:solidFill>
+                    <a:srgbClr val="C00000"/>
+                  </a:solidFill>
+                </a:rPr>
+                <a:t>按住</a:t>
+              </a:r>
+              <a:r>
+                <a:rPr lang="zh-CN" altLang="en-US" dirty="0">
+                  <a:solidFill>
+                    <a:schemeClr val="accent6">
+                      <a:lumMod val="60000"/>
+                      <a:lumOff val="40000"/>
+                    </a:schemeClr>
+                  </a:solidFill>
+                </a:rPr>
+                <a:t>括号中的快捷键再点击</a:t>
+              </a:r>
+              <a:r>
+                <a:rPr lang="zh-CN" altLang="en-US" dirty="0">
+                  <a:solidFill>
+                    <a:srgbClr val="C00000"/>
+                  </a:solidFill>
+                </a:rPr>
+                <a:t>鼠标左键</a:t>
+              </a:r>
+              <a:r>
+                <a:rPr lang="zh-CN" altLang="en-US" dirty="0">
+                  <a:solidFill>
+                    <a:schemeClr val="accent6">
+                      <a:lumMod val="60000"/>
+                      <a:lumOff val="40000"/>
+                    </a:schemeClr>
+                  </a:solidFill>
+                </a:rPr>
+                <a:t>可以快速创建相应节点</a:t>
+              </a:r>
             </a:p>
           </p:txBody>
         </p:sp>
@@ -9554,6 +10123,258 @@
           </p:txBody>
         </p:sp>
       </p:grpSp>
+      <p:pic>
+        <p:nvPicPr>
+          <p:cNvPr id="41" name="图片 40">
+            <a:extLst>
+              <a:ext uri="{FF2B5EF4-FFF2-40B4-BE49-F238E27FC236}">
+                <a16:creationId xmlns:a16="http://schemas.microsoft.com/office/drawing/2014/main" id="{CF238BC2-34D8-7219-FE0A-E77FB2C6BDC0}"/>
+              </a:ext>
+            </a:extLst>
+          </p:cNvPr>
+          <p:cNvPicPr>
+            <a:picLocks noChangeAspect="1"/>
+          </p:cNvPicPr>
+          <p:nvPr/>
+        </p:nvPicPr>
+        <p:blipFill>
+          <a:blip r:embed="rId7"/>
+          <a:stretch>
+            <a:fillRect/>
+          </a:stretch>
+        </p:blipFill>
+        <p:spPr>
+          <a:xfrm>
+            <a:off x="3206882" y="1307821"/>
+            <a:ext cx="5162815" cy="4102311"/>
+          </a:xfrm>
+          <a:prstGeom prst="rect">
+            <a:avLst/>
+          </a:prstGeom>
+          <a:effectLst>
+            <a:softEdge rad="749300"/>
+          </a:effectLst>
+        </p:spPr>
+      </p:pic>
+      <p:grpSp>
+        <p:nvGrpSpPr>
+          <p:cNvPr id="54" name="组合 53">
+            <a:extLst>
+              <a:ext uri="{FF2B5EF4-FFF2-40B4-BE49-F238E27FC236}">
+                <a16:creationId xmlns:a16="http://schemas.microsoft.com/office/drawing/2014/main" id="{16DA4CAB-7B23-776D-2348-5F1298CB41A9}"/>
+              </a:ext>
+            </a:extLst>
+          </p:cNvPr>
+          <p:cNvGrpSpPr/>
+          <p:nvPr/>
+        </p:nvGrpSpPr>
+        <p:grpSpPr>
+          <a:xfrm>
+            <a:off x="3653629" y="2654469"/>
+            <a:ext cx="4743417" cy="2062103"/>
+            <a:chOff x="3653629" y="2654469"/>
+            <a:chExt cx="4743417" cy="2062103"/>
+          </a:xfrm>
+        </p:grpSpPr>
+        <mc:AlternateContent xmlns:mc="http://schemas.openxmlformats.org/markup-compatibility/2006">
+          <mc:Choice xmlns:p14="http://schemas.microsoft.com/office/powerpoint/2010/main" Requires="p14">
+            <p:contentPart p14:bwMode="auto" r:id="rId8">
+              <p14:nvContentPartPr>
+                <p14:cNvPr id="49" name="墨迹 48">
+                  <a:extLst>
+                    <a:ext uri="{FF2B5EF4-FFF2-40B4-BE49-F238E27FC236}">
+                      <a16:creationId xmlns:a16="http://schemas.microsoft.com/office/drawing/2014/main" id="{EF5810F4-EA39-284A-5EA1-0CB87D6BD9F2}"/>
+                    </a:ext>
+                  </a:extLst>
+                </p14:cNvPr>
+                <p14:cNvContentPartPr/>
+                <p14:nvPr/>
+              </p14:nvContentPartPr>
+              <p14:xfrm rot="21216501">
+                <a:off x="4100656" y="4083071"/>
+                <a:ext cx="758138" cy="275980"/>
+              </p14:xfrm>
+            </p:contentPart>
+          </mc:Choice>
+          <mc:Fallback>
+            <p:pic>
+              <p:nvPicPr>
+                <p:cNvPr id="49" name="墨迹 48">
+                  <a:extLst>
+                    <a:ext uri="{FF2B5EF4-FFF2-40B4-BE49-F238E27FC236}">
+                      <a16:creationId xmlns:a16="http://schemas.microsoft.com/office/drawing/2014/main" id="{EF5810F4-EA39-284A-5EA1-0CB87D6BD9F2}"/>
+                    </a:ext>
+                  </a:extLst>
+                </p:cNvPr>
+                <p:cNvPicPr/>
+                <p:nvPr/>
+              </p:nvPicPr>
+              <p:blipFill>
+                <a:blip r:embed="rId9"/>
+                <a:stretch>
+                  <a:fillRect/>
+                </a:stretch>
+              </p:blipFill>
+              <p:spPr>
+                <a:xfrm rot="21216501">
+                  <a:off x="4091652" y="4074064"/>
+                  <a:ext cx="775786" cy="293634"/>
+                </a:xfrm>
+                <a:prstGeom prst="rect">
+                  <a:avLst/>
+                </a:prstGeom>
+              </p:spPr>
+            </p:pic>
+          </mc:Fallback>
+        </mc:AlternateContent>
+        <mc:AlternateContent xmlns:mc="http://schemas.openxmlformats.org/markup-compatibility/2006">
+          <mc:Choice xmlns:p14="http://schemas.microsoft.com/office/powerpoint/2010/main" Requires="p14">
+            <p:contentPart p14:bwMode="auto" r:id="rId10">
+              <p14:nvContentPartPr>
+                <p14:cNvPr id="51" name="墨迹 50">
+                  <a:extLst>
+                    <a:ext uri="{FF2B5EF4-FFF2-40B4-BE49-F238E27FC236}">
+                      <a16:creationId xmlns:a16="http://schemas.microsoft.com/office/drawing/2014/main" id="{818A49CE-289D-0C06-82E1-936C166099C0}"/>
+                    </a:ext>
+                  </a:extLst>
+                </p14:cNvPr>
+                <p14:cNvContentPartPr/>
+                <p14:nvPr/>
+              </p14:nvContentPartPr>
+              <p14:xfrm rot="21216501">
+                <a:off x="4765524" y="4071349"/>
+                <a:ext cx="75960" cy="134280"/>
+              </p14:xfrm>
+            </p:contentPart>
+          </mc:Choice>
+          <mc:Fallback>
+            <p:pic>
+              <p:nvPicPr>
+                <p:cNvPr id="51" name="墨迹 50">
+                  <a:extLst>
+                    <a:ext uri="{FF2B5EF4-FFF2-40B4-BE49-F238E27FC236}">
+                      <a16:creationId xmlns:a16="http://schemas.microsoft.com/office/drawing/2014/main" id="{818A49CE-289D-0C06-82E1-936C166099C0}"/>
+                    </a:ext>
+                  </a:extLst>
+                </p:cNvPr>
+                <p:cNvPicPr/>
+                <p:nvPr/>
+              </p:nvPicPr>
+              <p:blipFill>
+                <a:blip r:embed="rId11"/>
+                <a:stretch>
+                  <a:fillRect/>
+                </a:stretch>
+              </p:blipFill>
+              <p:spPr>
+                <a:xfrm rot="21216501">
+                  <a:off x="4756884" y="4062349"/>
+                  <a:ext cx="93600" cy="151920"/>
+                </a:xfrm>
+                <a:prstGeom prst="rect">
+                  <a:avLst/>
+                </a:prstGeom>
+              </p:spPr>
+            </p:pic>
+          </mc:Fallback>
+        </mc:AlternateContent>
+        <p:sp>
+          <p:nvSpPr>
+            <p:cNvPr id="53" name="文本框 52">
+              <a:extLst>
+                <a:ext uri="{FF2B5EF4-FFF2-40B4-BE49-F238E27FC236}">
+                  <a16:creationId xmlns:a16="http://schemas.microsoft.com/office/drawing/2014/main" id="{41F89F16-F184-1534-F5F8-B824F567BC6D}"/>
+                </a:ext>
+              </a:extLst>
+            </p:cNvPr>
+            <p:cNvSpPr txBox="1"/>
+            <p:nvPr/>
+          </p:nvSpPr>
+          <p:spPr>
+            <a:xfrm>
+              <a:off x="3653629" y="2654469"/>
+              <a:ext cx="4743417" cy="2062103"/>
+            </a:xfrm>
+            <a:prstGeom prst="rect">
+              <a:avLst/>
+            </a:prstGeom>
+            <a:noFill/>
+          </p:spPr>
+          <p:txBody>
+            <a:bodyPr wrap="square" rtlCol="0">
+              <a:spAutoFit/>
+            </a:bodyPr>
+            <a:lstStyle/>
+            <a:p>
+              <a:r>
+                <a:rPr lang="zh-CN" altLang="en-US" sz="1600" dirty="0">
+                  <a:solidFill>
+                    <a:srgbClr val="92D050"/>
+                  </a:solidFill>
+                </a:rPr>
+                <a:t>  输入锚点                                        输出锚点</a:t>
+              </a:r>
+              <a:endParaRPr lang="en-US" altLang="zh-CN" sz="1600" dirty="0">
+                <a:solidFill>
+                  <a:srgbClr val="92D050"/>
+                </a:solidFill>
+              </a:endParaRPr>
+            </a:p>
+            <a:p>
+              <a:endParaRPr lang="en-US" altLang="zh-CN" sz="1600" dirty="0">
+                <a:solidFill>
+                  <a:srgbClr val="92D050"/>
+                </a:solidFill>
+              </a:endParaRPr>
+            </a:p>
+            <a:p>
+              <a:endParaRPr lang="en-US" altLang="zh-CN" sz="1600" dirty="0">
+                <a:solidFill>
+                  <a:srgbClr val="92D050"/>
+                </a:solidFill>
+              </a:endParaRPr>
+            </a:p>
+            <a:p>
+              <a:endParaRPr lang="en-US" altLang="zh-CN" sz="1600" dirty="0">
+                <a:solidFill>
+                  <a:srgbClr val="92D050"/>
+                </a:solidFill>
+              </a:endParaRPr>
+            </a:p>
+            <a:p>
+              <a:endParaRPr lang="en-US" altLang="zh-CN" sz="1600" dirty="0">
+                <a:solidFill>
+                  <a:srgbClr val="92D050"/>
+                </a:solidFill>
+              </a:endParaRPr>
+            </a:p>
+            <a:p>
+              <a:endParaRPr lang="en-US" altLang="zh-CN" sz="1600" dirty="0">
+                <a:solidFill>
+                  <a:srgbClr val="92D050"/>
+                </a:solidFill>
+              </a:endParaRPr>
+            </a:p>
+            <a:p>
+              <a:endParaRPr lang="en-US" altLang="zh-CN" sz="1600" dirty="0">
+                <a:solidFill>
+                  <a:srgbClr val="92D050"/>
+                </a:solidFill>
+              </a:endParaRPr>
+            </a:p>
+            <a:p>
+              <a:r>
+                <a:rPr lang="zh-CN" altLang="en-US" sz="1600" dirty="0">
+                  <a:solidFill>
+                    <a:srgbClr val="92D050"/>
+                  </a:solidFill>
+                </a:rPr>
+                <a:t>必填项</a:t>
+              </a:r>
+            </a:p>
+          </p:txBody>
+        </p:sp>
+      </p:grpSp>
     </p:spTree>
     <p:extLst>
       <p:ext uri="{BB962C8B-B14F-4D97-AF65-F5344CB8AC3E}">
@@ -9564,16 +10385,16 @@
   <p:clrMapOvr>
     <a:masterClrMapping/>
   </p:clrMapOvr>
-  <mc:AlternateContent xmlns:mc="http://schemas.openxmlformats.org/markup-compatibility/2006" xmlns:p14="http://schemas.microsoft.com/office/powerpoint/2010/main">
-    <mc:Choice Requires="p14">
-      <p:transition p14:dur="0" advClick="0"/>
+  <mc:AlternateContent xmlns:mc="http://schemas.openxmlformats.org/markup-compatibility/2006">
+    <mc:Choice xmlns:p14="http://schemas.microsoft.com/office/powerpoint/2010/main" Requires="p14">
+      <p:transition p14:dur="10" advClick="0"/>
     </mc:Choice>
-    <mc:Fallback xmlns="">
+    <mc:Fallback>
       <p:transition advClick="0"/>
     </mc:Fallback>
   </mc:AlternateContent>
-  <mc:AlternateContent xmlns:mc="http://schemas.openxmlformats.org/markup-compatibility/2006" xmlns:p14="http://schemas.microsoft.com/office/powerpoint/2010/main">
-    <mc:Choice Requires="p14">
+  <mc:AlternateContent xmlns:mc="http://schemas.openxmlformats.org/markup-compatibility/2006">
+    <mc:Choice xmlns:p14="http://schemas.microsoft.com/office/powerpoint/2010/main" Requires="p14">
       <p:timing>
         <p:tnLst>
           <p:par>
@@ -9600,7 +10421,7 @@
                                         <p:cond delay="0"/>
                                       </p:stCondLst>
                                       <p:childTnLst>
-                                        <p:animMotion origin="layout" path="M 3.33333E-6 1.48148E-6 L 0.67448 1.48148E-6 " pathEditMode="relative" rAng="0" ptsTypes="AA" p14:bounceEnd="51000">
+                                        <p:animMotion origin="layout" path="M -1.66667E-6 1.48148E-6 L 0.67448 1.48148E-6 " pathEditMode="relative" rAng="0" ptsTypes="AA" p14:bounceEnd="51000">
                                           <p:cBhvr>
                                             <p:cTn id="6" dur="1000" fill="hold"/>
                                             <p:tgtEl>
@@ -9639,14 +10460,36 @@
                                     </p:cTn>
                                   </p:par>
                                   <p:par>
-                                    <p:cTn id="9" presetID="35" presetClass="path" presetSubtype="0" accel="50000" decel="50000" fill="hold" nodeType="withEffect">
+                                    <p:cTn id="9" presetID="63" presetClass="path" presetSubtype="0" accel="50000" fill="hold" nodeType="withEffect" p14:presetBounceEnd="51000">
+                                      <p:stCondLst>
+                                        <p:cond delay="0"/>
+                                      </p:stCondLst>
+                                      <p:childTnLst>
+                                        <p:animMotion origin="layout" path="M 3.33333E-6 1.48148E-6 L 0.67448 1.48148E-6 " pathEditMode="relative" rAng="0" ptsTypes="AA" p14:bounceEnd="51000">
+                                          <p:cBhvr>
+                                            <p:cTn id="10" dur="1000" fill="hold"/>
+                                            <p:tgtEl>
+                                              <p:spTgt spid="7"/>
+                                            </p:tgtEl>
+                                            <p:attrNameLst>
+                                              <p:attrName>ppt_x</p:attrName>
+                                              <p:attrName>ppt_y</p:attrName>
+                                            </p:attrNameLst>
+                                          </p:cBhvr>
+                                          <p:rCtr x="33724" y="0"/>
+                                        </p:animMotion>
+                                      </p:childTnLst>
+                                    </p:cTn>
+                                  </p:par>
+                                  <p:par>
+                                    <p:cTn id="11" presetID="35" presetClass="path" presetSubtype="0" accel="50000" decel="50000" fill="hold" nodeType="withEffect">
                                       <p:stCondLst>
                                         <p:cond delay="0"/>
                                       </p:stCondLst>
                                       <p:childTnLst>
                                         <p:animMotion origin="layout" path="M -3.125E-6 0 L -0.25 0 " pathEditMode="relative" rAng="0" ptsTypes="AA">
                                           <p:cBhvr>
-                                            <p:cTn id="10" dur="1000" fill="hold"/>
+                                            <p:cTn id="12" dur="1000" fill="hold"/>
                                             <p:tgtEl>
                                               <p:spTgt spid="12"/>
                                             </p:tgtEl>
@@ -9661,14 +10504,14 @@
                                     </p:cTn>
                                   </p:par>
                                   <p:par>
-                                    <p:cTn id="11" presetID="35" presetClass="path" presetSubtype="0" accel="50000" decel="50000" fill="hold" nodeType="withEffect">
+                                    <p:cTn id="13" presetID="35" presetClass="path" presetSubtype="0" accel="50000" decel="50000" fill="hold" nodeType="withEffect">
                                       <p:stCondLst>
                                         <p:cond delay="0"/>
                                       </p:stCondLst>
                                       <p:childTnLst>
                                         <p:animMotion origin="layout" path="M 2.29167E-6 0 L -0.25 0 " pathEditMode="relative" rAng="0" ptsTypes="AA">
                                           <p:cBhvr>
-                                            <p:cTn id="12" dur="1000" fill="hold"/>
+                                            <p:cTn id="14" dur="1000" fill="hold"/>
                                             <p:tgtEl>
                                               <p:spTgt spid="18"/>
                                             </p:tgtEl>
@@ -9678,28 +10521,6 @@
                                             </p:attrNameLst>
                                           </p:cBhvr>
                                           <p:rCtr x="-12500" y="0"/>
-                                        </p:animMotion>
-                                      </p:childTnLst>
-                                    </p:cTn>
-                                  </p:par>
-                                  <p:par>
-                                    <p:cTn id="13" presetID="63" presetClass="path" presetSubtype="0" accel="50000" fill="hold" nodeType="withEffect" p14:presetBounceEnd="51000">
-                                      <p:stCondLst>
-                                        <p:cond delay="0"/>
-                                      </p:stCondLst>
-                                      <p:childTnLst>
-                                        <p:animMotion origin="layout" path="M 3.33333E-6 1.48148E-6 L 0.67448 1.48148E-6 " pathEditMode="relative" rAng="0" ptsTypes="AA" p14:bounceEnd="51000">
-                                          <p:cBhvr>
-                                            <p:cTn id="14" dur="1000" fill="hold"/>
-                                            <p:tgtEl>
-                                              <p:spTgt spid="7"/>
-                                            </p:tgtEl>
-                                            <p:attrNameLst>
-                                              <p:attrName>ppt_x</p:attrName>
-                                              <p:attrName>ppt_y</p:attrName>
-                                            </p:attrNameLst>
-                                          </p:cBhvr>
-                                          <p:rCtr x="33724" y="0"/>
                                         </p:animMotion>
                                       </p:childTnLst>
                                     </p:cTn>
@@ -9723,6 +10544,169 @@
                                           </p:cBhvr>
                                           <p:rCtr x="36497" y="0"/>
                                         </p:animMotion>
+                                      </p:childTnLst>
+                                    </p:cTn>
+                                  </p:par>
+                                  <p:par>
+                                    <p:cTn id="17" presetID="63" presetClass="path" presetSubtype="0" accel="50000" fill="hold" nodeType="withEffect" p14:presetBounceEnd="51000">
+                                      <p:stCondLst>
+                                        <p:cond delay="0"/>
+                                      </p:stCondLst>
+                                      <p:childTnLst>
+                                        <p:animMotion origin="layout" path="M -0.15625 0 L 0.73112 0 " pathEditMode="relative" rAng="0" ptsTypes="AA" p14:bounceEnd="51000">
+                                          <p:cBhvr>
+                                            <p:cTn id="18" dur="1000" fill="hold"/>
+                                            <p:tgtEl>
+                                              <p:spTgt spid="39"/>
+                                            </p:tgtEl>
+                                            <p:attrNameLst>
+                                              <p:attrName>ppt_x</p:attrName>
+                                              <p:attrName>ppt_y</p:attrName>
+                                            </p:attrNameLst>
+                                          </p:cBhvr>
+                                          <p:rCtr x="44362" y="0"/>
+                                        </p:animMotion>
+                                      </p:childTnLst>
+                                    </p:cTn>
+                                  </p:par>
+                                </p:childTnLst>
+                              </p:cTn>
+                            </p:par>
+                          </p:childTnLst>
+                        </p:cTn>
+                      </p:par>
+                      <p:par>
+                        <p:cTn id="19" fill="hold">
+                          <p:stCondLst>
+                            <p:cond delay="indefinite"/>
+                          </p:stCondLst>
+                          <p:childTnLst>
+                            <p:par>
+                              <p:cTn id="20" fill="hold">
+                                <p:stCondLst>
+                                  <p:cond delay="0"/>
+                                </p:stCondLst>
+                                <p:childTnLst>
+                                  <p:par>
+                                    <p:cTn id="21" presetID="10" presetClass="exit" presetSubtype="0" fill="hold" nodeType="clickEffect">
+                                      <p:stCondLst>
+                                        <p:cond delay="0"/>
+                                      </p:stCondLst>
+                                      <p:childTnLst>
+                                        <p:animEffect transition="out" filter="fade">
+                                          <p:cBhvr>
+                                            <p:cTn id="22" dur="500"/>
+                                            <p:tgtEl>
+                                              <p:spTgt spid="39"/>
+                                            </p:tgtEl>
+                                          </p:cBhvr>
+                                        </p:animEffect>
+                                        <p:set>
+                                          <p:cBhvr>
+                                            <p:cTn id="23" dur="1" fill="hold">
+                                              <p:stCondLst>
+                                                <p:cond delay="499"/>
+                                              </p:stCondLst>
+                                            </p:cTn>
+                                            <p:tgtEl>
+                                              <p:spTgt spid="39"/>
+                                            </p:tgtEl>
+                                            <p:attrNameLst>
+                                              <p:attrName>style.visibility</p:attrName>
+                                            </p:attrNameLst>
+                                          </p:cBhvr>
+                                          <p:to>
+                                            <p:strVal val="hidden"/>
+                                          </p:to>
+                                        </p:set>
+                                      </p:childTnLst>
+                                    </p:cTn>
+                                  </p:par>
+                                  <p:par>
+                                    <p:cTn id="24" presetID="10" presetClass="entr" presetSubtype="0" fill="hold" nodeType="withEffect">
+                                      <p:stCondLst>
+                                        <p:cond delay="0"/>
+                                      </p:stCondLst>
+                                      <p:childTnLst>
+                                        <p:set>
+                                          <p:cBhvr>
+                                            <p:cTn id="25" dur="1" fill="hold">
+                                              <p:stCondLst>
+                                                <p:cond delay="0"/>
+                                              </p:stCondLst>
+                                            </p:cTn>
+                                            <p:tgtEl>
+                                              <p:spTgt spid="41"/>
+                                            </p:tgtEl>
+                                            <p:attrNameLst>
+                                              <p:attrName>style.visibility</p:attrName>
+                                            </p:attrNameLst>
+                                          </p:cBhvr>
+                                          <p:to>
+                                            <p:strVal val="visible"/>
+                                          </p:to>
+                                        </p:set>
+                                        <p:animEffect transition="in" filter="fade">
+                                          <p:cBhvr>
+                                            <p:cTn id="26" dur="500"/>
+                                            <p:tgtEl>
+                                              <p:spTgt spid="41"/>
+                                            </p:tgtEl>
+                                          </p:cBhvr>
+                                        </p:animEffect>
+                                      </p:childTnLst>
+                                    </p:cTn>
+                                  </p:par>
+                                </p:childTnLst>
+                              </p:cTn>
+                            </p:par>
+                          </p:childTnLst>
+                        </p:cTn>
+                      </p:par>
+                      <p:par>
+                        <p:cTn id="27" fill="hold">
+                          <p:stCondLst>
+                            <p:cond delay="indefinite"/>
+                          </p:stCondLst>
+                          <p:childTnLst>
+                            <p:par>
+                              <p:cTn id="28" fill="hold">
+                                <p:stCondLst>
+                                  <p:cond delay="0"/>
+                                </p:stCondLst>
+                                <p:childTnLst>
+                                  <p:par>
+                                    <p:cTn id="29" presetID="16" presetClass="entr" presetSubtype="21" fill="hold" nodeType="clickEffect">
+                                      <p:stCondLst>
+                                        <p:cond delay="0"/>
+                                      </p:stCondLst>
+                                      <p:childTnLst>
+                                        <p:set>
+                                          <p:cBhvr>
+                                            <p:cTn id="30" dur="1" fill="hold">
+                                              <p:stCondLst>
+                                                <p:cond delay="0"/>
+                                              </p:stCondLst>
+                                            </p:cTn>
+                                            <p:tgtEl>
+                                              <p:spTgt spid="54"/>
+                                            </p:tgtEl>
+                                            <p:attrNameLst>
+                                              <p:attrName>style.visibility</p:attrName>
+                                            </p:attrNameLst>
+                                          </p:cBhvr>
+                                          <p:to>
+                                            <p:strVal val="visible"/>
+                                          </p:to>
+                                        </p:set>
+                                        <p:animEffect transition="in" filter="barn(inVertical)">
+                                          <p:cBhvr>
+                                            <p:cTn id="31" dur="500"/>
+                                            <p:tgtEl>
+                                              <p:spTgt spid="54"/>
+                                            </p:tgtEl>
+                                          </p:cBhvr>
+                                        </p:animEffect>
                                       </p:childTnLst>
                                     </p:cTn>
                                   </p:par>
@@ -9758,7 +10742,7 @@
         </p:bldLst>
       </p:timing>
     </mc:Choice>
-    <mc:Fallback xmlns="">
+    <mc:Fallback>
       <p:timing>
         <p:tnLst>
           <p:par>
@@ -9785,7 +10769,7 @@
                                         <p:cond delay="0"/>
                                       </p:stCondLst>
                                       <p:childTnLst>
-                                        <p:animMotion origin="layout" path="M 3.33333E-6 1.48148E-6 L 0.67448 1.48148E-6 " pathEditMode="relative" rAng="0" ptsTypes="AA">
+                                        <p:animMotion origin="layout" path="M -1.66667E-6 1.48148E-6 L 0.67448 1.48148E-6 " pathEditMode="relative" rAng="0" ptsTypes="AA">
                                           <p:cBhvr>
                                             <p:cTn id="6" dur="1000" fill="hold"/>
                                             <p:tgtEl>
@@ -9824,14 +10808,36 @@
                                     </p:cTn>
                                   </p:par>
                                   <p:par>
-                                    <p:cTn id="9" presetID="35" presetClass="path" presetSubtype="0" accel="50000" decel="50000" fill="hold" nodeType="withEffect">
+                                    <p:cTn id="9" presetID="63" presetClass="path" presetSubtype="0" accel="50000" fill="hold" nodeType="withEffect">
+                                      <p:stCondLst>
+                                        <p:cond delay="0"/>
+                                      </p:stCondLst>
+                                      <p:childTnLst>
+                                        <p:animMotion origin="layout" path="M 3.33333E-6 1.48148E-6 L 0.67448 1.48148E-6 " pathEditMode="relative" rAng="0" ptsTypes="AA">
+                                          <p:cBhvr>
+                                            <p:cTn id="10" dur="1000" fill="hold"/>
+                                            <p:tgtEl>
+                                              <p:spTgt spid="7"/>
+                                            </p:tgtEl>
+                                            <p:attrNameLst>
+                                              <p:attrName>ppt_x</p:attrName>
+                                              <p:attrName>ppt_y</p:attrName>
+                                            </p:attrNameLst>
+                                          </p:cBhvr>
+                                          <p:rCtr x="33724" y="0"/>
+                                        </p:animMotion>
+                                      </p:childTnLst>
+                                    </p:cTn>
+                                  </p:par>
+                                  <p:par>
+                                    <p:cTn id="11" presetID="35" presetClass="path" presetSubtype="0" accel="50000" decel="50000" fill="hold" nodeType="withEffect">
                                       <p:stCondLst>
                                         <p:cond delay="0"/>
                                       </p:stCondLst>
                                       <p:childTnLst>
                                         <p:animMotion origin="layout" path="M -3.125E-6 0 L -0.25 0 " pathEditMode="relative" rAng="0" ptsTypes="AA">
                                           <p:cBhvr>
-                                            <p:cTn id="10" dur="1000" fill="hold"/>
+                                            <p:cTn id="12" dur="1000" fill="hold"/>
                                             <p:tgtEl>
                                               <p:spTgt spid="12"/>
                                             </p:tgtEl>
@@ -9846,14 +10852,14 @@
                                     </p:cTn>
                                   </p:par>
                                   <p:par>
-                                    <p:cTn id="11" presetID="35" presetClass="path" presetSubtype="0" accel="50000" decel="50000" fill="hold" nodeType="withEffect">
+                                    <p:cTn id="13" presetID="35" presetClass="path" presetSubtype="0" accel="50000" decel="50000" fill="hold" nodeType="withEffect">
                                       <p:stCondLst>
                                         <p:cond delay="0"/>
                                       </p:stCondLst>
                                       <p:childTnLst>
                                         <p:animMotion origin="layout" path="M 2.29167E-6 0 L -0.25 0 " pathEditMode="relative" rAng="0" ptsTypes="AA">
                                           <p:cBhvr>
-                                            <p:cTn id="12" dur="1000" fill="hold"/>
+                                            <p:cTn id="14" dur="1000" fill="hold"/>
                                             <p:tgtEl>
                                               <p:spTgt spid="18"/>
                                             </p:tgtEl>
@@ -9863,28 +10869,6 @@
                                             </p:attrNameLst>
                                           </p:cBhvr>
                                           <p:rCtr x="-12500" y="0"/>
-                                        </p:animMotion>
-                                      </p:childTnLst>
-                                    </p:cTn>
-                                  </p:par>
-                                  <p:par>
-                                    <p:cTn id="13" presetID="63" presetClass="path" presetSubtype="0" accel="50000" fill="hold" nodeType="withEffect">
-                                      <p:stCondLst>
-                                        <p:cond delay="0"/>
-                                      </p:stCondLst>
-                                      <p:childTnLst>
-                                        <p:animMotion origin="layout" path="M 3.33333E-6 1.48148E-6 L 0.67448 1.48148E-6 " pathEditMode="relative" rAng="0" ptsTypes="AA">
-                                          <p:cBhvr>
-                                            <p:cTn id="14" dur="1000" fill="hold"/>
-                                            <p:tgtEl>
-                                              <p:spTgt spid="7"/>
-                                            </p:tgtEl>
-                                            <p:attrNameLst>
-                                              <p:attrName>ppt_x</p:attrName>
-                                              <p:attrName>ppt_y</p:attrName>
-                                            </p:attrNameLst>
-                                          </p:cBhvr>
-                                          <p:rCtr x="33724" y="0"/>
                                         </p:animMotion>
                                       </p:childTnLst>
                                     </p:cTn>
@@ -9908,6 +10892,169 @@
                                           </p:cBhvr>
                                           <p:rCtr x="36497" y="0"/>
                                         </p:animMotion>
+                                      </p:childTnLst>
+                                    </p:cTn>
+                                  </p:par>
+                                  <p:par>
+                                    <p:cTn id="17" presetID="63" presetClass="path" presetSubtype="0" accel="50000" fill="hold" nodeType="withEffect">
+                                      <p:stCondLst>
+                                        <p:cond delay="0"/>
+                                      </p:stCondLst>
+                                      <p:childTnLst>
+                                        <p:animMotion origin="layout" path="M -0.15625 0 L 0.73112 0 " pathEditMode="relative" rAng="0" ptsTypes="AA">
+                                          <p:cBhvr>
+                                            <p:cTn id="18" dur="1000" fill="hold"/>
+                                            <p:tgtEl>
+                                              <p:spTgt spid="39"/>
+                                            </p:tgtEl>
+                                            <p:attrNameLst>
+                                              <p:attrName>ppt_x</p:attrName>
+                                              <p:attrName>ppt_y</p:attrName>
+                                            </p:attrNameLst>
+                                          </p:cBhvr>
+                                          <p:rCtr x="44362" y="0"/>
+                                        </p:animMotion>
+                                      </p:childTnLst>
+                                    </p:cTn>
+                                  </p:par>
+                                </p:childTnLst>
+                              </p:cTn>
+                            </p:par>
+                          </p:childTnLst>
+                        </p:cTn>
+                      </p:par>
+                      <p:par>
+                        <p:cTn id="19" fill="hold">
+                          <p:stCondLst>
+                            <p:cond delay="indefinite"/>
+                          </p:stCondLst>
+                          <p:childTnLst>
+                            <p:par>
+                              <p:cTn id="20" fill="hold">
+                                <p:stCondLst>
+                                  <p:cond delay="0"/>
+                                </p:stCondLst>
+                                <p:childTnLst>
+                                  <p:par>
+                                    <p:cTn id="21" presetID="10" presetClass="exit" presetSubtype="0" fill="hold" nodeType="clickEffect">
+                                      <p:stCondLst>
+                                        <p:cond delay="0"/>
+                                      </p:stCondLst>
+                                      <p:childTnLst>
+                                        <p:animEffect transition="out" filter="fade">
+                                          <p:cBhvr>
+                                            <p:cTn id="22" dur="500"/>
+                                            <p:tgtEl>
+                                              <p:spTgt spid="39"/>
+                                            </p:tgtEl>
+                                          </p:cBhvr>
+                                        </p:animEffect>
+                                        <p:set>
+                                          <p:cBhvr>
+                                            <p:cTn id="23" dur="1" fill="hold">
+                                              <p:stCondLst>
+                                                <p:cond delay="499"/>
+                                              </p:stCondLst>
+                                            </p:cTn>
+                                            <p:tgtEl>
+                                              <p:spTgt spid="39"/>
+                                            </p:tgtEl>
+                                            <p:attrNameLst>
+                                              <p:attrName>style.visibility</p:attrName>
+                                            </p:attrNameLst>
+                                          </p:cBhvr>
+                                          <p:to>
+                                            <p:strVal val="hidden"/>
+                                          </p:to>
+                                        </p:set>
+                                      </p:childTnLst>
+                                    </p:cTn>
+                                  </p:par>
+                                  <p:par>
+                                    <p:cTn id="24" presetID="10" presetClass="entr" presetSubtype="0" fill="hold" nodeType="withEffect">
+                                      <p:stCondLst>
+                                        <p:cond delay="0"/>
+                                      </p:stCondLst>
+                                      <p:childTnLst>
+                                        <p:set>
+                                          <p:cBhvr>
+                                            <p:cTn id="25" dur="1" fill="hold">
+                                              <p:stCondLst>
+                                                <p:cond delay="0"/>
+                                              </p:stCondLst>
+                                            </p:cTn>
+                                            <p:tgtEl>
+                                              <p:spTgt spid="41"/>
+                                            </p:tgtEl>
+                                            <p:attrNameLst>
+                                              <p:attrName>style.visibility</p:attrName>
+                                            </p:attrNameLst>
+                                          </p:cBhvr>
+                                          <p:to>
+                                            <p:strVal val="visible"/>
+                                          </p:to>
+                                        </p:set>
+                                        <p:animEffect transition="in" filter="fade">
+                                          <p:cBhvr>
+                                            <p:cTn id="26" dur="500"/>
+                                            <p:tgtEl>
+                                              <p:spTgt spid="41"/>
+                                            </p:tgtEl>
+                                          </p:cBhvr>
+                                        </p:animEffect>
+                                      </p:childTnLst>
+                                    </p:cTn>
+                                  </p:par>
+                                </p:childTnLst>
+                              </p:cTn>
+                            </p:par>
+                          </p:childTnLst>
+                        </p:cTn>
+                      </p:par>
+                      <p:par>
+                        <p:cTn id="27" fill="hold">
+                          <p:stCondLst>
+                            <p:cond delay="indefinite"/>
+                          </p:stCondLst>
+                          <p:childTnLst>
+                            <p:par>
+                              <p:cTn id="28" fill="hold">
+                                <p:stCondLst>
+                                  <p:cond delay="0"/>
+                                </p:stCondLst>
+                                <p:childTnLst>
+                                  <p:par>
+                                    <p:cTn id="29" presetID="16" presetClass="entr" presetSubtype="21" fill="hold" nodeType="clickEffect">
+                                      <p:stCondLst>
+                                        <p:cond delay="0"/>
+                                      </p:stCondLst>
+                                      <p:childTnLst>
+                                        <p:set>
+                                          <p:cBhvr>
+                                            <p:cTn id="30" dur="1" fill="hold">
+                                              <p:stCondLst>
+                                                <p:cond delay="0"/>
+                                              </p:stCondLst>
+                                            </p:cTn>
+                                            <p:tgtEl>
+                                              <p:spTgt spid="54"/>
+                                            </p:tgtEl>
+                                            <p:attrNameLst>
+                                              <p:attrName>style.visibility</p:attrName>
+                                            </p:attrNameLst>
+                                          </p:cBhvr>
+                                          <p:to>
+                                            <p:strVal val="visible"/>
+                                          </p:to>
+                                        </p:set>
+                                        <p:animEffect transition="in" filter="barn(inVertical)">
+                                          <p:cBhvr>
+                                            <p:cTn id="31" dur="500"/>
+                                            <p:tgtEl>
+                                              <p:spTgt spid="54"/>
+                                            </p:tgtEl>
+                                          </p:cBhvr>
+                                        </p:animEffect>
                                       </p:childTnLst>
                                     </p:cTn>
                                   </p:par>
@@ -9978,6 +11125,75 @@
           <a:chExt cx="0" cy="0"/>
         </a:xfrm>
       </p:grpSpPr>
+      <p:sp>
+        <p:nvSpPr>
+          <p:cNvPr id="24" name="文本框 23">
+            <a:extLst>
+              <a:ext uri="{FF2B5EF4-FFF2-40B4-BE49-F238E27FC236}">
+                <a16:creationId xmlns:a16="http://schemas.microsoft.com/office/drawing/2014/main" id="{5D7B8A51-BF4B-47B2-921D-1C8C06B8AA89}"/>
+              </a:ext>
+            </a:extLst>
+          </p:cNvPr>
+          <p:cNvSpPr txBox="1"/>
+          <p:nvPr/>
+        </p:nvSpPr>
+        <p:spPr>
+          <a:xfrm>
+            <a:off x="1893780" y="728133"/>
+            <a:ext cx="8266220" cy="5109091"/>
+          </a:xfrm>
+          <a:prstGeom prst="rect">
+            <a:avLst/>
+          </a:prstGeom>
+          <a:noFill/>
+        </p:spPr>
+        <p:txBody>
+          <a:bodyPr wrap="square" rtlCol="0">
+            <a:spAutoFit/>
+          </a:bodyPr>
+          <a:lstStyle/>
+          <a:p>
+            <a:pPr algn="ctr"/>
+            <a:r>
+              <a:rPr lang="en-US" altLang="zh-CN" sz="32600" b="1" dirty="0">
+                <a:solidFill>
+                  <a:schemeClr val="accent1">
+                    <a:lumMod val="60000"/>
+                    <a:lumOff val="40000"/>
+                    <a:alpha val="37000"/>
+                  </a:schemeClr>
+                </a:solidFill>
+                <a:effectLst>
+                  <a:outerShdw blurRad="50800" dist="50800" dir="5400000" sx="105000" sy="105000" algn="ctr" rotWithShape="0">
+                    <a:srgbClr val="000000">
+                      <a:alpha val="28000"/>
+                    </a:srgbClr>
+                  </a:outerShdw>
+                </a:effectLst>
+                <a:latin typeface="Cooper Black" panose="0208090404030B020404" pitchFamily="18" charset="0"/>
+              </a:rPr>
+              <a:t>MI</a:t>
+            </a:r>
+            <a:endParaRPr lang="zh-CN" altLang="en-US" sz="32600" b="1" dirty="0">
+              <a:solidFill>
+                <a:schemeClr val="accent1">
+                  <a:lumMod val="60000"/>
+                  <a:lumOff val="40000"/>
+                  <a:alpha val="37000"/>
+                </a:schemeClr>
+              </a:solidFill>
+              <a:effectLst>
+                <a:outerShdw blurRad="50800" dist="50800" dir="5400000" sx="105000" sy="105000" algn="ctr" rotWithShape="0">
+                  <a:srgbClr val="000000">
+                    <a:alpha val="28000"/>
+                  </a:srgbClr>
+                </a:outerShdw>
+              </a:effectLst>
+              <a:latin typeface="Cooper Black" panose="0208090404030B020404" pitchFamily="18" charset="0"/>
+            </a:endParaRPr>
+          </a:p>
+        </p:txBody>
+      </p:sp>
       <p:grpSp>
         <p:nvGrpSpPr>
           <p:cNvPr id="22" name="组合 21">
@@ -10853,13 +12069,13 @@
   <p:clrMapOvr>
     <a:masterClrMapping/>
   </p:clrMapOvr>
-  <mc:AlternateContent xmlns:mc="http://schemas.openxmlformats.org/markup-compatibility/2006" xmlns:p159="http://schemas.microsoft.com/office/powerpoint/2015/09/main">
-    <mc:Choice Requires="p159">
-      <p:transition xmlns:p14="http://schemas.microsoft.com/office/powerpoint/2010/main" spd="slow" p14:dur="1500">
+  <mc:AlternateContent xmlns:mc="http://schemas.openxmlformats.org/markup-compatibility/2006">
+    <mc:Choice xmlns:p159="http://schemas.microsoft.com/office/powerpoint/2015/09/main" Requires="p159">
+      <p:transition xmlns:p14="http://schemas.microsoft.com/office/powerpoint/2010/main" spd="slow" p14:dur="1200">
         <p159:morph option="byObject"/>
       </p:transition>
     </mc:Choice>
-    <mc:Fallback xmlns="">
+    <mc:Fallback>
       <p:transition spd="slow">
         <p:fade/>
       </p:transition>
@@ -11271,6 +12487,75 @@
           <a:chExt cx="0" cy="0"/>
         </a:xfrm>
       </p:grpSpPr>
+      <p:sp>
+        <p:nvSpPr>
+          <p:cNvPr id="24" name="文本框 23">
+            <a:extLst>
+              <a:ext uri="{FF2B5EF4-FFF2-40B4-BE49-F238E27FC236}">
+                <a16:creationId xmlns:a16="http://schemas.microsoft.com/office/drawing/2014/main" id="{03C2F611-4246-D9F7-66EE-24873D23B082}"/>
+              </a:ext>
+            </a:extLst>
+          </p:cNvPr>
+          <p:cNvSpPr txBox="1"/>
+          <p:nvPr/>
+        </p:nvSpPr>
+        <p:spPr>
+          <a:xfrm>
+            <a:off x="1893780" y="728133"/>
+            <a:ext cx="8266220" cy="5109091"/>
+          </a:xfrm>
+          <a:prstGeom prst="rect">
+            <a:avLst/>
+          </a:prstGeom>
+          <a:noFill/>
+        </p:spPr>
+        <p:txBody>
+          <a:bodyPr wrap="square" rtlCol="0">
+            <a:spAutoFit/>
+          </a:bodyPr>
+          <a:lstStyle/>
+          <a:p>
+            <a:pPr algn="ctr"/>
+            <a:r>
+              <a:rPr lang="en-US" altLang="zh-CN" sz="32600" b="1" dirty="0">
+                <a:solidFill>
+                  <a:schemeClr val="accent1">
+                    <a:lumMod val="60000"/>
+                    <a:lumOff val="40000"/>
+                    <a:alpha val="37000"/>
+                  </a:schemeClr>
+                </a:solidFill>
+                <a:effectLst>
+                  <a:outerShdw blurRad="50800" dist="50800" dir="5400000" sx="105000" sy="105000" algn="ctr" rotWithShape="0">
+                    <a:srgbClr val="000000">
+                      <a:alpha val="28000"/>
+                    </a:srgbClr>
+                  </a:outerShdw>
+                </a:effectLst>
+                <a:latin typeface="Cooper Black" panose="0208090404030B020404" pitchFamily="18" charset="0"/>
+              </a:rPr>
+              <a:t>MF</a:t>
+            </a:r>
+            <a:endParaRPr lang="zh-CN" altLang="en-US" sz="32600" b="1" dirty="0">
+              <a:solidFill>
+                <a:schemeClr val="accent1">
+                  <a:lumMod val="60000"/>
+                  <a:lumOff val="40000"/>
+                  <a:alpha val="37000"/>
+                </a:schemeClr>
+              </a:solidFill>
+              <a:effectLst>
+                <a:outerShdw blurRad="50800" dist="50800" dir="5400000" sx="105000" sy="105000" algn="ctr" rotWithShape="0">
+                  <a:srgbClr val="000000">
+                    <a:alpha val="28000"/>
+                  </a:srgbClr>
+                </a:outerShdw>
+              </a:effectLst>
+              <a:latin typeface="Cooper Black" panose="0208090404030B020404" pitchFamily="18" charset="0"/>
+            </a:endParaRPr>
+          </a:p>
+        </p:txBody>
+      </p:sp>
       <p:grpSp>
         <p:nvGrpSpPr>
           <p:cNvPr id="22" name="组合 21">
@@ -12148,7 +13433,7 @@
   </p:clrMapOvr>
   <mc:AlternateContent xmlns:mc="http://schemas.openxmlformats.org/markup-compatibility/2006">
     <mc:Choice xmlns:p159="http://schemas.microsoft.com/office/powerpoint/2015/09/main" Requires="p159">
-      <p:transition xmlns:p14="http://schemas.microsoft.com/office/powerpoint/2010/main" spd="slow" p14:dur="1500">
+      <p:transition xmlns:p14="http://schemas.microsoft.com/office/powerpoint/2010/main" spd="slow" p14:dur="1200">
         <p159:morph option="byObject"/>
       </p:transition>
     </mc:Choice>

--- a/2022-1（UE4材质编辑）.pptx
+++ b/2022-1（UE4材质编辑）.pptx
@@ -5,7 +5,7 @@
     <p:sldMasterId id="2147483648" r:id="rId1"/>
   </p:sldMasterIdLst>
   <p:notesMasterIdLst>
-    <p:notesMasterId r:id="rId7"/>
+    <p:notesMasterId r:id="rId8"/>
   </p:notesMasterIdLst>
   <p:sldIdLst>
     <p:sldId id="256" r:id="rId2"/>
@@ -13,6 +13,7 @@
     <p:sldId id="261" r:id="rId4"/>
     <p:sldId id="259" r:id="rId5"/>
     <p:sldId id="260" r:id="rId6"/>
+    <p:sldId id="262" r:id="rId7"/>
   </p:sldIdLst>
   <p:sldSz cx="12192000" cy="6858000"/>
   <p:notesSz cx="6858000" cy="9144000"/>
@@ -130,6 +131,62 @@
 </p:presentation>
 </file>
 
+<file path=ppt/ink/ink1.xml><?xml version="1.0" encoding="utf-8"?>
+<inkml:ink xmlns:inkml="http://www.w3.org/2003/InkML">
+  <inkml:definitions>
+    <inkml:context xml:id="ctx0">
+      <inkml:inkSource xml:id="inkSrc0">
+        <inkml:traceFormat>
+          <inkml:channel name="X" type="integer" min="-2.14748E9" max="2.14748E9" units="cm"/>
+          <inkml:channel name="Y" type="integer" min="-2.14748E9" max="2.14748E9" units="cm"/>
+          <inkml:channel name="F" type="integer" max="32767" units="dev"/>
+        </inkml:traceFormat>
+        <inkml:channelProperties>
+          <inkml:channelProperty channel="X" name="resolution" value="1000" units="1/cm"/>
+          <inkml:channelProperty channel="Y" name="resolution" value="1000" units="1/cm"/>
+          <inkml:channelProperty channel="F" name="resolution" value="0" units="1/dev"/>
+        </inkml:channelProperties>
+      </inkml:inkSource>
+      <inkml:timestamp xml:id="ts0" timeString="2022-06-05T14:46:27.698"/>
+    </inkml:context>
+    <inkml:brush xml:id="br0">
+      <inkml:brushProperty name="width" value="0.05" units="cm"/>
+      <inkml:brushProperty name="height" value="0.05" units="cm"/>
+      <inkml:brushProperty name="color" value="#E71224"/>
+    </inkml:brush>
+  </inkml:definitions>
+  <inkml:trace contextRef="#ctx0" brushRef="#br0">0 766 24575,'46'-1'0,"1"-2"0,-2-3 0,1-1 0,47-14 0,701-243 0,-596 183 0,-108 41 0,-56 24 0,41-13 0,121-41 0,-108 34 0,-60 23 0,51-16 0,37 0 0,-3 4 0,-112 25 0,0 0 0,-1 0 0,1 0 0,0 0 0,-1 0 0,1 0 0,0 0 0,-1 0 0,1 0 0,-1 0 0,1-1 0,0 1 0,-1 0 0,1-1 0,-1 1 0,1 0 0,0-1 0,-1 1 0,1 0 0,-1-1 0,0 1 0,1-1 0,-1 1 0,1-1 0,-1 1 0,0-1 0,1 0 0,-1 0 0,0 0 0,0 0 0,0 0 0,0 0 0,-1 1 0,1-1 0,0 0 0,-1 0 0,1 0 0,-1 0 0,1 1 0,-1-1 0,1 0 0,-1 0 0,0 1 0,1-1 0,-3-1 0,-34-22 0,25 19 0,-1 1 0,0 0 0,0 1 0,-1 1 0,1 0 0,-20 0 0,-40-8 0,32 4-337,1 1-1,0 2 0,-57 2 1,97 1 322,-27 0-6811</inkml:trace>
+</inkml:ink>
+</file>
+
+<file path=ppt/ink/ink2.xml><?xml version="1.0" encoding="utf-8"?>
+<inkml:ink xmlns:inkml="http://www.w3.org/2003/InkML">
+  <inkml:definitions>
+    <inkml:context xml:id="ctx0">
+      <inkml:inkSource xml:id="inkSrc0">
+        <inkml:traceFormat>
+          <inkml:channel name="X" type="integer" min="-2.14748E9" max="2.14748E9" units="cm"/>
+          <inkml:channel name="Y" type="integer" min="-2.14748E9" max="2.14748E9" units="cm"/>
+          <inkml:channel name="F" type="integer" max="32767" units="dev"/>
+        </inkml:traceFormat>
+        <inkml:channelProperties>
+          <inkml:channelProperty channel="X" name="resolution" value="1000" units="1/cm"/>
+          <inkml:channelProperty channel="Y" name="resolution" value="1000" units="1/cm"/>
+          <inkml:channelProperty channel="F" name="resolution" value="0" units="1/dev"/>
+        </inkml:channelProperties>
+      </inkml:inkSource>
+      <inkml:timestamp xml:id="ts0" timeString="2022-06-05T14:46:31.398"/>
+    </inkml:context>
+    <inkml:brush xml:id="br0">
+      <inkml:brushProperty name="width" value="0.05" units="cm"/>
+      <inkml:brushProperty name="height" value="0.05" units="cm"/>
+      <inkml:brushProperty name="color" value="#E71224"/>
+    </inkml:brush>
+  </inkml:definitions>
+  <inkml:trace contextRef="#ctx0" brushRef="#br0">211 0 24575,'0'7'0,"-1"0"0,0 0 0,0 0 0,0-1 0,-1 1 0,0-1 0,0 1 0,-5 7 0,-29 46 0,3-5 0,23-38 0,0-1 0,-22 27 0,20-29 0,2 0 0,0 0 0,-13 26 0,14-23-1365,1-3-5461</inkml:trace>
+</inkml:ink>
+</file>
+
 <file path=ppt/notesMasters/notesMaster1.xml><?xml version="1.0" encoding="utf-8"?>
 <p:notesMaster xmlns:a="http://schemas.openxmlformats.org/drawingml/2006/main" xmlns:r="http://schemas.openxmlformats.org/officeDocument/2006/relationships" xmlns:p="http://schemas.openxmlformats.org/presentationml/2006/main">
   <p:cSld>
@@ -212,7 +269,7 @@
           <a:p>
             <a:fld id="{C1AFDE93-949C-47ED-A631-476E40CF0087}" type="datetimeFigureOut">
               <a:rPr lang="zh-CN" altLang="en-US" smtClean="0"/>
-              <a:t>2022/6/3</a:t>
+              <a:t>2022/6/4</a:t>
             </a:fld>
             <a:endParaRPr lang="zh-CN" altLang="en-US"/>
           </a:p>
@@ -914,6 +971,93 @@
 </p:notes>
 </file>
 
+<file path=ppt/notesSlides/notesSlide6.xml><?xml version="1.0" encoding="utf-8"?>
+<p:notes xmlns:a="http://schemas.openxmlformats.org/drawingml/2006/main" xmlns:r="http://schemas.openxmlformats.org/officeDocument/2006/relationships" xmlns:p="http://schemas.openxmlformats.org/presentationml/2006/main">
+  <p:cSld>
+    <p:spTree>
+      <p:nvGrpSpPr>
+        <p:cNvPr id="1" name=""/>
+        <p:cNvGrpSpPr/>
+        <p:nvPr/>
+      </p:nvGrpSpPr>
+      <p:grpSpPr>
+        <a:xfrm>
+          <a:off x="0" y="0"/>
+          <a:ext cx="0" cy="0"/>
+          <a:chOff x="0" y="0"/>
+          <a:chExt cx="0" cy="0"/>
+        </a:xfrm>
+      </p:grpSpPr>
+      <p:sp>
+        <p:nvSpPr>
+          <p:cNvPr id="2" name="幻灯片图像占位符 1"/>
+          <p:cNvSpPr>
+            <a:spLocks noGrp="1" noRot="1" noChangeAspect="1"/>
+          </p:cNvSpPr>
+          <p:nvPr>
+            <p:ph type="sldImg"/>
+          </p:nvPr>
+        </p:nvSpPr>
+        <p:spPr/>
+      </p:sp>
+      <p:sp>
+        <p:nvSpPr>
+          <p:cNvPr id="3" name="备注占位符 2"/>
+          <p:cNvSpPr>
+            <a:spLocks noGrp="1"/>
+          </p:cNvSpPr>
+          <p:nvPr>
+            <p:ph type="body" idx="1"/>
+          </p:nvPr>
+        </p:nvSpPr>
+        <p:spPr/>
+        <p:txBody>
+          <a:bodyPr/>
+          <a:lstStyle/>
+          <a:p>
+            <a:r>
+              <a:rPr lang="zh-CN" altLang="en-US" dirty="0"/>
+              <a:t>备注：</a:t>
+            </a:r>
+          </a:p>
+        </p:txBody>
+      </p:sp>
+      <p:sp>
+        <p:nvSpPr>
+          <p:cNvPr id="4" name="灯片编号占位符 3"/>
+          <p:cNvSpPr>
+            <a:spLocks noGrp="1"/>
+          </p:cNvSpPr>
+          <p:nvPr>
+            <p:ph type="sldNum" sz="quarter" idx="5"/>
+          </p:nvPr>
+        </p:nvSpPr>
+        <p:spPr/>
+        <p:txBody>
+          <a:bodyPr/>
+          <a:lstStyle/>
+          <a:p>
+            <a:fld id="{23155662-D503-4A2D-87BD-AD703EE405C2}" type="slidenum">
+              <a:rPr lang="zh-CN" altLang="en-US" smtClean="0"/>
+              <a:t>6</a:t>
+            </a:fld>
+            <a:endParaRPr lang="zh-CN" altLang="en-US"/>
+          </a:p>
+        </p:txBody>
+      </p:sp>
+    </p:spTree>
+    <p:extLst>
+      <p:ext uri="{BB962C8B-B14F-4D97-AF65-F5344CB8AC3E}">
+        <p14:creationId xmlns:p14="http://schemas.microsoft.com/office/powerpoint/2010/main" val="639510647"/>
+      </p:ext>
+    </p:extLst>
+  </p:cSld>
+  <p:clrMapOvr>
+    <a:masterClrMapping/>
+  </p:clrMapOvr>
+</p:notes>
+</file>
+
 <file path=ppt/slideLayouts/slideLayout1.xml><?xml version="1.0" encoding="utf-8"?>
 <p:sldLayout xmlns:a="http://schemas.openxmlformats.org/drawingml/2006/main" xmlns:r="http://schemas.openxmlformats.org/officeDocument/2006/relationships" xmlns:p="http://schemas.openxmlformats.org/presentationml/2006/main" type="title" preserve="1">
   <p:cSld name="标题幻灯片">
@@ -1066,7 +1210,7 @@
           <a:p>
             <a:fld id="{F06A2785-4E77-4690-870F-283ACAAC6AF9}" type="datetimeFigureOut">
               <a:rPr lang="zh-CN" altLang="en-US" smtClean="0"/>
-              <a:t>2022/6/3</a:t>
+              <a:t>2022/6/4</a:t>
             </a:fld>
             <a:endParaRPr lang="zh-CN" altLang="en-US"/>
           </a:p>
@@ -1264,7 +1408,7 @@
           <a:p>
             <a:fld id="{F06A2785-4E77-4690-870F-283ACAAC6AF9}" type="datetimeFigureOut">
               <a:rPr lang="zh-CN" altLang="en-US" smtClean="0"/>
-              <a:t>2022/6/3</a:t>
+              <a:t>2022/6/4</a:t>
             </a:fld>
             <a:endParaRPr lang="zh-CN" altLang="en-US"/>
           </a:p>
@@ -1472,7 +1616,7 @@
           <a:p>
             <a:fld id="{F06A2785-4E77-4690-870F-283ACAAC6AF9}" type="datetimeFigureOut">
               <a:rPr lang="zh-CN" altLang="en-US" smtClean="0"/>
-              <a:t>2022/6/3</a:t>
+              <a:t>2022/6/4</a:t>
             </a:fld>
             <a:endParaRPr lang="zh-CN" altLang="en-US"/>
           </a:p>
@@ -1670,7 +1814,7 @@
           <a:p>
             <a:fld id="{F06A2785-4E77-4690-870F-283ACAAC6AF9}" type="datetimeFigureOut">
               <a:rPr lang="zh-CN" altLang="en-US" smtClean="0"/>
-              <a:t>2022/6/3</a:t>
+              <a:t>2022/6/4</a:t>
             </a:fld>
             <a:endParaRPr lang="zh-CN" altLang="en-US"/>
           </a:p>
@@ -1945,7 +2089,7 @@
           <a:p>
             <a:fld id="{F06A2785-4E77-4690-870F-283ACAAC6AF9}" type="datetimeFigureOut">
               <a:rPr lang="zh-CN" altLang="en-US" smtClean="0"/>
-              <a:t>2022/6/3</a:t>
+              <a:t>2022/6/4</a:t>
             </a:fld>
             <a:endParaRPr lang="zh-CN" altLang="en-US"/>
           </a:p>
@@ -2210,7 +2354,7 @@
           <a:p>
             <a:fld id="{F06A2785-4E77-4690-870F-283ACAAC6AF9}" type="datetimeFigureOut">
               <a:rPr lang="zh-CN" altLang="en-US" smtClean="0"/>
-              <a:t>2022/6/3</a:t>
+              <a:t>2022/6/4</a:t>
             </a:fld>
             <a:endParaRPr lang="zh-CN" altLang="en-US"/>
           </a:p>
@@ -2622,7 +2766,7 @@
           <a:p>
             <a:fld id="{F06A2785-4E77-4690-870F-283ACAAC6AF9}" type="datetimeFigureOut">
               <a:rPr lang="zh-CN" altLang="en-US" smtClean="0"/>
-              <a:t>2022/6/3</a:t>
+              <a:t>2022/6/4</a:t>
             </a:fld>
             <a:endParaRPr lang="zh-CN" altLang="en-US"/>
           </a:p>
@@ -2763,7 +2907,7 @@
           <a:p>
             <a:fld id="{F06A2785-4E77-4690-870F-283ACAAC6AF9}" type="datetimeFigureOut">
               <a:rPr lang="zh-CN" altLang="en-US" smtClean="0"/>
-              <a:t>2022/6/3</a:t>
+              <a:t>2022/6/4</a:t>
             </a:fld>
             <a:endParaRPr lang="zh-CN" altLang="en-US"/>
           </a:p>
@@ -2876,7 +3020,7 @@
           <a:p>
             <a:fld id="{F06A2785-4E77-4690-870F-283ACAAC6AF9}" type="datetimeFigureOut">
               <a:rPr lang="zh-CN" altLang="en-US" smtClean="0"/>
-              <a:t>2022/6/3</a:t>
+              <a:t>2022/6/4</a:t>
             </a:fld>
             <a:endParaRPr lang="zh-CN" altLang="en-US"/>
           </a:p>
@@ -3187,7 +3331,7 @@
           <a:p>
             <a:fld id="{F06A2785-4E77-4690-870F-283ACAAC6AF9}" type="datetimeFigureOut">
               <a:rPr lang="zh-CN" altLang="en-US" smtClean="0"/>
-              <a:t>2022/6/3</a:t>
+              <a:t>2022/6/4</a:t>
             </a:fld>
             <a:endParaRPr lang="zh-CN" altLang="en-US"/>
           </a:p>
@@ -3475,7 +3619,7 @@
           <a:p>
             <a:fld id="{F06A2785-4E77-4690-870F-283ACAAC6AF9}" type="datetimeFigureOut">
               <a:rPr lang="zh-CN" altLang="en-US" smtClean="0"/>
-              <a:t>2022/6/3</a:t>
+              <a:t>2022/6/4</a:t>
             </a:fld>
             <a:endParaRPr lang="zh-CN" altLang="en-US"/>
           </a:p>
@@ -3716,7 +3860,7 @@
           <a:p>
             <a:fld id="{F06A2785-4E77-4690-870F-283ACAAC6AF9}" type="datetimeFigureOut">
               <a:rPr lang="zh-CN" altLang="en-US" smtClean="0"/>
-              <a:t>2022/6/3</a:t>
+              <a:t>2022/6/4</a:t>
             </a:fld>
             <a:endParaRPr lang="zh-CN" altLang="en-US"/>
           </a:p>
@@ -4757,8 +4901,20 @@
   <p:clrMapOvr>
     <a:masterClrMapping/>
   </p:clrMapOvr>
-  <mc:AlternateContent xmlns:mc="http://schemas.openxmlformats.org/markup-compatibility/2006" xmlns:p14="http://schemas.microsoft.com/office/powerpoint/2010/main">
-    <mc:Choice Requires="p14">
+  <mc:AlternateContent xmlns:mc="http://schemas.openxmlformats.org/markup-compatibility/2006">
+    <mc:Choice xmlns:p14="http://schemas.microsoft.com/office/powerpoint/2010/main" Requires="p14">
+      <p:transition spd="slow" p14:dur="1500">
+        <p14:flash/>
+      </p:transition>
+    </mc:Choice>
+    <mc:Fallback>
+      <p:transition spd="slow">
+        <p:fade/>
+      </p:transition>
+    </mc:Fallback>
+  </mc:AlternateContent>
+  <mc:AlternateContent xmlns:mc="http://schemas.openxmlformats.org/markup-compatibility/2006">
+    <mc:Choice xmlns:p14="http://schemas.microsoft.com/office/powerpoint/2010/main" Requires="p14">
       <p:timing>
         <p:tnLst>
           <p:par>
@@ -4964,7 +5120,7 @@
                                         </p:set>
                                         <p:animEffect transition="in" filter="circle(in)">
                                           <p:cBhvr>
-                                            <p:cTn id="22" dur="2000"/>
+                                            <p:cTn id="22" dur="1000"/>
                                             <p:tgtEl>
                                               <p:spTgt spid="33"/>
                                             </p:tgtEl>
@@ -4979,7 +5135,7 @@
                             <p:par>
                               <p:cTn id="23" fill="hold">
                                 <p:stCondLst>
-                                  <p:cond delay="2500"/>
+                                  <p:cond delay="1500"/>
                                 </p:stCondLst>
                                 <p:childTnLst>
                                   <p:par>
@@ -5023,7 +5179,7 @@
                             <p:par>
                               <p:cTn id="27" fill="hold">
                                 <p:stCondLst>
-                                  <p:cond delay="3000"/>
+                                  <p:cond delay="2000"/>
                                 </p:stCondLst>
                                 <p:childTnLst>
                                   <p:par>
@@ -5067,7 +5223,7 @@
                             <p:par>
                               <p:cTn id="31" fill="hold">
                                 <p:stCondLst>
-                                  <p:cond delay="3500"/>
+                                  <p:cond delay="2500"/>
                                 </p:stCondLst>
                                 <p:childTnLst>
                                   <p:par>
@@ -5139,7 +5295,7 @@
         </p:bldLst>
       </p:timing>
     </mc:Choice>
-    <mc:Fallback xmlns="">
+    <mc:Fallback>
       <p:timing>
         <p:tnLst>
           <p:par>
@@ -5345,7 +5501,7 @@
                                         </p:set>
                                         <p:animEffect transition="in" filter="circle(in)">
                                           <p:cBhvr>
-                                            <p:cTn id="22" dur="2000"/>
+                                            <p:cTn id="22" dur="1000"/>
                                             <p:tgtEl>
                                               <p:spTgt spid="33"/>
                                             </p:tgtEl>
@@ -5360,7 +5516,7 @@
                             <p:par>
                               <p:cTn id="23" fill="hold">
                                 <p:stCondLst>
-                                  <p:cond delay="2500"/>
+                                  <p:cond delay="1500"/>
                                 </p:stCondLst>
                                 <p:childTnLst>
                                   <p:par>
@@ -5404,7 +5560,7 @@
                             <p:par>
                               <p:cTn id="27" fill="hold">
                                 <p:stCondLst>
-                                  <p:cond delay="3000"/>
+                                  <p:cond delay="2000"/>
                                 </p:stCondLst>
                                 <p:childTnLst>
                                   <p:par>
@@ -5448,7 +5604,7 @@
                             <p:par>
                               <p:cTn id="31" fill="hold">
                                 <p:stCondLst>
-                                  <p:cond delay="3500"/>
+                                  <p:cond delay="2500"/>
                                 </p:stCondLst>
                                 <p:childTnLst>
                                   <p:par>
@@ -5569,8 +5725,1846 @@
         </p:nvSpPr>
         <p:spPr>
           <a:xfrm>
-            <a:off x="4967677" y="2920880"/>
-            <a:ext cx="2954655" cy="923330"/>
+            <a:off x="4352125" y="2920880"/>
+            <a:ext cx="4185761" cy="923330"/>
+          </a:xfrm>
+          <a:prstGeom prst="rect">
+            <a:avLst/>
+          </a:prstGeom>
+          <a:noFill/>
+        </p:spPr>
+        <p:txBody>
+          <a:bodyPr wrap="none" lIns="91440" tIns="45720" rIns="91440" bIns="45720">
+            <a:spAutoFit/>
+          </a:bodyPr>
+          <a:lstStyle/>
+          <a:p>
+            <a:pPr algn="ctr"/>
+            <a:r>
+              <a:rPr lang="en-US" altLang="zh-CN" sz="5400" b="1" dirty="0">
+                <a:ln w="9525">
+                  <a:solidFill>
+                    <a:schemeClr val="bg1"/>
+                  </a:solidFill>
+                  <a:prstDash val="solid"/>
+                </a:ln>
+                <a:effectLst>
+                  <a:outerShdw blurRad="12700" dist="38100" dir="2700000" algn="tl" rotWithShape="0">
+                    <a:schemeClr val="bg1">
+                      <a:lumMod val="50000"/>
+                    </a:schemeClr>
+                  </a:outerShdw>
+                </a:effectLst>
+              </a:rPr>
+              <a:t>UE4</a:t>
+            </a:r>
+            <a:r>
+              <a:rPr lang="zh-CN" altLang="en-US" sz="5400" b="1" dirty="0">
+                <a:ln w="9525">
+                  <a:solidFill>
+                    <a:schemeClr val="bg1"/>
+                  </a:solidFill>
+                  <a:prstDash val="solid"/>
+                </a:ln>
+                <a:effectLst>
+                  <a:outerShdw blurRad="12700" dist="38100" dir="2700000" algn="tl" rotWithShape="0">
+                    <a:schemeClr val="bg1">
+                      <a:lumMod val="50000"/>
+                    </a:schemeClr>
+                  </a:outerShdw>
+                </a:effectLst>
+              </a:rPr>
+              <a:t>材质结构</a:t>
+            </a:r>
+          </a:p>
+        </p:txBody>
+      </p:sp>
+      <p:grpSp>
+        <p:nvGrpSpPr>
+          <p:cNvPr id="7" name="组合 6">
+            <a:extLst>
+              <a:ext uri="{FF2B5EF4-FFF2-40B4-BE49-F238E27FC236}">
+                <a16:creationId xmlns:a16="http://schemas.microsoft.com/office/drawing/2014/main" id="{8A27065D-E008-24F7-76F8-5551BB17EE32}"/>
+              </a:ext>
+            </a:extLst>
+          </p:cNvPr>
+          <p:cNvGrpSpPr/>
+          <p:nvPr/>
+        </p:nvGrpSpPr>
+        <p:grpSpPr>
+          <a:xfrm>
+            <a:off x="-8863252" y="-1534"/>
+            <a:ext cx="12263677" cy="6859534"/>
+            <a:chOff x="-8863252" y="-1534"/>
+            <a:chExt cx="12263677" cy="6859534"/>
+          </a:xfrm>
+        </p:grpSpPr>
+        <p:sp>
+          <p:nvSpPr>
+            <p:cNvPr id="5" name="文本框 4">
+              <a:extLst>
+                <a:ext uri="{FF2B5EF4-FFF2-40B4-BE49-F238E27FC236}">
+                  <a16:creationId xmlns:a16="http://schemas.microsoft.com/office/drawing/2014/main" id="{7390670E-0436-74FD-BCF1-0B9E5CAD8420}"/>
+                </a:ext>
+              </a:extLst>
+            </p:cNvPr>
+            <p:cNvSpPr txBox="1"/>
+            <p:nvPr/>
+          </p:nvSpPr>
+          <p:spPr>
+            <a:xfrm>
+              <a:off x="2591825" y="1224000"/>
+              <a:ext cx="808600" cy="888651"/>
+            </a:xfrm>
+            <a:prstGeom prst="flowChartAlternateProcess">
+              <a:avLst/>
+            </a:prstGeom>
+            <a:solidFill>
+              <a:schemeClr val="bg2">
+                <a:lumMod val="50000"/>
+              </a:schemeClr>
+            </a:solidFill>
+            <a:ln>
+              <a:noFill/>
+            </a:ln>
+            <a:effectLst>
+              <a:outerShdw blurRad="50800" dist="38100" algn="l" rotWithShape="0">
+                <a:prstClr val="black">
+                  <a:alpha val="40000"/>
+                </a:prstClr>
+              </a:outerShdw>
+              <a:softEdge rad="0"/>
+            </a:effectLst>
+          </p:spPr>
+          <p:style>
+            <a:lnRef idx="3">
+              <a:schemeClr val="lt1"/>
+            </a:lnRef>
+            <a:fillRef idx="1">
+              <a:schemeClr val="accent1"/>
+            </a:fillRef>
+            <a:effectRef idx="1">
+              <a:schemeClr val="accent1"/>
+            </a:effectRef>
+            <a:fontRef idx="minor">
+              <a:schemeClr val="lt1"/>
+            </a:fontRef>
+          </p:style>
+          <p:txBody>
+            <a:bodyPr wrap="square" rtlCol="0" anchor="ctr" anchorCtr="0">
+              <a:noAutofit/>
+            </a:bodyPr>
+            <a:lstStyle/>
+            <a:p>
+              <a:pPr algn="ctr"/>
+              <a:endParaRPr lang="zh-CN" altLang="en-US" sz="3200" b="1" dirty="0">
+                <a:latin typeface="Bauhaus 93" panose="04030905020B02020C02" pitchFamily="82" charset="0"/>
+              </a:endParaRPr>
+            </a:p>
+          </p:txBody>
+        </p:sp>
+        <p:sp>
+          <p:nvSpPr>
+            <p:cNvPr id="4" name="矩形 3">
+              <a:extLst>
+                <a:ext uri="{FF2B5EF4-FFF2-40B4-BE49-F238E27FC236}">
+                  <a16:creationId xmlns:a16="http://schemas.microsoft.com/office/drawing/2014/main" id="{0E3840C7-48F9-A79B-3845-1959334E1D63}"/>
+                </a:ext>
+              </a:extLst>
+            </p:cNvPr>
+            <p:cNvSpPr/>
+            <p:nvPr/>
+          </p:nvSpPr>
+          <p:spPr>
+            <a:xfrm>
+              <a:off x="-8863252" y="-1534"/>
+              <a:ext cx="11608501" cy="6859534"/>
+            </a:xfrm>
+            <a:prstGeom prst="rect">
+              <a:avLst/>
+            </a:prstGeom>
+            <a:solidFill>
+              <a:schemeClr val="bg2">
+                <a:lumMod val="50000"/>
+              </a:schemeClr>
+            </a:solidFill>
+            <a:ln>
+              <a:noFill/>
+            </a:ln>
+          </p:spPr>
+          <p:style>
+            <a:lnRef idx="2">
+              <a:schemeClr val="accent1">
+                <a:shade val="50000"/>
+              </a:schemeClr>
+            </a:lnRef>
+            <a:fillRef idx="1">
+              <a:schemeClr val="accent1"/>
+            </a:fillRef>
+            <a:effectRef idx="0">
+              <a:schemeClr val="accent1"/>
+            </a:effectRef>
+            <a:fontRef idx="minor">
+              <a:schemeClr val="lt1"/>
+            </a:fontRef>
+          </p:style>
+          <p:txBody>
+            <a:bodyPr rtlCol="0" anchor="ctr"/>
+            <a:lstStyle/>
+            <a:p>
+              <a:pPr algn="ctr"/>
+              <a:endParaRPr lang="zh-CN" altLang="en-US" dirty="0"/>
+            </a:p>
+          </p:txBody>
+        </p:sp>
+      </p:grpSp>
+      <p:grpSp>
+        <p:nvGrpSpPr>
+          <p:cNvPr id="6" name="组合 5">
+            <a:extLst>
+              <a:ext uri="{FF2B5EF4-FFF2-40B4-BE49-F238E27FC236}">
+                <a16:creationId xmlns:a16="http://schemas.microsoft.com/office/drawing/2014/main" id="{657298C6-B7FC-3A1E-72CF-37AA54F589A3}"/>
+              </a:ext>
+            </a:extLst>
+          </p:cNvPr>
+          <p:cNvGrpSpPr/>
+          <p:nvPr/>
+        </p:nvGrpSpPr>
+        <p:grpSpPr>
+          <a:xfrm>
+            <a:off x="-8317406" y="1570006"/>
+            <a:ext cx="10628345" cy="3165657"/>
+            <a:chOff x="-8317406" y="1570006"/>
+            <a:chExt cx="10628345" cy="3165657"/>
+          </a:xfrm>
+        </p:grpSpPr>
+        <p:sp>
+          <p:nvSpPr>
+            <p:cNvPr id="17" name="矩形 16">
+              <a:extLst>
+                <a:ext uri="{FF2B5EF4-FFF2-40B4-BE49-F238E27FC236}">
+                  <a16:creationId xmlns:a16="http://schemas.microsoft.com/office/drawing/2014/main" id="{E0B6C8F1-FC96-B132-9602-1576EEF6C3FF}"/>
+                </a:ext>
+              </a:extLst>
+            </p:cNvPr>
+            <p:cNvSpPr/>
+            <p:nvPr/>
+          </p:nvSpPr>
+          <p:spPr>
+            <a:xfrm>
+              <a:off x="-746876" y="3444875"/>
+              <a:ext cx="942322" cy="240646"/>
+            </a:xfrm>
+            <a:prstGeom prst="rect">
+              <a:avLst/>
+            </a:prstGeom>
+            <a:solidFill>
+              <a:schemeClr val="accent1">
+                <a:lumMod val="20000"/>
+                <a:lumOff val="80000"/>
+              </a:schemeClr>
+            </a:solidFill>
+            <a:ln>
+              <a:noFill/>
+            </a:ln>
+          </p:spPr>
+          <p:style>
+            <a:lnRef idx="2">
+              <a:schemeClr val="accent1">
+                <a:shade val="50000"/>
+              </a:schemeClr>
+            </a:lnRef>
+            <a:fillRef idx="1">
+              <a:schemeClr val="accent1"/>
+            </a:fillRef>
+            <a:effectRef idx="0">
+              <a:schemeClr val="accent1"/>
+            </a:effectRef>
+            <a:fontRef idx="minor">
+              <a:schemeClr val="lt1"/>
+            </a:fontRef>
+          </p:style>
+          <p:txBody>
+            <a:bodyPr rtlCol="0" anchor="ctr"/>
+            <a:lstStyle/>
+            <a:p>
+              <a:pPr algn="ctr"/>
+              <a:endParaRPr lang="zh-CN" altLang="en-US"/>
+            </a:p>
+          </p:txBody>
+        </p:sp>
+        <p:pic>
+          <p:nvPicPr>
+            <p:cNvPr id="10" name="图片 9">
+              <a:extLst>
+                <a:ext uri="{FF2B5EF4-FFF2-40B4-BE49-F238E27FC236}">
+                  <a16:creationId xmlns:a16="http://schemas.microsoft.com/office/drawing/2014/main" id="{06952FC2-58B2-CADA-0114-3440CCC54A1D}"/>
+                </a:ext>
+              </a:extLst>
+            </p:cNvPr>
+            <p:cNvPicPr>
+              <a:picLocks noChangeAspect="1"/>
+            </p:cNvPicPr>
+            <p:nvPr/>
+          </p:nvPicPr>
+          <p:blipFill>
+            <a:blip r:embed="rId4">
+              <a:extLst>
+                <a:ext uri="{28A0092B-C50C-407E-A947-70E740481C1C}">
+                  <a14:useLocalDpi xmlns:a14="http://schemas.microsoft.com/office/drawing/2010/main" val="0"/>
+                </a:ext>
+              </a:extLst>
+            </a:blip>
+            <a:stretch>
+              <a:fillRect/>
+            </a:stretch>
+          </p:blipFill>
+          <p:spPr>
+            <a:xfrm>
+              <a:off x="-8317406" y="2540269"/>
+              <a:ext cx="10628345" cy="2195394"/>
+            </a:xfrm>
+            <a:prstGeom prst="rect">
+              <a:avLst/>
+            </a:prstGeom>
+            <a:noFill/>
+            <a:ln>
+              <a:noFill/>
+            </a:ln>
+          </p:spPr>
+        </p:pic>
+        <p:sp>
+          <p:nvSpPr>
+            <p:cNvPr id="20" name="文本框 19">
+              <a:extLst>
+                <a:ext uri="{FF2B5EF4-FFF2-40B4-BE49-F238E27FC236}">
+                  <a16:creationId xmlns:a16="http://schemas.microsoft.com/office/drawing/2014/main" id="{BD8BC1C5-23D4-16A7-4058-A202EA1A1605}"/>
+                </a:ext>
+              </a:extLst>
+            </p:cNvPr>
+            <p:cNvSpPr txBox="1"/>
+            <p:nvPr/>
+          </p:nvSpPr>
+          <p:spPr>
+            <a:xfrm>
+              <a:off x="-4766977" y="1570006"/>
+              <a:ext cx="3979333" cy="646331"/>
+            </a:xfrm>
+            <a:prstGeom prst="rect">
+              <a:avLst/>
+            </a:prstGeom>
+            <a:solidFill>
+              <a:schemeClr val="bg2">
+                <a:lumMod val="50000"/>
+              </a:schemeClr>
+            </a:solidFill>
+            <a:ln>
+              <a:noFill/>
+            </a:ln>
+          </p:spPr>
+          <p:txBody>
+            <a:bodyPr wrap="square" rtlCol="0">
+              <a:spAutoFit/>
+            </a:bodyPr>
+            <a:lstStyle/>
+            <a:p>
+              <a:pPr algn="ctr"/>
+              <a:r>
+                <a:rPr lang="zh-CN" altLang="en-US" sz="3600" dirty="0"/>
+                <a:t>材质结构</a:t>
+              </a:r>
+            </a:p>
+          </p:txBody>
+        </p:sp>
+      </p:grpSp>
+      <p:grpSp>
+        <p:nvGrpSpPr>
+          <p:cNvPr id="27" name="组合 26">
+            <a:extLst>
+              <a:ext uri="{FF2B5EF4-FFF2-40B4-BE49-F238E27FC236}">
+                <a16:creationId xmlns:a16="http://schemas.microsoft.com/office/drawing/2014/main" id="{E46FA44B-D14F-454E-776A-71DA3D23F854}"/>
+              </a:ext>
+            </a:extLst>
+          </p:cNvPr>
+          <p:cNvGrpSpPr/>
+          <p:nvPr/>
+        </p:nvGrpSpPr>
+        <p:grpSpPr>
+          <a:xfrm>
+            <a:off x="-7513692" y="4410075"/>
+            <a:ext cx="8975823" cy="888652"/>
+            <a:chOff x="2419066" y="3929703"/>
+            <a:chExt cx="8975823" cy="888652"/>
+          </a:xfrm>
+        </p:grpSpPr>
+        <p:sp>
+          <p:nvSpPr>
+            <p:cNvPr id="33" name="文本框 M">
+              <a:extLst>
+                <a:ext uri="{FF2B5EF4-FFF2-40B4-BE49-F238E27FC236}">
+                  <a16:creationId xmlns:a16="http://schemas.microsoft.com/office/drawing/2014/main" id="{C4CC3989-3FC7-4938-8FAE-AA21BB82B014}"/>
+                </a:ext>
+              </a:extLst>
+            </p:cNvPr>
+            <p:cNvSpPr txBox="1"/>
+            <p:nvPr/>
+          </p:nvSpPr>
+          <p:spPr>
+            <a:xfrm>
+              <a:off x="5199614" y="3929704"/>
+              <a:ext cx="808600" cy="888651"/>
+            </a:xfrm>
+            <a:prstGeom prst="flowChartAlternateProcess">
+              <a:avLst/>
+            </a:prstGeom>
+            <a:noFill/>
+            <a:ln>
+              <a:noFill/>
+            </a:ln>
+            <a:effectLst>
+              <a:outerShdw blurRad="50800" dist="38100" algn="l" rotWithShape="0">
+                <a:prstClr val="black">
+                  <a:alpha val="40000"/>
+                </a:prstClr>
+              </a:outerShdw>
+              <a:softEdge rad="0"/>
+            </a:effectLst>
+          </p:spPr>
+          <p:style>
+            <a:lnRef idx="3">
+              <a:schemeClr val="lt1"/>
+            </a:lnRef>
+            <a:fillRef idx="1">
+              <a:schemeClr val="accent1"/>
+            </a:fillRef>
+            <a:effectRef idx="1">
+              <a:schemeClr val="accent1"/>
+            </a:effectRef>
+            <a:fontRef idx="minor">
+              <a:schemeClr val="lt1"/>
+            </a:fontRef>
+          </p:style>
+          <p:txBody>
+            <a:bodyPr wrap="square" rtlCol="0" anchor="ctr" anchorCtr="0">
+              <a:noAutofit/>
+            </a:bodyPr>
+            <a:lstStyle/>
+            <a:p>
+              <a:pPr algn="ctr"/>
+              <a:r>
+                <a:rPr lang="en-US" altLang="zh-CN" sz="2400" b="1" dirty="0">
+                  <a:latin typeface="Bodoni MT Black" panose="02070A03080606020203" pitchFamily="18" charset="0"/>
+                </a:rPr>
+                <a:t>M</a:t>
+              </a:r>
+              <a:endParaRPr lang="zh-CN" altLang="en-US" sz="2400" b="1" dirty="0">
+                <a:latin typeface="Bodoni MT Black" panose="02070A03080606020203" pitchFamily="18" charset="0"/>
+              </a:endParaRPr>
+            </a:p>
+          </p:txBody>
+        </p:sp>
+        <p:sp>
+          <p:nvSpPr>
+            <p:cNvPr id="34" name="文本框 MI">
+              <a:extLst>
+                <a:ext uri="{FF2B5EF4-FFF2-40B4-BE49-F238E27FC236}">
+                  <a16:creationId xmlns:a16="http://schemas.microsoft.com/office/drawing/2014/main" id="{9B4ED87C-E946-740F-D2F4-B0DFD74A95BA}"/>
+                </a:ext>
+              </a:extLst>
+            </p:cNvPr>
+            <p:cNvSpPr txBox="1"/>
+            <p:nvPr/>
+          </p:nvSpPr>
+          <p:spPr>
+            <a:xfrm>
+              <a:off x="7904408" y="3929703"/>
+              <a:ext cx="808600" cy="888651"/>
+            </a:xfrm>
+            <a:prstGeom prst="flowChartAlternateProcess">
+              <a:avLst/>
+            </a:prstGeom>
+            <a:noFill/>
+            <a:ln>
+              <a:noFill/>
+            </a:ln>
+            <a:effectLst>
+              <a:outerShdw blurRad="50800" dist="38100" algn="l" rotWithShape="0">
+                <a:prstClr val="black">
+                  <a:alpha val="40000"/>
+                </a:prstClr>
+              </a:outerShdw>
+              <a:softEdge rad="0"/>
+            </a:effectLst>
+          </p:spPr>
+          <p:style>
+            <a:lnRef idx="3">
+              <a:schemeClr val="lt1"/>
+            </a:lnRef>
+            <a:fillRef idx="1">
+              <a:schemeClr val="accent1"/>
+            </a:fillRef>
+            <a:effectRef idx="1">
+              <a:schemeClr val="accent1"/>
+            </a:effectRef>
+            <a:fontRef idx="minor">
+              <a:schemeClr val="lt1"/>
+            </a:fontRef>
+          </p:style>
+          <p:txBody>
+            <a:bodyPr wrap="square" rtlCol="0" anchor="ctr" anchorCtr="0">
+              <a:noAutofit/>
+            </a:bodyPr>
+            <a:lstStyle/>
+            <a:p>
+              <a:pPr algn="ctr"/>
+              <a:r>
+                <a:rPr lang="en-US" altLang="zh-CN" sz="2400" b="1" dirty="0">
+                  <a:latin typeface="Bodoni MT Black" panose="02070A03080606020203" pitchFamily="18" charset="0"/>
+                </a:rPr>
+                <a:t>MI</a:t>
+              </a:r>
+              <a:endParaRPr lang="zh-CN" altLang="en-US" sz="2400" b="1" dirty="0">
+                <a:latin typeface="Bodoni MT Black" panose="02070A03080606020203" pitchFamily="18" charset="0"/>
+              </a:endParaRPr>
+            </a:p>
+          </p:txBody>
+        </p:sp>
+        <p:sp>
+          <p:nvSpPr>
+            <p:cNvPr id="35" name="文本框 MF">
+              <a:extLst>
+                <a:ext uri="{FF2B5EF4-FFF2-40B4-BE49-F238E27FC236}">
+                  <a16:creationId xmlns:a16="http://schemas.microsoft.com/office/drawing/2014/main" id="{523D3002-9F8F-0C70-B437-6A5AC3EA7FC2}"/>
+                </a:ext>
+              </a:extLst>
+            </p:cNvPr>
+            <p:cNvSpPr txBox="1"/>
+            <p:nvPr/>
+          </p:nvSpPr>
+          <p:spPr>
+            <a:xfrm>
+              <a:off x="2419066" y="3929703"/>
+              <a:ext cx="808600" cy="888651"/>
+            </a:xfrm>
+            <a:prstGeom prst="flowChartAlternateProcess">
+              <a:avLst/>
+            </a:prstGeom>
+            <a:noFill/>
+            <a:ln>
+              <a:noFill/>
+            </a:ln>
+            <a:effectLst>
+              <a:outerShdw blurRad="50800" dist="38100" algn="l" rotWithShape="0">
+                <a:prstClr val="black">
+                  <a:alpha val="40000"/>
+                </a:prstClr>
+              </a:outerShdw>
+              <a:softEdge rad="0"/>
+            </a:effectLst>
+          </p:spPr>
+          <p:style>
+            <a:lnRef idx="3">
+              <a:schemeClr val="lt1"/>
+            </a:lnRef>
+            <a:fillRef idx="1">
+              <a:schemeClr val="accent1"/>
+            </a:fillRef>
+            <a:effectRef idx="1">
+              <a:schemeClr val="accent1"/>
+            </a:effectRef>
+            <a:fontRef idx="minor">
+              <a:schemeClr val="lt1"/>
+            </a:fontRef>
+          </p:style>
+          <p:txBody>
+            <a:bodyPr wrap="square" rtlCol="0" anchor="ctr" anchorCtr="0">
+              <a:noAutofit/>
+            </a:bodyPr>
+            <a:lstStyle/>
+            <a:p>
+              <a:pPr algn="ctr"/>
+              <a:r>
+                <a:rPr lang="en-US" altLang="zh-CN" sz="2400" b="1" dirty="0">
+                  <a:latin typeface="Bodoni MT Black" panose="02070A03080606020203" pitchFamily="18" charset="0"/>
+                </a:rPr>
+                <a:t>MF</a:t>
+              </a:r>
+              <a:endParaRPr lang="zh-CN" altLang="en-US" sz="2400" b="1" dirty="0">
+                <a:latin typeface="Bodoni MT Black" panose="02070A03080606020203" pitchFamily="18" charset="0"/>
+              </a:endParaRPr>
+            </a:p>
+          </p:txBody>
+        </p:sp>
+        <p:sp>
+          <p:nvSpPr>
+            <p:cNvPr id="24" name="文本框 MI">
+              <a:extLst>
+                <a:ext uri="{FF2B5EF4-FFF2-40B4-BE49-F238E27FC236}">
+                  <a16:creationId xmlns:a16="http://schemas.microsoft.com/office/drawing/2014/main" id="{65376546-8EF6-4056-7295-B909A1AD397F}"/>
+                </a:ext>
+              </a:extLst>
+            </p:cNvPr>
+            <p:cNvSpPr txBox="1"/>
+            <p:nvPr/>
+          </p:nvSpPr>
+          <p:spPr>
+            <a:xfrm>
+              <a:off x="10586289" y="3929703"/>
+              <a:ext cx="808600" cy="888651"/>
+            </a:xfrm>
+            <a:prstGeom prst="flowChartAlternateProcess">
+              <a:avLst/>
+            </a:prstGeom>
+            <a:noFill/>
+            <a:ln>
+              <a:noFill/>
+            </a:ln>
+            <a:effectLst>
+              <a:outerShdw blurRad="50800" dist="38100" algn="l" rotWithShape="0">
+                <a:prstClr val="black">
+                  <a:alpha val="40000"/>
+                </a:prstClr>
+              </a:outerShdw>
+              <a:softEdge rad="0"/>
+            </a:effectLst>
+          </p:spPr>
+          <p:style>
+            <a:lnRef idx="3">
+              <a:schemeClr val="lt1"/>
+            </a:lnRef>
+            <a:fillRef idx="1">
+              <a:schemeClr val="accent1"/>
+            </a:fillRef>
+            <a:effectRef idx="1">
+              <a:schemeClr val="accent1"/>
+            </a:effectRef>
+            <a:fontRef idx="minor">
+              <a:schemeClr val="lt1"/>
+            </a:fontRef>
+          </p:style>
+          <p:txBody>
+            <a:bodyPr wrap="square" rtlCol="0" anchor="ctr" anchorCtr="0">
+              <a:noAutofit/>
+            </a:bodyPr>
+            <a:lstStyle/>
+            <a:p>
+              <a:pPr algn="ctr"/>
+              <a:r>
+                <a:rPr lang="en-US" altLang="zh-CN" sz="2400" b="1" dirty="0">
+                  <a:latin typeface="Bodoni MT Black" panose="02070A03080606020203" pitchFamily="18" charset="0"/>
+                </a:rPr>
+                <a:t>MI</a:t>
+              </a:r>
+              <a:endParaRPr lang="zh-CN" altLang="en-US" sz="2400" b="1" dirty="0">
+                <a:latin typeface="Bodoni MT Black" panose="02070A03080606020203" pitchFamily="18" charset="0"/>
+              </a:endParaRPr>
+            </a:p>
+          </p:txBody>
+        </p:sp>
+      </p:grpSp>
+      <p:pic>
+        <p:nvPicPr>
+          <p:cNvPr id="15" name="材质结构icon">
+            <a:extLst>
+              <a:ext uri="{FF2B5EF4-FFF2-40B4-BE49-F238E27FC236}">
+                <a16:creationId xmlns:a16="http://schemas.microsoft.com/office/drawing/2014/main" id="{BBF1C0E1-8918-D2EE-7007-5C8C9E4E389D}"/>
+              </a:ext>
+            </a:extLst>
+          </p:cNvPr>
+          <p:cNvPicPr>
+            <a:picLocks noChangeAspect="1"/>
+          </p:cNvPicPr>
+          <p:nvPr/>
+        </p:nvPicPr>
+        <p:blipFill>
+          <a:blip r:embed="rId5">
+            <a:extLst>
+              <a:ext uri="{28A0092B-C50C-407E-A947-70E740481C1C}">
+                <a14:useLocalDpi xmlns:a14="http://schemas.microsoft.com/office/drawing/2010/main" val="0"/>
+              </a:ext>
+            </a:extLst>
+          </a:blip>
+          <a:stretch>
+            <a:fillRect/>
+          </a:stretch>
+        </p:blipFill>
+        <p:spPr>
+          <a:xfrm>
+            <a:off x="2661963" y="1330564"/>
+            <a:ext cx="738462" cy="738462"/>
+          </a:xfrm>
+          <a:prstGeom prst="rect">
+            <a:avLst/>
+          </a:prstGeom>
+        </p:spPr>
+      </p:pic>
+      <p:sp>
+        <p:nvSpPr>
+          <p:cNvPr id="8" name="文本框 M">
+            <a:extLst>
+              <a:ext uri="{FF2B5EF4-FFF2-40B4-BE49-F238E27FC236}">
+                <a16:creationId xmlns:a16="http://schemas.microsoft.com/office/drawing/2014/main" id="{17593F07-218D-3B51-5FFF-2B3BD3B4E754}"/>
+              </a:ext>
+            </a:extLst>
+          </p:cNvPr>
+          <p:cNvSpPr txBox="1"/>
+          <p:nvPr/>
+        </p:nvSpPr>
+        <p:spPr>
+          <a:xfrm>
+            <a:off x="1873920" y="2037621"/>
+            <a:ext cx="808600" cy="888651"/>
+          </a:xfrm>
+          <a:prstGeom prst="flowChartAlternateProcess">
+            <a:avLst/>
+          </a:prstGeom>
+          <a:solidFill>
+            <a:schemeClr val="bg2">
+              <a:lumMod val="75000"/>
+            </a:schemeClr>
+          </a:solidFill>
+          <a:ln>
+            <a:noFill/>
+          </a:ln>
+          <a:effectLst>
+            <a:outerShdw blurRad="50800" dist="38100" algn="l" rotWithShape="0">
+              <a:prstClr val="black">
+                <a:alpha val="40000"/>
+              </a:prstClr>
+            </a:outerShdw>
+            <a:softEdge rad="0"/>
+          </a:effectLst>
+        </p:spPr>
+        <p:style>
+          <a:lnRef idx="3">
+            <a:schemeClr val="lt1"/>
+          </a:lnRef>
+          <a:fillRef idx="1">
+            <a:schemeClr val="accent1"/>
+          </a:fillRef>
+          <a:effectRef idx="1">
+            <a:schemeClr val="accent1"/>
+          </a:effectRef>
+          <a:fontRef idx="minor">
+            <a:schemeClr val="lt1"/>
+          </a:fontRef>
+        </p:style>
+        <p:txBody>
+          <a:bodyPr wrap="square" rtlCol="0" anchor="ctr" anchorCtr="0">
+            <a:noAutofit/>
+          </a:bodyPr>
+          <a:lstStyle/>
+          <a:p>
+            <a:pPr algn="ctr"/>
+            <a:r>
+              <a:rPr lang="en-US" altLang="zh-CN" sz="2400" b="1" dirty="0">
+                <a:latin typeface="Bodoni MT Black" panose="02070A03080606020203" pitchFamily="18" charset="0"/>
+              </a:rPr>
+              <a:t>M</a:t>
+            </a:r>
+            <a:endParaRPr lang="zh-CN" altLang="en-US" sz="2400" b="1" dirty="0">
+              <a:latin typeface="Bodoni MT Black" panose="02070A03080606020203" pitchFamily="18" charset="0"/>
+            </a:endParaRPr>
+          </a:p>
+        </p:txBody>
+      </p:sp>
+      <p:sp>
+        <p:nvSpPr>
+          <p:cNvPr id="9" name="矩形 8">
+            <a:extLst>
+              <a:ext uri="{FF2B5EF4-FFF2-40B4-BE49-F238E27FC236}">
+                <a16:creationId xmlns:a16="http://schemas.microsoft.com/office/drawing/2014/main" id="{4BD5810B-3011-6E5A-C575-0D87EA7B47E1}"/>
+              </a:ext>
+            </a:extLst>
+          </p:cNvPr>
+          <p:cNvSpPr/>
+          <p:nvPr/>
+        </p:nvSpPr>
+        <p:spPr>
+          <a:xfrm>
+            <a:off x="-8776828" y="0"/>
+            <a:ext cx="10804172" cy="6859534"/>
+          </a:xfrm>
+          <a:prstGeom prst="rect">
+            <a:avLst/>
+          </a:prstGeom>
+          <a:solidFill>
+            <a:schemeClr val="bg2">
+              <a:lumMod val="75000"/>
+            </a:schemeClr>
+          </a:solidFill>
+          <a:ln>
+            <a:noFill/>
+          </a:ln>
+        </p:spPr>
+        <p:style>
+          <a:lnRef idx="2">
+            <a:schemeClr val="accent1">
+              <a:shade val="50000"/>
+            </a:schemeClr>
+          </a:lnRef>
+          <a:fillRef idx="1">
+            <a:schemeClr val="accent1"/>
+          </a:fillRef>
+          <a:effectRef idx="0">
+            <a:schemeClr val="accent1"/>
+          </a:effectRef>
+          <a:fontRef idx="minor">
+            <a:schemeClr val="lt1"/>
+          </a:fontRef>
+        </p:style>
+        <p:txBody>
+          <a:bodyPr rtlCol="0" anchor="ctr"/>
+          <a:lstStyle/>
+          <a:p>
+            <a:pPr algn="ctr"/>
+            <a:endParaRPr lang="zh-CN" altLang="en-US" dirty="0"/>
+          </a:p>
+        </p:txBody>
+      </p:sp>
+      <p:sp>
+        <p:nvSpPr>
+          <p:cNvPr id="13" name="文本框 MI">
+            <a:extLst>
+              <a:ext uri="{FF2B5EF4-FFF2-40B4-BE49-F238E27FC236}">
+                <a16:creationId xmlns:a16="http://schemas.microsoft.com/office/drawing/2014/main" id="{639F4C49-2D9D-548F-092F-5A740BB0FB64}"/>
+              </a:ext>
+            </a:extLst>
+          </p:cNvPr>
+          <p:cNvSpPr txBox="1"/>
+          <p:nvPr/>
+        </p:nvSpPr>
+        <p:spPr>
+          <a:xfrm>
+            <a:off x="1057831" y="3041052"/>
+            <a:ext cx="808600" cy="888651"/>
+          </a:xfrm>
+          <a:prstGeom prst="flowChartAlternateProcess">
+            <a:avLst/>
+          </a:prstGeom>
+          <a:solidFill>
+            <a:srgbClr val="4E607A"/>
+          </a:solidFill>
+          <a:ln>
+            <a:noFill/>
+          </a:ln>
+          <a:effectLst>
+            <a:outerShdw blurRad="50800" dist="38100" algn="l" rotWithShape="0">
+              <a:prstClr val="black">
+                <a:alpha val="40000"/>
+              </a:prstClr>
+            </a:outerShdw>
+            <a:softEdge rad="0"/>
+          </a:effectLst>
+        </p:spPr>
+        <p:style>
+          <a:lnRef idx="3">
+            <a:schemeClr val="lt1"/>
+          </a:lnRef>
+          <a:fillRef idx="1">
+            <a:schemeClr val="accent1"/>
+          </a:fillRef>
+          <a:effectRef idx="1">
+            <a:schemeClr val="accent1"/>
+          </a:effectRef>
+          <a:fontRef idx="minor">
+            <a:schemeClr val="lt1"/>
+          </a:fontRef>
+        </p:style>
+        <p:txBody>
+          <a:bodyPr wrap="square" rtlCol="0" anchor="ctr" anchorCtr="0">
+            <a:noAutofit/>
+          </a:bodyPr>
+          <a:lstStyle/>
+          <a:p>
+            <a:pPr algn="ctr"/>
+            <a:r>
+              <a:rPr lang="en-US" altLang="zh-CN" sz="2400" b="1" dirty="0">
+                <a:latin typeface="Bodoni MT Black" panose="02070A03080606020203" pitchFamily="18" charset="0"/>
+              </a:rPr>
+              <a:t>MI</a:t>
+            </a:r>
+            <a:endParaRPr lang="zh-CN" altLang="en-US" sz="2400" b="1" dirty="0">
+              <a:latin typeface="Bodoni MT Black" panose="02070A03080606020203" pitchFamily="18" charset="0"/>
+            </a:endParaRPr>
+          </a:p>
+        </p:txBody>
+      </p:sp>
+      <p:sp>
+        <p:nvSpPr>
+          <p:cNvPr id="14" name="矩形 13">
+            <a:extLst>
+              <a:ext uri="{FF2B5EF4-FFF2-40B4-BE49-F238E27FC236}">
+                <a16:creationId xmlns:a16="http://schemas.microsoft.com/office/drawing/2014/main" id="{AE00B959-9713-4F96-2D07-989385768095}"/>
+              </a:ext>
+            </a:extLst>
+          </p:cNvPr>
+          <p:cNvSpPr/>
+          <p:nvPr/>
+        </p:nvSpPr>
+        <p:spPr>
+          <a:xfrm>
+            <a:off x="-9592917" y="0"/>
+            <a:ext cx="10804172" cy="6859534"/>
+          </a:xfrm>
+          <a:prstGeom prst="rect">
+            <a:avLst/>
+          </a:prstGeom>
+          <a:solidFill>
+            <a:srgbClr val="4E607A"/>
+          </a:solidFill>
+          <a:ln>
+            <a:noFill/>
+          </a:ln>
+        </p:spPr>
+        <p:style>
+          <a:lnRef idx="2">
+            <a:schemeClr val="accent1">
+              <a:shade val="50000"/>
+            </a:schemeClr>
+          </a:lnRef>
+          <a:fillRef idx="1">
+            <a:schemeClr val="accent1"/>
+          </a:fillRef>
+          <a:effectRef idx="0">
+            <a:schemeClr val="accent1"/>
+          </a:effectRef>
+          <a:fontRef idx="minor">
+            <a:schemeClr val="lt1"/>
+          </a:fontRef>
+        </p:style>
+        <p:txBody>
+          <a:bodyPr rtlCol="0" anchor="ctr"/>
+          <a:lstStyle/>
+          <a:p>
+            <a:pPr algn="ctr"/>
+            <a:endParaRPr lang="zh-CN" altLang="en-US" dirty="0"/>
+          </a:p>
+        </p:txBody>
+      </p:sp>
+      <p:sp>
+        <p:nvSpPr>
+          <p:cNvPr id="19" name="文本框 MF">
+            <a:extLst>
+              <a:ext uri="{FF2B5EF4-FFF2-40B4-BE49-F238E27FC236}">
+                <a16:creationId xmlns:a16="http://schemas.microsoft.com/office/drawing/2014/main" id="{C70A4406-617C-9314-67A8-E94F551E4BD1}"/>
+              </a:ext>
+            </a:extLst>
+          </p:cNvPr>
+          <p:cNvSpPr txBox="1"/>
+          <p:nvPr/>
+        </p:nvSpPr>
+        <p:spPr>
+          <a:xfrm>
+            <a:off x="254423" y="4061331"/>
+            <a:ext cx="808600" cy="888651"/>
+          </a:xfrm>
+          <a:prstGeom prst="flowChartAlternateProcess">
+            <a:avLst/>
+          </a:prstGeom>
+          <a:solidFill>
+            <a:schemeClr val="bg2">
+              <a:lumMod val="60000"/>
+              <a:lumOff val="40000"/>
+            </a:schemeClr>
+          </a:solidFill>
+          <a:ln>
+            <a:noFill/>
+          </a:ln>
+          <a:effectLst>
+            <a:outerShdw blurRad="50800" dist="38100" algn="l" rotWithShape="0">
+              <a:prstClr val="black">
+                <a:alpha val="40000"/>
+              </a:prstClr>
+            </a:outerShdw>
+            <a:softEdge rad="0"/>
+          </a:effectLst>
+        </p:spPr>
+        <p:style>
+          <a:lnRef idx="3">
+            <a:schemeClr val="lt1"/>
+          </a:lnRef>
+          <a:fillRef idx="1">
+            <a:schemeClr val="accent1"/>
+          </a:fillRef>
+          <a:effectRef idx="1">
+            <a:schemeClr val="accent1"/>
+          </a:effectRef>
+          <a:fontRef idx="minor">
+            <a:schemeClr val="lt1"/>
+          </a:fontRef>
+        </p:style>
+        <p:txBody>
+          <a:bodyPr wrap="square" rtlCol="0" anchor="ctr" anchorCtr="0">
+            <a:noAutofit/>
+          </a:bodyPr>
+          <a:lstStyle/>
+          <a:p>
+            <a:pPr algn="ctr"/>
+            <a:r>
+              <a:rPr lang="en-US" altLang="zh-CN" sz="2400" b="1" dirty="0">
+                <a:latin typeface="Bodoni MT Black" panose="02070A03080606020203" pitchFamily="18" charset="0"/>
+              </a:rPr>
+              <a:t>MF</a:t>
+            </a:r>
+            <a:endParaRPr lang="zh-CN" altLang="en-US" sz="2400" b="1" dirty="0">
+              <a:latin typeface="Bodoni MT Black" panose="02070A03080606020203" pitchFamily="18" charset="0"/>
+            </a:endParaRPr>
+          </a:p>
+        </p:txBody>
+      </p:sp>
+      <p:sp>
+        <p:nvSpPr>
+          <p:cNvPr id="21" name="矩形 20">
+            <a:extLst>
+              <a:ext uri="{FF2B5EF4-FFF2-40B4-BE49-F238E27FC236}">
+                <a16:creationId xmlns:a16="http://schemas.microsoft.com/office/drawing/2014/main" id="{2B8ADDEA-45D2-9DEE-B577-8AF307B5A082}"/>
+              </a:ext>
+            </a:extLst>
+          </p:cNvPr>
+          <p:cNvSpPr/>
+          <p:nvPr/>
+        </p:nvSpPr>
+        <p:spPr>
+          <a:xfrm>
+            <a:off x="-10400539" y="0"/>
+            <a:ext cx="10804172" cy="6859534"/>
+          </a:xfrm>
+          <a:prstGeom prst="rect">
+            <a:avLst/>
+          </a:prstGeom>
+          <a:solidFill>
+            <a:schemeClr val="bg2">
+              <a:lumMod val="60000"/>
+              <a:lumOff val="40000"/>
+            </a:schemeClr>
+          </a:solidFill>
+          <a:ln>
+            <a:noFill/>
+          </a:ln>
+        </p:spPr>
+        <p:style>
+          <a:lnRef idx="2">
+            <a:schemeClr val="accent1">
+              <a:shade val="50000"/>
+            </a:schemeClr>
+          </a:lnRef>
+          <a:fillRef idx="1">
+            <a:schemeClr val="accent1"/>
+          </a:fillRef>
+          <a:effectRef idx="0">
+            <a:schemeClr val="accent1"/>
+          </a:effectRef>
+          <a:fontRef idx="minor">
+            <a:schemeClr val="lt1"/>
+          </a:fontRef>
+        </p:style>
+        <p:txBody>
+          <a:bodyPr rtlCol="0" anchor="ctr"/>
+          <a:lstStyle/>
+          <a:p>
+            <a:pPr algn="ctr"/>
+            <a:endParaRPr lang="zh-CN" altLang="en-US" dirty="0"/>
+          </a:p>
+        </p:txBody>
+      </p:sp>
+    </p:spTree>
+    <p:extLst>
+      <p:ext uri="{BB962C8B-B14F-4D97-AF65-F5344CB8AC3E}">
+        <p14:creationId xmlns:p14="http://schemas.microsoft.com/office/powerpoint/2010/main" val="1486426179"/>
+      </p:ext>
+    </p:extLst>
+  </p:cSld>
+  <p:clrMapOvr>
+    <a:masterClrMapping/>
+  </p:clrMapOvr>
+  <mc:AlternateContent xmlns:mc="http://schemas.openxmlformats.org/markup-compatibility/2006" xmlns:p159="http://schemas.microsoft.com/office/powerpoint/2015/09/main">
+    <mc:Choice Requires="p159">
+      <p:transition xmlns:p14="http://schemas.microsoft.com/office/powerpoint/2010/main" spd="slow" p14:dur="1500">
+        <p159:morph option="byObject"/>
+      </p:transition>
+    </mc:Choice>
+    <mc:Fallback xmlns="">
+      <p:transition spd="slow">
+        <p:fade/>
+      </p:transition>
+    </mc:Fallback>
+  </mc:AlternateContent>
+  <mc:AlternateContent xmlns:mc="http://schemas.openxmlformats.org/markup-compatibility/2006">
+    <mc:Choice xmlns:p14="http://schemas.microsoft.com/office/powerpoint/2010/main" Requires="p14">
+      <p:timing>
+        <p:tnLst>
+          <p:par>
+            <p:cTn id="1" dur="indefinite" restart="never" nodeType="tmRoot">
+              <p:childTnLst>
+                <p:seq concurrent="1" nextAc="seek">
+                  <p:cTn id="2" dur="indefinite" nodeType="mainSeq">
+                    <p:childTnLst>
+                      <p:par>
+                        <p:cTn id="3" fill="hold">
+                          <p:stCondLst>
+                            <p:cond delay="indefinite"/>
+                          </p:stCondLst>
+                          <p:childTnLst>
+                            <p:par>
+                              <p:cTn id="4" fill="hold">
+                                <p:stCondLst>
+                                  <p:cond delay="0"/>
+                                </p:stCondLst>
+                                <p:childTnLst>
+                                  <p:par>
+                                    <p:cTn id="5" presetID="63" presetClass="path" presetSubtype="0" accel="50000" fill="hold" nodeType="clickEffect" p14:presetBounceEnd="51000">
+                                      <p:stCondLst>
+                                        <p:cond delay="0"/>
+                                      </p:stCondLst>
+                                      <p:childTnLst>
+                                        <p:animMotion origin="layout" path="M 2.29167E-6 4.81481E-6 L 0.67448 4.81481E-6 " pathEditMode="relative" rAng="0" ptsTypes="AA" p14:bounceEnd="51000">
+                                          <p:cBhvr>
+                                            <p:cTn id="6" dur="1000" fill="hold"/>
+                                            <p:tgtEl>
+                                              <p:spTgt spid="15"/>
+                                            </p:tgtEl>
+                                            <p:attrNameLst>
+                                              <p:attrName>ppt_x</p:attrName>
+                                              <p:attrName>ppt_y</p:attrName>
+                                            </p:attrNameLst>
+                                          </p:cBhvr>
+                                          <p:rCtr x="33724" y="0"/>
+                                        </p:animMotion>
+                                      </p:childTnLst>
+                                    </p:cTn>
+                                  </p:par>
+                                  <p:par>
+                                    <p:cTn id="7" presetID="1" presetClass="entr" presetSubtype="0" fill="hold" nodeType="withEffect">
+                                      <p:stCondLst>
+                                        <p:cond delay="0"/>
+                                      </p:stCondLst>
+                                      <p:childTnLst>
+                                        <p:set>
+                                          <p:cBhvr>
+                                            <p:cTn id="8" dur="1" fill="hold">
+                                              <p:stCondLst>
+                                                <p:cond delay="0"/>
+                                              </p:stCondLst>
+                                            </p:cTn>
+                                            <p:tgtEl>
+                                              <p:spTgt spid="6"/>
+                                            </p:tgtEl>
+                                            <p:attrNameLst>
+                                              <p:attrName>style.visibility</p:attrName>
+                                            </p:attrNameLst>
+                                          </p:cBhvr>
+                                          <p:to>
+                                            <p:strVal val="visible"/>
+                                          </p:to>
+                                        </p:set>
+                                      </p:childTnLst>
+                                    </p:cTn>
+                                  </p:par>
+                                  <p:par>
+                                    <p:cTn id="9" presetID="63" presetClass="path" presetSubtype="0" accel="50000" fill="hold" nodeType="withEffect" p14:presetBounceEnd="51000">
+                                      <p:stCondLst>
+                                        <p:cond delay="0"/>
+                                      </p:stCondLst>
+                                      <p:childTnLst>
+                                        <p:animMotion origin="layout" path="M 2.29167E-6 4.81481E-6 L 0.67448 4.81481E-6 " pathEditMode="relative" rAng="0" ptsTypes="AA" p14:bounceEnd="51000">
+                                          <p:cBhvr>
+                                            <p:cTn id="10" dur="1000" fill="hold"/>
+                                            <p:tgtEl>
+                                              <p:spTgt spid="6"/>
+                                            </p:tgtEl>
+                                            <p:attrNameLst>
+                                              <p:attrName>ppt_x</p:attrName>
+                                              <p:attrName>ppt_y</p:attrName>
+                                            </p:attrNameLst>
+                                          </p:cBhvr>
+                                          <p:rCtr x="33724" y="0"/>
+                                        </p:animMotion>
+                                      </p:childTnLst>
+                                    </p:cTn>
+                                  </p:par>
+                                  <p:par>
+                                    <p:cTn id="11" presetID="63" presetClass="path" presetSubtype="0" accel="50000" fill="hold" nodeType="withEffect" p14:presetBounceEnd="51000">
+                                      <p:stCondLst>
+                                        <p:cond delay="0"/>
+                                      </p:stCondLst>
+                                      <p:childTnLst>
+                                        <p:animMotion origin="layout" path="M 2.29167E-6 4.81481E-6 L 0.67448 4.81481E-6 " pathEditMode="relative" rAng="0" ptsTypes="AA" p14:bounceEnd="51000">
+                                          <p:cBhvr>
+                                            <p:cTn id="12" dur="1000" fill="hold"/>
+                                            <p:tgtEl>
+                                              <p:spTgt spid="7"/>
+                                            </p:tgtEl>
+                                            <p:attrNameLst>
+                                              <p:attrName>ppt_x</p:attrName>
+                                              <p:attrName>ppt_y</p:attrName>
+                                            </p:attrNameLst>
+                                          </p:cBhvr>
+                                          <p:rCtr x="33724" y="0"/>
+                                        </p:animMotion>
+                                      </p:childTnLst>
+                                    </p:cTn>
+                                  </p:par>
+                                  <p:par>
+                                    <p:cTn id="13" presetID="63" presetClass="path" presetSubtype="0" accel="50000" fill="hold" nodeType="withEffect" p14:presetBounceEnd="51000">
+                                      <p:stCondLst>
+                                        <p:cond delay="0"/>
+                                      </p:stCondLst>
+                                      <p:childTnLst>
+                                        <p:animMotion origin="layout" path="M 2.29167E-6 4.81481E-6 L 0.67448 4.81481E-6 " pathEditMode="relative" rAng="0" ptsTypes="AA" p14:bounceEnd="51000">
+                                          <p:cBhvr>
+                                            <p:cTn id="14" dur="1000" fill="hold"/>
+                                            <p:tgtEl>
+                                              <p:spTgt spid="27"/>
+                                            </p:tgtEl>
+                                            <p:attrNameLst>
+                                              <p:attrName>ppt_x</p:attrName>
+                                              <p:attrName>ppt_y</p:attrName>
+                                            </p:attrNameLst>
+                                          </p:cBhvr>
+                                          <p:rCtr x="33724" y="0"/>
+                                        </p:animMotion>
+                                      </p:childTnLst>
+                                    </p:cTn>
+                                  </p:par>
+                                  <p:par>
+                                    <p:cTn id="15" presetID="35" presetClass="path" presetSubtype="0" accel="50000" decel="50000" fill="hold" grpId="0" nodeType="withEffect">
+                                      <p:stCondLst>
+                                        <p:cond delay="0"/>
+                                      </p:stCondLst>
+                                      <p:childTnLst>
+                                        <p:animMotion origin="layout" path="M 0 0 L -0.25 0 E" pathEditMode="relative" ptsTypes="">
+                                          <p:cBhvr>
+                                            <p:cTn id="16" dur="1000" fill="hold"/>
+                                            <p:tgtEl>
+                                              <p:spTgt spid="9"/>
+                                            </p:tgtEl>
+                                            <p:attrNameLst>
+                                              <p:attrName>ppt_x</p:attrName>
+                                              <p:attrName>ppt_y</p:attrName>
+                                            </p:attrNameLst>
+                                          </p:cBhvr>
+                                        </p:animMotion>
+                                      </p:childTnLst>
+                                    </p:cTn>
+                                  </p:par>
+                                  <p:par>
+                                    <p:cTn id="17" presetID="35" presetClass="path" presetSubtype="0" accel="50000" decel="50000" fill="hold" grpId="0" nodeType="withEffect">
+                                      <p:stCondLst>
+                                        <p:cond delay="0"/>
+                                      </p:stCondLst>
+                                      <p:childTnLst>
+                                        <p:animMotion origin="layout" path="M 1.04167E-6 4.44444E-6 L -0.25 4.44444E-6 " pathEditMode="relative" rAng="0" ptsTypes="AA">
+                                          <p:cBhvr>
+                                            <p:cTn id="18" dur="1000" fill="hold"/>
+                                            <p:tgtEl>
+                                              <p:spTgt spid="8"/>
+                                            </p:tgtEl>
+                                            <p:attrNameLst>
+                                              <p:attrName>ppt_x</p:attrName>
+                                              <p:attrName>ppt_y</p:attrName>
+                                            </p:attrNameLst>
+                                          </p:cBhvr>
+                                          <p:rCtr x="-12500" y="0"/>
+                                        </p:animMotion>
+                                      </p:childTnLst>
+                                    </p:cTn>
+                                  </p:par>
+                                  <p:par>
+                                    <p:cTn id="19" presetID="35" presetClass="path" presetSubtype="0" accel="50000" decel="50000" fill="hold" grpId="0" nodeType="withEffect">
+                                      <p:stCondLst>
+                                        <p:cond delay="0"/>
+                                      </p:stCondLst>
+                                      <p:childTnLst>
+                                        <p:animMotion origin="layout" path="M -5.55112E-17 0 L -0.25 0 " pathEditMode="relative" rAng="0" ptsTypes="AA">
+                                          <p:cBhvr>
+                                            <p:cTn id="20" dur="1000" fill="hold"/>
+                                            <p:tgtEl>
+                                              <p:spTgt spid="14"/>
+                                            </p:tgtEl>
+                                            <p:attrNameLst>
+                                              <p:attrName>ppt_x</p:attrName>
+                                              <p:attrName>ppt_y</p:attrName>
+                                            </p:attrNameLst>
+                                          </p:cBhvr>
+                                          <p:rCtr x="-12500" y="0"/>
+                                        </p:animMotion>
+                                      </p:childTnLst>
+                                    </p:cTn>
+                                  </p:par>
+                                  <p:par>
+                                    <p:cTn id="21" presetID="35" presetClass="path" presetSubtype="0" accel="50000" decel="50000" fill="hold" grpId="0" nodeType="withEffect">
+                                      <p:stCondLst>
+                                        <p:cond delay="0"/>
+                                      </p:stCondLst>
+                                      <p:childTnLst>
+                                        <p:animMotion origin="layout" path="M -1.875E-6 -1.85185E-6 L -0.25 -1.85185E-6 " pathEditMode="relative" rAng="0" ptsTypes="AA">
+                                          <p:cBhvr>
+                                            <p:cTn id="22" dur="1000" fill="hold"/>
+                                            <p:tgtEl>
+                                              <p:spTgt spid="13"/>
+                                            </p:tgtEl>
+                                            <p:attrNameLst>
+                                              <p:attrName>ppt_x</p:attrName>
+                                              <p:attrName>ppt_y</p:attrName>
+                                            </p:attrNameLst>
+                                          </p:cBhvr>
+                                          <p:rCtr x="-12500" y="0"/>
+                                        </p:animMotion>
+                                      </p:childTnLst>
+                                    </p:cTn>
+                                  </p:par>
+                                  <p:par>
+                                    <p:cTn id="23" presetID="35" presetClass="path" presetSubtype="0" accel="50000" decel="50000" fill="hold" grpId="0" nodeType="withEffect">
+                                      <p:stCondLst>
+                                        <p:cond delay="0"/>
+                                      </p:stCondLst>
+                                      <p:childTnLst>
+                                        <p:animMotion origin="layout" path="M -3.95833E-6 0 L -0.25 0 " pathEditMode="relative" rAng="0" ptsTypes="AA">
+                                          <p:cBhvr>
+                                            <p:cTn id="24" dur="1000" fill="hold"/>
+                                            <p:tgtEl>
+                                              <p:spTgt spid="21"/>
+                                            </p:tgtEl>
+                                            <p:attrNameLst>
+                                              <p:attrName>ppt_x</p:attrName>
+                                              <p:attrName>ppt_y</p:attrName>
+                                            </p:attrNameLst>
+                                          </p:cBhvr>
+                                          <p:rCtr x="-12500" y="0"/>
+                                        </p:animMotion>
+                                      </p:childTnLst>
+                                    </p:cTn>
+                                  </p:par>
+                                  <p:par>
+                                    <p:cTn id="25" presetID="35" presetClass="path" presetSubtype="0" accel="50000" decel="50000" fill="hold" grpId="0" nodeType="withEffect">
+                                      <p:stCondLst>
+                                        <p:cond delay="0"/>
+                                      </p:stCondLst>
+                                      <p:childTnLst>
+                                        <p:animMotion origin="layout" path="M 3.54167E-6 -4.44444E-6 L -0.25 -4.44444E-6 " pathEditMode="relative" rAng="0" ptsTypes="AA">
+                                          <p:cBhvr>
+                                            <p:cTn id="26" dur="1000" fill="hold"/>
+                                            <p:tgtEl>
+                                              <p:spTgt spid="19"/>
+                                            </p:tgtEl>
+                                            <p:attrNameLst>
+                                              <p:attrName>ppt_x</p:attrName>
+                                              <p:attrName>ppt_y</p:attrName>
+                                            </p:attrNameLst>
+                                          </p:cBhvr>
+                                          <p:rCtr x="-12500" y="0"/>
+                                        </p:animMotion>
+                                      </p:childTnLst>
+                                    </p:cTn>
+                                  </p:par>
+                                  <p:par>
+                                    <p:cTn id="27" presetID="63" presetClass="path" presetSubtype="0" accel="50000" fill="hold" grpId="0" nodeType="withEffect" p14:presetBounceEnd="51000">
+                                      <p:stCondLst>
+                                        <p:cond delay="110"/>
+                                      </p:stCondLst>
+                                      <p:childTnLst>
+                                        <p:animMotion origin="layout" path="M 4.375E-6 2.96296E-6 L 0.67447 2.96296E-6 " pathEditMode="relative" rAng="0" ptsTypes="AA" p14:bounceEnd="51000">
+                                          <p:cBhvr>
+                                            <p:cTn id="28" dur="1000" fill="hold"/>
+                                            <p:tgtEl>
+                                              <p:spTgt spid="22"/>
+                                            </p:tgtEl>
+                                            <p:attrNameLst>
+                                              <p:attrName>ppt_x</p:attrName>
+                                              <p:attrName>ppt_y</p:attrName>
+                                            </p:attrNameLst>
+                                          </p:cBhvr>
+                                          <p:rCtr x="33724" y="0"/>
+                                        </p:animMotion>
+                                      </p:childTnLst>
+                                    </p:cTn>
+                                  </p:par>
+                                </p:childTnLst>
+                              </p:cTn>
+                            </p:par>
+                          </p:childTnLst>
+                        </p:cTn>
+                      </p:par>
+                    </p:childTnLst>
+                  </p:cTn>
+                  <p:prevCondLst>
+                    <p:cond evt="onPrev" delay="0">
+                      <p:tgtEl>
+                        <p:sldTgt/>
+                      </p:tgtEl>
+                    </p:cond>
+                  </p:prevCondLst>
+                  <p:nextCondLst>
+                    <p:cond evt="onNext" delay="0">
+                      <p:tgtEl>
+                        <p:sldTgt/>
+                      </p:tgtEl>
+                    </p:cond>
+                  </p:nextCondLst>
+                </p:seq>
+              </p:childTnLst>
+            </p:cTn>
+          </p:par>
+        </p:tnLst>
+        <p:bldLst>
+          <p:bldP spid="22" grpId="0"/>
+          <p:bldP spid="8" grpId="0" animBg="1"/>
+          <p:bldP spid="9" grpId="0" animBg="1"/>
+          <p:bldP spid="13" grpId="0" animBg="1"/>
+          <p:bldP spid="14" grpId="0" animBg="1"/>
+          <p:bldP spid="19" grpId="0" animBg="1"/>
+          <p:bldP spid="21" grpId="0" animBg="1"/>
+        </p:bldLst>
+      </p:timing>
+    </mc:Choice>
+    <mc:Fallback>
+      <p:timing>
+        <p:tnLst>
+          <p:par>
+            <p:cTn id="1" dur="indefinite" restart="never" nodeType="tmRoot">
+              <p:childTnLst>
+                <p:seq concurrent="1" nextAc="seek">
+                  <p:cTn id="2" dur="indefinite" nodeType="mainSeq">
+                    <p:childTnLst>
+                      <p:par>
+                        <p:cTn id="3" fill="hold">
+                          <p:stCondLst>
+                            <p:cond delay="indefinite"/>
+                          </p:stCondLst>
+                          <p:childTnLst>
+                            <p:par>
+                              <p:cTn id="4" fill="hold">
+                                <p:stCondLst>
+                                  <p:cond delay="0"/>
+                                </p:stCondLst>
+                                <p:childTnLst>
+                                  <p:par>
+                                    <p:cTn id="5" presetID="63" presetClass="path" presetSubtype="0" accel="50000" fill="hold" nodeType="clickEffect">
+                                      <p:stCondLst>
+                                        <p:cond delay="0"/>
+                                      </p:stCondLst>
+                                      <p:childTnLst>
+                                        <p:animMotion origin="layout" path="M 2.29167E-6 4.81481E-6 L 0.67448 4.81481E-6 " pathEditMode="relative" rAng="0" ptsTypes="AA">
+                                          <p:cBhvr>
+                                            <p:cTn id="6" dur="1000" fill="hold"/>
+                                            <p:tgtEl>
+                                              <p:spTgt spid="15"/>
+                                            </p:tgtEl>
+                                            <p:attrNameLst>
+                                              <p:attrName>ppt_x</p:attrName>
+                                              <p:attrName>ppt_y</p:attrName>
+                                            </p:attrNameLst>
+                                          </p:cBhvr>
+                                          <p:rCtr x="33724" y="0"/>
+                                        </p:animMotion>
+                                      </p:childTnLst>
+                                    </p:cTn>
+                                  </p:par>
+                                  <p:par>
+                                    <p:cTn id="7" presetID="1" presetClass="entr" presetSubtype="0" fill="hold" nodeType="withEffect">
+                                      <p:stCondLst>
+                                        <p:cond delay="0"/>
+                                      </p:stCondLst>
+                                      <p:childTnLst>
+                                        <p:set>
+                                          <p:cBhvr>
+                                            <p:cTn id="8" dur="1" fill="hold">
+                                              <p:stCondLst>
+                                                <p:cond delay="0"/>
+                                              </p:stCondLst>
+                                            </p:cTn>
+                                            <p:tgtEl>
+                                              <p:spTgt spid="6"/>
+                                            </p:tgtEl>
+                                            <p:attrNameLst>
+                                              <p:attrName>style.visibility</p:attrName>
+                                            </p:attrNameLst>
+                                          </p:cBhvr>
+                                          <p:to>
+                                            <p:strVal val="visible"/>
+                                          </p:to>
+                                        </p:set>
+                                      </p:childTnLst>
+                                    </p:cTn>
+                                  </p:par>
+                                  <p:par>
+                                    <p:cTn id="9" presetID="63" presetClass="path" presetSubtype="0" accel="50000" fill="hold" nodeType="withEffect">
+                                      <p:stCondLst>
+                                        <p:cond delay="0"/>
+                                      </p:stCondLst>
+                                      <p:childTnLst>
+                                        <p:animMotion origin="layout" path="M 2.29167E-6 4.81481E-6 L 0.67448 4.81481E-6 " pathEditMode="relative" rAng="0" ptsTypes="AA">
+                                          <p:cBhvr>
+                                            <p:cTn id="10" dur="1000" fill="hold"/>
+                                            <p:tgtEl>
+                                              <p:spTgt spid="6"/>
+                                            </p:tgtEl>
+                                            <p:attrNameLst>
+                                              <p:attrName>ppt_x</p:attrName>
+                                              <p:attrName>ppt_y</p:attrName>
+                                            </p:attrNameLst>
+                                          </p:cBhvr>
+                                          <p:rCtr x="33724" y="0"/>
+                                        </p:animMotion>
+                                      </p:childTnLst>
+                                    </p:cTn>
+                                  </p:par>
+                                  <p:par>
+                                    <p:cTn id="11" presetID="63" presetClass="path" presetSubtype="0" accel="50000" fill="hold" nodeType="withEffect">
+                                      <p:stCondLst>
+                                        <p:cond delay="0"/>
+                                      </p:stCondLst>
+                                      <p:childTnLst>
+                                        <p:animMotion origin="layout" path="M 2.29167E-6 4.81481E-6 L 0.67448 4.81481E-6 " pathEditMode="relative" rAng="0" ptsTypes="AA">
+                                          <p:cBhvr>
+                                            <p:cTn id="12" dur="1000" fill="hold"/>
+                                            <p:tgtEl>
+                                              <p:spTgt spid="7"/>
+                                            </p:tgtEl>
+                                            <p:attrNameLst>
+                                              <p:attrName>ppt_x</p:attrName>
+                                              <p:attrName>ppt_y</p:attrName>
+                                            </p:attrNameLst>
+                                          </p:cBhvr>
+                                          <p:rCtr x="33724" y="0"/>
+                                        </p:animMotion>
+                                      </p:childTnLst>
+                                    </p:cTn>
+                                  </p:par>
+                                  <p:par>
+                                    <p:cTn id="13" presetID="63" presetClass="path" presetSubtype="0" accel="50000" fill="hold" nodeType="withEffect">
+                                      <p:stCondLst>
+                                        <p:cond delay="0"/>
+                                      </p:stCondLst>
+                                      <p:childTnLst>
+                                        <p:animMotion origin="layout" path="M 2.29167E-6 4.81481E-6 L 0.67448 4.81481E-6 " pathEditMode="relative" rAng="0" ptsTypes="AA">
+                                          <p:cBhvr>
+                                            <p:cTn id="14" dur="1000" fill="hold"/>
+                                            <p:tgtEl>
+                                              <p:spTgt spid="27"/>
+                                            </p:tgtEl>
+                                            <p:attrNameLst>
+                                              <p:attrName>ppt_x</p:attrName>
+                                              <p:attrName>ppt_y</p:attrName>
+                                            </p:attrNameLst>
+                                          </p:cBhvr>
+                                          <p:rCtr x="33724" y="0"/>
+                                        </p:animMotion>
+                                      </p:childTnLst>
+                                    </p:cTn>
+                                  </p:par>
+                                  <p:par>
+                                    <p:cTn id="15" presetID="35" presetClass="path" presetSubtype="0" accel="50000" decel="50000" fill="hold" grpId="0" nodeType="withEffect">
+                                      <p:stCondLst>
+                                        <p:cond delay="0"/>
+                                      </p:stCondLst>
+                                      <p:childTnLst>
+                                        <p:animMotion origin="layout" path="M 0 0 L -0.25 0 E" pathEditMode="relative" ptsTypes="">
+                                          <p:cBhvr>
+                                            <p:cTn id="16" dur="1000" fill="hold"/>
+                                            <p:tgtEl>
+                                              <p:spTgt spid="9"/>
+                                            </p:tgtEl>
+                                            <p:attrNameLst>
+                                              <p:attrName>ppt_x</p:attrName>
+                                              <p:attrName>ppt_y</p:attrName>
+                                            </p:attrNameLst>
+                                          </p:cBhvr>
+                                        </p:animMotion>
+                                      </p:childTnLst>
+                                    </p:cTn>
+                                  </p:par>
+                                  <p:par>
+                                    <p:cTn id="17" presetID="35" presetClass="path" presetSubtype="0" accel="50000" decel="50000" fill="hold" grpId="0" nodeType="withEffect">
+                                      <p:stCondLst>
+                                        <p:cond delay="0"/>
+                                      </p:stCondLst>
+                                      <p:childTnLst>
+                                        <p:animMotion origin="layout" path="M 1.04167E-6 4.44444E-6 L -0.25 4.44444E-6 " pathEditMode="relative" rAng="0" ptsTypes="AA">
+                                          <p:cBhvr>
+                                            <p:cTn id="18" dur="1000" fill="hold"/>
+                                            <p:tgtEl>
+                                              <p:spTgt spid="8"/>
+                                            </p:tgtEl>
+                                            <p:attrNameLst>
+                                              <p:attrName>ppt_x</p:attrName>
+                                              <p:attrName>ppt_y</p:attrName>
+                                            </p:attrNameLst>
+                                          </p:cBhvr>
+                                          <p:rCtr x="-12500" y="0"/>
+                                        </p:animMotion>
+                                      </p:childTnLst>
+                                    </p:cTn>
+                                  </p:par>
+                                  <p:par>
+                                    <p:cTn id="19" presetID="35" presetClass="path" presetSubtype="0" accel="50000" decel="50000" fill="hold" grpId="0" nodeType="withEffect">
+                                      <p:stCondLst>
+                                        <p:cond delay="0"/>
+                                      </p:stCondLst>
+                                      <p:childTnLst>
+                                        <p:animMotion origin="layout" path="M -5.55112E-17 0 L -0.25 0 " pathEditMode="relative" rAng="0" ptsTypes="AA">
+                                          <p:cBhvr>
+                                            <p:cTn id="20" dur="1000" fill="hold"/>
+                                            <p:tgtEl>
+                                              <p:spTgt spid="14"/>
+                                            </p:tgtEl>
+                                            <p:attrNameLst>
+                                              <p:attrName>ppt_x</p:attrName>
+                                              <p:attrName>ppt_y</p:attrName>
+                                            </p:attrNameLst>
+                                          </p:cBhvr>
+                                          <p:rCtr x="-12500" y="0"/>
+                                        </p:animMotion>
+                                      </p:childTnLst>
+                                    </p:cTn>
+                                  </p:par>
+                                  <p:par>
+                                    <p:cTn id="21" presetID="35" presetClass="path" presetSubtype="0" accel="50000" decel="50000" fill="hold" grpId="0" nodeType="withEffect">
+                                      <p:stCondLst>
+                                        <p:cond delay="0"/>
+                                      </p:stCondLst>
+                                      <p:childTnLst>
+                                        <p:animMotion origin="layout" path="M -1.875E-6 -1.85185E-6 L -0.25 -1.85185E-6 " pathEditMode="relative" rAng="0" ptsTypes="AA">
+                                          <p:cBhvr>
+                                            <p:cTn id="22" dur="1000" fill="hold"/>
+                                            <p:tgtEl>
+                                              <p:spTgt spid="13"/>
+                                            </p:tgtEl>
+                                            <p:attrNameLst>
+                                              <p:attrName>ppt_x</p:attrName>
+                                              <p:attrName>ppt_y</p:attrName>
+                                            </p:attrNameLst>
+                                          </p:cBhvr>
+                                          <p:rCtr x="-12500" y="0"/>
+                                        </p:animMotion>
+                                      </p:childTnLst>
+                                    </p:cTn>
+                                  </p:par>
+                                  <p:par>
+                                    <p:cTn id="23" presetID="35" presetClass="path" presetSubtype="0" accel="50000" decel="50000" fill="hold" grpId="0" nodeType="withEffect">
+                                      <p:stCondLst>
+                                        <p:cond delay="0"/>
+                                      </p:stCondLst>
+                                      <p:childTnLst>
+                                        <p:animMotion origin="layout" path="M -3.95833E-6 0 L -0.25 0 " pathEditMode="relative" rAng="0" ptsTypes="AA">
+                                          <p:cBhvr>
+                                            <p:cTn id="24" dur="1000" fill="hold"/>
+                                            <p:tgtEl>
+                                              <p:spTgt spid="21"/>
+                                            </p:tgtEl>
+                                            <p:attrNameLst>
+                                              <p:attrName>ppt_x</p:attrName>
+                                              <p:attrName>ppt_y</p:attrName>
+                                            </p:attrNameLst>
+                                          </p:cBhvr>
+                                          <p:rCtr x="-12500" y="0"/>
+                                        </p:animMotion>
+                                      </p:childTnLst>
+                                    </p:cTn>
+                                  </p:par>
+                                  <p:par>
+                                    <p:cTn id="25" presetID="35" presetClass="path" presetSubtype="0" accel="50000" decel="50000" fill="hold" grpId="0" nodeType="withEffect">
+                                      <p:stCondLst>
+                                        <p:cond delay="0"/>
+                                      </p:stCondLst>
+                                      <p:childTnLst>
+                                        <p:animMotion origin="layout" path="M 3.54167E-6 -4.44444E-6 L -0.25 -4.44444E-6 " pathEditMode="relative" rAng="0" ptsTypes="AA">
+                                          <p:cBhvr>
+                                            <p:cTn id="26" dur="1000" fill="hold"/>
+                                            <p:tgtEl>
+                                              <p:spTgt spid="19"/>
+                                            </p:tgtEl>
+                                            <p:attrNameLst>
+                                              <p:attrName>ppt_x</p:attrName>
+                                              <p:attrName>ppt_y</p:attrName>
+                                            </p:attrNameLst>
+                                          </p:cBhvr>
+                                          <p:rCtr x="-12500" y="0"/>
+                                        </p:animMotion>
+                                      </p:childTnLst>
+                                    </p:cTn>
+                                  </p:par>
+                                  <p:par>
+                                    <p:cTn id="27" presetID="63" presetClass="path" presetSubtype="0" accel="50000" fill="hold" grpId="0" nodeType="withEffect">
+                                      <p:stCondLst>
+                                        <p:cond delay="110"/>
+                                      </p:stCondLst>
+                                      <p:childTnLst>
+                                        <p:animMotion origin="layout" path="M 4.375E-6 2.96296E-6 L 0.67447 2.96296E-6 " pathEditMode="relative" rAng="0" ptsTypes="AA">
+                                          <p:cBhvr>
+                                            <p:cTn id="28" dur="1000" fill="hold"/>
+                                            <p:tgtEl>
+                                              <p:spTgt spid="22"/>
+                                            </p:tgtEl>
+                                            <p:attrNameLst>
+                                              <p:attrName>ppt_x</p:attrName>
+                                              <p:attrName>ppt_y</p:attrName>
+                                            </p:attrNameLst>
+                                          </p:cBhvr>
+                                          <p:rCtr x="33724" y="0"/>
+                                        </p:animMotion>
+                                      </p:childTnLst>
+                                    </p:cTn>
+                                  </p:par>
+                                </p:childTnLst>
+                              </p:cTn>
+                            </p:par>
+                          </p:childTnLst>
+                        </p:cTn>
+                      </p:par>
+                    </p:childTnLst>
+                  </p:cTn>
+                  <p:prevCondLst>
+                    <p:cond evt="onPrev" delay="0">
+                      <p:tgtEl>
+                        <p:sldTgt/>
+                      </p:tgtEl>
+                    </p:cond>
+                  </p:prevCondLst>
+                  <p:nextCondLst>
+                    <p:cond evt="onNext" delay="0">
+                      <p:tgtEl>
+                        <p:sldTgt/>
+                      </p:tgtEl>
+                    </p:cond>
+                  </p:nextCondLst>
+                </p:seq>
+              </p:childTnLst>
+            </p:cTn>
+          </p:par>
+        </p:tnLst>
+        <p:bldLst>
+          <p:bldP spid="22" grpId="0"/>
+          <p:bldP spid="8" grpId="0" animBg="1"/>
+          <p:bldP spid="9" grpId="0" animBg="1"/>
+          <p:bldP spid="13" grpId="0" animBg="1"/>
+          <p:bldP spid="14" grpId="0" animBg="1"/>
+          <p:bldP spid="19" grpId="0" animBg="1"/>
+          <p:bldP spid="21" grpId="0" animBg="1"/>
+        </p:bldLst>
+      </p:timing>
+    </mc:Fallback>
+  </mc:AlternateContent>
+</p:sld>
+</file>
+
+<file path=ppt/slides/slide3.xml><?xml version="1.0" encoding="utf-8"?>
+<p:sld xmlns:a="http://schemas.openxmlformats.org/drawingml/2006/main" xmlns:r="http://schemas.openxmlformats.org/officeDocument/2006/relationships" xmlns:p="http://schemas.openxmlformats.org/presentationml/2006/main" showMasterSp="0">
+  <p:cSld>
+    <p:bg>
+      <p:bgPr>
+        <a:blipFill dpi="0" rotWithShape="1">
+          <a:blip r:embed="rId3">
+            <a:lum/>
+          </a:blip>
+          <a:srcRect/>
+          <a:stretch>
+            <a:fillRect/>
+          </a:stretch>
+        </a:blipFill>
+        <a:effectLst/>
+      </p:bgPr>
+    </p:bg>
+    <p:spTree>
+      <p:nvGrpSpPr>
+        <p:cNvPr id="1" name=""/>
+        <p:cNvGrpSpPr/>
+        <p:nvPr/>
+      </p:nvGrpSpPr>
+      <p:grpSpPr>
+        <a:xfrm>
+          <a:off x="0" y="0"/>
+          <a:ext cx="0" cy="0"/>
+          <a:chOff x="0" y="0"/>
+          <a:chExt cx="0" cy="0"/>
+        </a:xfrm>
+      </p:grpSpPr>
+      <p:sp>
+        <p:nvSpPr>
+          <p:cNvPr id="2" name="文本框 1">
+            <a:extLst>
+              <a:ext uri="{FF2B5EF4-FFF2-40B4-BE49-F238E27FC236}">
+                <a16:creationId xmlns:a16="http://schemas.microsoft.com/office/drawing/2014/main" id="{FDC618A0-EFDA-C41E-DA05-A4CBE6343034}"/>
+              </a:ext>
+            </a:extLst>
+          </p:cNvPr>
+          <p:cNvSpPr txBox="1"/>
+          <p:nvPr/>
+        </p:nvSpPr>
+        <p:spPr>
+          <a:xfrm>
+            <a:off x="1893780" y="728133"/>
+            <a:ext cx="8266220" cy="5109091"/>
+          </a:xfrm>
+          <a:prstGeom prst="rect">
+            <a:avLst/>
+          </a:prstGeom>
+          <a:noFill/>
+        </p:spPr>
+        <p:txBody>
+          <a:bodyPr wrap="square" rtlCol="0">
+            <a:spAutoFit/>
+          </a:bodyPr>
+          <a:lstStyle/>
+          <a:p>
+            <a:pPr algn="ctr"/>
+            <a:r>
+              <a:rPr lang="en-US" altLang="zh-CN" sz="32600" b="1" dirty="0">
+                <a:solidFill>
+                  <a:schemeClr val="accent1">
+                    <a:lumMod val="60000"/>
+                    <a:lumOff val="40000"/>
+                    <a:alpha val="37000"/>
+                  </a:schemeClr>
+                </a:solidFill>
+                <a:effectLst>
+                  <a:outerShdw blurRad="50800" dist="50800" dir="5400000" sx="105000" sy="105000" algn="ctr" rotWithShape="0">
+                    <a:srgbClr val="000000">
+                      <a:alpha val="28000"/>
+                    </a:srgbClr>
+                  </a:outerShdw>
+                </a:effectLst>
+                <a:latin typeface="Cooper Black" panose="0208090404030B020404" pitchFamily="18" charset="0"/>
+              </a:rPr>
+              <a:t>M</a:t>
+            </a:r>
+            <a:endParaRPr lang="zh-CN" altLang="en-US" sz="32600" b="1" dirty="0">
+              <a:solidFill>
+                <a:schemeClr val="accent1">
+                  <a:lumMod val="60000"/>
+                  <a:lumOff val="40000"/>
+                  <a:alpha val="37000"/>
+                </a:schemeClr>
+              </a:solidFill>
+              <a:effectLst>
+                <a:outerShdw blurRad="50800" dist="50800" dir="5400000" sx="105000" sy="105000" algn="ctr" rotWithShape="0">
+                  <a:srgbClr val="000000">
+                    <a:alpha val="28000"/>
+                  </a:srgbClr>
+                </a:outerShdw>
+              </a:effectLst>
+              <a:latin typeface="Cooper Black" panose="0208090404030B020404" pitchFamily="18" charset="0"/>
+            </a:endParaRPr>
+          </a:p>
+        </p:txBody>
+      </p:sp>
+      <p:sp>
+        <p:nvSpPr>
+          <p:cNvPr id="22" name="Material">
+            <a:extLst>
+              <a:ext uri="{FF2B5EF4-FFF2-40B4-BE49-F238E27FC236}">
+                <a16:creationId xmlns:a16="http://schemas.microsoft.com/office/drawing/2014/main" id="{6856504E-5310-259F-37FD-524507670E69}"/>
+              </a:ext>
+            </a:extLst>
+          </p:cNvPr>
+          <p:cNvSpPr/>
+          <p:nvPr/>
+        </p:nvSpPr>
+        <p:spPr>
+          <a:xfrm>
+            <a:off x="2975948" y="2920880"/>
+            <a:ext cx="6938118" cy="923330"/>
           </a:xfrm>
           <a:prstGeom prst="rect">
             <a:avLst/>
@@ -5600,7 +7594,43 @@
                   </a:outerShdw>
                 </a:effectLst>
               </a:rPr>
-              <a:t>材质结构</a:t>
+              <a:t>材质蓝图（</a:t>
+            </a:r>
+            <a:r>
+              <a:rPr lang="en-US" altLang="zh-CN" sz="5400" b="1" dirty="0">
+                <a:ln w="9525">
+                  <a:solidFill>
+                    <a:schemeClr val="bg1"/>
+                  </a:solidFill>
+                  <a:prstDash val="solid"/>
+                </a:ln>
+                <a:effectLst>
+                  <a:outerShdw blurRad="12700" dist="38100" dir="2700000" algn="tl" rotWithShape="0">
+                    <a:schemeClr val="bg1">
+                      <a:lumMod val="50000"/>
+                    </a:schemeClr>
+                  </a:outerShdw>
+                </a:effectLst>
+              </a:rPr>
+              <a:t>Material</a:t>
+            </a:r>
+            <a:r>
+              <a:rPr lang="zh-CN" altLang="en-US" sz="5400" b="1" dirty="0">
+                <a:ln w="9525">
+                  <a:solidFill>
+                    <a:schemeClr val="bg1"/>
+                  </a:solidFill>
+                  <a:prstDash val="solid"/>
+                </a:ln>
+                <a:effectLst>
+                  <a:outerShdw blurRad="12700" dist="38100" dir="2700000" algn="tl" rotWithShape="0">
+                    <a:schemeClr val="bg1">
+                      <a:lumMod val="50000"/>
+                    </a:schemeClr>
+                  </a:outerShdw>
+                </a:effectLst>
+              </a:rPr>
+              <a:t>）</a:t>
             </a:r>
           </a:p>
         </p:txBody>
@@ -6423,1433 +8453,9 @@
             <a:avLst/>
           </a:prstGeom>
           <a:solidFill>
-            <a:schemeClr val="accent5"/>
-          </a:solidFill>
-          <a:ln>
-            <a:noFill/>
-          </a:ln>
-          <a:effectLst>
-            <a:outerShdw blurRad="50800" dist="38100" algn="l" rotWithShape="0">
-              <a:prstClr val="black">
-                <a:alpha val="40000"/>
-              </a:prstClr>
-            </a:outerShdw>
-            <a:softEdge rad="0"/>
-          </a:effectLst>
-        </p:spPr>
-        <p:style>
-          <a:lnRef idx="3">
-            <a:schemeClr val="lt1"/>
-          </a:lnRef>
-          <a:fillRef idx="1">
-            <a:schemeClr val="accent1"/>
-          </a:fillRef>
-          <a:effectRef idx="1">
-            <a:schemeClr val="accent1"/>
-          </a:effectRef>
-          <a:fontRef idx="minor">
-            <a:schemeClr val="lt1"/>
-          </a:fontRef>
-        </p:style>
-        <p:txBody>
-          <a:bodyPr wrap="square" rtlCol="0" anchor="ctr" anchorCtr="0">
-            <a:noAutofit/>
-          </a:bodyPr>
-          <a:lstStyle/>
-          <a:p>
-            <a:pPr algn="ctr"/>
-            <a:r>
-              <a:rPr lang="en-US" altLang="zh-CN" sz="2400" b="1" dirty="0">
-                <a:latin typeface="Bodoni MT Black" panose="02070A03080606020203" pitchFamily="18" charset="0"/>
-              </a:rPr>
-              <a:t>MF</a:t>
-            </a:r>
-            <a:endParaRPr lang="zh-CN" altLang="en-US" sz="2400" b="1" dirty="0">
-              <a:latin typeface="Bodoni MT Black" panose="02070A03080606020203" pitchFamily="18" charset="0"/>
-            </a:endParaRPr>
-          </a:p>
-        </p:txBody>
-      </p:sp>
-      <p:sp>
-        <p:nvSpPr>
-          <p:cNvPr id="21" name="矩形 20">
-            <a:extLst>
-              <a:ext uri="{FF2B5EF4-FFF2-40B4-BE49-F238E27FC236}">
-                <a16:creationId xmlns:a16="http://schemas.microsoft.com/office/drawing/2014/main" id="{2B8ADDEA-45D2-9DEE-B577-8AF307B5A082}"/>
-              </a:ext>
-            </a:extLst>
-          </p:cNvPr>
-          <p:cNvSpPr/>
-          <p:nvPr/>
-        </p:nvSpPr>
-        <p:spPr>
-          <a:xfrm>
-            <a:off x="-10396325" y="0"/>
-            <a:ext cx="10804172" cy="6859534"/>
-          </a:xfrm>
-          <a:prstGeom prst="rect">
-            <a:avLst/>
-          </a:prstGeom>
-          <a:solidFill>
-            <a:schemeClr val="accent5"/>
-          </a:solidFill>
-          <a:ln>
-            <a:noFill/>
-          </a:ln>
-        </p:spPr>
-        <p:style>
-          <a:lnRef idx="2">
-            <a:schemeClr val="accent1">
-              <a:shade val="50000"/>
-            </a:schemeClr>
-          </a:lnRef>
-          <a:fillRef idx="1">
-            <a:schemeClr val="accent1"/>
-          </a:fillRef>
-          <a:effectRef idx="0">
-            <a:schemeClr val="accent1"/>
-          </a:effectRef>
-          <a:fontRef idx="minor">
-            <a:schemeClr val="lt1"/>
-          </a:fontRef>
-        </p:style>
-        <p:txBody>
-          <a:bodyPr rtlCol="0" anchor="ctr"/>
-          <a:lstStyle/>
-          <a:p>
-            <a:pPr algn="ctr"/>
-            <a:endParaRPr lang="zh-CN" altLang="en-US" dirty="0"/>
-          </a:p>
-        </p:txBody>
-      </p:sp>
-    </p:spTree>
-    <p:extLst>
-      <p:ext uri="{BB962C8B-B14F-4D97-AF65-F5344CB8AC3E}">
-        <p14:creationId xmlns:p14="http://schemas.microsoft.com/office/powerpoint/2010/main" val="1486426179"/>
-      </p:ext>
-    </p:extLst>
-  </p:cSld>
-  <p:clrMapOvr>
-    <a:masterClrMapping/>
-  </p:clrMapOvr>
-  <mc:AlternateContent xmlns:mc="http://schemas.openxmlformats.org/markup-compatibility/2006" xmlns:p159="http://schemas.microsoft.com/office/powerpoint/2015/09/main">
-    <mc:Choice Requires="p159">
-      <p:transition xmlns:p14="http://schemas.microsoft.com/office/powerpoint/2010/main" spd="slow" p14:dur="1500">
-        <p159:morph option="byObject"/>
-      </p:transition>
-    </mc:Choice>
-    <mc:Fallback xmlns="">
-      <p:transition spd="slow">
-        <p:fade/>
-      </p:transition>
-    </mc:Fallback>
-  </mc:AlternateContent>
-  <mc:AlternateContent xmlns:mc="http://schemas.openxmlformats.org/markup-compatibility/2006">
-    <mc:Choice xmlns:p14="http://schemas.microsoft.com/office/powerpoint/2010/main" Requires="p14">
-      <p:timing>
-        <p:tnLst>
-          <p:par>
-            <p:cTn id="1" dur="indefinite" restart="never" nodeType="tmRoot">
-              <p:childTnLst>
-                <p:seq concurrent="1" nextAc="seek">
-                  <p:cTn id="2" dur="indefinite" nodeType="mainSeq">
-                    <p:childTnLst>
-                      <p:par>
-                        <p:cTn id="3" fill="hold">
-                          <p:stCondLst>
-                            <p:cond delay="indefinite"/>
-                          </p:stCondLst>
-                          <p:childTnLst>
-                            <p:par>
-                              <p:cTn id="4" fill="hold">
-                                <p:stCondLst>
-                                  <p:cond delay="0"/>
-                                </p:stCondLst>
-                                <p:childTnLst>
-                                  <p:par>
-                                    <p:cTn id="5" presetID="63" presetClass="path" presetSubtype="0" accel="50000" fill="hold" nodeType="clickEffect" p14:presetBounceEnd="51000">
-                                      <p:stCondLst>
-                                        <p:cond delay="0"/>
-                                      </p:stCondLst>
-                                      <p:childTnLst>
-                                        <p:animMotion origin="layout" path="M 2.29167E-6 4.81481E-6 L 0.67448 4.81481E-6 " pathEditMode="relative" rAng="0" ptsTypes="AA" p14:bounceEnd="51000">
-                                          <p:cBhvr>
-                                            <p:cTn id="6" dur="1000" fill="hold"/>
-                                            <p:tgtEl>
-                                              <p:spTgt spid="15"/>
-                                            </p:tgtEl>
-                                            <p:attrNameLst>
-                                              <p:attrName>ppt_x</p:attrName>
-                                              <p:attrName>ppt_y</p:attrName>
-                                            </p:attrNameLst>
-                                          </p:cBhvr>
-                                          <p:rCtr x="33724" y="0"/>
-                                        </p:animMotion>
-                                      </p:childTnLst>
-                                    </p:cTn>
-                                  </p:par>
-                                  <p:par>
-                                    <p:cTn id="7" presetID="1" presetClass="entr" presetSubtype="0" fill="hold" nodeType="withEffect">
-                                      <p:stCondLst>
-                                        <p:cond delay="0"/>
-                                      </p:stCondLst>
-                                      <p:childTnLst>
-                                        <p:set>
-                                          <p:cBhvr>
-                                            <p:cTn id="8" dur="1" fill="hold">
-                                              <p:stCondLst>
-                                                <p:cond delay="0"/>
-                                              </p:stCondLst>
-                                            </p:cTn>
-                                            <p:tgtEl>
-                                              <p:spTgt spid="6"/>
-                                            </p:tgtEl>
-                                            <p:attrNameLst>
-                                              <p:attrName>style.visibility</p:attrName>
-                                            </p:attrNameLst>
-                                          </p:cBhvr>
-                                          <p:to>
-                                            <p:strVal val="visible"/>
-                                          </p:to>
-                                        </p:set>
-                                      </p:childTnLst>
-                                    </p:cTn>
-                                  </p:par>
-                                  <p:par>
-                                    <p:cTn id="9" presetID="63" presetClass="path" presetSubtype="0" accel="50000" fill="hold" nodeType="withEffect" p14:presetBounceEnd="51000">
-                                      <p:stCondLst>
-                                        <p:cond delay="0"/>
-                                      </p:stCondLst>
-                                      <p:childTnLst>
-                                        <p:animMotion origin="layout" path="M 2.29167E-6 4.81481E-6 L 0.67448 4.81481E-6 " pathEditMode="relative" rAng="0" ptsTypes="AA" p14:bounceEnd="51000">
-                                          <p:cBhvr>
-                                            <p:cTn id="10" dur="1000" fill="hold"/>
-                                            <p:tgtEl>
-                                              <p:spTgt spid="6"/>
-                                            </p:tgtEl>
-                                            <p:attrNameLst>
-                                              <p:attrName>ppt_x</p:attrName>
-                                              <p:attrName>ppt_y</p:attrName>
-                                            </p:attrNameLst>
-                                          </p:cBhvr>
-                                          <p:rCtr x="33724" y="0"/>
-                                        </p:animMotion>
-                                      </p:childTnLst>
-                                    </p:cTn>
-                                  </p:par>
-                                  <p:par>
-                                    <p:cTn id="11" presetID="63" presetClass="path" presetSubtype="0" accel="50000" fill="hold" nodeType="withEffect" p14:presetBounceEnd="51000">
-                                      <p:stCondLst>
-                                        <p:cond delay="0"/>
-                                      </p:stCondLst>
-                                      <p:childTnLst>
-                                        <p:animMotion origin="layout" path="M 2.29167E-6 4.81481E-6 L 0.67448 4.81481E-6 " pathEditMode="relative" rAng="0" ptsTypes="AA" p14:bounceEnd="51000">
-                                          <p:cBhvr>
-                                            <p:cTn id="12" dur="1000" fill="hold"/>
-                                            <p:tgtEl>
-                                              <p:spTgt spid="7"/>
-                                            </p:tgtEl>
-                                            <p:attrNameLst>
-                                              <p:attrName>ppt_x</p:attrName>
-                                              <p:attrName>ppt_y</p:attrName>
-                                            </p:attrNameLst>
-                                          </p:cBhvr>
-                                          <p:rCtr x="33724" y="0"/>
-                                        </p:animMotion>
-                                      </p:childTnLst>
-                                    </p:cTn>
-                                  </p:par>
-                                  <p:par>
-                                    <p:cTn id="13" presetID="63" presetClass="path" presetSubtype="0" accel="50000" fill="hold" nodeType="withEffect" p14:presetBounceEnd="51000">
-                                      <p:stCondLst>
-                                        <p:cond delay="0"/>
-                                      </p:stCondLst>
-                                      <p:childTnLst>
-                                        <p:animMotion origin="layout" path="M 2.29167E-6 4.81481E-6 L 0.67448 4.81481E-6 " pathEditMode="relative" rAng="0" ptsTypes="AA" p14:bounceEnd="51000">
-                                          <p:cBhvr>
-                                            <p:cTn id="14" dur="1000" fill="hold"/>
-                                            <p:tgtEl>
-                                              <p:spTgt spid="27"/>
-                                            </p:tgtEl>
-                                            <p:attrNameLst>
-                                              <p:attrName>ppt_x</p:attrName>
-                                              <p:attrName>ppt_y</p:attrName>
-                                            </p:attrNameLst>
-                                          </p:cBhvr>
-                                          <p:rCtr x="33724" y="0"/>
-                                        </p:animMotion>
-                                      </p:childTnLst>
-                                    </p:cTn>
-                                  </p:par>
-                                  <p:par>
-                                    <p:cTn id="15" presetID="35" presetClass="path" presetSubtype="0" accel="50000" decel="50000" fill="hold" grpId="0" nodeType="withEffect">
-                                      <p:stCondLst>
-                                        <p:cond delay="0"/>
-                                      </p:stCondLst>
-                                      <p:childTnLst>
-                                        <p:animMotion origin="layout" path="M 0 0 L -0.25 0 E" pathEditMode="relative" ptsTypes="">
-                                          <p:cBhvr>
-                                            <p:cTn id="16" dur="1000" fill="hold"/>
-                                            <p:tgtEl>
-                                              <p:spTgt spid="9"/>
-                                            </p:tgtEl>
-                                            <p:attrNameLst>
-                                              <p:attrName>ppt_x</p:attrName>
-                                              <p:attrName>ppt_y</p:attrName>
-                                            </p:attrNameLst>
-                                          </p:cBhvr>
-                                        </p:animMotion>
-                                      </p:childTnLst>
-                                    </p:cTn>
-                                  </p:par>
-                                  <p:par>
-                                    <p:cTn id="17" presetID="35" presetClass="path" presetSubtype="0" accel="50000" decel="50000" fill="hold" grpId="0" nodeType="withEffect">
-                                      <p:stCondLst>
-                                        <p:cond delay="0"/>
-                                      </p:stCondLst>
-                                      <p:childTnLst>
-                                        <p:animMotion origin="layout" path="M 1.04167E-6 4.44444E-6 L -0.25 4.44444E-6 " pathEditMode="relative" rAng="0" ptsTypes="AA">
-                                          <p:cBhvr>
-                                            <p:cTn id="18" dur="1000" fill="hold"/>
-                                            <p:tgtEl>
-                                              <p:spTgt spid="8"/>
-                                            </p:tgtEl>
-                                            <p:attrNameLst>
-                                              <p:attrName>ppt_x</p:attrName>
-                                              <p:attrName>ppt_y</p:attrName>
-                                            </p:attrNameLst>
-                                          </p:cBhvr>
-                                          <p:rCtr x="-12500" y="0"/>
-                                        </p:animMotion>
-                                      </p:childTnLst>
-                                    </p:cTn>
-                                  </p:par>
-                                  <p:par>
-                                    <p:cTn id="19" presetID="35" presetClass="path" presetSubtype="0" accel="50000" decel="50000" fill="hold" grpId="0" nodeType="withEffect">
-                                      <p:stCondLst>
-                                        <p:cond delay="0"/>
-                                      </p:stCondLst>
-                                      <p:childTnLst>
-                                        <p:animMotion origin="layout" path="M -5.55112E-17 0 L -0.25 0 " pathEditMode="relative" rAng="0" ptsTypes="AA">
-                                          <p:cBhvr>
-                                            <p:cTn id="20" dur="1000" fill="hold"/>
-                                            <p:tgtEl>
-                                              <p:spTgt spid="14"/>
-                                            </p:tgtEl>
-                                            <p:attrNameLst>
-                                              <p:attrName>ppt_x</p:attrName>
-                                              <p:attrName>ppt_y</p:attrName>
-                                            </p:attrNameLst>
-                                          </p:cBhvr>
-                                          <p:rCtr x="-12500" y="0"/>
-                                        </p:animMotion>
-                                      </p:childTnLst>
-                                    </p:cTn>
-                                  </p:par>
-                                  <p:par>
-                                    <p:cTn id="21" presetID="35" presetClass="path" presetSubtype="0" accel="50000" decel="50000" fill="hold" grpId="0" nodeType="withEffect">
-                                      <p:stCondLst>
-                                        <p:cond delay="0"/>
-                                      </p:stCondLst>
-                                      <p:childTnLst>
-                                        <p:animMotion origin="layout" path="M -1.875E-6 -1.85185E-6 L -0.25 -1.85185E-6 " pathEditMode="relative" rAng="0" ptsTypes="AA">
-                                          <p:cBhvr>
-                                            <p:cTn id="22" dur="1000" fill="hold"/>
-                                            <p:tgtEl>
-                                              <p:spTgt spid="13"/>
-                                            </p:tgtEl>
-                                            <p:attrNameLst>
-                                              <p:attrName>ppt_x</p:attrName>
-                                              <p:attrName>ppt_y</p:attrName>
-                                            </p:attrNameLst>
-                                          </p:cBhvr>
-                                          <p:rCtr x="-12500" y="0"/>
-                                        </p:animMotion>
-                                      </p:childTnLst>
-                                    </p:cTn>
-                                  </p:par>
-                                  <p:par>
-                                    <p:cTn id="23" presetID="35" presetClass="path" presetSubtype="0" accel="50000" decel="50000" fill="hold" grpId="0" nodeType="withEffect">
-                                      <p:stCondLst>
-                                        <p:cond delay="0"/>
-                                      </p:stCondLst>
-                                      <p:childTnLst>
-                                        <p:animMotion origin="layout" path="M -4.58333E-6 0 L -0.25 0 " pathEditMode="relative" rAng="0" ptsTypes="AA">
-                                          <p:cBhvr>
-                                            <p:cTn id="24" dur="1000" fill="hold"/>
-                                            <p:tgtEl>
-                                              <p:spTgt spid="21"/>
-                                            </p:tgtEl>
-                                            <p:attrNameLst>
-                                              <p:attrName>ppt_x</p:attrName>
-                                              <p:attrName>ppt_y</p:attrName>
-                                            </p:attrNameLst>
-                                          </p:cBhvr>
-                                          <p:rCtr x="-12500" y="0"/>
-                                        </p:animMotion>
-                                      </p:childTnLst>
-                                    </p:cTn>
-                                  </p:par>
-                                  <p:par>
-                                    <p:cTn id="25" presetID="35" presetClass="path" presetSubtype="0" accel="50000" decel="50000" fill="hold" grpId="0" nodeType="withEffect">
-                                      <p:stCondLst>
-                                        <p:cond delay="0"/>
-                                      </p:stCondLst>
-                                      <p:childTnLst>
-                                        <p:animMotion origin="layout" path="M 3.54167E-6 -4.44444E-6 L -0.25 -4.44444E-6 " pathEditMode="relative" rAng="0" ptsTypes="AA">
-                                          <p:cBhvr>
-                                            <p:cTn id="26" dur="1000" fill="hold"/>
-                                            <p:tgtEl>
-                                              <p:spTgt spid="19"/>
-                                            </p:tgtEl>
-                                            <p:attrNameLst>
-                                              <p:attrName>ppt_x</p:attrName>
-                                              <p:attrName>ppt_y</p:attrName>
-                                            </p:attrNameLst>
-                                          </p:cBhvr>
-                                          <p:rCtr x="-12500" y="0"/>
-                                        </p:animMotion>
-                                      </p:childTnLst>
-                                    </p:cTn>
-                                  </p:par>
-                                </p:childTnLst>
-                              </p:cTn>
-                            </p:par>
-                          </p:childTnLst>
-                        </p:cTn>
-                      </p:par>
-                    </p:childTnLst>
-                  </p:cTn>
-                  <p:prevCondLst>
-                    <p:cond evt="onPrev" delay="0">
-                      <p:tgtEl>
-                        <p:sldTgt/>
-                      </p:tgtEl>
-                    </p:cond>
-                  </p:prevCondLst>
-                  <p:nextCondLst>
-                    <p:cond evt="onNext" delay="0">
-                      <p:tgtEl>
-                        <p:sldTgt/>
-                      </p:tgtEl>
-                    </p:cond>
-                  </p:nextCondLst>
-                </p:seq>
-              </p:childTnLst>
-            </p:cTn>
-          </p:par>
-        </p:tnLst>
-        <p:bldLst>
-          <p:bldP spid="8" grpId="0" animBg="1"/>
-          <p:bldP spid="9" grpId="0" animBg="1"/>
-          <p:bldP spid="13" grpId="0" animBg="1"/>
-          <p:bldP spid="14" grpId="0" animBg="1"/>
-          <p:bldP spid="19" grpId="0" animBg="1"/>
-          <p:bldP spid="21" grpId="0" animBg="1"/>
-        </p:bldLst>
-      </p:timing>
-    </mc:Choice>
-    <mc:Fallback>
-      <p:timing>
-        <p:tnLst>
-          <p:par>
-            <p:cTn id="1" dur="indefinite" restart="never" nodeType="tmRoot">
-              <p:childTnLst>
-                <p:seq concurrent="1" nextAc="seek">
-                  <p:cTn id="2" dur="indefinite" nodeType="mainSeq">
-                    <p:childTnLst>
-                      <p:par>
-                        <p:cTn id="3" fill="hold">
-                          <p:stCondLst>
-                            <p:cond delay="indefinite"/>
-                          </p:stCondLst>
-                          <p:childTnLst>
-                            <p:par>
-                              <p:cTn id="4" fill="hold">
-                                <p:stCondLst>
-                                  <p:cond delay="0"/>
-                                </p:stCondLst>
-                                <p:childTnLst>
-                                  <p:par>
-                                    <p:cTn id="5" presetID="63" presetClass="path" presetSubtype="0" accel="50000" fill="hold" nodeType="clickEffect">
-                                      <p:stCondLst>
-                                        <p:cond delay="0"/>
-                                      </p:stCondLst>
-                                      <p:childTnLst>
-                                        <p:animMotion origin="layout" path="M 2.29167E-6 4.81481E-6 L 0.67448 4.81481E-6 " pathEditMode="relative" rAng="0" ptsTypes="AA">
-                                          <p:cBhvr>
-                                            <p:cTn id="6" dur="1000" fill="hold"/>
-                                            <p:tgtEl>
-                                              <p:spTgt spid="15"/>
-                                            </p:tgtEl>
-                                            <p:attrNameLst>
-                                              <p:attrName>ppt_x</p:attrName>
-                                              <p:attrName>ppt_y</p:attrName>
-                                            </p:attrNameLst>
-                                          </p:cBhvr>
-                                          <p:rCtr x="33724" y="0"/>
-                                        </p:animMotion>
-                                      </p:childTnLst>
-                                    </p:cTn>
-                                  </p:par>
-                                  <p:par>
-                                    <p:cTn id="7" presetID="1" presetClass="entr" presetSubtype="0" fill="hold" nodeType="withEffect">
-                                      <p:stCondLst>
-                                        <p:cond delay="0"/>
-                                      </p:stCondLst>
-                                      <p:childTnLst>
-                                        <p:set>
-                                          <p:cBhvr>
-                                            <p:cTn id="8" dur="1" fill="hold">
-                                              <p:stCondLst>
-                                                <p:cond delay="0"/>
-                                              </p:stCondLst>
-                                            </p:cTn>
-                                            <p:tgtEl>
-                                              <p:spTgt spid="6"/>
-                                            </p:tgtEl>
-                                            <p:attrNameLst>
-                                              <p:attrName>style.visibility</p:attrName>
-                                            </p:attrNameLst>
-                                          </p:cBhvr>
-                                          <p:to>
-                                            <p:strVal val="visible"/>
-                                          </p:to>
-                                        </p:set>
-                                      </p:childTnLst>
-                                    </p:cTn>
-                                  </p:par>
-                                  <p:par>
-                                    <p:cTn id="9" presetID="63" presetClass="path" presetSubtype="0" accel="50000" fill="hold" nodeType="withEffect">
-                                      <p:stCondLst>
-                                        <p:cond delay="0"/>
-                                      </p:stCondLst>
-                                      <p:childTnLst>
-                                        <p:animMotion origin="layout" path="M 2.29167E-6 4.81481E-6 L 0.67448 4.81481E-6 " pathEditMode="relative" rAng="0" ptsTypes="AA">
-                                          <p:cBhvr>
-                                            <p:cTn id="10" dur="1000" fill="hold"/>
-                                            <p:tgtEl>
-                                              <p:spTgt spid="6"/>
-                                            </p:tgtEl>
-                                            <p:attrNameLst>
-                                              <p:attrName>ppt_x</p:attrName>
-                                              <p:attrName>ppt_y</p:attrName>
-                                            </p:attrNameLst>
-                                          </p:cBhvr>
-                                          <p:rCtr x="33724" y="0"/>
-                                        </p:animMotion>
-                                      </p:childTnLst>
-                                    </p:cTn>
-                                  </p:par>
-                                  <p:par>
-                                    <p:cTn id="11" presetID="63" presetClass="path" presetSubtype="0" accel="50000" fill="hold" nodeType="withEffect">
-                                      <p:stCondLst>
-                                        <p:cond delay="0"/>
-                                      </p:stCondLst>
-                                      <p:childTnLst>
-                                        <p:animMotion origin="layout" path="M 2.29167E-6 4.81481E-6 L 0.67448 4.81481E-6 " pathEditMode="relative" rAng="0" ptsTypes="AA">
-                                          <p:cBhvr>
-                                            <p:cTn id="12" dur="1000" fill="hold"/>
-                                            <p:tgtEl>
-                                              <p:spTgt spid="7"/>
-                                            </p:tgtEl>
-                                            <p:attrNameLst>
-                                              <p:attrName>ppt_x</p:attrName>
-                                              <p:attrName>ppt_y</p:attrName>
-                                            </p:attrNameLst>
-                                          </p:cBhvr>
-                                          <p:rCtr x="33724" y="0"/>
-                                        </p:animMotion>
-                                      </p:childTnLst>
-                                    </p:cTn>
-                                  </p:par>
-                                  <p:par>
-                                    <p:cTn id="13" presetID="63" presetClass="path" presetSubtype="0" accel="50000" fill="hold" nodeType="withEffect">
-                                      <p:stCondLst>
-                                        <p:cond delay="0"/>
-                                      </p:stCondLst>
-                                      <p:childTnLst>
-                                        <p:animMotion origin="layout" path="M 2.29167E-6 4.81481E-6 L 0.67448 4.81481E-6 " pathEditMode="relative" rAng="0" ptsTypes="AA">
-                                          <p:cBhvr>
-                                            <p:cTn id="14" dur="1000" fill="hold"/>
-                                            <p:tgtEl>
-                                              <p:spTgt spid="27"/>
-                                            </p:tgtEl>
-                                            <p:attrNameLst>
-                                              <p:attrName>ppt_x</p:attrName>
-                                              <p:attrName>ppt_y</p:attrName>
-                                            </p:attrNameLst>
-                                          </p:cBhvr>
-                                          <p:rCtr x="33724" y="0"/>
-                                        </p:animMotion>
-                                      </p:childTnLst>
-                                    </p:cTn>
-                                  </p:par>
-                                  <p:par>
-                                    <p:cTn id="15" presetID="35" presetClass="path" presetSubtype="0" accel="50000" decel="50000" fill="hold" grpId="0" nodeType="withEffect">
-                                      <p:stCondLst>
-                                        <p:cond delay="0"/>
-                                      </p:stCondLst>
-                                      <p:childTnLst>
-                                        <p:animMotion origin="layout" path="M 0 0 L -0.25 0 E" pathEditMode="relative" ptsTypes="">
-                                          <p:cBhvr>
-                                            <p:cTn id="16" dur="1000" fill="hold"/>
-                                            <p:tgtEl>
-                                              <p:spTgt spid="9"/>
-                                            </p:tgtEl>
-                                            <p:attrNameLst>
-                                              <p:attrName>ppt_x</p:attrName>
-                                              <p:attrName>ppt_y</p:attrName>
-                                            </p:attrNameLst>
-                                          </p:cBhvr>
-                                        </p:animMotion>
-                                      </p:childTnLst>
-                                    </p:cTn>
-                                  </p:par>
-                                  <p:par>
-                                    <p:cTn id="17" presetID="35" presetClass="path" presetSubtype="0" accel="50000" decel="50000" fill="hold" grpId="0" nodeType="withEffect">
-                                      <p:stCondLst>
-                                        <p:cond delay="0"/>
-                                      </p:stCondLst>
-                                      <p:childTnLst>
-                                        <p:animMotion origin="layout" path="M 1.04167E-6 4.44444E-6 L -0.25 4.44444E-6 " pathEditMode="relative" rAng="0" ptsTypes="AA">
-                                          <p:cBhvr>
-                                            <p:cTn id="18" dur="1000" fill="hold"/>
-                                            <p:tgtEl>
-                                              <p:spTgt spid="8"/>
-                                            </p:tgtEl>
-                                            <p:attrNameLst>
-                                              <p:attrName>ppt_x</p:attrName>
-                                              <p:attrName>ppt_y</p:attrName>
-                                            </p:attrNameLst>
-                                          </p:cBhvr>
-                                          <p:rCtr x="-12500" y="0"/>
-                                        </p:animMotion>
-                                      </p:childTnLst>
-                                    </p:cTn>
-                                  </p:par>
-                                  <p:par>
-                                    <p:cTn id="19" presetID="35" presetClass="path" presetSubtype="0" accel="50000" decel="50000" fill="hold" grpId="0" nodeType="withEffect">
-                                      <p:stCondLst>
-                                        <p:cond delay="0"/>
-                                      </p:stCondLst>
-                                      <p:childTnLst>
-                                        <p:animMotion origin="layout" path="M -5.55112E-17 0 L -0.25 0 " pathEditMode="relative" rAng="0" ptsTypes="AA">
-                                          <p:cBhvr>
-                                            <p:cTn id="20" dur="1000" fill="hold"/>
-                                            <p:tgtEl>
-                                              <p:spTgt spid="14"/>
-                                            </p:tgtEl>
-                                            <p:attrNameLst>
-                                              <p:attrName>ppt_x</p:attrName>
-                                              <p:attrName>ppt_y</p:attrName>
-                                            </p:attrNameLst>
-                                          </p:cBhvr>
-                                          <p:rCtr x="-12500" y="0"/>
-                                        </p:animMotion>
-                                      </p:childTnLst>
-                                    </p:cTn>
-                                  </p:par>
-                                  <p:par>
-                                    <p:cTn id="21" presetID="35" presetClass="path" presetSubtype="0" accel="50000" decel="50000" fill="hold" grpId="0" nodeType="withEffect">
-                                      <p:stCondLst>
-                                        <p:cond delay="0"/>
-                                      </p:stCondLst>
-                                      <p:childTnLst>
-                                        <p:animMotion origin="layout" path="M -1.875E-6 -1.85185E-6 L -0.25 -1.85185E-6 " pathEditMode="relative" rAng="0" ptsTypes="AA">
-                                          <p:cBhvr>
-                                            <p:cTn id="22" dur="1000" fill="hold"/>
-                                            <p:tgtEl>
-                                              <p:spTgt spid="13"/>
-                                            </p:tgtEl>
-                                            <p:attrNameLst>
-                                              <p:attrName>ppt_x</p:attrName>
-                                              <p:attrName>ppt_y</p:attrName>
-                                            </p:attrNameLst>
-                                          </p:cBhvr>
-                                          <p:rCtr x="-12500" y="0"/>
-                                        </p:animMotion>
-                                      </p:childTnLst>
-                                    </p:cTn>
-                                  </p:par>
-                                  <p:par>
-                                    <p:cTn id="23" presetID="35" presetClass="path" presetSubtype="0" accel="50000" decel="50000" fill="hold" grpId="0" nodeType="withEffect">
-                                      <p:stCondLst>
-                                        <p:cond delay="0"/>
-                                      </p:stCondLst>
-                                      <p:childTnLst>
-                                        <p:animMotion origin="layout" path="M -4.58333E-6 0 L -0.25 0 " pathEditMode="relative" rAng="0" ptsTypes="AA">
-                                          <p:cBhvr>
-                                            <p:cTn id="24" dur="1000" fill="hold"/>
-                                            <p:tgtEl>
-                                              <p:spTgt spid="21"/>
-                                            </p:tgtEl>
-                                            <p:attrNameLst>
-                                              <p:attrName>ppt_x</p:attrName>
-                                              <p:attrName>ppt_y</p:attrName>
-                                            </p:attrNameLst>
-                                          </p:cBhvr>
-                                          <p:rCtr x="-12500" y="0"/>
-                                        </p:animMotion>
-                                      </p:childTnLst>
-                                    </p:cTn>
-                                  </p:par>
-                                  <p:par>
-                                    <p:cTn id="25" presetID="35" presetClass="path" presetSubtype="0" accel="50000" decel="50000" fill="hold" grpId="0" nodeType="withEffect">
-                                      <p:stCondLst>
-                                        <p:cond delay="0"/>
-                                      </p:stCondLst>
-                                      <p:childTnLst>
-                                        <p:animMotion origin="layout" path="M 3.54167E-6 -4.44444E-6 L -0.25 -4.44444E-6 " pathEditMode="relative" rAng="0" ptsTypes="AA">
-                                          <p:cBhvr>
-                                            <p:cTn id="26" dur="1000" fill="hold"/>
-                                            <p:tgtEl>
-                                              <p:spTgt spid="19"/>
-                                            </p:tgtEl>
-                                            <p:attrNameLst>
-                                              <p:attrName>ppt_x</p:attrName>
-                                              <p:attrName>ppt_y</p:attrName>
-                                            </p:attrNameLst>
-                                          </p:cBhvr>
-                                          <p:rCtr x="-12500" y="0"/>
-                                        </p:animMotion>
-                                      </p:childTnLst>
-                                    </p:cTn>
-                                  </p:par>
-                                </p:childTnLst>
-                              </p:cTn>
-                            </p:par>
-                          </p:childTnLst>
-                        </p:cTn>
-                      </p:par>
-                    </p:childTnLst>
-                  </p:cTn>
-                  <p:prevCondLst>
-                    <p:cond evt="onPrev" delay="0">
-                      <p:tgtEl>
-                        <p:sldTgt/>
-                      </p:tgtEl>
-                    </p:cond>
-                  </p:prevCondLst>
-                  <p:nextCondLst>
-                    <p:cond evt="onNext" delay="0">
-                      <p:tgtEl>
-                        <p:sldTgt/>
-                      </p:tgtEl>
-                    </p:cond>
-                  </p:nextCondLst>
-                </p:seq>
-              </p:childTnLst>
-            </p:cTn>
-          </p:par>
-        </p:tnLst>
-        <p:bldLst>
-          <p:bldP spid="8" grpId="0" animBg="1"/>
-          <p:bldP spid="9" grpId="0" animBg="1"/>
-          <p:bldP spid="13" grpId="0" animBg="1"/>
-          <p:bldP spid="14" grpId="0" animBg="1"/>
-          <p:bldP spid="19" grpId="0" animBg="1"/>
-          <p:bldP spid="21" grpId="0" animBg="1"/>
-        </p:bldLst>
-      </p:timing>
-    </mc:Fallback>
-  </mc:AlternateContent>
-</p:sld>
-</file>
-
-<file path=ppt/slides/slide3.xml><?xml version="1.0" encoding="utf-8"?>
-<p:sld xmlns:a="http://schemas.openxmlformats.org/drawingml/2006/main" xmlns:r="http://schemas.openxmlformats.org/officeDocument/2006/relationships" xmlns:p="http://schemas.openxmlformats.org/presentationml/2006/main" showMasterSp="0">
-  <p:cSld>
-    <p:bg>
-      <p:bgPr>
-        <a:blipFill dpi="0" rotWithShape="1">
-          <a:blip r:embed="rId3">
-            <a:lum/>
-          </a:blip>
-          <a:srcRect/>
-          <a:stretch>
-            <a:fillRect/>
-          </a:stretch>
-        </a:blipFill>
-        <a:effectLst/>
-      </p:bgPr>
-    </p:bg>
-    <p:spTree>
-      <p:nvGrpSpPr>
-        <p:cNvPr id="1" name=""/>
-        <p:cNvGrpSpPr/>
-        <p:nvPr/>
-      </p:nvGrpSpPr>
-      <p:grpSpPr>
-        <a:xfrm>
-          <a:off x="0" y="0"/>
-          <a:ext cx="0" cy="0"/>
-          <a:chOff x="0" y="0"/>
-          <a:chExt cx="0" cy="0"/>
-        </a:xfrm>
-      </p:grpSpPr>
-      <p:sp>
-        <p:nvSpPr>
-          <p:cNvPr id="22" name="Material">
-            <a:extLst>
-              <a:ext uri="{FF2B5EF4-FFF2-40B4-BE49-F238E27FC236}">
-                <a16:creationId xmlns:a16="http://schemas.microsoft.com/office/drawing/2014/main" id="{6856504E-5310-259F-37FD-524507670E69}"/>
-              </a:ext>
-            </a:extLst>
-          </p:cNvPr>
-          <p:cNvSpPr/>
-          <p:nvPr/>
-        </p:nvSpPr>
-        <p:spPr>
-          <a:xfrm>
-            <a:off x="3322197" y="2920880"/>
-            <a:ext cx="6245621" cy="923330"/>
-          </a:xfrm>
-          <a:prstGeom prst="rect">
-            <a:avLst/>
-          </a:prstGeom>
-          <a:noFill/>
-        </p:spPr>
-        <p:txBody>
-          <a:bodyPr wrap="none" lIns="91440" tIns="45720" rIns="91440" bIns="45720">
-            <a:spAutoFit/>
-          </a:bodyPr>
-          <a:lstStyle/>
-          <a:p>
-            <a:pPr algn="ctr"/>
-            <a:r>
-              <a:rPr lang="zh-CN" altLang="en-US" sz="5400" b="1" dirty="0">
-                <a:ln w="9525">
-                  <a:solidFill>
-                    <a:schemeClr val="bg1"/>
-                  </a:solidFill>
-                  <a:prstDash val="solid"/>
-                </a:ln>
-                <a:effectLst>
-                  <a:outerShdw blurRad="12700" dist="38100" dir="2700000" algn="tl" rotWithShape="0">
-                    <a:schemeClr val="bg1">
-                      <a:lumMod val="50000"/>
-                    </a:schemeClr>
-                  </a:outerShdw>
-                </a:effectLst>
-              </a:rPr>
-              <a:t>母材质（</a:t>
-            </a:r>
-            <a:r>
-              <a:rPr lang="en-US" altLang="zh-CN" sz="5400" b="1" dirty="0">
-                <a:ln w="9525">
-                  <a:solidFill>
-                    <a:schemeClr val="bg1"/>
-                  </a:solidFill>
-                  <a:prstDash val="solid"/>
-                </a:ln>
-                <a:effectLst>
-                  <a:outerShdw blurRad="12700" dist="38100" dir="2700000" algn="tl" rotWithShape="0">
-                    <a:schemeClr val="bg1">
-                      <a:lumMod val="50000"/>
-                    </a:schemeClr>
-                  </a:outerShdw>
-                </a:effectLst>
-              </a:rPr>
-              <a:t>Material</a:t>
-            </a:r>
-            <a:r>
-              <a:rPr lang="zh-CN" altLang="en-US" sz="5400" b="1" dirty="0">
-                <a:ln w="9525">
-                  <a:solidFill>
-                    <a:schemeClr val="bg1"/>
-                  </a:solidFill>
-                  <a:prstDash val="solid"/>
-                </a:ln>
-                <a:effectLst>
-                  <a:outerShdw blurRad="12700" dist="38100" dir="2700000" algn="tl" rotWithShape="0">
-                    <a:schemeClr val="bg1">
-                      <a:lumMod val="50000"/>
-                    </a:schemeClr>
-                  </a:outerShdw>
-                </a:effectLst>
-              </a:rPr>
-              <a:t>）</a:t>
-            </a:r>
-          </a:p>
-        </p:txBody>
-      </p:sp>
-      <p:grpSp>
-        <p:nvGrpSpPr>
-          <p:cNvPr id="7" name="组合 6">
-            <a:extLst>
-              <a:ext uri="{FF2B5EF4-FFF2-40B4-BE49-F238E27FC236}">
-                <a16:creationId xmlns:a16="http://schemas.microsoft.com/office/drawing/2014/main" id="{8A27065D-E008-24F7-76F8-5551BB17EE32}"/>
-              </a:ext>
-            </a:extLst>
-          </p:cNvPr>
-          <p:cNvGrpSpPr/>
-          <p:nvPr/>
-        </p:nvGrpSpPr>
-        <p:grpSpPr>
-          <a:xfrm>
-            <a:off x="-8863252" y="-1534"/>
-            <a:ext cx="12263677" cy="6859534"/>
-            <a:chOff x="-8863252" y="-1534"/>
-            <a:chExt cx="12263677" cy="6859534"/>
-          </a:xfrm>
-        </p:grpSpPr>
-        <p:sp>
-          <p:nvSpPr>
-            <p:cNvPr id="5" name="文本框 4">
-              <a:extLst>
-                <a:ext uri="{FF2B5EF4-FFF2-40B4-BE49-F238E27FC236}">
-                  <a16:creationId xmlns:a16="http://schemas.microsoft.com/office/drawing/2014/main" id="{7390670E-0436-74FD-BCF1-0B9E5CAD8420}"/>
-                </a:ext>
-              </a:extLst>
-            </p:cNvPr>
-            <p:cNvSpPr txBox="1"/>
-            <p:nvPr/>
-          </p:nvSpPr>
-          <p:spPr>
-            <a:xfrm>
-              <a:off x="2591825" y="1224000"/>
-              <a:ext cx="808600" cy="888651"/>
-            </a:xfrm>
-            <a:prstGeom prst="flowChartAlternateProcess">
-              <a:avLst/>
-            </a:prstGeom>
-            <a:solidFill>
-              <a:schemeClr val="bg2">
-                <a:lumMod val="50000"/>
-              </a:schemeClr>
-            </a:solidFill>
-            <a:ln>
-              <a:noFill/>
-            </a:ln>
-            <a:effectLst>
-              <a:outerShdw blurRad="50800" dist="38100" algn="l" rotWithShape="0">
-                <a:prstClr val="black">
-                  <a:alpha val="40000"/>
-                </a:prstClr>
-              </a:outerShdw>
-              <a:softEdge rad="0"/>
-            </a:effectLst>
-          </p:spPr>
-          <p:style>
-            <a:lnRef idx="3">
-              <a:schemeClr val="lt1"/>
-            </a:lnRef>
-            <a:fillRef idx="1">
-              <a:schemeClr val="accent1"/>
-            </a:fillRef>
-            <a:effectRef idx="1">
-              <a:schemeClr val="accent1"/>
-            </a:effectRef>
-            <a:fontRef idx="minor">
-              <a:schemeClr val="lt1"/>
-            </a:fontRef>
-          </p:style>
-          <p:txBody>
-            <a:bodyPr wrap="square" rtlCol="0" anchor="ctr" anchorCtr="0">
-              <a:noAutofit/>
-            </a:bodyPr>
-            <a:lstStyle/>
-            <a:p>
-              <a:pPr algn="ctr"/>
-              <a:endParaRPr lang="zh-CN" altLang="en-US" sz="3200" b="1" dirty="0">
-                <a:latin typeface="Bauhaus 93" panose="04030905020B02020C02" pitchFamily="82" charset="0"/>
-              </a:endParaRPr>
-            </a:p>
-          </p:txBody>
-        </p:sp>
-        <p:sp>
-          <p:nvSpPr>
-            <p:cNvPr id="4" name="矩形 3">
-              <a:extLst>
-                <a:ext uri="{FF2B5EF4-FFF2-40B4-BE49-F238E27FC236}">
-                  <a16:creationId xmlns:a16="http://schemas.microsoft.com/office/drawing/2014/main" id="{0E3840C7-48F9-A79B-3845-1959334E1D63}"/>
-                </a:ext>
-              </a:extLst>
-            </p:cNvPr>
-            <p:cNvSpPr/>
-            <p:nvPr/>
-          </p:nvSpPr>
-          <p:spPr>
-            <a:xfrm>
-              <a:off x="-8863252" y="-1534"/>
-              <a:ext cx="11608501" cy="6859534"/>
-            </a:xfrm>
-            <a:prstGeom prst="rect">
-              <a:avLst/>
-            </a:prstGeom>
-            <a:solidFill>
-              <a:schemeClr val="bg2">
-                <a:lumMod val="50000"/>
-              </a:schemeClr>
-            </a:solidFill>
-            <a:ln>
-              <a:noFill/>
-            </a:ln>
-          </p:spPr>
-          <p:style>
-            <a:lnRef idx="2">
-              <a:schemeClr val="accent1">
-                <a:shade val="50000"/>
-              </a:schemeClr>
-            </a:lnRef>
-            <a:fillRef idx="1">
-              <a:schemeClr val="accent1"/>
-            </a:fillRef>
-            <a:effectRef idx="0">
-              <a:schemeClr val="accent1"/>
-            </a:effectRef>
-            <a:fontRef idx="minor">
-              <a:schemeClr val="lt1"/>
-            </a:fontRef>
-          </p:style>
-          <p:txBody>
-            <a:bodyPr rtlCol="0" anchor="ctr"/>
-            <a:lstStyle/>
-            <a:p>
-              <a:pPr algn="ctr"/>
-              <a:endParaRPr lang="zh-CN" altLang="en-US" dirty="0"/>
-            </a:p>
-          </p:txBody>
-        </p:sp>
-      </p:grpSp>
-      <p:grpSp>
-        <p:nvGrpSpPr>
-          <p:cNvPr id="6" name="组合 5">
-            <a:extLst>
-              <a:ext uri="{FF2B5EF4-FFF2-40B4-BE49-F238E27FC236}">
-                <a16:creationId xmlns:a16="http://schemas.microsoft.com/office/drawing/2014/main" id="{657298C6-B7FC-3A1E-72CF-37AA54F589A3}"/>
-              </a:ext>
-            </a:extLst>
-          </p:cNvPr>
-          <p:cNvGrpSpPr/>
-          <p:nvPr/>
-        </p:nvGrpSpPr>
-        <p:grpSpPr>
-          <a:xfrm>
-            <a:off x="-8317406" y="1570006"/>
-            <a:ext cx="10628345" cy="3165657"/>
-            <a:chOff x="-8317406" y="1570006"/>
-            <a:chExt cx="10628345" cy="3165657"/>
-          </a:xfrm>
-        </p:grpSpPr>
-        <p:sp>
-          <p:nvSpPr>
-            <p:cNvPr id="17" name="矩形 16">
-              <a:extLst>
-                <a:ext uri="{FF2B5EF4-FFF2-40B4-BE49-F238E27FC236}">
-                  <a16:creationId xmlns:a16="http://schemas.microsoft.com/office/drawing/2014/main" id="{E0B6C8F1-FC96-B132-9602-1576EEF6C3FF}"/>
-                </a:ext>
-              </a:extLst>
-            </p:cNvPr>
-            <p:cNvSpPr/>
-            <p:nvPr/>
-          </p:nvSpPr>
-          <p:spPr>
-            <a:xfrm>
-              <a:off x="-746876" y="3444875"/>
-              <a:ext cx="942322" cy="240646"/>
-            </a:xfrm>
-            <a:prstGeom prst="rect">
-              <a:avLst/>
-            </a:prstGeom>
-            <a:solidFill>
-              <a:schemeClr val="accent1">
-                <a:lumMod val="20000"/>
-                <a:lumOff val="80000"/>
-              </a:schemeClr>
-            </a:solidFill>
-            <a:ln>
-              <a:noFill/>
-            </a:ln>
-          </p:spPr>
-          <p:style>
-            <a:lnRef idx="2">
-              <a:schemeClr val="accent1">
-                <a:shade val="50000"/>
-              </a:schemeClr>
-            </a:lnRef>
-            <a:fillRef idx="1">
-              <a:schemeClr val="accent1"/>
-            </a:fillRef>
-            <a:effectRef idx="0">
-              <a:schemeClr val="accent1"/>
-            </a:effectRef>
-            <a:fontRef idx="minor">
-              <a:schemeClr val="lt1"/>
-            </a:fontRef>
-          </p:style>
-          <p:txBody>
-            <a:bodyPr rtlCol="0" anchor="ctr"/>
-            <a:lstStyle/>
-            <a:p>
-              <a:pPr algn="ctr"/>
-              <a:endParaRPr lang="zh-CN" altLang="en-US"/>
-            </a:p>
-          </p:txBody>
-        </p:sp>
-        <p:pic>
-          <p:nvPicPr>
-            <p:cNvPr id="10" name="图片 9">
-              <a:extLst>
-                <a:ext uri="{FF2B5EF4-FFF2-40B4-BE49-F238E27FC236}">
-                  <a16:creationId xmlns:a16="http://schemas.microsoft.com/office/drawing/2014/main" id="{06952FC2-58B2-CADA-0114-3440CCC54A1D}"/>
-                </a:ext>
-              </a:extLst>
-            </p:cNvPr>
-            <p:cNvPicPr>
-              <a:picLocks noChangeAspect="1"/>
-            </p:cNvPicPr>
-            <p:nvPr/>
-          </p:nvPicPr>
-          <p:blipFill>
-            <a:blip r:embed="rId4">
-              <a:extLst>
-                <a:ext uri="{28A0092B-C50C-407E-A947-70E740481C1C}">
-                  <a14:useLocalDpi xmlns:a14="http://schemas.microsoft.com/office/drawing/2010/main" val="0"/>
-                </a:ext>
-              </a:extLst>
-            </a:blip>
-            <a:stretch>
-              <a:fillRect/>
-            </a:stretch>
-          </p:blipFill>
-          <p:spPr>
-            <a:xfrm>
-              <a:off x="-8317406" y="2540269"/>
-              <a:ext cx="10628345" cy="2195394"/>
-            </a:xfrm>
-            <a:prstGeom prst="rect">
-              <a:avLst/>
-            </a:prstGeom>
-            <a:noFill/>
-            <a:ln>
-              <a:noFill/>
-            </a:ln>
-          </p:spPr>
-        </p:pic>
-        <p:sp>
-          <p:nvSpPr>
-            <p:cNvPr id="20" name="文本框 19">
-              <a:extLst>
-                <a:ext uri="{FF2B5EF4-FFF2-40B4-BE49-F238E27FC236}">
-                  <a16:creationId xmlns:a16="http://schemas.microsoft.com/office/drawing/2014/main" id="{BD8BC1C5-23D4-16A7-4058-A202EA1A1605}"/>
-                </a:ext>
-              </a:extLst>
-            </p:cNvPr>
-            <p:cNvSpPr txBox="1"/>
-            <p:nvPr/>
-          </p:nvSpPr>
-          <p:spPr>
-            <a:xfrm>
-              <a:off x="-4766977" y="1570006"/>
-              <a:ext cx="3979333" cy="646331"/>
-            </a:xfrm>
-            <a:prstGeom prst="rect">
-              <a:avLst/>
-            </a:prstGeom>
-            <a:solidFill>
-              <a:schemeClr val="bg2">
-                <a:lumMod val="50000"/>
-              </a:schemeClr>
-            </a:solidFill>
-            <a:ln>
-              <a:noFill/>
-            </a:ln>
-          </p:spPr>
-          <p:txBody>
-            <a:bodyPr wrap="square" rtlCol="0">
-              <a:spAutoFit/>
-            </a:bodyPr>
-            <a:lstStyle/>
-            <a:p>
-              <a:pPr algn="ctr"/>
-              <a:r>
-                <a:rPr lang="zh-CN" altLang="en-US" sz="3600" dirty="0"/>
-                <a:t>材质结构</a:t>
-              </a:r>
-            </a:p>
-          </p:txBody>
-        </p:sp>
-      </p:grpSp>
-      <p:grpSp>
-        <p:nvGrpSpPr>
-          <p:cNvPr id="27" name="组合 26">
-            <a:extLst>
-              <a:ext uri="{FF2B5EF4-FFF2-40B4-BE49-F238E27FC236}">
-                <a16:creationId xmlns:a16="http://schemas.microsoft.com/office/drawing/2014/main" id="{E46FA44B-D14F-454E-776A-71DA3D23F854}"/>
-              </a:ext>
-            </a:extLst>
-          </p:cNvPr>
-          <p:cNvGrpSpPr/>
-          <p:nvPr/>
-        </p:nvGrpSpPr>
-        <p:grpSpPr>
-          <a:xfrm>
-            <a:off x="-7513692" y="4410075"/>
-            <a:ext cx="6293942" cy="888652"/>
-            <a:chOff x="2419066" y="3929703"/>
-            <a:chExt cx="6293942" cy="888652"/>
-          </a:xfrm>
-        </p:grpSpPr>
-        <p:sp>
-          <p:nvSpPr>
-            <p:cNvPr id="33" name="文本框 M">
-              <a:extLst>
-                <a:ext uri="{FF2B5EF4-FFF2-40B4-BE49-F238E27FC236}">
-                  <a16:creationId xmlns:a16="http://schemas.microsoft.com/office/drawing/2014/main" id="{C4CC3989-3FC7-4938-8FAE-AA21BB82B014}"/>
-                </a:ext>
-              </a:extLst>
-            </p:cNvPr>
-            <p:cNvSpPr txBox="1"/>
-            <p:nvPr/>
-          </p:nvSpPr>
-          <p:spPr>
-            <a:xfrm>
-              <a:off x="5199614" y="3929704"/>
-              <a:ext cx="808600" cy="888651"/>
-            </a:xfrm>
-            <a:prstGeom prst="flowChartAlternateProcess">
-              <a:avLst/>
-            </a:prstGeom>
-            <a:noFill/>
-            <a:ln>
-              <a:noFill/>
-            </a:ln>
-            <a:effectLst>
-              <a:outerShdw blurRad="50800" dist="38100" algn="l" rotWithShape="0">
-                <a:prstClr val="black">
-                  <a:alpha val="40000"/>
-                </a:prstClr>
-              </a:outerShdw>
-              <a:softEdge rad="0"/>
-            </a:effectLst>
-          </p:spPr>
-          <p:style>
-            <a:lnRef idx="3">
-              <a:schemeClr val="lt1"/>
-            </a:lnRef>
-            <a:fillRef idx="1">
-              <a:schemeClr val="accent1"/>
-            </a:fillRef>
-            <a:effectRef idx="1">
-              <a:schemeClr val="accent1"/>
-            </a:effectRef>
-            <a:fontRef idx="minor">
-              <a:schemeClr val="lt1"/>
-            </a:fontRef>
-          </p:style>
-          <p:txBody>
-            <a:bodyPr wrap="square" rtlCol="0" anchor="ctr" anchorCtr="0">
-              <a:noAutofit/>
-            </a:bodyPr>
-            <a:lstStyle/>
-            <a:p>
-              <a:pPr algn="ctr"/>
-              <a:r>
-                <a:rPr lang="en-US" altLang="zh-CN" sz="2400" b="1" dirty="0">
-                  <a:latin typeface="Bodoni MT Black" panose="02070A03080606020203" pitchFamily="18" charset="0"/>
-                </a:rPr>
-                <a:t>M</a:t>
-              </a:r>
-              <a:endParaRPr lang="zh-CN" altLang="en-US" sz="2400" b="1" dirty="0">
-                <a:latin typeface="Bodoni MT Black" panose="02070A03080606020203" pitchFamily="18" charset="0"/>
-              </a:endParaRPr>
-            </a:p>
-          </p:txBody>
-        </p:sp>
-        <p:sp>
-          <p:nvSpPr>
-            <p:cNvPr id="34" name="文本框 MI">
-              <a:extLst>
-                <a:ext uri="{FF2B5EF4-FFF2-40B4-BE49-F238E27FC236}">
-                  <a16:creationId xmlns:a16="http://schemas.microsoft.com/office/drawing/2014/main" id="{9B4ED87C-E946-740F-D2F4-B0DFD74A95BA}"/>
-                </a:ext>
-              </a:extLst>
-            </p:cNvPr>
-            <p:cNvSpPr txBox="1"/>
-            <p:nvPr/>
-          </p:nvSpPr>
-          <p:spPr>
-            <a:xfrm>
-              <a:off x="7904408" y="3929703"/>
-              <a:ext cx="808600" cy="888651"/>
-            </a:xfrm>
-            <a:prstGeom prst="flowChartAlternateProcess">
-              <a:avLst/>
-            </a:prstGeom>
-            <a:noFill/>
-            <a:ln>
-              <a:noFill/>
-            </a:ln>
-            <a:effectLst>
-              <a:outerShdw blurRad="50800" dist="38100" algn="l" rotWithShape="0">
-                <a:prstClr val="black">
-                  <a:alpha val="40000"/>
-                </a:prstClr>
-              </a:outerShdw>
-              <a:softEdge rad="0"/>
-            </a:effectLst>
-          </p:spPr>
-          <p:style>
-            <a:lnRef idx="3">
-              <a:schemeClr val="lt1"/>
-            </a:lnRef>
-            <a:fillRef idx="1">
-              <a:schemeClr val="accent1"/>
-            </a:fillRef>
-            <a:effectRef idx="1">
-              <a:schemeClr val="accent1"/>
-            </a:effectRef>
-            <a:fontRef idx="minor">
-              <a:schemeClr val="lt1"/>
-            </a:fontRef>
-          </p:style>
-          <p:txBody>
-            <a:bodyPr wrap="square" rtlCol="0" anchor="ctr" anchorCtr="0">
-              <a:noAutofit/>
-            </a:bodyPr>
-            <a:lstStyle/>
-            <a:p>
-              <a:pPr algn="ctr"/>
-              <a:r>
-                <a:rPr lang="en-US" altLang="zh-CN" sz="2400" b="1" dirty="0">
-                  <a:latin typeface="Bodoni MT Black" panose="02070A03080606020203" pitchFamily="18" charset="0"/>
-                </a:rPr>
-                <a:t>MI</a:t>
-              </a:r>
-              <a:endParaRPr lang="zh-CN" altLang="en-US" sz="2400" b="1" dirty="0">
-                <a:latin typeface="Bodoni MT Black" panose="02070A03080606020203" pitchFamily="18" charset="0"/>
-              </a:endParaRPr>
-            </a:p>
-          </p:txBody>
-        </p:sp>
-        <p:sp>
-          <p:nvSpPr>
-            <p:cNvPr id="35" name="文本框 MF">
-              <a:extLst>
-                <a:ext uri="{FF2B5EF4-FFF2-40B4-BE49-F238E27FC236}">
-                  <a16:creationId xmlns:a16="http://schemas.microsoft.com/office/drawing/2014/main" id="{523D3002-9F8F-0C70-B437-6A5AC3EA7FC2}"/>
-                </a:ext>
-              </a:extLst>
-            </p:cNvPr>
-            <p:cNvSpPr txBox="1"/>
-            <p:nvPr/>
-          </p:nvSpPr>
-          <p:spPr>
-            <a:xfrm>
-              <a:off x="2419066" y="3929703"/>
-              <a:ext cx="808600" cy="888651"/>
-            </a:xfrm>
-            <a:prstGeom prst="flowChartAlternateProcess">
-              <a:avLst/>
-            </a:prstGeom>
-            <a:noFill/>
-            <a:ln>
-              <a:noFill/>
-            </a:ln>
-            <a:effectLst>
-              <a:outerShdw blurRad="50800" dist="38100" algn="l" rotWithShape="0">
-                <a:prstClr val="black">
-                  <a:alpha val="40000"/>
-                </a:prstClr>
-              </a:outerShdw>
-              <a:softEdge rad="0"/>
-            </a:effectLst>
-          </p:spPr>
-          <p:style>
-            <a:lnRef idx="3">
-              <a:schemeClr val="lt1"/>
-            </a:lnRef>
-            <a:fillRef idx="1">
-              <a:schemeClr val="accent1"/>
-            </a:fillRef>
-            <a:effectRef idx="1">
-              <a:schemeClr val="accent1"/>
-            </a:effectRef>
-            <a:fontRef idx="minor">
-              <a:schemeClr val="lt1"/>
-            </a:fontRef>
-          </p:style>
-          <p:txBody>
-            <a:bodyPr wrap="square" rtlCol="0" anchor="ctr" anchorCtr="0">
-              <a:noAutofit/>
-            </a:bodyPr>
-            <a:lstStyle/>
-            <a:p>
-              <a:pPr algn="ctr"/>
-              <a:r>
-                <a:rPr lang="en-US" altLang="zh-CN" sz="2400" b="1" dirty="0">
-                  <a:latin typeface="Bodoni MT Black" panose="02070A03080606020203" pitchFamily="18" charset="0"/>
-                </a:rPr>
-                <a:t>MF</a:t>
-              </a:r>
-              <a:endParaRPr lang="zh-CN" altLang="en-US" sz="2400" b="1" dirty="0">
-                <a:latin typeface="Bodoni MT Black" panose="02070A03080606020203" pitchFamily="18" charset="0"/>
-              </a:endParaRPr>
-            </a:p>
-          </p:txBody>
-        </p:sp>
-      </p:grpSp>
-      <p:pic>
-        <p:nvPicPr>
-          <p:cNvPr id="15" name="材质结构icon">
-            <a:extLst>
-              <a:ext uri="{FF2B5EF4-FFF2-40B4-BE49-F238E27FC236}">
-                <a16:creationId xmlns:a16="http://schemas.microsoft.com/office/drawing/2014/main" id="{BBF1C0E1-8918-D2EE-7007-5C8C9E4E389D}"/>
-              </a:ext>
-            </a:extLst>
-          </p:cNvPr>
-          <p:cNvPicPr>
-            <a:picLocks noChangeAspect="1"/>
-          </p:cNvPicPr>
-          <p:nvPr/>
-        </p:nvPicPr>
-        <p:blipFill>
-          <a:blip r:embed="rId5">
-            <a:extLst>
-              <a:ext uri="{28A0092B-C50C-407E-A947-70E740481C1C}">
-                <a14:useLocalDpi xmlns:a14="http://schemas.microsoft.com/office/drawing/2010/main" val="0"/>
-              </a:ext>
-            </a:extLst>
-          </a:blip>
-          <a:stretch>
-            <a:fillRect/>
-          </a:stretch>
-        </p:blipFill>
-        <p:spPr>
-          <a:xfrm>
-            <a:off x="2661963" y="1330564"/>
-            <a:ext cx="738462" cy="738462"/>
-          </a:xfrm>
-          <a:prstGeom prst="rect">
-            <a:avLst/>
-          </a:prstGeom>
-        </p:spPr>
-      </p:pic>
-      <p:sp>
-        <p:nvSpPr>
-          <p:cNvPr id="8" name="文本框 M">
-            <a:extLst>
-              <a:ext uri="{FF2B5EF4-FFF2-40B4-BE49-F238E27FC236}">
-                <a16:creationId xmlns:a16="http://schemas.microsoft.com/office/drawing/2014/main" id="{17593F07-218D-3B51-5FFF-2B3BD3B4E754}"/>
-              </a:ext>
-            </a:extLst>
-          </p:cNvPr>
-          <p:cNvSpPr txBox="1"/>
-          <p:nvPr/>
-        </p:nvSpPr>
-        <p:spPr>
-          <a:xfrm>
-            <a:off x="1873920" y="2037621"/>
-            <a:ext cx="808600" cy="888651"/>
-          </a:xfrm>
-          <a:prstGeom prst="flowChartAlternateProcess">
-            <a:avLst/>
-          </a:prstGeom>
-          <a:solidFill>
             <a:schemeClr val="bg2">
-              <a:lumMod val="75000"/>
+              <a:lumMod val="60000"/>
+              <a:lumOff val="40000"/>
             </a:schemeClr>
           </a:solidFill>
           <a:ln>
@@ -7889,7 +8495,7 @@
               <a:rPr lang="en-US" altLang="zh-CN" sz="2400" b="1" dirty="0">
                 <a:latin typeface="Bodoni MT Black" panose="02070A03080606020203" pitchFamily="18" charset="0"/>
               </a:rPr>
-              <a:t>M</a:t>
+              <a:t>MF</a:t>
             </a:r>
             <a:endParaRPr lang="zh-CN" altLang="en-US" sz="2400" b="1" dirty="0">
               <a:latin typeface="Bodoni MT Black" panose="02070A03080606020203" pitchFamily="18" charset="0"/>
@@ -7899,10 +8505,10 @@
       </p:sp>
       <p:sp>
         <p:nvSpPr>
-          <p:cNvPr id="9" name="矩形 8">
+          <p:cNvPr id="21" name="矩形 20">
             <a:extLst>
               <a:ext uri="{FF2B5EF4-FFF2-40B4-BE49-F238E27FC236}">
-                <a16:creationId xmlns:a16="http://schemas.microsoft.com/office/drawing/2014/main" id="{4BD5810B-3011-6E5A-C575-0D87EA7B47E1}"/>
+                <a16:creationId xmlns:a16="http://schemas.microsoft.com/office/drawing/2014/main" id="{2B8ADDEA-45D2-9DEE-B577-8AF307B5A082}"/>
               </a:ext>
             </a:extLst>
           </p:cNvPr>
@@ -7911,7 +8517,7 @@
         </p:nvSpPr>
         <p:spPr>
           <a:xfrm>
-            <a:off x="-8776828" y="0"/>
+            <a:off x="-10396325" y="0"/>
             <a:ext cx="10804172" cy="6859534"/>
           </a:xfrm>
           <a:prstGeom prst="rect">
@@ -7919,7 +8525,8 @@
           </a:prstGeom>
           <a:solidFill>
             <a:schemeClr val="bg2">
-              <a:lumMod val="75000"/>
+              <a:lumMod val="60000"/>
+              <a:lumOff val="40000"/>
             </a:schemeClr>
           </a:solidFill>
           <a:ln>
@@ -7951,246 +8558,6 @@
           </a:p>
         </p:txBody>
       </p:sp>
-      <p:sp>
-        <p:nvSpPr>
-          <p:cNvPr id="13" name="文本框 MI">
-            <a:extLst>
-              <a:ext uri="{FF2B5EF4-FFF2-40B4-BE49-F238E27FC236}">
-                <a16:creationId xmlns:a16="http://schemas.microsoft.com/office/drawing/2014/main" id="{639F4C49-2D9D-548F-092F-5A740BB0FB64}"/>
-              </a:ext>
-            </a:extLst>
-          </p:cNvPr>
-          <p:cNvSpPr txBox="1"/>
-          <p:nvPr/>
-        </p:nvSpPr>
-        <p:spPr>
-          <a:xfrm>
-            <a:off x="1057831" y="3041052"/>
-            <a:ext cx="808600" cy="888651"/>
-          </a:xfrm>
-          <a:prstGeom prst="flowChartAlternateProcess">
-            <a:avLst/>
-          </a:prstGeom>
-          <a:solidFill>
-            <a:srgbClr val="4E607A"/>
-          </a:solidFill>
-          <a:ln>
-            <a:noFill/>
-          </a:ln>
-          <a:effectLst>
-            <a:outerShdw blurRad="50800" dist="38100" algn="l" rotWithShape="0">
-              <a:prstClr val="black">
-                <a:alpha val="40000"/>
-              </a:prstClr>
-            </a:outerShdw>
-            <a:softEdge rad="0"/>
-          </a:effectLst>
-        </p:spPr>
-        <p:style>
-          <a:lnRef idx="3">
-            <a:schemeClr val="lt1"/>
-          </a:lnRef>
-          <a:fillRef idx="1">
-            <a:schemeClr val="accent1"/>
-          </a:fillRef>
-          <a:effectRef idx="1">
-            <a:schemeClr val="accent1"/>
-          </a:effectRef>
-          <a:fontRef idx="minor">
-            <a:schemeClr val="lt1"/>
-          </a:fontRef>
-        </p:style>
-        <p:txBody>
-          <a:bodyPr wrap="square" rtlCol="0" anchor="ctr" anchorCtr="0">
-            <a:noAutofit/>
-          </a:bodyPr>
-          <a:lstStyle/>
-          <a:p>
-            <a:pPr algn="ctr"/>
-            <a:r>
-              <a:rPr lang="en-US" altLang="zh-CN" sz="2400" b="1" dirty="0">
-                <a:latin typeface="Bodoni MT Black" panose="02070A03080606020203" pitchFamily="18" charset="0"/>
-              </a:rPr>
-              <a:t>MI</a:t>
-            </a:r>
-            <a:endParaRPr lang="zh-CN" altLang="en-US" sz="2400" b="1" dirty="0">
-              <a:latin typeface="Bodoni MT Black" panose="02070A03080606020203" pitchFamily="18" charset="0"/>
-            </a:endParaRPr>
-          </a:p>
-        </p:txBody>
-      </p:sp>
-      <p:sp>
-        <p:nvSpPr>
-          <p:cNvPr id="14" name="矩形 13">
-            <a:extLst>
-              <a:ext uri="{FF2B5EF4-FFF2-40B4-BE49-F238E27FC236}">
-                <a16:creationId xmlns:a16="http://schemas.microsoft.com/office/drawing/2014/main" id="{AE00B959-9713-4F96-2D07-989385768095}"/>
-              </a:ext>
-            </a:extLst>
-          </p:cNvPr>
-          <p:cNvSpPr/>
-          <p:nvPr/>
-        </p:nvSpPr>
-        <p:spPr>
-          <a:xfrm>
-            <a:off x="-9592917" y="0"/>
-            <a:ext cx="10804172" cy="6859534"/>
-          </a:xfrm>
-          <a:prstGeom prst="rect">
-            <a:avLst/>
-          </a:prstGeom>
-          <a:solidFill>
-            <a:srgbClr val="4E607A"/>
-          </a:solidFill>
-          <a:ln>
-            <a:noFill/>
-          </a:ln>
-        </p:spPr>
-        <p:style>
-          <a:lnRef idx="2">
-            <a:schemeClr val="accent1">
-              <a:shade val="50000"/>
-            </a:schemeClr>
-          </a:lnRef>
-          <a:fillRef idx="1">
-            <a:schemeClr val="accent1"/>
-          </a:fillRef>
-          <a:effectRef idx="0">
-            <a:schemeClr val="accent1"/>
-          </a:effectRef>
-          <a:fontRef idx="minor">
-            <a:schemeClr val="lt1"/>
-          </a:fontRef>
-        </p:style>
-        <p:txBody>
-          <a:bodyPr rtlCol="0" anchor="ctr"/>
-          <a:lstStyle/>
-          <a:p>
-            <a:pPr algn="ctr"/>
-            <a:endParaRPr lang="zh-CN" altLang="en-US" dirty="0"/>
-          </a:p>
-        </p:txBody>
-      </p:sp>
-      <p:sp>
-        <p:nvSpPr>
-          <p:cNvPr id="19" name="文本框 MF">
-            <a:extLst>
-              <a:ext uri="{FF2B5EF4-FFF2-40B4-BE49-F238E27FC236}">
-                <a16:creationId xmlns:a16="http://schemas.microsoft.com/office/drawing/2014/main" id="{C70A4406-617C-9314-67A8-E94F551E4BD1}"/>
-              </a:ext>
-            </a:extLst>
-          </p:cNvPr>
-          <p:cNvSpPr txBox="1"/>
-          <p:nvPr/>
-        </p:nvSpPr>
-        <p:spPr>
-          <a:xfrm>
-            <a:off x="254423" y="4061331"/>
-            <a:ext cx="808600" cy="888651"/>
-          </a:xfrm>
-          <a:prstGeom prst="flowChartAlternateProcess">
-            <a:avLst/>
-          </a:prstGeom>
-          <a:solidFill>
-            <a:schemeClr val="accent5"/>
-          </a:solidFill>
-          <a:ln>
-            <a:noFill/>
-          </a:ln>
-          <a:effectLst>
-            <a:outerShdw blurRad="50800" dist="38100" algn="l" rotWithShape="0">
-              <a:prstClr val="black">
-                <a:alpha val="40000"/>
-              </a:prstClr>
-            </a:outerShdw>
-            <a:softEdge rad="0"/>
-          </a:effectLst>
-        </p:spPr>
-        <p:style>
-          <a:lnRef idx="3">
-            <a:schemeClr val="lt1"/>
-          </a:lnRef>
-          <a:fillRef idx="1">
-            <a:schemeClr val="accent1"/>
-          </a:fillRef>
-          <a:effectRef idx="1">
-            <a:schemeClr val="accent1"/>
-          </a:effectRef>
-          <a:fontRef idx="minor">
-            <a:schemeClr val="lt1"/>
-          </a:fontRef>
-        </p:style>
-        <p:txBody>
-          <a:bodyPr wrap="square" rtlCol="0" anchor="ctr" anchorCtr="0">
-            <a:noAutofit/>
-          </a:bodyPr>
-          <a:lstStyle/>
-          <a:p>
-            <a:pPr algn="ctr"/>
-            <a:r>
-              <a:rPr lang="en-US" altLang="zh-CN" sz="2400" b="1" dirty="0">
-                <a:latin typeface="Bodoni MT Black" panose="02070A03080606020203" pitchFamily="18" charset="0"/>
-              </a:rPr>
-              <a:t>MF</a:t>
-            </a:r>
-            <a:endParaRPr lang="zh-CN" altLang="en-US" sz="2400" b="1" dirty="0">
-              <a:latin typeface="Bodoni MT Black" panose="02070A03080606020203" pitchFamily="18" charset="0"/>
-            </a:endParaRPr>
-          </a:p>
-        </p:txBody>
-      </p:sp>
-      <p:sp>
-        <p:nvSpPr>
-          <p:cNvPr id="21" name="矩形 20">
-            <a:extLst>
-              <a:ext uri="{FF2B5EF4-FFF2-40B4-BE49-F238E27FC236}">
-                <a16:creationId xmlns:a16="http://schemas.microsoft.com/office/drawing/2014/main" id="{2B8ADDEA-45D2-9DEE-B577-8AF307B5A082}"/>
-              </a:ext>
-            </a:extLst>
-          </p:cNvPr>
-          <p:cNvSpPr/>
-          <p:nvPr/>
-        </p:nvSpPr>
-        <p:spPr>
-          <a:xfrm>
-            <a:off x="-10396325" y="0"/>
-            <a:ext cx="10804172" cy="6859534"/>
-          </a:xfrm>
-          <a:prstGeom prst="rect">
-            <a:avLst/>
-          </a:prstGeom>
-          <a:solidFill>
-            <a:schemeClr val="accent5"/>
-          </a:solidFill>
-          <a:ln>
-            <a:noFill/>
-          </a:ln>
-        </p:spPr>
-        <p:style>
-          <a:lnRef idx="2">
-            <a:schemeClr val="accent1">
-              <a:shade val="50000"/>
-            </a:schemeClr>
-          </a:lnRef>
-          <a:fillRef idx="1">
-            <a:schemeClr val="accent1"/>
-          </a:fillRef>
-          <a:effectRef idx="0">
-            <a:schemeClr val="accent1"/>
-          </a:effectRef>
-          <a:fontRef idx="minor">
-            <a:schemeClr val="lt1"/>
-          </a:fontRef>
-        </p:style>
-        <p:txBody>
-          <a:bodyPr rtlCol="0" anchor="ctr"/>
-          <a:lstStyle/>
-          <a:p>
-            <a:pPr algn="ctr"/>
-            <a:endParaRPr lang="zh-CN" altLang="en-US" dirty="0"/>
-          </a:p>
-        </p:txBody>
-      </p:sp>
     </p:spTree>
     <p:extLst>
       <p:ext uri="{BB962C8B-B14F-4D97-AF65-F5344CB8AC3E}">
@@ -8201,6 +8568,14 @@
   <p:clrMapOvr>
     <a:masterClrMapping/>
   </p:clrMapOvr>
+  <mc:AlternateContent xmlns:mc="http://schemas.openxmlformats.org/markup-compatibility/2006">
+    <mc:Choice xmlns:p14="http://schemas.microsoft.com/office/powerpoint/2010/main" Requires="p14">
+      <p:transition spd="slow" p14:dur="1200"/>
+    </mc:Choice>
+    <mc:Fallback>
+      <p:transition spd="slow"/>
+    </mc:Fallback>
+  </mc:AlternateContent>
   <p:timing>
     <p:tnLst>
       <p:par>
@@ -8513,6 +8888,75 @@
           <a:chExt cx="0" cy="0"/>
         </a:xfrm>
       </p:grpSpPr>
+      <p:sp>
+        <p:nvSpPr>
+          <p:cNvPr id="24" name="文本框 23">
+            <a:extLst>
+              <a:ext uri="{FF2B5EF4-FFF2-40B4-BE49-F238E27FC236}">
+                <a16:creationId xmlns:a16="http://schemas.microsoft.com/office/drawing/2014/main" id="{43F4D322-D0C5-BD62-97BA-68E1B237C85A}"/>
+              </a:ext>
+            </a:extLst>
+          </p:cNvPr>
+          <p:cNvSpPr txBox="1"/>
+          <p:nvPr/>
+        </p:nvSpPr>
+        <p:spPr>
+          <a:xfrm>
+            <a:off x="1893780" y="728133"/>
+            <a:ext cx="8266220" cy="5109091"/>
+          </a:xfrm>
+          <a:prstGeom prst="rect">
+            <a:avLst/>
+          </a:prstGeom>
+          <a:noFill/>
+        </p:spPr>
+        <p:txBody>
+          <a:bodyPr wrap="square" rtlCol="0">
+            <a:spAutoFit/>
+          </a:bodyPr>
+          <a:lstStyle/>
+          <a:p>
+            <a:pPr algn="ctr"/>
+            <a:r>
+              <a:rPr lang="en-US" altLang="zh-CN" sz="32600" b="1" dirty="0">
+                <a:solidFill>
+                  <a:schemeClr val="accent1">
+                    <a:lumMod val="60000"/>
+                    <a:lumOff val="40000"/>
+                    <a:alpha val="37000"/>
+                  </a:schemeClr>
+                </a:solidFill>
+                <a:effectLst>
+                  <a:outerShdw blurRad="50800" dist="50800" dir="5400000" sx="105000" sy="105000" algn="ctr" rotWithShape="0">
+                    <a:srgbClr val="000000">
+                      <a:alpha val="28000"/>
+                    </a:srgbClr>
+                  </a:outerShdw>
+                </a:effectLst>
+                <a:latin typeface="Cooper Black" panose="0208090404030B020404" pitchFamily="18" charset="0"/>
+              </a:rPr>
+              <a:t>M</a:t>
+            </a:r>
+            <a:endParaRPr lang="zh-CN" altLang="en-US" sz="32600" b="1" dirty="0">
+              <a:solidFill>
+                <a:schemeClr val="accent1">
+                  <a:lumMod val="60000"/>
+                  <a:lumOff val="40000"/>
+                  <a:alpha val="37000"/>
+                </a:schemeClr>
+              </a:solidFill>
+              <a:effectLst>
+                <a:outerShdw blurRad="50800" dist="50800" dir="5400000" sx="105000" sy="105000" algn="ctr" rotWithShape="0">
+                  <a:srgbClr val="000000">
+                    <a:alpha val="28000"/>
+                  </a:srgbClr>
+                </a:outerShdw>
+              </a:effectLst>
+              <a:latin typeface="Cooper Black" panose="0208090404030B020404" pitchFamily="18" charset="0"/>
+            </a:endParaRPr>
+          </a:p>
+        </p:txBody>
+      </p:sp>
       <p:grpSp>
         <p:nvGrpSpPr>
           <p:cNvPr id="22" name="组合 21">
@@ -8837,8 +9281,8 @@
         </p:nvSpPr>
         <p:spPr>
           <a:xfrm>
-            <a:off x="3322197" y="2920880"/>
-            <a:ext cx="6245621" cy="923330"/>
+            <a:off x="2975948" y="2920880"/>
+            <a:ext cx="6938118" cy="923330"/>
           </a:xfrm>
           <a:prstGeom prst="rect">
             <a:avLst/>
@@ -8868,7 +9312,7 @@
                   </a:outerShdw>
                 </a:effectLst>
               </a:rPr>
-              <a:t>母材质（</a:t>
+              <a:t>材质蓝图（</a:t>
             </a:r>
             <a:r>
               <a:rPr lang="en-US" altLang="zh-CN" sz="5400" b="1" dirty="0">
@@ -8923,7 +9367,7 @@
         </p:nvGrpSpPr>
         <p:grpSpPr>
           <a:xfrm>
-            <a:off x="-8776828" y="0"/>
+            <a:off x="-8771984" y="3934"/>
             <a:ext cx="11459348" cy="6859534"/>
             <a:chOff x="-1543570" y="-1534"/>
             <a:chExt cx="11459348" cy="6859534"/>
@@ -9056,7 +9500,344 @@
       </p:grpSp>
       <p:grpSp>
         <p:nvGrpSpPr>
-          <p:cNvPr id="12" name="组合 11" hidden="1">
+          <p:cNvPr id="39" name="组合 38">
+            <a:extLst>
+              <a:ext uri="{FF2B5EF4-FFF2-40B4-BE49-F238E27FC236}">
+                <a16:creationId xmlns:a16="http://schemas.microsoft.com/office/drawing/2014/main" id="{FCD782E4-DFFC-7231-C06E-B62BA4DD83AD}"/>
+              </a:ext>
+            </a:extLst>
+          </p:cNvPr>
+          <p:cNvGrpSpPr/>
+          <p:nvPr/>
+        </p:nvGrpSpPr>
+        <p:grpSpPr>
+          <a:xfrm>
+            <a:off x="-8239248" y="28400"/>
+            <a:ext cx="9588109" cy="6801200"/>
+            <a:chOff x="571891" y="28400"/>
+            <a:chExt cx="9588109" cy="6801200"/>
+          </a:xfrm>
+        </p:grpSpPr>
+        <p:pic>
+          <p:nvPicPr>
+            <p:cNvPr id="34" name="图片 33">
+              <a:extLst>
+                <a:ext uri="{FF2B5EF4-FFF2-40B4-BE49-F238E27FC236}">
+                  <a16:creationId xmlns:a16="http://schemas.microsoft.com/office/drawing/2014/main" id="{467C1BE2-1220-343F-C03C-F49F6CF6B2BF}"/>
+                </a:ext>
+              </a:extLst>
+            </p:cNvPr>
+            <p:cNvPicPr>
+              <a:picLocks noChangeAspect="1"/>
+            </p:cNvPicPr>
+            <p:nvPr/>
+          </p:nvPicPr>
+          <p:blipFill>
+            <a:blip r:embed="rId6"/>
+            <a:stretch>
+              <a:fillRect/>
+            </a:stretch>
+          </p:blipFill>
+          <p:spPr>
+            <a:xfrm>
+              <a:off x="571891" y="28400"/>
+              <a:ext cx="9309578" cy="6801200"/>
+            </a:xfrm>
+            <a:prstGeom prst="rect">
+              <a:avLst/>
+            </a:prstGeom>
+            <a:effectLst>
+              <a:softEdge rad="889000"/>
+            </a:effectLst>
+          </p:spPr>
+        </p:pic>
+        <p:sp>
+          <p:nvSpPr>
+            <p:cNvPr id="35" name="文本框 34">
+              <a:extLst>
+                <a:ext uri="{FF2B5EF4-FFF2-40B4-BE49-F238E27FC236}">
+                  <a16:creationId xmlns:a16="http://schemas.microsoft.com/office/drawing/2014/main" id="{2ED7193D-50AE-450A-711E-8F131DF26B41}"/>
+                </a:ext>
+              </a:extLst>
+            </p:cNvPr>
+            <p:cNvSpPr txBox="1"/>
+            <p:nvPr/>
+          </p:nvSpPr>
+          <p:spPr>
+            <a:xfrm>
+              <a:off x="2406879" y="330822"/>
+              <a:ext cx="6159448" cy="1077218"/>
+            </a:xfrm>
+            <a:prstGeom prst="rect">
+              <a:avLst/>
+            </a:prstGeom>
+            <a:noFill/>
+          </p:spPr>
+          <p:txBody>
+            <a:bodyPr wrap="square" rtlCol="0">
+              <a:spAutoFit/>
+            </a:bodyPr>
+            <a:lstStyle/>
+            <a:p>
+              <a:pPr algn="ctr"/>
+              <a:r>
+                <a:rPr lang="zh-CN" altLang="en-US" sz="2800" b="1" dirty="0">
+                  <a:solidFill>
+                    <a:schemeClr val="accent6">
+                      <a:lumMod val="60000"/>
+                      <a:lumOff val="40000"/>
+                    </a:schemeClr>
+                  </a:solidFill>
+                </a:rPr>
+                <a:t>常用材质节点</a:t>
+              </a:r>
+              <a:endParaRPr lang="en-US" altLang="zh-CN" sz="2800" b="1" dirty="0">
+                <a:solidFill>
+                  <a:schemeClr val="accent6">
+                    <a:lumMod val="60000"/>
+                    <a:lumOff val="40000"/>
+                  </a:schemeClr>
+                </a:solidFill>
+              </a:endParaRPr>
+            </a:p>
+            <a:p>
+              <a:endParaRPr lang="en-US" altLang="zh-CN" dirty="0"/>
+            </a:p>
+            <a:p>
+              <a:r>
+                <a:rPr lang="zh-CN" altLang="en-US" dirty="0"/>
+                <a:t>乘（</a:t>
+              </a:r>
+              <a:r>
+                <a:rPr lang="en-US" altLang="zh-CN" dirty="0"/>
+                <a:t>m</a:t>
+              </a:r>
+              <a:r>
+                <a:rPr lang="zh-CN" altLang="en-US" dirty="0"/>
+                <a:t>）</a:t>
+              </a:r>
+              <a:r>
+                <a:rPr lang="en-US" altLang="zh-CN" dirty="0"/>
+                <a:t>              </a:t>
+              </a:r>
+              <a:r>
+                <a:rPr lang="zh-CN" altLang="en-US" dirty="0"/>
+                <a:t>除（</a:t>
+              </a:r>
+              <a:r>
+                <a:rPr lang="en-US" altLang="zh-CN" dirty="0"/>
+                <a:t>d</a:t>
+              </a:r>
+              <a:r>
+                <a:rPr lang="zh-CN" altLang="en-US" dirty="0"/>
+                <a:t>）</a:t>
+              </a:r>
+              <a:r>
+                <a:rPr lang="en-US" altLang="zh-CN" dirty="0"/>
+                <a:t>            </a:t>
+              </a:r>
+              <a:r>
+                <a:rPr lang="zh-CN" altLang="en-US" dirty="0"/>
+                <a:t>加（</a:t>
+              </a:r>
+              <a:r>
+                <a:rPr lang="en-US" altLang="zh-CN" dirty="0"/>
+                <a:t>a</a:t>
+              </a:r>
+              <a:r>
+                <a:rPr lang="zh-CN" altLang="en-US" dirty="0"/>
+                <a:t>）</a:t>
+              </a:r>
+              <a:r>
+                <a:rPr lang="en-US" altLang="zh-CN" dirty="0"/>
+                <a:t>               </a:t>
+              </a:r>
+              <a:r>
+                <a:rPr lang="zh-CN" altLang="en-US" dirty="0"/>
+                <a:t>减  </a:t>
+              </a:r>
+              <a:r>
+                <a:rPr lang="en-US" altLang="zh-CN" dirty="0"/>
+                <a:t>-</a:t>
+              </a:r>
+              <a:endParaRPr lang="zh-CN" altLang="en-US" dirty="0"/>
+            </a:p>
+          </p:txBody>
+        </p:sp>
+        <p:sp>
+          <p:nvSpPr>
+            <p:cNvPr id="38" name="文本框 37">
+              <a:extLst>
+                <a:ext uri="{FF2B5EF4-FFF2-40B4-BE49-F238E27FC236}">
+                  <a16:creationId xmlns:a16="http://schemas.microsoft.com/office/drawing/2014/main" id="{EDCC7B75-A81D-7729-4ECC-29AC59180CE5}"/>
+                </a:ext>
+              </a:extLst>
+            </p:cNvPr>
+            <p:cNvSpPr txBox="1"/>
+            <p:nvPr/>
+          </p:nvSpPr>
+          <p:spPr>
+            <a:xfrm>
+              <a:off x="2406879" y="2821251"/>
+              <a:ext cx="7753121" cy="3416320"/>
+            </a:xfrm>
+            <a:prstGeom prst="rect">
+              <a:avLst/>
+            </a:prstGeom>
+            <a:noFill/>
+          </p:spPr>
+          <p:txBody>
+            <a:bodyPr wrap="square" rtlCol="0">
+              <a:spAutoFit/>
+            </a:bodyPr>
+            <a:lstStyle/>
+            <a:p>
+              <a:r>
+                <a:rPr lang="en-US" altLang="zh-CN" dirty="0"/>
+                <a:t>UV</a:t>
+              </a:r>
+              <a:r>
+                <a:rPr lang="zh-CN" altLang="en-US" dirty="0"/>
+                <a:t>（</a:t>
+              </a:r>
+              <a:r>
+                <a:rPr lang="en-US" altLang="zh-CN" dirty="0"/>
+                <a:t>u</a:t>
+              </a:r>
+              <a:r>
+                <a:rPr lang="zh-CN" altLang="en-US" dirty="0"/>
+                <a:t>）</a:t>
+              </a:r>
+              <a:r>
+                <a:rPr lang="en-US" altLang="zh-CN" dirty="0"/>
+                <a:t>                </a:t>
+              </a:r>
+              <a:r>
+                <a:rPr lang="zh-CN" altLang="en-US" dirty="0"/>
+                <a:t>贴图（</a:t>
+              </a:r>
+              <a:r>
+                <a:rPr lang="en-US" altLang="zh-CN" dirty="0"/>
+                <a:t>t</a:t>
+              </a:r>
+              <a:r>
+                <a:rPr lang="zh-CN" altLang="en-US" dirty="0"/>
+                <a:t>）</a:t>
+              </a:r>
+              <a:r>
+                <a:rPr lang="en-US" altLang="zh-CN" dirty="0"/>
+                <a:t>          </a:t>
+              </a:r>
+              <a:r>
+                <a:rPr lang="zh-CN" altLang="en-US" dirty="0"/>
+                <a:t>一维常数（</a:t>
+              </a:r>
+              <a:r>
+                <a:rPr lang="en-US" altLang="zh-CN" dirty="0"/>
+                <a:t>1</a:t>
+              </a:r>
+              <a:r>
+                <a:rPr lang="zh-CN" altLang="en-US" dirty="0"/>
+                <a:t>）</a:t>
+              </a:r>
+              <a:r>
+                <a:rPr lang="en-US" altLang="zh-CN" dirty="0"/>
+                <a:t> </a:t>
+              </a:r>
+              <a:r>
+                <a:rPr lang="zh-CN" altLang="en-US" dirty="0"/>
+                <a:t>暴露常数（</a:t>
+              </a:r>
+              <a:r>
+                <a:rPr lang="en-US" altLang="zh-CN" dirty="0"/>
+                <a:t>s</a:t>
+              </a:r>
+              <a:r>
+                <a:rPr lang="zh-CN" altLang="en-US" dirty="0"/>
+                <a:t>）</a:t>
+              </a:r>
+              <a:endParaRPr lang="en-US" altLang="zh-CN" dirty="0"/>
+            </a:p>
+            <a:p>
+              <a:endParaRPr lang="en-US" altLang="zh-CN" dirty="0"/>
+            </a:p>
+            <a:p>
+              <a:endParaRPr lang="en-US" altLang="zh-CN" dirty="0"/>
+            </a:p>
+            <a:p>
+              <a:endParaRPr lang="en-US" altLang="zh-CN" dirty="0"/>
+            </a:p>
+            <a:p>
+              <a:endParaRPr lang="en-US" altLang="zh-CN" dirty="0"/>
+            </a:p>
+            <a:p>
+              <a:endParaRPr lang="en-US" altLang="zh-CN" dirty="0"/>
+            </a:p>
+            <a:p>
+              <a:endParaRPr lang="en-US" altLang="zh-CN" dirty="0"/>
+            </a:p>
+            <a:p>
+              <a:endParaRPr lang="en-US" altLang="zh-CN" dirty="0"/>
+            </a:p>
+            <a:p>
+              <a:endParaRPr lang="en-US" altLang="zh-CN" dirty="0"/>
+            </a:p>
+            <a:p>
+              <a:endParaRPr lang="en-US" altLang="zh-CN" dirty="0"/>
+            </a:p>
+            <a:p>
+              <a:endParaRPr lang="en-US" altLang="zh-CN" dirty="0"/>
+            </a:p>
+            <a:p>
+              <a:r>
+                <a:rPr lang="zh-CN" altLang="en-US" dirty="0"/>
+                <a:t> </a:t>
+              </a:r>
+              <a:r>
+                <a:rPr lang="zh-CN" altLang="en-US" dirty="0">
+                  <a:solidFill>
+                    <a:srgbClr val="C00000"/>
+                  </a:solidFill>
+                </a:rPr>
+                <a:t>按住</a:t>
+              </a:r>
+              <a:r>
+                <a:rPr lang="zh-CN" altLang="en-US" dirty="0">
+                  <a:solidFill>
+                    <a:schemeClr val="accent6">
+                      <a:lumMod val="60000"/>
+                      <a:lumOff val="40000"/>
+                    </a:schemeClr>
+                  </a:solidFill>
+                </a:rPr>
+                <a:t>括号中的快捷键再点击</a:t>
+              </a:r>
+              <a:r>
+                <a:rPr lang="zh-CN" altLang="en-US" dirty="0">
+                  <a:solidFill>
+                    <a:srgbClr val="C00000"/>
+                  </a:solidFill>
+                </a:rPr>
+                <a:t>鼠标左键</a:t>
+              </a:r>
+              <a:r>
+                <a:rPr lang="zh-CN" altLang="en-US" dirty="0">
+                  <a:solidFill>
+                    <a:schemeClr val="accent6">
+                      <a:lumMod val="60000"/>
+                      <a:lumOff val="40000"/>
+                    </a:schemeClr>
+                  </a:solidFill>
+                </a:rPr>
+                <a:t>可以快速创建相应节点</a:t>
+              </a:r>
+            </a:p>
+          </p:txBody>
+        </p:sp>
+      </p:grpSp>
+      <p:grpSp>
+        <p:nvGrpSpPr>
+          <p:cNvPr id="12" name="组合 11">
             <a:extLst>
               <a:ext uri="{FF2B5EF4-FFF2-40B4-BE49-F238E27FC236}">
                 <a16:creationId xmlns:a16="http://schemas.microsoft.com/office/drawing/2014/main" id="{B2951025-4466-F7EF-45C6-A3CB7EF1CC66}"/>
@@ -9197,7 +9978,7 @@
       </p:grpSp>
       <p:grpSp>
         <p:nvGrpSpPr>
-          <p:cNvPr id="18" name="组合 17" hidden="1">
+          <p:cNvPr id="18" name="组合 17">
             <a:extLst>
               <a:ext uri="{FF2B5EF4-FFF2-40B4-BE49-F238E27FC236}">
                 <a16:creationId xmlns:a16="http://schemas.microsoft.com/office/drawing/2014/main" id="{7F6BD44A-0418-7275-D2E9-F6673D940EE8}"/>
@@ -9342,6 +10123,258 @@
           </p:txBody>
         </p:sp>
       </p:grpSp>
+      <p:pic>
+        <p:nvPicPr>
+          <p:cNvPr id="41" name="图片 40">
+            <a:extLst>
+              <a:ext uri="{FF2B5EF4-FFF2-40B4-BE49-F238E27FC236}">
+                <a16:creationId xmlns:a16="http://schemas.microsoft.com/office/drawing/2014/main" id="{CF238BC2-34D8-7219-FE0A-E77FB2C6BDC0}"/>
+              </a:ext>
+            </a:extLst>
+          </p:cNvPr>
+          <p:cNvPicPr>
+            <a:picLocks noChangeAspect="1"/>
+          </p:cNvPicPr>
+          <p:nvPr/>
+        </p:nvPicPr>
+        <p:blipFill>
+          <a:blip r:embed="rId7"/>
+          <a:stretch>
+            <a:fillRect/>
+          </a:stretch>
+        </p:blipFill>
+        <p:spPr>
+          <a:xfrm>
+            <a:off x="3206882" y="1307821"/>
+            <a:ext cx="5162815" cy="4102311"/>
+          </a:xfrm>
+          <a:prstGeom prst="rect">
+            <a:avLst/>
+          </a:prstGeom>
+          <a:effectLst>
+            <a:softEdge rad="749300"/>
+          </a:effectLst>
+        </p:spPr>
+      </p:pic>
+      <p:grpSp>
+        <p:nvGrpSpPr>
+          <p:cNvPr id="54" name="组合 53">
+            <a:extLst>
+              <a:ext uri="{FF2B5EF4-FFF2-40B4-BE49-F238E27FC236}">
+                <a16:creationId xmlns:a16="http://schemas.microsoft.com/office/drawing/2014/main" id="{16DA4CAB-7B23-776D-2348-5F1298CB41A9}"/>
+              </a:ext>
+            </a:extLst>
+          </p:cNvPr>
+          <p:cNvGrpSpPr/>
+          <p:nvPr/>
+        </p:nvGrpSpPr>
+        <p:grpSpPr>
+          <a:xfrm>
+            <a:off x="3653629" y="2654469"/>
+            <a:ext cx="4743417" cy="2062103"/>
+            <a:chOff x="3653629" y="2654469"/>
+            <a:chExt cx="4743417" cy="2062103"/>
+          </a:xfrm>
+        </p:grpSpPr>
+        <mc:AlternateContent xmlns:mc="http://schemas.openxmlformats.org/markup-compatibility/2006">
+          <mc:Choice xmlns:p14="http://schemas.microsoft.com/office/powerpoint/2010/main" Requires="p14">
+            <p:contentPart p14:bwMode="auto" r:id="rId8">
+              <p14:nvContentPartPr>
+                <p14:cNvPr id="49" name="墨迹 48">
+                  <a:extLst>
+                    <a:ext uri="{FF2B5EF4-FFF2-40B4-BE49-F238E27FC236}">
+                      <a16:creationId xmlns:a16="http://schemas.microsoft.com/office/drawing/2014/main" id="{EF5810F4-EA39-284A-5EA1-0CB87D6BD9F2}"/>
+                    </a:ext>
+                  </a:extLst>
+                </p14:cNvPr>
+                <p14:cNvContentPartPr/>
+                <p14:nvPr/>
+              </p14:nvContentPartPr>
+              <p14:xfrm rot="21216501">
+                <a:off x="4100656" y="4083071"/>
+                <a:ext cx="758138" cy="275980"/>
+              </p14:xfrm>
+            </p:contentPart>
+          </mc:Choice>
+          <mc:Fallback>
+            <p:pic>
+              <p:nvPicPr>
+                <p:cNvPr id="49" name="墨迹 48">
+                  <a:extLst>
+                    <a:ext uri="{FF2B5EF4-FFF2-40B4-BE49-F238E27FC236}">
+                      <a16:creationId xmlns:a16="http://schemas.microsoft.com/office/drawing/2014/main" id="{EF5810F4-EA39-284A-5EA1-0CB87D6BD9F2}"/>
+                    </a:ext>
+                  </a:extLst>
+                </p:cNvPr>
+                <p:cNvPicPr/>
+                <p:nvPr/>
+              </p:nvPicPr>
+              <p:blipFill>
+                <a:blip r:embed="rId9"/>
+                <a:stretch>
+                  <a:fillRect/>
+                </a:stretch>
+              </p:blipFill>
+              <p:spPr>
+                <a:xfrm rot="21216501">
+                  <a:off x="4091652" y="4074064"/>
+                  <a:ext cx="775786" cy="293634"/>
+                </a:xfrm>
+                <a:prstGeom prst="rect">
+                  <a:avLst/>
+                </a:prstGeom>
+              </p:spPr>
+            </p:pic>
+          </mc:Fallback>
+        </mc:AlternateContent>
+        <mc:AlternateContent xmlns:mc="http://schemas.openxmlformats.org/markup-compatibility/2006">
+          <mc:Choice xmlns:p14="http://schemas.microsoft.com/office/powerpoint/2010/main" Requires="p14">
+            <p:contentPart p14:bwMode="auto" r:id="rId10">
+              <p14:nvContentPartPr>
+                <p14:cNvPr id="51" name="墨迹 50">
+                  <a:extLst>
+                    <a:ext uri="{FF2B5EF4-FFF2-40B4-BE49-F238E27FC236}">
+                      <a16:creationId xmlns:a16="http://schemas.microsoft.com/office/drawing/2014/main" id="{818A49CE-289D-0C06-82E1-936C166099C0}"/>
+                    </a:ext>
+                  </a:extLst>
+                </p14:cNvPr>
+                <p14:cNvContentPartPr/>
+                <p14:nvPr/>
+              </p14:nvContentPartPr>
+              <p14:xfrm rot="21216501">
+                <a:off x="4765524" y="4071349"/>
+                <a:ext cx="75960" cy="134280"/>
+              </p14:xfrm>
+            </p:contentPart>
+          </mc:Choice>
+          <mc:Fallback>
+            <p:pic>
+              <p:nvPicPr>
+                <p:cNvPr id="51" name="墨迹 50">
+                  <a:extLst>
+                    <a:ext uri="{FF2B5EF4-FFF2-40B4-BE49-F238E27FC236}">
+                      <a16:creationId xmlns:a16="http://schemas.microsoft.com/office/drawing/2014/main" id="{818A49CE-289D-0C06-82E1-936C166099C0}"/>
+                    </a:ext>
+                  </a:extLst>
+                </p:cNvPr>
+                <p:cNvPicPr/>
+                <p:nvPr/>
+              </p:nvPicPr>
+              <p:blipFill>
+                <a:blip r:embed="rId11"/>
+                <a:stretch>
+                  <a:fillRect/>
+                </a:stretch>
+              </p:blipFill>
+              <p:spPr>
+                <a:xfrm rot="21216501">
+                  <a:off x="4756884" y="4062349"/>
+                  <a:ext cx="93600" cy="151920"/>
+                </a:xfrm>
+                <a:prstGeom prst="rect">
+                  <a:avLst/>
+                </a:prstGeom>
+              </p:spPr>
+            </p:pic>
+          </mc:Fallback>
+        </mc:AlternateContent>
+        <p:sp>
+          <p:nvSpPr>
+            <p:cNvPr id="53" name="文本框 52">
+              <a:extLst>
+                <a:ext uri="{FF2B5EF4-FFF2-40B4-BE49-F238E27FC236}">
+                  <a16:creationId xmlns:a16="http://schemas.microsoft.com/office/drawing/2014/main" id="{41F89F16-F184-1534-F5F8-B824F567BC6D}"/>
+                </a:ext>
+              </a:extLst>
+            </p:cNvPr>
+            <p:cNvSpPr txBox="1"/>
+            <p:nvPr/>
+          </p:nvSpPr>
+          <p:spPr>
+            <a:xfrm>
+              <a:off x="3653629" y="2654469"/>
+              <a:ext cx="4743417" cy="2062103"/>
+            </a:xfrm>
+            <a:prstGeom prst="rect">
+              <a:avLst/>
+            </a:prstGeom>
+            <a:noFill/>
+          </p:spPr>
+          <p:txBody>
+            <a:bodyPr wrap="square" rtlCol="0">
+              <a:spAutoFit/>
+            </a:bodyPr>
+            <a:lstStyle/>
+            <a:p>
+              <a:r>
+                <a:rPr lang="zh-CN" altLang="en-US" sz="1600" dirty="0">
+                  <a:solidFill>
+                    <a:srgbClr val="92D050"/>
+                  </a:solidFill>
+                </a:rPr>
+                <a:t>  输入锚点                                        输出锚点</a:t>
+              </a:r>
+              <a:endParaRPr lang="en-US" altLang="zh-CN" sz="1600" dirty="0">
+                <a:solidFill>
+                  <a:srgbClr val="92D050"/>
+                </a:solidFill>
+              </a:endParaRPr>
+            </a:p>
+            <a:p>
+              <a:endParaRPr lang="en-US" altLang="zh-CN" sz="1600" dirty="0">
+                <a:solidFill>
+                  <a:srgbClr val="92D050"/>
+                </a:solidFill>
+              </a:endParaRPr>
+            </a:p>
+            <a:p>
+              <a:endParaRPr lang="en-US" altLang="zh-CN" sz="1600" dirty="0">
+                <a:solidFill>
+                  <a:srgbClr val="92D050"/>
+                </a:solidFill>
+              </a:endParaRPr>
+            </a:p>
+            <a:p>
+              <a:endParaRPr lang="en-US" altLang="zh-CN" sz="1600" dirty="0">
+                <a:solidFill>
+                  <a:srgbClr val="92D050"/>
+                </a:solidFill>
+              </a:endParaRPr>
+            </a:p>
+            <a:p>
+              <a:endParaRPr lang="en-US" altLang="zh-CN" sz="1600" dirty="0">
+                <a:solidFill>
+                  <a:srgbClr val="92D050"/>
+                </a:solidFill>
+              </a:endParaRPr>
+            </a:p>
+            <a:p>
+              <a:endParaRPr lang="en-US" altLang="zh-CN" sz="1600" dirty="0">
+                <a:solidFill>
+                  <a:srgbClr val="92D050"/>
+                </a:solidFill>
+              </a:endParaRPr>
+            </a:p>
+            <a:p>
+              <a:endParaRPr lang="en-US" altLang="zh-CN" sz="1600" dirty="0">
+                <a:solidFill>
+                  <a:srgbClr val="92D050"/>
+                </a:solidFill>
+              </a:endParaRPr>
+            </a:p>
+            <a:p>
+              <a:r>
+                <a:rPr lang="zh-CN" altLang="en-US" sz="1600" dirty="0">
+                  <a:solidFill>
+                    <a:srgbClr val="92D050"/>
+                  </a:solidFill>
+                </a:rPr>
+                <a:t>必填项</a:t>
+              </a:r>
+            </a:p>
+          </p:txBody>
+        </p:sp>
+      </p:grpSp>
     </p:spTree>
     <p:extLst>
       <p:ext uri="{BB962C8B-B14F-4D97-AF65-F5344CB8AC3E}">
@@ -9354,14 +10387,14 @@
   </p:clrMapOvr>
   <mc:AlternateContent xmlns:mc="http://schemas.openxmlformats.org/markup-compatibility/2006">
     <mc:Choice xmlns:p14="http://schemas.microsoft.com/office/powerpoint/2010/main" Requires="p14">
-      <p:transition p14:dur="0" advClick="0"/>
+      <p:transition p14:dur="10" advClick="0"/>
     </mc:Choice>
     <mc:Fallback>
       <p:transition advClick="0"/>
     </mc:Fallback>
   </mc:AlternateContent>
-  <mc:AlternateContent xmlns:mc="http://schemas.openxmlformats.org/markup-compatibility/2006" xmlns:p14="http://schemas.microsoft.com/office/powerpoint/2010/main">
-    <mc:Choice Requires="p14">
+  <mc:AlternateContent xmlns:mc="http://schemas.openxmlformats.org/markup-compatibility/2006">
+    <mc:Choice xmlns:p14="http://schemas.microsoft.com/office/powerpoint/2010/main" Requires="p14">
       <p:timing>
         <p:tnLst>
           <p:par>
@@ -9388,7 +10421,7 @@
                                         <p:cond delay="0"/>
                                       </p:stCondLst>
                                       <p:childTnLst>
-                                        <p:animMotion origin="layout" path="M 3.33333E-6 1.48148E-6 L 0.67448 1.48148E-6 " pathEditMode="relative" rAng="0" ptsTypes="AA" p14:bounceEnd="51000">
+                                        <p:animMotion origin="layout" path="M -1.66667E-6 1.48148E-6 L 0.67448 1.48148E-6 " pathEditMode="relative" rAng="0" ptsTypes="AA" p14:bounceEnd="51000">
                                           <p:cBhvr>
                                             <p:cTn id="6" dur="1000" fill="hold"/>
                                             <p:tgtEl>
@@ -9427,14 +10460,36 @@
                                     </p:cTn>
                                   </p:par>
                                   <p:par>
-                                    <p:cTn id="9" presetID="35" presetClass="path" presetSubtype="0" accel="50000" decel="50000" fill="hold" nodeType="withEffect">
+                                    <p:cTn id="9" presetID="63" presetClass="path" presetSubtype="0" accel="50000" fill="hold" nodeType="withEffect" p14:presetBounceEnd="51000">
+                                      <p:stCondLst>
+                                        <p:cond delay="0"/>
+                                      </p:stCondLst>
+                                      <p:childTnLst>
+                                        <p:animMotion origin="layout" path="M 3.33333E-6 1.48148E-6 L 0.67448 1.48148E-6 " pathEditMode="relative" rAng="0" ptsTypes="AA" p14:bounceEnd="51000">
+                                          <p:cBhvr>
+                                            <p:cTn id="10" dur="1000" fill="hold"/>
+                                            <p:tgtEl>
+                                              <p:spTgt spid="7"/>
+                                            </p:tgtEl>
+                                            <p:attrNameLst>
+                                              <p:attrName>ppt_x</p:attrName>
+                                              <p:attrName>ppt_y</p:attrName>
+                                            </p:attrNameLst>
+                                          </p:cBhvr>
+                                          <p:rCtr x="33724" y="0"/>
+                                        </p:animMotion>
+                                      </p:childTnLst>
+                                    </p:cTn>
+                                  </p:par>
+                                  <p:par>
+                                    <p:cTn id="11" presetID="35" presetClass="path" presetSubtype="0" accel="50000" decel="50000" fill="hold" nodeType="withEffect">
                                       <p:stCondLst>
                                         <p:cond delay="0"/>
                                       </p:stCondLst>
                                       <p:childTnLst>
                                         <p:animMotion origin="layout" path="M -3.125E-6 0 L -0.25 0 " pathEditMode="relative" rAng="0" ptsTypes="AA">
                                           <p:cBhvr>
-                                            <p:cTn id="10" dur="1000" fill="hold"/>
+                                            <p:cTn id="12" dur="1000" fill="hold"/>
                                             <p:tgtEl>
                                               <p:spTgt spid="12"/>
                                             </p:tgtEl>
@@ -9449,14 +10504,14 @@
                                     </p:cTn>
                                   </p:par>
                                   <p:par>
-                                    <p:cTn id="11" presetID="35" presetClass="path" presetSubtype="0" accel="50000" decel="50000" fill="hold" nodeType="withEffect">
+                                    <p:cTn id="13" presetID="35" presetClass="path" presetSubtype="0" accel="50000" decel="50000" fill="hold" nodeType="withEffect">
                                       <p:stCondLst>
                                         <p:cond delay="0"/>
                                       </p:stCondLst>
                                       <p:childTnLst>
                                         <p:animMotion origin="layout" path="M 2.29167E-6 0 L -0.25 0 " pathEditMode="relative" rAng="0" ptsTypes="AA">
                                           <p:cBhvr>
-                                            <p:cTn id="12" dur="1000" fill="hold"/>
+                                            <p:cTn id="14" dur="1000" fill="hold"/>
                                             <p:tgtEl>
                                               <p:spTgt spid="18"/>
                                             </p:tgtEl>
@@ -9471,24 +10526,187 @@
                                     </p:cTn>
                                   </p:par>
                                   <p:par>
-                                    <p:cTn id="13" presetID="63" presetClass="path" presetSubtype="0" accel="50000" fill="hold" nodeType="withEffect" p14:presetBounceEnd="51000">
+                                    <p:cTn id="15" presetID="63" presetClass="path" presetSubtype="0" accel="50000" fill="hold" grpId="0" nodeType="withEffect" p14:presetBounceEnd="51000">
                                       <p:stCondLst>
                                         <p:cond delay="0"/>
                                       </p:stCondLst>
                                       <p:childTnLst>
-                                        <p:animMotion origin="layout" path="M 3.33333E-6 1.48148E-6 L 0.67448 1.48148E-6 " pathEditMode="relative" rAng="0" ptsTypes="AA" p14:bounceEnd="51000">
+                                        <p:animMotion origin="layout" path="M 4.16667E-6 2.96296E-6 L 0.73007 2.96296E-6 " pathEditMode="relative" rAng="0" ptsTypes="AA" p14:bounceEnd="51000">
                                           <p:cBhvr>
-                                            <p:cTn id="14" dur="1000" fill="hold"/>
+                                            <p:cTn id="16" dur="1000" fill="hold"/>
                                             <p:tgtEl>
-                                              <p:spTgt spid="7"/>
+                                              <p:spTgt spid="23"/>
                                             </p:tgtEl>
                                             <p:attrNameLst>
                                               <p:attrName>ppt_x</p:attrName>
                                               <p:attrName>ppt_y</p:attrName>
                                             </p:attrNameLst>
                                           </p:cBhvr>
-                                          <p:rCtr x="33724" y="0"/>
+                                          <p:rCtr x="36497" y="0"/>
                                         </p:animMotion>
+                                      </p:childTnLst>
+                                    </p:cTn>
+                                  </p:par>
+                                  <p:par>
+                                    <p:cTn id="17" presetID="63" presetClass="path" presetSubtype="0" accel="50000" fill="hold" nodeType="withEffect" p14:presetBounceEnd="51000">
+                                      <p:stCondLst>
+                                        <p:cond delay="0"/>
+                                      </p:stCondLst>
+                                      <p:childTnLst>
+                                        <p:animMotion origin="layout" path="M -0.15625 0 L 0.73112 0 " pathEditMode="relative" rAng="0" ptsTypes="AA" p14:bounceEnd="51000">
+                                          <p:cBhvr>
+                                            <p:cTn id="18" dur="1000" fill="hold"/>
+                                            <p:tgtEl>
+                                              <p:spTgt spid="39"/>
+                                            </p:tgtEl>
+                                            <p:attrNameLst>
+                                              <p:attrName>ppt_x</p:attrName>
+                                              <p:attrName>ppt_y</p:attrName>
+                                            </p:attrNameLst>
+                                          </p:cBhvr>
+                                          <p:rCtr x="44362" y="0"/>
+                                        </p:animMotion>
+                                      </p:childTnLst>
+                                    </p:cTn>
+                                  </p:par>
+                                </p:childTnLst>
+                              </p:cTn>
+                            </p:par>
+                          </p:childTnLst>
+                        </p:cTn>
+                      </p:par>
+                      <p:par>
+                        <p:cTn id="19" fill="hold">
+                          <p:stCondLst>
+                            <p:cond delay="indefinite"/>
+                          </p:stCondLst>
+                          <p:childTnLst>
+                            <p:par>
+                              <p:cTn id="20" fill="hold">
+                                <p:stCondLst>
+                                  <p:cond delay="0"/>
+                                </p:stCondLst>
+                                <p:childTnLst>
+                                  <p:par>
+                                    <p:cTn id="21" presetID="10" presetClass="exit" presetSubtype="0" fill="hold" nodeType="clickEffect">
+                                      <p:stCondLst>
+                                        <p:cond delay="0"/>
+                                      </p:stCondLst>
+                                      <p:childTnLst>
+                                        <p:animEffect transition="out" filter="fade">
+                                          <p:cBhvr>
+                                            <p:cTn id="22" dur="500"/>
+                                            <p:tgtEl>
+                                              <p:spTgt spid="39"/>
+                                            </p:tgtEl>
+                                          </p:cBhvr>
+                                        </p:animEffect>
+                                        <p:set>
+                                          <p:cBhvr>
+                                            <p:cTn id="23" dur="1" fill="hold">
+                                              <p:stCondLst>
+                                                <p:cond delay="499"/>
+                                              </p:stCondLst>
+                                            </p:cTn>
+                                            <p:tgtEl>
+                                              <p:spTgt spid="39"/>
+                                            </p:tgtEl>
+                                            <p:attrNameLst>
+                                              <p:attrName>style.visibility</p:attrName>
+                                            </p:attrNameLst>
+                                          </p:cBhvr>
+                                          <p:to>
+                                            <p:strVal val="hidden"/>
+                                          </p:to>
+                                        </p:set>
+                                      </p:childTnLst>
+                                    </p:cTn>
+                                  </p:par>
+                                  <p:par>
+                                    <p:cTn id="24" presetID="10" presetClass="entr" presetSubtype="0" fill="hold" nodeType="withEffect">
+                                      <p:stCondLst>
+                                        <p:cond delay="0"/>
+                                      </p:stCondLst>
+                                      <p:childTnLst>
+                                        <p:set>
+                                          <p:cBhvr>
+                                            <p:cTn id="25" dur="1" fill="hold">
+                                              <p:stCondLst>
+                                                <p:cond delay="0"/>
+                                              </p:stCondLst>
+                                            </p:cTn>
+                                            <p:tgtEl>
+                                              <p:spTgt spid="41"/>
+                                            </p:tgtEl>
+                                            <p:attrNameLst>
+                                              <p:attrName>style.visibility</p:attrName>
+                                            </p:attrNameLst>
+                                          </p:cBhvr>
+                                          <p:to>
+                                            <p:strVal val="visible"/>
+                                          </p:to>
+                                        </p:set>
+                                        <p:animEffect transition="in" filter="fade">
+                                          <p:cBhvr>
+                                            <p:cTn id="26" dur="500"/>
+                                            <p:tgtEl>
+                                              <p:spTgt spid="41"/>
+                                            </p:tgtEl>
+                                          </p:cBhvr>
+                                        </p:animEffect>
+                                      </p:childTnLst>
+                                    </p:cTn>
+                                  </p:par>
+                                </p:childTnLst>
+                              </p:cTn>
+                            </p:par>
+                          </p:childTnLst>
+                        </p:cTn>
+                      </p:par>
+                      <p:par>
+                        <p:cTn id="27" fill="hold">
+                          <p:stCondLst>
+                            <p:cond delay="indefinite"/>
+                          </p:stCondLst>
+                          <p:childTnLst>
+                            <p:par>
+                              <p:cTn id="28" fill="hold">
+                                <p:stCondLst>
+                                  <p:cond delay="0"/>
+                                </p:stCondLst>
+                                <p:childTnLst>
+                                  <p:par>
+                                    <p:cTn id="29" presetID="16" presetClass="entr" presetSubtype="21" fill="hold" nodeType="clickEffect">
+                                      <p:stCondLst>
+                                        <p:cond delay="0"/>
+                                      </p:stCondLst>
+                                      <p:childTnLst>
+                                        <p:set>
+                                          <p:cBhvr>
+                                            <p:cTn id="30" dur="1" fill="hold">
+                                              <p:stCondLst>
+                                                <p:cond delay="0"/>
+                                              </p:stCondLst>
+                                            </p:cTn>
+                                            <p:tgtEl>
+                                              <p:spTgt spid="54"/>
+                                            </p:tgtEl>
+                                            <p:attrNameLst>
+                                              <p:attrName>style.visibility</p:attrName>
+                                            </p:attrNameLst>
+                                          </p:cBhvr>
+                                          <p:to>
+                                            <p:strVal val="visible"/>
+                                          </p:to>
+                                        </p:set>
+                                        <p:animEffect transition="in" filter="barn(inVertical)">
+                                          <p:cBhvr>
+                                            <p:cTn id="31" dur="500"/>
+                                            <p:tgtEl>
+                                              <p:spTgt spid="54"/>
+                                            </p:tgtEl>
+                                          </p:cBhvr>
+                                        </p:animEffect>
                                       </p:childTnLst>
                                     </p:cTn>
                                   </p:par>
@@ -9519,9 +10737,12 @@
             </p:cTn>
           </p:par>
         </p:tnLst>
+        <p:bldLst>
+          <p:bldP spid="23" grpId="0"/>
+        </p:bldLst>
       </p:timing>
     </mc:Choice>
-    <mc:Fallback xmlns="">
+    <mc:Fallback>
       <p:timing>
         <p:tnLst>
           <p:par>
@@ -9548,7 +10769,7 @@
                                         <p:cond delay="0"/>
                                       </p:stCondLst>
                                       <p:childTnLst>
-                                        <p:animMotion origin="layout" path="M 3.33333E-6 1.48148E-6 L 0.67448 1.48148E-6 " pathEditMode="relative" rAng="0" ptsTypes="AA">
+                                        <p:animMotion origin="layout" path="M -1.66667E-6 1.48148E-6 L 0.67448 1.48148E-6 " pathEditMode="relative" rAng="0" ptsTypes="AA">
                                           <p:cBhvr>
                                             <p:cTn id="6" dur="1000" fill="hold"/>
                                             <p:tgtEl>
@@ -9587,14 +10808,36 @@
                                     </p:cTn>
                                   </p:par>
                                   <p:par>
-                                    <p:cTn id="9" presetID="35" presetClass="path" presetSubtype="0" accel="50000" decel="50000" fill="hold" nodeType="withEffect">
+                                    <p:cTn id="9" presetID="63" presetClass="path" presetSubtype="0" accel="50000" fill="hold" nodeType="withEffect">
+                                      <p:stCondLst>
+                                        <p:cond delay="0"/>
+                                      </p:stCondLst>
+                                      <p:childTnLst>
+                                        <p:animMotion origin="layout" path="M 3.33333E-6 1.48148E-6 L 0.67448 1.48148E-6 " pathEditMode="relative" rAng="0" ptsTypes="AA">
+                                          <p:cBhvr>
+                                            <p:cTn id="10" dur="1000" fill="hold"/>
+                                            <p:tgtEl>
+                                              <p:spTgt spid="7"/>
+                                            </p:tgtEl>
+                                            <p:attrNameLst>
+                                              <p:attrName>ppt_x</p:attrName>
+                                              <p:attrName>ppt_y</p:attrName>
+                                            </p:attrNameLst>
+                                          </p:cBhvr>
+                                          <p:rCtr x="33724" y="0"/>
+                                        </p:animMotion>
+                                      </p:childTnLst>
+                                    </p:cTn>
+                                  </p:par>
+                                  <p:par>
+                                    <p:cTn id="11" presetID="35" presetClass="path" presetSubtype="0" accel="50000" decel="50000" fill="hold" nodeType="withEffect">
                                       <p:stCondLst>
                                         <p:cond delay="0"/>
                                       </p:stCondLst>
                                       <p:childTnLst>
                                         <p:animMotion origin="layout" path="M -3.125E-6 0 L -0.25 0 " pathEditMode="relative" rAng="0" ptsTypes="AA">
                                           <p:cBhvr>
-                                            <p:cTn id="10" dur="1000" fill="hold"/>
+                                            <p:cTn id="12" dur="1000" fill="hold"/>
                                             <p:tgtEl>
                                               <p:spTgt spid="12"/>
                                             </p:tgtEl>
@@ -9609,14 +10852,14 @@
                                     </p:cTn>
                                   </p:par>
                                   <p:par>
-                                    <p:cTn id="11" presetID="35" presetClass="path" presetSubtype="0" accel="50000" decel="50000" fill="hold" nodeType="withEffect">
+                                    <p:cTn id="13" presetID="35" presetClass="path" presetSubtype="0" accel="50000" decel="50000" fill="hold" nodeType="withEffect">
                                       <p:stCondLst>
                                         <p:cond delay="0"/>
                                       </p:stCondLst>
                                       <p:childTnLst>
                                         <p:animMotion origin="layout" path="M 2.29167E-6 0 L -0.25 0 " pathEditMode="relative" rAng="0" ptsTypes="AA">
                                           <p:cBhvr>
-                                            <p:cTn id="12" dur="1000" fill="hold"/>
+                                            <p:cTn id="14" dur="1000" fill="hold"/>
                                             <p:tgtEl>
                                               <p:spTgt spid="18"/>
                                             </p:tgtEl>
@@ -9631,24 +10874,187 @@
                                     </p:cTn>
                                   </p:par>
                                   <p:par>
-                                    <p:cTn id="13" presetID="63" presetClass="path" presetSubtype="0" accel="50000" fill="hold" nodeType="withEffect">
+                                    <p:cTn id="15" presetID="63" presetClass="path" presetSubtype="0" accel="50000" fill="hold" grpId="0" nodeType="withEffect">
                                       <p:stCondLst>
                                         <p:cond delay="0"/>
                                       </p:stCondLst>
                                       <p:childTnLst>
-                                        <p:animMotion origin="layout" path="M 3.33333E-6 1.48148E-6 L 0.67448 1.48148E-6 " pathEditMode="relative" rAng="0" ptsTypes="AA">
+                                        <p:animMotion origin="layout" path="M 4.16667E-6 2.96296E-6 L 0.73007 2.96296E-6 " pathEditMode="relative" rAng="0" ptsTypes="AA">
                                           <p:cBhvr>
-                                            <p:cTn id="14" dur="1000" fill="hold"/>
+                                            <p:cTn id="16" dur="1000" fill="hold"/>
                                             <p:tgtEl>
-                                              <p:spTgt spid="7"/>
+                                              <p:spTgt spid="23"/>
                                             </p:tgtEl>
                                             <p:attrNameLst>
                                               <p:attrName>ppt_x</p:attrName>
                                               <p:attrName>ppt_y</p:attrName>
                                             </p:attrNameLst>
                                           </p:cBhvr>
-                                          <p:rCtr x="33724" y="0"/>
+                                          <p:rCtr x="36497" y="0"/>
                                         </p:animMotion>
+                                      </p:childTnLst>
+                                    </p:cTn>
+                                  </p:par>
+                                  <p:par>
+                                    <p:cTn id="17" presetID="63" presetClass="path" presetSubtype="0" accel="50000" fill="hold" nodeType="withEffect">
+                                      <p:stCondLst>
+                                        <p:cond delay="0"/>
+                                      </p:stCondLst>
+                                      <p:childTnLst>
+                                        <p:animMotion origin="layout" path="M -0.15625 0 L 0.73112 0 " pathEditMode="relative" rAng="0" ptsTypes="AA">
+                                          <p:cBhvr>
+                                            <p:cTn id="18" dur="1000" fill="hold"/>
+                                            <p:tgtEl>
+                                              <p:spTgt spid="39"/>
+                                            </p:tgtEl>
+                                            <p:attrNameLst>
+                                              <p:attrName>ppt_x</p:attrName>
+                                              <p:attrName>ppt_y</p:attrName>
+                                            </p:attrNameLst>
+                                          </p:cBhvr>
+                                          <p:rCtr x="44362" y="0"/>
+                                        </p:animMotion>
+                                      </p:childTnLst>
+                                    </p:cTn>
+                                  </p:par>
+                                </p:childTnLst>
+                              </p:cTn>
+                            </p:par>
+                          </p:childTnLst>
+                        </p:cTn>
+                      </p:par>
+                      <p:par>
+                        <p:cTn id="19" fill="hold">
+                          <p:stCondLst>
+                            <p:cond delay="indefinite"/>
+                          </p:stCondLst>
+                          <p:childTnLst>
+                            <p:par>
+                              <p:cTn id="20" fill="hold">
+                                <p:stCondLst>
+                                  <p:cond delay="0"/>
+                                </p:stCondLst>
+                                <p:childTnLst>
+                                  <p:par>
+                                    <p:cTn id="21" presetID="10" presetClass="exit" presetSubtype="0" fill="hold" nodeType="clickEffect">
+                                      <p:stCondLst>
+                                        <p:cond delay="0"/>
+                                      </p:stCondLst>
+                                      <p:childTnLst>
+                                        <p:animEffect transition="out" filter="fade">
+                                          <p:cBhvr>
+                                            <p:cTn id="22" dur="500"/>
+                                            <p:tgtEl>
+                                              <p:spTgt spid="39"/>
+                                            </p:tgtEl>
+                                          </p:cBhvr>
+                                        </p:animEffect>
+                                        <p:set>
+                                          <p:cBhvr>
+                                            <p:cTn id="23" dur="1" fill="hold">
+                                              <p:stCondLst>
+                                                <p:cond delay="499"/>
+                                              </p:stCondLst>
+                                            </p:cTn>
+                                            <p:tgtEl>
+                                              <p:spTgt spid="39"/>
+                                            </p:tgtEl>
+                                            <p:attrNameLst>
+                                              <p:attrName>style.visibility</p:attrName>
+                                            </p:attrNameLst>
+                                          </p:cBhvr>
+                                          <p:to>
+                                            <p:strVal val="hidden"/>
+                                          </p:to>
+                                        </p:set>
+                                      </p:childTnLst>
+                                    </p:cTn>
+                                  </p:par>
+                                  <p:par>
+                                    <p:cTn id="24" presetID="10" presetClass="entr" presetSubtype="0" fill="hold" nodeType="withEffect">
+                                      <p:stCondLst>
+                                        <p:cond delay="0"/>
+                                      </p:stCondLst>
+                                      <p:childTnLst>
+                                        <p:set>
+                                          <p:cBhvr>
+                                            <p:cTn id="25" dur="1" fill="hold">
+                                              <p:stCondLst>
+                                                <p:cond delay="0"/>
+                                              </p:stCondLst>
+                                            </p:cTn>
+                                            <p:tgtEl>
+                                              <p:spTgt spid="41"/>
+                                            </p:tgtEl>
+                                            <p:attrNameLst>
+                                              <p:attrName>style.visibility</p:attrName>
+                                            </p:attrNameLst>
+                                          </p:cBhvr>
+                                          <p:to>
+                                            <p:strVal val="visible"/>
+                                          </p:to>
+                                        </p:set>
+                                        <p:animEffect transition="in" filter="fade">
+                                          <p:cBhvr>
+                                            <p:cTn id="26" dur="500"/>
+                                            <p:tgtEl>
+                                              <p:spTgt spid="41"/>
+                                            </p:tgtEl>
+                                          </p:cBhvr>
+                                        </p:animEffect>
+                                      </p:childTnLst>
+                                    </p:cTn>
+                                  </p:par>
+                                </p:childTnLst>
+                              </p:cTn>
+                            </p:par>
+                          </p:childTnLst>
+                        </p:cTn>
+                      </p:par>
+                      <p:par>
+                        <p:cTn id="27" fill="hold">
+                          <p:stCondLst>
+                            <p:cond delay="indefinite"/>
+                          </p:stCondLst>
+                          <p:childTnLst>
+                            <p:par>
+                              <p:cTn id="28" fill="hold">
+                                <p:stCondLst>
+                                  <p:cond delay="0"/>
+                                </p:stCondLst>
+                                <p:childTnLst>
+                                  <p:par>
+                                    <p:cTn id="29" presetID="16" presetClass="entr" presetSubtype="21" fill="hold" nodeType="clickEffect">
+                                      <p:stCondLst>
+                                        <p:cond delay="0"/>
+                                      </p:stCondLst>
+                                      <p:childTnLst>
+                                        <p:set>
+                                          <p:cBhvr>
+                                            <p:cTn id="30" dur="1" fill="hold">
+                                              <p:stCondLst>
+                                                <p:cond delay="0"/>
+                                              </p:stCondLst>
+                                            </p:cTn>
+                                            <p:tgtEl>
+                                              <p:spTgt spid="54"/>
+                                            </p:tgtEl>
+                                            <p:attrNameLst>
+                                              <p:attrName>style.visibility</p:attrName>
+                                            </p:attrNameLst>
+                                          </p:cBhvr>
+                                          <p:to>
+                                            <p:strVal val="visible"/>
+                                          </p:to>
+                                        </p:set>
+                                        <p:animEffect transition="in" filter="barn(inVertical)">
+                                          <p:cBhvr>
+                                            <p:cTn id="31" dur="500"/>
+                                            <p:tgtEl>
+                                              <p:spTgt spid="54"/>
+                                            </p:tgtEl>
+                                          </p:cBhvr>
+                                        </p:animEffect>
                                       </p:childTnLst>
                                     </p:cTn>
                                   </p:par>
@@ -9679,6 +11085,9 @@
             </p:cTn>
           </p:par>
         </p:tnLst>
+        <p:bldLst>
+          <p:bldP spid="23" grpId="0"/>
+        </p:bldLst>
       </p:timing>
     </mc:Fallback>
   </mc:AlternateContent>
@@ -9716,6 +11125,75 @@
           <a:chExt cx="0" cy="0"/>
         </a:xfrm>
       </p:grpSpPr>
+      <p:sp>
+        <p:nvSpPr>
+          <p:cNvPr id="24" name="文本框 23">
+            <a:extLst>
+              <a:ext uri="{FF2B5EF4-FFF2-40B4-BE49-F238E27FC236}">
+                <a16:creationId xmlns:a16="http://schemas.microsoft.com/office/drawing/2014/main" id="{5D7B8A51-BF4B-47B2-921D-1C8C06B8AA89}"/>
+              </a:ext>
+            </a:extLst>
+          </p:cNvPr>
+          <p:cNvSpPr txBox="1"/>
+          <p:nvPr/>
+        </p:nvSpPr>
+        <p:spPr>
+          <a:xfrm>
+            <a:off x="1893780" y="728133"/>
+            <a:ext cx="8266220" cy="5109091"/>
+          </a:xfrm>
+          <a:prstGeom prst="rect">
+            <a:avLst/>
+          </a:prstGeom>
+          <a:noFill/>
+        </p:spPr>
+        <p:txBody>
+          <a:bodyPr wrap="square" rtlCol="0">
+            <a:spAutoFit/>
+          </a:bodyPr>
+          <a:lstStyle/>
+          <a:p>
+            <a:pPr algn="ctr"/>
+            <a:r>
+              <a:rPr lang="en-US" altLang="zh-CN" sz="32600" b="1" dirty="0">
+                <a:solidFill>
+                  <a:schemeClr val="accent1">
+                    <a:lumMod val="60000"/>
+                    <a:lumOff val="40000"/>
+                    <a:alpha val="37000"/>
+                  </a:schemeClr>
+                </a:solidFill>
+                <a:effectLst>
+                  <a:outerShdw blurRad="50800" dist="50800" dir="5400000" sx="105000" sy="105000" algn="ctr" rotWithShape="0">
+                    <a:srgbClr val="000000">
+                      <a:alpha val="28000"/>
+                    </a:srgbClr>
+                  </a:outerShdw>
+                </a:effectLst>
+                <a:latin typeface="Cooper Black" panose="0208090404030B020404" pitchFamily="18" charset="0"/>
+              </a:rPr>
+              <a:t>MI</a:t>
+            </a:r>
+            <a:endParaRPr lang="zh-CN" altLang="en-US" sz="32600" b="1" dirty="0">
+              <a:solidFill>
+                <a:schemeClr val="accent1">
+                  <a:lumMod val="60000"/>
+                  <a:lumOff val="40000"/>
+                  <a:alpha val="37000"/>
+                </a:schemeClr>
+              </a:solidFill>
+              <a:effectLst>
+                <a:outerShdw blurRad="50800" dist="50800" dir="5400000" sx="105000" sy="105000" algn="ctr" rotWithShape="0">
+                  <a:srgbClr val="000000">
+                    <a:alpha val="28000"/>
+                  </a:srgbClr>
+                </a:outerShdw>
+              </a:effectLst>
+              <a:latin typeface="Cooper Black" panose="0208090404030B020404" pitchFamily="18" charset="0"/>
+            </a:endParaRPr>
+          </a:p>
+        </p:txBody>
+      </p:sp>
       <p:grpSp>
         <p:nvGrpSpPr>
           <p:cNvPr id="22" name="组合 21">
@@ -10475,7 +11953,10 @@
               <a:avLst/>
             </a:prstGeom>
             <a:solidFill>
-              <a:schemeClr val="accent5"/>
+              <a:schemeClr val="bg2">
+                <a:lumMod val="60000"/>
+                <a:lumOff val="40000"/>
+              </a:schemeClr>
             </a:solidFill>
             <a:ln>
               <a:noFill/>
@@ -10543,7 +12024,10 @@
               <a:avLst/>
             </a:prstGeom>
             <a:solidFill>
-              <a:schemeClr val="accent5"/>
+              <a:schemeClr val="bg2">
+                <a:lumMod val="60000"/>
+                <a:lumOff val="40000"/>
+              </a:schemeClr>
             </a:solidFill>
             <a:ln>
               <a:noFill/>
@@ -10585,13 +12069,13 @@
   <p:clrMapOvr>
     <a:masterClrMapping/>
   </p:clrMapOvr>
-  <mc:AlternateContent xmlns:mc="http://schemas.openxmlformats.org/markup-compatibility/2006" xmlns:p159="http://schemas.microsoft.com/office/powerpoint/2015/09/main">
-    <mc:Choice Requires="p159">
-      <p:transition xmlns:p14="http://schemas.microsoft.com/office/powerpoint/2010/main" spd="slow" p14:dur="1500">
+  <mc:AlternateContent xmlns:mc="http://schemas.openxmlformats.org/markup-compatibility/2006">
+    <mc:Choice xmlns:p159="http://schemas.microsoft.com/office/powerpoint/2015/09/main" Requires="p159">
+      <p:transition xmlns:p14="http://schemas.microsoft.com/office/powerpoint/2010/main" spd="slow" p14:dur="1200">
         <p159:morph option="byObject"/>
       </p:transition>
     </mc:Choice>
-    <mc:Fallback xmlns="">
+    <mc:Fallback>
       <p:transition spd="slow">
         <p:fade/>
       </p:transition>
@@ -10729,6 +12213,28 @@
                                       </p:childTnLst>
                                     </p:cTn>
                                   </p:par>
+                                  <p:par>
+                                    <p:cTn id="15" presetID="63" presetClass="path" presetSubtype="0" accel="50000" fill="hold" grpId="0" nodeType="withEffect" p14:presetBounceEnd="51000">
+                                      <p:stCondLst>
+                                        <p:cond delay="0"/>
+                                      </p:stCondLst>
+                                      <p:childTnLst>
+                                        <p:animMotion origin="layout" path="M 3.33333E-6 1.85185E-6 L 0.74466 1.85185E-6 " pathEditMode="relative" rAng="0" ptsTypes="AA" p14:bounceEnd="51000">
+                                          <p:cBhvr>
+                                            <p:cTn id="16" dur="1000" fill="hold"/>
+                                            <p:tgtEl>
+                                              <p:spTgt spid="23"/>
+                                            </p:tgtEl>
+                                            <p:attrNameLst>
+                                              <p:attrName>ppt_x</p:attrName>
+                                              <p:attrName>ppt_y</p:attrName>
+                                            </p:attrNameLst>
+                                          </p:cBhvr>
+                                          <p:rCtr x="37227" y="0"/>
+                                        </p:animMotion>
+                                      </p:childTnLst>
+                                    </p:cTn>
+                                  </p:par>
                                 </p:childTnLst>
                               </p:cTn>
                             </p:par>
@@ -10756,6 +12262,9 @@
             </p:cTn>
           </p:par>
         </p:tnLst>
+        <p:bldLst>
+          <p:bldP spid="23" grpId="0"/>
+        </p:bldLst>
       </p:timing>
     </mc:Choice>
     <mc:Fallback xmlns="">
@@ -10889,6 +12398,28 @@
                                       </p:childTnLst>
                                     </p:cTn>
                                   </p:par>
+                                  <p:par>
+                                    <p:cTn id="15" presetID="63" presetClass="path" presetSubtype="0" accel="50000" fill="hold" grpId="0" nodeType="withEffect">
+                                      <p:stCondLst>
+                                        <p:cond delay="0"/>
+                                      </p:stCondLst>
+                                      <p:childTnLst>
+                                        <p:animMotion origin="layout" path="M 3.33333E-6 1.85185E-6 L 0.74466 1.85185E-6 " pathEditMode="relative" rAng="0" ptsTypes="AA">
+                                          <p:cBhvr>
+                                            <p:cTn id="16" dur="1000" fill="hold"/>
+                                            <p:tgtEl>
+                                              <p:spTgt spid="23"/>
+                                            </p:tgtEl>
+                                            <p:attrNameLst>
+                                              <p:attrName>ppt_x</p:attrName>
+                                              <p:attrName>ppt_y</p:attrName>
+                                            </p:attrNameLst>
+                                          </p:cBhvr>
+                                          <p:rCtr x="37227" y="0"/>
+                                        </p:animMotion>
+                                      </p:childTnLst>
+                                    </p:cTn>
+                                  </p:par>
                                 </p:childTnLst>
                               </p:cTn>
                             </p:par>
@@ -10916,6 +12447,1371 @@
             </p:cTn>
           </p:par>
         </p:tnLst>
+        <p:bldLst>
+          <p:bldP spid="23" grpId="0"/>
+        </p:bldLst>
+      </p:timing>
+    </mc:Fallback>
+  </mc:AlternateContent>
+</p:sld>
+</file>
+
+<file path=ppt/slides/slide6.xml><?xml version="1.0" encoding="utf-8"?>
+<p:sld xmlns:a="http://schemas.openxmlformats.org/drawingml/2006/main" xmlns:r="http://schemas.openxmlformats.org/officeDocument/2006/relationships" xmlns:p="http://schemas.openxmlformats.org/presentationml/2006/main" showMasterSp="0">
+  <p:cSld>
+    <p:bg>
+      <p:bgPr>
+        <a:blipFill dpi="0" rotWithShape="1">
+          <a:blip r:embed="rId3">
+            <a:lum/>
+          </a:blip>
+          <a:srcRect/>
+          <a:stretch>
+            <a:fillRect/>
+          </a:stretch>
+        </a:blipFill>
+        <a:effectLst/>
+      </p:bgPr>
+    </p:bg>
+    <p:spTree>
+      <p:nvGrpSpPr>
+        <p:cNvPr id="1" name=""/>
+        <p:cNvGrpSpPr/>
+        <p:nvPr/>
+      </p:nvGrpSpPr>
+      <p:grpSpPr>
+        <a:xfrm>
+          <a:off x="0" y="0"/>
+          <a:ext cx="0" cy="0"/>
+          <a:chOff x="0" y="0"/>
+          <a:chExt cx="0" cy="0"/>
+        </a:xfrm>
+      </p:grpSpPr>
+      <p:sp>
+        <p:nvSpPr>
+          <p:cNvPr id="24" name="文本框 23">
+            <a:extLst>
+              <a:ext uri="{FF2B5EF4-FFF2-40B4-BE49-F238E27FC236}">
+                <a16:creationId xmlns:a16="http://schemas.microsoft.com/office/drawing/2014/main" id="{03C2F611-4246-D9F7-66EE-24873D23B082}"/>
+              </a:ext>
+            </a:extLst>
+          </p:cNvPr>
+          <p:cNvSpPr txBox="1"/>
+          <p:nvPr/>
+        </p:nvSpPr>
+        <p:spPr>
+          <a:xfrm>
+            <a:off x="1893780" y="728133"/>
+            <a:ext cx="8266220" cy="5109091"/>
+          </a:xfrm>
+          <a:prstGeom prst="rect">
+            <a:avLst/>
+          </a:prstGeom>
+          <a:noFill/>
+        </p:spPr>
+        <p:txBody>
+          <a:bodyPr wrap="square" rtlCol="0">
+            <a:spAutoFit/>
+          </a:bodyPr>
+          <a:lstStyle/>
+          <a:p>
+            <a:pPr algn="ctr"/>
+            <a:r>
+              <a:rPr lang="en-US" altLang="zh-CN" sz="32600" b="1" dirty="0">
+                <a:solidFill>
+                  <a:schemeClr val="accent1">
+                    <a:lumMod val="60000"/>
+                    <a:lumOff val="40000"/>
+                    <a:alpha val="37000"/>
+                  </a:schemeClr>
+                </a:solidFill>
+                <a:effectLst>
+                  <a:outerShdw blurRad="50800" dist="50800" dir="5400000" sx="105000" sy="105000" algn="ctr" rotWithShape="0">
+                    <a:srgbClr val="000000">
+                      <a:alpha val="28000"/>
+                    </a:srgbClr>
+                  </a:outerShdw>
+                </a:effectLst>
+                <a:latin typeface="Cooper Black" panose="0208090404030B020404" pitchFamily="18" charset="0"/>
+              </a:rPr>
+              <a:t>MF</a:t>
+            </a:r>
+            <a:endParaRPr lang="zh-CN" altLang="en-US" sz="32600" b="1" dirty="0">
+              <a:solidFill>
+                <a:schemeClr val="accent1">
+                  <a:lumMod val="60000"/>
+                  <a:lumOff val="40000"/>
+                  <a:alpha val="37000"/>
+                </a:schemeClr>
+              </a:solidFill>
+              <a:effectLst>
+                <a:outerShdw blurRad="50800" dist="50800" dir="5400000" sx="105000" sy="105000" algn="ctr" rotWithShape="0">
+                  <a:srgbClr val="000000">
+                    <a:alpha val="28000"/>
+                  </a:srgbClr>
+                </a:outerShdw>
+              </a:effectLst>
+              <a:latin typeface="Cooper Black" panose="0208090404030B020404" pitchFamily="18" charset="0"/>
+            </a:endParaRPr>
+          </a:p>
+        </p:txBody>
+      </p:sp>
+      <p:grpSp>
+        <p:nvGrpSpPr>
+          <p:cNvPr id="22" name="组合 21">
+            <a:extLst>
+              <a:ext uri="{FF2B5EF4-FFF2-40B4-BE49-F238E27FC236}">
+                <a16:creationId xmlns:a16="http://schemas.microsoft.com/office/drawing/2014/main" id="{60D1AF09-EFCA-0576-5C96-2F64D2E5DBAF}"/>
+              </a:ext>
+            </a:extLst>
+          </p:cNvPr>
+          <p:cNvGrpSpPr/>
+          <p:nvPr/>
+        </p:nvGrpSpPr>
+        <p:grpSpPr>
+          <a:xfrm>
+            <a:off x="-8863252" y="-1534"/>
+            <a:ext cx="12263677" cy="6859534"/>
+            <a:chOff x="-8863252" y="-1534"/>
+            <a:chExt cx="12263677" cy="6859534"/>
+          </a:xfrm>
+          <a:solidFill>
+            <a:schemeClr val="bg2">
+              <a:lumMod val="50000"/>
+            </a:schemeClr>
+          </a:solidFill>
+        </p:grpSpPr>
+        <p:sp>
+          <p:nvSpPr>
+            <p:cNvPr id="5" name="文本框 4">
+              <a:extLst>
+                <a:ext uri="{FF2B5EF4-FFF2-40B4-BE49-F238E27FC236}">
+                  <a16:creationId xmlns:a16="http://schemas.microsoft.com/office/drawing/2014/main" id="{7390670E-0436-74FD-BCF1-0B9E5CAD8420}"/>
+                </a:ext>
+              </a:extLst>
+            </p:cNvPr>
+            <p:cNvSpPr txBox="1"/>
+            <p:nvPr/>
+          </p:nvSpPr>
+          <p:spPr>
+            <a:xfrm>
+              <a:off x="2591825" y="1224000"/>
+              <a:ext cx="808600" cy="888651"/>
+            </a:xfrm>
+            <a:prstGeom prst="flowChartAlternateProcess">
+              <a:avLst/>
+            </a:prstGeom>
+            <a:grpFill/>
+            <a:ln>
+              <a:noFill/>
+            </a:ln>
+            <a:effectLst>
+              <a:outerShdw blurRad="50800" dist="38100" algn="l" rotWithShape="0">
+                <a:prstClr val="black">
+                  <a:alpha val="40000"/>
+                </a:prstClr>
+              </a:outerShdw>
+              <a:softEdge rad="0"/>
+            </a:effectLst>
+          </p:spPr>
+          <p:style>
+            <a:lnRef idx="3">
+              <a:schemeClr val="lt1"/>
+            </a:lnRef>
+            <a:fillRef idx="1">
+              <a:schemeClr val="accent1"/>
+            </a:fillRef>
+            <a:effectRef idx="1">
+              <a:schemeClr val="accent1"/>
+            </a:effectRef>
+            <a:fontRef idx="minor">
+              <a:schemeClr val="lt1"/>
+            </a:fontRef>
+          </p:style>
+          <p:txBody>
+            <a:bodyPr wrap="square" rtlCol="0" anchor="ctr" anchorCtr="0">
+              <a:noAutofit/>
+            </a:bodyPr>
+            <a:lstStyle/>
+            <a:p>
+              <a:pPr algn="ctr"/>
+              <a:endParaRPr lang="zh-CN" altLang="en-US" sz="3200" b="1" dirty="0">
+                <a:latin typeface="Bauhaus 93" panose="04030905020B02020C02" pitchFamily="82" charset="0"/>
+              </a:endParaRPr>
+            </a:p>
+          </p:txBody>
+        </p:sp>
+        <p:sp>
+          <p:nvSpPr>
+            <p:cNvPr id="4" name="矩形 3">
+              <a:extLst>
+                <a:ext uri="{FF2B5EF4-FFF2-40B4-BE49-F238E27FC236}">
+                  <a16:creationId xmlns:a16="http://schemas.microsoft.com/office/drawing/2014/main" id="{0E3840C7-48F9-A79B-3845-1959334E1D63}"/>
+                </a:ext>
+              </a:extLst>
+            </p:cNvPr>
+            <p:cNvSpPr/>
+            <p:nvPr/>
+          </p:nvSpPr>
+          <p:spPr>
+            <a:xfrm>
+              <a:off x="-8863252" y="-1534"/>
+              <a:ext cx="11608501" cy="6859534"/>
+            </a:xfrm>
+            <a:prstGeom prst="rect">
+              <a:avLst/>
+            </a:prstGeom>
+            <a:grpFill/>
+            <a:ln>
+              <a:noFill/>
+            </a:ln>
+          </p:spPr>
+          <p:style>
+            <a:lnRef idx="2">
+              <a:schemeClr val="accent1">
+                <a:shade val="50000"/>
+              </a:schemeClr>
+            </a:lnRef>
+            <a:fillRef idx="1">
+              <a:schemeClr val="accent1"/>
+            </a:fillRef>
+            <a:effectRef idx="0">
+              <a:schemeClr val="accent1"/>
+            </a:effectRef>
+            <a:fontRef idx="minor">
+              <a:schemeClr val="lt1"/>
+            </a:fontRef>
+          </p:style>
+          <p:txBody>
+            <a:bodyPr rtlCol="0" anchor="ctr"/>
+            <a:lstStyle/>
+            <a:p>
+              <a:pPr algn="ctr"/>
+              <a:endParaRPr lang="zh-CN" altLang="en-US" dirty="0"/>
+            </a:p>
+          </p:txBody>
+        </p:sp>
+        <p:sp>
+          <p:nvSpPr>
+            <p:cNvPr id="20" name="文本框 19">
+              <a:extLst>
+                <a:ext uri="{FF2B5EF4-FFF2-40B4-BE49-F238E27FC236}">
+                  <a16:creationId xmlns:a16="http://schemas.microsoft.com/office/drawing/2014/main" id="{BD8BC1C5-23D4-16A7-4058-A202EA1A1605}"/>
+                </a:ext>
+              </a:extLst>
+            </p:cNvPr>
+            <p:cNvSpPr txBox="1"/>
+            <p:nvPr/>
+          </p:nvSpPr>
+          <p:spPr>
+            <a:xfrm>
+              <a:off x="-4766977" y="1570006"/>
+              <a:ext cx="3979333" cy="646331"/>
+            </a:xfrm>
+            <a:prstGeom prst="rect">
+              <a:avLst/>
+            </a:prstGeom>
+            <a:grpFill/>
+            <a:ln>
+              <a:noFill/>
+            </a:ln>
+          </p:spPr>
+          <p:txBody>
+            <a:bodyPr wrap="square" rtlCol="0">
+              <a:spAutoFit/>
+            </a:bodyPr>
+            <a:lstStyle/>
+            <a:p>
+              <a:pPr algn="ctr"/>
+              <a:r>
+                <a:rPr lang="en-US" altLang="zh-CN" sz="3600" dirty="0"/>
+                <a:t>UE4 </a:t>
+              </a:r>
+              <a:r>
+                <a:rPr lang="zh-CN" altLang="en-US" sz="3600" dirty="0"/>
+                <a:t>材质结构</a:t>
+              </a:r>
+            </a:p>
+          </p:txBody>
+        </p:sp>
+        <p:sp>
+          <p:nvSpPr>
+            <p:cNvPr id="17" name="矩形 16">
+              <a:extLst>
+                <a:ext uri="{FF2B5EF4-FFF2-40B4-BE49-F238E27FC236}">
+                  <a16:creationId xmlns:a16="http://schemas.microsoft.com/office/drawing/2014/main" id="{E0B6C8F1-FC96-B132-9602-1576EEF6C3FF}"/>
+                </a:ext>
+              </a:extLst>
+            </p:cNvPr>
+            <p:cNvSpPr/>
+            <p:nvPr/>
+          </p:nvSpPr>
+          <p:spPr>
+            <a:xfrm>
+              <a:off x="-746876" y="3444875"/>
+              <a:ext cx="942322" cy="240646"/>
+            </a:xfrm>
+            <a:prstGeom prst="rect">
+              <a:avLst/>
+            </a:prstGeom>
+            <a:solidFill>
+              <a:schemeClr val="accent1">
+                <a:lumMod val="20000"/>
+                <a:lumOff val="80000"/>
+              </a:schemeClr>
+            </a:solidFill>
+            <a:ln>
+              <a:noFill/>
+            </a:ln>
+          </p:spPr>
+          <p:style>
+            <a:lnRef idx="2">
+              <a:schemeClr val="accent1">
+                <a:shade val="50000"/>
+              </a:schemeClr>
+            </a:lnRef>
+            <a:fillRef idx="1">
+              <a:schemeClr val="accent1"/>
+            </a:fillRef>
+            <a:effectRef idx="0">
+              <a:schemeClr val="accent1"/>
+            </a:effectRef>
+            <a:fontRef idx="minor">
+              <a:schemeClr val="lt1"/>
+            </a:fontRef>
+          </p:style>
+          <p:txBody>
+            <a:bodyPr rtlCol="0" anchor="ctr"/>
+            <a:lstStyle/>
+            <a:p>
+              <a:pPr algn="ctr"/>
+              <a:endParaRPr lang="zh-CN" altLang="en-US"/>
+            </a:p>
+          </p:txBody>
+        </p:sp>
+        <p:pic>
+          <p:nvPicPr>
+            <p:cNvPr id="10" name="图片 9">
+              <a:extLst>
+                <a:ext uri="{FF2B5EF4-FFF2-40B4-BE49-F238E27FC236}">
+                  <a16:creationId xmlns:a16="http://schemas.microsoft.com/office/drawing/2014/main" id="{06952FC2-58B2-CADA-0114-3440CCC54A1D}"/>
+                </a:ext>
+              </a:extLst>
+            </p:cNvPr>
+            <p:cNvPicPr>
+              <a:picLocks noChangeAspect="1"/>
+            </p:cNvPicPr>
+            <p:nvPr/>
+          </p:nvPicPr>
+          <p:blipFill>
+            <a:blip r:embed="rId4">
+              <a:extLst>
+                <a:ext uri="{28A0092B-C50C-407E-A947-70E740481C1C}">
+                  <a14:useLocalDpi xmlns:a14="http://schemas.microsoft.com/office/drawing/2010/main" val="0"/>
+                </a:ext>
+              </a:extLst>
+            </a:blip>
+            <a:stretch>
+              <a:fillRect/>
+            </a:stretch>
+          </p:blipFill>
+          <p:spPr>
+            <a:xfrm>
+              <a:off x="-8317406" y="2540269"/>
+              <a:ext cx="10628345" cy="2195394"/>
+            </a:xfrm>
+            <a:prstGeom prst="rect">
+              <a:avLst/>
+            </a:prstGeom>
+            <a:noFill/>
+            <a:ln>
+              <a:noFill/>
+            </a:ln>
+          </p:spPr>
+        </p:pic>
+      </p:grpSp>
+      <p:pic>
+        <p:nvPicPr>
+          <p:cNvPr id="15" name="材质结构icon">
+            <a:extLst>
+              <a:ext uri="{FF2B5EF4-FFF2-40B4-BE49-F238E27FC236}">
+                <a16:creationId xmlns:a16="http://schemas.microsoft.com/office/drawing/2014/main" id="{BBF1C0E1-8918-D2EE-7007-5C8C9E4E389D}"/>
+              </a:ext>
+            </a:extLst>
+          </p:cNvPr>
+          <p:cNvPicPr>
+            <a:picLocks noChangeAspect="1"/>
+          </p:cNvPicPr>
+          <p:nvPr/>
+        </p:nvPicPr>
+        <p:blipFill>
+          <a:blip r:embed="rId5">
+            <a:extLst>
+              <a:ext uri="{28A0092B-C50C-407E-A947-70E740481C1C}">
+                <a14:useLocalDpi xmlns:a14="http://schemas.microsoft.com/office/drawing/2010/main" val="0"/>
+              </a:ext>
+            </a:extLst>
+          </a:blip>
+          <a:stretch>
+            <a:fillRect/>
+          </a:stretch>
+        </p:blipFill>
+        <p:spPr>
+          <a:xfrm>
+            <a:off x="2661963" y="1330564"/>
+            <a:ext cx="738462" cy="738462"/>
+          </a:xfrm>
+          <a:prstGeom prst="rect">
+            <a:avLst/>
+          </a:prstGeom>
+        </p:spPr>
+      </p:pic>
+      <p:grpSp>
+        <p:nvGrpSpPr>
+          <p:cNvPr id="7" name="组合 M">
+            <a:extLst>
+              <a:ext uri="{FF2B5EF4-FFF2-40B4-BE49-F238E27FC236}">
+                <a16:creationId xmlns:a16="http://schemas.microsoft.com/office/drawing/2014/main" id="{4CA1E171-F9FA-6981-1628-4B30591A3EFB}"/>
+              </a:ext>
+            </a:extLst>
+          </p:cNvPr>
+          <p:cNvGrpSpPr/>
+          <p:nvPr/>
+        </p:nvGrpSpPr>
+        <p:grpSpPr>
+          <a:xfrm>
+            <a:off x="-8776828" y="0"/>
+            <a:ext cx="11459348" cy="6859534"/>
+            <a:chOff x="-1543570" y="-1534"/>
+            <a:chExt cx="11459348" cy="6859534"/>
+          </a:xfrm>
+        </p:grpSpPr>
+        <p:sp>
+          <p:nvSpPr>
+            <p:cNvPr id="8" name="文本框 7">
+              <a:extLst>
+                <a:ext uri="{FF2B5EF4-FFF2-40B4-BE49-F238E27FC236}">
+                  <a16:creationId xmlns:a16="http://schemas.microsoft.com/office/drawing/2014/main" id="{17593F07-218D-3B51-5FFF-2B3BD3B4E754}"/>
+                </a:ext>
+              </a:extLst>
+            </p:cNvPr>
+            <p:cNvSpPr txBox="1"/>
+            <p:nvPr/>
+          </p:nvSpPr>
+          <p:spPr>
+            <a:xfrm>
+              <a:off x="9107178" y="2036087"/>
+              <a:ext cx="808600" cy="888651"/>
+            </a:xfrm>
+            <a:prstGeom prst="flowChartAlternateProcess">
+              <a:avLst/>
+            </a:prstGeom>
+            <a:solidFill>
+              <a:schemeClr val="bg2">
+                <a:lumMod val="75000"/>
+              </a:schemeClr>
+            </a:solidFill>
+            <a:ln>
+              <a:noFill/>
+            </a:ln>
+            <a:effectLst>
+              <a:outerShdw blurRad="50800" dist="38100" algn="l" rotWithShape="0">
+                <a:prstClr val="black">
+                  <a:alpha val="40000"/>
+                </a:prstClr>
+              </a:outerShdw>
+              <a:softEdge rad="0"/>
+            </a:effectLst>
+          </p:spPr>
+          <p:style>
+            <a:lnRef idx="3">
+              <a:schemeClr val="lt1"/>
+            </a:lnRef>
+            <a:fillRef idx="1">
+              <a:schemeClr val="accent1"/>
+            </a:fillRef>
+            <a:effectRef idx="1">
+              <a:schemeClr val="accent1"/>
+            </a:effectRef>
+            <a:fontRef idx="minor">
+              <a:schemeClr val="lt1"/>
+            </a:fontRef>
+          </p:style>
+          <p:txBody>
+            <a:bodyPr wrap="square" rtlCol="0" anchor="ctr" anchorCtr="0">
+              <a:noAutofit/>
+            </a:bodyPr>
+            <a:lstStyle/>
+            <a:p>
+              <a:pPr algn="ctr"/>
+              <a:r>
+                <a:rPr lang="en-US" altLang="zh-CN" sz="2400" b="1" dirty="0">
+                  <a:latin typeface="Bodoni MT Black" panose="02070A03080606020203" pitchFamily="18" charset="0"/>
+                </a:rPr>
+                <a:t>M</a:t>
+              </a:r>
+              <a:endParaRPr lang="zh-CN" altLang="en-US" sz="2400" b="1" dirty="0">
+                <a:latin typeface="Bodoni MT Black" panose="02070A03080606020203" pitchFamily="18" charset="0"/>
+              </a:endParaRPr>
+            </a:p>
+          </p:txBody>
+        </p:sp>
+        <p:sp>
+          <p:nvSpPr>
+            <p:cNvPr id="9" name="矩形 8">
+              <a:extLst>
+                <a:ext uri="{FF2B5EF4-FFF2-40B4-BE49-F238E27FC236}">
+                  <a16:creationId xmlns:a16="http://schemas.microsoft.com/office/drawing/2014/main" id="{4BD5810B-3011-6E5A-C575-0D87EA7B47E1}"/>
+                </a:ext>
+              </a:extLst>
+            </p:cNvPr>
+            <p:cNvSpPr/>
+            <p:nvPr/>
+          </p:nvSpPr>
+          <p:spPr>
+            <a:xfrm>
+              <a:off x="-1543570" y="-1534"/>
+              <a:ext cx="10804172" cy="6859534"/>
+            </a:xfrm>
+            <a:prstGeom prst="rect">
+              <a:avLst/>
+            </a:prstGeom>
+            <a:solidFill>
+              <a:schemeClr val="bg2">
+                <a:lumMod val="75000"/>
+              </a:schemeClr>
+            </a:solidFill>
+            <a:ln>
+              <a:noFill/>
+            </a:ln>
+          </p:spPr>
+          <p:style>
+            <a:lnRef idx="2">
+              <a:schemeClr val="accent1">
+                <a:shade val="50000"/>
+              </a:schemeClr>
+            </a:lnRef>
+            <a:fillRef idx="1">
+              <a:schemeClr val="accent1"/>
+            </a:fillRef>
+            <a:effectRef idx="0">
+              <a:schemeClr val="accent1"/>
+            </a:effectRef>
+            <a:fontRef idx="minor">
+              <a:schemeClr val="lt1"/>
+            </a:fontRef>
+          </p:style>
+          <p:txBody>
+            <a:bodyPr rtlCol="0" anchor="ctr"/>
+            <a:lstStyle/>
+            <a:p>
+              <a:pPr algn="ctr"/>
+              <a:endParaRPr lang="zh-CN" altLang="en-US" dirty="0"/>
+            </a:p>
+          </p:txBody>
+        </p:sp>
+      </p:grpSp>
+      <p:sp>
+        <p:nvSpPr>
+          <p:cNvPr id="23" name="MaterialIns">
+            <a:extLst>
+              <a:ext uri="{FF2B5EF4-FFF2-40B4-BE49-F238E27FC236}">
+                <a16:creationId xmlns:a16="http://schemas.microsoft.com/office/drawing/2014/main" id="{E623BC63-0CBD-ABF0-782A-548C5A3CF635}"/>
+              </a:ext>
+            </a:extLst>
+          </p:cNvPr>
+          <p:cNvSpPr/>
+          <p:nvPr/>
+        </p:nvSpPr>
+        <p:spPr>
+          <a:xfrm>
+            <a:off x="2603453" y="2540269"/>
+            <a:ext cx="7088800" cy="1754326"/>
+          </a:xfrm>
+          <a:prstGeom prst="rect">
+            <a:avLst/>
+          </a:prstGeom>
+          <a:noFill/>
+        </p:spPr>
+        <p:txBody>
+          <a:bodyPr wrap="none" lIns="91440" tIns="45720" rIns="91440" bIns="45720">
+            <a:spAutoFit/>
+          </a:bodyPr>
+          <a:lstStyle/>
+          <a:p>
+            <a:pPr algn="ctr"/>
+            <a:r>
+              <a:rPr lang="zh-CN" altLang="en-US" sz="5400" b="1" dirty="0">
+                <a:ln w="9525">
+                  <a:solidFill>
+                    <a:schemeClr val="bg1"/>
+                  </a:solidFill>
+                  <a:prstDash val="solid"/>
+                </a:ln>
+                <a:effectLst>
+                  <a:outerShdw blurRad="12700" dist="38100" dir="2700000" algn="tl" rotWithShape="0">
+                    <a:schemeClr val="bg1">
+                      <a:lumMod val="50000"/>
+                    </a:schemeClr>
+                  </a:outerShdw>
+                </a:effectLst>
+              </a:rPr>
+              <a:t>材质函数</a:t>
+            </a:r>
+            <a:endParaRPr lang="en-US" altLang="zh-CN" sz="5400" b="1" dirty="0">
+              <a:ln w="9525">
+                <a:solidFill>
+                  <a:schemeClr val="bg1"/>
+                </a:solidFill>
+                <a:prstDash val="solid"/>
+              </a:ln>
+              <a:effectLst>
+                <a:outerShdw blurRad="12700" dist="38100" dir="2700000" algn="tl" rotWithShape="0">
+                  <a:schemeClr val="bg1">
+                    <a:lumMod val="50000"/>
+                  </a:schemeClr>
+                </a:outerShdw>
+              </a:effectLst>
+            </a:endParaRPr>
+          </a:p>
+          <a:p>
+            <a:pPr algn="ctr"/>
+            <a:r>
+              <a:rPr lang="zh-CN" altLang="en-US" sz="5400" b="1" dirty="0">
+                <a:ln w="9525">
+                  <a:solidFill>
+                    <a:schemeClr val="bg1"/>
+                  </a:solidFill>
+                  <a:prstDash val="solid"/>
+                </a:ln>
+                <a:effectLst>
+                  <a:outerShdw blurRad="12700" dist="38100" dir="2700000" algn="tl" rotWithShape="0">
+                    <a:schemeClr val="bg1">
+                      <a:lumMod val="50000"/>
+                    </a:schemeClr>
+                  </a:outerShdw>
+                </a:effectLst>
+              </a:rPr>
+              <a:t>（</a:t>
+            </a:r>
+            <a:r>
+              <a:rPr lang="en-US" altLang="zh-CN" sz="5400" b="1" dirty="0">
+                <a:ln w="9525">
+                  <a:solidFill>
+                    <a:schemeClr val="bg1"/>
+                  </a:solidFill>
+                  <a:prstDash val="solid"/>
+                </a:ln>
+                <a:effectLst>
+                  <a:outerShdw blurRad="12700" dist="38100" dir="2700000" algn="tl" rotWithShape="0">
+                    <a:schemeClr val="bg1">
+                      <a:lumMod val="50000"/>
+                    </a:schemeClr>
+                  </a:outerShdw>
+                </a:effectLst>
+              </a:rPr>
+              <a:t>Material Function</a:t>
+            </a:r>
+            <a:r>
+              <a:rPr lang="zh-CN" altLang="en-US" sz="5400" b="1" dirty="0">
+                <a:ln w="9525">
+                  <a:solidFill>
+                    <a:schemeClr val="bg1"/>
+                  </a:solidFill>
+                  <a:prstDash val="solid"/>
+                </a:ln>
+                <a:effectLst>
+                  <a:outerShdw blurRad="12700" dist="38100" dir="2700000" algn="tl" rotWithShape="0">
+                    <a:schemeClr val="bg1">
+                      <a:lumMod val="50000"/>
+                    </a:schemeClr>
+                  </a:outerShdw>
+                </a:effectLst>
+              </a:rPr>
+              <a:t>）</a:t>
+            </a:r>
+          </a:p>
+        </p:txBody>
+      </p:sp>
+      <p:grpSp>
+        <p:nvGrpSpPr>
+          <p:cNvPr id="12" name="组合 MI">
+            <a:extLst>
+              <a:ext uri="{FF2B5EF4-FFF2-40B4-BE49-F238E27FC236}">
+                <a16:creationId xmlns:a16="http://schemas.microsoft.com/office/drawing/2014/main" id="{B2951025-4466-F7EF-45C6-A3CB7EF1CC66}"/>
+              </a:ext>
+            </a:extLst>
+          </p:cNvPr>
+          <p:cNvGrpSpPr/>
+          <p:nvPr/>
+        </p:nvGrpSpPr>
+        <p:grpSpPr>
+          <a:xfrm>
+            <a:off x="-9592917" y="0"/>
+            <a:ext cx="11459348" cy="6859534"/>
+            <a:chOff x="-1543570" y="-1534"/>
+            <a:chExt cx="11459348" cy="6859534"/>
+          </a:xfrm>
+        </p:grpSpPr>
+        <p:sp>
+          <p:nvSpPr>
+            <p:cNvPr id="13" name="文本框 12">
+              <a:extLst>
+                <a:ext uri="{FF2B5EF4-FFF2-40B4-BE49-F238E27FC236}">
+                  <a16:creationId xmlns:a16="http://schemas.microsoft.com/office/drawing/2014/main" id="{639F4C49-2D9D-548F-092F-5A740BB0FB64}"/>
+                </a:ext>
+              </a:extLst>
+            </p:cNvPr>
+            <p:cNvSpPr txBox="1"/>
+            <p:nvPr/>
+          </p:nvSpPr>
+          <p:spPr>
+            <a:xfrm>
+              <a:off x="9107178" y="3039518"/>
+              <a:ext cx="808600" cy="888651"/>
+            </a:xfrm>
+            <a:prstGeom prst="flowChartAlternateProcess">
+              <a:avLst/>
+            </a:prstGeom>
+            <a:solidFill>
+              <a:srgbClr val="4E607A"/>
+            </a:solidFill>
+            <a:ln>
+              <a:noFill/>
+            </a:ln>
+            <a:effectLst>
+              <a:outerShdw blurRad="50800" dist="38100" algn="l" rotWithShape="0">
+                <a:prstClr val="black">
+                  <a:alpha val="40000"/>
+                </a:prstClr>
+              </a:outerShdw>
+              <a:softEdge rad="0"/>
+            </a:effectLst>
+          </p:spPr>
+          <p:style>
+            <a:lnRef idx="3">
+              <a:schemeClr val="lt1"/>
+            </a:lnRef>
+            <a:fillRef idx="1">
+              <a:schemeClr val="accent1"/>
+            </a:fillRef>
+            <a:effectRef idx="1">
+              <a:schemeClr val="accent1"/>
+            </a:effectRef>
+            <a:fontRef idx="minor">
+              <a:schemeClr val="lt1"/>
+            </a:fontRef>
+          </p:style>
+          <p:txBody>
+            <a:bodyPr wrap="square" rtlCol="0" anchor="ctr" anchorCtr="0">
+              <a:noAutofit/>
+            </a:bodyPr>
+            <a:lstStyle/>
+            <a:p>
+              <a:pPr algn="ctr"/>
+              <a:r>
+                <a:rPr lang="en-US" altLang="zh-CN" sz="2400" b="1" dirty="0">
+                  <a:latin typeface="Bodoni MT Black" panose="02070A03080606020203" pitchFamily="18" charset="0"/>
+                </a:rPr>
+                <a:t>MI</a:t>
+              </a:r>
+              <a:endParaRPr lang="zh-CN" altLang="en-US" sz="2400" b="1" dirty="0">
+                <a:latin typeface="Bodoni MT Black" panose="02070A03080606020203" pitchFamily="18" charset="0"/>
+              </a:endParaRPr>
+            </a:p>
+          </p:txBody>
+        </p:sp>
+        <p:sp>
+          <p:nvSpPr>
+            <p:cNvPr id="14" name="矩形 13">
+              <a:extLst>
+                <a:ext uri="{FF2B5EF4-FFF2-40B4-BE49-F238E27FC236}">
+                  <a16:creationId xmlns:a16="http://schemas.microsoft.com/office/drawing/2014/main" id="{AE00B959-9713-4F96-2D07-989385768095}"/>
+                </a:ext>
+              </a:extLst>
+            </p:cNvPr>
+            <p:cNvSpPr/>
+            <p:nvPr/>
+          </p:nvSpPr>
+          <p:spPr>
+            <a:xfrm>
+              <a:off x="-1543570" y="-1534"/>
+              <a:ext cx="10804172" cy="6859534"/>
+            </a:xfrm>
+            <a:prstGeom prst="rect">
+              <a:avLst/>
+            </a:prstGeom>
+            <a:solidFill>
+              <a:srgbClr val="4E607A"/>
+            </a:solidFill>
+            <a:ln>
+              <a:noFill/>
+            </a:ln>
+          </p:spPr>
+          <p:style>
+            <a:lnRef idx="2">
+              <a:schemeClr val="accent1">
+                <a:shade val="50000"/>
+              </a:schemeClr>
+            </a:lnRef>
+            <a:fillRef idx="1">
+              <a:schemeClr val="accent1"/>
+            </a:fillRef>
+            <a:effectRef idx="0">
+              <a:schemeClr val="accent1"/>
+            </a:effectRef>
+            <a:fontRef idx="minor">
+              <a:schemeClr val="lt1"/>
+            </a:fontRef>
+          </p:style>
+          <p:txBody>
+            <a:bodyPr rtlCol="0" anchor="ctr"/>
+            <a:lstStyle/>
+            <a:p>
+              <a:pPr algn="ctr"/>
+              <a:endParaRPr lang="zh-CN" altLang="en-US" dirty="0"/>
+            </a:p>
+          </p:txBody>
+        </p:sp>
+      </p:grpSp>
+      <p:grpSp>
+        <p:nvGrpSpPr>
+          <p:cNvPr id="18" name="组合 MF">
+            <a:extLst>
+              <a:ext uri="{FF2B5EF4-FFF2-40B4-BE49-F238E27FC236}">
+                <a16:creationId xmlns:a16="http://schemas.microsoft.com/office/drawing/2014/main" id="{7F6BD44A-0418-7275-D2E9-F6673D940EE8}"/>
+              </a:ext>
+            </a:extLst>
+          </p:cNvPr>
+          <p:cNvGrpSpPr/>
+          <p:nvPr/>
+        </p:nvGrpSpPr>
+        <p:grpSpPr>
+          <a:xfrm>
+            <a:off x="-10396325" y="0"/>
+            <a:ext cx="11459348" cy="6859534"/>
+            <a:chOff x="-1543570" y="-1534"/>
+            <a:chExt cx="11459348" cy="6859534"/>
+          </a:xfrm>
+        </p:grpSpPr>
+        <p:sp>
+          <p:nvSpPr>
+            <p:cNvPr id="19" name="文本框 18">
+              <a:extLst>
+                <a:ext uri="{FF2B5EF4-FFF2-40B4-BE49-F238E27FC236}">
+                  <a16:creationId xmlns:a16="http://schemas.microsoft.com/office/drawing/2014/main" id="{C70A4406-617C-9314-67A8-E94F551E4BD1}"/>
+                </a:ext>
+              </a:extLst>
+            </p:cNvPr>
+            <p:cNvSpPr txBox="1"/>
+            <p:nvPr/>
+          </p:nvSpPr>
+          <p:spPr>
+            <a:xfrm>
+              <a:off x="9107178" y="4059797"/>
+              <a:ext cx="808600" cy="888651"/>
+            </a:xfrm>
+            <a:prstGeom prst="flowChartAlternateProcess">
+              <a:avLst/>
+            </a:prstGeom>
+            <a:solidFill>
+              <a:schemeClr val="bg2">
+                <a:lumMod val="60000"/>
+                <a:lumOff val="40000"/>
+              </a:schemeClr>
+            </a:solidFill>
+            <a:ln>
+              <a:noFill/>
+            </a:ln>
+            <a:effectLst>
+              <a:outerShdw blurRad="50800" dist="38100" algn="l" rotWithShape="0">
+                <a:prstClr val="black">
+                  <a:alpha val="40000"/>
+                </a:prstClr>
+              </a:outerShdw>
+              <a:softEdge rad="0"/>
+            </a:effectLst>
+          </p:spPr>
+          <p:style>
+            <a:lnRef idx="3">
+              <a:schemeClr val="lt1"/>
+            </a:lnRef>
+            <a:fillRef idx="1">
+              <a:schemeClr val="accent1"/>
+            </a:fillRef>
+            <a:effectRef idx="1">
+              <a:schemeClr val="accent1"/>
+            </a:effectRef>
+            <a:fontRef idx="minor">
+              <a:schemeClr val="lt1"/>
+            </a:fontRef>
+          </p:style>
+          <p:txBody>
+            <a:bodyPr wrap="square" rtlCol="0" anchor="ctr" anchorCtr="0">
+              <a:noAutofit/>
+            </a:bodyPr>
+            <a:lstStyle/>
+            <a:p>
+              <a:pPr algn="ctr"/>
+              <a:r>
+                <a:rPr lang="en-US" altLang="zh-CN" sz="2400" b="1" dirty="0">
+                  <a:latin typeface="Bodoni MT Black" panose="02070A03080606020203" pitchFamily="18" charset="0"/>
+                </a:rPr>
+                <a:t>MF</a:t>
+              </a:r>
+              <a:endParaRPr lang="zh-CN" altLang="en-US" sz="2400" b="1" dirty="0">
+                <a:latin typeface="Bodoni MT Black" panose="02070A03080606020203" pitchFamily="18" charset="0"/>
+              </a:endParaRPr>
+            </a:p>
+          </p:txBody>
+        </p:sp>
+        <p:sp>
+          <p:nvSpPr>
+            <p:cNvPr id="21" name="矩形 20">
+              <a:extLst>
+                <a:ext uri="{FF2B5EF4-FFF2-40B4-BE49-F238E27FC236}">
+                  <a16:creationId xmlns:a16="http://schemas.microsoft.com/office/drawing/2014/main" id="{2B8ADDEA-45D2-9DEE-B577-8AF307B5A082}"/>
+                </a:ext>
+              </a:extLst>
+            </p:cNvPr>
+            <p:cNvSpPr/>
+            <p:nvPr/>
+          </p:nvSpPr>
+          <p:spPr>
+            <a:xfrm>
+              <a:off x="-1543570" y="-1534"/>
+              <a:ext cx="10804172" cy="6859534"/>
+            </a:xfrm>
+            <a:prstGeom prst="rect">
+              <a:avLst/>
+            </a:prstGeom>
+            <a:solidFill>
+              <a:schemeClr val="bg2">
+                <a:lumMod val="60000"/>
+                <a:lumOff val="40000"/>
+              </a:schemeClr>
+            </a:solidFill>
+            <a:ln>
+              <a:noFill/>
+            </a:ln>
+          </p:spPr>
+          <p:style>
+            <a:lnRef idx="2">
+              <a:schemeClr val="accent1">
+                <a:shade val="50000"/>
+              </a:schemeClr>
+            </a:lnRef>
+            <a:fillRef idx="1">
+              <a:schemeClr val="accent1"/>
+            </a:fillRef>
+            <a:effectRef idx="0">
+              <a:schemeClr val="accent1"/>
+            </a:effectRef>
+            <a:fontRef idx="minor">
+              <a:schemeClr val="lt1"/>
+            </a:fontRef>
+          </p:style>
+          <p:txBody>
+            <a:bodyPr rtlCol="0" anchor="ctr"/>
+            <a:lstStyle/>
+            <a:p>
+              <a:pPr algn="ctr"/>
+              <a:endParaRPr lang="zh-CN" altLang="en-US" dirty="0"/>
+            </a:p>
+          </p:txBody>
+        </p:sp>
+      </p:grpSp>
+    </p:spTree>
+    <p:extLst>
+      <p:ext uri="{BB962C8B-B14F-4D97-AF65-F5344CB8AC3E}">
+        <p14:creationId xmlns:p14="http://schemas.microsoft.com/office/powerpoint/2010/main" val="779913917"/>
+      </p:ext>
+    </p:extLst>
+  </p:cSld>
+  <p:clrMapOvr>
+    <a:masterClrMapping/>
+  </p:clrMapOvr>
+  <mc:AlternateContent xmlns:mc="http://schemas.openxmlformats.org/markup-compatibility/2006">
+    <mc:Choice xmlns:p159="http://schemas.microsoft.com/office/powerpoint/2015/09/main" Requires="p159">
+      <p:transition xmlns:p14="http://schemas.microsoft.com/office/powerpoint/2010/main" spd="slow" p14:dur="1200">
+        <p159:morph option="byObject"/>
+      </p:transition>
+    </mc:Choice>
+    <mc:Fallback>
+      <p:transition spd="slow">
+        <p:fade/>
+      </p:transition>
+    </mc:Fallback>
+  </mc:AlternateContent>
+  <mc:AlternateContent xmlns:mc="http://schemas.openxmlformats.org/markup-compatibility/2006">
+    <mc:Choice xmlns:p14="http://schemas.microsoft.com/office/powerpoint/2010/main" Requires="p14">
+      <p:timing>
+        <p:tnLst>
+          <p:par>
+            <p:cTn id="1" dur="indefinite" restart="never" nodeType="tmRoot">
+              <p:childTnLst>
+                <p:seq concurrent="1" nextAc="seek">
+                  <p:cTn id="2" dur="indefinite" nodeType="mainSeq">
+                    <p:childTnLst>
+                      <p:par>
+                        <p:cTn id="3" fill="hold">
+                          <p:stCondLst>
+                            <p:cond delay="indefinite"/>
+                          </p:stCondLst>
+                          <p:childTnLst>
+                            <p:par>
+                              <p:cTn id="4" fill="hold">
+                                <p:stCondLst>
+                                  <p:cond delay="0"/>
+                                </p:stCondLst>
+                                <p:childTnLst>
+                                  <p:par>
+                                    <p:cTn id="5" presetID="63" presetClass="path" presetSubtype="0" accel="50000" fill="hold" nodeType="clickEffect" p14:presetBounceEnd="51000">
+                                      <p:stCondLst>
+                                        <p:cond delay="0"/>
+                                      </p:stCondLst>
+                                      <p:childTnLst>
+                                        <p:animMotion origin="layout" path="M -1.66667E-6 1.48148E-6 L 0.67448 1.48148E-6 " pathEditMode="relative" rAng="0" ptsTypes="AA" p14:bounceEnd="51000">
+                                          <p:cBhvr>
+                                            <p:cTn id="6" dur="1000" fill="hold"/>
+                                            <p:tgtEl>
+                                              <p:spTgt spid="22"/>
+                                            </p:tgtEl>
+                                            <p:attrNameLst>
+                                              <p:attrName>ppt_x</p:attrName>
+                                              <p:attrName>ppt_y</p:attrName>
+                                            </p:attrNameLst>
+                                          </p:cBhvr>
+                                          <p:rCtr x="33724" y="0"/>
+                                        </p:animMotion>
+                                      </p:childTnLst>
+                                    </p:cTn>
+                                  </p:par>
+                                  <p:par>
+                                    <p:cTn id="7" presetID="63" presetClass="path" presetSubtype="0" accel="50000" fill="hold" nodeType="withEffect" p14:presetBounceEnd="51000">
+                                      <p:stCondLst>
+                                        <p:cond delay="0"/>
+                                      </p:stCondLst>
+                                      <p:childTnLst>
+                                        <p:animMotion origin="layout" path="M 2.29167E-6 4.81481E-6 L 0.67448 4.81481E-6 " pathEditMode="relative" rAng="0" ptsTypes="AA" p14:bounceEnd="51000">
+                                          <p:cBhvr>
+                                            <p:cTn id="8" dur="1000" fill="hold"/>
+                                            <p:tgtEl>
+                                              <p:spTgt spid="15"/>
+                                            </p:tgtEl>
+                                            <p:attrNameLst>
+                                              <p:attrName>ppt_x</p:attrName>
+                                              <p:attrName>ppt_y</p:attrName>
+                                            </p:attrNameLst>
+                                          </p:cBhvr>
+                                          <p:rCtr x="33724" y="0"/>
+                                        </p:animMotion>
+                                      </p:childTnLst>
+                                    </p:cTn>
+                                  </p:par>
+                                  <p:par>
+                                    <p:cTn id="9" presetID="63" presetClass="path" presetSubtype="0" accel="50000" fill="hold" nodeType="withEffect" p14:presetBounceEnd="51000">
+                                      <p:stCondLst>
+                                        <p:cond delay="0"/>
+                                      </p:stCondLst>
+                                      <p:childTnLst>
+                                        <p:animMotion origin="layout" path="M -2.08333E-7 0 L 0.67448 0 " pathEditMode="relative" rAng="0" ptsTypes="AA" p14:bounceEnd="51000">
+                                          <p:cBhvr>
+                                            <p:cTn id="10" dur="1000" fill="hold"/>
+                                            <p:tgtEl>
+                                              <p:spTgt spid="7"/>
+                                            </p:tgtEl>
+                                            <p:attrNameLst>
+                                              <p:attrName>ppt_x</p:attrName>
+                                              <p:attrName>ppt_y</p:attrName>
+                                            </p:attrNameLst>
+                                          </p:cBhvr>
+                                          <p:rCtr x="33724" y="0"/>
+                                        </p:animMotion>
+                                      </p:childTnLst>
+                                    </p:cTn>
+                                  </p:par>
+                                  <p:par>
+                                    <p:cTn id="11" presetID="63" presetClass="path" presetSubtype="0" accel="50000" fill="hold" nodeType="withEffect" p14:presetBounceEnd="51000">
+                                      <p:stCondLst>
+                                        <p:cond delay="0"/>
+                                      </p:stCondLst>
+                                      <p:childTnLst>
+                                        <p:animMotion origin="layout" path="M -3.125E-6 0 L 0.67448 0 " pathEditMode="relative" rAng="0" ptsTypes="AA" p14:bounceEnd="51000">
+                                          <p:cBhvr>
+                                            <p:cTn id="12" dur="1000" fill="hold"/>
+                                            <p:tgtEl>
+                                              <p:spTgt spid="12"/>
+                                            </p:tgtEl>
+                                            <p:attrNameLst>
+                                              <p:attrName>ppt_x</p:attrName>
+                                              <p:attrName>ppt_y</p:attrName>
+                                            </p:attrNameLst>
+                                          </p:cBhvr>
+                                          <p:rCtr x="33724" y="0"/>
+                                        </p:animMotion>
+                                      </p:childTnLst>
+                                    </p:cTn>
+                                  </p:par>
+                                  <p:par>
+                                    <p:cTn id="13" presetID="63" presetClass="path" presetSubtype="0" accel="50000" fill="hold" grpId="0" nodeType="withEffect" p14:presetBounceEnd="51000">
+                                      <p:stCondLst>
+                                        <p:cond delay="0"/>
+                                      </p:stCondLst>
+                                      <p:childTnLst>
+                                        <p:animMotion origin="layout" path="M 3.33333E-6 1.85185E-6 L 0.74466 1.85185E-6 " pathEditMode="relative" rAng="0" ptsTypes="AA" p14:bounceEnd="51000">
+                                          <p:cBhvr>
+                                            <p:cTn id="14" dur="1000" fill="hold"/>
+                                            <p:tgtEl>
+                                              <p:spTgt spid="23"/>
+                                            </p:tgtEl>
+                                            <p:attrNameLst>
+                                              <p:attrName>ppt_x</p:attrName>
+                                              <p:attrName>ppt_y</p:attrName>
+                                            </p:attrNameLst>
+                                          </p:cBhvr>
+                                          <p:rCtr x="37227" y="0"/>
+                                        </p:animMotion>
+                                      </p:childTnLst>
+                                    </p:cTn>
+                                  </p:par>
+                                  <p:par>
+                                    <p:cTn id="15" presetID="63" presetClass="path" presetSubtype="0" accel="50000" fill="hold" nodeType="withEffect" p14:presetBounceEnd="51000">
+                                      <p:stCondLst>
+                                        <p:cond delay="0"/>
+                                      </p:stCondLst>
+                                      <p:childTnLst>
+                                        <p:animMotion origin="layout" path="M 2.29167E-6 0 L 0.8431 0 " pathEditMode="relative" rAng="0" ptsTypes="AA" p14:bounceEnd="51000">
+                                          <p:cBhvr>
+                                            <p:cTn id="16" dur="1000" fill="hold"/>
+                                            <p:tgtEl>
+                                              <p:spTgt spid="18"/>
+                                            </p:tgtEl>
+                                            <p:attrNameLst>
+                                              <p:attrName>ppt_x</p:attrName>
+                                              <p:attrName>ppt_y</p:attrName>
+                                            </p:attrNameLst>
+                                          </p:cBhvr>
+                                          <p:rCtr x="42148" y="0"/>
+                                        </p:animMotion>
+                                      </p:childTnLst>
+                                    </p:cTn>
+                                  </p:par>
+                                </p:childTnLst>
+                              </p:cTn>
+                            </p:par>
+                          </p:childTnLst>
+                        </p:cTn>
+                      </p:par>
+                    </p:childTnLst>
+                  </p:cTn>
+                  <p:prevCondLst>
+                    <p:cond evt="onPrev" delay="0">
+                      <p:tgtEl>
+                        <p:sldTgt/>
+                      </p:tgtEl>
+                    </p:cond>
+                  </p:prevCondLst>
+                  <p:nextCondLst>
+                    <p:cond evt="onNext" delay="0">
+                      <p:tgtEl>
+                        <p:sldTgt/>
+                      </p:tgtEl>
+                    </p:cond>
+                  </p:nextCondLst>
+                </p:seq>
+              </p:childTnLst>
+            </p:cTn>
+          </p:par>
+        </p:tnLst>
+        <p:bldLst>
+          <p:bldP spid="23" grpId="0"/>
+        </p:bldLst>
+      </p:timing>
+    </mc:Choice>
+    <mc:Fallback>
+      <p:timing>
+        <p:tnLst>
+          <p:par>
+            <p:cTn id="1" dur="indefinite" restart="never" nodeType="tmRoot">
+              <p:childTnLst>
+                <p:seq concurrent="1" nextAc="seek">
+                  <p:cTn id="2" dur="indefinite" nodeType="mainSeq">
+                    <p:childTnLst>
+                      <p:par>
+                        <p:cTn id="3" fill="hold">
+                          <p:stCondLst>
+                            <p:cond delay="indefinite"/>
+                          </p:stCondLst>
+                          <p:childTnLst>
+                            <p:par>
+                              <p:cTn id="4" fill="hold">
+                                <p:stCondLst>
+                                  <p:cond delay="0"/>
+                                </p:stCondLst>
+                                <p:childTnLst>
+                                  <p:par>
+                                    <p:cTn id="5" presetID="63" presetClass="path" presetSubtype="0" accel="50000" fill="hold" nodeType="clickEffect">
+                                      <p:stCondLst>
+                                        <p:cond delay="0"/>
+                                      </p:stCondLst>
+                                      <p:childTnLst>
+                                        <p:animMotion origin="layout" path="M -1.66667E-6 1.48148E-6 L 0.67448 1.48148E-6 " pathEditMode="relative" rAng="0" ptsTypes="AA">
+                                          <p:cBhvr>
+                                            <p:cTn id="6" dur="1000" fill="hold"/>
+                                            <p:tgtEl>
+                                              <p:spTgt spid="22"/>
+                                            </p:tgtEl>
+                                            <p:attrNameLst>
+                                              <p:attrName>ppt_x</p:attrName>
+                                              <p:attrName>ppt_y</p:attrName>
+                                            </p:attrNameLst>
+                                          </p:cBhvr>
+                                          <p:rCtr x="33724" y="0"/>
+                                        </p:animMotion>
+                                      </p:childTnLst>
+                                    </p:cTn>
+                                  </p:par>
+                                  <p:par>
+                                    <p:cTn id="7" presetID="63" presetClass="path" presetSubtype="0" accel="50000" fill="hold" nodeType="withEffect">
+                                      <p:stCondLst>
+                                        <p:cond delay="0"/>
+                                      </p:stCondLst>
+                                      <p:childTnLst>
+                                        <p:animMotion origin="layout" path="M 2.29167E-6 4.81481E-6 L 0.67448 4.81481E-6 " pathEditMode="relative" rAng="0" ptsTypes="AA">
+                                          <p:cBhvr>
+                                            <p:cTn id="8" dur="1000" fill="hold"/>
+                                            <p:tgtEl>
+                                              <p:spTgt spid="15"/>
+                                            </p:tgtEl>
+                                            <p:attrNameLst>
+                                              <p:attrName>ppt_x</p:attrName>
+                                              <p:attrName>ppt_y</p:attrName>
+                                            </p:attrNameLst>
+                                          </p:cBhvr>
+                                          <p:rCtr x="33724" y="0"/>
+                                        </p:animMotion>
+                                      </p:childTnLst>
+                                    </p:cTn>
+                                  </p:par>
+                                  <p:par>
+                                    <p:cTn id="9" presetID="63" presetClass="path" presetSubtype="0" accel="50000" fill="hold" nodeType="withEffect">
+                                      <p:stCondLst>
+                                        <p:cond delay="0"/>
+                                      </p:stCondLst>
+                                      <p:childTnLst>
+                                        <p:animMotion origin="layout" path="M -2.08333E-7 0 L 0.67448 0 " pathEditMode="relative" rAng="0" ptsTypes="AA">
+                                          <p:cBhvr>
+                                            <p:cTn id="10" dur="1000" fill="hold"/>
+                                            <p:tgtEl>
+                                              <p:spTgt spid="7"/>
+                                            </p:tgtEl>
+                                            <p:attrNameLst>
+                                              <p:attrName>ppt_x</p:attrName>
+                                              <p:attrName>ppt_y</p:attrName>
+                                            </p:attrNameLst>
+                                          </p:cBhvr>
+                                          <p:rCtr x="33724" y="0"/>
+                                        </p:animMotion>
+                                      </p:childTnLst>
+                                    </p:cTn>
+                                  </p:par>
+                                  <p:par>
+                                    <p:cTn id="11" presetID="63" presetClass="path" presetSubtype="0" accel="50000" fill="hold" nodeType="withEffect">
+                                      <p:stCondLst>
+                                        <p:cond delay="0"/>
+                                      </p:stCondLst>
+                                      <p:childTnLst>
+                                        <p:animMotion origin="layout" path="M -3.125E-6 0 L 0.67448 0 " pathEditMode="relative" rAng="0" ptsTypes="AA">
+                                          <p:cBhvr>
+                                            <p:cTn id="12" dur="1000" fill="hold"/>
+                                            <p:tgtEl>
+                                              <p:spTgt spid="12"/>
+                                            </p:tgtEl>
+                                            <p:attrNameLst>
+                                              <p:attrName>ppt_x</p:attrName>
+                                              <p:attrName>ppt_y</p:attrName>
+                                            </p:attrNameLst>
+                                          </p:cBhvr>
+                                          <p:rCtr x="33724" y="0"/>
+                                        </p:animMotion>
+                                      </p:childTnLst>
+                                    </p:cTn>
+                                  </p:par>
+                                  <p:par>
+                                    <p:cTn id="13" presetID="63" presetClass="path" presetSubtype="0" accel="50000" fill="hold" grpId="0" nodeType="withEffect">
+                                      <p:stCondLst>
+                                        <p:cond delay="0"/>
+                                      </p:stCondLst>
+                                      <p:childTnLst>
+                                        <p:animMotion origin="layout" path="M 3.33333E-6 1.85185E-6 L 0.74466 1.85185E-6 " pathEditMode="relative" rAng="0" ptsTypes="AA">
+                                          <p:cBhvr>
+                                            <p:cTn id="14" dur="1000" fill="hold"/>
+                                            <p:tgtEl>
+                                              <p:spTgt spid="23"/>
+                                            </p:tgtEl>
+                                            <p:attrNameLst>
+                                              <p:attrName>ppt_x</p:attrName>
+                                              <p:attrName>ppt_y</p:attrName>
+                                            </p:attrNameLst>
+                                          </p:cBhvr>
+                                          <p:rCtr x="37227" y="0"/>
+                                        </p:animMotion>
+                                      </p:childTnLst>
+                                    </p:cTn>
+                                  </p:par>
+                                  <p:par>
+                                    <p:cTn id="15" presetID="63" presetClass="path" presetSubtype="0" accel="50000" fill="hold" nodeType="withEffect">
+                                      <p:stCondLst>
+                                        <p:cond delay="0"/>
+                                      </p:stCondLst>
+                                      <p:childTnLst>
+                                        <p:animMotion origin="layout" path="M 2.29167E-6 0 L 0.8431 0 " pathEditMode="relative" rAng="0" ptsTypes="AA">
+                                          <p:cBhvr>
+                                            <p:cTn id="16" dur="1000" fill="hold"/>
+                                            <p:tgtEl>
+                                              <p:spTgt spid="18"/>
+                                            </p:tgtEl>
+                                            <p:attrNameLst>
+                                              <p:attrName>ppt_x</p:attrName>
+                                              <p:attrName>ppt_y</p:attrName>
+                                            </p:attrNameLst>
+                                          </p:cBhvr>
+                                          <p:rCtr x="42148" y="0"/>
+                                        </p:animMotion>
+                                      </p:childTnLst>
+                                    </p:cTn>
+                                  </p:par>
+                                </p:childTnLst>
+                              </p:cTn>
+                            </p:par>
+                          </p:childTnLst>
+                        </p:cTn>
+                      </p:par>
+                    </p:childTnLst>
+                  </p:cTn>
+                  <p:prevCondLst>
+                    <p:cond evt="onPrev" delay="0">
+                      <p:tgtEl>
+                        <p:sldTgt/>
+                      </p:tgtEl>
+                    </p:cond>
+                  </p:prevCondLst>
+                  <p:nextCondLst>
+                    <p:cond evt="onNext" delay="0">
+                      <p:tgtEl>
+                        <p:sldTgt/>
+                      </p:tgtEl>
+                    </p:cond>
+                  </p:nextCondLst>
+                </p:seq>
+              </p:childTnLst>
+            </p:cTn>
+          </p:par>
+        </p:tnLst>
+        <p:bldLst>
+          <p:bldP spid="23" grpId="0"/>
+        </p:bldLst>
       </p:timing>
     </mc:Fallback>
   </mc:AlternateContent>

--- a/2022-1（UE4材质编辑）.pptx
+++ b/2022-1（UE4材质编辑）.pptx
@@ -5,7 +5,7 @@
     <p:sldMasterId id="2147483648" r:id="rId1"/>
   </p:sldMasterIdLst>
   <p:notesMasterIdLst>
-    <p:notesMasterId r:id="rId8"/>
+    <p:notesMasterId r:id="rId7"/>
   </p:notesMasterIdLst>
   <p:sldIdLst>
     <p:sldId id="256" r:id="rId2"/>
@@ -13,7 +13,6 @@
     <p:sldId id="261" r:id="rId4"/>
     <p:sldId id="259" r:id="rId5"/>
     <p:sldId id="260" r:id="rId6"/>
-    <p:sldId id="262" r:id="rId7"/>
   </p:sldIdLst>
   <p:sldSz cx="12192000" cy="6858000"/>
   <p:notesSz cx="6858000" cy="9144000"/>
@@ -131,62 +130,6 @@
 </p:presentation>
 </file>
 
-<file path=ppt/ink/ink1.xml><?xml version="1.0" encoding="utf-8"?>
-<inkml:ink xmlns:inkml="http://www.w3.org/2003/InkML">
-  <inkml:definitions>
-    <inkml:context xml:id="ctx0">
-      <inkml:inkSource xml:id="inkSrc0">
-        <inkml:traceFormat>
-          <inkml:channel name="X" type="integer" min="-2.14748E9" max="2.14748E9" units="cm"/>
-          <inkml:channel name="Y" type="integer" min="-2.14748E9" max="2.14748E9" units="cm"/>
-          <inkml:channel name="F" type="integer" max="32767" units="dev"/>
-        </inkml:traceFormat>
-        <inkml:channelProperties>
-          <inkml:channelProperty channel="X" name="resolution" value="1000" units="1/cm"/>
-          <inkml:channelProperty channel="Y" name="resolution" value="1000" units="1/cm"/>
-          <inkml:channelProperty channel="F" name="resolution" value="0" units="1/dev"/>
-        </inkml:channelProperties>
-      </inkml:inkSource>
-      <inkml:timestamp xml:id="ts0" timeString="2022-06-05T14:46:27.698"/>
-    </inkml:context>
-    <inkml:brush xml:id="br0">
-      <inkml:brushProperty name="width" value="0.05" units="cm"/>
-      <inkml:brushProperty name="height" value="0.05" units="cm"/>
-      <inkml:brushProperty name="color" value="#E71224"/>
-    </inkml:brush>
-  </inkml:definitions>
-  <inkml:trace contextRef="#ctx0" brushRef="#br0">0 766 24575,'46'-1'0,"1"-2"0,-2-3 0,1-1 0,47-14 0,701-243 0,-596 183 0,-108 41 0,-56 24 0,41-13 0,121-41 0,-108 34 0,-60 23 0,51-16 0,37 0 0,-3 4 0,-112 25 0,0 0 0,-1 0 0,1 0 0,0 0 0,-1 0 0,1 0 0,0 0 0,-1 0 0,1 0 0,-1 0 0,1-1 0,0 1 0,-1 0 0,1-1 0,-1 1 0,1 0 0,0-1 0,-1 1 0,1 0 0,-1-1 0,0 1 0,1-1 0,-1 1 0,1-1 0,-1 1 0,0-1 0,1 0 0,-1 0 0,0 0 0,0 0 0,0 0 0,0 0 0,-1 1 0,1-1 0,0 0 0,-1 0 0,1 0 0,-1 0 0,1 1 0,-1-1 0,1 0 0,-1 0 0,0 1 0,1-1 0,-3-1 0,-34-22 0,25 19 0,-1 1 0,0 0 0,0 1 0,-1 1 0,1 0 0,-20 0 0,-40-8 0,32 4-337,1 1-1,0 2 0,-57 2 1,97 1 322,-27 0-6811</inkml:trace>
-</inkml:ink>
-</file>
-
-<file path=ppt/ink/ink2.xml><?xml version="1.0" encoding="utf-8"?>
-<inkml:ink xmlns:inkml="http://www.w3.org/2003/InkML">
-  <inkml:definitions>
-    <inkml:context xml:id="ctx0">
-      <inkml:inkSource xml:id="inkSrc0">
-        <inkml:traceFormat>
-          <inkml:channel name="X" type="integer" min="-2.14748E9" max="2.14748E9" units="cm"/>
-          <inkml:channel name="Y" type="integer" min="-2.14748E9" max="2.14748E9" units="cm"/>
-          <inkml:channel name="F" type="integer" max="32767" units="dev"/>
-        </inkml:traceFormat>
-        <inkml:channelProperties>
-          <inkml:channelProperty channel="X" name="resolution" value="1000" units="1/cm"/>
-          <inkml:channelProperty channel="Y" name="resolution" value="1000" units="1/cm"/>
-          <inkml:channelProperty channel="F" name="resolution" value="0" units="1/dev"/>
-        </inkml:channelProperties>
-      </inkml:inkSource>
-      <inkml:timestamp xml:id="ts0" timeString="2022-06-05T14:46:31.398"/>
-    </inkml:context>
-    <inkml:brush xml:id="br0">
-      <inkml:brushProperty name="width" value="0.05" units="cm"/>
-      <inkml:brushProperty name="height" value="0.05" units="cm"/>
-      <inkml:brushProperty name="color" value="#E71224"/>
-    </inkml:brush>
-  </inkml:definitions>
-  <inkml:trace contextRef="#ctx0" brushRef="#br0">211 0 24575,'0'7'0,"-1"0"0,0 0 0,0 0 0,0-1 0,-1 1 0,0-1 0,0 1 0,-5 7 0,-29 46 0,3-5 0,23-38 0,0-1 0,-22 27 0,20-29 0,2 0 0,0 0 0,-13 26 0,14-23-1365,1-3-5461</inkml:trace>
-</inkml:ink>
-</file>
-
 <file path=ppt/notesMasters/notesMaster1.xml><?xml version="1.0" encoding="utf-8"?>
 <p:notesMaster xmlns:a="http://schemas.openxmlformats.org/drawingml/2006/main" xmlns:r="http://schemas.openxmlformats.org/officeDocument/2006/relationships" xmlns:p="http://schemas.openxmlformats.org/presentationml/2006/main">
   <p:cSld>
@@ -269,7 +212,7 @@
           <a:p>
             <a:fld id="{C1AFDE93-949C-47ED-A631-476E40CF0087}" type="datetimeFigureOut">
               <a:rPr lang="zh-CN" altLang="en-US" smtClean="0"/>
-              <a:t>2022/6/4</a:t>
+              <a:t>2022/6/3</a:t>
             </a:fld>
             <a:endParaRPr lang="zh-CN" altLang="en-US"/>
           </a:p>
@@ -971,93 +914,6 @@
 </p:notes>
 </file>
 
-<file path=ppt/notesSlides/notesSlide6.xml><?xml version="1.0" encoding="utf-8"?>
-<p:notes xmlns:a="http://schemas.openxmlformats.org/drawingml/2006/main" xmlns:r="http://schemas.openxmlformats.org/officeDocument/2006/relationships" xmlns:p="http://schemas.openxmlformats.org/presentationml/2006/main">
-  <p:cSld>
-    <p:spTree>
-      <p:nvGrpSpPr>
-        <p:cNvPr id="1" name=""/>
-        <p:cNvGrpSpPr/>
-        <p:nvPr/>
-      </p:nvGrpSpPr>
-      <p:grpSpPr>
-        <a:xfrm>
-          <a:off x="0" y="0"/>
-          <a:ext cx="0" cy="0"/>
-          <a:chOff x="0" y="0"/>
-          <a:chExt cx="0" cy="0"/>
-        </a:xfrm>
-      </p:grpSpPr>
-      <p:sp>
-        <p:nvSpPr>
-          <p:cNvPr id="2" name="幻灯片图像占位符 1"/>
-          <p:cNvSpPr>
-            <a:spLocks noGrp="1" noRot="1" noChangeAspect="1"/>
-          </p:cNvSpPr>
-          <p:nvPr>
-            <p:ph type="sldImg"/>
-          </p:nvPr>
-        </p:nvSpPr>
-        <p:spPr/>
-      </p:sp>
-      <p:sp>
-        <p:nvSpPr>
-          <p:cNvPr id="3" name="备注占位符 2"/>
-          <p:cNvSpPr>
-            <a:spLocks noGrp="1"/>
-          </p:cNvSpPr>
-          <p:nvPr>
-            <p:ph type="body" idx="1"/>
-          </p:nvPr>
-        </p:nvSpPr>
-        <p:spPr/>
-        <p:txBody>
-          <a:bodyPr/>
-          <a:lstStyle/>
-          <a:p>
-            <a:r>
-              <a:rPr lang="zh-CN" altLang="en-US" dirty="0"/>
-              <a:t>备注：</a:t>
-            </a:r>
-          </a:p>
-        </p:txBody>
-      </p:sp>
-      <p:sp>
-        <p:nvSpPr>
-          <p:cNvPr id="4" name="灯片编号占位符 3"/>
-          <p:cNvSpPr>
-            <a:spLocks noGrp="1"/>
-          </p:cNvSpPr>
-          <p:nvPr>
-            <p:ph type="sldNum" sz="quarter" idx="5"/>
-          </p:nvPr>
-        </p:nvSpPr>
-        <p:spPr/>
-        <p:txBody>
-          <a:bodyPr/>
-          <a:lstStyle/>
-          <a:p>
-            <a:fld id="{23155662-D503-4A2D-87BD-AD703EE405C2}" type="slidenum">
-              <a:rPr lang="zh-CN" altLang="en-US" smtClean="0"/>
-              <a:t>6</a:t>
-            </a:fld>
-            <a:endParaRPr lang="zh-CN" altLang="en-US"/>
-          </a:p>
-        </p:txBody>
-      </p:sp>
-    </p:spTree>
-    <p:extLst>
-      <p:ext uri="{BB962C8B-B14F-4D97-AF65-F5344CB8AC3E}">
-        <p14:creationId xmlns:p14="http://schemas.microsoft.com/office/powerpoint/2010/main" val="639510647"/>
-      </p:ext>
-    </p:extLst>
-  </p:cSld>
-  <p:clrMapOvr>
-    <a:masterClrMapping/>
-  </p:clrMapOvr>
-</p:notes>
-</file>
-
 <file path=ppt/slideLayouts/slideLayout1.xml><?xml version="1.0" encoding="utf-8"?>
 <p:sldLayout xmlns:a="http://schemas.openxmlformats.org/drawingml/2006/main" xmlns:r="http://schemas.openxmlformats.org/officeDocument/2006/relationships" xmlns:p="http://schemas.openxmlformats.org/presentationml/2006/main" type="title" preserve="1">
   <p:cSld name="标题幻灯片">
@@ -1210,7 +1066,7 @@
           <a:p>
             <a:fld id="{F06A2785-4E77-4690-870F-283ACAAC6AF9}" type="datetimeFigureOut">
               <a:rPr lang="zh-CN" altLang="en-US" smtClean="0"/>
-              <a:t>2022/6/4</a:t>
+              <a:t>2022/6/3</a:t>
             </a:fld>
             <a:endParaRPr lang="zh-CN" altLang="en-US"/>
           </a:p>
@@ -1408,7 +1264,7 @@
           <a:p>
             <a:fld id="{F06A2785-4E77-4690-870F-283ACAAC6AF9}" type="datetimeFigureOut">
               <a:rPr lang="zh-CN" altLang="en-US" smtClean="0"/>
-              <a:t>2022/6/4</a:t>
+              <a:t>2022/6/3</a:t>
             </a:fld>
             <a:endParaRPr lang="zh-CN" altLang="en-US"/>
           </a:p>
@@ -1616,7 +1472,7 @@
           <a:p>
             <a:fld id="{F06A2785-4E77-4690-870F-283ACAAC6AF9}" type="datetimeFigureOut">
               <a:rPr lang="zh-CN" altLang="en-US" smtClean="0"/>
-              <a:t>2022/6/4</a:t>
+              <a:t>2022/6/3</a:t>
             </a:fld>
             <a:endParaRPr lang="zh-CN" altLang="en-US"/>
           </a:p>
@@ -1814,7 +1670,7 @@
           <a:p>
             <a:fld id="{F06A2785-4E77-4690-870F-283ACAAC6AF9}" type="datetimeFigureOut">
               <a:rPr lang="zh-CN" altLang="en-US" smtClean="0"/>
-              <a:t>2022/6/4</a:t>
+              <a:t>2022/6/3</a:t>
             </a:fld>
             <a:endParaRPr lang="zh-CN" altLang="en-US"/>
           </a:p>
@@ -2089,7 +1945,7 @@
           <a:p>
             <a:fld id="{F06A2785-4E77-4690-870F-283ACAAC6AF9}" type="datetimeFigureOut">
               <a:rPr lang="zh-CN" altLang="en-US" smtClean="0"/>
-              <a:t>2022/6/4</a:t>
+              <a:t>2022/6/3</a:t>
             </a:fld>
             <a:endParaRPr lang="zh-CN" altLang="en-US"/>
           </a:p>
@@ -2354,7 +2210,7 @@
           <a:p>
             <a:fld id="{F06A2785-4E77-4690-870F-283ACAAC6AF9}" type="datetimeFigureOut">
               <a:rPr lang="zh-CN" altLang="en-US" smtClean="0"/>
-              <a:t>2022/6/4</a:t>
+              <a:t>2022/6/3</a:t>
             </a:fld>
             <a:endParaRPr lang="zh-CN" altLang="en-US"/>
           </a:p>
@@ -2766,7 +2622,7 @@
           <a:p>
             <a:fld id="{F06A2785-4E77-4690-870F-283ACAAC6AF9}" type="datetimeFigureOut">
               <a:rPr lang="zh-CN" altLang="en-US" smtClean="0"/>
-              <a:t>2022/6/4</a:t>
+              <a:t>2022/6/3</a:t>
             </a:fld>
             <a:endParaRPr lang="zh-CN" altLang="en-US"/>
           </a:p>
@@ -2907,7 +2763,7 @@
           <a:p>
             <a:fld id="{F06A2785-4E77-4690-870F-283ACAAC6AF9}" type="datetimeFigureOut">
               <a:rPr lang="zh-CN" altLang="en-US" smtClean="0"/>
-              <a:t>2022/6/4</a:t>
+              <a:t>2022/6/3</a:t>
             </a:fld>
             <a:endParaRPr lang="zh-CN" altLang="en-US"/>
           </a:p>
@@ -3020,7 +2876,7 @@
           <a:p>
             <a:fld id="{F06A2785-4E77-4690-870F-283ACAAC6AF9}" type="datetimeFigureOut">
               <a:rPr lang="zh-CN" altLang="en-US" smtClean="0"/>
-              <a:t>2022/6/4</a:t>
+              <a:t>2022/6/3</a:t>
             </a:fld>
             <a:endParaRPr lang="zh-CN" altLang="en-US"/>
           </a:p>
@@ -3331,7 +3187,7 @@
           <a:p>
             <a:fld id="{F06A2785-4E77-4690-870F-283ACAAC6AF9}" type="datetimeFigureOut">
               <a:rPr lang="zh-CN" altLang="en-US" smtClean="0"/>
-              <a:t>2022/6/4</a:t>
+              <a:t>2022/6/3</a:t>
             </a:fld>
             <a:endParaRPr lang="zh-CN" altLang="en-US"/>
           </a:p>
@@ -3619,7 +3475,7 @@
           <a:p>
             <a:fld id="{F06A2785-4E77-4690-870F-283ACAAC6AF9}" type="datetimeFigureOut">
               <a:rPr lang="zh-CN" altLang="en-US" smtClean="0"/>
-              <a:t>2022/6/4</a:t>
+              <a:t>2022/6/3</a:t>
             </a:fld>
             <a:endParaRPr lang="zh-CN" altLang="en-US"/>
           </a:p>
@@ -3860,7 +3716,7 @@
           <a:p>
             <a:fld id="{F06A2785-4E77-4690-870F-283ACAAC6AF9}" type="datetimeFigureOut">
               <a:rPr lang="zh-CN" altLang="en-US" smtClean="0"/>
-              <a:t>2022/6/4</a:t>
+              <a:t>2022/6/3</a:t>
             </a:fld>
             <a:endParaRPr lang="zh-CN" altLang="en-US"/>
           </a:p>
@@ -4901,20 +4757,8 @@
   <p:clrMapOvr>
     <a:masterClrMapping/>
   </p:clrMapOvr>
-  <mc:AlternateContent xmlns:mc="http://schemas.openxmlformats.org/markup-compatibility/2006">
-    <mc:Choice xmlns:p14="http://schemas.microsoft.com/office/powerpoint/2010/main" Requires="p14">
-      <p:transition spd="slow" p14:dur="1500">
-        <p14:flash/>
-      </p:transition>
-    </mc:Choice>
-    <mc:Fallback>
-      <p:transition spd="slow">
-        <p:fade/>
-      </p:transition>
-    </mc:Fallback>
-  </mc:AlternateContent>
-  <mc:AlternateContent xmlns:mc="http://schemas.openxmlformats.org/markup-compatibility/2006">
-    <mc:Choice xmlns:p14="http://schemas.microsoft.com/office/powerpoint/2010/main" Requires="p14">
+  <mc:AlternateContent xmlns:mc="http://schemas.openxmlformats.org/markup-compatibility/2006" xmlns:p14="http://schemas.microsoft.com/office/powerpoint/2010/main">
+    <mc:Choice Requires="p14">
       <p:timing>
         <p:tnLst>
           <p:par>
@@ -5120,7 +4964,7 @@
                                         </p:set>
                                         <p:animEffect transition="in" filter="circle(in)">
                                           <p:cBhvr>
-                                            <p:cTn id="22" dur="1000"/>
+                                            <p:cTn id="22" dur="2000"/>
                                             <p:tgtEl>
                                               <p:spTgt spid="33"/>
                                             </p:tgtEl>
@@ -5135,7 +4979,7 @@
                             <p:par>
                               <p:cTn id="23" fill="hold">
                                 <p:stCondLst>
-                                  <p:cond delay="1500"/>
+                                  <p:cond delay="2500"/>
                                 </p:stCondLst>
                                 <p:childTnLst>
                                   <p:par>
@@ -5179,7 +5023,7 @@
                             <p:par>
                               <p:cTn id="27" fill="hold">
                                 <p:stCondLst>
-                                  <p:cond delay="2000"/>
+                                  <p:cond delay="3000"/>
                                 </p:stCondLst>
                                 <p:childTnLst>
                                   <p:par>
@@ -5223,7 +5067,7 @@
                             <p:par>
                               <p:cTn id="31" fill="hold">
                                 <p:stCondLst>
-                                  <p:cond delay="2500"/>
+                                  <p:cond delay="3500"/>
                                 </p:stCondLst>
                                 <p:childTnLst>
                                   <p:par>
@@ -5295,7 +5139,7 @@
         </p:bldLst>
       </p:timing>
     </mc:Choice>
-    <mc:Fallback>
+    <mc:Fallback xmlns="">
       <p:timing>
         <p:tnLst>
           <p:par>
@@ -5501,7 +5345,7 @@
                                         </p:set>
                                         <p:animEffect transition="in" filter="circle(in)">
                                           <p:cBhvr>
-                                            <p:cTn id="22" dur="1000"/>
+                                            <p:cTn id="22" dur="2000"/>
                                             <p:tgtEl>
                                               <p:spTgt spid="33"/>
                                             </p:tgtEl>
@@ -5516,7 +5360,7 @@
                             <p:par>
                               <p:cTn id="23" fill="hold">
                                 <p:stCondLst>
-                                  <p:cond delay="1500"/>
+                                  <p:cond delay="2500"/>
                                 </p:stCondLst>
                                 <p:childTnLst>
                                   <p:par>
@@ -5560,7 +5404,7 @@
                             <p:par>
                               <p:cTn id="27" fill="hold">
                                 <p:stCondLst>
-                                  <p:cond delay="2000"/>
+                                  <p:cond delay="3000"/>
                                 </p:stCondLst>
                                 <p:childTnLst>
                                   <p:par>
@@ -5604,7 +5448,7 @@
                             <p:par>
                               <p:cTn id="31" fill="hold">
                                 <p:stCondLst>
-                                  <p:cond delay="2500"/>
+                                  <p:cond delay="3500"/>
                                 </p:stCondLst>
                                 <p:childTnLst>
                                   <p:par>
@@ -5725,8 +5569,8 @@
         </p:nvSpPr>
         <p:spPr>
           <a:xfrm>
-            <a:off x="4352125" y="2920880"/>
-            <a:ext cx="4185761" cy="923330"/>
+            <a:off x="4967677" y="2920880"/>
+            <a:ext cx="2954655" cy="923330"/>
           </a:xfrm>
           <a:prstGeom prst="rect">
             <a:avLst/>
@@ -5740,24 +5584,6 @@
           <a:lstStyle/>
           <a:p>
             <a:pPr algn="ctr"/>
-            <a:r>
-              <a:rPr lang="en-US" altLang="zh-CN" sz="5400" b="1" dirty="0">
-                <a:ln w="9525">
-                  <a:solidFill>
-                    <a:schemeClr val="bg1"/>
-                  </a:solidFill>
-                  <a:prstDash val="solid"/>
-                </a:ln>
-                <a:effectLst>
-                  <a:outerShdw blurRad="12700" dist="38100" dir="2700000" algn="tl" rotWithShape="0">
-                    <a:schemeClr val="bg1">
-                      <a:lumMod val="50000"/>
-                    </a:schemeClr>
-                  </a:outerShdw>
-                </a:effectLst>
-              </a:rPr>
-              <a:t>UE4</a:t>
-            </a:r>
             <a:r>
               <a:rPr lang="zh-CN" altLang="en-US" sz="5400" b="1" dirty="0">
                 <a:ln w="9525">
@@ -5775,1862 +5601,6 @@
                 </a:effectLst>
               </a:rPr>
               <a:t>材质结构</a:t>
-            </a:r>
-          </a:p>
-        </p:txBody>
-      </p:sp>
-      <p:grpSp>
-        <p:nvGrpSpPr>
-          <p:cNvPr id="7" name="组合 6">
-            <a:extLst>
-              <a:ext uri="{FF2B5EF4-FFF2-40B4-BE49-F238E27FC236}">
-                <a16:creationId xmlns:a16="http://schemas.microsoft.com/office/drawing/2014/main" id="{8A27065D-E008-24F7-76F8-5551BB17EE32}"/>
-              </a:ext>
-            </a:extLst>
-          </p:cNvPr>
-          <p:cNvGrpSpPr/>
-          <p:nvPr/>
-        </p:nvGrpSpPr>
-        <p:grpSpPr>
-          <a:xfrm>
-            <a:off x="-8863252" y="-1534"/>
-            <a:ext cx="12263677" cy="6859534"/>
-            <a:chOff x="-8863252" y="-1534"/>
-            <a:chExt cx="12263677" cy="6859534"/>
-          </a:xfrm>
-        </p:grpSpPr>
-        <p:sp>
-          <p:nvSpPr>
-            <p:cNvPr id="5" name="文本框 4">
-              <a:extLst>
-                <a:ext uri="{FF2B5EF4-FFF2-40B4-BE49-F238E27FC236}">
-                  <a16:creationId xmlns:a16="http://schemas.microsoft.com/office/drawing/2014/main" id="{7390670E-0436-74FD-BCF1-0B9E5CAD8420}"/>
-                </a:ext>
-              </a:extLst>
-            </p:cNvPr>
-            <p:cNvSpPr txBox="1"/>
-            <p:nvPr/>
-          </p:nvSpPr>
-          <p:spPr>
-            <a:xfrm>
-              <a:off x="2591825" y="1224000"/>
-              <a:ext cx="808600" cy="888651"/>
-            </a:xfrm>
-            <a:prstGeom prst="flowChartAlternateProcess">
-              <a:avLst/>
-            </a:prstGeom>
-            <a:solidFill>
-              <a:schemeClr val="bg2">
-                <a:lumMod val="50000"/>
-              </a:schemeClr>
-            </a:solidFill>
-            <a:ln>
-              <a:noFill/>
-            </a:ln>
-            <a:effectLst>
-              <a:outerShdw blurRad="50800" dist="38100" algn="l" rotWithShape="0">
-                <a:prstClr val="black">
-                  <a:alpha val="40000"/>
-                </a:prstClr>
-              </a:outerShdw>
-              <a:softEdge rad="0"/>
-            </a:effectLst>
-          </p:spPr>
-          <p:style>
-            <a:lnRef idx="3">
-              <a:schemeClr val="lt1"/>
-            </a:lnRef>
-            <a:fillRef idx="1">
-              <a:schemeClr val="accent1"/>
-            </a:fillRef>
-            <a:effectRef idx="1">
-              <a:schemeClr val="accent1"/>
-            </a:effectRef>
-            <a:fontRef idx="minor">
-              <a:schemeClr val="lt1"/>
-            </a:fontRef>
-          </p:style>
-          <p:txBody>
-            <a:bodyPr wrap="square" rtlCol="0" anchor="ctr" anchorCtr="0">
-              <a:noAutofit/>
-            </a:bodyPr>
-            <a:lstStyle/>
-            <a:p>
-              <a:pPr algn="ctr"/>
-              <a:endParaRPr lang="zh-CN" altLang="en-US" sz="3200" b="1" dirty="0">
-                <a:latin typeface="Bauhaus 93" panose="04030905020B02020C02" pitchFamily="82" charset="0"/>
-              </a:endParaRPr>
-            </a:p>
-          </p:txBody>
-        </p:sp>
-        <p:sp>
-          <p:nvSpPr>
-            <p:cNvPr id="4" name="矩形 3">
-              <a:extLst>
-                <a:ext uri="{FF2B5EF4-FFF2-40B4-BE49-F238E27FC236}">
-                  <a16:creationId xmlns:a16="http://schemas.microsoft.com/office/drawing/2014/main" id="{0E3840C7-48F9-A79B-3845-1959334E1D63}"/>
-                </a:ext>
-              </a:extLst>
-            </p:cNvPr>
-            <p:cNvSpPr/>
-            <p:nvPr/>
-          </p:nvSpPr>
-          <p:spPr>
-            <a:xfrm>
-              <a:off x="-8863252" y="-1534"/>
-              <a:ext cx="11608501" cy="6859534"/>
-            </a:xfrm>
-            <a:prstGeom prst="rect">
-              <a:avLst/>
-            </a:prstGeom>
-            <a:solidFill>
-              <a:schemeClr val="bg2">
-                <a:lumMod val="50000"/>
-              </a:schemeClr>
-            </a:solidFill>
-            <a:ln>
-              <a:noFill/>
-            </a:ln>
-          </p:spPr>
-          <p:style>
-            <a:lnRef idx="2">
-              <a:schemeClr val="accent1">
-                <a:shade val="50000"/>
-              </a:schemeClr>
-            </a:lnRef>
-            <a:fillRef idx="1">
-              <a:schemeClr val="accent1"/>
-            </a:fillRef>
-            <a:effectRef idx="0">
-              <a:schemeClr val="accent1"/>
-            </a:effectRef>
-            <a:fontRef idx="minor">
-              <a:schemeClr val="lt1"/>
-            </a:fontRef>
-          </p:style>
-          <p:txBody>
-            <a:bodyPr rtlCol="0" anchor="ctr"/>
-            <a:lstStyle/>
-            <a:p>
-              <a:pPr algn="ctr"/>
-              <a:endParaRPr lang="zh-CN" altLang="en-US" dirty="0"/>
-            </a:p>
-          </p:txBody>
-        </p:sp>
-      </p:grpSp>
-      <p:grpSp>
-        <p:nvGrpSpPr>
-          <p:cNvPr id="6" name="组合 5">
-            <a:extLst>
-              <a:ext uri="{FF2B5EF4-FFF2-40B4-BE49-F238E27FC236}">
-                <a16:creationId xmlns:a16="http://schemas.microsoft.com/office/drawing/2014/main" id="{657298C6-B7FC-3A1E-72CF-37AA54F589A3}"/>
-              </a:ext>
-            </a:extLst>
-          </p:cNvPr>
-          <p:cNvGrpSpPr/>
-          <p:nvPr/>
-        </p:nvGrpSpPr>
-        <p:grpSpPr>
-          <a:xfrm>
-            <a:off x="-8317406" y="1570006"/>
-            <a:ext cx="10628345" cy="3165657"/>
-            <a:chOff x="-8317406" y="1570006"/>
-            <a:chExt cx="10628345" cy="3165657"/>
-          </a:xfrm>
-        </p:grpSpPr>
-        <p:sp>
-          <p:nvSpPr>
-            <p:cNvPr id="17" name="矩形 16">
-              <a:extLst>
-                <a:ext uri="{FF2B5EF4-FFF2-40B4-BE49-F238E27FC236}">
-                  <a16:creationId xmlns:a16="http://schemas.microsoft.com/office/drawing/2014/main" id="{E0B6C8F1-FC96-B132-9602-1576EEF6C3FF}"/>
-                </a:ext>
-              </a:extLst>
-            </p:cNvPr>
-            <p:cNvSpPr/>
-            <p:nvPr/>
-          </p:nvSpPr>
-          <p:spPr>
-            <a:xfrm>
-              <a:off x="-746876" y="3444875"/>
-              <a:ext cx="942322" cy="240646"/>
-            </a:xfrm>
-            <a:prstGeom prst="rect">
-              <a:avLst/>
-            </a:prstGeom>
-            <a:solidFill>
-              <a:schemeClr val="accent1">
-                <a:lumMod val="20000"/>
-                <a:lumOff val="80000"/>
-              </a:schemeClr>
-            </a:solidFill>
-            <a:ln>
-              <a:noFill/>
-            </a:ln>
-          </p:spPr>
-          <p:style>
-            <a:lnRef idx="2">
-              <a:schemeClr val="accent1">
-                <a:shade val="50000"/>
-              </a:schemeClr>
-            </a:lnRef>
-            <a:fillRef idx="1">
-              <a:schemeClr val="accent1"/>
-            </a:fillRef>
-            <a:effectRef idx="0">
-              <a:schemeClr val="accent1"/>
-            </a:effectRef>
-            <a:fontRef idx="minor">
-              <a:schemeClr val="lt1"/>
-            </a:fontRef>
-          </p:style>
-          <p:txBody>
-            <a:bodyPr rtlCol="0" anchor="ctr"/>
-            <a:lstStyle/>
-            <a:p>
-              <a:pPr algn="ctr"/>
-              <a:endParaRPr lang="zh-CN" altLang="en-US"/>
-            </a:p>
-          </p:txBody>
-        </p:sp>
-        <p:pic>
-          <p:nvPicPr>
-            <p:cNvPr id="10" name="图片 9">
-              <a:extLst>
-                <a:ext uri="{FF2B5EF4-FFF2-40B4-BE49-F238E27FC236}">
-                  <a16:creationId xmlns:a16="http://schemas.microsoft.com/office/drawing/2014/main" id="{06952FC2-58B2-CADA-0114-3440CCC54A1D}"/>
-                </a:ext>
-              </a:extLst>
-            </p:cNvPr>
-            <p:cNvPicPr>
-              <a:picLocks noChangeAspect="1"/>
-            </p:cNvPicPr>
-            <p:nvPr/>
-          </p:nvPicPr>
-          <p:blipFill>
-            <a:blip r:embed="rId4">
-              <a:extLst>
-                <a:ext uri="{28A0092B-C50C-407E-A947-70E740481C1C}">
-                  <a14:useLocalDpi xmlns:a14="http://schemas.microsoft.com/office/drawing/2010/main" val="0"/>
-                </a:ext>
-              </a:extLst>
-            </a:blip>
-            <a:stretch>
-              <a:fillRect/>
-            </a:stretch>
-          </p:blipFill>
-          <p:spPr>
-            <a:xfrm>
-              <a:off x="-8317406" y="2540269"/>
-              <a:ext cx="10628345" cy="2195394"/>
-            </a:xfrm>
-            <a:prstGeom prst="rect">
-              <a:avLst/>
-            </a:prstGeom>
-            <a:noFill/>
-            <a:ln>
-              <a:noFill/>
-            </a:ln>
-          </p:spPr>
-        </p:pic>
-        <p:sp>
-          <p:nvSpPr>
-            <p:cNvPr id="20" name="文本框 19">
-              <a:extLst>
-                <a:ext uri="{FF2B5EF4-FFF2-40B4-BE49-F238E27FC236}">
-                  <a16:creationId xmlns:a16="http://schemas.microsoft.com/office/drawing/2014/main" id="{BD8BC1C5-23D4-16A7-4058-A202EA1A1605}"/>
-                </a:ext>
-              </a:extLst>
-            </p:cNvPr>
-            <p:cNvSpPr txBox="1"/>
-            <p:nvPr/>
-          </p:nvSpPr>
-          <p:spPr>
-            <a:xfrm>
-              <a:off x="-4766977" y="1570006"/>
-              <a:ext cx="3979333" cy="646331"/>
-            </a:xfrm>
-            <a:prstGeom prst="rect">
-              <a:avLst/>
-            </a:prstGeom>
-            <a:solidFill>
-              <a:schemeClr val="bg2">
-                <a:lumMod val="50000"/>
-              </a:schemeClr>
-            </a:solidFill>
-            <a:ln>
-              <a:noFill/>
-            </a:ln>
-          </p:spPr>
-          <p:txBody>
-            <a:bodyPr wrap="square" rtlCol="0">
-              <a:spAutoFit/>
-            </a:bodyPr>
-            <a:lstStyle/>
-            <a:p>
-              <a:pPr algn="ctr"/>
-              <a:r>
-                <a:rPr lang="zh-CN" altLang="en-US" sz="3600" dirty="0"/>
-                <a:t>材质结构</a:t>
-              </a:r>
-            </a:p>
-          </p:txBody>
-        </p:sp>
-      </p:grpSp>
-      <p:grpSp>
-        <p:nvGrpSpPr>
-          <p:cNvPr id="27" name="组合 26">
-            <a:extLst>
-              <a:ext uri="{FF2B5EF4-FFF2-40B4-BE49-F238E27FC236}">
-                <a16:creationId xmlns:a16="http://schemas.microsoft.com/office/drawing/2014/main" id="{E46FA44B-D14F-454E-776A-71DA3D23F854}"/>
-              </a:ext>
-            </a:extLst>
-          </p:cNvPr>
-          <p:cNvGrpSpPr/>
-          <p:nvPr/>
-        </p:nvGrpSpPr>
-        <p:grpSpPr>
-          <a:xfrm>
-            <a:off x="-7513692" y="4410075"/>
-            <a:ext cx="8975823" cy="888652"/>
-            <a:chOff x="2419066" y="3929703"/>
-            <a:chExt cx="8975823" cy="888652"/>
-          </a:xfrm>
-        </p:grpSpPr>
-        <p:sp>
-          <p:nvSpPr>
-            <p:cNvPr id="33" name="文本框 M">
-              <a:extLst>
-                <a:ext uri="{FF2B5EF4-FFF2-40B4-BE49-F238E27FC236}">
-                  <a16:creationId xmlns:a16="http://schemas.microsoft.com/office/drawing/2014/main" id="{C4CC3989-3FC7-4938-8FAE-AA21BB82B014}"/>
-                </a:ext>
-              </a:extLst>
-            </p:cNvPr>
-            <p:cNvSpPr txBox="1"/>
-            <p:nvPr/>
-          </p:nvSpPr>
-          <p:spPr>
-            <a:xfrm>
-              <a:off x="5199614" y="3929704"/>
-              <a:ext cx="808600" cy="888651"/>
-            </a:xfrm>
-            <a:prstGeom prst="flowChartAlternateProcess">
-              <a:avLst/>
-            </a:prstGeom>
-            <a:noFill/>
-            <a:ln>
-              <a:noFill/>
-            </a:ln>
-            <a:effectLst>
-              <a:outerShdw blurRad="50800" dist="38100" algn="l" rotWithShape="0">
-                <a:prstClr val="black">
-                  <a:alpha val="40000"/>
-                </a:prstClr>
-              </a:outerShdw>
-              <a:softEdge rad="0"/>
-            </a:effectLst>
-          </p:spPr>
-          <p:style>
-            <a:lnRef idx="3">
-              <a:schemeClr val="lt1"/>
-            </a:lnRef>
-            <a:fillRef idx="1">
-              <a:schemeClr val="accent1"/>
-            </a:fillRef>
-            <a:effectRef idx="1">
-              <a:schemeClr val="accent1"/>
-            </a:effectRef>
-            <a:fontRef idx="minor">
-              <a:schemeClr val="lt1"/>
-            </a:fontRef>
-          </p:style>
-          <p:txBody>
-            <a:bodyPr wrap="square" rtlCol="0" anchor="ctr" anchorCtr="0">
-              <a:noAutofit/>
-            </a:bodyPr>
-            <a:lstStyle/>
-            <a:p>
-              <a:pPr algn="ctr"/>
-              <a:r>
-                <a:rPr lang="en-US" altLang="zh-CN" sz="2400" b="1" dirty="0">
-                  <a:latin typeface="Bodoni MT Black" panose="02070A03080606020203" pitchFamily="18" charset="0"/>
-                </a:rPr>
-                <a:t>M</a:t>
-              </a:r>
-              <a:endParaRPr lang="zh-CN" altLang="en-US" sz="2400" b="1" dirty="0">
-                <a:latin typeface="Bodoni MT Black" panose="02070A03080606020203" pitchFamily="18" charset="0"/>
-              </a:endParaRPr>
-            </a:p>
-          </p:txBody>
-        </p:sp>
-        <p:sp>
-          <p:nvSpPr>
-            <p:cNvPr id="34" name="文本框 MI">
-              <a:extLst>
-                <a:ext uri="{FF2B5EF4-FFF2-40B4-BE49-F238E27FC236}">
-                  <a16:creationId xmlns:a16="http://schemas.microsoft.com/office/drawing/2014/main" id="{9B4ED87C-E946-740F-D2F4-B0DFD74A95BA}"/>
-                </a:ext>
-              </a:extLst>
-            </p:cNvPr>
-            <p:cNvSpPr txBox="1"/>
-            <p:nvPr/>
-          </p:nvSpPr>
-          <p:spPr>
-            <a:xfrm>
-              <a:off x="7904408" y="3929703"/>
-              <a:ext cx="808600" cy="888651"/>
-            </a:xfrm>
-            <a:prstGeom prst="flowChartAlternateProcess">
-              <a:avLst/>
-            </a:prstGeom>
-            <a:noFill/>
-            <a:ln>
-              <a:noFill/>
-            </a:ln>
-            <a:effectLst>
-              <a:outerShdw blurRad="50800" dist="38100" algn="l" rotWithShape="0">
-                <a:prstClr val="black">
-                  <a:alpha val="40000"/>
-                </a:prstClr>
-              </a:outerShdw>
-              <a:softEdge rad="0"/>
-            </a:effectLst>
-          </p:spPr>
-          <p:style>
-            <a:lnRef idx="3">
-              <a:schemeClr val="lt1"/>
-            </a:lnRef>
-            <a:fillRef idx="1">
-              <a:schemeClr val="accent1"/>
-            </a:fillRef>
-            <a:effectRef idx="1">
-              <a:schemeClr val="accent1"/>
-            </a:effectRef>
-            <a:fontRef idx="minor">
-              <a:schemeClr val="lt1"/>
-            </a:fontRef>
-          </p:style>
-          <p:txBody>
-            <a:bodyPr wrap="square" rtlCol="0" anchor="ctr" anchorCtr="0">
-              <a:noAutofit/>
-            </a:bodyPr>
-            <a:lstStyle/>
-            <a:p>
-              <a:pPr algn="ctr"/>
-              <a:r>
-                <a:rPr lang="en-US" altLang="zh-CN" sz="2400" b="1" dirty="0">
-                  <a:latin typeface="Bodoni MT Black" panose="02070A03080606020203" pitchFamily="18" charset="0"/>
-                </a:rPr>
-                <a:t>MI</a:t>
-              </a:r>
-              <a:endParaRPr lang="zh-CN" altLang="en-US" sz="2400" b="1" dirty="0">
-                <a:latin typeface="Bodoni MT Black" panose="02070A03080606020203" pitchFamily="18" charset="0"/>
-              </a:endParaRPr>
-            </a:p>
-          </p:txBody>
-        </p:sp>
-        <p:sp>
-          <p:nvSpPr>
-            <p:cNvPr id="35" name="文本框 MF">
-              <a:extLst>
-                <a:ext uri="{FF2B5EF4-FFF2-40B4-BE49-F238E27FC236}">
-                  <a16:creationId xmlns:a16="http://schemas.microsoft.com/office/drawing/2014/main" id="{523D3002-9F8F-0C70-B437-6A5AC3EA7FC2}"/>
-                </a:ext>
-              </a:extLst>
-            </p:cNvPr>
-            <p:cNvSpPr txBox="1"/>
-            <p:nvPr/>
-          </p:nvSpPr>
-          <p:spPr>
-            <a:xfrm>
-              <a:off x="2419066" y="3929703"/>
-              <a:ext cx="808600" cy="888651"/>
-            </a:xfrm>
-            <a:prstGeom prst="flowChartAlternateProcess">
-              <a:avLst/>
-            </a:prstGeom>
-            <a:noFill/>
-            <a:ln>
-              <a:noFill/>
-            </a:ln>
-            <a:effectLst>
-              <a:outerShdw blurRad="50800" dist="38100" algn="l" rotWithShape="0">
-                <a:prstClr val="black">
-                  <a:alpha val="40000"/>
-                </a:prstClr>
-              </a:outerShdw>
-              <a:softEdge rad="0"/>
-            </a:effectLst>
-          </p:spPr>
-          <p:style>
-            <a:lnRef idx="3">
-              <a:schemeClr val="lt1"/>
-            </a:lnRef>
-            <a:fillRef idx="1">
-              <a:schemeClr val="accent1"/>
-            </a:fillRef>
-            <a:effectRef idx="1">
-              <a:schemeClr val="accent1"/>
-            </a:effectRef>
-            <a:fontRef idx="minor">
-              <a:schemeClr val="lt1"/>
-            </a:fontRef>
-          </p:style>
-          <p:txBody>
-            <a:bodyPr wrap="square" rtlCol="0" anchor="ctr" anchorCtr="0">
-              <a:noAutofit/>
-            </a:bodyPr>
-            <a:lstStyle/>
-            <a:p>
-              <a:pPr algn="ctr"/>
-              <a:r>
-                <a:rPr lang="en-US" altLang="zh-CN" sz="2400" b="1" dirty="0">
-                  <a:latin typeface="Bodoni MT Black" panose="02070A03080606020203" pitchFamily="18" charset="0"/>
-                </a:rPr>
-                <a:t>MF</a:t>
-              </a:r>
-              <a:endParaRPr lang="zh-CN" altLang="en-US" sz="2400" b="1" dirty="0">
-                <a:latin typeface="Bodoni MT Black" panose="02070A03080606020203" pitchFamily="18" charset="0"/>
-              </a:endParaRPr>
-            </a:p>
-          </p:txBody>
-        </p:sp>
-        <p:sp>
-          <p:nvSpPr>
-            <p:cNvPr id="24" name="文本框 MI">
-              <a:extLst>
-                <a:ext uri="{FF2B5EF4-FFF2-40B4-BE49-F238E27FC236}">
-                  <a16:creationId xmlns:a16="http://schemas.microsoft.com/office/drawing/2014/main" id="{65376546-8EF6-4056-7295-B909A1AD397F}"/>
-                </a:ext>
-              </a:extLst>
-            </p:cNvPr>
-            <p:cNvSpPr txBox="1"/>
-            <p:nvPr/>
-          </p:nvSpPr>
-          <p:spPr>
-            <a:xfrm>
-              <a:off x="10586289" y="3929703"/>
-              <a:ext cx="808600" cy="888651"/>
-            </a:xfrm>
-            <a:prstGeom prst="flowChartAlternateProcess">
-              <a:avLst/>
-            </a:prstGeom>
-            <a:noFill/>
-            <a:ln>
-              <a:noFill/>
-            </a:ln>
-            <a:effectLst>
-              <a:outerShdw blurRad="50800" dist="38100" algn="l" rotWithShape="0">
-                <a:prstClr val="black">
-                  <a:alpha val="40000"/>
-                </a:prstClr>
-              </a:outerShdw>
-              <a:softEdge rad="0"/>
-            </a:effectLst>
-          </p:spPr>
-          <p:style>
-            <a:lnRef idx="3">
-              <a:schemeClr val="lt1"/>
-            </a:lnRef>
-            <a:fillRef idx="1">
-              <a:schemeClr val="accent1"/>
-            </a:fillRef>
-            <a:effectRef idx="1">
-              <a:schemeClr val="accent1"/>
-            </a:effectRef>
-            <a:fontRef idx="minor">
-              <a:schemeClr val="lt1"/>
-            </a:fontRef>
-          </p:style>
-          <p:txBody>
-            <a:bodyPr wrap="square" rtlCol="0" anchor="ctr" anchorCtr="0">
-              <a:noAutofit/>
-            </a:bodyPr>
-            <a:lstStyle/>
-            <a:p>
-              <a:pPr algn="ctr"/>
-              <a:r>
-                <a:rPr lang="en-US" altLang="zh-CN" sz="2400" b="1" dirty="0">
-                  <a:latin typeface="Bodoni MT Black" panose="02070A03080606020203" pitchFamily="18" charset="0"/>
-                </a:rPr>
-                <a:t>MI</a:t>
-              </a:r>
-              <a:endParaRPr lang="zh-CN" altLang="en-US" sz="2400" b="1" dirty="0">
-                <a:latin typeface="Bodoni MT Black" panose="02070A03080606020203" pitchFamily="18" charset="0"/>
-              </a:endParaRPr>
-            </a:p>
-          </p:txBody>
-        </p:sp>
-      </p:grpSp>
-      <p:pic>
-        <p:nvPicPr>
-          <p:cNvPr id="15" name="材质结构icon">
-            <a:extLst>
-              <a:ext uri="{FF2B5EF4-FFF2-40B4-BE49-F238E27FC236}">
-                <a16:creationId xmlns:a16="http://schemas.microsoft.com/office/drawing/2014/main" id="{BBF1C0E1-8918-D2EE-7007-5C8C9E4E389D}"/>
-              </a:ext>
-            </a:extLst>
-          </p:cNvPr>
-          <p:cNvPicPr>
-            <a:picLocks noChangeAspect="1"/>
-          </p:cNvPicPr>
-          <p:nvPr/>
-        </p:nvPicPr>
-        <p:blipFill>
-          <a:blip r:embed="rId5">
-            <a:extLst>
-              <a:ext uri="{28A0092B-C50C-407E-A947-70E740481C1C}">
-                <a14:useLocalDpi xmlns:a14="http://schemas.microsoft.com/office/drawing/2010/main" val="0"/>
-              </a:ext>
-            </a:extLst>
-          </a:blip>
-          <a:stretch>
-            <a:fillRect/>
-          </a:stretch>
-        </p:blipFill>
-        <p:spPr>
-          <a:xfrm>
-            <a:off x="2661963" y="1330564"/>
-            <a:ext cx="738462" cy="738462"/>
-          </a:xfrm>
-          <a:prstGeom prst="rect">
-            <a:avLst/>
-          </a:prstGeom>
-        </p:spPr>
-      </p:pic>
-      <p:sp>
-        <p:nvSpPr>
-          <p:cNvPr id="8" name="文本框 M">
-            <a:extLst>
-              <a:ext uri="{FF2B5EF4-FFF2-40B4-BE49-F238E27FC236}">
-                <a16:creationId xmlns:a16="http://schemas.microsoft.com/office/drawing/2014/main" id="{17593F07-218D-3B51-5FFF-2B3BD3B4E754}"/>
-              </a:ext>
-            </a:extLst>
-          </p:cNvPr>
-          <p:cNvSpPr txBox="1"/>
-          <p:nvPr/>
-        </p:nvSpPr>
-        <p:spPr>
-          <a:xfrm>
-            <a:off x="1873920" y="2037621"/>
-            <a:ext cx="808600" cy="888651"/>
-          </a:xfrm>
-          <a:prstGeom prst="flowChartAlternateProcess">
-            <a:avLst/>
-          </a:prstGeom>
-          <a:solidFill>
-            <a:schemeClr val="bg2">
-              <a:lumMod val="75000"/>
-            </a:schemeClr>
-          </a:solidFill>
-          <a:ln>
-            <a:noFill/>
-          </a:ln>
-          <a:effectLst>
-            <a:outerShdw blurRad="50800" dist="38100" algn="l" rotWithShape="0">
-              <a:prstClr val="black">
-                <a:alpha val="40000"/>
-              </a:prstClr>
-            </a:outerShdw>
-            <a:softEdge rad="0"/>
-          </a:effectLst>
-        </p:spPr>
-        <p:style>
-          <a:lnRef idx="3">
-            <a:schemeClr val="lt1"/>
-          </a:lnRef>
-          <a:fillRef idx="1">
-            <a:schemeClr val="accent1"/>
-          </a:fillRef>
-          <a:effectRef idx="1">
-            <a:schemeClr val="accent1"/>
-          </a:effectRef>
-          <a:fontRef idx="minor">
-            <a:schemeClr val="lt1"/>
-          </a:fontRef>
-        </p:style>
-        <p:txBody>
-          <a:bodyPr wrap="square" rtlCol="0" anchor="ctr" anchorCtr="0">
-            <a:noAutofit/>
-          </a:bodyPr>
-          <a:lstStyle/>
-          <a:p>
-            <a:pPr algn="ctr"/>
-            <a:r>
-              <a:rPr lang="en-US" altLang="zh-CN" sz="2400" b="1" dirty="0">
-                <a:latin typeface="Bodoni MT Black" panose="02070A03080606020203" pitchFamily="18" charset="0"/>
-              </a:rPr>
-              <a:t>M</a:t>
-            </a:r>
-            <a:endParaRPr lang="zh-CN" altLang="en-US" sz="2400" b="1" dirty="0">
-              <a:latin typeface="Bodoni MT Black" panose="02070A03080606020203" pitchFamily="18" charset="0"/>
-            </a:endParaRPr>
-          </a:p>
-        </p:txBody>
-      </p:sp>
-      <p:sp>
-        <p:nvSpPr>
-          <p:cNvPr id="9" name="矩形 8">
-            <a:extLst>
-              <a:ext uri="{FF2B5EF4-FFF2-40B4-BE49-F238E27FC236}">
-                <a16:creationId xmlns:a16="http://schemas.microsoft.com/office/drawing/2014/main" id="{4BD5810B-3011-6E5A-C575-0D87EA7B47E1}"/>
-              </a:ext>
-            </a:extLst>
-          </p:cNvPr>
-          <p:cNvSpPr/>
-          <p:nvPr/>
-        </p:nvSpPr>
-        <p:spPr>
-          <a:xfrm>
-            <a:off x="-8776828" y="0"/>
-            <a:ext cx="10804172" cy="6859534"/>
-          </a:xfrm>
-          <a:prstGeom prst="rect">
-            <a:avLst/>
-          </a:prstGeom>
-          <a:solidFill>
-            <a:schemeClr val="bg2">
-              <a:lumMod val="75000"/>
-            </a:schemeClr>
-          </a:solidFill>
-          <a:ln>
-            <a:noFill/>
-          </a:ln>
-        </p:spPr>
-        <p:style>
-          <a:lnRef idx="2">
-            <a:schemeClr val="accent1">
-              <a:shade val="50000"/>
-            </a:schemeClr>
-          </a:lnRef>
-          <a:fillRef idx="1">
-            <a:schemeClr val="accent1"/>
-          </a:fillRef>
-          <a:effectRef idx="0">
-            <a:schemeClr val="accent1"/>
-          </a:effectRef>
-          <a:fontRef idx="minor">
-            <a:schemeClr val="lt1"/>
-          </a:fontRef>
-        </p:style>
-        <p:txBody>
-          <a:bodyPr rtlCol="0" anchor="ctr"/>
-          <a:lstStyle/>
-          <a:p>
-            <a:pPr algn="ctr"/>
-            <a:endParaRPr lang="zh-CN" altLang="en-US" dirty="0"/>
-          </a:p>
-        </p:txBody>
-      </p:sp>
-      <p:sp>
-        <p:nvSpPr>
-          <p:cNvPr id="13" name="文本框 MI">
-            <a:extLst>
-              <a:ext uri="{FF2B5EF4-FFF2-40B4-BE49-F238E27FC236}">
-                <a16:creationId xmlns:a16="http://schemas.microsoft.com/office/drawing/2014/main" id="{639F4C49-2D9D-548F-092F-5A740BB0FB64}"/>
-              </a:ext>
-            </a:extLst>
-          </p:cNvPr>
-          <p:cNvSpPr txBox="1"/>
-          <p:nvPr/>
-        </p:nvSpPr>
-        <p:spPr>
-          <a:xfrm>
-            <a:off x="1057831" y="3041052"/>
-            <a:ext cx="808600" cy="888651"/>
-          </a:xfrm>
-          <a:prstGeom prst="flowChartAlternateProcess">
-            <a:avLst/>
-          </a:prstGeom>
-          <a:solidFill>
-            <a:srgbClr val="4E607A"/>
-          </a:solidFill>
-          <a:ln>
-            <a:noFill/>
-          </a:ln>
-          <a:effectLst>
-            <a:outerShdw blurRad="50800" dist="38100" algn="l" rotWithShape="0">
-              <a:prstClr val="black">
-                <a:alpha val="40000"/>
-              </a:prstClr>
-            </a:outerShdw>
-            <a:softEdge rad="0"/>
-          </a:effectLst>
-        </p:spPr>
-        <p:style>
-          <a:lnRef idx="3">
-            <a:schemeClr val="lt1"/>
-          </a:lnRef>
-          <a:fillRef idx="1">
-            <a:schemeClr val="accent1"/>
-          </a:fillRef>
-          <a:effectRef idx="1">
-            <a:schemeClr val="accent1"/>
-          </a:effectRef>
-          <a:fontRef idx="minor">
-            <a:schemeClr val="lt1"/>
-          </a:fontRef>
-        </p:style>
-        <p:txBody>
-          <a:bodyPr wrap="square" rtlCol="0" anchor="ctr" anchorCtr="0">
-            <a:noAutofit/>
-          </a:bodyPr>
-          <a:lstStyle/>
-          <a:p>
-            <a:pPr algn="ctr"/>
-            <a:r>
-              <a:rPr lang="en-US" altLang="zh-CN" sz="2400" b="1" dirty="0">
-                <a:latin typeface="Bodoni MT Black" panose="02070A03080606020203" pitchFamily="18" charset="0"/>
-              </a:rPr>
-              <a:t>MI</a:t>
-            </a:r>
-            <a:endParaRPr lang="zh-CN" altLang="en-US" sz="2400" b="1" dirty="0">
-              <a:latin typeface="Bodoni MT Black" panose="02070A03080606020203" pitchFamily="18" charset="0"/>
-            </a:endParaRPr>
-          </a:p>
-        </p:txBody>
-      </p:sp>
-      <p:sp>
-        <p:nvSpPr>
-          <p:cNvPr id="14" name="矩形 13">
-            <a:extLst>
-              <a:ext uri="{FF2B5EF4-FFF2-40B4-BE49-F238E27FC236}">
-                <a16:creationId xmlns:a16="http://schemas.microsoft.com/office/drawing/2014/main" id="{AE00B959-9713-4F96-2D07-989385768095}"/>
-              </a:ext>
-            </a:extLst>
-          </p:cNvPr>
-          <p:cNvSpPr/>
-          <p:nvPr/>
-        </p:nvSpPr>
-        <p:spPr>
-          <a:xfrm>
-            <a:off x="-9592917" y="0"/>
-            <a:ext cx="10804172" cy="6859534"/>
-          </a:xfrm>
-          <a:prstGeom prst="rect">
-            <a:avLst/>
-          </a:prstGeom>
-          <a:solidFill>
-            <a:srgbClr val="4E607A"/>
-          </a:solidFill>
-          <a:ln>
-            <a:noFill/>
-          </a:ln>
-        </p:spPr>
-        <p:style>
-          <a:lnRef idx="2">
-            <a:schemeClr val="accent1">
-              <a:shade val="50000"/>
-            </a:schemeClr>
-          </a:lnRef>
-          <a:fillRef idx="1">
-            <a:schemeClr val="accent1"/>
-          </a:fillRef>
-          <a:effectRef idx="0">
-            <a:schemeClr val="accent1"/>
-          </a:effectRef>
-          <a:fontRef idx="minor">
-            <a:schemeClr val="lt1"/>
-          </a:fontRef>
-        </p:style>
-        <p:txBody>
-          <a:bodyPr rtlCol="0" anchor="ctr"/>
-          <a:lstStyle/>
-          <a:p>
-            <a:pPr algn="ctr"/>
-            <a:endParaRPr lang="zh-CN" altLang="en-US" dirty="0"/>
-          </a:p>
-        </p:txBody>
-      </p:sp>
-      <p:sp>
-        <p:nvSpPr>
-          <p:cNvPr id="19" name="文本框 MF">
-            <a:extLst>
-              <a:ext uri="{FF2B5EF4-FFF2-40B4-BE49-F238E27FC236}">
-                <a16:creationId xmlns:a16="http://schemas.microsoft.com/office/drawing/2014/main" id="{C70A4406-617C-9314-67A8-E94F551E4BD1}"/>
-              </a:ext>
-            </a:extLst>
-          </p:cNvPr>
-          <p:cNvSpPr txBox="1"/>
-          <p:nvPr/>
-        </p:nvSpPr>
-        <p:spPr>
-          <a:xfrm>
-            <a:off x="254423" y="4061331"/>
-            <a:ext cx="808600" cy="888651"/>
-          </a:xfrm>
-          <a:prstGeom prst="flowChartAlternateProcess">
-            <a:avLst/>
-          </a:prstGeom>
-          <a:solidFill>
-            <a:schemeClr val="bg2">
-              <a:lumMod val="60000"/>
-              <a:lumOff val="40000"/>
-            </a:schemeClr>
-          </a:solidFill>
-          <a:ln>
-            <a:noFill/>
-          </a:ln>
-          <a:effectLst>
-            <a:outerShdw blurRad="50800" dist="38100" algn="l" rotWithShape="0">
-              <a:prstClr val="black">
-                <a:alpha val="40000"/>
-              </a:prstClr>
-            </a:outerShdw>
-            <a:softEdge rad="0"/>
-          </a:effectLst>
-        </p:spPr>
-        <p:style>
-          <a:lnRef idx="3">
-            <a:schemeClr val="lt1"/>
-          </a:lnRef>
-          <a:fillRef idx="1">
-            <a:schemeClr val="accent1"/>
-          </a:fillRef>
-          <a:effectRef idx="1">
-            <a:schemeClr val="accent1"/>
-          </a:effectRef>
-          <a:fontRef idx="minor">
-            <a:schemeClr val="lt1"/>
-          </a:fontRef>
-        </p:style>
-        <p:txBody>
-          <a:bodyPr wrap="square" rtlCol="0" anchor="ctr" anchorCtr="0">
-            <a:noAutofit/>
-          </a:bodyPr>
-          <a:lstStyle/>
-          <a:p>
-            <a:pPr algn="ctr"/>
-            <a:r>
-              <a:rPr lang="en-US" altLang="zh-CN" sz="2400" b="1" dirty="0">
-                <a:latin typeface="Bodoni MT Black" panose="02070A03080606020203" pitchFamily="18" charset="0"/>
-              </a:rPr>
-              <a:t>MF</a:t>
-            </a:r>
-            <a:endParaRPr lang="zh-CN" altLang="en-US" sz="2400" b="1" dirty="0">
-              <a:latin typeface="Bodoni MT Black" panose="02070A03080606020203" pitchFamily="18" charset="0"/>
-            </a:endParaRPr>
-          </a:p>
-        </p:txBody>
-      </p:sp>
-      <p:sp>
-        <p:nvSpPr>
-          <p:cNvPr id="21" name="矩形 20">
-            <a:extLst>
-              <a:ext uri="{FF2B5EF4-FFF2-40B4-BE49-F238E27FC236}">
-                <a16:creationId xmlns:a16="http://schemas.microsoft.com/office/drawing/2014/main" id="{2B8ADDEA-45D2-9DEE-B577-8AF307B5A082}"/>
-              </a:ext>
-            </a:extLst>
-          </p:cNvPr>
-          <p:cNvSpPr/>
-          <p:nvPr/>
-        </p:nvSpPr>
-        <p:spPr>
-          <a:xfrm>
-            <a:off x="-10400539" y="0"/>
-            <a:ext cx="10804172" cy="6859534"/>
-          </a:xfrm>
-          <a:prstGeom prst="rect">
-            <a:avLst/>
-          </a:prstGeom>
-          <a:solidFill>
-            <a:schemeClr val="bg2">
-              <a:lumMod val="60000"/>
-              <a:lumOff val="40000"/>
-            </a:schemeClr>
-          </a:solidFill>
-          <a:ln>
-            <a:noFill/>
-          </a:ln>
-        </p:spPr>
-        <p:style>
-          <a:lnRef idx="2">
-            <a:schemeClr val="accent1">
-              <a:shade val="50000"/>
-            </a:schemeClr>
-          </a:lnRef>
-          <a:fillRef idx="1">
-            <a:schemeClr val="accent1"/>
-          </a:fillRef>
-          <a:effectRef idx="0">
-            <a:schemeClr val="accent1"/>
-          </a:effectRef>
-          <a:fontRef idx="minor">
-            <a:schemeClr val="lt1"/>
-          </a:fontRef>
-        </p:style>
-        <p:txBody>
-          <a:bodyPr rtlCol="0" anchor="ctr"/>
-          <a:lstStyle/>
-          <a:p>
-            <a:pPr algn="ctr"/>
-            <a:endParaRPr lang="zh-CN" altLang="en-US" dirty="0"/>
-          </a:p>
-        </p:txBody>
-      </p:sp>
-    </p:spTree>
-    <p:extLst>
-      <p:ext uri="{BB962C8B-B14F-4D97-AF65-F5344CB8AC3E}">
-        <p14:creationId xmlns:p14="http://schemas.microsoft.com/office/powerpoint/2010/main" val="1486426179"/>
-      </p:ext>
-    </p:extLst>
-  </p:cSld>
-  <p:clrMapOvr>
-    <a:masterClrMapping/>
-  </p:clrMapOvr>
-  <mc:AlternateContent xmlns:mc="http://schemas.openxmlformats.org/markup-compatibility/2006" xmlns:p159="http://schemas.microsoft.com/office/powerpoint/2015/09/main">
-    <mc:Choice Requires="p159">
-      <p:transition xmlns:p14="http://schemas.microsoft.com/office/powerpoint/2010/main" spd="slow" p14:dur="1500">
-        <p159:morph option="byObject"/>
-      </p:transition>
-    </mc:Choice>
-    <mc:Fallback xmlns="">
-      <p:transition spd="slow">
-        <p:fade/>
-      </p:transition>
-    </mc:Fallback>
-  </mc:AlternateContent>
-  <mc:AlternateContent xmlns:mc="http://schemas.openxmlformats.org/markup-compatibility/2006">
-    <mc:Choice xmlns:p14="http://schemas.microsoft.com/office/powerpoint/2010/main" Requires="p14">
-      <p:timing>
-        <p:tnLst>
-          <p:par>
-            <p:cTn id="1" dur="indefinite" restart="never" nodeType="tmRoot">
-              <p:childTnLst>
-                <p:seq concurrent="1" nextAc="seek">
-                  <p:cTn id="2" dur="indefinite" nodeType="mainSeq">
-                    <p:childTnLst>
-                      <p:par>
-                        <p:cTn id="3" fill="hold">
-                          <p:stCondLst>
-                            <p:cond delay="indefinite"/>
-                          </p:stCondLst>
-                          <p:childTnLst>
-                            <p:par>
-                              <p:cTn id="4" fill="hold">
-                                <p:stCondLst>
-                                  <p:cond delay="0"/>
-                                </p:stCondLst>
-                                <p:childTnLst>
-                                  <p:par>
-                                    <p:cTn id="5" presetID="63" presetClass="path" presetSubtype="0" accel="50000" fill="hold" nodeType="clickEffect" p14:presetBounceEnd="51000">
-                                      <p:stCondLst>
-                                        <p:cond delay="0"/>
-                                      </p:stCondLst>
-                                      <p:childTnLst>
-                                        <p:animMotion origin="layout" path="M 2.29167E-6 4.81481E-6 L 0.67448 4.81481E-6 " pathEditMode="relative" rAng="0" ptsTypes="AA" p14:bounceEnd="51000">
-                                          <p:cBhvr>
-                                            <p:cTn id="6" dur="1000" fill="hold"/>
-                                            <p:tgtEl>
-                                              <p:spTgt spid="15"/>
-                                            </p:tgtEl>
-                                            <p:attrNameLst>
-                                              <p:attrName>ppt_x</p:attrName>
-                                              <p:attrName>ppt_y</p:attrName>
-                                            </p:attrNameLst>
-                                          </p:cBhvr>
-                                          <p:rCtr x="33724" y="0"/>
-                                        </p:animMotion>
-                                      </p:childTnLst>
-                                    </p:cTn>
-                                  </p:par>
-                                  <p:par>
-                                    <p:cTn id="7" presetID="1" presetClass="entr" presetSubtype="0" fill="hold" nodeType="withEffect">
-                                      <p:stCondLst>
-                                        <p:cond delay="0"/>
-                                      </p:stCondLst>
-                                      <p:childTnLst>
-                                        <p:set>
-                                          <p:cBhvr>
-                                            <p:cTn id="8" dur="1" fill="hold">
-                                              <p:stCondLst>
-                                                <p:cond delay="0"/>
-                                              </p:stCondLst>
-                                            </p:cTn>
-                                            <p:tgtEl>
-                                              <p:spTgt spid="6"/>
-                                            </p:tgtEl>
-                                            <p:attrNameLst>
-                                              <p:attrName>style.visibility</p:attrName>
-                                            </p:attrNameLst>
-                                          </p:cBhvr>
-                                          <p:to>
-                                            <p:strVal val="visible"/>
-                                          </p:to>
-                                        </p:set>
-                                      </p:childTnLst>
-                                    </p:cTn>
-                                  </p:par>
-                                  <p:par>
-                                    <p:cTn id="9" presetID="63" presetClass="path" presetSubtype="0" accel="50000" fill="hold" nodeType="withEffect" p14:presetBounceEnd="51000">
-                                      <p:stCondLst>
-                                        <p:cond delay="0"/>
-                                      </p:stCondLst>
-                                      <p:childTnLst>
-                                        <p:animMotion origin="layout" path="M 2.29167E-6 4.81481E-6 L 0.67448 4.81481E-6 " pathEditMode="relative" rAng="0" ptsTypes="AA" p14:bounceEnd="51000">
-                                          <p:cBhvr>
-                                            <p:cTn id="10" dur="1000" fill="hold"/>
-                                            <p:tgtEl>
-                                              <p:spTgt spid="6"/>
-                                            </p:tgtEl>
-                                            <p:attrNameLst>
-                                              <p:attrName>ppt_x</p:attrName>
-                                              <p:attrName>ppt_y</p:attrName>
-                                            </p:attrNameLst>
-                                          </p:cBhvr>
-                                          <p:rCtr x="33724" y="0"/>
-                                        </p:animMotion>
-                                      </p:childTnLst>
-                                    </p:cTn>
-                                  </p:par>
-                                  <p:par>
-                                    <p:cTn id="11" presetID="63" presetClass="path" presetSubtype="0" accel="50000" fill="hold" nodeType="withEffect" p14:presetBounceEnd="51000">
-                                      <p:stCondLst>
-                                        <p:cond delay="0"/>
-                                      </p:stCondLst>
-                                      <p:childTnLst>
-                                        <p:animMotion origin="layout" path="M 2.29167E-6 4.81481E-6 L 0.67448 4.81481E-6 " pathEditMode="relative" rAng="0" ptsTypes="AA" p14:bounceEnd="51000">
-                                          <p:cBhvr>
-                                            <p:cTn id="12" dur="1000" fill="hold"/>
-                                            <p:tgtEl>
-                                              <p:spTgt spid="7"/>
-                                            </p:tgtEl>
-                                            <p:attrNameLst>
-                                              <p:attrName>ppt_x</p:attrName>
-                                              <p:attrName>ppt_y</p:attrName>
-                                            </p:attrNameLst>
-                                          </p:cBhvr>
-                                          <p:rCtr x="33724" y="0"/>
-                                        </p:animMotion>
-                                      </p:childTnLst>
-                                    </p:cTn>
-                                  </p:par>
-                                  <p:par>
-                                    <p:cTn id="13" presetID="63" presetClass="path" presetSubtype="0" accel="50000" fill="hold" nodeType="withEffect" p14:presetBounceEnd="51000">
-                                      <p:stCondLst>
-                                        <p:cond delay="0"/>
-                                      </p:stCondLst>
-                                      <p:childTnLst>
-                                        <p:animMotion origin="layout" path="M 2.29167E-6 4.81481E-6 L 0.67448 4.81481E-6 " pathEditMode="relative" rAng="0" ptsTypes="AA" p14:bounceEnd="51000">
-                                          <p:cBhvr>
-                                            <p:cTn id="14" dur="1000" fill="hold"/>
-                                            <p:tgtEl>
-                                              <p:spTgt spid="27"/>
-                                            </p:tgtEl>
-                                            <p:attrNameLst>
-                                              <p:attrName>ppt_x</p:attrName>
-                                              <p:attrName>ppt_y</p:attrName>
-                                            </p:attrNameLst>
-                                          </p:cBhvr>
-                                          <p:rCtr x="33724" y="0"/>
-                                        </p:animMotion>
-                                      </p:childTnLst>
-                                    </p:cTn>
-                                  </p:par>
-                                  <p:par>
-                                    <p:cTn id="15" presetID="35" presetClass="path" presetSubtype="0" accel="50000" decel="50000" fill="hold" grpId="0" nodeType="withEffect">
-                                      <p:stCondLst>
-                                        <p:cond delay="0"/>
-                                      </p:stCondLst>
-                                      <p:childTnLst>
-                                        <p:animMotion origin="layout" path="M 0 0 L -0.25 0 E" pathEditMode="relative" ptsTypes="">
-                                          <p:cBhvr>
-                                            <p:cTn id="16" dur="1000" fill="hold"/>
-                                            <p:tgtEl>
-                                              <p:spTgt spid="9"/>
-                                            </p:tgtEl>
-                                            <p:attrNameLst>
-                                              <p:attrName>ppt_x</p:attrName>
-                                              <p:attrName>ppt_y</p:attrName>
-                                            </p:attrNameLst>
-                                          </p:cBhvr>
-                                        </p:animMotion>
-                                      </p:childTnLst>
-                                    </p:cTn>
-                                  </p:par>
-                                  <p:par>
-                                    <p:cTn id="17" presetID="35" presetClass="path" presetSubtype="0" accel="50000" decel="50000" fill="hold" grpId="0" nodeType="withEffect">
-                                      <p:stCondLst>
-                                        <p:cond delay="0"/>
-                                      </p:stCondLst>
-                                      <p:childTnLst>
-                                        <p:animMotion origin="layout" path="M 1.04167E-6 4.44444E-6 L -0.25 4.44444E-6 " pathEditMode="relative" rAng="0" ptsTypes="AA">
-                                          <p:cBhvr>
-                                            <p:cTn id="18" dur="1000" fill="hold"/>
-                                            <p:tgtEl>
-                                              <p:spTgt spid="8"/>
-                                            </p:tgtEl>
-                                            <p:attrNameLst>
-                                              <p:attrName>ppt_x</p:attrName>
-                                              <p:attrName>ppt_y</p:attrName>
-                                            </p:attrNameLst>
-                                          </p:cBhvr>
-                                          <p:rCtr x="-12500" y="0"/>
-                                        </p:animMotion>
-                                      </p:childTnLst>
-                                    </p:cTn>
-                                  </p:par>
-                                  <p:par>
-                                    <p:cTn id="19" presetID="35" presetClass="path" presetSubtype="0" accel="50000" decel="50000" fill="hold" grpId="0" nodeType="withEffect">
-                                      <p:stCondLst>
-                                        <p:cond delay="0"/>
-                                      </p:stCondLst>
-                                      <p:childTnLst>
-                                        <p:animMotion origin="layout" path="M -5.55112E-17 0 L -0.25 0 " pathEditMode="relative" rAng="0" ptsTypes="AA">
-                                          <p:cBhvr>
-                                            <p:cTn id="20" dur="1000" fill="hold"/>
-                                            <p:tgtEl>
-                                              <p:spTgt spid="14"/>
-                                            </p:tgtEl>
-                                            <p:attrNameLst>
-                                              <p:attrName>ppt_x</p:attrName>
-                                              <p:attrName>ppt_y</p:attrName>
-                                            </p:attrNameLst>
-                                          </p:cBhvr>
-                                          <p:rCtr x="-12500" y="0"/>
-                                        </p:animMotion>
-                                      </p:childTnLst>
-                                    </p:cTn>
-                                  </p:par>
-                                  <p:par>
-                                    <p:cTn id="21" presetID="35" presetClass="path" presetSubtype="0" accel="50000" decel="50000" fill="hold" grpId="0" nodeType="withEffect">
-                                      <p:stCondLst>
-                                        <p:cond delay="0"/>
-                                      </p:stCondLst>
-                                      <p:childTnLst>
-                                        <p:animMotion origin="layout" path="M -1.875E-6 -1.85185E-6 L -0.25 -1.85185E-6 " pathEditMode="relative" rAng="0" ptsTypes="AA">
-                                          <p:cBhvr>
-                                            <p:cTn id="22" dur="1000" fill="hold"/>
-                                            <p:tgtEl>
-                                              <p:spTgt spid="13"/>
-                                            </p:tgtEl>
-                                            <p:attrNameLst>
-                                              <p:attrName>ppt_x</p:attrName>
-                                              <p:attrName>ppt_y</p:attrName>
-                                            </p:attrNameLst>
-                                          </p:cBhvr>
-                                          <p:rCtr x="-12500" y="0"/>
-                                        </p:animMotion>
-                                      </p:childTnLst>
-                                    </p:cTn>
-                                  </p:par>
-                                  <p:par>
-                                    <p:cTn id="23" presetID="35" presetClass="path" presetSubtype="0" accel="50000" decel="50000" fill="hold" grpId="0" nodeType="withEffect">
-                                      <p:stCondLst>
-                                        <p:cond delay="0"/>
-                                      </p:stCondLst>
-                                      <p:childTnLst>
-                                        <p:animMotion origin="layout" path="M -3.95833E-6 0 L -0.25 0 " pathEditMode="relative" rAng="0" ptsTypes="AA">
-                                          <p:cBhvr>
-                                            <p:cTn id="24" dur="1000" fill="hold"/>
-                                            <p:tgtEl>
-                                              <p:spTgt spid="21"/>
-                                            </p:tgtEl>
-                                            <p:attrNameLst>
-                                              <p:attrName>ppt_x</p:attrName>
-                                              <p:attrName>ppt_y</p:attrName>
-                                            </p:attrNameLst>
-                                          </p:cBhvr>
-                                          <p:rCtr x="-12500" y="0"/>
-                                        </p:animMotion>
-                                      </p:childTnLst>
-                                    </p:cTn>
-                                  </p:par>
-                                  <p:par>
-                                    <p:cTn id="25" presetID="35" presetClass="path" presetSubtype="0" accel="50000" decel="50000" fill="hold" grpId="0" nodeType="withEffect">
-                                      <p:stCondLst>
-                                        <p:cond delay="0"/>
-                                      </p:stCondLst>
-                                      <p:childTnLst>
-                                        <p:animMotion origin="layout" path="M 3.54167E-6 -4.44444E-6 L -0.25 -4.44444E-6 " pathEditMode="relative" rAng="0" ptsTypes="AA">
-                                          <p:cBhvr>
-                                            <p:cTn id="26" dur="1000" fill="hold"/>
-                                            <p:tgtEl>
-                                              <p:spTgt spid="19"/>
-                                            </p:tgtEl>
-                                            <p:attrNameLst>
-                                              <p:attrName>ppt_x</p:attrName>
-                                              <p:attrName>ppt_y</p:attrName>
-                                            </p:attrNameLst>
-                                          </p:cBhvr>
-                                          <p:rCtr x="-12500" y="0"/>
-                                        </p:animMotion>
-                                      </p:childTnLst>
-                                    </p:cTn>
-                                  </p:par>
-                                  <p:par>
-                                    <p:cTn id="27" presetID="63" presetClass="path" presetSubtype="0" accel="50000" fill="hold" grpId="0" nodeType="withEffect" p14:presetBounceEnd="51000">
-                                      <p:stCondLst>
-                                        <p:cond delay="110"/>
-                                      </p:stCondLst>
-                                      <p:childTnLst>
-                                        <p:animMotion origin="layout" path="M 4.375E-6 2.96296E-6 L 0.67447 2.96296E-6 " pathEditMode="relative" rAng="0" ptsTypes="AA" p14:bounceEnd="51000">
-                                          <p:cBhvr>
-                                            <p:cTn id="28" dur="1000" fill="hold"/>
-                                            <p:tgtEl>
-                                              <p:spTgt spid="22"/>
-                                            </p:tgtEl>
-                                            <p:attrNameLst>
-                                              <p:attrName>ppt_x</p:attrName>
-                                              <p:attrName>ppt_y</p:attrName>
-                                            </p:attrNameLst>
-                                          </p:cBhvr>
-                                          <p:rCtr x="33724" y="0"/>
-                                        </p:animMotion>
-                                      </p:childTnLst>
-                                    </p:cTn>
-                                  </p:par>
-                                </p:childTnLst>
-                              </p:cTn>
-                            </p:par>
-                          </p:childTnLst>
-                        </p:cTn>
-                      </p:par>
-                    </p:childTnLst>
-                  </p:cTn>
-                  <p:prevCondLst>
-                    <p:cond evt="onPrev" delay="0">
-                      <p:tgtEl>
-                        <p:sldTgt/>
-                      </p:tgtEl>
-                    </p:cond>
-                  </p:prevCondLst>
-                  <p:nextCondLst>
-                    <p:cond evt="onNext" delay="0">
-                      <p:tgtEl>
-                        <p:sldTgt/>
-                      </p:tgtEl>
-                    </p:cond>
-                  </p:nextCondLst>
-                </p:seq>
-              </p:childTnLst>
-            </p:cTn>
-          </p:par>
-        </p:tnLst>
-        <p:bldLst>
-          <p:bldP spid="22" grpId="0"/>
-          <p:bldP spid="8" grpId="0" animBg="1"/>
-          <p:bldP spid="9" grpId="0" animBg="1"/>
-          <p:bldP spid="13" grpId="0" animBg="1"/>
-          <p:bldP spid="14" grpId="0" animBg="1"/>
-          <p:bldP spid="19" grpId="0" animBg="1"/>
-          <p:bldP spid="21" grpId="0" animBg="1"/>
-        </p:bldLst>
-      </p:timing>
-    </mc:Choice>
-    <mc:Fallback>
-      <p:timing>
-        <p:tnLst>
-          <p:par>
-            <p:cTn id="1" dur="indefinite" restart="never" nodeType="tmRoot">
-              <p:childTnLst>
-                <p:seq concurrent="1" nextAc="seek">
-                  <p:cTn id="2" dur="indefinite" nodeType="mainSeq">
-                    <p:childTnLst>
-                      <p:par>
-                        <p:cTn id="3" fill="hold">
-                          <p:stCondLst>
-                            <p:cond delay="indefinite"/>
-                          </p:stCondLst>
-                          <p:childTnLst>
-                            <p:par>
-                              <p:cTn id="4" fill="hold">
-                                <p:stCondLst>
-                                  <p:cond delay="0"/>
-                                </p:stCondLst>
-                                <p:childTnLst>
-                                  <p:par>
-                                    <p:cTn id="5" presetID="63" presetClass="path" presetSubtype="0" accel="50000" fill="hold" nodeType="clickEffect">
-                                      <p:stCondLst>
-                                        <p:cond delay="0"/>
-                                      </p:stCondLst>
-                                      <p:childTnLst>
-                                        <p:animMotion origin="layout" path="M 2.29167E-6 4.81481E-6 L 0.67448 4.81481E-6 " pathEditMode="relative" rAng="0" ptsTypes="AA">
-                                          <p:cBhvr>
-                                            <p:cTn id="6" dur="1000" fill="hold"/>
-                                            <p:tgtEl>
-                                              <p:spTgt spid="15"/>
-                                            </p:tgtEl>
-                                            <p:attrNameLst>
-                                              <p:attrName>ppt_x</p:attrName>
-                                              <p:attrName>ppt_y</p:attrName>
-                                            </p:attrNameLst>
-                                          </p:cBhvr>
-                                          <p:rCtr x="33724" y="0"/>
-                                        </p:animMotion>
-                                      </p:childTnLst>
-                                    </p:cTn>
-                                  </p:par>
-                                  <p:par>
-                                    <p:cTn id="7" presetID="1" presetClass="entr" presetSubtype="0" fill="hold" nodeType="withEffect">
-                                      <p:stCondLst>
-                                        <p:cond delay="0"/>
-                                      </p:stCondLst>
-                                      <p:childTnLst>
-                                        <p:set>
-                                          <p:cBhvr>
-                                            <p:cTn id="8" dur="1" fill="hold">
-                                              <p:stCondLst>
-                                                <p:cond delay="0"/>
-                                              </p:stCondLst>
-                                            </p:cTn>
-                                            <p:tgtEl>
-                                              <p:spTgt spid="6"/>
-                                            </p:tgtEl>
-                                            <p:attrNameLst>
-                                              <p:attrName>style.visibility</p:attrName>
-                                            </p:attrNameLst>
-                                          </p:cBhvr>
-                                          <p:to>
-                                            <p:strVal val="visible"/>
-                                          </p:to>
-                                        </p:set>
-                                      </p:childTnLst>
-                                    </p:cTn>
-                                  </p:par>
-                                  <p:par>
-                                    <p:cTn id="9" presetID="63" presetClass="path" presetSubtype="0" accel="50000" fill="hold" nodeType="withEffect">
-                                      <p:stCondLst>
-                                        <p:cond delay="0"/>
-                                      </p:stCondLst>
-                                      <p:childTnLst>
-                                        <p:animMotion origin="layout" path="M 2.29167E-6 4.81481E-6 L 0.67448 4.81481E-6 " pathEditMode="relative" rAng="0" ptsTypes="AA">
-                                          <p:cBhvr>
-                                            <p:cTn id="10" dur="1000" fill="hold"/>
-                                            <p:tgtEl>
-                                              <p:spTgt spid="6"/>
-                                            </p:tgtEl>
-                                            <p:attrNameLst>
-                                              <p:attrName>ppt_x</p:attrName>
-                                              <p:attrName>ppt_y</p:attrName>
-                                            </p:attrNameLst>
-                                          </p:cBhvr>
-                                          <p:rCtr x="33724" y="0"/>
-                                        </p:animMotion>
-                                      </p:childTnLst>
-                                    </p:cTn>
-                                  </p:par>
-                                  <p:par>
-                                    <p:cTn id="11" presetID="63" presetClass="path" presetSubtype="0" accel="50000" fill="hold" nodeType="withEffect">
-                                      <p:stCondLst>
-                                        <p:cond delay="0"/>
-                                      </p:stCondLst>
-                                      <p:childTnLst>
-                                        <p:animMotion origin="layout" path="M 2.29167E-6 4.81481E-6 L 0.67448 4.81481E-6 " pathEditMode="relative" rAng="0" ptsTypes="AA">
-                                          <p:cBhvr>
-                                            <p:cTn id="12" dur="1000" fill="hold"/>
-                                            <p:tgtEl>
-                                              <p:spTgt spid="7"/>
-                                            </p:tgtEl>
-                                            <p:attrNameLst>
-                                              <p:attrName>ppt_x</p:attrName>
-                                              <p:attrName>ppt_y</p:attrName>
-                                            </p:attrNameLst>
-                                          </p:cBhvr>
-                                          <p:rCtr x="33724" y="0"/>
-                                        </p:animMotion>
-                                      </p:childTnLst>
-                                    </p:cTn>
-                                  </p:par>
-                                  <p:par>
-                                    <p:cTn id="13" presetID="63" presetClass="path" presetSubtype="0" accel="50000" fill="hold" nodeType="withEffect">
-                                      <p:stCondLst>
-                                        <p:cond delay="0"/>
-                                      </p:stCondLst>
-                                      <p:childTnLst>
-                                        <p:animMotion origin="layout" path="M 2.29167E-6 4.81481E-6 L 0.67448 4.81481E-6 " pathEditMode="relative" rAng="0" ptsTypes="AA">
-                                          <p:cBhvr>
-                                            <p:cTn id="14" dur="1000" fill="hold"/>
-                                            <p:tgtEl>
-                                              <p:spTgt spid="27"/>
-                                            </p:tgtEl>
-                                            <p:attrNameLst>
-                                              <p:attrName>ppt_x</p:attrName>
-                                              <p:attrName>ppt_y</p:attrName>
-                                            </p:attrNameLst>
-                                          </p:cBhvr>
-                                          <p:rCtr x="33724" y="0"/>
-                                        </p:animMotion>
-                                      </p:childTnLst>
-                                    </p:cTn>
-                                  </p:par>
-                                  <p:par>
-                                    <p:cTn id="15" presetID="35" presetClass="path" presetSubtype="0" accel="50000" decel="50000" fill="hold" grpId="0" nodeType="withEffect">
-                                      <p:stCondLst>
-                                        <p:cond delay="0"/>
-                                      </p:stCondLst>
-                                      <p:childTnLst>
-                                        <p:animMotion origin="layout" path="M 0 0 L -0.25 0 E" pathEditMode="relative" ptsTypes="">
-                                          <p:cBhvr>
-                                            <p:cTn id="16" dur="1000" fill="hold"/>
-                                            <p:tgtEl>
-                                              <p:spTgt spid="9"/>
-                                            </p:tgtEl>
-                                            <p:attrNameLst>
-                                              <p:attrName>ppt_x</p:attrName>
-                                              <p:attrName>ppt_y</p:attrName>
-                                            </p:attrNameLst>
-                                          </p:cBhvr>
-                                        </p:animMotion>
-                                      </p:childTnLst>
-                                    </p:cTn>
-                                  </p:par>
-                                  <p:par>
-                                    <p:cTn id="17" presetID="35" presetClass="path" presetSubtype="0" accel="50000" decel="50000" fill="hold" grpId="0" nodeType="withEffect">
-                                      <p:stCondLst>
-                                        <p:cond delay="0"/>
-                                      </p:stCondLst>
-                                      <p:childTnLst>
-                                        <p:animMotion origin="layout" path="M 1.04167E-6 4.44444E-6 L -0.25 4.44444E-6 " pathEditMode="relative" rAng="0" ptsTypes="AA">
-                                          <p:cBhvr>
-                                            <p:cTn id="18" dur="1000" fill="hold"/>
-                                            <p:tgtEl>
-                                              <p:spTgt spid="8"/>
-                                            </p:tgtEl>
-                                            <p:attrNameLst>
-                                              <p:attrName>ppt_x</p:attrName>
-                                              <p:attrName>ppt_y</p:attrName>
-                                            </p:attrNameLst>
-                                          </p:cBhvr>
-                                          <p:rCtr x="-12500" y="0"/>
-                                        </p:animMotion>
-                                      </p:childTnLst>
-                                    </p:cTn>
-                                  </p:par>
-                                  <p:par>
-                                    <p:cTn id="19" presetID="35" presetClass="path" presetSubtype="0" accel="50000" decel="50000" fill="hold" grpId="0" nodeType="withEffect">
-                                      <p:stCondLst>
-                                        <p:cond delay="0"/>
-                                      </p:stCondLst>
-                                      <p:childTnLst>
-                                        <p:animMotion origin="layout" path="M -5.55112E-17 0 L -0.25 0 " pathEditMode="relative" rAng="0" ptsTypes="AA">
-                                          <p:cBhvr>
-                                            <p:cTn id="20" dur="1000" fill="hold"/>
-                                            <p:tgtEl>
-                                              <p:spTgt spid="14"/>
-                                            </p:tgtEl>
-                                            <p:attrNameLst>
-                                              <p:attrName>ppt_x</p:attrName>
-                                              <p:attrName>ppt_y</p:attrName>
-                                            </p:attrNameLst>
-                                          </p:cBhvr>
-                                          <p:rCtr x="-12500" y="0"/>
-                                        </p:animMotion>
-                                      </p:childTnLst>
-                                    </p:cTn>
-                                  </p:par>
-                                  <p:par>
-                                    <p:cTn id="21" presetID="35" presetClass="path" presetSubtype="0" accel="50000" decel="50000" fill="hold" grpId="0" nodeType="withEffect">
-                                      <p:stCondLst>
-                                        <p:cond delay="0"/>
-                                      </p:stCondLst>
-                                      <p:childTnLst>
-                                        <p:animMotion origin="layout" path="M -1.875E-6 -1.85185E-6 L -0.25 -1.85185E-6 " pathEditMode="relative" rAng="0" ptsTypes="AA">
-                                          <p:cBhvr>
-                                            <p:cTn id="22" dur="1000" fill="hold"/>
-                                            <p:tgtEl>
-                                              <p:spTgt spid="13"/>
-                                            </p:tgtEl>
-                                            <p:attrNameLst>
-                                              <p:attrName>ppt_x</p:attrName>
-                                              <p:attrName>ppt_y</p:attrName>
-                                            </p:attrNameLst>
-                                          </p:cBhvr>
-                                          <p:rCtr x="-12500" y="0"/>
-                                        </p:animMotion>
-                                      </p:childTnLst>
-                                    </p:cTn>
-                                  </p:par>
-                                  <p:par>
-                                    <p:cTn id="23" presetID="35" presetClass="path" presetSubtype="0" accel="50000" decel="50000" fill="hold" grpId="0" nodeType="withEffect">
-                                      <p:stCondLst>
-                                        <p:cond delay="0"/>
-                                      </p:stCondLst>
-                                      <p:childTnLst>
-                                        <p:animMotion origin="layout" path="M -3.95833E-6 0 L -0.25 0 " pathEditMode="relative" rAng="0" ptsTypes="AA">
-                                          <p:cBhvr>
-                                            <p:cTn id="24" dur="1000" fill="hold"/>
-                                            <p:tgtEl>
-                                              <p:spTgt spid="21"/>
-                                            </p:tgtEl>
-                                            <p:attrNameLst>
-                                              <p:attrName>ppt_x</p:attrName>
-                                              <p:attrName>ppt_y</p:attrName>
-                                            </p:attrNameLst>
-                                          </p:cBhvr>
-                                          <p:rCtr x="-12500" y="0"/>
-                                        </p:animMotion>
-                                      </p:childTnLst>
-                                    </p:cTn>
-                                  </p:par>
-                                  <p:par>
-                                    <p:cTn id="25" presetID="35" presetClass="path" presetSubtype="0" accel="50000" decel="50000" fill="hold" grpId="0" nodeType="withEffect">
-                                      <p:stCondLst>
-                                        <p:cond delay="0"/>
-                                      </p:stCondLst>
-                                      <p:childTnLst>
-                                        <p:animMotion origin="layout" path="M 3.54167E-6 -4.44444E-6 L -0.25 -4.44444E-6 " pathEditMode="relative" rAng="0" ptsTypes="AA">
-                                          <p:cBhvr>
-                                            <p:cTn id="26" dur="1000" fill="hold"/>
-                                            <p:tgtEl>
-                                              <p:spTgt spid="19"/>
-                                            </p:tgtEl>
-                                            <p:attrNameLst>
-                                              <p:attrName>ppt_x</p:attrName>
-                                              <p:attrName>ppt_y</p:attrName>
-                                            </p:attrNameLst>
-                                          </p:cBhvr>
-                                          <p:rCtr x="-12500" y="0"/>
-                                        </p:animMotion>
-                                      </p:childTnLst>
-                                    </p:cTn>
-                                  </p:par>
-                                  <p:par>
-                                    <p:cTn id="27" presetID="63" presetClass="path" presetSubtype="0" accel="50000" fill="hold" grpId="0" nodeType="withEffect">
-                                      <p:stCondLst>
-                                        <p:cond delay="110"/>
-                                      </p:stCondLst>
-                                      <p:childTnLst>
-                                        <p:animMotion origin="layout" path="M 4.375E-6 2.96296E-6 L 0.67447 2.96296E-6 " pathEditMode="relative" rAng="0" ptsTypes="AA">
-                                          <p:cBhvr>
-                                            <p:cTn id="28" dur="1000" fill="hold"/>
-                                            <p:tgtEl>
-                                              <p:spTgt spid="22"/>
-                                            </p:tgtEl>
-                                            <p:attrNameLst>
-                                              <p:attrName>ppt_x</p:attrName>
-                                              <p:attrName>ppt_y</p:attrName>
-                                            </p:attrNameLst>
-                                          </p:cBhvr>
-                                          <p:rCtr x="33724" y="0"/>
-                                        </p:animMotion>
-                                      </p:childTnLst>
-                                    </p:cTn>
-                                  </p:par>
-                                </p:childTnLst>
-                              </p:cTn>
-                            </p:par>
-                          </p:childTnLst>
-                        </p:cTn>
-                      </p:par>
-                    </p:childTnLst>
-                  </p:cTn>
-                  <p:prevCondLst>
-                    <p:cond evt="onPrev" delay="0">
-                      <p:tgtEl>
-                        <p:sldTgt/>
-                      </p:tgtEl>
-                    </p:cond>
-                  </p:prevCondLst>
-                  <p:nextCondLst>
-                    <p:cond evt="onNext" delay="0">
-                      <p:tgtEl>
-                        <p:sldTgt/>
-                      </p:tgtEl>
-                    </p:cond>
-                  </p:nextCondLst>
-                </p:seq>
-              </p:childTnLst>
-            </p:cTn>
-          </p:par>
-        </p:tnLst>
-        <p:bldLst>
-          <p:bldP spid="22" grpId="0"/>
-          <p:bldP spid="8" grpId="0" animBg="1"/>
-          <p:bldP spid="9" grpId="0" animBg="1"/>
-          <p:bldP spid="13" grpId="0" animBg="1"/>
-          <p:bldP spid="14" grpId="0" animBg="1"/>
-          <p:bldP spid="19" grpId="0" animBg="1"/>
-          <p:bldP spid="21" grpId="0" animBg="1"/>
-        </p:bldLst>
-      </p:timing>
-    </mc:Fallback>
-  </mc:AlternateContent>
-</p:sld>
-</file>
-
-<file path=ppt/slides/slide3.xml><?xml version="1.0" encoding="utf-8"?>
-<p:sld xmlns:a="http://schemas.openxmlformats.org/drawingml/2006/main" xmlns:r="http://schemas.openxmlformats.org/officeDocument/2006/relationships" xmlns:p="http://schemas.openxmlformats.org/presentationml/2006/main" showMasterSp="0">
-  <p:cSld>
-    <p:bg>
-      <p:bgPr>
-        <a:blipFill dpi="0" rotWithShape="1">
-          <a:blip r:embed="rId3">
-            <a:lum/>
-          </a:blip>
-          <a:srcRect/>
-          <a:stretch>
-            <a:fillRect/>
-          </a:stretch>
-        </a:blipFill>
-        <a:effectLst/>
-      </p:bgPr>
-    </p:bg>
-    <p:spTree>
-      <p:nvGrpSpPr>
-        <p:cNvPr id="1" name=""/>
-        <p:cNvGrpSpPr/>
-        <p:nvPr/>
-      </p:nvGrpSpPr>
-      <p:grpSpPr>
-        <a:xfrm>
-          <a:off x="0" y="0"/>
-          <a:ext cx="0" cy="0"/>
-          <a:chOff x="0" y="0"/>
-          <a:chExt cx="0" cy="0"/>
-        </a:xfrm>
-      </p:grpSpPr>
-      <p:sp>
-        <p:nvSpPr>
-          <p:cNvPr id="2" name="文本框 1">
-            <a:extLst>
-              <a:ext uri="{FF2B5EF4-FFF2-40B4-BE49-F238E27FC236}">
-                <a16:creationId xmlns:a16="http://schemas.microsoft.com/office/drawing/2014/main" id="{FDC618A0-EFDA-C41E-DA05-A4CBE6343034}"/>
-              </a:ext>
-            </a:extLst>
-          </p:cNvPr>
-          <p:cNvSpPr txBox="1"/>
-          <p:nvPr/>
-        </p:nvSpPr>
-        <p:spPr>
-          <a:xfrm>
-            <a:off x="1893780" y="728133"/>
-            <a:ext cx="8266220" cy="5109091"/>
-          </a:xfrm>
-          <a:prstGeom prst="rect">
-            <a:avLst/>
-          </a:prstGeom>
-          <a:noFill/>
-        </p:spPr>
-        <p:txBody>
-          <a:bodyPr wrap="square" rtlCol="0">
-            <a:spAutoFit/>
-          </a:bodyPr>
-          <a:lstStyle/>
-          <a:p>
-            <a:pPr algn="ctr"/>
-            <a:r>
-              <a:rPr lang="en-US" altLang="zh-CN" sz="32600" b="1" dirty="0">
-                <a:solidFill>
-                  <a:schemeClr val="accent1">
-                    <a:lumMod val="60000"/>
-                    <a:lumOff val="40000"/>
-                    <a:alpha val="37000"/>
-                  </a:schemeClr>
-                </a:solidFill>
-                <a:effectLst>
-                  <a:outerShdw blurRad="50800" dist="50800" dir="5400000" sx="105000" sy="105000" algn="ctr" rotWithShape="0">
-                    <a:srgbClr val="000000">
-                      <a:alpha val="28000"/>
-                    </a:srgbClr>
-                  </a:outerShdw>
-                </a:effectLst>
-                <a:latin typeface="Cooper Black" panose="0208090404030B020404" pitchFamily="18" charset="0"/>
-              </a:rPr>
-              <a:t>M</a:t>
-            </a:r>
-            <a:endParaRPr lang="zh-CN" altLang="en-US" sz="32600" b="1" dirty="0">
-              <a:solidFill>
-                <a:schemeClr val="accent1">
-                  <a:lumMod val="60000"/>
-                  <a:lumOff val="40000"/>
-                  <a:alpha val="37000"/>
-                </a:schemeClr>
-              </a:solidFill>
-              <a:effectLst>
-                <a:outerShdw blurRad="50800" dist="50800" dir="5400000" sx="105000" sy="105000" algn="ctr" rotWithShape="0">
-                  <a:srgbClr val="000000">
-                    <a:alpha val="28000"/>
-                  </a:srgbClr>
-                </a:outerShdw>
-              </a:effectLst>
-              <a:latin typeface="Cooper Black" panose="0208090404030B020404" pitchFamily="18" charset="0"/>
-            </a:endParaRPr>
-          </a:p>
-        </p:txBody>
-      </p:sp>
-      <p:sp>
-        <p:nvSpPr>
-          <p:cNvPr id="22" name="Material">
-            <a:extLst>
-              <a:ext uri="{FF2B5EF4-FFF2-40B4-BE49-F238E27FC236}">
-                <a16:creationId xmlns:a16="http://schemas.microsoft.com/office/drawing/2014/main" id="{6856504E-5310-259F-37FD-524507670E69}"/>
-              </a:ext>
-            </a:extLst>
-          </p:cNvPr>
-          <p:cNvSpPr/>
-          <p:nvPr/>
-        </p:nvSpPr>
-        <p:spPr>
-          <a:xfrm>
-            <a:off x="2975948" y="2920880"/>
-            <a:ext cx="6938118" cy="923330"/>
-          </a:xfrm>
-          <a:prstGeom prst="rect">
-            <a:avLst/>
-          </a:prstGeom>
-          <a:noFill/>
-        </p:spPr>
-        <p:txBody>
-          <a:bodyPr wrap="none" lIns="91440" tIns="45720" rIns="91440" bIns="45720">
-            <a:spAutoFit/>
-          </a:bodyPr>
-          <a:lstStyle/>
-          <a:p>
-            <a:pPr algn="ctr"/>
-            <a:r>
-              <a:rPr lang="zh-CN" altLang="en-US" sz="5400" b="1" dirty="0">
-                <a:ln w="9525">
-                  <a:solidFill>
-                    <a:schemeClr val="bg1"/>
-                  </a:solidFill>
-                  <a:prstDash val="solid"/>
-                </a:ln>
-                <a:effectLst>
-                  <a:outerShdw blurRad="12700" dist="38100" dir="2700000" algn="tl" rotWithShape="0">
-                    <a:schemeClr val="bg1">
-                      <a:lumMod val="50000"/>
-                    </a:schemeClr>
-                  </a:outerShdw>
-                </a:effectLst>
-              </a:rPr>
-              <a:t>材质蓝图（</a:t>
-            </a:r>
-            <a:r>
-              <a:rPr lang="en-US" altLang="zh-CN" sz="5400" b="1" dirty="0">
-                <a:ln w="9525">
-                  <a:solidFill>
-                    <a:schemeClr val="bg1"/>
-                  </a:solidFill>
-                  <a:prstDash val="solid"/>
-                </a:ln>
-                <a:effectLst>
-                  <a:outerShdw blurRad="12700" dist="38100" dir="2700000" algn="tl" rotWithShape="0">
-                    <a:schemeClr val="bg1">
-                      <a:lumMod val="50000"/>
-                    </a:schemeClr>
-                  </a:outerShdw>
-                </a:effectLst>
-              </a:rPr>
-              <a:t>Material</a:t>
-            </a:r>
-            <a:r>
-              <a:rPr lang="zh-CN" altLang="en-US" sz="5400" b="1" dirty="0">
-                <a:ln w="9525">
-                  <a:solidFill>
-                    <a:schemeClr val="bg1"/>
-                  </a:solidFill>
-                  <a:prstDash val="solid"/>
-                </a:ln>
-                <a:effectLst>
-                  <a:outerShdw blurRad="12700" dist="38100" dir="2700000" algn="tl" rotWithShape="0">
-                    <a:schemeClr val="bg1">
-                      <a:lumMod val="50000"/>
-                    </a:schemeClr>
-                  </a:outerShdw>
-                </a:effectLst>
-              </a:rPr>
-              <a:t>）</a:t>
             </a:r>
           </a:p>
         </p:txBody>
@@ -8453,9 +6423,1433 @@
             <a:avLst/>
           </a:prstGeom>
           <a:solidFill>
+            <a:schemeClr val="accent5"/>
+          </a:solidFill>
+          <a:ln>
+            <a:noFill/>
+          </a:ln>
+          <a:effectLst>
+            <a:outerShdw blurRad="50800" dist="38100" algn="l" rotWithShape="0">
+              <a:prstClr val="black">
+                <a:alpha val="40000"/>
+              </a:prstClr>
+            </a:outerShdw>
+            <a:softEdge rad="0"/>
+          </a:effectLst>
+        </p:spPr>
+        <p:style>
+          <a:lnRef idx="3">
+            <a:schemeClr val="lt1"/>
+          </a:lnRef>
+          <a:fillRef idx="1">
+            <a:schemeClr val="accent1"/>
+          </a:fillRef>
+          <a:effectRef idx="1">
+            <a:schemeClr val="accent1"/>
+          </a:effectRef>
+          <a:fontRef idx="minor">
+            <a:schemeClr val="lt1"/>
+          </a:fontRef>
+        </p:style>
+        <p:txBody>
+          <a:bodyPr wrap="square" rtlCol="0" anchor="ctr" anchorCtr="0">
+            <a:noAutofit/>
+          </a:bodyPr>
+          <a:lstStyle/>
+          <a:p>
+            <a:pPr algn="ctr"/>
+            <a:r>
+              <a:rPr lang="en-US" altLang="zh-CN" sz="2400" b="1" dirty="0">
+                <a:latin typeface="Bodoni MT Black" panose="02070A03080606020203" pitchFamily="18" charset="0"/>
+              </a:rPr>
+              <a:t>MF</a:t>
+            </a:r>
+            <a:endParaRPr lang="zh-CN" altLang="en-US" sz="2400" b="1" dirty="0">
+              <a:latin typeface="Bodoni MT Black" panose="02070A03080606020203" pitchFamily="18" charset="0"/>
+            </a:endParaRPr>
+          </a:p>
+        </p:txBody>
+      </p:sp>
+      <p:sp>
+        <p:nvSpPr>
+          <p:cNvPr id="21" name="矩形 20">
+            <a:extLst>
+              <a:ext uri="{FF2B5EF4-FFF2-40B4-BE49-F238E27FC236}">
+                <a16:creationId xmlns:a16="http://schemas.microsoft.com/office/drawing/2014/main" id="{2B8ADDEA-45D2-9DEE-B577-8AF307B5A082}"/>
+              </a:ext>
+            </a:extLst>
+          </p:cNvPr>
+          <p:cNvSpPr/>
+          <p:nvPr/>
+        </p:nvSpPr>
+        <p:spPr>
+          <a:xfrm>
+            <a:off x="-10396325" y="0"/>
+            <a:ext cx="10804172" cy="6859534"/>
+          </a:xfrm>
+          <a:prstGeom prst="rect">
+            <a:avLst/>
+          </a:prstGeom>
+          <a:solidFill>
+            <a:schemeClr val="accent5"/>
+          </a:solidFill>
+          <a:ln>
+            <a:noFill/>
+          </a:ln>
+        </p:spPr>
+        <p:style>
+          <a:lnRef idx="2">
+            <a:schemeClr val="accent1">
+              <a:shade val="50000"/>
+            </a:schemeClr>
+          </a:lnRef>
+          <a:fillRef idx="1">
+            <a:schemeClr val="accent1"/>
+          </a:fillRef>
+          <a:effectRef idx="0">
+            <a:schemeClr val="accent1"/>
+          </a:effectRef>
+          <a:fontRef idx="minor">
+            <a:schemeClr val="lt1"/>
+          </a:fontRef>
+        </p:style>
+        <p:txBody>
+          <a:bodyPr rtlCol="0" anchor="ctr"/>
+          <a:lstStyle/>
+          <a:p>
+            <a:pPr algn="ctr"/>
+            <a:endParaRPr lang="zh-CN" altLang="en-US" dirty="0"/>
+          </a:p>
+        </p:txBody>
+      </p:sp>
+    </p:spTree>
+    <p:extLst>
+      <p:ext uri="{BB962C8B-B14F-4D97-AF65-F5344CB8AC3E}">
+        <p14:creationId xmlns:p14="http://schemas.microsoft.com/office/powerpoint/2010/main" val="1486426179"/>
+      </p:ext>
+    </p:extLst>
+  </p:cSld>
+  <p:clrMapOvr>
+    <a:masterClrMapping/>
+  </p:clrMapOvr>
+  <mc:AlternateContent xmlns:mc="http://schemas.openxmlformats.org/markup-compatibility/2006" xmlns:p159="http://schemas.microsoft.com/office/powerpoint/2015/09/main">
+    <mc:Choice Requires="p159">
+      <p:transition xmlns:p14="http://schemas.microsoft.com/office/powerpoint/2010/main" spd="slow" p14:dur="1500">
+        <p159:morph option="byObject"/>
+      </p:transition>
+    </mc:Choice>
+    <mc:Fallback xmlns="">
+      <p:transition spd="slow">
+        <p:fade/>
+      </p:transition>
+    </mc:Fallback>
+  </mc:AlternateContent>
+  <mc:AlternateContent xmlns:mc="http://schemas.openxmlformats.org/markup-compatibility/2006">
+    <mc:Choice xmlns:p14="http://schemas.microsoft.com/office/powerpoint/2010/main" Requires="p14">
+      <p:timing>
+        <p:tnLst>
+          <p:par>
+            <p:cTn id="1" dur="indefinite" restart="never" nodeType="tmRoot">
+              <p:childTnLst>
+                <p:seq concurrent="1" nextAc="seek">
+                  <p:cTn id="2" dur="indefinite" nodeType="mainSeq">
+                    <p:childTnLst>
+                      <p:par>
+                        <p:cTn id="3" fill="hold">
+                          <p:stCondLst>
+                            <p:cond delay="indefinite"/>
+                          </p:stCondLst>
+                          <p:childTnLst>
+                            <p:par>
+                              <p:cTn id="4" fill="hold">
+                                <p:stCondLst>
+                                  <p:cond delay="0"/>
+                                </p:stCondLst>
+                                <p:childTnLst>
+                                  <p:par>
+                                    <p:cTn id="5" presetID="63" presetClass="path" presetSubtype="0" accel="50000" fill="hold" nodeType="clickEffect" p14:presetBounceEnd="51000">
+                                      <p:stCondLst>
+                                        <p:cond delay="0"/>
+                                      </p:stCondLst>
+                                      <p:childTnLst>
+                                        <p:animMotion origin="layout" path="M 2.29167E-6 4.81481E-6 L 0.67448 4.81481E-6 " pathEditMode="relative" rAng="0" ptsTypes="AA" p14:bounceEnd="51000">
+                                          <p:cBhvr>
+                                            <p:cTn id="6" dur="1000" fill="hold"/>
+                                            <p:tgtEl>
+                                              <p:spTgt spid="15"/>
+                                            </p:tgtEl>
+                                            <p:attrNameLst>
+                                              <p:attrName>ppt_x</p:attrName>
+                                              <p:attrName>ppt_y</p:attrName>
+                                            </p:attrNameLst>
+                                          </p:cBhvr>
+                                          <p:rCtr x="33724" y="0"/>
+                                        </p:animMotion>
+                                      </p:childTnLst>
+                                    </p:cTn>
+                                  </p:par>
+                                  <p:par>
+                                    <p:cTn id="7" presetID="1" presetClass="entr" presetSubtype="0" fill="hold" nodeType="withEffect">
+                                      <p:stCondLst>
+                                        <p:cond delay="0"/>
+                                      </p:stCondLst>
+                                      <p:childTnLst>
+                                        <p:set>
+                                          <p:cBhvr>
+                                            <p:cTn id="8" dur="1" fill="hold">
+                                              <p:stCondLst>
+                                                <p:cond delay="0"/>
+                                              </p:stCondLst>
+                                            </p:cTn>
+                                            <p:tgtEl>
+                                              <p:spTgt spid="6"/>
+                                            </p:tgtEl>
+                                            <p:attrNameLst>
+                                              <p:attrName>style.visibility</p:attrName>
+                                            </p:attrNameLst>
+                                          </p:cBhvr>
+                                          <p:to>
+                                            <p:strVal val="visible"/>
+                                          </p:to>
+                                        </p:set>
+                                      </p:childTnLst>
+                                    </p:cTn>
+                                  </p:par>
+                                  <p:par>
+                                    <p:cTn id="9" presetID="63" presetClass="path" presetSubtype="0" accel="50000" fill="hold" nodeType="withEffect" p14:presetBounceEnd="51000">
+                                      <p:stCondLst>
+                                        <p:cond delay="0"/>
+                                      </p:stCondLst>
+                                      <p:childTnLst>
+                                        <p:animMotion origin="layout" path="M 2.29167E-6 4.81481E-6 L 0.67448 4.81481E-6 " pathEditMode="relative" rAng="0" ptsTypes="AA" p14:bounceEnd="51000">
+                                          <p:cBhvr>
+                                            <p:cTn id="10" dur="1000" fill="hold"/>
+                                            <p:tgtEl>
+                                              <p:spTgt spid="6"/>
+                                            </p:tgtEl>
+                                            <p:attrNameLst>
+                                              <p:attrName>ppt_x</p:attrName>
+                                              <p:attrName>ppt_y</p:attrName>
+                                            </p:attrNameLst>
+                                          </p:cBhvr>
+                                          <p:rCtr x="33724" y="0"/>
+                                        </p:animMotion>
+                                      </p:childTnLst>
+                                    </p:cTn>
+                                  </p:par>
+                                  <p:par>
+                                    <p:cTn id="11" presetID="63" presetClass="path" presetSubtype="0" accel="50000" fill="hold" nodeType="withEffect" p14:presetBounceEnd="51000">
+                                      <p:stCondLst>
+                                        <p:cond delay="0"/>
+                                      </p:stCondLst>
+                                      <p:childTnLst>
+                                        <p:animMotion origin="layout" path="M 2.29167E-6 4.81481E-6 L 0.67448 4.81481E-6 " pathEditMode="relative" rAng="0" ptsTypes="AA" p14:bounceEnd="51000">
+                                          <p:cBhvr>
+                                            <p:cTn id="12" dur="1000" fill="hold"/>
+                                            <p:tgtEl>
+                                              <p:spTgt spid="7"/>
+                                            </p:tgtEl>
+                                            <p:attrNameLst>
+                                              <p:attrName>ppt_x</p:attrName>
+                                              <p:attrName>ppt_y</p:attrName>
+                                            </p:attrNameLst>
+                                          </p:cBhvr>
+                                          <p:rCtr x="33724" y="0"/>
+                                        </p:animMotion>
+                                      </p:childTnLst>
+                                    </p:cTn>
+                                  </p:par>
+                                  <p:par>
+                                    <p:cTn id="13" presetID="63" presetClass="path" presetSubtype="0" accel="50000" fill="hold" nodeType="withEffect" p14:presetBounceEnd="51000">
+                                      <p:stCondLst>
+                                        <p:cond delay="0"/>
+                                      </p:stCondLst>
+                                      <p:childTnLst>
+                                        <p:animMotion origin="layout" path="M 2.29167E-6 4.81481E-6 L 0.67448 4.81481E-6 " pathEditMode="relative" rAng="0" ptsTypes="AA" p14:bounceEnd="51000">
+                                          <p:cBhvr>
+                                            <p:cTn id="14" dur="1000" fill="hold"/>
+                                            <p:tgtEl>
+                                              <p:spTgt spid="27"/>
+                                            </p:tgtEl>
+                                            <p:attrNameLst>
+                                              <p:attrName>ppt_x</p:attrName>
+                                              <p:attrName>ppt_y</p:attrName>
+                                            </p:attrNameLst>
+                                          </p:cBhvr>
+                                          <p:rCtr x="33724" y="0"/>
+                                        </p:animMotion>
+                                      </p:childTnLst>
+                                    </p:cTn>
+                                  </p:par>
+                                  <p:par>
+                                    <p:cTn id="15" presetID="35" presetClass="path" presetSubtype="0" accel="50000" decel="50000" fill="hold" grpId="0" nodeType="withEffect">
+                                      <p:stCondLst>
+                                        <p:cond delay="0"/>
+                                      </p:stCondLst>
+                                      <p:childTnLst>
+                                        <p:animMotion origin="layout" path="M 0 0 L -0.25 0 E" pathEditMode="relative" ptsTypes="">
+                                          <p:cBhvr>
+                                            <p:cTn id="16" dur="1000" fill="hold"/>
+                                            <p:tgtEl>
+                                              <p:spTgt spid="9"/>
+                                            </p:tgtEl>
+                                            <p:attrNameLst>
+                                              <p:attrName>ppt_x</p:attrName>
+                                              <p:attrName>ppt_y</p:attrName>
+                                            </p:attrNameLst>
+                                          </p:cBhvr>
+                                        </p:animMotion>
+                                      </p:childTnLst>
+                                    </p:cTn>
+                                  </p:par>
+                                  <p:par>
+                                    <p:cTn id="17" presetID="35" presetClass="path" presetSubtype="0" accel="50000" decel="50000" fill="hold" grpId="0" nodeType="withEffect">
+                                      <p:stCondLst>
+                                        <p:cond delay="0"/>
+                                      </p:stCondLst>
+                                      <p:childTnLst>
+                                        <p:animMotion origin="layout" path="M 1.04167E-6 4.44444E-6 L -0.25 4.44444E-6 " pathEditMode="relative" rAng="0" ptsTypes="AA">
+                                          <p:cBhvr>
+                                            <p:cTn id="18" dur="1000" fill="hold"/>
+                                            <p:tgtEl>
+                                              <p:spTgt spid="8"/>
+                                            </p:tgtEl>
+                                            <p:attrNameLst>
+                                              <p:attrName>ppt_x</p:attrName>
+                                              <p:attrName>ppt_y</p:attrName>
+                                            </p:attrNameLst>
+                                          </p:cBhvr>
+                                          <p:rCtr x="-12500" y="0"/>
+                                        </p:animMotion>
+                                      </p:childTnLst>
+                                    </p:cTn>
+                                  </p:par>
+                                  <p:par>
+                                    <p:cTn id="19" presetID="35" presetClass="path" presetSubtype="0" accel="50000" decel="50000" fill="hold" grpId="0" nodeType="withEffect">
+                                      <p:stCondLst>
+                                        <p:cond delay="0"/>
+                                      </p:stCondLst>
+                                      <p:childTnLst>
+                                        <p:animMotion origin="layout" path="M -5.55112E-17 0 L -0.25 0 " pathEditMode="relative" rAng="0" ptsTypes="AA">
+                                          <p:cBhvr>
+                                            <p:cTn id="20" dur="1000" fill="hold"/>
+                                            <p:tgtEl>
+                                              <p:spTgt spid="14"/>
+                                            </p:tgtEl>
+                                            <p:attrNameLst>
+                                              <p:attrName>ppt_x</p:attrName>
+                                              <p:attrName>ppt_y</p:attrName>
+                                            </p:attrNameLst>
+                                          </p:cBhvr>
+                                          <p:rCtr x="-12500" y="0"/>
+                                        </p:animMotion>
+                                      </p:childTnLst>
+                                    </p:cTn>
+                                  </p:par>
+                                  <p:par>
+                                    <p:cTn id="21" presetID="35" presetClass="path" presetSubtype="0" accel="50000" decel="50000" fill="hold" grpId="0" nodeType="withEffect">
+                                      <p:stCondLst>
+                                        <p:cond delay="0"/>
+                                      </p:stCondLst>
+                                      <p:childTnLst>
+                                        <p:animMotion origin="layout" path="M -1.875E-6 -1.85185E-6 L -0.25 -1.85185E-6 " pathEditMode="relative" rAng="0" ptsTypes="AA">
+                                          <p:cBhvr>
+                                            <p:cTn id="22" dur="1000" fill="hold"/>
+                                            <p:tgtEl>
+                                              <p:spTgt spid="13"/>
+                                            </p:tgtEl>
+                                            <p:attrNameLst>
+                                              <p:attrName>ppt_x</p:attrName>
+                                              <p:attrName>ppt_y</p:attrName>
+                                            </p:attrNameLst>
+                                          </p:cBhvr>
+                                          <p:rCtr x="-12500" y="0"/>
+                                        </p:animMotion>
+                                      </p:childTnLst>
+                                    </p:cTn>
+                                  </p:par>
+                                  <p:par>
+                                    <p:cTn id="23" presetID="35" presetClass="path" presetSubtype="0" accel="50000" decel="50000" fill="hold" grpId="0" nodeType="withEffect">
+                                      <p:stCondLst>
+                                        <p:cond delay="0"/>
+                                      </p:stCondLst>
+                                      <p:childTnLst>
+                                        <p:animMotion origin="layout" path="M -4.58333E-6 0 L -0.25 0 " pathEditMode="relative" rAng="0" ptsTypes="AA">
+                                          <p:cBhvr>
+                                            <p:cTn id="24" dur="1000" fill="hold"/>
+                                            <p:tgtEl>
+                                              <p:spTgt spid="21"/>
+                                            </p:tgtEl>
+                                            <p:attrNameLst>
+                                              <p:attrName>ppt_x</p:attrName>
+                                              <p:attrName>ppt_y</p:attrName>
+                                            </p:attrNameLst>
+                                          </p:cBhvr>
+                                          <p:rCtr x="-12500" y="0"/>
+                                        </p:animMotion>
+                                      </p:childTnLst>
+                                    </p:cTn>
+                                  </p:par>
+                                  <p:par>
+                                    <p:cTn id="25" presetID="35" presetClass="path" presetSubtype="0" accel="50000" decel="50000" fill="hold" grpId="0" nodeType="withEffect">
+                                      <p:stCondLst>
+                                        <p:cond delay="0"/>
+                                      </p:stCondLst>
+                                      <p:childTnLst>
+                                        <p:animMotion origin="layout" path="M 3.54167E-6 -4.44444E-6 L -0.25 -4.44444E-6 " pathEditMode="relative" rAng="0" ptsTypes="AA">
+                                          <p:cBhvr>
+                                            <p:cTn id="26" dur="1000" fill="hold"/>
+                                            <p:tgtEl>
+                                              <p:spTgt spid="19"/>
+                                            </p:tgtEl>
+                                            <p:attrNameLst>
+                                              <p:attrName>ppt_x</p:attrName>
+                                              <p:attrName>ppt_y</p:attrName>
+                                            </p:attrNameLst>
+                                          </p:cBhvr>
+                                          <p:rCtr x="-12500" y="0"/>
+                                        </p:animMotion>
+                                      </p:childTnLst>
+                                    </p:cTn>
+                                  </p:par>
+                                </p:childTnLst>
+                              </p:cTn>
+                            </p:par>
+                          </p:childTnLst>
+                        </p:cTn>
+                      </p:par>
+                    </p:childTnLst>
+                  </p:cTn>
+                  <p:prevCondLst>
+                    <p:cond evt="onPrev" delay="0">
+                      <p:tgtEl>
+                        <p:sldTgt/>
+                      </p:tgtEl>
+                    </p:cond>
+                  </p:prevCondLst>
+                  <p:nextCondLst>
+                    <p:cond evt="onNext" delay="0">
+                      <p:tgtEl>
+                        <p:sldTgt/>
+                      </p:tgtEl>
+                    </p:cond>
+                  </p:nextCondLst>
+                </p:seq>
+              </p:childTnLst>
+            </p:cTn>
+          </p:par>
+        </p:tnLst>
+        <p:bldLst>
+          <p:bldP spid="8" grpId="0" animBg="1"/>
+          <p:bldP spid="9" grpId="0" animBg="1"/>
+          <p:bldP spid="13" grpId="0" animBg="1"/>
+          <p:bldP spid="14" grpId="0" animBg="1"/>
+          <p:bldP spid="19" grpId="0" animBg="1"/>
+          <p:bldP spid="21" grpId="0" animBg="1"/>
+        </p:bldLst>
+      </p:timing>
+    </mc:Choice>
+    <mc:Fallback>
+      <p:timing>
+        <p:tnLst>
+          <p:par>
+            <p:cTn id="1" dur="indefinite" restart="never" nodeType="tmRoot">
+              <p:childTnLst>
+                <p:seq concurrent="1" nextAc="seek">
+                  <p:cTn id="2" dur="indefinite" nodeType="mainSeq">
+                    <p:childTnLst>
+                      <p:par>
+                        <p:cTn id="3" fill="hold">
+                          <p:stCondLst>
+                            <p:cond delay="indefinite"/>
+                          </p:stCondLst>
+                          <p:childTnLst>
+                            <p:par>
+                              <p:cTn id="4" fill="hold">
+                                <p:stCondLst>
+                                  <p:cond delay="0"/>
+                                </p:stCondLst>
+                                <p:childTnLst>
+                                  <p:par>
+                                    <p:cTn id="5" presetID="63" presetClass="path" presetSubtype="0" accel="50000" fill="hold" nodeType="clickEffect">
+                                      <p:stCondLst>
+                                        <p:cond delay="0"/>
+                                      </p:stCondLst>
+                                      <p:childTnLst>
+                                        <p:animMotion origin="layout" path="M 2.29167E-6 4.81481E-6 L 0.67448 4.81481E-6 " pathEditMode="relative" rAng="0" ptsTypes="AA">
+                                          <p:cBhvr>
+                                            <p:cTn id="6" dur="1000" fill="hold"/>
+                                            <p:tgtEl>
+                                              <p:spTgt spid="15"/>
+                                            </p:tgtEl>
+                                            <p:attrNameLst>
+                                              <p:attrName>ppt_x</p:attrName>
+                                              <p:attrName>ppt_y</p:attrName>
+                                            </p:attrNameLst>
+                                          </p:cBhvr>
+                                          <p:rCtr x="33724" y="0"/>
+                                        </p:animMotion>
+                                      </p:childTnLst>
+                                    </p:cTn>
+                                  </p:par>
+                                  <p:par>
+                                    <p:cTn id="7" presetID="1" presetClass="entr" presetSubtype="0" fill="hold" nodeType="withEffect">
+                                      <p:stCondLst>
+                                        <p:cond delay="0"/>
+                                      </p:stCondLst>
+                                      <p:childTnLst>
+                                        <p:set>
+                                          <p:cBhvr>
+                                            <p:cTn id="8" dur="1" fill="hold">
+                                              <p:stCondLst>
+                                                <p:cond delay="0"/>
+                                              </p:stCondLst>
+                                            </p:cTn>
+                                            <p:tgtEl>
+                                              <p:spTgt spid="6"/>
+                                            </p:tgtEl>
+                                            <p:attrNameLst>
+                                              <p:attrName>style.visibility</p:attrName>
+                                            </p:attrNameLst>
+                                          </p:cBhvr>
+                                          <p:to>
+                                            <p:strVal val="visible"/>
+                                          </p:to>
+                                        </p:set>
+                                      </p:childTnLst>
+                                    </p:cTn>
+                                  </p:par>
+                                  <p:par>
+                                    <p:cTn id="9" presetID="63" presetClass="path" presetSubtype="0" accel="50000" fill="hold" nodeType="withEffect">
+                                      <p:stCondLst>
+                                        <p:cond delay="0"/>
+                                      </p:stCondLst>
+                                      <p:childTnLst>
+                                        <p:animMotion origin="layout" path="M 2.29167E-6 4.81481E-6 L 0.67448 4.81481E-6 " pathEditMode="relative" rAng="0" ptsTypes="AA">
+                                          <p:cBhvr>
+                                            <p:cTn id="10" dur="1000" fill="hold"/>
+                                            <p:tgtEl>
+                                              <p:spTgt spid="6"/>
+                                            </p:tgtEl>
+                                            <p:attrNameLst>
+                                              <p:attrName>ppt_x</p:attrName>
+                                              <p:attrName>ppt_y</p:attrName>
+                                            </p:attrNameLst>
+                                          </p:cBhvr>
+                                          <p:rCtr x="33724" y="0"/>
+                                        </p:animMotion>
+                                      </p:childTnLst>
+                                    </p:cTn>
+                                  </p:par>
+                                  <p:par>
+                                    <p:cTn id="11" presetID="63" presetClass="path" presetSubtype="0" accel="50000" fill="hold" nodeType="withEffect">
+                                      <p:stCondLst>
+                                        <p:cond delay="0"/>
+                                      </p:stCondLst>
+                                      <p:childTnLst>
+                                        <p:animMotion origin="layout" path="M 2.29167E-6 4.81481E-6 L 0.67448 4.81481E-6 " pathEditMode="relative" rAng="0" ptsTypes="AA">
+                                          <p:cBhvr>
+                                            <p:cTn id="12" dur="1000" fill="hold"/>
+                                            <p:tgtEl>
+                                              <p:spTgt spid="7"/>
+                                            </p:tgtEl>
+                                            <p:attrNameLst>
+                                              <p:attrName>ppt_x</p:attrName>
+                                              <p:attrName>ppt_y</p:attrName>
+                                            </p:attrNameLst>
+                                          </p:cBhvr>
+                                          <p:rCtr x="33724" y="0"/>
+                                        </p:animMotion>
+                                      </p:childTnLst>
+                                    </p:cTn>
+                                  </p:par>
+                                  <p:par>
+                                    <p:cTn id="13" presetID="63" presetClass="path" presetSubtype="0" accel="50000" fill="hold" nodeType="withEffect">
+                                      <p:stCondLst>
+                                        <p:cond delay="0"/>
+                                      </p:stCondLst>
+                                      <p:childTnLst>
+                                        <p:animMotion origin="layout" path="M 2.29167E-6 4.81481E-6 L 0.67448 4.81481E-6 " pathEditMode="relative" rAng="0" ptsTypes="AA">
+                                          <p:cBhvr>
+                                            <p:cTn id="14" dur="1000" fill="hold"/>
+                                            <p:tgtEl>
+                                              <p:spTgt spid="27"/>
+                                            </p:tgtEl>
+                                            <p:attrNameLst>
+                                              <p:attrName>ppt_x</p:attrName>
+                                              <p:attrName>ppt_y</p:attrName>
+                                            </p:attrNameLst>
+                                          </p:cBhvr>
+                                          <p:rCtr x="33724" y="0"/>
+                                        </p:animMotion>
+                                      </p:childTnLst>
+                                    </p:cTn>
+                                  </p:par>
+                                  <p:par>
+                                    <p:cTn id="15" presetID="35" presetClass="path" presetSubtype="0" accel="50000" decel="50000" fill="hold" grpId="0" nodeType="withEffect">
+                                      <p:stCondLst>
+                                        <p:cond delay="0"/>
+                                      </p:stCondLst>
+                                      <p:childTnLst>
+                                        <p:animMotion origin="layout" path="M 0 0 L -0.25 0 E" pathEditMode="relative" ptsTypes="">
+                                          <p:cBhvr>
+                                            <p:cTn id="16" dur="1000" fill="hold"/>
+                                            <p:tgtEl>
+                                              <p:spTgt spid="9"/>
+                                            </p:tgtEl>
+                                            <p:attrNameLst>
+                                              <p:attrName>ppt_x</p:attrName>
+                                              <p:attrName>ppt_y</p:attrName>
+                                            </p:attrNameLst>
+                                          </p:cBhvr>
+                                        </p:animMotion>
+                                      </p:childTnLst>
+                                    </p:cTn>
+                                  </p:par>
+                                  <p:par>
+                                    <p:cTn id="17" presetID="35" presetClass="path" presetSubtype="0" accel="50000" decel="50000" fill="hold" grpId="0" nodeType="withEffect">
+                                      <p:stCondLst>
+                                        <p:cond delay="0"/>
+                                      </p:stCondLst>
+                                      <p:childTnLst>
+                                        <p:animMotion origin="layout" path="M 1.04167E-6 4.44444E-6 L -0.25 4.44444E-6 " pathEditMode="relative" rAng="0" ptsTypes="AA">
+                                          <p:cBhvr>
+                                            <p:cTn id="18" dur="1000" fill="hold"/>
+                                            <p:tgtEl>
+                                              <p:spTgt spid="8"/>
+                                            </p:tgtEl>
+                                            <p:attrNameLst>
+                                              <p:attrName>ppt_x</p:attrName>
+                                              <p:attrName>ppt_y</p:attrName>
+                                            </p:attrNameLst>
+                                          </p:cBhvr>
+                                          <p:rCtr x="-12500" y="0"/>
+                                        </p:animMotion>
+                                      </p:childTnLst>
+                                    </p:cTn>
+                                  </p:par>
+                                  <p:par>
+                                    <p:cTn id="19" presetID="35" presetClass="path" presetSubtype="0" accel="50000" decel="50000" fill="hold" grpId="0" nodeType="withEffect">
+                                      <p:stCondLst>
+                                        <p:cond delay="0"/>
+                                      </p:stCondLst>
+                                      <p:childTnLst>
+                                        <p:animMotion origin="layout" path="M -5.55112E-17 0 L -0.25 0 " pathEditMode="relative" rAng="0" ptsTypes="AA">
+                                          <p:cBhvr>
+                                            <p:cTn id="20" dur="1000" fill="hold"/>
+                                            <p:tgtEl>
+                                              <p:spTgt spid="14"/>
+                                            </p:tgtEl>
+                                            <p:attrNameLst>
+                                              <p:attrName>ppt_x</p:attrName>
+                                              <p:attrName>ppt_y</p:attrName>
+                                            </p:attrNameLst>
+                                          </p:cBhvr>
+                                          <p:rCtr x="-12500" y="0"/>
+                                        </p:animMotion>
+                                      </p:childTnLst>
+                                    </p:cTn>
+                                  </p:par>
+                                  <p:par>
+                                    <p:cTn id="21" presetID="35" presetClass="path" presetSubtype="0" accel="50000" decel="50000" fill="hold" grpId="0" nodeType="withEffect">
+                                      <p:stCondLst>
+                                        <p:cond delay="0"/>
+                                      </p:stCondLst>
+                                      <p:childTnLst>
+                                        <p:animMotion origin="layout" path="M -1.875E-6 -1.85185E-6 L -0.25 -1.85185E-6 " pathEditMode="relative" rAng="0" ptsTypes="AA">
+                                          <p:cBhvr>
+                                            <p:cTn id="22" dur="1000" fill="hold"/>
+                                            <p:tgtEl>
+                                              <p:spTgt spid="13"/>
+                                            </p:tgtEl>
+                                            <p:attrNameLst>
+                                              <p:attrName>ppt_x</p:attrName>
+                                              <p:attrName>ppt_y</p:attrName>
+                                            </p:attrNameLst>
+                                          </p:cBhvr>
+                                          <p:rCtr x="-12500" y="0"/>
+                                        </p:animMotion>
+                                      </p:childTnLst>
+                                    </p:cTn>
+                                  </p:par>
+                                  <p:par>
+                                    <p:cTn id="23" presetID="35" presetClass="path" presetSubtype="0" accel="50000" decel="50000" fill="hold" grpId="0" nodeType="withEffect">
+                                      <p:stCondLst>
+                                        <p:cond delay="0"/>
+                                      </p:stCondLst>
+                                      <p:childTnLst>
+                                        <p:animMotion origin="layout" path="M -4.58333E-6 0 L -0.25 0 " pathEditMode="relative" rAng="0" ptsTypes="AA">
+                                          <p:cBhvr>
+                                            <p:cTn id="24" dur="1000" fill="hold"/>
+                                            <p:tgtEl>
+                                              <p:spTgt spid="21"/>
+                                            </p:tgtEl>
+                                            <p:attrNameLst>
+                                              <p:attrName>ppt_x</p:attrName>
+                                              <p:attrName>ppt_y</p:attrName>
+                                            </p:attrNameLst>
+                                          </p:cBhvr>
+                                          <p:rCtr x="-12500" y="0"/>
+                                        </p:animMotion>
+                                      </p:childTnLst>
+                                    </p:cTn>
+                                  </p:par>
+                                  <p:par>
+                                    <p:cTn id="25" presetID="35" presetClass="path" presetSubtype="0" accel="50000" decel="50000" fill="hold" grpId="0" nodeType="withEffect">
+                                      <p:stCondLst>
+                                        <p:cond delay="0"/>
+                                      </p:stCondLst>
+                                      <p:childTnLst>
+                                        <p:animMotion origin="layout" path="M 3.54167E-6 -4.44444E-6 L -0.25 -4.44444E-6 " pathEditMode="relative" rAng="0" ptsTypes="AA">
+                                          <p:cBhvr>
+                                            <p:cTn id="26" dur="1000" fill="hold"/>
+                                            <p:tgtEl>
+                                              <p:spTgt spid="19"/>
+                                            </p:tgtEl>
+                                            <p:attrNameLst>
+                                              <p:attrName>ppt_x</p:attrName>
+                                              <p:attrName>ppt_y</p:attrName>
+                                            </p:attrNameLst>
+                                          </p:cBhvr>
+                                          <p:rCtr x="-12500" y="0"/>
+                                        </p:animMotion>
+                                      </p:childTnLst>
+                                    </p:cTn>
+                                  </p:par>
+                                </p:childTnLst>
+                              </p:cTn>
+                            </p:par>
+                          </p:childTnLst>
+                        </p:cTn>
+                      </p:par>
+                    </p:childTnLst>
+                  </p:cTn>
+                  <p:prevCondLst>
+                    <p:cond evt="onPrev" delay="0">
+                      <p:tgtEl>
+                        <p:sldTgt/>
+                      </p:tgtEl>
+                    </p:cond>
+                  </p:prevCondLst>
+                  <p:nextCondLst>
+                    <p:cond evt="onNext" delay="0">
+                      <p:tgtEl>
+                        <p:sldTgt/>
+                      </p:tgtEl>
+                    </p:cond>
+                  </p:nextCondLst>
+                </p:seq>
+              </p:childTnLst>
+            </p:cTn>
+          </p:par>
+        </p:tnLst>
+        <p:bldLst>
+          <p:bldP spid="8" grpId="0" animBg="1"/>
+          <p:bldP spid="9" grpId="0" animBg="1"/>
+          <p:bldP spid="13" grpId="0" animBg="1"/>
+          <p:bldP spid="14" grpId="0" animBg="1"/>
+          <p:bldP spid="19" grpId="0" animBg="1"/>
+          <p:bldP spid="21" grpId="0" animBg="1"/>
+        </p:bldLst>
+      </p:timing>
+    </mc:Fallback>
+  </mc:AlternateContent>
+</p:sld>
+</file>
+
+<file path=ppt/slides/slide3.xml><?xml version="1.0" encoding="utf-8"?>
+<p:sld xmlns:a="http://schemas.openxmlformats.org/drawingml/2006/main" xmlns:r="http://schemas.openxmlformats.org/officeDocument/2006/relationships" xmlns:p="http://schemas.openxmlformats.org/presentationml/2006/main" showMasterSp="0">
+  <p:cSld>
+    <p:bg>
+      <p:bgPr>
+        <a:blipFill dpi="0" rotWithShape="1">
+          <a:blip r:embed="rId3">
+            <a:lum/>
+          </a:blip>
+          <a:srcRect/>
+          <a:stretch>
+            <a:fillRect/>
+          </a:stretch>
+        </a:blipFill>
+        <a:effectLst/>
+      </p:bgPr>
+    </p:bg>
+    <p:spTree>
+      <p:nvGrpSpPr>
+        <p:cNvPr id="1" name=""/>
+        <p:cNvGrpSpPr/>
+        <p:nvPr/>
+      </p:nvGrpSpPr>
+      <p:grpSpPr>
+        <a:xfrm>
+          <a:off x="0" y="0"/>
+          <a:ext cx="0" cy="0"/>
+          <a:chOff x="0" y="0"/>
+          <a:chExt cx="0" cy="0"/>
+        </a:xfrm>
+      </p:grpSpPr>
+      <p:sp>
+        <p:nvSpPr>
+          <p:cNvPr id="22" name="Material">
+            <a:extLst>
+              <a:ext uri="{FF2B5EF4-FFF2-40B4-BE49-F238E27FC236}">
+                <a16:creationId xmlns:a16="http://schemas.microsoft.com/office/drawing/2014/main" id="{6856504E-5310-259F-37FD-524507670E69}"/>
+              </a:ext>
+            </a:extLst>
+          </p:cNvPr>
+          <p:cNvSpPr/>
+          <p:nvPr/>
+        </p:nvSpPr>
+        <p:spPr>
+          <a:xfrm>
+            <a:off x="3322197" y="2920880"/>
+            <a:ext cx="6245621" cy="923330"/>
+          </a:xfrm>
+          <a:prstGeom prst="rect">
+            <a:avLst/>
+          </a:prstGeom>
+          <a:noFill/>
+        </p:spPr>
+        <p:txBody>
+          <a:bodyPr wrap="none" lIns="91440" tIns="45720" rIns="91440" bIns="45720">
+            <a:spAutoFit/>
+          </a:bodyPr>
+          <a:lstStyle/>
+          <a:p>
+            <a:pPr algn="ctr"/>
+            <a:r>
+              <a:rPr lang="zh-CN" altLang="en-US" sz="5400" b="1" dirty="0">
+                <a:ln w="9525">
+                  <a:solidFill>
+                    <a:schemeClr val="bg1"/>
+                  </a:solidFill>
+                  <a:prstDash val="solid"/>
+                </a:ln>
+                <a:effectLst>
+                  <a:outerShdw blurRad="12700" dist="38100" dir="2700000" algn="tl" rotWithShape="0">
+                    <a:schemeClr val="bg1">
+                      <a:lumMod val="50000"/>
+                    </a:schemeClr>
+                  </a:outerShdw>
+                </a:effectLst>
+              </a:rPr>
+              <a:t>母材质（</a:t>
+            </a:r>
+            <a:r>
+              <a:rPr lang="en-US" altLang="zh-CN" sz="5400" b="1" dirty="0">
+                <a:ln w="9525">
+                  <a:solidFill>
+                    <a:schemeClr val="bg1"/>
+                  </a:solidFill>
+                  <a:prstDash val="solid"/>
+                </a:ln>
+                <a:effectLst>
+                  <a:outerShdw blurRad="12700" dist="38100" dir="2700000" algn="tl" rotWithShape="0">
+                    <a:schemeClr val="bg1">
+                      <a:lumMod val="50000"/>
+                    </a:schemeClr>
+                  </a:outerShdw>
+                </a:effectLst>
+              </a:rPr>
+              <a:t>Material</a:t>
+            </a:r>
+            <a:r>
+              <a:rPr lang="zh-CN" altLang="en-US" sz="5400" b="1" dirty="0">
+                <a:ln w="9525">
+                  <a:solidFill>
+                    <a:schemeClr val="bg1"/>
+                  </a:solidFill>
+                  <a:prstDash val="solid"/>
+                </a:ln>
+                <a:effectLst>
+                  <a:outerShdw blurRad="12700" dist="38100" dir="2700000" algn="tl" rotWithShape="0">
+                    <a:schemeClr val="bg1">
+                      <a:lumMod val="50000"/>
+                    </a:schemeClr>
+                  </a:outerShdw>
+                </a:effectLst>
+              </a:rPr>
+              <a:t>）</a:t>
+            </a:r>
+          </a:p>
+        </p:txBody>
+      </p:sp>
+      <p:grpSp>
+        <p:nvGrpSpPr>
+          <p:cNvPr id="7" name="组合 6">
+            <a:extLst>
+              <a:ext uri="{FF2B5EF4-FFF2-40B4-BE49-F238E27FC236}">
+                <a16:creationId xmlns:a16="http://schemas.microsoft.com/office/drawing/2014/main" id="{8A27065D-E008-24F7-76F8-5551BB17EE32}"/>
+              </a:ext>
+            </a:extLst>
+          </p:cNvPr>
+          <p:cNvGrpSpPr/>
+          <p:nvPr/>
+        </p:nvGrpSpPr>
+        <p:grpSpPr>
+          <a:xfrm>
+            <a:off x="-8863252" y="-1534"/>
+            <a:ext cx="12263677" cy="6859534"/>
+            <a:chOff x="-8863252" y="-1534"/>
+            <a:chExt cx="12263677" cy="6859534"/>
+          </a:xfrm>
+        </p:grpSpPr>
+        <p:sp>
+          <p:nvSpPr>
+            <p:cNvPr id="5" name="文本框 4">
+              <a:extLst>
+                <a:ext uri="{FF2B5EF4-FFF2-40B4-BE49-F238E27FC236}">
+                  <a16:creationId xmlns:a16="http://schemas.microsoft.com/office/drawing/2014/main" id="{7390670E-0436-74FD-BCF1-0B9E5CAD8420}"/>
+                </a:ext>
+              </a:extLst>
+            </p:cNvPr>
+            <p:cNvSpPr txBox="1"/>
+            <p:nvPr/>
+          </p:nvSpPr>
+          <p:spPr>
+            <a:xfrm>
+              <a:off x="2591825" y="1224000"/>
+              <a:ext cx="808600" cy="888651"/>
+            </a:xfrm>
+            <a:prstGeom prst="flowChartAlternateProcess">
+              <a:avLst/>
+            </a:prstGeom>
+            <a:solidFill>
+              <a:schemeClr val="bg2">
+                <a:lumMod val="50000"/>
+              </a:schemeClr>
+            </a:solidFill>
+            <a:ln>
+              <a:noFill/>
+            </a:ln>
+            <a:effectLst>
+              <a:outerShdw blurRad="50800" dist="38100" algn="l" rotWithShape="0">
+                <a:prstClr val="black">
+                  <a:alpha val="40000"/>
+                </a:prstClr>
+              </a:outerShdw>
+              <a:softEdge rad="0"/>
+            </a:effectLst>
+          </p:spPr>
+          <p:style>
+            <a:lnRef idx="3">
+              <a:schemeClr val="lt1"/>
+            </a:lnRef>
+            <a:fillRef idx="1">
+              <a:schemeClr val="accent1"/>
+            </a:fillRef>
+            <a:effectRef idx="1">
+              <a:schemeClr val="accent1"/>
+            </a:effectRef>
+            <a:fontRef idx="minor">
+              <a:schemeClr val="lt1"/>
+            </a:fontRef>
+          </p:style>
+          <p:txBody>
+            <a:bodyPr wrap="square" rtlCol="0" anchor="ctr" anchorCtr="0">
+              <a:noAutofit/>
+            </a:bodyPr>
+            <a:lstStyle/>
+            <a:p>
+              <a:pPr algn="ctr"/>
+              <a:endParaRPr lang="zh-CN" altLang="en-US" sz="3200" b="1" dirty="0">
+                <a:latin typeface="Bauhaus 93" panose="04030905020B02020C02" pitchFamily="82" charset="0"/>
+              </a:endParaRPr>
+            </a:p>
+          </p:txBody>
+        </p:sp>
+        <p:sp>
+          <p:nvSpPr>
+            <p:cNvPr id="4" name="矩形 3">
+              <a:extLst>
+                <a:ext uri="{FF2B5EF4-FFF2-40B4-BE49-F238E27FC236}">
+                  <a16:creationId xmlns:a16="http://schemas.microsoft.com/office/drawing/2014/main" id="{0E3840C7-48F9-A79B-3845-1959334E1D63}"/>
+                </a:ext>
+              </a:extLst>
+            </p:cNvPr>
+            <p:cNvSpPr/>
+            <p:nvPr/>
+          </p:nvSpPr>
+          <p:spPr>
+            <a:xfrm>
+              <a:off x="-8863252" y="-1534"/>
+              <a:ext cx="11608501" cy="6859534"/>
+            </a:xfrm>
+            <a:prstGeom prst="rect">
+              <a:avLst/>
+            </a:prstGeom>
+            <a:solidFill>
+              <a:schemeClr val="bg2">
+                <a:lumMod val="50000"/>
+              </a:schemeClr>
+            </a:solidFill>
+            <a:ln>
+              <a:noFill/>
+            </a:ln>
+          </p:spPr>
+          <p:style>
+            <a:lnRef idx="2">
+              <a:schemeClr val="accent1">
+                <a:shade val="50000"/>
+              </a:schemeClr>
+            </a:lnRef>
+            <a:fillRef idx="1">
+              <a:schemeClr val="accent1"/>
+            </a:fillRef>
+            <a:effectRef idx="0">
+              <a:schemeClr val="accent1"/>
+            </a:effectRef>
+            <a:fontRef idx="minor">
+              <a:schemeClr val="lt1"/>
+            </a:fontRef>
+          </p:style>
+          <p:txBody>
+            <a:bodyPr rtlCol="0" anchor="ctr"/>
+            <a:lstStyle/>
+            <a:p>
+              <a:pPr algn="ctr"/>
+              <a:endParaRPr lang="zh-CN" altLang="en-US" dirty="0"/>
+            </a:p>
+          </p:txBody>
+        </p:sp>
+      </p:grpSp>
+      <p:grpSp>
+        <p:nvGrpSpPr>
+          <p:cNvPr id="6" name="组合 5">
+            <a:extLst>
+              <a:ext uri="{FF2B5EF4-FFF2-40B4-BE49-F238E27FC236}">
+                <a16:creationId xmlns:a16="http://schemas.microsoft.com/office/drawing/2014/main" id="{657298C6-B7FC-3A1E-72CF-37AA54F589A3}"/>
+              </a:ext>
+            </a:extLst>
+          </p:cNvPr>
+          <p:cNvGrpSpPr/>
+          <p:nvPr/>
+        </p:nvGrpSpPr>
+        <p:grpSpPr>
+          <a:xfrm>
+            <a:off x="-8317406" y="1570006"/>
+            <a:ext cx="10628345" cy="3165657"/>
+            <a:chOff x="-8317406" y="1570006"/>
+            <a:chExt cx="10628345" cy="3165657"/>
+          </a:xfrm>
+        </p:grpSpPr>
+        <p:sp>
+          <p:nvSpPr>
+            <p:cNvPr id="17" name="矩形 16">
+              <a:extLst>
+                <a:ext uri="{FF2B5EF4-FFF2-40B4-BE49-F238E27FC236}">
+                  <a16:creationId xmlns:a16="http://schemas.microsoft.com/office/drawing/2014/main" id="{E0B6C8F1-FC96-B132-9602-1576EEF6C3FF}"/>
+                </a:ext>
+              </a:extLst>
+            </p:cNvPr>
+            <p:cNvSpPr/>
+            <p:nvPr/>
+          </p:nvSpPr>
+          <p:spPr>
+            <a:xfrm>
+              <a:off x="-746876" y="3444875"/>
+              <a:ext cx="942322" cy="240646"/>
+            </a:xfrm>
+            <a:prstGeom prst="rect">
+              <a:avLst/>
+            </a:prstGeom>
+            <a:solidFill>
+              <a:schemeClr val="accent1">
+                <a:lumMod val="20000"/>
+                <a:lumOff val="80000"/>
+              </a:schemeClr>
+            </a:solidFill>
+            <a:ln>
+              <a:noFill/>
+            </a:ln>
+          </p:spPr>
+          <p:style>
+            <a:lnRef idx="2">
+              <a:schemeClr val="accent1">
+                <a:shade val="50000"/>
+              </a:schemeClr>
+            </a:lnRef>
+            <a:fillRef idx="1">
+              <a:schemeClr val="accent1"/>
+            </a:fillRef>
+            <a:effectRef idx="0">
+              <a:schemeClr val="accent1"/>
+            </a:effectRef>
+            <a:fontRef idx="minor">
+              <a:schemeClr val="lt1"/>
+            </a:fontRef>
+          </p:style>
+          <p:txBody>
+            <a:bodyPr rtlCol="0" anchor="ctr"/>
+            <a:lstStyle/>
+            <a:p>
+              <a:pPr algn="ctr"/>
+              <a:endParaRPr lang="zh-CN" altLang="en-US"/>
+            </a:p>
+          </p:txBody>
+        </p:sp>
+        <p:pic>
+          <p:nvPicPr>
+            <p:cNvPr id="10" name="图片 9">
+              <a:extLst>
+                <a:ext uri="{FF2B5EF4-FFF2-40B4-BE49-F238E27FC236}">
+                  <a16:creationId xmlns:a16="http://schemas.microsoft.com/office/drawing/2014/main" id="{06952FC2-58B2-CADA-0114-3440CCC54A1D}"/>
+                </a:ext>
+              </a:extLst>
+            </p:cNvPr>
+            <p:cNvPicPr>
+              <a:picLocks noChangeAspect="1"/>
+            </p:cNvPicPr>
+            <p:nvPr/>
+          </p:nvPicPr>
+          <p:blipFill>
+            <a:blip r:embed="rId4">
+              <a:extLst>
+                <a:ext uri="{28A0092B-C50C-407E-A947-70E740481C1C}">
+                  <a14:useLocalDpi xmlns:a14="http://schemas.microsoft.com/office/drawing/2010/main" val="0"/>
+                </a:ext>
+              </a:extLst>
+            </a:blip>
+            <a:stretch>
+              <a:fillRect/>
+            </a:stretch>
+          </p:blipFill>
+          <p:spPr>
+            <a:xfrm>
+              <a:off x="-8317406" y="2540269"/>
+              <a:ext cx="10628345" cy="2195394"/>
+            </a:xfrm>
+            <a:prstGeom prst="rect">
+              <a:avLst/>
+            </a:prstGeom>
+            <a:noFill/>
+            <a:ln>
+              <a:noFill/>
+            </a:ln>
+          </p:spPr>
+        </p:pic>
+        <p:sp>
+          <p:nvSpPr>
+            <p:cNvPr id="20" name="文本框 19">
+              <a:extLst>
+                <a:ext uri="{FF2B5EF4-FFF2-40B4-BE49-F238E27FC236}">
+                  <a16:creationId xmlns:a16="http://schemas.microsoft.com/office/drawing/2014/main" id="{BD8BC1C5-23D4-16A7-4058-A202EA1A1605}"/>
+                </a:ext>
+              </a:extLst>
+            </p:cNvPr>
+            <p:cNvSpPr txBox="1"/>
+            <p:nvPr/>
+          </p:nvSpPr>
+          <p:spPr>
+            <a:xfrm>
+              <a:off x="-4766977" y="1570006"/>
+              <a:ext cx="3979333" cy="646331"/>
+            </a:xfrm>
+            <a:prstGeom prst="rect">
+              <a:avLst/>
+            </a:prstGeom>
+            <a:solidFill>
+              <a:schemeClr val="bg2">
+                <a:lumMod val="50000"/>
+              </a:schemeClr>
+            </a:solidFill>
+            <a:ln>
+              <a:noFill/>
+            </a:ln>
+          </p:spPr>
+          <p:txBody>
+            <a:bodyPr wrap="square" rtlCol="0">
+              <a:spAutoFit/>
+            </a:bodyPr>
+            <a:lstStyle/>
+            <a:p>
+              <a:pPr algn="ctr"/>
+              <a:r>
+                <a:rPr lang="zh-CN" altLang="en-US" sz="3600" dirty="0"/>
+                <a:t>材质结构</a:t>
+              </a:r>
+            </a:p>
+          </p:txBody>
+        </p:sp>
+      </p:grpSp>
+      <p:grpSp>
+        <p:nvGrpSpPr>
+          <p:cNvPr id="27" name="组合 26">
+            <a:extLst>
+              <a:ext uri="{FF2B5EF4-FFF2-40B4-BE49-F238E27FC236}">
+                <a16:creationId xmlns:a16="http://schemas.microsoft.com/office/drawing/2014/main" id="{E46FA44B-D14F-454E-776A-71DA3D23F854}"/>
+              </a:ext>
+            </a:extLst>
+          </p:cNvPr>
+          <p:cNvGrpSpPr/>
+          <p:nvPr/>
+        </p:nvGrpSpPr>
+        <p:grpSpPr>
+          <a:xfrm>
+            <a:off x="-7513692" y="4410075"/>
+            <a:ext cx="6293942" cy="888652"/>
+            <a:chOff x="2419066" y="3929703"/>
+            <a:chExt cx="6293942" cy="888652"/>
+          </a:xfrm>
+        </p:grpSpPr>
+        <p:sp>
+          <p:nvSpPr>
+            <p:cNvPr id="33" name="文本框 M">
+              <a:extLst>
+                <a:ext uri="{FF2B5EF4-FFF2-40B4-BE49-F238E27FC236}">
+                  <a16:creationId xmlns:a16="http://schemas.microsoft.com/office/drawing/2014/main" id="{C4CC3989-3FC7-4938-8FAE-AA21BB82B014}"/>
+                </a:ext>
+              </a:extLst>
+            </p:cNvPr>
+            <p:cNvSpPr txBox="1"/>
+            <p:nvPr/>
+          </p:nvSpPr>
+          <p:spPr>
+            <a:xfrm>
+              <a:off x="5199614" y="3929704"/>
+              <a:ext cx="808600" cy="888651"/>
+            </a:xfrm>
+            <a:prstGeom prst="flowChartAlternateProcess">
+              <a:avLst/>
+            </a:prstGeom>
+            <a:noFill/>
+            <a:ln>
+              <a:noFill/>
+            </a:ln>
+            <a:effectLst>
+              <a:outerShdw blurRad="50800" dist="38100" algn="l" rotWithShape="0">
+                <a:prstClr val="black">
+                  <a:alpha val="40000"/>
+                </a:prstClr>
+              </a:outerShdw>
+              <a:softEdge rad="0"/>
+            </a:effectLst>
+          </p:spPr>
+          <p:style>
+            <a:lnRef idx="3">
+              <a:schemeClr val="lt1"/>
+            </a:lnRef>
+            <a:fillRef idx="1">
+              <a:schemeClr val="accent1"/>
+            </a:fillRef>
+            <a:effectRef idx="1">
+              <a:schemeClr val="accent1"/>
+            </a:effectRef>
+            <a:fontRef idx="minor">
+              <a:schemeClr val="lt1"/>
+            </a:fontRef>
+          </p:style>
+          <p:txBody>
+            <a:bodyPr wrap="square" rtlCol="0" anchor="ctr" anchorCtr="0">
+              <a:noAutofit/>
+            </a:bodyPr>
+            <a:lstStyle/>
+            <a:p>
+              <a:pPr algn="ctr"/>
+              <a:r>
+                <a:rPr lang="en-US" altLang="zh-CN" sz="2400" b="1" dirty="0">
+                  <a:latin typeface="Bodoni MT Black" panose="02070A03080606020203" pitchFamily="18" charset="0"/>
+                </a:rPr>
+                <a:t>M</a:t>
+              </a:r>
+              <a:endParaRPr lang="zh-CN" altLang="en-US" sz="2400" b="1" dirty="0">
+                <a:latin typeface="Bodoni MT Black" panose="02070A03080606020203" pitchFamily="18" charset="0"/>
+              </a:endParaRPr>
+            </a:p>
+          </p:txBody>
+        </p:sp>
+        <p:sp>
+          <p:nvSpPr>
+            <p:cNvPr id="34" name="文本框 MI">
+              <a:extLst>
+                <a:ext uri="{FF2B5EF4-FFF2-40B4-BE49-F238E27FC236}">
+                  <a16:creationId xmlns:a16="http://schemas.microsoft.com/office/drawing/2014/main" id="{9B4ED87C-E946-740F-D2F4-B0DFD74A95BA}"/>
+                </a:ext>
+              </a:extLst>
+            </p:cNvPr>
+            <p:cNvSpPr txBox="1"/>
+            <p:nvPr/>
+          </p:nvSpPr>
+          <p:spPr>
+            <a:xfrm>
+              <a:off x="7904408" y="3929703"/>
+              <a:ext cx="808600" cy="888651"/>
+            </a:xfrm>
+            <a:prstGeom prst="flowChartAlternateProcess">
+              <a:avLst/>
+            </a:prstGeom>
+            <a:noFill/>
+            <a:ln>
+              <a:noFill/>
+            </a:ln>
+            <a:effectLst>
+              <a:outerShdw blurRad="50800" dist="38100" algn="l" rotWithShape="0">
+                <a:prstClr val="black">
+                  <a:alpha val="40000"/>
+                </a:prstClr>
+              </a:outerShdw>
+              <a:softEdge rad="0"/>
+            </a:effectLst>
+          </p:spPr>
+          <p:style>
+            <a:lnRef idx="3">
+              <a:schemeClr val="lt1"/>
+            </a:lnRef>
+            <a:fillRef idx="1">
+              <a:schemeClr val="accent1"/>
+            </a:fillRef>
+            <a:effectRef idx="1">
+              <a:schemeClr val="accent1"/>
+            </a:effectRef>
+            <a:fontRef idx="minor">
+              <a:schemeClr val="lt1"/>
+            </a:fontRef>
+          </p:style>
+          <p:txBody>
+            <a:bodyPr wrap="square" rtlCol="0" anchor="ctr" anchorCtr="0">
+              <a:noAutofit/>
+            </a:bodyPr>
+            <a:lstStyle/>
+            <a:p>
+              <a:pPr algn="ctr"/>
+              <a:r>
+                <a:rPr lang="en-US" altLang="zh-CN" sz="2400" b="1" dirty="0">
+                  <a:latin typeface="Bodoni MT Black" panose="02070A03080606020203" pitchFamily="18" charset="0"/>
+                </a:rPr>
+                <a:t>MI</a:t>
+              </a:r>
+              <a:endParaRPr lang="zh-CN" altLang="en-US" sz="2400" b="1" dirty="0">
+                <a:latin typeface="Bodoni MT Black" panose="02070A03080606020203" pitchFamily="18" charset="0"/>
+              </a:endParaRPr>
+            </a:p>
+          </p:txBody>
+        </p:sp>
+        <p:sp>
+          <p:nvSpPr>
+            <p:cNvPr id="35" name="文本框 MF">
+              <a:extLst>
+                <a:ext uri="{FF2B5EF4-FFF2-40B4-BE49-F238E27FC236}">
+                  <a16:creationId xmlns:a16="http://schemas.microsoft.com/office/drawing/2014/main" id="{523D3002-9F8F-0C70-B437-6A5AC3EA7FC2}"/>
+                </a:ext>
+              </a:extLst>
+            </p:cNvPr>
+            <p:cNvSpPr txBox="1"/>
+            <p:nvPr/>
+          </p:nvSpPr>
+          <p:spPr>
+            <a:xfrm>
+              <a:off x="2419066" y="3929703"/>
+              <a:ext cx="808600" cy="888651"/>
+            </a:xfrm>
+            <a:prstGeom prst="flowChartAlternateProcess">
+              <a:avLst/>
+            </a:prstGeom>
+            <a:noFill/>
+            <a:ln>
+              <a:noFill/>
+            </a:ln>
+            <a:effectLst>
+              <a:outerShdw blurRad="50800" dist="38100" algn="l" rotWithShape="0">
+                <a:prstClr val="black">
+                  <a:alpha val="40000"/>
+                </a:prstClr>
+              </a:outerShdw>
+              <a:softEdge rad="0"/>
+            </a:effectLst>
+          </p:spPr>
+          <p:style>
+            <a:lnRef idx="3">
+              <a:schemeClr val="lt1"/>
+            </a:lnRef>
+            <a:fillRef idx="1">
+              <a:schemeClr val="accent1"/>
+            </a:fillRef>
+            <a:effectRef idx="1">
+              <a:schemeClr val="accent1"/>
+            </a:effectRef>
+            <a:fontRef idx="minor">
+              <a:schemeClr val="lt1"/>
+            </a:fontRef>
+          </p:style>
+          <p:txBody>
+            <a:bodyPr wrap="square" rtlCol="0" anchor="ctr" anchorCtr="0">
+              <a:noAutofit/>
+            </a:bodyPr>
+            <a:lstStyle/>
+            <a:p>
+              <a:pPr algn="ctr"/>
+              <a:r>
+                <a:rPr lang="en-US" altLang="zh-CN" sz="2400" b="1" dirty="0">
+                  <a:latin typeface="Bodoni MT Black" panose="02070A03080606020203" pitchFamily="18" charset="0"/>
+                </a:rPr>
+                <a:t>MF</a:t>
+              </a:r>
+              <a:endParaRPr lang="zh-CN" altLang="en-US" sz="2400" b="1" dirty="0">
+                <a:latin typeface="Bodoni MT Black" panose="02070A03080606020203" pitchFamily="18" charset="0"/>
+              </a:endParaRPr>
+            </a:p>
+          </p:txBody>
+        </p:sp>
+      </p:grpSp>
+      <p:pic>
+        <p:nvPicPr>
+          <p:cNvPr id="15" name="材质结构icon">
+            <a:extLst>
+              <a:ext uri="{FF2B5EF4-FFF2-40B4-BE49-F238E27FC236}">
+                <a16:creationId xmlns:a16="http://schemas.microsoft.com/office/drawing/2014/main" id="{BBF1C0E1-8918-D2EE-7007-5C8C9E4E389D}"/>
+              </a:ext>
+            </a:extLst>
+          </p:cNvPr>
+          <p:cNvPicPr>
+            <a:picLocks noChangeAspect="1"/>
+          </p:cNvPicPr>
+          <p:nvPr/>
+        </p:nvPicPr>
+        <p:blipFill>
+          <a:blip r:embed="rId5">
+            <a:extLst>
+              <a:ext uri="{28A0092B-C50C-407E-A947-70E740481C1C}">
+                <a14:useLocalDpi xmlns:a14="http://schemas.microsoft.com/office/drawing/2010/main" val="0"/>
+              </a:ext>
+            </a:extLst>
+          </a:blip>
+          <a:stretch>
+            <a:fillRect/>
+          </a:stretch>
+        </p:blipFill>
+        <p:spPr>
+          <a:xfrm>
+            <a:off x="2661963" y="1330564"/>
+            <a:ext cx="738462" cy="738462"/>
+          </a:xfrm>
+          <a:prstGeom prst="rect">
+            <a:avLst/>
+          </a:prstGeom>
+        </p:spPr>
+      </p:pic>
+      <p:sp>
+        <p:nvSpPr>
+          <p:cNvPr id="8" name="文本框 M">
+            <a:extLst>
+              <a:ext uri="{FF2B5EF4-FFF2-40B4-BE49-F238E27FC236}">
+                <a16:creationId xmlns:a16="http://schemas.microsoft.com/office/drawing/2014/main" id="{17593F07-218D-3B51-5FFF-2B3BD3B4E754}"/>
+              </a:ext>
+            </a:extLst>
+          </p:cNvPr>
+          <p:cNvSpPr txBox="1"/>
+          <p:nvPr/>
+        </p:nvSpPr>
+        <p:spPr>
+          <a:xfrm>
+            <a:off x="1873920" y="2037621"/>
+            <a:ext cx="808600" cy="888651"/>
+          </a:xfrm>
+          <a:prstGeom prst="flowChartAlternateProcess">
+            <a:avLst/>
+          </a:prstGeom>
+          <a:solidFill>
             <a:schemeClr val="bg2">
-              <a:lumMod val="60000"/>
-              <a:lumOff val="40000"/>
+              <a:lumMod val="75000"/>
             </a:schemeClr>
           </a:solidFill>
           <a:ln>
@@ -8495,7 +7889,7 @@
               <a:rPr lang="en-US" altLang="zh-CN" sz="2400" b="1" dirty="0">
                 <a:latin typeface="Bodoni MT Black" panose="02070A03080606020203" pitchFamily="18" charset="0"/>
               </a:rPr>
-              <a:t>MF</a:t>
+              <a:t>M</a:t>
             </a:r>
             <a:endParaRPr lang="zh-CN" altLang="en-US" sz="2400" b="1" dirty="0">
               <a:latin typeface="Bodoni MT Black" panose="02070A03080606020203" pitchFamily="18" charset="0"/>
@@ -8505,10 +7899,10 @@
       </p:sp>
       <p:sp>
         <p:nvSpPr>
-          <p:cNvPr id="21" name="矩形 20">
+          <p:cNvPr id="9" name="矩形 8">
             <a:extLst>
               <a:ext uri="{FF2B5EF4-FFF2-40B4-BE49-F238E27FC236}">
-                <a16:creationId xmlns:a16="http://schemas.microsoft.com/office/drawing/2014/main" id="{2B8ADDEA-45D2-9DEE-B577-8AF307B5A082}"/>
+                <a16:creationId xmlns:a16="http://schemas.microsoft.com/office/drawing/2014/main" id="{4BD5810B-3011-6E5A-C575-0D87EA7B47E1}"/>
               </a:ext>
             </a:extLst>
           </p:cNvPr>
@@ -8517,7 +7911,7 @@
         </p:nvSpPr>
         <p:spPr>
           <a:xfrm>
-            <a:off x="-10396325" y="0"/>
+            <a:off x="-8776828" y="0"/>
             <a:ext cx="10804172" cy="6859534"/>
           </a:xfrm>
           <a:prstGeom prst="rect">
@@ -8525,8 +7919,7 @@
           </a:prstGeom>
           <a:solidFill>
             <a:schemeClr val="bg2">
-              <a:lumMod val="60000"/>
-              <a:lumOff val="40000"/>
+              <a:lumMod val="75000"/>
             </a:schemeClr>
           </a:solidFill>
           <a:ln>
@@ -8558,6 +7951,246 @@
           </a:p>
         </p:txBody>
       </p:sp>
+      <p:sp>
+        <p:nvSpPr>
+          <p:cNvPr id="13" name="文本框 MI">
+            <a:extLst>
+              <a:ext uri="{FF2B5EF4-FFF2-40B4-BE49-F238E27FC236}">
+                <a16:creationId xmlns:a16="http://schemas.microsoft.com/office/drawing/2014/main" id="{639F4C49-2D9D-548F-092F-5A740BB0FB64}"/>
+              </a:ext>
+            </a:extLst>
+          </p:cNvPr>
+          <p:cNvSpPr txBox="1"/>
+          <p:nvPr/>
+        </p:nvSpPr>
+        <p:spPr>
+          <a:xfrm>
+            <a:off x="1057831" y="3041052"/>
+            <a:ext cx="808600" cy="888651"/>
+          </a:xfrm>
+          <a:prstGeom prst="flowChartAlternateProcess">
+            <a:avLst/>
+          </a:prstGeom>
+          <a:solidFill>
+            <a:srgbClr val="4E607A"/>
+          </a:solidFill>
+          <a:ln>
+            <a:noFill/>
+          </a:ln>
+          <a:effectLst>
+            <a:outerShdw blurRad="50800" dist="38100" algn="l" rotWithShape="0">
+              <a:prstClr val="black">
+                <a:alpha val="40000"/>
+              </a:prstClr>
+            </a:outerShdw>
+            <a:softEdge rad="0"/>
+          </a:effectLst>
+        </p:spPr>
+        <p:style>
+          <a:lnRef idx="3">
+            <a:schemeClr val="lt1"/>
+          </a:lnRef>
+          <a:fillRef idx="1">
+            <a:schemeClr val="accent1"/>
+          </a:fillRef>
+          <a:effectRef idx="1">
+            <a:schemeClr val="accent1"/>
+          </a:effectRef>
+          <a:fontRef idx="minor">
+            <a:schemeClr val="lt1"/>
+          </a:fontRef>
+        </p:style>
+        <p:txBody>
+          <a:bodyPr wrap="square" rtlCol="0" anchor="ctr" anchorCtr="0">
+            <a:noAutofit/>
+          </a:bodyPr>
+          <a:lstStyle/>
+          <a:p>
+            <a:pPr algn="ctr"/>
+            <a:r>
+              <a:rPr lang="en-US" altLang="zh-CN" sz="2400" b="1" dirty="0">
+                <a:latin typeface="Bodoni MT Black" panose="02070A03080606020203" pitchFamily="18" charset="0"/>
+              </a:rPr>
+              <a:t>MI</a:t>
+            </a:r>
+            <a:endParaRPr lang="zh-CN" altLang="en-US" sz="2400" b="1" dirty="0">
+              <a:latin typeface="Bodoni MT Black" panose="02070A03080606020203" pitchFamily="18" charset="0"/>
+            </a:endParaRPr>
+          </a:p>
+        </p:txBody>
+      </p:sp>
+      <p:sp>
+        <p:nvSpPr>
+          <p:cNvPr id="14" name="矩形 13">
+            <a:extLst>
+              <a:ext uri="{FF2B5EF4-FFF2-40B4-BE49-F238E27FC236}">
+                <a16:creationId xmlns:a16="http://schemas.microsoft.com/office/drawing/2014/main" id="{AE00B959-9713-4F96-2D07-989385768095}"/>
+              </a:ext>
+            </a:extLst>
+          </p:cNvPr>
+          <p:cNvSpPr/>
+          <p:nvPr/>
+        </p:nvSpPr>
+        <p:spPr>
+          <a:xfrm>
+            <a:off x="-9592917" y="0"/>
+            <a:ext cx="10804172" cy="6859534"/>
+          </a:xfrm>
+          <a:prstGeom prst="rect">
+            <a:avLst/>
+          </a:prstGeom>
+          <a:solidFill>
+            <a:srgbClr val="4E607A"/>
+          </a:solidFill>
+          <a:ln>
+            <a:noFill/>
+          </a:ln>
+        </p:spPr>
+        <p:style>
+          <a:lnRef idx="2">
+            <a:schemeClr val="accent1">
+              <a:shade val="50000"/>
+            </a:schemeClr>
+          </a:lnRef>
+          <a:fillRef idx="1">
+            <a:schemeClr val="accent1"/>
+          </a:fillRef>
+          <a:effectRef idx="0">
+            <a:schemeClr val="accent1"/>
+          </a:effectRef>
+          <a:fontRef idx="minor">
+            <a:schemeClr val="lt1"/>
+          </a:fontRef>
+        </p:style>
+        <p:txBody>
+          <a:bodyPr rtlCol="0" anchor="ctr"/>
+          <a:lstStyle/>
+          <a:p>
+            <a:pPr algn="ctr"/>
+            <a:endParaRPr lang="zh-CN" altLang="en-US" dirty="0"/>
+          </a:p>
+        </p:txBody>
+      </p:sp>
+      <p:sp>
+        <p:nvSpPr>
+          <p:cNvPr id="19" name="文本框 MF">
+            <a:extLst>
+              <a:ext uri="{FF2B5EF4-FFF2-40B4-BE49-F238E27FC236}">
+                <a16:creationId xmlns:a16="http://schemas.microsoft.com/office/drawing/2014/main" id="{C70A4406-617C-9314-67A8-E94F551E4BD1}"/>
+              </a:ext>
+            </a:extLst>
+          </p:cNvPr>
+          <p:cNvSpPr txBox="1"/>
+          <p:nvPr/>
+        </p:nvSpPr>
+        <p:spPr>
+          <a:xfrm>
+            <a:off x="254423" y="4061331"/>
+            <a:ext cx="808600" cy="888651"/>
+          </a:xfrm>
+          <a:prstGeom prst="flowChartAlternateProcess">
+            <a:avLst/>
+          </a:prstGeom>
+          <a:solidFill>
+            <a:schemeClr val="accent5"/>
+          </a:solidFill>
+          <a:ln>
+            <a:noFill/>
+          </a:ln>
+          <a:effectLst>
+            <a:outerShdw blurRad="50800" dist="38100" algn="l" rotWithShape="0">
+              <a:prstClr val="black">
+                <a:alpha val="40000"/>
+              </a:prstClr>
+            </a:outerShdw>
+            <a:softEdge rad="0"/>
+          </a:effectLst>
+        </p:spPr>
+        <p:style>
+          <a:lnRef idx="3">
+            <a:schemeClr val="lt1"/>
+          </a:lnRef>
+          <a:fillRef idx="1">
+            <a:schemeClr val="accent1"/>
+          </a:fillRef>
+          <a:effectRef idx="1">
+            <a:schemeClr val="accent1"/>
+          </a:effectRef>
+          <a:fontRef idx="minor">
+            <a:schemeClr val="lt1"/>
+          </a:fontRef>
+        </p:style>
+        <p:txBody>
+          <a:bodyPr wrap="square" rtlCol="0" anchor="ctr" anchorCtr="0">
+            <a:noAutofit/>
+          </a:bodyPr>
+          <a:lstStyle/>
+          <a:p>
+            <a:pPr algn="ctr"/>
+            <a:r>
+              <a:rPr lang="en-US" altLang="zh-CN" sz="2400" b="1" dirty="0">
+                <a:latin typeface="Bodoni MT Black" panose="02070A03080606020203" pitchFamily="18" charset="0"/>
+              </a:rPr>
+              <a:t>MF</a:t>
+            </a:r>
+            <a:endParaRPr lang="zh-CN" altLang="en-US" sz="2400" b="1" dirty="0">
+              <a:latin typeface="Bodoni MT Black" panose="02070A03080606020203" pitchFamily="18" charset="0"/>
+            </a:endParaRPr>
+          </a:p>
+        </p:txBody>
+      </p:sp>
+      <p:sp>
+        <p:nvSpPr>
+          <p:cNvPr id="21" name="矩形 20">
+            <a:extLst>
+              <a:ext uri="{FF2B5EF4-FFF2-40B4-BE49-F238E27FC236}">
+                <a16:creationId xmlns:a16="http://schemas.microsoft.com/office/drawing/2014/main" id="{2B8ADDEA-45D2-9DEE-B577-8AF307B5A082}"/>
+              </a:ext>
+            </a:extLst>
+          </p:cNvPr>
+          <p:cNvSpPr/>
+          <p:nvPr/>
+        </p:nvSpPr>
+        <p:spPr>
+          <a:xfrm>
+            <a:off x="-10396325" y="0"/>
+            <a:ext cx="10804172" cy="6859534"/>
+          </a:xfrm>
+          <a:prstGeom prst="rect">
+            <a:avLst/>
+          </a:prstGeom>
+          <a:solidFill>
+            <a:schemeClr val="accent5"/>
+          </a:solidFill>
+          <a:ln>
+            <a:noFill/>
+          </a:ln>
+        </p:spPr>
+        <p:style>
+          <a:lnRef idx="2">
+            <a:schemeClr val="accent1">
+              <a:shade val="50000"/>
+            </a:schemeClr>
+          </a:lnRef>
+          <a:fillRef idx="1">
+            <a:schemeClr val="accent1"/>
+          </a:fillRef>
+          <a:effectRef idx="0">
+            <a:schemeClr val="accent1"/>
+          </a:effectRef>
+          <a:fontRef idx="minor">
+            <a:schemeClr val="lt1"/>
+          </a:fontRef>
+        </p:style>
+        <p:txBody>
+          <a:bodyPr rtlCol="0" anchor="ctr"/>
+          <a:lstStyle/>
+          <a:p>
+            <a:pPr algn="ctr"/>
+            <a:endParaRPr lang="zh-CN" altLang="en-US" dirty="0"/>
+          </a:p>
+        </p:txBody>
+      </p:sp>
     </p:spTree>
     <p:extLst>
       <p:ext uri="{BB962C8B-B14F-4D97-AF65-F5344CB8AC3E}">
@@ -8568,14 +8201,6 @@
   <p:clrMapOvr>
     <a:masterClrMapping/>
   </p:clrMapOvr>
-  <mc:AlternateContent xmlns:mc="http://schemas.openxmlformats.org/markup-compatibility/2006">
-    <mc:Choice xmlns:p14="http://schemas.microsoft.com/office/powerpoint/2010/main" Requires="p14">
-      <p:transition spd="slow" p14:dur="1200"/>
-    </mc:Choice>
-    <mc:Fallback>
-      <p:transition spd="slow"/>
-    </mc:Fallback>
-  </mc:AlternateContent>
   <p:timing>
     <p:tnLst>
       <p:par>
@@ -8888,75 +8513,6 @@
           <a:chExt cx="0" cy="0"/>
         </a:xfrm>
       </p:grpSpPr>
-      <p:sp>
-        <p:nvSpPr>
-          <p:cNvPr id="24" name="文本框 23">
-            <a:extLst>
-              <a:ext uri="{FF2B5EF4-FFF2-40B4-BE49-F238E27FC236}">
-                <a16:creationId xmlns:a16="http://schemas.microsoft.com/office/drawing/2014/main" id="{43F4D322-D0C5-BD62-97BA-68E1B237C85A}"/>
-              </a:ext>
-            </a:extLst>
-          </p:cNvPr>
-          <p:cNvSpPr txBox="1"/>
-          <p:nvPr/>
-        </p:nvSpPr>
-        <p:spPr>
-          <a:xfrm>
-            <a:off x="1893780" y="728133"/>
-            <a:ext cx="8266220" cy="5109091"/>
-          </a:xfrm>
-          <a:prstGeom prst="rect">
-            <a:avLst/>
-          </a:prstGeom>
-          <a:noFill/>
-        </p:spPr>
-        <p:txBody>
-          <a:bodyPr wrap="square" rtlCol="0">
-            <a:spAutoFit/>
-          </a:bodyPr>
-          <a:lstStyle/>
-          <a:p>
-            <a:pPr algn="ctr"/>
-            <a:r>
-              <a:rPr lang="en-US" altLang="zh-CN" sz="32600" b="1" dirty="0">
-                <a:solidFill>
-                  <a:schemeClr val="accent1">
-                    <a:lumMod val="60000"/>
-                    <a:lumOff val="40000"/>
-                    <a:alpha val="37000"/>
-                  </a:schemeClr>
-                </a:solidFill>
-                <a:effectLst>
-                  <a:outerShdw blurRad="50800" dist="50800" dir="5400000" sx="105000" sy="105000" algn="ctr" rotWithShape="0">
-                    <a:srgbClr val="000000">
-                      <a:alpha val="28000"/>
-                    </a:srgbClr>
-                  </a:outerShdw>
-                </a:effectLst>
-                <a:latin typeface="Cooper Black" panose="0208090404030B020404" pitchFamily="18" charset="0"/>
-              </a:rPr>
-              <a:t>M</a:t>
-            </a:r>
-            <a:endParaRPr lang="zh-CN" altLang="en-US" sz="32600" b="1" dirty="0">
-              <a:solidFill>
-                <a:schemeClr val="accent1">
-                  <a:lumMod val="60000"/>
-                  <a:lumOff val="40000"/>
-                  <a:alpha val="37000"/>
-                </a:schemeClr>
-              </a:solidFill>
-              <a:effectLst>
-                <a:outerShdw blurRad="50800" dist="50800" dir="5400000" sx="105000" sy="105000" algn="ctr" rotWithShape="0">
-                  <a:srgbClr val="000000">
-                    <a:alpha val="28000"/>
-                  </a:srgbClr>
-                </a:outerShdw>
-              </a:effectLst>
-              <a:latin typeface="Cooper Black" panose="0208090404030B020404" pitchFamily="18" charset="0"/>
-            </a:endParaRPr>
-          </a:p>
-        </p:txBody>
-      </p:sp>
       <p:grpSp>
         <p:nvGrpSpPr>
           <p:cNvPr id="22" name="组合 21">
@@ -9281,8 +8837,8 @@
         </p:nvSpPr>
         <p:spPr>
           <a:xfrm>
-            <a:off x="2975948" y="2920880"/>
-            <a:ext cx="6938118" cy="923330"/>
+            <a:off x="3322197" y="2920880"/>
+            <a:ext cx="6245621" cy="923330"/>
           </a:xfrm>
           <a:prstGeom prst="rect">
             <a:avLst/>
@@ -9312,7 +8868,7 @@
                   </a:outerShdw>
                 </a:effectLst>
               </a:rPr>
-              <a:t>材质蓝图（</a:t>
+              <a:t>母材质（</a:t>
             </a:r>
             <a:r>
               <a:rPr lang="en-US" altLang="zh-CN" sz="5400" b="1" dirty="0">
@@ -9367,7 +8923,7 @@
         </p:nvGrpSpPr>
         <p:grpSpPr>
           <a:xfrm>
-            <a:off x="-8771984" y="3934"/>
+            <a:off x="-8776828" y="0"/>
             <a:ext cx="11459348" cy="6859534"/>
             <a:chOff x="-1543570" y="-1534"/>
             <a:chExt cx="11459348" cy="6859534"/>
@@ -9500,344 +9056,7 @@
       </p:grpSp>
       <p:grpSp>
         <p:nvGrpSpPr>
-          <p:cNvPr id="39" name="组合 38">
-            <a:extLst>
-              <a:ext uri="{FF2B5EF4-FFF2-40B4-BE49-F238E27FC236}">
-                <a16:creationId xmlns:a16="http://schemas.microsoft.com/office/drawing/2014/main" id="{FCD782E4-DFFC-7231-C06E-B62BA4DD83AD}"/>
-              </a:ext>
-            </a:extLst>
-          </p:cNvPr>
-          <p:cNvGrpSpPr/>
-          <p:nvPr/>
-        </p:nvGrpSpPr>
-        <p:grpSpPr>
-          <a:xfrm>
-            <a:off x="-8239248" y="28400"/>
-            <a:ext cx="9588109" cy="6801200"/>
-            <a:chOff x="571891" y="28400"/>
-            <a:chExt cx="9588109" cy="6801200"/>
-          </a:xfrm>
-        </p:grpSpPr>
-        <p:pic>
-          <p:nvPicPr>
-            <p:cNvPr id="34" name="图片 33">
-              <a:extLst>
-                <a:ext uri="{FF2B5EF4-FFF2-40B4-BE49-F238E27FC236}">
-                  <a16:creationId xmlns:a16="http://schemas.microsoft.com/office/drawing/2014/main" id="{467C1BE2-1220-343F-C03C-F49F6CF6B2BF}"/>
-                </a:ext>
-              </a:extLst>
-            </p:cNvPr>
-            <p:cNvPicPr>
-              <a:picLocks noChangeAspect="1"/>
-            </p:cNvPicPr>
-            <p:nvPr/>
-          </p:nvPicPr>
-          <p:blipFill>
-            <a:blip r:embed="rId6"/>
-            <a:stretch>
-              <a:fillRect/>
-            </a:stretch>
-          </p:blipFill>
-          <p:spPr>
-            <a:xfrm>
-              <a:off x="571891" y="28400"/>
-              <a:ext cx="9309578" cy="6801200"/>
-            </a:xfrm>
-            <a:prstGeom prst="rect">
-              <a:avLst/>
-            </a:prstGeom>
-            <a:effectLst>
-              <a:softEdge rad="889000"/>
-            </a:effectLst>
-          </p:spPr>
-        </p:pic>
-        <p:sp>
-          <p:nvSpPr>
-            <p:cNvPr id="35" name="文本框 34">
-              <a:extLst>
-                <a:ext uri="{FF2B5EF4-FFF2-40B4-BE49-F238E27FC236}">
-                  <a16:creationId xmlns:a16="http://schemas.microsoft.com/office/drawing/2014/main" id="{2ED7193D-50AE-450A-711E-8F131DF26B41}"/>
-                </a:ext>
-              </a:extLst>
-            </p:cNvPr>
-            <p:cNvSpPr txBox="1"/>
-            <p:nvPr/>
-          </p:nvSpPr>
-          <p:spPr>
-            <a:xfrm>
-              <a:off x="2406879" y="330822"/>
-              <a:ext cx="6159448" cy="1077218"/>
-            </a:xfrm>
-            <a:prstGeom prst="rect">
-              <a:avLst/>
-            </a:prstGeom>
-            <a:noFill/>
-          </p:spPr>
-          <p:txBody>
-            <a:bodyPr wrap="square" rtlCol="0">
-              <a:spAutoFit/>
-            </a:bodyPr>
-            <a:lstStyle/>
-            <a:p>
-              <a:pPr algn="ctr"/>
-              <a:r>
-                <a:rPr lang="zh-CN" altLang="en-US" sz="2800" b="1" dirty="0">
-                  <a:solidFill>
-                    <a:schemeClr val="accent6">
-                      <a:lumMod val="60000"/>
-                      <a:lumOff val="40000"/>
-                    </a:schemeClr>
-                  </a:solidFill>
-                </a:rPr>
-                <a:t>常用材质节点</a:t>
-              </a:r>
-              <a:endParaRPr lang="en-US" altLang="zh-CN" sz="2800" b="1" dirty="0">
-                <a:solidFill>
-                  <a:schemeClr val="accent6">
-                    <a:lumMod val="60000"/>
-                    <a:lumOff val="40000"/>
-                  </a:schemeClr>
-                </a:solidFill>
-              </a:endParaRPr>
-            </a:p>
-            <a:p>
-              <a:endParaRPr lang="en-US" altLang="zh-CN" dirty="0"/>
-            </a:p>
-            <a:p>
-              <a:r>
-                <a:rPr lang="zh-CN" altLang="en-US" dirty="0"/>
-                <a:t>乘（</a:t>
-              </a:r>
-              <a:r>
-                <a:rPr lang="en-US" altLang="zh-CN" dirty="0"/>
-                <a:t>m</a:t>
-              </a:r>
-              <a:r>
-                <a:rPr lang="zh-CN" altLang="en-US" dirty="0"/>
-                <a:t>）</a:t>
-              </a:r>
-              <a:r>
-                <a:rPr lang="en-US" altLang="zh-CN" dirty="0"/>
-                <a:t>              </a:t>
-              </a:r>
-              <a:r>
-                <a:rPr lang="zh-CN" altLang="en-US" dirty="0"/>
-                <a:t>除（</a:t>
-              </a:r>
-              <a:r>
-                <a:rPr lang="en-US" altLang="zh-CN" dirty="0"/>
-                <a:t>d</a:t>
-              </a:r>
-              <a:r>
-                <a:rPr lang="zh-CN" altLang="en-US" dirty="0"/>
-                <a:t>）</a:t>
-              </a:r>
-              <a:r>
-                <a:rPr lang="en-US" altLang="zh-CN" dirty="0"/>
-                <a:t>            </a:t>
-              </a:r>
-              <a:r>
-                <a:rPr lang="zh-CN" altLang="en-US" dirty="0"/>
-                <a:t>加（</a:t>
-              </a:r>
-              <a:r>
-                <a:rPr lang="en-US" altLang="zh-CN" dirty="0"/>
-                <a:t>a</a:t>
-              </a:r>
-              <a:r>
-                <a:rPr lang="zh-CN" altLang="en-US" dirty="0"/>
-                <a:t>）</a:t>
-              </a:r>
-              <a:r>
-                <a:rPr lang="en-US" altLang="zh-CN" dirty="0"/>
-                <a:t>               </a:t>
-              </a:r>
-              <a:r>
-                <a:rPr lang="zh-CN" altLang="en-US" dirty="0"/>
-                <a:t>减  </a:t>
-              </a:r>
-              <a:r>
-                <a:rPr lang="en-US" altLang="zh-CN" dirty="0"/>
-                <a:t>-</a:t>
-              </a:r>
-              <a:endParaRPr lang="zh-CN" altLang="en-US" dirty="0"/>
-            </a:p>
-          </p:txBody>
-        </p:sp>
-        <p:sp>
-          <p:nvSpPr>
-            <p:cNvPr id="38" name="文本框 37">
-              <a:extLst>
-                <a:ext uri="{FF2B5EF4-FFF2-40B4-BE49-F238E27FC236}">
-                  <a16:creationId xmlns:a16="http://schemas.microsoft.com/office/drawing/2014/main" id="{EDCC7B75-A81D-7729-4ECC-29AC59180CE5}"/>
-                </a:ext>
-              </a:extLst>
-            </p:cNvPr>
-            <p:cNvSpPr txBox="1"/>
-            <p:nvPr/>
-          </p:nvSpPr>
-          <p:spPr>
-            <a:xfrm>
-              <a:off x="2406879" y="2821251"/>
-              <a:ext cx="7753121" cy="3416320"/>
-            </a:xfrm>
-            <a:prstGeom prst="rect">
-              <a:avLst/>
-            </a:prstGeom>
-            <a:noFill/>
-          </p:spPr>
-          <p:txBody>
-            <a:bodyPr wrap="square" rtlCol="0">
-              <a:spAutoFit/>
-            </a:bodyPr>
-            <a:lstStyle/>
-            <a:p>
-              <a:r>
-                <a:rPr lang="en-US" altLang="zh-CN" dirty="0"/>
-                <a:t>UV</a:t>
-              </a:r>
-              <a:r>
-                <a:rPr lang="zh-CN" altLang="en-US" dirty="0"/>
-                <a:t>（</a:t>
-              </a:r>
-              <a:r>
-                <a:rPr lang="en-US" altLang="zh-CN" dirty="0"/>
-                <a:t>u</a:t>
-              </a:r>
-              <a:r>
-                <a:rPr lang="zh-CN" altLang="en-US" dirty="0"/>
-                <a:t>）</a:t>
-              </a:r>
-              <a:r>
-                <a:rPr lang="en-US" altLang="zh-CN" dirty="0"/>
-                <a:t>                </a:t>
-              </a:r>
-              <a:r>
-                <a:rPr lang="zh-CN" altLang="en-US" dirty="0"/>
-                <a:t>贴图（</a:t>
-              </a:r>
-              <a:r>
-                <a:rPr lang="en-US" altLang="zh-CN" dirty="0"/>
-                <a:t>t</a:t>
-              </a:r>
-              <a:r>
-                <a:rPr lang="zh-CN" altLang="en-US" dirty="0"/>
-                <a:t>）</a:t>
-              </a:r>
-              <a:r>
-                <a:rPr lang="en-US" altLang="zh-CN" dirty="0"/>
-                <a:t>          </a:t>
-              </a:r>
-              <a:r>
-                <a:rPr lang="zh-CN" altLang="en-US" dirty="0"/>
-                <a:t>一维常数（</a:t>
-              </a:r>
-              <a:r>
-                <a:rPr lang="en-US" altLang="zh-CN" dirty="0"/>
-                <a:t>1</a:t>
-              </a:r>
-              <a:r>
-                <a:rPr lang="zh-CN" altLang="en-US" dirty="0"/>
-                <a:t>）</a:t>
-              </a:r>
-              <a:r>
-                <a:rPr lang="en-US" altLang="zh-CN" dirty="0"/>
-                <a:t> </a:t>
-              </a:r>
-              <a:r>
-                <a:rPr lang="zh-CN" altLang="en-US" dirty="0"/>
-                <a:t>暴露常数（</a:t>
-              </a:r>
-              <a:r>
-                <a:rPr lang="en-US" altLang="zh-CN" dirty="0"/>
-                <a:t>s</a:t>
-              </a:r>
-              <a:r>
-                <a:rPr lang="zh-CN" altLang="en-US" dirty="0"/>
-                <a:t>）</a:t>
-              </a:r>
-              <a:endParaRPr lang="en-US" altLang="zh-CN" dirty="0"/>
-            </a:p>
-            <a:p>
-              <a:endParaRPr lang="en-US" altLang="zh-CN" dirty="0"/>
-            </a:p>
-            <a:p>
-              <a:endParaRPr lang="en-US" altLang="zh-CN" dirty="0"/>
-            </a:p>
-            <a:p>
-              <a:endParaRPr lang="en-US" altLang="zh-CN" dirty="0"/>
-            </a:p>
-            <a:p>
-              <a:endParaRPr lang="en-US" altLang="zh-CN" dirty="0"/>
-            </a:p>
-            <a:p>
-              <a:endParaRPr lang="en-US" altLang="zh-CN" dirty="0"/>
-            </a:p>
-            <a:p>
-              <a:endParaRPr lang="en-US" altLang="zh-CN" dirty="0"/>
-            </a:p>
-            <a:p>
-              <a:endParaRPr lang="en-US" altLang="zh-CN" dirty="0"/>
-            </a:p>
-            <a:p>
-              <a:endParaRPr lang="en-US" altLang="zh-CN" dirty="0"/>
-            </a:p>
-            <a:p>
-              <a:endParaRPr lang="en-US" altLang="zh-CN" dirty="0"/>
-            </a:p>
-            <a:p>
-              <a:endParaRPr lang="en-US" altLang="zh-CN" dirty="0"/>
-            </a:p>
-            <a:p>
-              <a:r>
-                <a:rPr lang="zh-CN" altLang="en-US" dirty="0"/>
-                <a:t> </a:t>
-              </a:r>
-              <a:r>
-                <a:rPr lang="zh-CN" altLang="en-US" dirty="0">
-                  <a:solidFill>
-                    <a:srgbClr val="C00000"/>
-                  </a:solidFill>
-                </a:rPr>
-                <a:t>按住</a:t>
-              </a:r>
-              <a:r>
-                <a:rPr lang="zh-CN" altLang="en-US" dirty="0">
-                  <a:solidFill>
-                    <a:schemeClr val="accent6">
-                      <a:lumMod val="60000"/>
-                      <a:lumOff val="40000"/>
-                    </a:schemeClr>
-                  </a:solidFill>
-                </a:rPr>
-                <a:t>括号中的快捷键再点击</a:t>
-              </a:r>
-              <a:r>
-                <a:rPr lang="zh-CN" altLang="en-US" dirty="0">
-                  <a:solidFill>
-                    <a:srgbClr val="C00000"/>
-                  </a:solidFill>
-                </a:rPr>
-                <a:t>鼠标左键</a:t>
-              </a:r>
-              <a:r>
-                <a:rPr lang="zh-CN" altLang="en-US" dirty="0">
-                  <a:solidFill>
-                    <a:schemeClr val="accent6">
-                      <a:lumMod val="60000"/>
-                      <a:lumOff val="40000"/>
-                    </a:schemeClr>
-                  </a:solidFill>
-                </a:rPr>
-                <a:t>可以快速创建相应节点</a:t>
-              </a:r>
-            </a:p>
-          </p:txBody>
-        </p:sp>
-      </p:grpSp>
-      <p:grpSp>
-        <p:nvGrpSpPr>
-          <p:cNvPr id="12" name="组合 11">
+          <p:cNvPr id="12" name="组合 11" hidden="1">
             <a:extLst>
               <a:ext uri="{FF2B5EF4-FFF2-40B4-BE49-F238E27FC236}">
                 <a16:creationId xmlns:a16="http://schemas.microsoft.com/office/drawing/2014/main" id="{B2951025-4466-F7EF-45C6-A3CB7EF1CC66}"/>
@@ -9978,7 +9197,7 @@
       </p:grpSp>
       <p:grpSp>
         <p:nvGrpSpPr>
-          <p:cNvPr id="18" name="组合 17">
+          <p:cNvPr id="18" name="组合 17" hidden="1">
             <a:extLst>
               <a:ext uri="{FF2B5EF4-FFF2-40B4-BE49-F238E27FC236}">
                 <a16:creationId xmlns:a16="http://schemas.microsoft.com/office/drawing/2014/main" id="{7F6BD44A-0418-7275-D2E9-F6673D940EE8}"/>
@@ -10123,258 +9342,6 @@
           </p:txBody>
         </p:sp>
       </p:grpSp>
-      <p:pic>
-        <p:nvPicPr>
-          <p:cNvPr id="41" name="图片 40">
-            <a:extLst>
-              <a:ext uri="{FF2B5EF4-FFF2-40B4-BE49-F238E27FC236}">
-                <a16:creationId xmlns:a16="http://schemas.microsoft.com/office/drawing/2014/main" id="{CF238BC2-34D8-7219-FE0A-E77FB2C6BDC0}"/>
-              </a:ext>
-            </a:extLst>
-          </p:cNvPr>
-          <p:cNvPicPr>
-            <a:picLocks noChangeAspect="1"/>
-          </p:cNvPicPr>
-          <p:nvPr/>
-        </p:nvPicPr>
-        <p:blipFill>
-          <a:blip r:embed="rId7"/>
-          <a:stretch>
-            <a:fillRect/>
-          </a:stretch>
-        </p:blipFill>
-        <p:spPr>
-          <a:xfrm>
-            <a:off x="3206882" y="1307821"/>
-            <a:ext cx="5162815" cy="4102311"/>
-          </a:xfrm>
-          <a:prstGeom prst="rect">
-            <a:avLst/>
-          </a:prstGeom>
-          <a:effectLst>
-            <a:softEdge rad="749300"/>
-          </a:effectLst>
-        </p:spPr>
-      </p:pic>
-      <p:grpSp>
-        <p:nvGrpSpPr>
-          <p:cNvPr id="54" name="组合 53">
-            <a:extLst>
-              <a:ext uri="{FF2B5EF4-FFF2-40B4-BE49-F238E27FC236}">
-                <a16:creationId xmlns:a16="http://schemas.microsoft.com/office/drawing/2014/main" id="{16DA4CAB-7B23-776D-2348-5F1298CB41A9}"/>
-              </a:ext>
-            </a:extLst>
-          </p:cNvPr>
-          <p:cNvGrpSpPr/>
-          <p:nvPr/>
-        </p:nvGrpSpPr>
-        <p:grpSpPr>
-          <a:xfrm>
-            <a:off x="3653629" y="2654469"/>
-            <a:ext cx="4743417" cy="2062103"/>
-            <a:chOff x="3653629" y="2654469"/>
-            <a:chExt cx="4743417" cy="2062103"/>
-          </a:xfrm>
-        </p:grpSpPr>
-        <mc:AlternateContent xmlns:mc="http://schemas.openxmlformats.org/markup-compatibility/2006">
-          <mc:Choice xmlns:p14="http://schemas.microsoft.com/office/powerpoint/2010/main" Requires="p14">
-            <p:contentPart p14:bwMode="auto" r:id="rId8">
-              <p14:nvContentPartPr>
-                <p14:cNvPr id="49" name="墨迹 48">
-                  <a:extLst>
-                    <a:ext uri="{FF2B5EF4-FFF2-40B4-BE49-F238E27FC236}">
-                      <a16:creationId xmlns:a16="http://schemas.microsoft.com/office/drawing/2014/main" id="{EF5810F4-EA39-284A-5EA1-0CB87D6BD9F2}"/>
-                    </a:ext>
-                  </a:extLst>
-                </p14:cNvPr>
-                <p14:cNvContentPartPr/>
-                <p14:nvPr/>
-              </p14:nvContentPartPr>
-              <p14:xfrm rot="21216501">
-                <a:off x="4100656" y="4083071"/>
-                <a:ext cx="758138" cy="275980"/>
-              </p14:xfrm>
-            </p:contentPart>
-          </mc:Choice>
-          <mc:Fallback>
-            <p:pic>
-              <p:nvPicPr>
-                <p:cNvPr id="49" name="墨迹 48">
-                  <a:extLst>
-                    <a:ext uri="{FF2B5EF4-FFF2-40B4-BE49-F238E27FC236}">
-                      <a16:creationId xmlns:a16="http://schemas.microsoft.com/office/drawing/2014/main" id="{EF5810F4-EA39-284A-5EA1-0CB87D6BD9F2}"/>
-                    </a:ext>
-                  </a:extLst>
-                </p:cNvPr>
-                <p:cNvPicPr/>
-                <p:nvPr/>
-              </p:nvPicPr>
-              <p:blipFill>
-                <a:blip r:embed="rId9"/>
-                <a:stretch>
-                  <a:fillRect/>
-                </a:stretch>
-              </p:blipFill>
-              <p:spPr>
-                <a:xfrm rot="21216501">
-                  <a:off x="4091652" y="4074064"/>
-                  <a:ext cx="775786" cy="293634"/>
-                </a:xfrm>
-                <a:prstGeom prst="rect">
-                  <a:avLst/>
-                </a:prstGeom>
-              </p:spPr>
-            </p:pic>
-          </mc:Fallback>
-        </mc:AlternateContent>
-        <mc:AlternateContent xmlns:mc="http://schemas.openxmlformats.org/markup-compatibility/2006">
-          <mc:Choice xmlns:p14="http://schemas.microsoft.com/office/powerpoint/2010/main" Requires="p14">
-            <p:contentPart p14:bwMode="auto" r:id="rId10">
-              <p14:nvContentPartPr>
-                <p14:cNvPr id="51" name="墨迹 50">
-                  <a:extLst>
-                    <a:ext uri="{FF2B5EF4-FFF2-40B4-BE49-F238E27FC236}">
-                      <a16:creationId xmlns:a16="http://schemas.microsoft.com/office/drawing/2014/main" id="{818A49CE-289D-0C06-82E1-936C166099C0}"/>
-                    </a:ext>
-                  </a:extLst>
-                </p14:cNvPr>
-                <p14:cNvContentPartPr/>
-                <p14:nvPr/>
-              </p14:nvContentPartPr>
-              <p14:xfrm rot="21216501">
-                <a:off x="4765524" y="4071349"/>
-                <a:ext cx="75960" cy="134280"/>
-              </p14:xfrm>
-            </p:contentPart>
-          </mc:Choice>
-          <mc:Fallback>
-            <p:pic>
-              <p:nvPicPr>
-                <p:cNvPr id="51" name="墨迹 50">
-                  <a:extLst>
-                    <a:ext uri="{FF2B5EF4-FFF2-40B4-BE49-F238E27FC236}">
-                      <a16:creationId xmlns:a16="http://schemas.microsoft.com/office/drawing/2014/main" id="{818A49CE-289D-0C06-82E1-936C166099C0}"/>
-                    </a:ext>
-                  </a:extLst>
-                </p:cNvPr>
-                <p:cNvPicPr/>
-                <p:nvPr/>
-              </p:nvPicPr>
-              <p:blipFill>
-                <a:blip r:embed="rId11"/>
-                <a:stretch>
-                  <a:fillRect/>
-                </a:stretch>
-              </p:blipFill>
-              <p:spPr>
-                <a:xfrm rot="21216501">
-                  <a:off x="4756884" y="4062349"/>
-                  <a:ext cx="93600" cy="151920"/>
-                </a:xfrm>
-                <a:prstGeom prst="rect">
-                  <a:avLst/>
-                </a:prstGeom>
-              </p:spPr>
-            </p:pic>
-          </mc:Fallback>
-        </mc:AlternateContent>
-        <p:sp>
-          <p:nvSpPr>
-            <p:cNvPr id="53" name="文本框 52">
-              <a:extLst>
-                <a:ext uri="{FF2B5EF4-FFF2-40B4-BE49-F238E27FC236}">
-                  <a16:creationId xmlns:a16="http://schemas.microsoft.com/office/drawing/2014/main" id="{41F89F16-F184-1534-F5F8-B824F567BC6D}"/>
-                </a:ext>
-              </a:extLst>
-            </p:cNvPr>
-            <p:cNvSpPr txBox="1"/>
-            <p:nvPr/>
-          </p:nvSpPr>
-          <p:spPr>
-            <a:xfrm>
-              <a:off x="3653629" y="2654469"/>
-              <a:ext cx="4743417" cy="2062103"/>
-            </a:xfrm>
-            <a:prstGeom prst="rect">
-              <a:avLst/>
-            </a:prstGeom>
-            <a:noFill/>
-          </p:spPr>
-          <p:txBody>
-            <a:bodyPr wrap="square" rtlCol="0">
-              <a:spAutoFit/>
-            </a:bodyPr>
-            <a:lstStyle/>
-            <a:p>
-              <a:r>
-                <a:rPr lang="zh-CN" altLang="en-US" sz="1600" dirty="0">
-                  <a:solidFill>
-                    <a:srgbClr val="92D050"/>
-                  </a:solidFill>
-                </a:rPr>
-                <a:t>  输入锚点                                        输出锚点</a:t>
-              </a:r>
-              <a:endParaRPr lang="en-US" altLang="zh-CN" sz="1600" dirty="0">
-                <a:solidFill>
-                  <a:srgbClr val="92D050"/>
-                </a:solidFill>
-              </a:endParaRPr>
-            </a:p>
-            <a:p>
-              <a:endParaRPr lang="en-US" altLang="zh-CN" sz="1600" dirty="0">
-                <a:solidFill>
-                  <a:srgbClr val="92D050"/>
-                </a:solidFill>
-              </a:endParaRPr>
-            </a:p>
-            <a:p>
-              <a:endParaRPr lang="en-US" altLang="zh-CN" sz="1600" dirty="0">
-                <a:solidFill>
-                  <a:srgbClr val="92D050"/>
-                </a:solidFill>
-              </a:endParaRPr>
-            </a:p>
-            <a:p>
-              <a:endParaRPr lang="en-US" altLang="zh-CN" sz="1600" dirty="0">
-                <a:solidFill>
-                  <a:srgbClr val="92D050"/>
-                </a:solidFill>
-              </a:endParaRPr>
-            </a:p>
-            <a:p>
-              <a:endParaRPr lang="en-US" altLang="zh-CN" sz="1600" dirty="0">
-                <a:solidFill>
-                  <a:srgbClr val="92D050"/>
-                </a:solidFill>
-              </a:endParaRPr>
-            </a:p>
-            <a:p>
-              <a:endParaRPr lang="en-US" altLang="zh-CN" sz="1600" dirty="0">
-                <a:solidFill>
-                  <a:srgbClr val="92D050"/>
-                </a:solidFill>
-              </a:endParaRPr>
-            </a:p>
-            <a:p>
-              <a:endParaRPr lang="en-US" altLang="zh-CN" sz="1600" dirty="0">
-                <a:solidFill>
-                  <a:srgbClr val="92D050"/>
-                </a:solidFill>
-              </a:endParaRPr>
-            </a:p>
-            <a:p>
-              <a:r>
-                <a:rPr lang="zh-CN" altLang="en-US" sz="1600" dirty="0">
-                  <a:solidFill>
-                    <a:srgbClr val="92D050"/>
-                  </a:solidFill>
-                </a:rPr>
-                <a:t>必填项</a:t>
-              </a:r>
-            </a:p>
-          </p:txBody>
-        </p:sp>
-      </p:grpSp>
     </p:spTree>
     <p:extLst>
       <p:ext uri="{BB962C8B-B14F-4D97-AF65-F5344CB8AC3E}">
@@ -10387,14 +9354,14 @@
   </p:clrMapOvr>
   <mc:AlternateContent xmlns:mc="http://schemas.openxmlformats.org/markup-compatibility/2006">
     <mc:Choice xmlns:p14="http://schemas.microsoft.com/office/powerpoint/2010/main" Requires="p14">
-      <p:transition p14:dur="10" advClick="0"/>
+      <p:transition p14:dur="0" advClick="0"/>
     </mc:Choice>
     <mc:Fallback>
       <p:transition advClick="0"/>
     </mc:Fallback>
   </mc:AlternateContent>
-  <mc:AlternateContent xmlns:mc="http://schemas.openxmlformats.org/markup-compatibility/2006">
-    <mc:Choice xmlns:p14="http://schemas.microsoft.com/office/powerpoint/2010/main" Requires="p14">
+  <mc:AlternateContent xmlns:mc="http://schemas.openxmlformats.org/markup-compatibility/2006" xmlns:p14="http://schemas.microsoft.com/office/powerpoint/2010/main">
+    <mc:Choice Requires="p14">
       <p:timing>
         <p:tnLst>
           <p:par>
@@ -10421,7 +9388,7 @@
                                         <p:cond delay="0"/>
                                       </p:stCondLst>
                                       <p:childTnLst>
-                                        <p:animMotion origin="layout" path="M -1.66667E-6 1.48148E-6 L 0.67448 1.48148E-6 " pathEditMode="relative" rAng="0" ptsTypes="AA" p14:bounceEnd="51000">
+                                        <p:animMotion origin="layout" path="M 3.33333E-6 1.48148E-6 L 0.67448 1.48148E-6 " pathEditMode="relative" rAng="0" ptsTypes="AA" p14:bounceEnd="51000">
                                           <p:cBhvr>
                                             <p:cTn id="6" dur="1000" fill="hold"/>
                                             <p:tgtEl>
@@ -10460,36 +9427,14 @@
                                     </p:cTn>
                                   </p:par>
                                   <p:par>
-                                    <p:cTn id="9" presetID="63" presetClass="path" presetSubtype="0" accel="50000" fill="hold" nodeType="withEffect" p14:presetBounceEnd="51000">
-                                      <p:stCondLst>
-                                        <p:cond delay="0"/>
-                                      </p:stCondLst>
-                                      <p:childTnLst>
-                                        <p:animMotion origin="layout" path="M 3.33333E-6 1.48148E-6 L 0.67448 1.48148E-6 " pathEditMode="relative" rAng="0" ptsTypes="AA" p14:bounceEnd="51000">
-                                          <p:cBhvr>
-                                            <p:cTn id="10" dur="1000" fill="hold"/>
-                                            <p:tgtEl>
-                                              <p:spTgt spid="7"/>
-                                            </p:tgtEl>
-                                            <p:attrNameLst>
-                                              <p:attrName>ppt_x</p:attrName>
-                                              <p:attrName>ppt_y</p:attrName>
-                                            </p:attrNameLst>
-                                          </p:cBhvr>
-                                          <p:rCtr x="33724" y="0"/>
-                                        </p:animMotion>
-                                      </p:childTnLst>
-                                    </p:cTn>
-                                  </p:par>
-                                  <p:par>
-                                    <p:cTn id="11" presetID="35" presetClass="path" presetSubtype="0" accel="50000" decel="50000" fill="hold" nodeType="withEffect">
+                                    <p:cTn id="9" presetID="35" presetClass="path" presetSubtype="0" accel="50000" decel="50000" fill="hold" nodeType="withEffect">
                                       <p:stCondLst>
                                         <p:cond delay="0"/>
                                       </p:stCondLst>
                                       <p:childTnLst>
                                         <p:animMotion origin="layout" path="M -3.125E-6 0 L -0.25 0 " pathEditMode="relative" rAng="0" ptsTypes="AA">
                                           <p:cBhvr>
-                                            <p:cTn id="12" dur="1000" fill="hold"/>
+                                            <p:cTn id="10" dur="1000" fill="hold"/>
                                             <p:tgtEl>
                                               <p:spTgt spid="12"/>
                                             </p:tgtEl>
@@ -10504,14 +9449,14 @@
                                     </p:cTn>
                                   </p:par>
                                   <p:par>
-                                    <p:cTn id="13" presetID="35" presetClass="path" presetSubtype="0" accel="50000" decel="50000" fill="hold" nodeType="withEffect">
+                                    <p:cTn id="11" presetID="35" presetClass="path" presetSubtype="0" accel="50000" decel="50000" fill="hold" nodeType="withEffect">
                                       <p:stCondLst>
                                         <p:cond delay="0"/>
                                       </p:stCondLst>
                                       <p:childTnLst>
                                         <p:animMotion origin="layout" path="M 2.29167E-6 0 L -0.25 0 " pathEditMode="relative" rAng="0" ptsTypes="AA">
                                           <p:cBhvr>
-                                            <p:cTn id="14" dur="1000" fill="hold"/>
+                                            <p:cTn id="12" dur="1000" fill="hold"/>
                                             <p:tgtEl>
                                               <p:spTgt spid="18"/>
                                             </p:tgtEl>
@@ -10526,187 +9471,24 @@
                                     </p:cTn>
                                   </p:par>
                                   <p:par>
-                                    <p:cTn id="15" presetID="63" presetClass="path" presetSubtype="0" accel="50000" fill="hold" grpId="0" nodeType="withEffect" p14:presetBounceEnd="51000">
+                                    <p:cTn id="13" presetID="63" presetClass="path" presetSubtype="0" accel="50000" fill="hold" nodeType="withEffect" p14:presetBounceEnd="51000">
                                       <p:stCondLst>
                                         <p:cond delay="0"/>
                                       </p:stCondLst>
                                       <p:childTnLst>
-                                        <p:animMotion origin="layout" path="M 4.16667E-6 2.96296E-6 L 0.73007 2.96296E-6 " pathEditMode="relative" rAng="0" ptsTypes="AA" p14:bounceEnd="51000">
+                                        <p:animMotion origin="layout" path="M 3.33333E-6 1.48148E-6 L 0.67448 1.48148E-6 " pathEditMode="relative" rAng="0" ptsTypes="AA" p14:bounceEnd="51000">
                                           <p:cBhvr>
-                                            <p:cTn id="16" dur="1000" fill="hold"/>
+                                            <p:cTn id="14" dur="1000" fill="hold"/>
                                             <p:tgtEl>
-                                              <p:spTgt spid="23"/>
+                                              <p:spTgt spid="7"/>
                                             </p:tgtEl>
                                             <p:attrNameLst>
                                               <p:attrName>ppt_x</p:attrName>
                                               <p:attrName>ppt_y</p:attrName>
                                             </p:attrNameLst>
                                           </p:cBhvr>
-                                          <p:rCtr x="36497" y="0"/>
+                                          <p:rCtr x="33724" y="0"/>
                                         </p:animMotion>
-                                      </p:childTnLst>
-                                    </p:cTn>
-                                  </p:par>
-                                  <p:par>
-                                    <p:cTn id="17" presetID="63" presetClass="path" presetSubtype="0" accel="50000" fill="hold" nodeType="withEffect" p14:presetBounceEnd="51000">
-                                      <p:stCondLst>
-                                        <p:cond delay="0"/>
-                                      </p:stCondLst>
-                                      <p:childTnLst>
-                                        <p:animMotion origin="layout" path="M -0.15625 0 L 0.73112 0 " pathEditMode="relative" rAng="0" ptsTypes="AA" p14:bounceEnd="51000">
-                                          <p:cBhvr>
-                                            <p:cTn id="18" dur="1000" fill="hold"/>
-                                            <p:tgtEl>
-                                              <p:spTgt spid="39"/>
-                                            </p:tgtEl>
-                                            <p:attrNameLst>
-                                              <p:attrName>ppt_x</p:attrName>
-                                              <p:attrName>ppt_y</p:attrName>
-                                            </p:attrNameLst>
-                                          </p:cBhvr>
-                                          <p:rCtr x="44362" y="0"/>
-                                        </p:animMotion>
-                                      </p:childTnLst>
-                                    </p:cTn>
-                                  </p:par>
-                                </p:childTnLst>
-                              </p:cTn>
-                            </p:par>
-                          </p:childTnLst>
-                        </p:cTn>
-                      </p:par>
-                      <p:par>
-                        <p:cTn id="19" fill="hold">
-                          <p:stCondLst>
-                            <p:cond delay="indefinite"/>
-                          </p:stCondLst>
-                          <p:childTnLst>
-                            <p:par>
-                              <p:cTn id="20" fill="hold">
-                                <p:stCondLst>
-                                  <p:cond delay="0"/>
-                                </p:stCondLst>
-                                <p:childTnLst>
-                                  <p:par>
-                                    <p:cTn id="21" presetID="10" presetClass="exit" presetSubtype="0" fill="hold" nodeType="clickEffect">
-                                      <p:stCondLst>
-                                        <p:cond delay="0"/>
-                                      </p:stCondLst>
-                                      <p:childTnLst>
-                                        <p:animEffect transition="out" filter="fade">
-                                          <p:cBhvr>
-                                            <p:cTn id="22" dur="500"/>
-                                            <p:tgtEl>
-                                              <p:spTgt spid="39"/>
-                                            </p:tgtEl>
-                                          </p:cBhvr>
-                                        </p:animEffect>
-                                        <p:set>
-                                          <p:cBhvr>
-                                            <p:cTn id="23" dur="1" fill="hold">
-                                              <p:stCondLst>
-                                                <p:cond delay="499"/>
-                                              </p:stCondLst>
-                                            </p:cTn>
-                                            <p:tgtEl>
-                                              <p:spTgt spid="39"/>
-                                            </p:tgtEl>
-                                            <p:attrNameLst>
-                                              <p:attrName>style.visibility</p:attrName>
-                                            </p:attrNameLst>
-                                          </p:cBhvr>
-                                          <p:to>
-                                            <p:strVal val="hidden"/>
-                                          </p:to>
-                                        </p:set>
-                                      </p:childTnLst>
-                                    </p:cTn>
-                                  </p:par>
-                                  <p:par>
-                                    <p:cTn id="24" presetID="10" presetClass="entr" presetSubtype="0" fill="hold" nodeType="withEffect">
-                                      <p:stCondLst>
-                                        <p:cond delay="0"/>
-                                      </p:stCondLst>
-                                      <p:childTnLst>
-                                        <p:set>
-                                          <p:cBhvr>
-                                            <p:cTn id="25" dur="1" fill="hold">
-                                              <p:stCondLst>
-                                                <p:cond delay="0"/>
-                                              </p:stCondLst>
-                                            </p:cTn>
-                                            <p:tgtEl>
-                                              <p:spTgt spid="41"/>
-                                            </p:tgtEl>
-                                            <p:attrNameLst>
-                                              <p:attrName>style.visibility</p:attrName>
-                                            </p:attrNameLst>
-                                          </p:cBhvr>
-                                          <p:to>
-                                            <p:strVal val="visible"/>
-                                          </p:to>
-                                        </p:set>
-                                        <p:animEffect transition="in" filter="fade">
-                                          <p:cBhvr>
-                                            <p:cTn id="26" dur="500"/>
-                                            <p:tgtEl>
-                                              <p:spTgt spid="41"/>
-                                            </p:tgtEl>
-                                          </p:cBhvr>
-                                        </p:animEffect>
-                                      </p:childTnLst>
-                                    </p:cTn>
-                                  </p:par>
-                                </p:childTnLst>
-                              </p:cTn>
-                            </p:par>
-                          </p:childTnLst>
-                        </p:cTn>
-                      </p:par>
-                      <p:par>
-                        <p:cTn id="27" fill="hold">
-                          <p:stCondLst>
-                            <p:cond delay="indefinite"/>
-                          </p:stCondLst>
-                          <p:childTnLst>
-                            <p:par>
-                              <p:cTn id="28" fill="hold">
-                                <p:stCondLst>
-                                  <p:cond delay="0"/>
-                                </p:stCondLst>
-                                <p:childTnLst>
-                                  <p:par>
-                                    <p:cTn id="29" presetID="16" presetClass="entr" presetSubtype="21" fill="hold" nodeType="clickEffect">
-                                      <p:stCondLst>
-                                        <p:cond delay="0"/>
-                                      </p:stCondLst>
-                                      <p:childTnLst>
-                                        <p:set>
-                                          <p:cBhvr>
-                                            <p:cTn id="30" dur="1" fill="hold">
-                                              <p:stCondLst>
-                                                <p:cond delay="0"/>
-                                              </p:stCondLst>
-                                            </p:cTn>
-                                            <p:tgtEl>
-                                              <p:spTgt spid="54"/>
-                                            </p:tgtEl>
-                                            <p:attrNameLst>
-                                              <p:attrName>style.visibility</p:attrName>
-                                            </p:attrNameLst>
-                                          </p:cBhvr>
-                                          <p:to>
-                                            <p:strVal val="visible"/>
-                                          </p:to>
-                                        </p:set>
-                                        <p:animEffect transition="in" filter="barn(inVertical)">
-                                          <p:cBhvr>
-                                            <p:cTn id="31" dur="500"/>
-                                            <p:tgtEl>
-                                              <p:spTgt spid="54"/>
-                                            </p:tgtEl>
-                                          </p:cBhvr>
-                                        </p:animEffect>
                                       </p:childTnLst>
                                     </p:cTn>
                                   </p:par>
@@ -10737,12 +9519,9 @@
             </p:cTn>
           </p:par>
         </p:tnLst>
-        <p:bldLst>
-          <p:bldP spid="23" grpId="0"/>
-        </p:bldLst>
       </p:timing>
     </mc:Choice>
-    <mc:Fallback>
+    <mc:Fallback xmlns="">
       <p:timing>
         <p:tnLst>
           <p:par>
@@ -10769,7 +9548,7 @@
                                         <p:cond delay="0"/>
                                       </p:stCondLst>
                                       <p:childTnLst>
-                                        <p:animMotion origin="layout" path="M -1.66667E-6 1.48148E-6 L 0.67448 1.48148E-6 " pathEditMode="relative" rAng="0" ptsTypes="AA">
+                                        <p:animMotion origin="layout" path="M 3.33333E-6 1.48148E-6 L 0.67448 1.48148E-6 " pathEditMode="relative" rAng="0" ptsTypes="AA">
                                           <p:cBhvr>
                                             <p:cTn id="6" dur="1000" fill="hold"/>
                                             <p:tgtEl>
@@ -10808,36 +9587,14 @@
                                     </p:cTn>
                                   </p:par>
                                   <p:par>
-                                    <p:cTn id="9" presetID="63" presetClass="path" presetSubtype="0" accel="50000" fill="hold" nodeType="withEffect">
-                                      <p:stCondLst>
-                                        <p:cond delay="0"/>
-                                      </p:stCondLst>
-                                      <p:childTnLst>
-                                        <p:animMotion origin="layout" path="M 3.33333E-6 1.48148E-6 L 0.67448 1.48148E-6 " pathEditMode="relative" rAng="0" ptsTypes="AA">
-                                          <p:cBhvr>
-                                            <p:cTn id="10" dur="1000" fill="hold"/>
-                                            <p:tgtEl>
-                                              <p:spTgt spid="7"/>
-                                            </p:tgtEl>
-                                            <p:attrNameLst>
-                                              <p:attrName>ppt_x</p:attrName>
-                                              <p:attrName>ppt_y</p:attrName>
-                                            </p:attrNameLst>
-                                          </p:cBhvr>
-                                          <p:rCtr x="33724" y="0"/>
-                                        </p:animMotion>
-                                      </p:childTnLst>
-                                    </p:cTn>
-                                  </p:par>
-                                  <p:par>
-                                    <p:cTn id="11" presetID="35" presetClass="path" presetSubtype="0" accel="50000" decel="50000" fill="hold" nodeType="withEffect">
+                                    <p:cTn id="9" presetID="35" presetClass="path" presetSubtype="0" accel="50000" decel="50000" fill="hold" nodeType="withEffect">
                                       <p:stCondLst>
                                         <p:cond delay="0"/>
                                       </p:stCondLst>
                                       <p:childTnLst>
                                         <p:animMotion origin="layout" path="M -3.125E-6 0 L -0.25 0 " pathEditMode="relative" rAng="0" ptsTypes="AA">
                                           <p:cBhvr>
-                                            <p:cTn id="12" dur="1000" fill="hold"/>
+                                            <p:cTn id="10" dur="1000" fill="hold"/>
                                             <p:tgtEl>
                                               <p:spTgt spid="12"/>
                                             </p:tgtEl>
@@ -10852,14 +9609,14 @@
                                     </p:cTn>
                                   </p:par>
                                   <p:par>
-                                    <p:cTn id="13" presetID="35" presetClass="path" presetSubtype="0" accel="50000" decel="50000" fill="hold" nodeType="withEffect">
+                                    <p:cTn id="11" presetID="35" presetClass="path" presetSubtype="0" accel="50000" decel="50000" fill="hold" nodeType="withEffect">
                                       <p:stCondLst>
                                         <p:cond delay="0"/>
                                       </p:stCondLst>
                                       <p:childTnLst>
                                         <p:animMotion origin="layout" path="M 2.29167E-6 0 L -0.25 0 " pathEditMode="relative" rAng="0" ptsTypes="AA">
                                           <p:cBhvr>
-                                            <p:cTn id="14" dur="1000" fill="hold"/>
+                                            <p:cTn id="12" dur="1000" fill="hold"/>
                                             <p:tgtEl>
                                               <p:spTgt spid="18"/>
                                             </p:tgtEl>
@@ -10874,187 +9631,24 @@
                                     </p:cTn>
                                   </p:par>
                                   <p:par>
-                                    <p:cTn id="15" presetID="63" presetClass="path" presetSubtype="0" accel="50000" fill="hold" grpId="0" nodeType="withEffect">
+                                    <p:cTn id="13" presetID="63" presetClass="path" presetSubtype="0" accel="50000" fill="hold" nodeType="withEffect">
                                       <p:stCondLst>
                                         <p:cond delay="0"/>
                                       </p:stCondLst>
                                       <p:childTnLst>
-                                        <p:animMotion origin="layout" path="M 4.16667E-6 2.96296E-6 L 0.73007 2.96296E-6 " pathEditMode="relative" rAng="0" ptsTypes="AA">
+                                        <p:animMotion origin="layout" path="M 3.33333E-6 1.48148E-6 L 0.67448 1.48148E-6 " pathEditMode="relative" rAng="0" ptsTypes="AA">
                                           <p:cBhvr>
-                                            <p:cTn id="16" dur="1000" fill="hold"/>
+                                            <p:cTn id="14" dur="1000" fill="hold"/>
                                             <p:tgtEl>
-                                              <p:spTgt spid="23"/>
+                                              <p:spTgt spid="7"/>
                                             </p:tgtEl>
                                             <p:attrNameLst>
                                               <p:attrName>ppt_x</p:attrName>
                                               <p:attrName>ppt_y</p:attrName>
                                             </p:attrNameLst>
                                           </p:cBhvr>
-                                          <p:rCtr x="36497" y="0"/>
+                                          <p:rCtr x="33724" y="0"/>
                                         </p:animMotion>
-                                      </p:childTnLst>
-                                    </p:cTn>
-                                  </p:par>
-                                  <p:par>
-                                    <p:cTn id="17" presetID="63" presetClass="path" presetSubtype="0" accel="50000" fill="hold" nodeType="withEffect">
-                                      <p:stCondLst>
-                                        <p:cond delay="0"/>
-                                      </p:stCondLst>
-                                      <p:childTnLst>
-                                        <p:animMotion origin="layout" path="M -0.15625 0 L 0.73112 0 " pathEditMode="relative" rAng="0" ptsTypes="AA">
-                                          <p:cBhvr>
-                                            <p:cTn id="18" dur="1000" fill="hold"/>
-                                            <p:tgtEl>
-                                              <p:spTgt spid="39"/>
-                                            </p:tgtEl>
-                                            <p:attrNameLst>
-                                              <p:attrName>ppt_x</p:attrName>
-                                              <p:attrName>ppt_y</p:attrName>
-                                            </p:attrNameLst>
-                                          </p:cBhvr>
-                                          <p:rCtr x="44362" y="0"/>
-                                        </p:animMotion>
-                                      </p:childTnLst>
-                                    </p:cTn>
-                                  </p:par>
-                                </p:childTnLst>
-                              </p:cTn>
-                            </p:par>
-                          </p:childTnLst>
-                        </p:cTn>
-                      </p:par>
-                      <p:par>
-                        <p:cTn id="19" fill="hold">
-                          <p:stCondLst>
-                            <p:cond delay="indefinite"/>
-                          </p:stCondLst>
-                          <p:childTnLst>
-                            <p:par>
-                              <p:cTn id="20" fill="hold">
-                                <p:stCondLst>
-                                  <p:cond delay="0"/>
-                                </p:stCondLst>
-                                <p:childTnLst>
-                                  <p:par>
-                                    <p:cTn id="21" presetID="10" presetClass="exit" presetSubtype="0" fill="hold" nodeType="clickEffect">
-                                      <p:stCondLst>
-                                        <p:cond delay="0"/>
-                                      </p:stCondLst>
-                                      <p:childTnLst>
-                                        <p:animEffect transition="out" filter="fade">
-                                          <p:cBhvr>
-                                            <p:cTn id="22" dur="500"/>
-                                            <p:tgtEl>
-                                              <p:spTgt spid="39"/>
-                                            </p:tgtEl>
-                                          </p:cBhvr>
-                                        </p:animEffect>
-                                        <p:set>
-                                          <p:cBhvr>
-                                            <p:cTn id="23" dur="1" fill="hold">
-                                              <p:stCondLst>
-                                                <p:cond delay="499"/>
-                                              </p:stCondLst>
-                                            </p:cTn>
-                                            <p:tgtEl>
-                                              <p:spTgt spid="39"/>
-                                            </p:tgtEl>
-                                            <p:attrNameLst>
-                                              <p:attrName>style.visibility</p:attrName>
-                                            </p:attrNameLst>
-                                          </p:cBhvr>
-                                          <p:to>
-                                            <p:strVal val="hidden"/>
-                                          </p:to>
-                                        </p:set>
-                                      </p:childTnLst>
-                                    </p:cTn>
-                                  </p:par>
-                                  <p:par>
-                                    <p:cTn id="24" presetID="10" presetClass="entr" presetSubtype="0" fill="hold" nodeType="withEffect">
-                                      <p:stCondLst>
-                                        <p:cond delay="0"/>
-                                      </p:stCondLst>
-                                      <p:childTnLst>
-                                        <p:set>
-                                          <p:cBhvr>
-                                            <p:cTn id="25" dur="1" fill="hold">
-                                              <p:stCondLst>
-                                                <p:cond delay="0"/>
-                                              </p:stCondLst>
-                                            </p:cTn>
-                                            <p:tgtEl>
-                                              <p:spTgt spid="41"/>
-                                            </p:tgtEl>
-                                            <p:attrNameLst>
-                                              <p:attrName>style.visibility</p:attrName>
-                                            </p:attrNameLst>
-                                          </p:cBhvr>
-                                          <p:to>
-                                            <p:strVal val="visible"/>
-                                          </p:to>
-                                        </p:set>
-                                        <p:animEffect transition="in" filter="fade">
-                                          <p:cBhvr>
-                                            <p:cTn id="26" dur="500"/>
-                                            <p:tgtEl>
-                                              <p:spTgt spid="41"/>
-                                            </p:tgtEl>
-                                          </p:cBhvr>
-                                        </p:animEffect>
-                                      </p:childTnLst>
-                                    </p:cTn>
-                                  </p:par>
-                                </p:childTnLst>
-                              </p:cTn>
-                            </p:par>
-                          </p:childTnLst>
-                        </p:cTn>
-                      </p:par>
-                      <p:par>
-                        <p:cTn id="27" fill="hold">
-                          <p:stCondLst>
-                            <p:cond delay="indefinite"/>
-                          </p:stCondLst>
-                          <p:childTnLst>
-                            <p:par>
-                              <p:cTn id="28" fill="hold">
-                                <p:stCondLst>
-                                  <p:cond delay="0"/>
-                                </p:stCondLst>
-                                <p:childTnLst>
-                                  <p:par>
-                                    <p:cTn id="29" presetID="16" presetClass="entr" presetSubtype="21" fill="hold" nodeType="clickEffect">
-                                      <p:stCondLst>
-                                        <p:cond delay="0"/>
-                                      </p:stCondLst>
-                                      <p:childTnLst>
-                                        <p:set>
-                                          <p:cBhvr>
-                                            <p:cTn id="30" dur="1" fill="hold">
-                                              <p:stCondLst>
-                                                <p:cond delay="0"/>
-                                              </p:stCondLst>
-                                            </p:cTn>
-                                            <p:tgtEl>
-                                              <p:spTgt spid="54"/>
-                                            </p:tgtEl>
-                                            <p:attrNameLst>
-                                              <p:attrName>style.visibility</p:attrName>
-                                            </p:attrNameLst>
-                                          </p:cBhvr>
-                                          <p:to>
-                                            <p:strVal val="visible"/>
-                                          </p:to>
-                                        </p:set>
-                                        <p:animEffect transition="in" filter="barn(inVertical)">
-                                          <p:cBhvr>
-                                            <p:cTn id="31" dur="500"/>
-                                            <p:tgtEl>
-                                              <p:spTgt spid="54"/>
-                                            </p:tgtEl>
-                                          </p:cBhvr>
-                                        </p:animEffect>
                                       </p:childTnLst>
                                     </p:cTn>
                                   </p:par>
@@ -11085,9 +9679,6 @@
             </p:cTn>
           </p:par>
         </p:tnLst>
-        <p:bldLst>
-          <p:bldP spid="23" grpId="0"/>
-        </p:bldLst>
       </p:timing>
     </mc:Fallback>
   </mc:AlternateContent>
@@ -11125,75 +9716,6 @@
           <a:chExt cx="0" cy="0"/>
         </a:xfrm>
       </p:grpSpPr>
-      <p:sp>
-        <p:nvSpPr>
-          <p:cNvPr id="24" name="文本框 23">
-            <a:extLst>
-              <a:ext uri="{FF2B5EF4-FFF2-40B4-BE49-F238E27FC236}">
-                <a16:creationId xmlns:a16="http://schemas.microsoft.com/office/drawing/2014/main" id="{5D7B8A51-BF4B-47B2-921D-1C8C06B8AA89}"/>
-              </a:ext>
-            </a:extLst>
-          </p:cNvPr>
-          <p:cNvSpPr txBox="1"/>
-          <p:nvPr/>
-        </p:nvSpPr>
-        <p:spPr>
-          <a:xfrm>
-            <a:off x="1893780" y="728133"/>
-            <a:ext cx="8266220" cy="5109091"/>
-          </a:xfrm>
-          <a:prstGeom prst="rect">
-            <a:avLst/>
-          </a:prstGeom>
-          <a:noFill/>
-        </p:spPr>
-        <p:txBody>
-          <a:bodyPr wrap="square" rtlCol="0">
-            <a:spAutoFit/>
-          </a:bodyPr>
-          <a:lstStyle/>
-          <a:p>
-            <a:pPr algn="ctr"/>
-            <a:r>
-              <a:rPr lang="en-US" altLang="zh-CN" sz="32600" b="1" dirty="0">
-                <a:solidFill>
-                  <a:schemeClr val="accent1">
-                    <a:lumMod val="60000"/>
-                    <a:lumOff val="40000"/>
-                    <a:alpha val="37000"/>
-                  </a:schemeClr>
-                </a:solidFill>
-                <a:effectLst>
-                  <a:outerShdw blurRad="50800" dist="50800" dir="5400000" sx="105000" sy="105000" algn="ctr" rotWithShape="0">
-                    <a:srgbClr val="000000">
-                      <a:alpha val="28000"/>
-                    </a:srgbClr>
-                  </a:outerShdw>
-                </a:effectLst>
-                <a:latin typeface="Cooper Black" panose="0208090404030B020404" pitchFamily="18" charset="0"/>
-              </a:rPr>
-              <a:t>MI</a:t>
-            </a:r>
-            <a:endParaRPr lang="zh-CN" altLang="en-US" sz="32600" b="1" dirty="0">
-              <a:solidFill>
-                <a:schemeClr val="accent1">
-                  <a:lumMod val="60000"/>
-                  <a:lumOff val="40000"/>
-                  <a:alpha val="37000"/>
-                </a:schemeClr>
-              </a:solidFill>
-              <a:effectLst>
-                <a:outerShdw blurRad="50800" dist="50800" dir="5400000" sx="105000" sy="105000" algn="ctr" rotWithShape="0">
-                  <a:srgbClr val="000000">
-                    <a:alpha val="28000"/>
-                  </a:srgbClr>
-                </a:outerShdw>
-              </a:effectLst>
-              <a:latin typeface="Cooper Black" panose="0208090404030B020404" pitchFamily="18" charset="0"/>
-            </a:endParaRPr>
-          </a:p>
-        </p:txBody>
-      </p:sp>
       <p:grpSp>
         <p:nvGrpSpPr>
           <p:cNvPr id="22" name="组合 21">
@@ -11953,10 +10475,7 @@
               <a:avLst/>
             </a:prstGeom>
             <a:solidFill>
-              <a:schemeClr val="bg2">
-                <a:lumMod val="60000"/>
-                <a:lumOff val="40000"/>
-              </a:schemeClr>
+              <a:schemeClr val="accent5"/>
             </a:solidFill>
             <a:ln>
               <a:noFill/>
@@ -12024,10 +10543,7 @@
               <a:avLst/>
             </a:prstGeom>
             <a:solidFill>
-              <a:schemeClr val="bg2">
-                <a:lumMod val="60000"/>
-                <a:lumOff val="40000"/>
-              </a:schemeClr>
+              <a:schemeClr val="accent5"/>
             </a:solidFill>
             <a:ln>
               <a:noFill/>
@@ -12069,13 +10585,13 @@
   <p:clrMapOvr>
     <a:masterClrMapping/>
   </p:clrMapOvr>
-  <mc:AlternateContent xmlns:mc="http://schemas.openxmlformats.org/markup-compatibility/2006">
-    <mc:Choice xmlns:p159="http://schemas.microsoft.com/office/powerpoint/2015/09/main" Requires="p159">
-      <p:transition xmlns:p14="http://schemas.microsoft.com/office/powerpoint/2010/main" spd="slow" p14:dur="1200">
+  <mc:AlternateContent xmlns:mc="http://schemas.openxmlformats.org/markup-compatibility/2006" xmlns:p159="http://schemas.microsoft.com/office/powerpoint/2015/09/main">
+    <mc:Choice Requires="p159">
+      <p:transition xmlns:p14="http://schemas.microsoft.com/office/powerpoint/2010/main" spd="slow" p14:dur="1500">
         <p159:morph option="byObject"/>
       </p:transition>
     </mc:Choice>
-    <mc:Fallback>
+    <mc:Fallback xmlns="">
       <p:transition spd="slow">
         <p:fade/>
       </p:transition>
@@ -12213,28 +10729,6 @@
                                       </p:childTnLst>
                                     </p:cTn>
                                   </p:par>
-                                  <p:par>
-                                    <p:cTn id="15" presetID="63" presetClass="path" presetSubtype="0" accel="50000" fill="hold" grpId="0" nodeType="withEffect" p14:presetBounceEnd="51000">
-                                      <p:stCondLst>
-                                        <p:cond delay="0"/>
-                                      </p:stCondLst>
-                                      <p:childTnLst>
-                                        <p:animMotion origin="layout" path="M 3.33333E-6 1.85185E-6 L 0.74466 1.85185E-6 " pathEditMode="relative" rAng="0" ptsTypes="AA" p14:bounceEnd="51000">
-                                          <p:cBhvr>
-                                            <p:cTn id="16" dur="1000" fill="hold"/>
-                                            <p:tgtEl>
-                                              <p:spTgt spid="23"/>
-                                            </p:tgtEl>
-                                            <p:attrNameLst>
-                                              <p:attrName>ppt_x</p:attrName>
-                                              <p:attrName>ppt_y</p:attrName>
-                                            </p:attrNameLst>
-                                          </p:cBhvr>
-                                          <p:rCtr x="37227" y="0"/>
-                                        </p:animMotion>
-                                      </p:childTnLst>
-                                    </p:cTn>
-                                  </p:par>
                                 </p:childTnLst>
                               </p:cTn>
                             </p:par>
@@ -12262,9 +10756,6 @@
             </p:cTn>
           </p:par>
         </p:tnLst>
-        <p:bldLst>
-          <p:bldP spid="23" grpId="0"/>
-        </p:bldLst>
       </p:timing>
     </mc:Choice>
     <mc:Fallback xmlns="">
@@ -12398,28 +10889,6 @@
                                       </p:childTnLst>
                                     </p:cTn>
                                   </p:par>
-                                  <p:par>
-                                    <p:cTn id="15" presetID="63" presetClass="path" presetSubtype="0" accel="50000" fill="hold" grpId="0" nodeType="withEffect">
-                                      <p:stCondLst>
-                                        <p:cond delay="0"/>
-                                      </p:stCondLst>
-                                      <p:childTnLst>
-                                        <p:animMotion origin="layout" path="M 3.33333E-6 1.85185E-6 L 0.74466 1.85185E-6 " pathEditMode="relative" rAng="0" ptsTypes="AA">
-                                          <p:cBhvr>
-                                            <p:cTn id="16" dur="1000" fill="hold"/>
-                                            <p:tgtEl>
-                                              <p:spTgt spid="23"/>
-                                            </p:tgtEl>
-                                            <p:attrNameLst>
-                                              <p:attrName>ppt_x</p:attrName>
-                                              <p:attrName>ppt_y</p:attrName>
-                                            </p:attrNameLst>
-                                          </p:cBhvr>
-                                          <p:rCtr x="37227" y="0"/>
-                                        </p:animMotion>
-                                      </p:childTnLst>
-                                    </p:cTn>
-                                  </p:par>
                                 </p:childTnLst>
                               </p:cTn>
                             </p:par>
@@ -12447,1371 +10916,6 @@
             </p:cTn>
           </p:par>
         </p:tnLst>
-        <p:bldLst>
-          <p:bldP spid="23" grpId="0"/>
-        </p:bldLst>
-      </p:timing>
-    </mc:Fallback>
-  </mc:AlternateContent>
-</p:sld>
-</file>
-
-<file path=ppt/slides/slide6.xml><?xml version="1.0" encoding="utf-8"?>
-<p:sld xmlns:a="http://schemas.openxmlformats.org/drawingml/2006/main" xmlns:r="http://schemas.openxmlformats.org/officeDocument/2006/relationships" xmlns:p="http://schemas.openxmlformats.org/presentationml/2006/main" showMasterSp="0">
-  <p:cSld>
-    <p:bg>
-      <p:bgPr>
-        <a:blipFill dpi="0" rotWithShape="1">
-          <a:blip r:embed="rId3">
-            <a:lum/>
-          </a:blip>
-          <a:srcRect/>
-          <a:stretch>
-            <a:fillRect/>
-          </a:stretch>
-        </a:blipFill>
-        <a:effectLst/>
-      </p:bgPr>
-    </p:bg>
-    <p:spTree>
-      <p:nvGrpSpPr>
-        <p:cNvPr id="1" name=""/>
-        <p:cNvGrpSpPr/>
-        <p:nvPr/>
-      </p:nvGrpSpPr>
-      <p:grpSpPr>
-        <a:xfrm>
-          <a:off x="0" y="0"/>
-          <a:ext cx="0" cy="0"/>
-          <a:chOff x="0" y="0"/>
-          <a:chExt cx="0" cy="0"/>
-        </a:xfrm>
-      </p:grpSpPr>
-      <p:sp>
-        <p:nvSpPr>
-          <p:cNvPr id="24" name="文本框 23">
-            <a:extLst>
-              <a:ext uri="{FF2B5EF4-FFF2-40B4-BE49-F238E27FC236}">
-                <a16:creationId xmlns:a16="http://schemas.microsoft.com/office/drawing/2014/main" id="{03C2F611-4246-D9F7-66EE-24873D23B082}"/>
-              </a:ext>
-            </a:extLst>
-          </p:cNvPr>
-          <p:cNvSpPr txBox="1"/>
-          <p:nvPr/>
-        </p:nvSpPr>
-        <p:spPr>
-          <a:xfrm>
-            <a:off x="1893780" y="728133"/>
-            <a:ext cx="8266220" cy="5109091"/>
-          </a:xfrm>
-          <a:prstGeom prst="rect">
-            <a:avLst/>
-          </a:prstGeom>
-          <a:noFill/>
-        </p:spPr>
-        <p:txBody>
-          <a:bodyPr wrap="square" rtlCol="0">
-            <a:spAutoFit/>
-          </a:bodyPr>
-          <a:lstStyle/>
-          <a:p>
-            <a:pPr algn="ctr"/>
-            <a:r>
-              <a:rPr lang="en-US" altLang="zh-CN" sz="32600" b="1" dirty="0">
-                <a:solidFill>
-                  <a:schemeClr val="accent1">
-                    <a:lumMod val="60000"/>
-                    <a:lumOff val="40000"/>
-                    <a:alpha val="37000"/>
-                  </a:schemeClr>
-                </a:solidFill>
-                <a:effectLst>
-                  <a:outerShdw blurRad="50800" dist="50800" dir="5400000" sx="105000" sy="105000" algn="ctr" rotWithShape="0">
-                    <a:srgbClr val="000000">
-                      <a:alpha val="28000"/>
-                    </a:srgbClr>
-                  </a:outerShdw>
-                </a:effectLst>
-                <a:latin typeface="Cooper Black" panose="0208090404030B020404" pitchFamily="18" charset="0"/>
-              </a:rPr>
-              <a:t>MF</a:t>
-            </a:r>
-            <a:endParaRPr lang="zh-CN" altLang="en-US" sz="32600" b="1" dirty="0">
-              <a:solidFill>
-                <a:schemeClr val="accent1">
-                  <a:lumMod val="60000"/>
-                  <a:lumOff val="40000"/>
-                  <a:alpha val="37000"/>
-                </a:schemeClr>
-              </a:solidFill>
-              <a:effectLst>
-                <a:outerShdw blurRad="50800" dist="50800" dir="5400000" sx="105000" sy="105000" algn="ctr" rotWithShape="0">
-                  <a:srgbClr val="000000">
-                    <a:alpha val="28000"/>
-                  </a:srgbClr>
-                </a:outerShdw>
-              </a:effectLst>
-              <a:latin typeface="Cooper Black" panose="0208090404030B020404" pitchFamily="18" charset="0"/>
-            </a:endParaRPr>
-          </a:p>
-        </p:txBody>
-      </p:sp>
-      <p:grpSp>
-        <p:nvGrpSpPr>
-          <p:cNvPr id="22" name="组合 21">
-            <a:extLst>
-              <a:ext uri="{FF2B5EF4-FFF2-40B4-BE49-F238E27FC236}">
-                <a16:creationId xmlns:a16="http://schemas.microsoft.com/office/drawing/2014/main" id="{60D1AF09-EFCA-0576-5C96-2F64D2E5DBAF}"/>
-              </a:ext>
-            </a:extLst>
-          </p:cNvPr>
-          <p:cNvGrpSpPr/>
-          <p:nvPr/>
-        </p:nvGrpSpPr>
-        <p:grpSpPr>
-          <a:xfrm>
-            <a:off x="-8863252" y="-1534"/>
-            <a:ext cx="12263677" cy="6859534"/>
-            <a:chOff x="-8863252" y="-1534"/>
-            <a:chExt cx="12263677" cy="6859534"/>
-          </a:xfrm>
-          <a:solidFill>
-            <a:schemeClr val="bg2">
-              <a:lumMod val="50000"/>
-            </a:schemeClr>
-          </a:solidFill>
-        </p:grpSpPr>
-        <p:sp>
-          <p:nvSpPr>
-            <p:cNvPr id="5" name="文本框 4">
-              <a:extLst>
-                <a:ext uri="{FF2B5EF4-FFF2-40B4-BE49-F238E27FC236}">
-                  <a16:creationId xmlns:a16="http://schemas.microsoft.com/office/drawing/2014/main" id="{7390670E-0436-74FD-BCF1-0B9E5CAD8420}"/>
-                </a:ext>
-              </a:extLst>
-            </p:cNvPr>
-            <p:cNvSpPr txBox="1"/>
-            <p:nvPr/>
-          </p:nvSpPr>
-          <p:spPr>
-            <a:xfrm>
-              <a:off x="2591825" y="1224000"/>
-              <a:ext cx="808600" cy="888651"/>
-            </a:xfrm>
-            <a:prstGeom prst="flowChartAlternateProcess">
-              <a:avLst/>
-            </a:prstGeom>
-            <a:grpFill/>
-            <a:ln>
-              <a:noFill/>
-            </a:ln>
-            <a:effectLst>
-              <a:outerShdw blurRad="50800" dist="38100" algn="l" rotWithShape="0">
-                <a:prstClr val="black">
-                  <a:alpha val="40000"/>
-                </a:prstClr>
-              </a:outerShdw>
-              <a:softEdge rad="0"/>
-            </a:effectLst>
-          </p:spPr>
-          <p:style>
-            <a:lnRef idx="3">
-              <a:schemeClr val="lt1"/>
-            </a:lnRef>
-            <a:fillRef idx="1">
-              <a:schemeClr val="accent1"/>
-            </a:fillRef>
-            <a:effectRef idx="1">
-              <a:schemeClr val="accent1"/>
-            </a:effectRef>
-            <a:fontRef idx="minor">
-              <a:schemeClr val="lt1"/>
-            </a:fontRef>
-          </p:style>
-          <p:txBody>
-            <a:bodyPr wrap="square" rtlCol="0" anchor="ctr" anchorCtr="0">
-              <a:noAutofit/>
-            </a:bodyPr>
-            <a:lstStyle/>
-            <a:p>
-              <a:pPr algn="ctr"/>
-              <a:endParaRPr lang="zh-CN" altLang="en-US" sz="3200" b="1" dirty="0">
-                <a:latin typeface="Bauhaus 93" panose="04030905020B02020C02" pitchFamily="82" charset="0"/>
-              </a:endParaRPr>
-            </a:p>
-          </p:txBody>
-        </p:sp>
-        <p:sp>
-          <p:nvSpPr>
-            <p:cNvPr id="4" name="矩形 3">
-              <a:extLst>
-                <a:ext uri="{FF2B5EF4-FFF2-40B4-BE49-F238E27FC236}">
-                  <a16:creationId xmlns:a16="http://schemas.microsoft.com/office/drawing/2014/main" id="{0E3840C7-48F9-A79B-3845-1959334E1D63}"/>
-                </a:ext>
-              </a:extLst>
-            </p:cNvPr>
-            <p:cNvSpPr/>
-            <p:nvPr/>
-          </p:nvSpPr>
-          <p:spPr>
-            <a:xfrm>
-              <a:off x="-8863252" y="-1534"/>
-              <a:ext cx="11608501" cy="6859534"/>
-            </a:xfrm>
-            <a:prstGeom prst="rect">
-              <a:avLst/>
-            </a:prstGeom>
-            <a:grpFill/>
-            <a:ln>
-              <a:noFill/>
-            </a:ln>
-          </p:spPr>
-          <p:style>
-            <a:lnRef idx="2">
-              <a:schemeClr val="accent1">
-                <a:shade val="50000"/>
-              </a:schemeClr>
-            </a:lnRef>
-            <a:fillRef idx="1">
-              <a:schemeClr val="accent1"/>
-            </a:fillRef>
-            <a:effectRef idx="0">
-              <a:schemeClr val="accent1"/>
-            </a:effectRef>
-            <a:fontRef idx="minor">
-              <a:schemeClr val="lt1"/>
-            </a:fontRef>
-          </p:style>
-          <p:txBody>
-            <a:bodyPr rtlCol="0" anchor="ctr"/>
-            <a:lstStyle/>
-            <a:p>
-              <a:pPr algn="ctr"/>
-              <a:endParaRPr lang="zh-CN" altLang="en-US" dirty="0"/>
-            </a:p>
-          </p:txBody>
-        </p:sp>
-        <p:sp>
-          <p:nvSpPr>
-            <p:cNvPr id="20" name="文本框 19">
-              <a:extLst>
-                <a:ext uri="{FF2B5EF4-FFF2-40B4-BE49-F238E27FC236}">
-                  <a16:creationId xmlns:a16="http://schemas.microsoft.com/office/drawing/2014/main" id="{BD8BC1C5-23D4-16A7-4058-A202EA1A1605}"/>
-                </a:ext>
-              </a:extLst>
-            </p:cNvPr>
-            <p:cNvSpPr txBox="1"/>
-            <p:nvPr/>
-          </p:nvSpPr>
-          <p:spPr>
-            <a:xfrm>
-              <a:off x="-4766977" y="1570006"/>
-              <a:ext cx="3979333" cy="646331"/>
-            </a:xfrm>
-            <a:prstGeom prst="rect">
-              <a:avLst/>
-            </a:prstGeom>
-            <a:grpFill/>
-            <a:ln>
-              <a:noFill/>
-            </a:ln>
-          </p:spPr>
-          <p:txBody>
-            <a:bodyPr wrap="square" rtlCol="0">
-              <a:spAutoFit/>
-            </a:bodyPr>
-            <a:lstStyle/>
-            <a:p>
-              <a:pPr algn="ctr"/>
-              <a:r>
-                <a:rPr lang="en-US" altLang="zh-CN" sz="3600" dirty="0"/>
-                <a:t>UE4 </a:t>
-              </a:r>
-              <a:r>
-                <a:rPr lang="zh-CN" altLang="en-US" sz="3600" dirty="0"/>
-                <a:t>材质结构</a:t>
-              </a:r>
-            </a:p>
-          </p:txBody>
-        </p:sp>
-        <p:sp>
-          <p:nvSpPr>
-            <p:cNvPr id="17" name="矩形 16">
-              <a:extLst>
-                <a:ext uri="{FF2B5EF4-FFF2-40B4-BE49-F238E27FC236}">
-                  <a16:creationId xmlns:a16="http://schemas.microsoft.com/office/drawing/2014/main" id="{E0B6C8F1-FC96-B132-9602-1576EEF6C3FF}"/>
-                </a:ext>
-              </a:extLst>
-            </p:cNvPr>
-            <p:cNvSpPr/>
-            <p:nvPr/>
-          </p:nvSpPr>
-          <p:spPr>
-            <a:xfrm>
-              <a:off x="-746876" y="3444875"/>
-              <a:ext cx="942322" cy="240646"/>
-            </a:xfrm>
-            <a:prstGeom prst="rect">
-              <a:avLst/>
-            </a:prstGeom>
-            <a:solidFill>
-              <a:schemeClr val="accent1">
-                <a:lumMod val="20000"/>
-                <a:lumOff val="80000"/>
-              </a:schemeClr>
-            </a:solidFill>
-            <a:ln>
-              <a:noFill/>
-            </a:ln>
-          </p:spPr>
-          <p:style>
-            <a:lnRef idx="2">
-              <a:schemeClr val="accent1">
-                <a:shade val="50000"/>
-              </a:schemeClr>
-            </a:lnRef>
-            <a:fillRef idx="1">
-              <a:schemeClr val="accent1"/>
-            </a:fillRef>
-            <a:effectRef idx="0">
-              <a:schemeClr val="accent1"/>
-            </a:effectRef>
-            <a:fontRef idx="minor">
-              <a:schemeClr val="lt1"/>
-            </a:fontRef>
-          </p:style>
-          <p:txBody>
-            <a:bodyPr rtlCol="0" anchor="ctr"/>
-            <a:lstStyle/>
-            <a:p>
-              <a:pPr algn="ctr"/>
-              <a:endParaRPr lang="zh-CN" altLang="en-US"/>
-            </a:p>
-          </p:txBody>
-        </p:sp>
-        <p:pic>
-          <p:nvPicPr>
-            <p:cNvPr id="10" name="图片 9">
-              <a:extLst>
-                <a:ext uri="{FF2B5EF4-FFF2-40B4-BE49-F238E27FC236}">
-                  <a16:creationId xmlns:a16="http://schemas.microsoft.com/office/drawing/2014/main" id="{06952FC2-58B2-CADA-0114-3440CCC54A1D}"/>
-                </a:ext>
-              </a:extLst>
-            </p:cNvPr>
-            <p:cNvPicPr>
-              <a:picLocks noChangeAspect="1"/>
-            </p:cNvPicPr>
-            <p:nvPr/>
-          </p:nvPicPr>
-          <p:blipFill>
-            <a:blip r:embed="rId4">
-              <a:extLst>
-                <a:ext uri="{28A0092B-C50C-407E-A947-70E740481C1C}">
-                  <a14:useLocalDpi xmlns:a14="http://schemas.microsoft.com/office/drawing/2010/main" val="0"/>
-                </a:ext>
-              </a:extLst>
-            </a:blip>
-            <a:stretch>
-              <a:fillRect/>
-            </a:stretch>
-          </p:blipFill>
-          <p:spPr>
-            <a:xfrm>
-              <a:off x="-8317406" y="2540269"/>
-              <a:ext cx="10628345" cy="2195394"/>
-            </a:xfrm>
-            <a:prstGeom prst="rect">
-              <a:avLst/>
-            </a:prstGeom>
-            <a:noFill/>
-            <a:ln>
-              <a:noFill/>
-            </a:ln>
-          </p:spPr>
-        </p:pic>
-      </p:grpSp>
-      <p:pic>
-        <p:nvPicPr>
-          <p:cNvPr id="15" name="材质结构icon">
-            <a:extLst>
-              <a:ext uri="{FF2B5EF4-FFF2-40B4-BE49-F238E27FC236}">
-                <a16:creationId xmlns:a16="http://schemas.microsoft.com/office/drawing/2014/main" id="{BBF1C0E1-8918-D2EE-7007-5C8C9E4E389D}"/>
-              </a:ext>
-            </a:extLst>
-          </p:cNvPr>
-          <p:cNvPicPr>
-            <a:picLocks noChangeAspect="1"/>
-          </p:cNvPicPr>
-          <p:nvPr/>
-        </p:nvPicPr>
-        <p:blipFill>
-          <a:blip r:embed="rId5">
-            <a:extLst>
-              <a:ext uri="{28A0092B-C50C-407E-A947-70E740481C1C}">
-                <a14:useLocalDpi xmlns:a14="http://schemas.microsoft.com/office/drawing/2010/main" val="0"/>
-              </a:ext>
-            </a:extLst>
-          </a:blip>
-          <a:stretch>
-            <a:fillRect/>
-          </a:stretch>
-        </p:blipFill>
-        <p:spPr>
-          <a:xfrm>
-            <a:off x="2661963" y="1330564"/>
-            <a:ext cx="738462" cy="738462"/>
-          </a:xfrm>
-          <a:prstGeom prst="rect">
-            <a:avLst/>
-          </a:prstGeom>
-        </p:spPr>
-      </p:pic>
-      <p:grpSp>
-        <p:nvGrpSpPr>
-          <p:cNvPr id="7" name="组合 M">
-            <a:extLst>
-              <a:ext uri="{FF2B5EF4-FFF2-40B4-BE49-F238E27FC236}">
-                <a16:creationId xmlns:a16="http://schemas.microsoft.com/office/drawing/2014/main" id="{4CA1E171-F9FA-6981-1628-4B30591A3EFB}"/>
-              </a:ext>
-            </a:extLst>
-          </p:cNvPr>
-          <p:cNvGrpSpPr/>
-          <p:nvPr/>
-        </p:nvGrpSpPr>
-        <p:grpSpPr>
-          <a:xfrm>
-            <a:off x="-8776828" y="0"/>
-            <a:ext cx="11459348" cy="6859534"/>
-            <a:chOff x="-1543570" y="-1534"/>
-            <a:chExt cx="11459348" cy="6859534"/>
-          </a:xfrm>
-        </p:grpSpPr>
-        <p:sp>
-          <p:nvSpPr>
-            <p:cNvPr id="8" name="文本框 7">
-              <a:extLst>
-                <a:ext uri="{FF2B5EF4-FFF2-40B4-BE49-F238E27FC236}">
-                  <a16:creationId xmlns:a16="http://schemas.microsoft.com/office/drawing/2014/main" id="{17593F07-218D-3B51-5FFF-2B3BD3B4E754}"/>
-                </a:ext>
-              </a:extLst>
-            </p:cNvPr>
-            <p:cNvSpPr txBox="1"/>
-            <p:nvPr/>
-          </p:nvSpPr>
-          <p:spPr>
-            <a:xfrm>
-              <a:off x="9107178" y="2036087"/>
-              <a:ext cx="808600" cy="888651"/>
-            </a:xfrm>
-            <a:prstGeom prst="flowChartAlternateProcess">
-              <a:avLst/>
-            </a:prstGeom>
-            <a:solidFill>
-              <a:schemeClr val="bg2">
-                <a:lumMod val="75000"/>
-              </a:schemeClr>
-            </a:solidFill>
-            <a:ln>
-              <a:noFill/>
-            </a:ln>
-            <a:effectLst>
-              <a:outerShdw blurRad="50800" dist="38100" algn="l" rotWithShape="0">
-                <a:prstClr val="black">
-                  <a:alpha val="40000"/>
-                </a:prstClr>
-              </a:outerShdw>
-              <a:softEdge rad="0"/>
-            </a:effectLst>
-          </p:spPr>
-          <p:style>
-            <a:lnRef idx="3">
-              <a:schemeClr val="lt1"/>
-            </a:lnRef>
-            <a:fillRef idx="1">
-              <a:schemeClr val="accent1"/>
-            </a:fillRef>
-            <a:effectRef idx="1">
-              <a:schemeClr val="accent1"/>
-            </a:effectRef>
-            <a:fontRef idx="minor">
-              <a:schemeClr val="lt1"/>
-            </a:fontRef>
-          </p:style>
-          <p:txBody>
-            <a:bodyPr wrap="square" rtlCol="0" anchor="ctr" anchorCtr="0">
-              <a:noAutofit/>
-            </a:bodyPr>
-            <a:lstStyle/>
-            <a:p>
-              <a:pPr algn="ctr"/>
-              <a:r>
-                <a:rPr lang="en-US" altLang="zh-CN" sz="2400" b="1" dirty="0">
-                  <a:latin typeface="Bodoni MT Black" panose="02070A03080606020203" pitchFamily="18" charset="0"/>
-                </a:rPr>
-                <a:t>M</a:t>
-              </a:r>
-              <a:endParaRPr lang="zh-CN" altLang="en-US" sz="2400" b="1" dirty="0">
-                <a:latin typeface="Bodoni MT Black" panose="02070A03080606020203" pitchFamily="18" charset="0"/>
-              </a:endParaRPr>
-            </a:p>
-          </p:txBody>
-        </p:sp>
-        <p:sp>
-          <p:nvSpPr>
-            <p:cNvPr id="9" name="矩形 8">
-              <a:extLst>
-                <a:ext uri="{FF2B5EF4-FFF2-40B4-BE49-F238E27FC236}">
-                  <a16:creationId xmlns:a16="http://schemas.microsoft.com/office/drawing/2014/main" id="{4BD5810B-3011-6E5A-C575-0D87EA7B47E1}"/>
-                </a:ext>
-              </a:extLst>
-            </p:cNvPr>
-            <p:cNvSpPr/>
-            <p:nvPr/>
-          </p:nvSpPr>
-          <p:spPr>
-            <a:xfrm>
-              <a:off x="-1543570" y="-1534"/>
-              <a:ext cx="10804172" cy="6859534"/>
-            </a:xfrm>
-            <a:prstGeom prst="rect">
-              <a:avLst/>
-            </a:prstGeom>
-            <a:solidFill>
-              <a:schemeClr val="bg2">
-                <a:lumMod val="75000"/>
-              </a:schemeClr>
-            </a:solidFill>
-            <a:ln>
-              <a:noFill/>
-            </a:ln>
-          </p:spPr>
-          <p:style>
-            <a:lnRef idx="2">
-              <a:schemeClr val="accent1">
-                <a:shade val="50000"/>
-              </a:schemeClr>
-            </a:lnRef>
-            <a:fillRef idx="1">
-              <a:schemeClr val="accent1"/>
-            </a:fillRef>
-            <a:effectRef idx="0">
-              <a:schemeClr val="accent1"/>
-            </a:effectRef>
-            <a:fontRef idx="minor">
-              <a:schemeClr val="lt1"/>
-            </a:fontRef>
-          </p:style>
-          <p:txBody>
-            <a:bodyPr rtlCol="0" anchor="ctr"/>
-            <a:lstStyle/>
-            <a:p>
-              <a:pPr algn="ctr"/>
-              <a:endParaRPr lang="zh-CN" altLang="en-US" dirty="0"/>
-            </a:p>
-          </p:txBody>
-        </p:sp>
-      </p:grpSp>
-      <p:sp>
-        <p:nvSpPr>
-          <p:cNvPr id="23" name="MaterialIns">
-            <a:extLst>
-              <a:ext uri="{FF2B5EF4-FFF2-40B4-BE49-F238E27FC236}">
-                <a16:creationId xmlns:a16="http://schemas.microsoft.com/office/drawing/2014/main" id="{E623BC63-0CBD-ABF0-782A-548C5A3CF635}"/>
-              </a:ext>
-            </a:extLst>
-          </p:cNvPr>
-          <p:cNvSpPr/>
-          <p:nvPr/>
-        </p:nvSpPr>
-        <p:spPr>
-          <a:xfrm>
-            <a:off x="2603453" y="2540269"/>
-            <a:ext cx="7088800" cy="1754326"/>
-          </a:xfrm>
-          <a:prstGeom prst="rect">
-            <a:avLst/>
-          </a:prstGeom>
-          <a:noFill/>
-        </p:spPr>
-        <p:txBody>
-          <a:bodyPr wrap="none" lIns="91440" tIns="45720" rIns="91440" bIns="45720">
-            <a:spAutoFit/>
-          </a:bodyPr>
-          <a:lstStyle/>
-          <a:p>
-            <a:pPr algn="ctr"/>
-            <a:r>
-              <a:rPr lang="zh-CN" altLang="en-US" sz="5400" b="1" dirty="0">
-                <a:ln w="9525">
-                  <a:solidFill>
-                    <a:schemeClr val="bg1"/>
-                  </a:solidFill>
-                  <a:prstDash val="solid"/>
-                </a:ln>
-                <a:effectLst>
-                  <a:outerShdw blurRad="12700" dist="38100" dir="2700000" algn="tl" rotWithShape="0">
-                    <a:schemeClr val="bg1">
-                      <a:lumMod val="50000"/>
-                    </a:schemeClr>
-                  </a:outerShdw>
-                </a:effectLst>
-              </a:rPr>
-              <a:t>材质函数</a:t>
-            </a:r>
-            <a:endParaRPr lang="en-US" altLang="zh-CN" sz="5400" b="1" dirty="0">
-              <a:ln w="9525">
-                <a:solidFill>
-                  <a:schemeClr val="bg1"/>
-                </a:solidFill>
-                <a:prstDash val="solid"/>
-              </a:ln>
-              <a:effectLst>
-                <a:outerShdw blurRad="12700" dist="38100" dir="2700000" algn="tl" rotWithShape="0">
-                  <a:schemeClr val="bg1">
-                    <a:lumMod val="50000"/>
-                  </a:schemeClr>
-                </a:outerShdw>
-              </a:effectLst>
-            </a:endParaRPr>
-          </a:p>
-          <a:p>
-            <a:pPr algn="ctr"/>
-            <a:r>
-              <a:rPr lang="zh-CN" altLang="en-US" sz="5400" b="1" dirty="0">
-                <a:ln w="9525">
-                  <a:solidFill>
-                    <a:schemeClr val="bg1"/>
-                  </a:solidFill>
-                  <a:prstDash val="solid"/>
-                </a:ln>
-                <a:effectLst>
-                  <a:outerShdw blurRad="12700" dist="38100" dir="2700000" algn="tl" rotWithShape="0">
-                    <a:schemeClr val="bg1">
-                      <a:lumMod val="50000"/>
-                    </a:schemeClr>
-                  </a:outerShdw>
-                </a:effectLst>
-              </a:rPr>
-              <a:t>（</a:t>
-            </a:r>
-            <a:r>
-              <a:rPr lang="en-US" altLang="zh-CN" sz="5400" b="1" dirty="0">
-                <a:ln w="9525">
-                  <a:solidFill>
-                    <a:schemeClr val="bg1"/>
-                  </a:solidFill>
-                  <a:prstDash val="solid"/>
-                </a:ln>
-                <a:effectLst>
-                  <a:outerShdw blurRad="12700" dist="38100" dir="2700000" algn="tl" rotWithShape="0">
-                    <a:schemeClr val="bg1">
-                      <a:lumMod val="50000"/>
-                    </a:schemeClr>
-                  </a:outerShdw>
-                </a:effectLst>
-              </a:rPr>
-              <a:t>Material Function</a:t>
-            </a:r>
-            <a:r>
-              <a:rPr lang="zh-CN" altLang="en-US" sz="5400" b="1" dirty="0">
-                <a:ln w="9525">
-                  <a:solidFill>
-                    <a:schemeClr val="bg1"/>
-                  </a:solidFill>
-                  <a:prstDash val="solid"/>
-                </a:ln>
-                <a:effectLst>
-                  <a:outerShdw blurRad="12700" dist="38100" dir="2700000" algn="tl" rotWithShape="0">
-                    <a:schemeClr val="bg1">
-                      <a:lumMod val="50000"/>
-                    </a:schemeClr>
-                  </a:outerShdw>
-                </a:effectLst>
-              </a:rPr>
-              <a:t>）</a:t>
-            </a:r>
-          </a:p>
-        </p:txBody>
-      </p:sp>
-      <p:grpSp>
-        <p:nvGrpSpPr>
-          <p:cNvPr id="12" name="组合 MI">
-            <a:extLst>
-              <a:ext uri="{FF2B5EF4-FFF2-40B4-BE49-F238E27FC236}">
-                <a16:creationId xmlns:a16="http://schemas.microsoft.com/office/drawing/2014/main" id="{B2951025-4466-F7EF-45C6-A3CB7EF1CC66}"/>
-              </a:ext>
-            </a:extLst>
-          </p:cNvPr>
-          <p:cNvGrpSpPr/>
-          <p:nvPr/>
-        </p:nvGrpSpPr>
-        <p:grpSpPr>
-          <a:xfrm>
-            <a:off x="-9592917" y="0"/>
-            <a:ext cx="11459348" cy="6859534"/>
-            <a:chOff x="-1543570" y="-1534"/>
-            <a:chExt cx="11459348" cy="6859534"/>
-          </a:xfrm>
-        </p:grpSpPr>
-        <p:sp>
-          <p:nvSpPr>
-            <p:cNvPr id="13" name="文本框 12">
-              <a:extLst>
-                <a:ext uri="{FF2B5EF4-FFF2-40B4-BE49-F238E27FC236}">
-                  <a16:creationId xmlns:a16="http://schemas.microsoft.com/office/drawing/2014/main" id="{639F4C49-2D9D-548F-092F-5A740BB0FB64}"/>
-                </a:ext>
-              </a:extLst>
-            </p:cNvPr>
-            <p:cNvSpPr txBox="1"/>
-            <p:nvPr/>
-          </p:nvSpPr>
-          <p:spPr>
-            <a:xfrm>
-              <a:off x="9107178" y="3039518"/>
-              <a:ext cx="808600" cy="888651"/>
-            </a:xfrm>
-            <a:prstGeom prst="flowChartAlternateProcess">
-              <a:avLst/>
-            </a:prstGeom>
-            <a:solidFill>
-              <a:srgbClr val="4E607A"/>
-            </a:solidFill>
-            <a:ln>
-              <a:noFill/>
-            </a:ln>
-            <a:effectLst>
-              <a:outerShdw blurRad="50800" dist="38100" algn="l" rotWithShape="0">
-                <a:prstClr val="black">
-                  <a:alpha val="40000"/>
-                </a:prstClr>
-              </a:outerShdw>
-              <a:softEdge rad="0"/>
-            </a:effectLst>
-          </p:spPr>
-          <p:style>
-            <a:lnRef idx="3">
-              <a:schemeClr val="lt1"/>
-            </a:lnRef>
-            <a:fillRef idx="1">
-              <a:schemeClr val="accent1"/>
-            </a:fillRef>
-            <a:effectRef idx="1">
-              <a:schemeClr val="accent1"/>
-            </a:effectRef>
-            <a:fontRef idx="minor">
-              <a:schemeClr val="lt1"/>
-            </a:fontRef>
-          </p:style>
-          <p:txBody>
-            <a:bodyPr wrap="square" rtlCol="0" anchor="ctr" anchorCtr="0">
-              <a:noAutofit/>
-            </a:bodyPr>
-            <a:lstStyle/>
-            <a:p>
-              <a:pPr algn="ctr"/>
-              <a:r>
-                <a:rPr lang="en-US" altLang="zh-CN" sz="2400" b="1" dirty="0">
-                  <a:latin typeface="Bodoni MT Black" panose="02070A03080606020203" pitchFamily="18" charset="0"/>
-                </a:rPr>
-                <a:t>MI</a:t>
-              </a:r>
-              <a:endParaRPr lang="zh-CN" altLang="en-US" sz="2400" b="1" dirty="0">
-                <a:latin typeface="Bodoni MT Black" panose="02070A03080606020203" pitchFamily="18" charset="0"/>
-              </a:endParaRPr>
-            </a:p>
-          </p:txBody>
-        </p:sp>
-        <p:sp>
-          <p:nvSpPr>
-            <p:cNvPr id="14" name="矩形 13">
-              <a:extLst>
-                <a:ext uri="{FF2B5EF4-FFF2-40B4-BE49-F238E27FC236}">
-                  <a16:creationId xmlns:a16="http://schemas.microsoft.com/office/drawing/2014/main" id="{AE00B959-9713-4F96-2D07-989385768095}"/>
-                </a:ext>
-              </a:extLst>
-            </p:cNvPr>
-            <p:cNvSpPr/>
-            <p:nvPr/>
-          </p:nvSpPr>
-          <p:spPr>
-            <a:xfrm>
-              <a:off x="-1543570" y="-1534"/>
-              <a:ext cx="10804172" cy="6859534"/>
-            </a:xfrm>
-            <a:prstGeom prst="rect">
-              <a:avLst/>
-            </a:prstGeom>
-            <a:solidFill>
-              <a:srgbClr val="4E607A"/>
-            </a:solidFill>
-            <a:ln>
-              <a:noFill/>
-            </a:ln>
-          </p:spPr>
-          <p:style>
-            <a:lnRef idx="2">
-              <a:schemeClr val="accent1">
-                <a:shade val="50000"/>
-              </a:schemeClr>
-            </a:lnRef>
-            <a:fillRef idx="1">
-              <a:schemeClr val="accent1"/>
-            </a:fillRef>
-            <a:effectRef idx="0">
-              <a:schemeClr val="accent1"/>
-            </a:effectRef>
-            <a:fontRef idx="minor">
-              <a:schemeClr val="lt1"/>
-            </a:fontRef>
-          </p:style>
-          <p:txBody>
-            <a:bodyPr rtlCol="0" anchor="ctr"/>
-            <a:lstStyle/>
-            <a:p>
-              <a:pPr algn="ctr"/>
-              <a:endParaRPr lang="zh-CN" altLang="en-US" dirty="0"/>
-            </a:p>
-          </p:txBody>
-        </p:sp>
-      </p:grpSp>
-      <p:grpSp>
-        <p:nvGrpSpPr>
-          <p:cNvPr id="18" name="组合 MF">
-            <a:extLst>
-              <a:ext uri="{FF2B5EF4-FFF2-40B4-BE49-F238E27FC236}">
-                <a16:creationId xmlns:a16="http://schemas.microsoft.com/office/drawing/2014/main" id="{7F6BD44A-0418-7275-D2E9-F6673D940EE8}"/>
-              </a:ext>
-            </a:extLst>
-          </p:cNvPr>
-          <p:cNvGrpSpPr/>
-          <p:nvPr/>
-        </p:nvGrpSpPr>
-        <p:grpSpPr>
-          <a:xfrm>
-            <a:off x="-10396325" y="0"/>
-            <a:ext cx="11459348" cy="6859534"/>
-            <a:chOff x="-1543570" y="-1534"/>
-            <a:chExt cx="11459348" cy="6859534"/>
-          </a:xfrm>
-        </p:grpSpPr>
-        <p:sp>
-          <p:nvSpPr>
-            <p:cNvPr id="19" name="文本框 18">
-              <a:extLst>
-                <a:ext uri="{FF2B5EF4-FFF2-40B4-BE49-F238E27FC236}">
-                  <a16:creationId xmlns:a16="http://schemas.microsoft.com/office/drawing/2014/main" id="{C70A4406-617C-9314-67A8-E94F551E4BD1}"/>
-                </a:ext>
-              </a:extLst>
-            </p:cNvPr>
-            <p:cNvSpPr txBox="1"/>
-            <p:nvPr/>
-          </p:nvSpPr>
-          <p:spPr>
-            <a:xfrm>
-              <a:off x="9107178" y="4059797"/>
-              <a:ext cx="808600" cy="888651"/>
-            </a:xfrm>
-            <a:prstGeom prst="flowChartAlternateProcess">
-              <a:avLst/>
-            </a:prstGeom>
-            <a:solidFill>
-              <a:schemeClr val="bg2">
-                <a:lumMod val="60000"/>
-                <a:lumOff val="40000"/>
-              </a:schemeClr>
-            </a:solidFill>
-            <a:ln>
-              <a:noFill/>
-            </a:ln>
-            <a:effectLst>
-              <a:outerShdw blurRad="50800" dist="38100" algn="l" rotWithShape="0">
-                <a:prstClr val="black">
-                  <a:alpha val="40000"/>
-                </a:prstClr>
-              </a:outerShdw>
-              <a:softEdge rad="0"/>
-            </a:effectLst>
-          </p:spPr>
-          <p:style>
-            <a:lnRef idx="3">
-              <a:schemeClr val="lt1"/>
-            </a:lnRef>
-            <a:fillRef idx="1">
-              <a:schemeClr val="accent1"/>
-            </a:fillRef>
-            <a:effectRef idx="1">
-              <a:schemeClr val="accent1"/>
-            </a:effectRef>
-            <a:fontRef idx="minor">
-              <a:schemeClr val="lt1"/>
-            </a:fontRef>
-          </p:style>
-          <p:txBody>
-            <a:bodyPr wrap="square" rtlCol="0" anchor="ctr" anchorCtr="0">
-              <a:noAutofit/>
-            </a:bodyPr>
-            <a:lstStyle/>
-            <a:p>
-              <a:pPr algn="ctr"/>
-              <a:r>
-                <a:rPr lang="en-US" altLang="zh-CN" sz="2400" b="1" dirty="0">
-                  <a:latin typeface="Bodoni MT Black" panose="02070A03080606020203" pitchFamily="18" charset="0"/>
-                </a:rPr>
-                <a:t>MF</a:t>
-              </a:r>
-              <a:endParaRPr lang="zh-CN" altLang="en-US" sz="2400" b="1" dirty="0">
-                <a:latin typeface="Bodoni MT Black" panose="02070A03080606020203" pitchFamily="18" charset="0"/>
-              </a:endParaRPr>
-            </a:p>
-          </p:txBody>
-        </p:sp>
-        <p:sp>
-          <p:nvSpPr>
-            <p:cNvPr id="21" name="矩形 20">
-              <a:extLst>
-                <a:ext uri="{FF2B5EF4-FFF2-40B4-BE49-F238E27FC236}">
-                  <a16:creationId xmlns:a16="http://schemas.microsoft.com/office/drawing/2014/main" id="{2B8ADDEA-45D2-9DEE-B577-8AF307B5A082}"/>
-                </a:ext>
-              </a:extLst>
-            </p:cNvPr>
-            <p:cNvSpPr/>
-            <p:nvPr/>
-          </p:nvSpPr>
-          <p:spPr>
-            <a:xfrm>
-              <a:off x="-1543570" y="-1534"/>
-              <a:ext cx="10804172" cy="6859534"/>
-            </a:xfrm>
-            <a:prstGeom prst="rect">
-              <a:avLst/>
-            </a:prstGeom>
-            <a:solidFill>
-              <a:schemeClr val="bg2">
-                <a:lumMod val="60000"/>
-                <a:lumOff val="40000"/>
-              </a:schemeClr>
-            </a:solidFill>
-            <a:ln>
-              <a:noFill/>
-            </a:ln>
-          </p:spPr>
-          <p:style>
-            <a:lnRef idx="2">
-              <a:schemeClr val="accent1">
-                <a:shade val="50000"/>
-              </a:schemeClr>
-            </a:lnRef>
-            <a:fillRef idx="1">
-              <a:schemeClr val="accent1"/>
-            </a:fillRef>
-            <a:effectRef idx="0">
-              <a:schemeClr val="accent1"/>
-            </a:effectRef>
-            <a:fontRef idx="minor">
-              <a:schemeClr val="lt1"/>
-            </a:fontRef>
-          </p:style>
-          <p:txBody>
-            <a:bodyPr rtlCol="0" anchor="ctr"/>
-            <a:lstStyle/>
-            <a:p>
-              <a:pPr algn="ctr"/>
-              <a:endParaRPr lang="zh-CN" altLang="en-US" dirty="0"/>
-            </a:p>
-          </p:txBody>
-        </p:sp>
-      </p:grpSp>
-    </p:spTree>
-    <p:extLst>
-      <p:ext uri="{BB962C8B-B14F-4D97-AF65-F5344CB8AC3E}">
-        <p14:creationId xmlns:p14="http://schemas.microsoft.com/office/powerpoint/2010/main" val="779913917"/>
-      </p:ext>
-    </p:extLst>
-  </p:cSld>
-  <p:clrMapOvr>
-    <a:masterClrMapping/>
-  </p:clrMapOvr>
-  <mc:AlternateContent xmlns:mc="http://schemas.openxmlformats.org/markup-compatibility/2006">
-    <mc:Choice xmlns:p159="http://schemas.microsoft.com/office/powerpoint/2015/09/main" Requires="p159">
-      <p:transition xmlns:p14="http://schemas.microsoft.com/office/powerpoint/2010/main" spd="slow" p14:dur="1200">
-        <p159:morph option="byObject"/>
-      </p:transition>
-    </mc:Choice>
-    <mc:Fallback>
-      <p:transition spd="slow">
-        <p:fade/>
-      </p:transition>
-    </mc:Fallback>
-  </mc:AlternateContent>
-  <mc:AlternateContent xmlns:mc="http://schemas.openxmlformats.org/markup-compatibility/2006">
-    <mc:Choice xmlns:p14="http://schemas.microsoft.com/office/powerpoint/2010/main" Requires="p14">
-      <p:timing>
-        <p:tnLst>
-          <p:par>
-            <p:cTn id="1" dur="indefinite" restart="never" nodeType="tmRoot">
-              <p:childTnLst>
-                <p:seq concurrent="1" nextAc="seek">
-                  <p:cTn id="2" dur="indefinite" nodeType="mainSeq">
-                    <p:childTnLst>
-                      <p:par>
-                        <p:cTn id="3" fill="hold">
-                          <p:stCondLst>
-                            <p:cond delay="indefinite"/>
-                          </p:stCondLst>
-                          <p:childTnLst>
-                            <p:par>
-                              <p:cTn id="4" fill="hold">
-                                <p:stCondLst>
-                                  <p:cond delay="0"/>
-                                </p:stCondLst>
-                                <p:childTnLst>
-                                  <p:par>
-                                    <p:cTn id="5" presetID="63" presetClass="path" presetSubtype="0" accel="50000" fill="hold" nodeType="clickEffect" p14:presetBounceEnd="51000">
-                                      <p:stCondLst>
-                                        <p:cond delay="0"/>
-                                      </p:stCondLst>
-                                      <p:childTnLst>
-                                        <p:animMotion origin="layout" path="M -1.66667E-6 1.48148E-6 L 0.67448 1.48148E-6 " pathEditMode="relative" rAng="0" ptsTypes="AA" p14:bounceEnd="51000">
-                                          <p:cBhvr>
-                                            <p:cTn id="6" dur="1000" fill="hold"/>
-                                            <p:tgtEl>
-                                              <p:spTgt spid="22"/>
-                                            </p:tgtEl>
-                                            <p:attrNameLst>
-                                              <p:attrName>ppt_x</p:attrName>
-                                              <p:attrName>ppt_y</p:attrName>
-                                            </p:attrNameLst>
-                                          </p:cBhvr>
-                                          <p:rCtr x="33724" y="0"/>
-                                        </p:animMotion>
-                                      </p:childTnLst>
-                                    </p:cTn>
-                                  </p:par>
-                                  <p:par>
-                                    <p:cTn id="7" presetID="63" presetClass="path" presetSubtype="0" accel="50000" fill="hold" nodeType="withEffect" p14:presetBounceEnd="51000">
-                                      <p:stCondLst>
-                                        <p:cond delay="0"/>
-                                      </p:stCondLst>
-                                      <p:childTnLst>
-                                        <p:animMotion origin="layout" path="M 2.29167E-6 4.81481E-6 L 0.67448 4.81481E-6 " pathEditMode="relative" rAng="0" ptsTypes="AA" p14:bounceEnd="51000">
-                                          <p:cBhvr>
-                                            <p:cTn id="8" dur="1000" fill="hold"/>
-                                            <p:tgtEl>
-                                              <p:spTgt spid="15"/>
-                                            </p:tgtEl>
-                                            <p:attrNameLst>
-                                              <p:attrName>ppt_x</p:attrName>
-                                              <p:attrName>ppt_y</p:attrName>
-                                            </p:attrNameLst>
-                                          </p:cBhvr>
-                                          <p:rCtr x="33724" y="0"/>
-                                        </p:animMotion>
-                                      </p:childTnLst>
-                                    </p:cTn>
-                                  </p:par>
-                                  <p:par>
-                                    <p:cTn id="9" presetID="63" presetClass="path" presetSubtype="0" accel="50000" fill="hold" nodeType="withEffect" p14:presetBounceEnd="51000">
-                                      <p:stCondLst>
-                                        <p:cond delay="0"/>
-                                      </p:stCondLst>
-                                      <p:childTnLst>
-                                        <p:animMotion origin="layout" path="M -2.08333E-7 0 L 0.67448 0 " pathEditMode="relative" rAng="0" ptsTypes="AA" p14:bounceEnd="51000">
-                                          <p:cBhvr>
-                                            <p:cTn id="10" dur="1000" fill="hold"/>
-                                            <p:tgtEl>
-                                              <p:spTgt spid="7"/>
-                                            </p:tgtEl>
-                                            <p:attrNameLst>
-                                              <p:attrName>ppt_x</p:attrName>
-                                              <p:attrName>ppt_y</p:attrName>
-                                            </p:attrNameLst>
-                                          </p:cBhvr>
-                                          <p:rCtr x="33724" y="0"/>
-                                        </p:animMotion>
-                                      </p:childTnLst>
-                                    </p:cTn>
-                                  </p:par>
-                                  <p:par>
-                                    <p:cTn id="11" presetID="63" presetClass="path" presetSubtype="0" accel="50000" fill="hold" nodeType="withEffect" p14:presetBounceEnd="51000">
-                                      <p:stCondLst>
-                                        <p:cond delay="0"/>
-                                      </p:stCondLst>
-                                      <p:childTnLst>
-                                        <p:animMotion origin="layout" path="M -3.125E-6 0 L 0.67448 0 " pathEditMode="relative" rAng="0" ptsTypes="AA" p14:bounceEnd="51000">
-                                          <p:cBhvr>
-                                            <p:cTn id="12" dur="1000" fill="hold"/>
-                                            <p:tgtEl>
-                                              <p:spTgt spid="12"/>
-                                            </p:tgtEl>
-                                            <p:attrNameLst>
-                                              <p:attrName>ppt_x</p:attrName>
-                                              <p:attrName>ppt_y</p:attrName>
-                                            </p:attrNameLst>
-                                          </p:cBhvr>
-                                          <p:rCtr x="33724" y="0"/>
-                                        </p:animMotion>
-                                      </p:childTnLst>
-                                    </p:cTn>
-                                  </p:par>
-                                  <p:par>
-                                    <p:cTn id="13" presetID="63" presetClass="path" presetSubtype="0" accel="50000" fill="hold" grpId="0" nodeType="withEffect" p14:presetBounceEnd="51000">
-                                      <p:stCondLst>
-                                        <p:cond delay="0"/>
-                                      </p:stCondLst>
-                                      <p:childTnLst>
-                                        <p:animMotion origin="layout" path="M 3.33333E-6 1.85185E-6 L 0.74466 1.85185E-6 " pathEditMode="relative" rAng="0" ptsTypes="AA" p14:bounceEnd="51000">
-                                          <p:cBhvr>
-                                            <p:cTn id="14" dur="1000" fill="hold"/>
-                                            <p:tgtEl>
-                                              <p:spTgt spid="23"/>
-                                            </p:tgtEl>
-                                            <p:attrNameLst>
-                                              <p:attrName>ppt_x</p:attrName>
-                                              <p:attrName>ppt_y</p:attrName>
-                                            </p:attrNameLst>
-                                          </p:cBhvr>
-                                          <p:rCtr x="37227" y="0"/>
-                                        </p:animMotion>
-                                      </p:childTnLst>
-                                    </p:cTn>
-                                  </p:par>
-                                  <p:par>
-                                    <p:cTn id="15" presetID="63" presetClass="path" presetSubtype="0" accel="50000" fill="hold" nodeType="withEffect" p14:presetBounceEnd="51000">
-                                      <p:stCondLst>
-                                        <p:cond delay="0"/>
-                                      </p:stCondLst>
-                                      <p:childTnLst>
-                                        <p:animMotion origin="layout" path="M 2.29167E-6 0 L 0.8431 0 " pathEditMode="relative" rAng="0" ptsTypes="AA" p14:bounceEnd="51000">
-                                          <p:cBhvr>
-                                            <p:cTn id="16" dur="1000" fill="hold"/>
-                                            <p:tgtEl>
-                                              <p:spTgt spid="18"/>
-                                            </p:tgtEl>
-                                            <p:attrNameLst>
-                                              <p:attrName>ppt_x</p:attrName>
-                                              <p:attrName>ppt_y</p:attrName>
-                                            </p:attrNameLst>
-                                          </p:cBhvr>
-                                          <p:rCtr x="42148" y="0"/>
-                                        </p:animMotion>
-                                      </p:childTnLst>
-                                    </p:cTn>
-                                  </p:par>
-                                </p:childTnLst>
-                              </p:cTn>
-                            </p:par>
-                          </p:childTnLst>
-                        </p:cTn>
-                      </p:par>
-                    </p:childTnLst>
-                  </p:cTn>
-                  <p:prevCondLst>
-                    <p:cond evt="onPrev" delay="0">
-                      <p:tgtEl>
-                        <p:sldTgt/>
-                      </p:tgtEl>
-                    </p:cond>
-                  </p:prevCondLst>
-                  <p:nextCondLst>
-                    <p:cond evt="onNext" delay="0">
-                      <p:tgtEl>
-                        <p:sldTgt/>
-                      </p:tgtEl>
-                    </p:cond>
-                  </p:nextCondLst>
-                </p:seq>
-              </p:childTnLst>
-            </p:cTn>
-          </p:par>
-        </p:tnLst>
-        <p:bldLst>
-          <p:bldP spid="23" grpId="0"/>
-        </p:bldLst>
-      </p:timing>
-    </mc:Choice>
-    <mc:Fallback>
-      <p:timing>
-        <p:tnLst>
-          <p:par>
-            <p:cTn id="1" dur="indefinite" restart="never" nodeType="tmRoot">
-              <p:childTnLst>
-                <p:seq concurrent="1" nextAc="seek">
-                  <p:cTn id="2" dur="indefinite" nodeType="mainSeq">
-                    <p:childTnLst>
-                      <p:par>
-                        <p:cTn id="3" fill="hold">
-                          <p:stCondLst>
-                            <p:cond delay="indefinite"/>
-                          </p:stCondLst>
-                          <p:childTnLst>
-                            <p:par>
-                              <p:cTn id="4" fill="hold">
-                                <p:stCondLst>
-                                  <p:cond delay="0"/>
-                                </p:stCondLst>
-                                <p:childTnLst>
-                                  <p:par>
-                                    <p:cTn id="5" presetID="63" presetClass="path" presetSubtype="0" accel="50000" fill="hold" nodeType="clickEffect">
-                                      <p:stCondLst>
-                                        <p:cond delay="0"/>
-                                      </p:stCondLst>
-                                      <p:childTnLst>
-                                        <p:animMotion origin="layout" path="M -1.66667E-6 1.48148E-6 L 0.67448 1.48148E-6 " pathEditMode="relative" rAng="0" ptsTypes="AA">
-                                          <p:cBhvr>
-                                            <p:cTn id="6" dur="1000" fill="hold"/>
-                                            <p:tgtEl>
-                                              <p:spTgt spid="22"/>
-                                            </p:tgtEl>
-                                            <p:attrNameLst>
-                                              <p:attrName>ppt_x</p:attrName>
-                                              <p:attrName>ppt_y</p:attrName>
-                                            </p:attrNameLst>
-                                          </p:cBhvr>
-                                          <p:rCtr x="33724" y="0"/>
-                                        </p:animMotion>
-                                      </p:childTnLst>
-                                    </p:cTn>
-                                  </p:par>
-                                  <p:par>
-                                    <p:cTn id="7" presetID="63" presetClass="path" presetSubtype="0" accel="50000" fill="hold" nodeType="withEffect">
-                                      <p:stCondLst>
-                                        <p:cond delay="0"/>
-                                      </p:stCondLst>
-                                      <p:childTnLst>
-                                        <p:animMotion origin="layout" path="M 2.29167E-6 4.81481E-6 L 0.67448 4.81481E-6 " pathEditMode="relative" rAng="0" ptsTypes="AA">
-                                          <p:cBhvr>
-                                            <p:cTn id="8" dur="1000" fill="hold"/>
-                                            <p:tgtEl>
-                                              <p:spTgt spid="15"/>
-                                            </p:tgtEl>
-                                            <p:attrNameLst>
-                                              <p:attrName>ppt_x</p:attrName>
-                                              <p:attrName>ppt_y</p:attrName>
-                                            </p:attrNameLst>
-                                          </p:cBhvr>
-                                          <p:rCtr x="33724" y="0"/>
-                                        </p:animMotion>
-                                      </p:childTnLst>
-                                    </p:cTn>
-                                  </p:par>
-                                  <p:par>
-                                    <p:cTn id="9" presetID="63" presetClass="path" presetSubtype="0" accel="50000" fill="hold" nodeType="withEffect">
-                                      <p:stCondLst>
-                                        <p:cond delay="0"/>
-                                      </p:stCondLst>
-                                      <p:childTnLst>
-                                        <p:animMotion origin="layout" path="M -2.08333E-7 0 L 0.67448 0 " pathEditMode="relative" rAng="0" ptsTypes="AA">
-                                          <p:cBhvr>
-                                            <p:cTn id="10" dur="1000" fill="hold"/>
-                                            <p:tgtEl>
-                                              <p:spTgt spid="7"/>
-                                            </p:tgtEl>
-                                            <p:attrNameLst>
-                                              <p:attrName>ppt_x</p:attrName>
-                                              <p:attrName>ppt_y</p:attrName>
-                                            </p:attrNameLst>
-                                          </p:cBhvr>
-                                          <p:rCtr x="33724" y="0"/>
-                                        </p:animMotion>
-                                      </p:childTnLst>
-                                    </p:cTn>
-                                  </p:par>
-                                  <p:par>
-                                    <p:cTn id="11" presetID="63" presetClass="path" presetSubtype="0" accel="50000" fill="hold" nodeType="withEffect">
-                                      <p:stCondLst>
-                                        <p:cond delay="0"/>
-                                      </p:stCondLst>
-                                      <p:childTnLst>
-                                        <p:animMotion origin="layout" path="M -3.125E-6 0 L 0.67448 0 " pathEditMode="relative" rAng="0" ptsTypes="AA">
-                                          <p:cBhvr>
-                                            <p:cTn id="12" dur="1000" fill="hold"/>
-                                            <p:tgtEl>
-                                              <p:spTgt spid="12"/>
-                                            </p:tgtEl>
-                                            <p:attrNameLst>
-                                              <p:attrName>ppt_x</p:attrName>
-                                              <p:attrName>ppt_y</p:attrName>
-                                            </p:attrNameLst>
-                                          </p:cBhvr>
-                                          <p:rCtr x="33724" y="0"/>
-                                        </p:animMotion>
-                                      </p:childTnLst>
-                                    </p:cTn>
-                                  </p:par>
-                                  <p:par>
-                                    <p:cTn id="13" presetID="63" presetClass="path" presetSubtype="0" accel="50000" fill="hold" grpId="0" nodeType="withEffect">
-                                      <p:stCondLst>
-                                        <p:cond delay="0"/>
-                                      </p:stCondLst>
-                                      <p:childTnLst>
-                                        <p:animMotion origin="layout" path="M 3.33333E-6 1.85185E-6 L 0.74466 1.85185E-6 " pathEditMode="relative" rAng="0" ptsTypes="AA">
-                                          <p:cBhvr>
-                                            <p:cTn id="14" dur="1000" fill="hold"/>
-                                            <p:tgtEl>
-                                              <p:spTgt spid="23"/>
-                                            </p:tgtEl>
-                                            <p:attrNameLst>
-                                              <p:attrName>ppt_x</p:attrName>
-                                              <p:attrName>ppt_y</p:attrName>
-                                            </p:attrNameLst>
-                                          </p:cBhvr>
-                                          <p:rCtr x="37227" y="0"/>
-                                        </p:animMotion>
-                                      </p:childTnLst>
-                                    </p:cTn>
-                                  </p:par>
-                                  <p:par>
-                                    <p:cTn id="15" presetID="63" presetClass="path" presetSubtype="0" accel="50000" fill="hold" nodeType="withEffect">
-                                      <p:stCondLst>
-                                        <p:cond delay="0"/>
-                                      </p:stCondLst>
-                                      <p:childTnLst>
-                                        <p:animMotion origin="layout" path="M 2.29167E-6 0 L 0.8431 0 " pathEditMode="relative" rAng="0" ptsTypes="AA">
-                                          <p:cBhvr>
-                                            <p:cTn id="16" dur="1000" fill="hold"/>
-                                            <p:tgtEl>
-                                              <p:spTgt spid="18"/>
-                                            </p:tgtEl>
-                                            <p:attrNameLst>
-                                              <p:attrName>ppt_x</p:attrName>
-                                              <p:attrName>ppt_y</p:attrName>
-                                            </p:attrNameLst>
-                                          </p:cBhvr>
-                                          <p:rCtr x="42148" y="0"/>
-                                        </p:animMotion>
-                                      </p:childTnLst>
-                                    </p:cTn>
-                                  </p:par>
-                                </p:childTnLst>
-                              </p:cTn>
-                            </p:par>
-                          </p:childTnLst>
-                        </p:cTn>
-                      </p:par>
-                    </p:childTnLst>
-                  </p:cTn>
-                  <p:prevCondLst>
-                    <p:cond evt="onPrev" delay="0">
-                      <p:tgtEl>
-                        <p:sldTgt/>
-                      </p:tgtEl>
-                    </p:cond>
-                  </p:prevCondLst>
-                  <p:nextCondLst>
-                    <p:cond evt="onNext" delay="0">
-                      <p:tgtEl>
-                        <p:sldTgt/>
-                      </p:tgtEl>
-                    </p:cond>
-                  </p:nextCondLst>
-                </p:seq>
-              </p:childTnLst>
-            </p:cTn>
-          </p:par>
-        </p:tnLst>
-        <p:bldLst>
-          <p:bldP spid="23" grpId="0"/>
-        </p:bldLst>
       </p:timing>
     </mc:Fallback>
   </mc:AlternateContent>

--- a/2022-1（UE4材质编辑）.pptx
+++ b/2022-1（UE4材质编辑）.pptx
@@ -269,7 +269,7 @@
           <a:p>
             <a:fld id="{C1AFDE93-949C-47ED-A631-476E40CF0087}" type="datetimeFigureOut">
               <a:rPr lang="zh-CN" altLang="en-US" smtClean="0"/>
-              <a:t>2022/6/4</a:t>
+              <a:t>2022/6/6</a:t>
             </a:fld>
             <a:endParaRPr lang="zh-CN" altLang="en-US"/>
           </a:p>
@@ -1210,7 +1210,7 @@
           <a:p>
             <a:fld id="{F06A2785-4E77-4690-870F-283ACAAC6AF9}" type="datetimeFigureOut">
               <a:rPr lang="zh-CN" altLang="en-US" smtClean="0"/>
-              <a:t>2022/6/4</a:t>
+              <a:t>2022/6/6</a:t>
             </a:fld>
             <a:endParaRPr lang="zh-CN" altLang="en-US"/>
           </a:p>
@@ -1408,7 +1408,7 @@
           <a:p>
             <a:fld id="{F06A2785-4E77-4690-870F-283ACAAC6AF9}" type="datetimeFigureOut">
               <a:rPr lang="zh-CN" altLang="en-US" smtClean="0"/>
-              <a:t>2022/6/4</a:t>
+              <a:t>2022/6/6</a:t>
             </a:fld>
             <a:endParaRPr lang="zh-CN" altLang="en-US"/>
           </a:p>
@@ -1616,7 +1616,7 @@
           <a:p>
             <a:fld id="{F06A2785-4E77-4690-870F-283ACAAC6AF9}" type="datetimeFigureOut">
               <a:rPr lang="zh-CN" altLang="en-US" smtClean="0"/>
-              <a:t>2022/6/4</a:t>
+              <a:t>2022/6/6</a:t>
             </a:fld>
             <a:endParaRPr lang="zh-CN" altLang="en-US"/>
           </a:p>
@@ -1814,7 +1814,7 @@
           <a:p>
             <a:fld id="{F06A2785-4E77-4690-870F-283ACAAC6AF9}" type="datetimeFigureOut">
               <a:rPr lang="zh-CN" altLang="en-US" smtClean="0"/>
-              <a:t>2022/6/4</a:t>
+              <a:t>2022/6/6</a:t>
             </a:fld>
             <a:endParaRPr lang="zh-CN" altLang="en-US"/>
           </a:p>
@@ -2089,7 +2089,7 @@
           <a:p>
             <a:fld id="{F06A2785-4E77-4690-870F-283ACAAC6AF9}" type="datetimeFigureOut">
               <a:rPr lang="zh-CN" altLang="en-US" smtClean="0"/>
-              <a:t>2022/6/4</a:t>
+              <a:t>2022/6/6</a:t>
             </a:fld>
             <a:endParaRPr lang="zh-CN" altLang="en-US"/>
           </a:p>
@@ -2354,7 +2354,7 @@
           <a:p>
             <a:fld id="{F06A2785-4E77-4690-870F-283ACAAC6AF9}" type="datetimeFigureOut">
               <a:rPr lang="zh-CN" altLang="en-US" smtClean="0"/>
-              <a:t>2022/6/4</a:t>
+              <a:t>2022/6/6</a:t>
             </a:fld>
             <a:endParaRPr lang="zh-CN" altLang="en-US"/>
           </a:p>
@@ -2766,7 +2766,7 @@
           <a:p>
             <a:fld id="{F06A2785-4E77-4690-870F-283ACAAC6AF9}" type="datetimeFigureOut">
               <a:rPr lang="zh-CN" altLang="en-US" smtClean="0"/>
-              <a:t>2022/6/4</a:t>
+              <a:t>2022/6/6</a:t>
             </a:fld>
             <a:endParaRPr lang="zh-CN" altLang="en-US"/>
           </a:p>
@@ -2907,7 +2907,7 @@
           <a:p>
             <a:fld id="{F06A2785-4E77-4690-870F-283ACAAC6AF9}" type="datetimeFigureOut">
               <a:rPr lang="zh-CN" altLang="en-US" smtClean="0"/>
-              <a:t>2022/6/4</a:t>
+              <a:t>2022/6/6</a:t>
             </a:fld>
             <a:endParaRPr lang="zh-CN" altLang="en-US"/>
           </a:p>
@@ -3020,7 +3020,7 @@
           <a:p>
             <a:fld id="{F06A2785-4E77-4690-870F-283ACAAC6AF9}" type="datetimeFigureOut">
               <a:rPr lang="zh-CN" altLang="en-US" smtClean="0"/>
-              <a:t>2022/6/4</a:t>
+              <a:t>2022/6/6</a:t>
             </a:fld>
             <a:endParaRPr lang="zh-CN" altLang="en-US"/>
           </a:p>
@@ -3331,7 +3331,7 @@
           <a:p>
             <a:fld id="{F06A2785-4E77-4690-870F-283ACAAC6AF9}" type="datetimeFigureOut">
               <a:rPr lang="zh-CN" altLang="en-US" smtClean="0"/>
-              <a:t>2022/6/4</a:t>
+              <a:t>2022/6/6</a:t>
             </a:fld>
             <a:endParaRPr lang="zh-CN" altLang="en-US"/>
           </a:p>
@@ -3619,7 +3619,7 @@
           <a:p>
             <a:fld id="{F06A2785-4E77-4690-870F-283ACAAC6AF9}" type="datetimeFigureOut">
               <a:rPr lang="zh-CN" altLang="en-US" smtClean="0"/>
-              <a:t>2022/6/4</a:t>
+              <a:t>2022/6/6</a:t>
             </a:fld>
             <a:endParaRPr lang="zh-CN" altLang="en-US"/>
           </a:p>
@@ -3860,7 +3860,7 @@
           <a:p>
             <a:fld id="{F06A2785-4E77-4690-870F-283ACAAC6AF9}" type="datetimeFigureOut">
               <a:rPr lang="zh-CN" altLang="en-US" smtClean="0"/>
-              <a:t>2022/6/4</a:t>
+              <a:t>2022/6/6</a:t>
             </a:fld>
             <a:endParaRPr lang="zh-CN" altLang="en-US"/>
           </a:p>
@@ -4901,20 +4901,20 @@
   <p:clrMapOvr>
     <a:masterClrMapping/>
   </p:clrMapOvr>
-  <mc:AlternateContent xmlns:mc="http://schemas.openxmlformats.org/markup-compatibility/2006">
-    <mc:Choice xmlns:p14="http://schemas.microsoft.com/office/powerpoint/2010/main" Requires="p14">
+  <mc:AlternateContent xmlns:mc="http://schemas.openxmlformats.org/markup-compatibility/2006" xmlns:p14="http://schemas.microsoft.com/office/powerpoint/2010/main">
+    <mc:Choice Requires="p14">
       <p:transition spd="slow" p14:dur="1500">
         <p14:flash/>
       </p:transition>
     </mc:Choice>
-    <mc:Fallback>
+    <mc:Fallback xmlns="">
       <p:transition spd="slow">
         <p:fade/>
       </p:transition>
     </mc:Fallback>
   </mc:AlternateContent>
-  <mc:AlternateContent xmlns:mc="http://schemas.openxmlformats.org/markup-compatibility/2006">
-    <mc:Choice xmlns:p14="http://schemas.microsoft.com/office/powerpoint/2010/main" Requires="p14">
+  <mc:AlternateContent xmlns:mc="http://schemas.openxmlformats.org/markup-compatibility/2006" xmlns:p14="http://schemas.microsoft.com/office/powerpoint/2010/main">
+    <mc:Choice Requires="p14">
       <p:timing>
         <p:tnLst>
           <p:par>
@@ -5295,7 +5295,7 @@
         </p:bldLst>
       </p:timing>
     </mc:Choice>
-    <mc:Fallback>
+    <mc:Fallback xmlns="">
       <p:timing>
         <p:tnLst>
           <p:par>
@@ -6790,8 +6790,8 @@
       </p:transition>
     </mc:Fallback>
   </mc:AlternateContent>
-  <mc:AlternateContent xmlns:mc="http://schemas.openxmlformats.org/markup-compatibility/2006">
-    <mc:Choice xmlns:p14="http://schemas.microsoft.com/office/powerpoint/2010/main" Requires="p14">
+  <mc:AlternateContent xmlns:mc="http://schemas.openxmlformats.org/markup-compatibility/2006" xmlns:p14="http://schemas.microsoft.com/office/powerpoint/2010/main">
+    <mc:Choice Requires="p14">
       <p:timing>
         <p:tnLst>
           <p:par>
@@ -7118,7 +7118,7 @@
         </p:bldLst>
       </p:timing>
     </mc:Choice>
-    <mc:Fallback>
+    <mc:Fallback xmlns="">
       <p:timing>
         <p:tnLst>
           <p:par>
@@ -8568,11 +8568,11 @@
   <p:clrMapOvr>
     <a:masterClrMapping/>
   </p:clrMapOvr>
-  <mc:AlternateContent xmlns:mc="http://schemas.openxmlformats.org/markup-compatibility/2006">
-    <mc:Choice xmlns:p14="http://schemas.microsoft.com/office/powerpoint/2010/main" Requires="p14">
+  <mc:AlternateContent xmlns:mc="http://schemas.openxmlformats.org/markup-compatibility/2006" xmlns:p14="http://schemas.microsoft.com/office/powerpoint/2010/main">
+    <mc:Choice Requires="p14">
       <p:transition spd="slow" p14:dur="1200"/>
     </mc:Choice>
-    <mc:Fallback>
+    <mc:Fallback xmlns="">
       <p:transition spd="slow"/>
     </mc:Fallback>
   </mc:AlternateContent>
@@ -10176,8 +10176,8 @@
             <a:chExt cx="4743417" cy="2062103"/>
           </a:xfrm>
         </p:grpSpPr>
-        <mc:AlternateContent xmlns:mc="http://schemas.openxmlformats.org/markup-compatibility/2006">
-          <mc:Choice xmlns:p14="http://schemas.microsoft.com/office/powerpoint/2010/main" Requires="p14">
+        <mc:AlternateContent xmlns:mc="http://schemas.openxmlformats.org/markup-compatibility/2006" xmlns:p14="http://schemas.microsoft.com/office/powerpoint/2010/main">
+          <mc:Choice Requires="p14">
             <p:contentPart p14:bwMode="auto" r:id="rId8">
               <p14:nvContentPartPr>
                 <p14:cNvPr id="49" name="墨迹 48">
@@ -10196,7 +10196,7 @@
               </p14:xfrm>
             </p:contentPart>
           </mc:Choice>
-          <mc:Fallback>
+          <mc:Fallback xmlns="">
             <p:pic>
               <p:nvPicPr>
                 <p:cNvPr id="49" name="墨迹 48">
@@ -10227,8 +10227,8 @@
             </p:pic>
           </mc:Fallback>
         </mc:AlternateContent>
-        <mc:AlternateContent xmlns:mc="http://schemas.openxmlformats.org/markup-compatibility/2006">
-          <mc:Choice xmlns:p14="http://schemas.microsoft.com/office/powerpoint/2010/main" Requires="p14">
+        <mc:AlternateContent xmlns:mc="http://schemas.openxmlformats.org/markup-compatibility/2006" xmlns:p14="http://schemas.microsoft.com/office/powerpoint/2010/main">
+          <mc:Choice Requires="p14">
             <p:contentPart p14:bwMode="auto" r:id="rId10">
               <p14:nvContentPartPr>
                 <p14:cNvPr id="51" name="墨迹 50">
@@ -10247,7 +10247,7 @@
               </p14:xfrm>
             </p:contentPart>
           </mc:Choice>
-          <mc:Fallback>
+          <mc:Fallback xmlns="">
             <p:pic>
               <p:nvPicPr>
                 <p:cNvPr id="51" name="墨迹 50">
@@ -10369,7 +10369,7 @@
                     <a:srgbClr val="92D050"/>
                   </a:solidFill>
                 </a:rPr>
-                <a:t>必填项</a:t>
+                <a:t>必连锚点</a:t>
               </a:r>
             </a:p>
           </p:txBody>
@@ -10385,11 +10385,11 @@
   <p:clrMapOvr>
     <a:masterClrMapping/>
   </p:clrMapOvr>
-  <mc:AlternateContent xmlns:mc="http://schemas.openxmlformats.org/markup-compatibility/2006">
-    <mc:Choice xmlns:p14="http://schemas.microsoft.com/office/powerpoint/2010/main" Requires="p14">
+  <mc:AlternateContent xmlns:mc="http://schemas.openxmlformats.org/markup-compatibility/2006" xmlns:p14="http://schemas.microsoft.com/office/powerpoint/2010/main">
+    <mc:Choice Requires="p14">
       <p:transition p14:dur="10" advClick="0"/>
     </mc:Choice>
-    <mc:Fallback>
+    <mc:Fallback xmlns="">
       <p:transition advClick="0"/>
     </mc:Fallback>
   </mc:AlternateContent>
@@ -10531,7 +10531,7 @@
                                         <p:cond delay="0"/>
                                       </p:stCondLst>
                                       <p:childTnLst>
-                                        <p:animMotion origin="layout" path="M 4.16667E-6 2.96296E-6 L 0.73007 2.96296E-6 " pathEditMode="relative" rAng="0" ptsTypes="AA" p14:bounceEnd="51000">
+                                        <p:animMotion origin="layout" path="M 4.16667E-6 2.96296E-6 L 0.75481 2.96296E-6 " pathEditMode="relative" rAng="0" ptsTypes="AA" p14:bounceEnd="51000">
                                           <p:cBhvr>
                                             <p:cTn id="16" dur="1000" fill="hold"/>
                                             <p:tgtEl>
@@ -10542,7 +10542,7 @@
                                               <p:attrName>ppt_y</p:attrName>
                                             </p:attrNameLst>
                                           </p:cBhvr>
-                                          <p:rCtr x="36497" y="0"/>
+                                          <p:rCtr x="37734" y="0"/>
                                         </p:animMotion>
                                       </p:childTnLst>
                                     </p:cTn>
@@ -10879,7 +10879,7 @@
                                         <p:cond delay="0"/>
                                       </p:stCondLst>
                                       <p:childTnLst>
-                                        <p:animMotion origin="layout" path="M 4.16667E-6 2.96296E-6 L 0.73007 2.96296E-6 " pathEditMode="relative" rAng="0" ptsTypes="AA">
+                                        <p:animMotion origin="layout" path="M 4.16667E-6 2.96296E-6 L 0.75481 2.96296E-6 " pathEditMode="relative" rAng="0" ptsTypes="AA">
                                           <p:cBhvr>
                                             <p:cTn id="16" dur="1000" fill="hold"/>
                                             <p:tgtEl>
@@ -10890,7 +10890,7 @@
                                               <p:attrName>ppt_y</p:attrName>
                                             </p:attrNameLst>
                                           </p:cBhvr>
-                                          <p:rCtr x="36497" y="0"/>
+                                          <p:rCtr x="37734" y="0"/>
                                         </p:animMotion>
                                       </p:childTnLst>
                                     </p:cTn>
@@ -12069,13 +12069,13 @@
   <p:clrMapOvr>
     <a:masterClrMapping/>
   </p:clrMapOvr>
-  <mc:AlternateContent xmlns:mc="http://schemas.openxmlformats.org/markup-compatibility/2006">
-    <mc:Choice xmlns:p159="http://schemas.microsoft.com/office/powerpoint/2015/09/main" Requires="p159">
+  <mc:AlternateContent xmlns:mc="http://schemas.openxmlformats.org/markup-compatibility/2006" xmlns:p159="http://schemas.microsoft.com/office/powerpoint/2015/09/main">
+    <mc:Choice Requires="p159">
       <p:transition xmlns:p14="http://schemas.microsoft.com/office/powerpoint/2010/main" spd="slow" p14:dur="1200">
         <p159:morph option="byObject"/>
       </p:transition>
     </mc:Choice>
-    <mc:Fallback>
+    <mc:Fallback xmlns="">
       <p:transition spd="slow">
         <p:fade/>
       </p:transition>
@@ -13431,20 +13431,20 @@
   <p:clrMapOvr>
     <a:masterClrMapping/>
   </p:clrMapOvr>
-  <mc:AlternateContent xmlns:mc="http://schemas.openxmlformats.org/markup-compatibility/2006">
-    <mc:Choice xmlns:p159="http://schemas.microsoft.com/office/powerpoint/2015/09/main" Requires="p159">
+  <mc:AlternateContent xmlns:mc="http://schemas.openxmlformats.org/markup-compatibility/2006" xmlns:p159="http://schemas.microsoft.com/office/powerpoint/2015/09/main">
+    <mc:Choice Requires="p159">
       <p:transition xmlns:p14="http://schemas.microsoft.com/office/powerpoint/2010/main" spd="slow" p14:dur="1200">
         <p159:morph option="byObject"/>
       </p:transition>
     </mc:Choice>
-    <mc:Fallback>
+    <mc:Fallback xmlns="">
       <p:transition spd="slow">
         <p:fade/>
       </p:transition>
     </mc:Fallback>
   </mc:AlternateContent>
-  <mc:AlternateContent xmlns:mc="http://schemas.openxmlformats.org/markup-compatibility/2006">
-    <mc:Choice xmlns:p14="http://schemas.microsoft.com/office/powerpoint/2010/main" Requires="p14">
+  <mc:AlternateContent xmlns:mc="http://schemas.openxmlformats.org/markup-compatibility/2006" xmlns:p14="http://schemas.microsoft.com/office/powerpoint/2010/main">
+    <mc:Choice Requires="p14">
       <p:timing>
         <p:tnLst>
           <p:par>
@@ -13629,7 +13629,7 @@
         </p:bldLst>
       </p:timing>
     </mc:Choice>
-    <mc:Fallback>
+    <mc:Fallback xmlns="">
       <p:timing>
         <p:tnLst>
           <p:par>

--- a/2022-1（UE4材质编辑）.pptx
+++ b/2022-1（UE4材质编辑）.pptx
@@ -269,7 +269,7 @@
           <a:p>
             <a:fld id="{C1AFDE93-949C-47ED-A631-476E40CF0087}" type="datetimeFigureOut">
               <a:rPr lang="zh-CN" altLang="en-US" smtClean="0"/>
-              <a:t>2022/6/6</a:t>
+              <a:t>2022/6/8</a:t>
             </a:fld>
             <a:endParaRPr lang="zh-CN" altLang="en-US"/>
           </a:p>
@@ -1210,7 +1210,7 @@
           <a:p>
             <a:fld id="{F06A2785-4E77-4690-870F-283ACAAC6AF9}" type="datetimeFigureOut">
               <a:rPr lang="zh-CN" altLang="en-US" smtClean="0"/>
-              <a:t>2022/6/6</a:t>
+              <a:t>2022/6/8</a:t>
             </a:fld>
             <a:endParaRPr lang="zh-CN" altLang="en-US"/>
           </a:p>
@@ -1408,7 +1408,7 @@
           <a:p>
             <a:fld id="{F06A2785-4E77-4690-870F-283ACAAC6AF9}" type="datetimeFigureOut">
               <a:rPr lang="zh-CN" altLang="en-US" smtClean="0"/>
-              <a:t>2022/6/6</a:t>
+              <a:t>2022/6/8</a:t>
             </a:fld>
             <a:endParaRPr lang="zh-CN" altLang="en-US"/>
           </a:p>
@@ -1616,7 +1616,7 @@
           <a:p>
             <a:fld id="{F06A2785-4E77-4690-870F-283ACAAC6AF9}" type="datetimeFigureOut">
               <a:rPr lang="zh-CN" altLang="en-US" smtClean="0"/>
-              <a:t>2022/6/6</a:t>
+              <a:t>2022/6/8</a:t>
             </a:fld>
             <a:endParaRPr lang="zh-CN" altLang="en-US"/>
           </a:p>
@@ -1814,7 +1814,7 @@
           <a:p>
             <a:fld id="{F06A2785-4E77-4690-870F-283ACAAC6AF9}" type="datetimeFigureOut">
               <a:rPr lang="zh-CN" altLang="en-US" smtClean="0"/>
-              <a:t>2022/6/6</a:t>
+              <a:t>2022/6/8</a:t>
             </a:fld>
             <a:endParaRPr lang="zh-CN" altLang="en-US"/>
           </a:p>
@@ -2089,7 +2089,7 @@
           <a:p>
             <a:fld id="{F06A2785-4E77-4690-870F-283ACAAC6AF9}" type="datetimeFigureOut">
               <a:rPr lang="zh-CN" altLang="en-US" smtClean="0"/>
-              <a:t>2022/6/6</a:t>
+              <a:t>2022/6/8</a:t>
             </a:fld>
             <a:endParaRPr lang="zh-CN" altLang="en-US"/>
           </a:p>
@@ -2354,7 +2354,7 @@
           <a:p>
             <a:fld id="{F06A2785-4E77-4690-870F-283ACAAC6AF9}" type="datetimeFigureOut">
               <a:rPr lang="zh-CN" altLang="en-US" smtClean="0"/>
-              <a:t>2022/6/6</a:t>
+              <a:t>2022/6/8</a:t>
             </a:fld>
             <a:endParaRPr lang="zh-CN" altLang="en-US"/>
           </a:p>
@@ -2766,7 +2766,7 @@
           <a:p>
             <a:fld id="{F06A2785-4E77-4690-870F-283ACAAC6AF9}" type="datetimeFigureOut">
               <a:rPr lang="zh-CN" altLang="en-US" smtClean="0"/>
-              <a:t>2022/6/6</a:t>
+              <a:t>2022/6/8</a:t>
             </a:fld>
             <a:endParaRPr lang="zh-CN" altLang="en-US"/>
           </a:p>
@@ -2907,7 +2907,7 @@
           <a:p>
             <a:fld id="{F06A2785-4E77-4690-870F-283ACAAC6AF9}" type="datetimeFigureOut">
               <a:rPr lang="zh-CN" altLang="en-US" smtClean="0"/>
-              <a:t>2022/6/6</a:t>
+              <a:t>2022/6/8</a:t>
             </a:fld>
             <a:endParaRPr lang="zh-CN" altLang="en-US"/>
           </a:p>
@@ -3020,7 +3020,7 @@
           <a:p>
             <a:fld id="{F06A2785-4E77-4690-870F-283ACAAC6AF9}" type="datetimeFigureOut">
               <a:rPr lang="zh-CN" altLang="en-US" smtClean="0"/>
-              <a:t>2022/6/6</a:t>
+              <a:t>2022/6/8</a:t>
             </a:fld>
             <a:endParaRPr lang="zh-CN" altLang="en-US"/>
           </a:p>
@@ -3331,7 +3331,7 @@
           <a:p>
             <a:fld id="{F06A2785-4E77-4690-870F-283ACAAC6AF9}" type="datetimeFigureOut">
               <a:rPr lang="zh-CN" altLang="en-US" smtClean="0"/>
-              <a:t>2022/6/6</a:t>
+              <a:t>2022/6/8</a:t>
             </a:fld>
             <a:endParaRPr lang="zh-CN" altLang="en-US"/>
           </a:p>
@@ -3619,7 +3619,7 @@
           <a:p>
             <a:fld id="{F06A2785-4E77-4690-870F-283ACAAC6AF9}" type="datetimeFigureOut">
               <a:rPr lang="zh-CN" altLang="en-US" smtClean="0"/>
-              <a:t>2022/6/6</a:t>
+              <a:t>2022/6/8</a:t>
             </a:fld>
             <a:endParaRPr lang="zh-CN" altLang="en-US"/>
           </a:p>
@@ -3860,7 +3860,7 @@
           <a:p>
             <a:fld id="{F06A2785-4E77-4690-870F-283ACAAC6AF9}" type="datetimeFigureOut">
               <a:rPr lang="zh-CN" altLang="en-US" smtClean="0"/>
-              <a:t>2022/6/6</a:t>
+              <a:t>2022/6/8</a:t>
             </a:fld>
             <a:endParaRPr lang="zh-CN" altLang="en-US"/>
           </a:p>
@@ -4291,292 +4291,6 @@
           <a:chExt cx="0" cy="0"/>
         </a:xfrm>
       </p:grpSpPr>
-      <p:grpSp>
-        <p:nvGrpSpPr>
-          <p:cNvPr id="7" name="组合 6" hidden="1">
-            <a:extLst>
-              <a:ext uri="{FF2B5EF4-FFF2-40B4-BE49-F238E27FC236}">
-                <a16:creationId xmlns:a16="http://schemas.microsoft.com/office/drawing/2014/main" id="{4CA1E171-F9FA-6981-1628-4B30591A3EFB}"/>
-              </a:ext>
-            </a:extLst>
-          </p:cNvPr>
-          <p:cNvGrpSpPr/>
-          <p:nvPr/>
-        </p:nvGrpSpPr>
-        <p:grpSpPr>
-          <a:xfrm>
-            <a:off x="-8881530" y="0"/>
-            <a:ext cx="11459348" cy="6859534"/>
-            <a:chOff x="-1543570" y="-1534"/>
-            <a:chExt cx="11459348" cy="6859534"/>
-          </a:xfrm>
-        </p:grpSpPr>
-        <p:sp>
-          <p:nvSpPr>
-            <p:cNvPr id="8" name="文本框 7">
-              <a:extLst>
-                <a:ext uri="{FF2B5EF4-FFF2-40B4-BE49-F238E27FC236}">
-                  <a16:creationId xmlns:a16="http://schemas.microsoft.com/office/drawing/2014/main" id="{17593F07-218D-3B51-5FFF-2B3BD3B4E754}"/>
-                </a:ext>
-              </a:extLst>
-            </p:cNvPr>
-            <p:cNvSpPr txBox="1"/>
-            <p:nvPr/>
-          </p:nvSpPr>
-          <p:spPr>
-            <a:xfrm>
-              <a:off x="9107178" y="1901334"/>
-              <a:ext cx="808600" cy="888651"/>
-            </a:xfrm>
-            <a:prstGeom prst="flowChartAlternateProcess">
-              <a:avLst/>
-            </a:prstGeom>
-            <a:solidFill>
-              <a:schemeClr val="bg2">
-                <a:lumMod val="75000"/>
-              </a:schemeClr>
-            </a:solidFill>
-            <a:ln>
-              <a:noFill/>
-            </a:ln>
-            <a:effectLst>
-              <a:outerShdw blurRad="50800" dist="38100" algn="l" rotWithShape="0">
-                <a:prstClr val="black">
-                  <a:alpha val="40000"/>
-                </a:prstClr>
-              </a:outerShdw>
-              <a:softEdge rad="0"/>
-            </a:effectLst>
-          </p:spPr>
-          <p:style>
-            <a:lnRef idx="3">
-              <a:schemeClr val="lt1"/>
-            </a:lnRef>
-            <a:fillRef idx="1">
-              <a:schemeClr val="accent1"/>
-            </a:fillRef>
-            <a:effectRef idx="1">
-              <a:schemeClr val="accent1"/>
-            </a:effectRef>
-            <a:fontRef idx="minor">
-              <a:schemeClr val="lt1"/>
-            </a:fontRef>
-          </p:style>
-          <p:txBody>
-            <a:bodyPr wrap="square" rtlCol="0" anchor="ctr" anchorCtr="0">
-              <a:noAutofit/>
-            </a:bodyPr>
-            <a:lstStyle/>
-            <a:p>
-              <a:pPr algn="ctr"/>
-              <a:r>
-                <a:rPr lang="en-US" altLang="zh-CN" sz="3200" b="1" dirty="0">
-                  <a:latin typeface="Bauhaus 93" panose="04030905020B02020C02" pitchFamily="82" charset="0"/>
-                </a:rPr>
-                <a:t>2</a:t>
-              </a:r>
-              <a:endParaRPr lang="zh-CN" altLang="en-US" sz="3200" b="1" dirty="0">
-                <a:latin typeface="Bauhaus 93" panose="04030905020B02020C02" pitchFamily="82" charset="0"/>
-              </a:endParaRPr>
-            </a:p>
-          </p:txBody>
-        </p:sp>
-        <p:sp>
-          <p:nvSpPr>
-            <p:cNvPr id="9" name="矩形 8">
-              <a:extLst>
-                <a:ext uri="{FF2B5EF4-FFF2-40B4-BE49-F238E27FC236}">
-                  <a16:creationId xmlns:a16="http://schemas.microsoft.com/office/drawing/2014/main" id="{4BD5810B-3011-6E5A-C575-0D87EA7B47E1}"/>
-                </a:ext>
-              </a:extLst>
-            </p:cNvPr>
-            <p:cNvSpPr/>
-            <p:nvPr/>
-          </p:nvSpPr>
-          <p:spPr>
-            <a:xfrm>
-              <a:off x="-1543570" y="-1534"/>
-              <a:ext cx="10804172" cy="6859534"/>
-            </a:xfrm>
-            <a:prstGeom prst="rect">
-              <a:avLst/>
-            </a:prstGeom>
-            <a:solidFill>
-              <a:schemeClr val="bg2">
-                <a:lumMod val="75000"/>
-              </a:schemeClr>
-            </a:solidFill>
-            <a:ln>
-              <a:noFill/>
-            </a:ln>
-          </p:spPr>
-          <p:style>
-            <a:lnRef idx="2">
-              <a:schemeClr val="accent1">
-                <a:shade val="50000"/>
-              </a:schemeClr>
-            </a:lnRef>
-            <a:fillRef idx="1">
-              <a:schemeClr val="accent1"/>
-            </a:fillRef>
-            <a:effectRef idx="0">
-              <a:schemeClr val="accent1"/>
-            </a:effectRef>
-            <a:fontRef idx="minor">
-              <a:schemeClr val="lt1"/>
-            </a:fontRef>
-          </p:style>
-          <p:txBody>
-            <a:bodyPr rtlCol="0" anchor="ctr"/>
-            <a:lstStyle/>
-            <a:p>
-              <a:pPr algn="ctr"/>
-              <a:endParaRPr lang="zh-CN" altLang="en-US" dirty="0"/>
-            </a:p>
-          </p:txBody>
-        </p:sp>
-      </p:grpSp>
-      <p:grpSp>
-        <p:nvGrpSpPr>
-          <p:cNvPr id="12" name="组合 11" hidden="1">
-            <a:extLst>
-              <a:ext uri="{FF2B5EF4-FFF2-40B4-BE49-F238E27FC236}">
-                <a16:creationId xmlns:a16="http://schemas.microsoft.com/office/drawing/2014/main" id="{B2951025-4466-F7EF-45C6-A3CB7EF1CC66}"/>
-              </a:ext>
-            </a:extLst>
-          </p:cNvPr>
-          <p:cNvGrpSpPr/>
-          <p:nvPr/>
-        </p:nvGrpSpPr>
-        <p:grpSpPr>
-          <a:xfrm>
-            <a:off x="-9685865" y="0"/>
-            <a:ext cx="11459348" cy="6859534"/>
-            <a:chOff x="-1543570" y="-1534"/>
-            <a:chExt cx="11459348" cy="6859534"/>
-          </a:xfrm>
-        </p:grpSpPr>
-        <p:sp>
-          <p:nvSpPr>
-            <p:cNvPr id="13" name="文本框 12">
-              <a:extLst>
-                <a:ext uri="{FF2B5EF4-FFF2-40B4-BE49-F238E27FC236}">
-                  <a16:creationId xmlns:a16="http://schemas.microsoft.com/office/drawing/2014/main" id="{639F4C49-2D9D-548F-092F-5A740BB0FB64}"/>
-                </a:ext>
-              </a:extLst>
-            </p:cNvPr>
-            <p:cNvSpPr txBox="1"/>
-            <p:nvPr/>
-          </p:nvSpPr>
-          <p:spPr>
-            <a:xfrm>
-              <a:off x="9107178" y="2587131"/>
-              <a:ext cx="808600" cy="888651"/>
-            </a:xfrm>
-            <a:prstGeom prst="flowChartAlternateProcess">
-              <a:avLst/>
-            </a:prstGeom>
-            <a:solidFill>
-              <a:srgbClr val="4E607A"/>
-            </a:solidFill>
-            <a:ln>
-              <a:noFill/>
-            </a:ln>
-            <a:effectLst>
-              <a:outerShdw blurRad="50800" dist="38100" algn="l" rotWithShape="0">
-                <a:prstClr val="black">
-                  <a:alpha val="40000"/>
-                </a:prstClr>
-              </a:outerShdw>
-              <a:softEdge rad="0"/>
-            </a:effectLst>
-          </p:spPr>
-          <p:style>
-            <a:lnRef idx="3">
-              <a:schemeClr val="lt1"/>
-            </a:lnRef>
-            <a:fillRef idx="1">
-              <a:schemeClr val="accent1"/>
-            </a:fillRef>
-            <a:effectRef idx="1">
-              <a:schemeClr val="accent1"/>
-            </a:effectRef>
-            <a:fontRef idx="minor">
-              <a:schemeClr val="lt1"/>
-            </a:fontRef>
-          </p:style>
-          <p:txBody>
-            <a:bodyPr wrap="square" rtlCol="0" anchor="ctr" anchorCtr="0">
-              <a:noAutofit/>
-            </a:bodyPr>
-            <a:lstStyle/>
-            <a:p>
-              <a:pPr algn="ctr"/>
-              <a:r>
-                <a:rPr lang="en-US" altLang="zh-CN" sz="3200" b="1" dirty="0">
-                  <a:latin typeface="Bauhaus 93" panose="04030905020B02020C02" pitchFamily="82" charset="0"/>
-                </a:rPr>
-                <a:t>3</a:t>
-              </a:r>
-              <a:endParaRPr lang="zh-CN" altLang="en-US" sz="3200" b="1" dirty="0">
-                <a:latin typeface="Bauhaus 93" panose="04030905020B02020C02" pitchFamily="82" charset="0"/>
-              </a:endParaRPr>
-            </a:p>
-          </p:txBody>
-        </p:sp>
-        <p:sp>
-          <p:nvSpPr>
-            <p:cNvPr id="14" name="矩形 13">
-              <a:extLst>
-                <a:ext uri="{FF2B5EF4-FFF2-40B4-BE49-F238E27FC236}">
-                  <a16:creationId xmlns:a16="http://schemas.microsoft.com/office/drawing/2014/main" id="{AE00B959-9713-4F96-2D07-989385768095}"/>
-                </a:ext>
-              </a:extLst>
-            </p:cNvPr>
-            <p:cNvSpPr/>
-            <p:nvPr/>
-          </p:nvSpPr>
-          <p:spPr>
-            <a:xfrm>
-              <a:off x="-1543570" y="-1534"/>
-              <a:ext cx="10804172" cy="6859534"/>
-            </a:xfrm>
-            <a:prstGeom prst="rect">
-              <a:avLst/>
-            </a:prstGeom>
-            <a:solidFill>
-              <a:srgbClr val="4E607A"/>
-            </a:solidFill>
-            <a:ln>
-              <a:noFill/>
-            </a:ln>
-          </p:spPr>
-          <p:style>
-            <a:lnRef idx="2">
-              <a:schemeClr val="accent1">
-                <a:shade val="50000"/>
-              </a:schemeClr>
-            </a:lnRef>
-            <a:fillRef idx="1">
-              <a:schemeClr val="accent1"/>
-            </a:fillRef>
-            <a:effectRef idx="0">
-              <a:schemeClr val="accent1"/>
-            </a:effectRef>
-            <a:fontRef idx="minor">
-              <a:schemeClr val="lt1"/>
-            </a:fontRef>
-          </p:style>
-          <p:txBody>
-            <a:bodyPr rtlCol="0" anchor="ctr"/>
-            <a:lstStyle/>
-            <a:p>
-              <a:pPr algn="ctr"/>
-              <a:endParaRPr lang="zh-CN" altLang="en-US" dirty="0"/>
-            </a:p>
-          </p:txBody>
-        </p:sp>
-      </p:grpSp>
       <p:pic>
         <p:nvPicPr>
           <p:cNvPr id="30" name="图片 29">
@@ -4936,94 +4650,14 @@
                                 </p:stCondLst>
                                 <p:childTnLst>
                                   <p:par>
-                                    <p:cTn id="5" presetID="63" presetClass="path" presetSubtype="0" accel="50000" fill="hold" nodeType="clickEffect" p14:presetBounceEnd="51000">
-                                      <p:stCondLst>
-                                        <p:cond delay="0"/>
-                                      </p:stCondLst>
-                                      <p:childTnLst>
-                                        <p:animMotion origin="layout" path="M -8.33333E-7 0 L 0.67448 0 " pathEditMode="relative" rAng="0" ptsTypes="AA" p14:bounceEnd="51000">
-                                          <p:cBhvr>
-                                            <p:cTn id="6" dur="1000" fill="hold"/>
-                                            <p:tgtEl>
-                                              <p:spTgt spid="12"/>
-                                            </p:tgtEl>
-                                            <p:attrNameLst>
-                                              <p:attrName>ppt_x</p:attrName>
-                                              <p:attrName>ppt_y</p:attrName>
-                                            </p:attrNameLst>
-                                          </p:cBhvr>
-                                          <p:rCtr x="33724" y="0"/>
-                                        </p:animMotion>
-                                      </p:childTnLst>
-                                    </p:cTn>
-                                  </p:par>
-                                </p:childTnLst>
-                              </p:cTn>
-                            </p:par>
-                          </p:childTnLst>
-                        </p:cTn>
-                      </p:par>
-                      <p:par>
-                        <p:cTn id="7" fill="hold">
-                          <p:stCondLst>
-                            <p:cond delay="indefinite"/>
-                          </p:stCondLst>
-                          <p:childTnLst>
-                            <p:par>
-                              <p:cTn id="8" fill="hold">
-                                <p:stCondLst>
-                                  <p:cond delay="0"/>
-                                </p:stCondLst>
-                                <p:childTnLst>
-                                  <p:par>
-                                    <p:cTn id="9" presetID="63" presetClass="path" presetSubtype="0" accel="50000" fill="hold" nodeType="clickEffect" p14:presetBounceEnd="51000">
-                                      <p:stCondLst>
-                                        <p:cond delay="0"/>
-                                      </p:stCondLst>
-                                      <p:childTnLst>
-                                        <p:animMotion origin="layout" path="M 3.54167E-6 0 L 0.67448 0 " pathEditMode="relative" rAng="0" ptsTypes="AA" p14:bounceEnd="51000">
-                                          <p:cBhvr>
-                                            <p:cTn id="10" dur="1000" fill="hold"/>
-                                            <p:tgtEl>
-                                              <p:spTgt spid="7"/>
-                                            </p:tgtEl>
-                                            <p:attrNameLst>
-                                              <p:attrName>ppt_x</p:attrName>
-                                              <p:attrName>ppt_y</p:attrName>
-                                            </p:attrNameLst>
-                                          </p:cBhvr>
-                                          <p:rCtr x="33724" y="0"/>
-                                        </p:animMotion>
-                                      </p:childTnLst>
-                                    </p:cTn>
-                                  </p:par>
-                                </p:childTnLst>
-                              </p:cTn>
-                            </p:par>
-                          </p:childTnLst>
-                        </p:cTn>
-                      </p:par>
-                      <p:par>
-                        <p:cTn id="11" fill="hold">
-                          <p:stCondLst>
-                            <p:cond delay="indefinite"/>
-                          </p:stCondLst>
-                          <p:childTnLst>
-                            <p:par>
-                              <p:cTn id="12" fill="hold">
-                                <p:stCondLst>
-                                  <p:cond delay="0"/>
-                                </p:stCondLst>
-                                <p:childTnLst>
-                                  <p:par>
-                                    <p:cTn id="13" presetID="10" presetClass="entr" presetSubtype="0" fill="hold" nodeType="clickEffect">
+                                    <p:cTn id="5" presetID="10" presetClass="entr" presetSubtype="0" fill="hold" nodeType="clickEffect">
                                       <p:stCondLst>
                                         <p:cond delay="0"/>
                                       </p:stCondLst>
                                       <p:childTnLst>
                                         <p:set>
                                           <p:cBhvr>
-                                            <p:cTn id="14" dur="1" fill="hold">
+                                            <p:cTn id="6" dur="1" fill="hold">
                                               <p:stCondLst>
                                                 <p:cond delay="0"/>
                                               </p:stCondLst>
@@ -5041,7 +4675,7 @@
                                         </p:set>
                                         <p:animEffect transition="in" filter="fade">
                                           <p:cBhvr>
-                                            <p:cTn id="15" dur="500"/>
+                                            <p:cTn id="7" dur="500"/>
                                             <p:tgtEl>
                                               <p:spTgt spid="31"/>
                                             </p:tgtEl>
@@ -5051,14 +4685,14 @@
                                     </p:cTn>
                                   </p:par>
                                   <p:par>
-                                    <p:cTn id="16" presetID="14" presetClass="exit" presetSubtype="10" fill="hold" nodeType="withEffect">
+                                    <p:cTn id="8" presetID="14" presetClass="exit" presetSubtype="10" fill="hold" nodeType="withEffect">
                                       <p:stCondLst>
                                         <p:cond delay="0"/>
                                       </p:stCondLst>
                                       <p:childTnLst>
                                         <p:animEffect transition="out" filter="randombar(horizontal)">
                                           <p:cBhvr>
-                                            <p:cTn id="17" dur="500"/>
+                                            <p:cTn id="9" dur="500"/>
                                             <p:tgtEl>
                                               <p:spTgt spid="30"/>
                                             </p:tgtEl>
@@ -5066,7 +4700,7 @@
                                         </p:animEffect>
                                         <p:set>
                                           <p:cBhvr>
-                                            <p:cTn id="18" dur="1" fill="hold">
+                                            <p:cTn id="10" dur="1" fill="hold">
                                               <p:stCondLst>
                                                 <p:cond delay="499"/>
                                               </p:stCondLst>
@@ -5089,20 +4723,20 @@
                               </p:cTn>
                             </p:par>
                             <p:par>
-                              <p:cTn id="19" fill="hold">
+                              <p:cTn id="11" fill="hold">
                                 <p:stCondLst>
                                   <p:cond delay="500"/>
                                 </p:stCondLst>
                                 <p:childTnLst>
                                   <p:par>
-                                    <p:cTn id="20" presetID="6" presetClass="entr" presetSubtype="16" fill="hold" nodeType="afterEffect">
+                                    <p:cTn id="12" presetID="6" presetClass="entr" presetSubtype="16" fill="hold" nodeType="afterEffect">
                                       <p:stCondLst>
                                         <p:cond delay="0"/>
                                       </p:stCondLst>
                                       <p:childTnLst>
                                         <p:set>
                                           <p:cBhvr>
-                                            <p:cTn id="21" dur="1" fill="hold">
+                                            <p:cTn id="13" dur="1" fill="hold">
                                               <p:stCondLst>
                                                 <p:cond delay="0"/>
                                               </p:stCondLst>
@@ -5120,7 +4754,7 @@
                                         </p:set>
                                         <p:animEffect transition="in" filter="circle(in)">
                                           <p:cBhvr>
-                                            <p:cTn id="22" dur="1000"/>
+                                            <p:cTn id="14" dur="1000"/>
                                             <p:tgtEl>
                                               <p:spTgt spid="33"/>
                                             </p:tgtEl>
@@ -5133,20 +4767,20 @@
                               </p:cTn>
                             </p:par>
                             <p:par>
-                              <p:cTn id="23" fill="hold">
+                              <p:cTn id="15" fill="hold">
                                 <p:stCondLst>
                                   <p:cond delay="1500"/>
                                 </p:stCondLst>
                                 <p:childTnLst>
                                   <p:par>
-                                    <p:cTn id="24" presetID="16" presetClass="entr" presetSubtype="21" fill="hold" grpId="0" nodeType="afterEffect">
+                                    <p:cTn id="16" presetID="16" presetClass="entr" presetSubtype="21" fill="hold" grpId="0" nodeType="afterEffect">
                                       <p:stCondLst>
                                         <p:cond delay="0"/>
                                       </p:stCondLst>
                                       <p:childTnLst>
                                         <p:set>
                                           <p:cBhvr>
-                                            <p:cTn id="25" dur="1" fill="hold">
+                                            <p:cTn id="17" dur="1" fill="hold">
                                               <p:stCondLst>
                                                 <p:cond delay="0"/>
                                               </p:stCondLst>
@@ -5164,7 +4798,7 @@
                                         </p:set>
                                         <p:animEffect transition="in" filter="barn(inVertical)">
                                           <p:cBhvr>
-                                            <p:cTn id="26" dur="500"/>
+                                            <p:cTn id="18" dur="500"/>
                                             <p:tgtEl>
                                               <p:spTgt spid="34"/>
                                             </p:tgtEl>
@@ -5177,20 +4811,20 @@
                               </p:cTn>
                             </p:par>
                             <p:par>
-                              <p:cTn id="27" fill="hold">
+                              <p:cTn id="19" fill="hold">
                                 <p:stCondLst>
                                   <p:cond delay="2000"/>
                                 </p:stCondLst>
                                 <p:childTnLst>
                                   <p:par>
-                                    <p:cTn id="28" presetID="16" presetClass="entr" presetSubtype="21" fill="hold" grpId="0" nodeType="afterEffect">
+                                    <p:cTn id="20" presetID="16" presetClass="entr" presetSubtype="21" fill="hold" grpId="0" nodeType="afterEffect">
                                       <p:stCondLst>
                                         <p:cond delay="0"/>
                                       </p:stCondLst>
                                       <p:childTnLst>
                                         <p:set>
                                           <p:cBhvr>
-                                            <p:cTn id="29" dur="1" fill="hold">
+                                            <p:cTn id="21" dur="1" fill="hold">
                                               <p:stCondLst>
                                                 <p:cond delay="0"/>
                                               </p:stCondLst>
@@ -5208,7 +4842,7 @@
                                         </p:set>
                                         <p:animEffect transition="in" filter="barn(inVertical)">
                                           <p:cBhvr>
-                                            <p:cTn id="30" dur="500"/>
+                                            <p:cTn id="22" dur="500"/>
                                             <p:tgtEl>
                                               <p:spTgt spid="35"/>
                                             </p:tgtEl>
@@ -5221,20 +4855,20 @@
                               </p:cTn>
                             </p:par>
                             <p:par>
-                              <p:cTn id="31" fill="hold">
+                              <p:cTn id="23" fill="hold">
                                 <p:stCondLst>
                                   <p:cond delay="2500"/>
                                 </p:stCondLst>
                                 <p:childTnLst>
                                   <p:par>
-                                    <p:cTn id="32" presetID="16" presetClass="entr" presetSubtype="21" fill="hold" grpId="0" nodeType="afterEffect">
+                                    <p:cTn id="24" presetID="16" presetClass="entr" presetSubtype="21" fill="hold" grpId="0" nodeType="afterEffect">
                                       <p:stCondLst>
                                         <p:cond delay="0"/>
                                       </p:stCondLst>
                                       <p:childTnLst>
                                         <p:set>
                                           <p:cBhvr>
-                                            <p:cTn id="33" dur="1" fill="hold">
+                                            <p:cTn id="25" dur="1" fill="hold">
                                               <p:stCondLst>
                                                 <p:cond delay="0"/>
                                               </p:stCondLst>
@@ -5252,7 +4886,7 @@
                                         </p:set>
                                         <p:animEffect transition="in" filter="barn(inVertical)">
                                           <p:cBhvr>
-                                            <p:cTn id="34" dur="500"/>
+                                            <p:cTn id="26" dur="500"/>
                                             <p:tgtEl>
                                               <p:spTgt spid="36"/>
                                             </p:tgtEl>
@@ -9367,7 +9001,7 @@
         </p:nvGrpSpPr>
         <p:grpSpPr>
           <a:xfrm>
-            <a:off x="-8771984" y="3934"/>
+            <a:off x="-8777121" y="3934"/>
             <a:ext cx="11459348" cy="6859534"/>
             <a:chOff x="-1543570" y="-1534"/>
             <a:chExt cx="11459348" cy="6859534"/>
@@ -9512,7 +9146,7 @@
         </p:nvGrpSpPr>
         <p:grpSpPr>
           <a:xfrm>
-            <a:off x="-8239248" y="28400"/>
+            <a:off x="654690" y="28400"/>
             <a:ext cx="9588109" cy="6801200"/>
             <a:chOff x="571891" y="28400"/>
             <a:chExt cx="9588109" cy="6801200"/>
@@ -9837,7 +9471,7 @@
       </p:grpSp>
       <p:grpSp>
         <p:nvGrpSpPr>
-          <p:cNvPr id="12" name="组合 11">
+          <p:cNvPr id="12" name="组合 11" hidden="1">
             <a:extLst>
               <a:ext uri="{FF2B5EF4-FFF2-40B4-BE49-F238E27FC236}">
                 <a16:creationId xmlns:a16="http://schemas.microsoft.com/office/drawing/2014/main" id="{B2951025-4466-F7EF-45C6-A3CB7EF1CC66}"/>
@@ -9978,7 +9612,7 @@
       </p:grpSp>
       <p:grpSp>
         <p:nvGrpSpPr>
-          <p:cNvPr id="18" name="组合 17">
+          <p:cNvPr id="18" name="组合 17" hidden="1">
             <a:extLst>
               <a:ext uri="{FF2B5EF4-FFF2-40B4-BE49-F238E27FC236}">
                 <a16:creationId xmlns:a16="http://schemas.microsoft.com/office/drawing/2014/main" id="{7F6BD44A-0418-7275-D2E9-F6673D940EE8}"/>
@@ -10375,6 +10009,219 @@
           </p:txBody>
         </p:sp>
       </p:grpSp>
+      <p:grpSp>
+        <p:nvGrpSpPr>
+          <p:cNvPr id="11" name="组合 10">
+            <a:extLst>
+              <a:ext uri="{FF2B5EF4-FFF2-40B4-BE49-F238E27FC236}">
+                <a16:creationId xmlns:a16="http://schemas.microsoft.com/office/drawing/2014/main" id="{5C0017F4-1DF7-45E4-E925-F9E8846432D3}"/>
+              </a:ext>
+            </a:extLst>
+          </p:cNvPr>
+          <p:cNvGrpSpPr/>
+          <p:nvPr/>
+        </p:nvGrpSpPr>
+        <p:grpSpPr>
+          <a:xfrm>
+            <a:off x="-5904813" y="869431"/>
+            <a:ext cx="6273314" cy="5125926"/>
+            <a:chOff x="-6564329" y="849088"/>
+            <a:chExt cx="6273314" cy="5125926"/>
+          </a:xfrm>
+        </p:grpSpPr>
+        <p:pic>
+          <p:nvPicPr>
+            <p:cNvPr id="3" name="图片 2">
+              <a:extLst>
+                <a:ext uri="{FF2B5EF4-FFF2-40B4-BE49-F238E27FC236}">
+                  <a16:creationId xmlns:a16="http://schemas.microsoft.com/office/drawing/2014/main" id="{E315156A-5361-98F9-F099-68B655C511EF}"/>
+                </a:ext>
+              </a:extLst>
+            </p:cNvPr>
+            <p:cNvPicPr>
+              <a:picLocks noChangeAspect="1"/>
+            </p:cNvPicPr>
+            <p:nvPr/>
+          </p:nvPicPr>
+          <p:blipFill>
+            <a:blip r:embed="rId12"/>
+            <a:stretch>
+              <a:fillRect/>
+            </a:stretch>
+          </p:blipFill>
+          <p:spPr>
+            <a:xfrm>
+              <a:off x="-4627194" y="1667067"/>
+              <a:ext cx="2355971" cy="1422473"/>
+            </a:xfrm>
+            <a:prstGeom prst="rect">
+              <a:avLst/>
+            </a:prstGeom>
+          </p:spPr>
+        </p:pic>
+        <p:sp>
+          <p:nvSpPr>
+            <p:cNvPr id="31" name="文本框 30">
+              <a:extLst>
+                <a:ext uri="{FF2B5EF4-FFF2-40B4-BE49-F238E27FC236}">
+                  <a16:creationId xmlns:a16="http://schemas.microsoft.com/office/drawing/2014/main" id="{0523A384-3065-918D-9A14-36E0F147283F}"/>
+                </a:ext>
+              </a:extLst>
+            </p:cNvPr>
+            <p:cNvSpPr txBox="1"/>
+            <p:nvPr/>
+          </p:nvSpPr>
+          <p:spPr>
+            <a:xfrm>
+              <a:off x="-6564329" y="849088"/>
+              <a:ext cx="6159448" cy="523220"/>
+            </a:xfrm>
+            <a:prstGeom prst="rect">
+              <a:avLst/>
+            </a:prstGeom>
+            <a:noFill/>
+          </p:spPr>
+          <p:txBody>
+            <a:bodyPr wrap="square" rtlCol="0">
+              <a:spAutoFit/>
+            </a:bodyPr>
+            <a:lstStyle/>
+            <a:p>
+              <a:pPr algn="ctr"/>
+              <a:r>
+                <a:rPr lang="zh-CN" altLang="en-US" sz="2800" b="1" dirty="0">
+                  <a:solidFill>
+                    <a:schemeClr val="accent6">
+                      <a:lumMod val="60000"/>
+                      <a:lumOff val="40000"/>
+                    </a:schemeClr>
+                  </a:solidFill>
+                </a:rPr>
+                <a:t>材质作用范围</a:t>
+              </a:r>
+              <a:endParaRPr lang="zh-CN" altLang="en-US" dirty="0"/>
+            </a:p>
+          </p:txBody>
+        </p:sp>
+        <p:sp>
+          <p:nvSpPr>
+            <p:cNvPr id="6" name="文本框 5">
+              <a:extLst>
+                <a:ext uri="{FF2B5EF4-FFF2-40B4-BE49-F238E27FC236}">
+                  <a16:creationId xmlns:a16="http://schemas.microsoft.com/office/drawing/2014/main" id="{EE4CEB4F-1ACD-BF8A-0860-CD6F18A045BC}"/>
+                </a:ext>
+              </a:extLst>
+            </p:cNvPr>
+            <p:cNvSpPr txBox="1"/>
+            <p:nvPr/>
+          </p:nvSpPr>
+          <p:spPr>
+            <a:xfrm>
+              <a:off x="-5345615" y="3943689"/>
+              <a:ext cx="5054600" cy="2031325"/>
+            </a:xfrm>
+            <a:prstGeom prst="rect">
+              <a:avLst/>
+            </a:prstGeom>
+            <a:noFill/>
+          </p:spPr>
+          <p:txBody>
+            <a:bodyPr wrap="square" rtlCol="0">
+              <a:spAutoFit/>
+            </a:bodyPr>
+            <a:lstStyle/>
+            <a:p>
+              <a:r>
+                <a:rPr lang="en-US" altLang="zh-CN" dirty="0"/>
+                <a:t>Surface</a:t>
+              </a:r>
+              <a:r>
+                <a:rPr lang="zh-CN" altLang="en-US" dirty="0"/>
+                <a:t>：表面</a:t>
+              </a:r>
+              <a:endParaRPr lang="en-US" altLang="zh-CN" dirty="0"/>
+            </a:p>
+            <a:p>
+              <a:r>
+                <a:rPr lang="en-US" altLang="zh-CN" dirty="0"/>
+                <a:t>Deferred Decal</a:t>
+              </a:r>
+              <a:r>
+                <a:rPr lang="zh-CN" altLang="en-US" dirty="0"/>
+                <a:t>：延迟贴花</a:t>
+              </a:r>
+              <a:endParaRPr lang="en-US" altLang="zh-CN" dirty="0"/>
+            </a:p>
+            <a:p>
+              <a:r>
+                <a:rPr lang="en-US" altLang="zh-CN" dirty="0"/>
+                <a:t>Light Function</a:t>
+              </a:r>
+              <a:r>
+                <a:rPr lang="zh-CN" altLang="en-US" dirty="0"/>
+                <a:t>：灯光函数</a:t>
+              </a:r>
+              <a:endParaRPr lang="en-US" altLang="zh-CN" dirty="0"/>
+            </a:p>
+            <a:p>
+              <a:r>
+                <a:rPr lang="en-US" altLang="zh-CN" dirty="0"/>
+                <a:t>Volume</a:t>
+              </a:r>
+              <a:r>
+                <a:rPr lang="zh-CN" altLang="en-US" dirty="0"/>
+                <a:t>：体积材质</a:t>
+              </a:r>
+              <a:endParaRPr lang="en-US" altLang="zh-CN" dirty="0"/>
+            </a:p>
+            <a:p>
+              <a:r>
+                <a:rPr lang="en-US" altLang="zh-CN" dirty="0"/>
+                <a:t>Post Process</a:t>
+              </a:r>
+              <a:r>
+                <a:rPr lang="zh-CN" altLang="en-US" dirty="0"/>
+                <a:t>：后处理材质</a:t>
+              </a:r>
+              <a:endParaRPr lang="en-US" altLang="zh-CN" dirty="0"/>
+            </a:p>
+            <a:p>
+              <a:r>
+                <a:rPr lang="en-US" altLang="zh-CN" dirty="0"/>
+                <a:t>User Interface</a:t>
+              </a:r>
+              <a:r>
+                <a:rPr lang="zh-CN" altLang="en-US" dirty="0"/>
+                <a:t>：</a:t>
+              </a:r>
+              <a:r>
+                <a:rPr lang="en-US" altLang="zh-CN" dirty="0"/>
+                <a:t>UI</a:t>
+              </a:r>
+              <a:r>
+                <a:rPr lang="zh-CN" altLang="en-US" dirty="0"/>
+                <a:t>材质</a:t>
+              </a:r>
+              <a:endParaRPr lang="en-US" altLang="zh-CN" dirty="0"/>
+            </a:p>
+            <a:p>
+              <a:r>
+                <a:rPr lang="en-US" altLang="zh-CN" dirty="0"/>
+                <a:t>Virtual Texture</a:t>
+              </a:r>
+              <a:r>
+                <a:rPr lang="zh-CN" altLang="en-US" dirty="0"/>
+                <a:t>：用于虚拟材质</a:t>
+              </a:r>
+              <a:r>
+                <a:rPr lang="en-US" altLang="zh-CN" dirty="0"/>
+                <a:t>RVT</a:t>
+              </a:r>
+              <a:endParaRPr lang="zh-CN" altLang="en-US" dirty="0"/>
+            </a:p>
+          </p:txBody>
+        </p:sp>
+      </p:grpSp>
     </p:spTree>
     <p:extLst>
       <p:ext uri="{BB962C8B-B14F-4D97-AF65-F5344CB8AC3E}">
@@ -10465,7 +10312,7 @@
                                         <p:cond delay="0"/>
                                       </p:stCondLst>
                                       <p:childTnLst>
-                                        <p:animMotion origin="layout" path="M 3.33333E-6 1.48148E-6 L 0.67448 1.48148E-6 " pathEditMode="relative" rAng="0" ptsTypes="AA" p14:bounceEnd="51000">
+                                        <p:animMotion origin="layout" path="M -2.08333E-7 -2.96296E-6 L 0.67448 -2.96296E-6 " pathEditMode="relative" rAng="0" ptsTypes="AA" p14:bounceEnd="51000">
                                           <p:cBhvr>
                                             <p:cTn id="10" dur="1000" fill="hold"/>
                                             <p:tgtEl>
@@ -10553,18 +10400,18 @@
                                         <p:cond delay="0"/>
                                       </p:stCondLst>
                                       <p:childTnLst>
-                                        <p:animMotion origin="layout" path="M -0.15625 0 L 0.73112 0 " pathEditMode="relative" rAng="0" ptsTypes="AA" p14:bounceEnd="51000">
+                                        <p:animMotion origin="layout" path="M 3.33333E-6 -2.96296E-6 L 0.67448 -2.96296E-6 " pathEditMode="relative" rAng="0" ptsTypes="AA" p14:bounceEnd="51000">
                                           <p:cBhvr>
                                             <p:cTn id="18" dur="1000" fill="hold"/>
                                             <p:tgtEl>
-                                              <p:spTgt spid="39"/>
+                                              <p:spTgt spid="11"/>
                                             </p:tgtEl>
                                             <p:attrNameLst>
                                               <p:attrName>ppt_x</p:attrName>
                                               <p:attrName>ppt_y</p:attrName>
                                             </p:attrNameLst>
                                           </p:cBhvr>
-                                          <p:rCtr x="44362" y="0"/>
+                                          <p:rCtr x="33724" y="0"/>
                                         </p:animMotion>
                                       </p:childTnLst>
                                     </p:cTn>
@@ -10597,7 +10444,7 @@
                                           <p:cBhvr>
                                             <p:cTn id="22" dur="500"/>
                                             <p:tgtEl>
-                                              <p:spTgt spid="39"/>
+                                              <p:spTgt spid="11"/>
                                             </p:tgtEl>
                                           </p:cBhvr>
                                         </p:animEffect>
@@ -10609,7 +10456,7 @@
                                               </p:stCondLst>
                                             </p:cTn>
                                             <p:tgtEl>
-                                              <p:spTgt spid="39"/>
+                                              <p:spTgt spid="11"/>
                                             </p:tgtEl>
                                             <p:attrNameLst>
                                               <p:attrName>style.visibility</p:attrName>
@@ -10636,7 +10483,7 @@
                                               </p:stCondLst>
                                             </p:cTn>
                                             <p:tgtEl>
-                                              <p:spTgt spid="41"/>
+                                              <p:spTgt spid="39"/>
                                             </p:tgtEl>
                                             <p:attrNameLst>
                                               <p:attrName>style.visibility</p:attrName>
@@ -10650,7 +10497,7 @@
                                           <p:cBhvr>
                                             <p:cTn id="26" dur="500"/>
                                             <p:tgtEl>
-                                              <p:spTgt spid="41"/>
+                                              <p:spTgt spid="39"/>
                                             </p:tgtEl>
                                           </p:cBhvr>
                                         </p:animEffect>
@@ -10676,14 +10523,102 @@
                                 </p:stCondLst>
                                 <p:childTnLst>
                                   <p:par>
-                                    <p:cTn id="29" presetID="16" presetClass="entr" presetSubtype="21" fill="hold" nodeType="clickEffect">
+                                    <p:cTn id="29" presetID="10" presetClass="exit" presetSubtype="0" fill="hold" nodeType="clickEffect">
+                                      <p:stCondLst>
+                                        <p:cond delay="0"/>
+                                      </p:stCondLst>
+                                      <p:childTnLst>
+                                        <p:animEffect transition="out" filter="fade">
+                                          <p:cBhvr>
+                                            <p:cTn id="30" dur="500"/>
+                                            <p:tgtEl>
+                                              <p:spTgt spid="39"/>
+                                            </p:tgtEl>
+                                          </p:cBhvr>
+                                        </p:animEffect>
+                                        <p:set>
+                                          <p:cBhvr>
+                                            <p:cTn id="31" dur="1" fill="hold">
+                                              <p:stCondLst>
+                                                <p:cond delay="499"/>
+                                              </p:stCondLst>
+                                            </p:cTn>
+                                            <p:tgtEl>
+                                              <p:spTgt spid="39"/>
+                                            </p:tgtEl>
+                                            <p:attrNameLst>
+                                              <p:attrName>style.visibility</p:attrName>
+                                            </p:attrNameLst>
+                                          </p:cBhvr>
+                                          <p:to>
+                                            <p:strVal val="hidden"/>
+                                          </p:to>
+                                        </p:set>
+                                      </p:childTnLst>
+                                    </p:cTn>
+                                  </p:par>
+                                  <p:par>
+                                    <p:cTn id="32" presetID="10" presetClass="entr" presetSubtype="0" fill="hold" nodeType="withEffect">
                                       <p:stCondLst>
                                         <p:cond delay="0"/>
                                       </p:stCondLst>
                                       <p:childTnLst>
                                         <p:set>
                                           <p:cBhvr>
-                                            <p:cTn id="30" dur="1" fill="hold">
+                                            <p:cTn id="33" dur="1" fill="hold">
+                                              <p:stCondLst>
+                                                <p:cond delay="0"/>
+                                              </p:stCondLst>
+                                            </p:cTn>
+                                            <p:tgtEl>
+                                              <p:spTgt spid="41"/>
+                                            </p:tgtEl>
+                                            <p:attrNameLst>
+                                              <p:attrName>style.visibility</p:attrName>
+                                            </p:attrNameLst>
+                                          </p:cBhvr>
+                                          <p:to>
+                                            <p:strVal val="visible"/>
+                                          </p:to>
+                                        </p:set>
+                                        <p:animEffect transition="in" filter="fade">
+                                          <p:cBhvr>
+                                            <p:cTn id="34" dur="500"/>
+                                            <p:tgtEl>
+                                              <p:spTgt spid="41"/>
+                                            </p:tgtEl>
+                                          </p:cBhvr>
+                                        </p:animEffect>
+                                      </p:childTnLst>
+                                    </p:cTn>
+                                  </p:par>
+                                </p:childTnLst>
+                              </p:cTn>
+                            </p:par>
+                          </p:childTnLst>
+                        </p:cTn>
+                      </p:par>
+                      <p:par>
+                        <p:cTn id="35" fill="hold">
+                          <p:stCondLst>
+                            <p:cond delay="indefinite"/>
+                          </p:stCondLst>
+                          <p:childTnLst>
+                            <p:par>
+                              <p:cTn id="36" fill="hold">
+                                <p:stCondLst>
+                                  <p:cond delay="0"/>
+                                </p:stCondLst>
+                                <p:childTnLst>
+                                  <p:par>
+                                    <p:cTn id="37" presetID="16" presetClass="entr" presetSubtype="21" fill="hold" nodeType="clickEffect">
+                                      <p:stCondLst>
+                                        <p:cond delay="0"/>
+                                      </p:stCondLst>
+                                      <p:childTnLst>
+                                        <p:set>
+                                          <p:cBhvr>
+                                            <p:cTn id="38" dur="1" fill="hold">
                                               <p:stCondLst>
                                                 <p:cond delay="0"/>
                                               </p:stCondLst>
@@ -10701,7 +10636,7 @@
                                         </p:set>
                                         <p:animEffect transition="in" filter="barn(inVertical)">
                                           <p:cBhvr>
-                                            <p:cTn id="31" dur="500"/>
+                                            <p:cTn id="39" dur="500"/>
                                             <p:tgtEl>
                                               <p:spTgt spid="54"/>
                                             </p:tgtEl>
@@ -10813,7 +10748,7 @@
                                         <p:cond delay="0"/>
                                       </p:stCondLst>
                                       <p:childTnLst>
-                                        <p:animMotion origin="layout" path="M 3.33333E-6 1.48148E-6 L 0.67448 1.48148E-6 " pathEditMode="relative" rAng="0" ptsTypes="AA">
+                                        <p:animMotion origin="layout" path="M -2.08333E-7 -2.96296E-6 L 0.67448 -2.96296E-6 " pathEditMode="relative" rAng="0" ptsTypes="AA">
                                           <p:cBhvr>
                                             <p:cTn id="10" dur="1000" fill="hold"/>
                                             <p:tgtEl>
@@ -10901,18 +10836,18 @@
                                         <p:cond delay="0"/>
                                       </p:stCondLst>
                                       <p:childTnLst>
-                                        <p:animMotion origin="layout" path="M -0.15625 0 L 0.73112 0 " pathEditMode="relative" rAng="0" ptsTypes="AA">
+                                        <p:animMotion origin="layout" path="M 3.33333E-6 -2.96296E-6 L 0.67448 -2.96296E-6 " pathEditMode="relative" rAng="0" ptsTypes="AA">
                                           <p:cBhvr>
                                             <p:cTn id="18" dur="1000" fill="hold"/>
                                             <p:tgtEl>
-                                              <p:spTgt spid="39"/>
+                                              <p:spTgt spid="11"/>
                                             </p:tgtEl>
                                             <p:attrNameLst>
                                               <p:attrName>ppt_x</p:attrName>
                                               <p:attrName>ppt_y</p:attrName>
                                             </p:attrNameLst>
                                           </p:cBhvr>
-                                          <p:rCtr x="44362" y="0"/>
+                                          <p:rCtr x="33724" y="0"/>
                                         </p:animMotion>
                                       </p:childTnLst>
                                     </p:cTn>
@@ -10945,7 +10880,7 @@
                                           <p:cBhvr>
                                             <p:cTn id="22" dur="500"/>
                                             <p:tgtEl>
-                                              <p:spTgt spid="39"/>
+                                              <p:spTgt spid="11"/>
                                             </p:tgtEl>
                                           </p:cBhvr>
                                         </p:animEffect>
@@ -10957,7 +10892,7 @@
                                               </p:stCondLst>
                                             </p:cTn>
                                             <p:tgtEl>
-                                              <p:spTgt spid="39"/>
+                                              <p:spTgt spid="11"/>
                                             </p:tgtEl>
                                             <p:attrNameLst>
                                               <p:attrName>style.visibility</p:attrName>
@@ -10984,7 +10919,7 @@
                                               </p:stCondLst>
                                             </p:cTn>
                                             <p:tgtEl>
-                                              <p:spTgt spid="41"/>
+                                              <p:spTgt spid="39"/>
                                             </p:tgtEl>
                                             <p:attrNameLst>
                                               <p:attrName>style.visibility</p:attrName>
@@ -10998,7 +10933,7 @@
                                           <p:cBhvr>
                                             <p:cTn id="26" dur="500"/>
                                             <p:tgtEl>
-                                              <p:spTgt spid="41"/>
+                                              <p:spTgt spid="39"/>
                                             </p:tgtEl>
                                           </p:cBhvr>
                                         </p:animEffect>
@@ -11024,14 +10959,102 @@
                                 </p:stCondLst>
                                 <p:childTnLst>
                                   <p:par>
-                                    <p:cTn id="29" presetID="16" presetClass="entr" presetSubtype="21" fill="hold" nodeType="clickEffect">
+                                    <p:cTn id="29" presetID="10" presetClass="exit" presetSubtype="0" fill="hold" nodeType="clickEffect">
+                                      <p:stCondLst>
+                                        <p:cond delay="0"/>
+                                      </p:stCondLst>
+                                      <p:childTnLst>
+                                        <p:animEffect transition="out" filter="fade">
+                                          <p:cBhvr>
+                                            <p:cTn id="30" dur="500"/>
+                                            <p:tgtEl>
+                                              <p:spTgt spid="39"/>
+                                            </p:tgtEl>
+                                          </p:cBhvr>
+                                        </p:animEffect>
+                                        <p:set>
+                                          <p:cBhvr>
+                                            <p:cTn id="31" dur="1" fill="hold">
+                                              <p:stCondLst>
+                                                <p:cond delay="499"/>
+                                              </p:stCondLst>
+                                            </p:cTn>
+                                            <p:tgtEl>
+                                              <p:spTgt spid="39"/>
+                                            </p:tgtEl>
+                                            <p:attrNameLst>
+                                              <p:attrName>style.visibility</p:attrName>
+                                            </p:attrNameLst>
+                                          </p:cBhvr>
+                                          <p:to>
+                                            <p:strVal val="hidden"/>
+                                          </p:to>
+                                        </p:set>
+                                      </p:childTnLst>
+                                    </p:cTn>
+                                  </p:par>
+                                  <p:par>
+                                    <p:cTn id="32" presetID="10" presetClass="entr" presetSubtype="0" fill="hold" nodeType="withEffect">
                                       <p:stCondLst>
                                         <p:cond delay="0"/>
                                       </p:stCondLst>
                                       <p:childTnLst>
                                         <p:set>
                                           <p:cBhvr>
-                                            <p:cTn id="30" dur="1" fill="hold">
+                                            <p:cTn id="33" dur="1" fill="hold">
+                                              <p:stCondLst>
+                                                <p:cond delay="0"/>
+                                              </p:stCondLst>
+                                            </p:cTn>
+                                            <p:tgtEl>
+                                              <p:spTgt spid="41"/>
+                                            </p:tgtEl>
+                                            <p:attrNameLst>
+                                              <p:attrName>style.visibility</p:attrName>
+                                            </p:attrNameLst>
+                                          </p:cBhvr>
+                                          <p:to>
+                                            <p:strVal val="visible"/>
+                                          </p:to>
+                                        </p:set>
+                                        <p:animEffect transition="in" filter="fade">
+                                          <p:cBhvr>
+                                            <p:cTn id="34" dur="500"/>
+                                            <p:tgtEl>
+                                              <p:spTgt spid="41"/>
+                                            </p:tgtEl>
+                                          </p:cBhvr>
+                                        </p:animEffect>
+                                      </p:childTnLst>
+                                    </p:cTn>
+                                  </p:par>
+                                </p:childTnLst>
+                              </p:cTn>
+                            </p:par>
+                          </p:childTnLst>
+                        </p:cTn>
+                      </p:par>
+                      <p:par>
+                        <p:cTn id="35" fill="hold">
+                          <p:stCondLst>
+                            <p:cond delay="indefinite"/>
+                          </p:stCondLst>
+                          <p:childTnLst>
+                            <p:par>
+                              <p:cTn id="36" fill="hold">
+                                <p:stCondLst>
+                                  <p:cond delay="0"/>
+                                </p:stCondLst>
+                                <p:childTnLst>
+                                  <p:par>
+                                    <p:cTn id="37" presetID="16" presetClass="entr" presetSubtype="21" fill="hold" nodeType="clickEffect">
+                                      <p:stCondLst>
+                                        <p:cond delay="0"/>
+                                      </p:stCondLst>
+                                      <p:childTnLst>
+                                        <p:set>
+                                          <p:cBhvr>
+                                            <p:cTn id="38" dur="1" fill="hold">
                                               <p:stCondLst>
                                                 <p:cond delay="0"/>
                                               </p:stCondLst>
@@ -11049,7 +11072,7 @@
                                         </p:set>
                                         <p:animEffect transition="in" filter="barn(inVertical)">
                                           <p:cBhvr>
-                                            <p:cTn id="31" dur="500"/>
+                                            <p:cTn id="39" dur="500"/>
                                             <p:tgtEl>
                                               <p:spTgt spid="54"/>
                                             </p:tgtEl>
